--- a/package-management-with-azure-artifacts/images/figures.pptx
+++ b/package-management-with-azure-artifacts/images/figures.pptx
@@ -2,22 +2,24 @@
 <file path=ppt/presentation.xml><?xml version="1.0" encoding="utf-8"?>
 <p:presentation xmlns:a="http://schemas.openxmlformats.org/drawingml/2006/main" xmlns:r="http://schemas.openxmlformats.org/officeDocument/2006/relationships" xmlns:p="http://schemas.openxmlformats.org/presentationml/2006/main" saveSubsetFonts="1">
   <p:sldMasterIdLst>
-    <p:sldMasterId id="2147483648" r:id="rId1"/>
+    <p:sldMasterId id="2147483672" r:id="rId1"/>
   </p:sldMasterIdLst>
   <p:notesMasterIdLst>
-    <p:notesMasterId r:id="rId3"/>
+    <p:notesMasterId r:id="rId5"/>
   </p:notesMasterIdLst>
   <p:sldIdLst>
     <p:sldId id="256" r:id="rId2"/>
+    <p:sldId id="258" r:id="rId3"/>
+    <p:sldId id="257" r:id="rId4"/>
   </p:sldIdLst>
   <p:sldSz cx="12192000" cy="6858000"/>
   <p:notesSz cx="6858000" cy="9144000"/>
   <p:defaultTextStyle>
     <a:defPPr>
-      <a:defRPr lang="ja-JP"/>
+      <a:defRPr lang="en-US"/>
     </a:defPPr>
-    <a:lvl1pPr marL="0" algn="l" defTabSz="914400" rtl="0" eaLnBrk="1" latinLnBrk="0" hangingPunct="1">
-      <a:defRPr kumimoji="1" sz="1800" kern="1200">
+    <a:lvl1pPr marL="0" algn="l" defTabSz="457200" rtl="0" eaLnBrk="1" latinLnBrk="0" hangingPunct="1">
+      <a:defRPr sz="1800" kern="1200">
         <a:solidFill>
           <a:schemeClr val="tx1"/>
         </a:solidFill>
@@ -26,8 +28,8 @@
         <a:cs typeface="+mn-cs"/>
       </a:defRPr>
     </a:lvl1pPr>
-    <a:lvl2pPr marL="457200" algn="l" defTabSz="914400" rtl="0" eaLnBrk="1" latinLnBrk="0" hangingPunct="1">
-      <a:defRPr kumimoji="1" sz="1800" kern="1200">
+    <a:lvl2pPr marL="457200" algn="l" defTabSz="457200" rtl="0" eaLnBrk="1" latinLnBrk="0" hangingPunct="1">
+      <a:defRPr sz="1800" kern="1200">
         <a:solidFill>
           <a:schemeClr val="tx1"/>
         </a:solidFill>
@@ -36,8 +38,8 @@
         <a:cs typeface="+mn-cs"/>
       </a:defRPr>
     </a:lvl2pPr>
-    <a:lvl3pPr marL="914400" algn="l" defTabSz="914400" rtl="0" eaLnBrk="1" latinLnBrk="0" hangingPunct="1">
-      <a:defRPr kumimoji="1" sz="1800" kern="1200">
+    <a:lvl3pPr marL="914400" algn="l" defTabSz="457200" rtl="0" eaLnBrk="1" latinLnBrk="0" hangingPunct="1">
+      <a:defRPr sz="1800" kern="1200">
         <a:solidFill>
           <a:schemeClr val="tx1"/>
         </a:solidFill>
@@ -46,8 +48,8 @@
         <a:cs typeface="+mn-cs"/>
       </a:defRPr>
     </a:lvl3pPr>
-    <a:lvl4pPr marL="1371600" algn="l" defTabSz="914400" rtl="0" eaLnBrk="1" latinLnBrk="0" hangingPunct="1">
-      <a:defRPr kumimoji="1" sz="1800" kern="1200">
+    <a:lvl4pPr marL="1371600" algn="l" defTabSz="457200" rtl="0" eaLnBrk="1" latinLnBrk="0" hangingPunct="1">
+      <a:defRPr sz="1800" kern="1200">
         <a:solidFill>
           <a:schemeClr val="tx1"/>
         </a:solidFill>
@@ -56,8 +58,8 @@
         <a:cs typeface="+mn-cs"/>
       </a:defRPr>
     </a:lvl4pPr>
-    <a:lvl5pPr marL="1828800" algn="l" defTabSz="914400" rtl="0" eaLnBrk="1" latinLnBrk="0" hangingPunct="1">
-      <a:defRPr kumimoji="1" sz="1800" kern="1200">
+    <a:lvl5pPr marL="1828800" algn="l" defTabSz="457200" rtl="0" eaLnBrk="1" latinLnBrk="0" hangingPunct="1">
+      <a:defRPr sz="1800" kern="1200">
         <a:solidFill>
           <a:schemeClr val="tx1"/>
         </a:solidFill>
@@ -66,8 +68,8 @@
         <a:cs typeface="+mn-cs"/>
       </a:defRPr>
     </a:lvl5pPr>
-    <a:lvl6pPr marL="2286000" algn="l" defTabSz="914400" rtl="0" eaLnBrk="1" latinLnBrk="0" hangingPunct="1">
-      <a:defRPr kumimoji="1" sz="1800" kern="1200">
+    <a:lvl6pPr marL="2286000" algn="l" defTabSz="457200" rtl="0" eaLnBrk="1" latinLnBrk="0" hangingPunct="1">
+      <a:defRPr sz="1800" kern="1200">
         <a:solidFill>
           <a:schemeClr val="tx1"/>
         </a:solidFill>
@@ -76,8 +78,8 @@
         <a:cs typeface="+mn-cs"/>
       </a:defRPr>
     </a:lvl6pPr>
-    <a:lvl7pPr marL="2743200" algn="l" defTabSz="914400" rtl="0" eaLnBrk="1" latinLnBrk="0" hangingPunct="1">
-      <a:defRPr kumimoji="1" sz="1800" kern="1200">
+    <a:lvl7pPr marL="2743200" algn="l" defTabSz="457200" rtl="0" eaLnBrk="1" latinLnBrk="0" hangingPunct="1">
+      <a:defRPr sz="1800" kern="1200">
         <a:solidFill>
           <a:schemeClr val="tx1"/>
         </a:solidFill>
@@ -86,8 +88,8 @@
         <a:cs typeface="+mn-cs"/>
       </a:defRPr>
     </a:lvl7pPr>
-    <a:lvl8pPr marL="3200400" algn="l" defTabSz="914400" rtl="0" eaLnBrk="1" latinLnBrk="0" hangingPunct="1">
-      <a:defRPr kumimoji="1" sz="1800" kern="1200">
+    <a:lvl8pPr marL="3200400" algn="l" defTabSz="457200" rtl="0" eaLnBrk="1" latinLnBrk="0" hangingPunct="1">
+      <a:defRPr sz="1800" kern="1200">
         <a:solidFill>
           <a:schemeClr val="tx1"/>
         </a:solidFill>
@@ -96,8 +98,8 @@
         <a:cs typeface="+mn-cs"/>
       </a:defRPr>
     </a:lvl8pPr>
-    <a:lvl9pPr marL="3657600" algn="l" defTabSz="914400" rtl="0" eaLnBrk="1" latinLnBrk="0" hangingPunct="1">
-      <a:defRPr kumimoji="1" sz="1800" kern="1200">
+    <a:lvl9pPr marL="3657600" algn="l" defTabSz="457200" rtl="0" eaLnBrk="1" latinLnBrk="0" hangingPunct="1">
+      <a:defRPr sz="1800" kern="1200">
         <a:solidFill>
           <a:schemeClr val="tx1"/>
         </a:solidFill>
@@ -515,13 +517,7 @@
       </p:grpSpPr>
       <p:sp>
         <p:nvSpPr>
-          <p:cNvPr id="2" name="タイトル 1">
-            <a:extLst>
-              <a:ext uri="{FF2B5EF4-FFF2-40B4-BE49-F238E27FC236}">
-                <a16:creationId xmlns:a16="http://schemas.microsoft.com/office/drawing/2014/main" id="{ABDC2B48-1DB9-4550-BD99-CDBDBC0FE4E4}"/>
-              </a:ext>
-            </a:extLst>
-          </p:cNvPr>
+          <p:cNvPr id="2" name="Title 1"/>
           <p:cNvSpPr>
             <a:spLocks noGrp="1"/>
           </p:cNvSpPr>
@@ -544,21 +540,16 @@
           </a:lstStyle>
           <a:p>
             <a:r>
-              <a:rPr kumimoji="1" lang="ja-JP" altLang="en-US"/>
+              <a:rPr lang="ja-JP" altLang="en-US"/>
               <a:t>マスター タイトルの書式設定</a:t>
             </a:r>
-          </a:p>
-        </p:txBody>
-      </p:sp>
-      <p:sp>
-        <p:nvSpPr>
-          <p:cNvPr id="3" name="字幕 2">
-            <a:extLst>
-              <a:ext uri="{FF2B5EF4-FFF2-40B4-BE49-F238E27FC236}">
-                <a16:creationId xmlns:a16="http://schemas.microsoft.com/office/drawing/2014/main" id="{A1F232B2-64F7-4F41-8F27-75ED3179EEC9}"/>
-              </a:ext>
-            </a:extLst>
-          </p:cNvPr>
+            <a:endParaRPr lang="en-US" dirty="0"/>
+          </a:p>
+        </p:txBody>
+      </p:sp>
+      <p:sp>
+        <p:nvSpPr>
+          <p:cNvPr id="3" name="Subtitle 2"/>
           <p:cNvSpPr>
             <a:spLocks noGrp="1"/>
           </p:cNvSpPr>
@@ -614,21 +605,16 @@
           </a:lstStyle>
           <a:p>
             <a:r>
-              <a:rPr kumimoji="1" lang="ja-JP" altLang="en-US"/>
+              <a:rPr lang="ja-JP" altLang="en-US"/>
               <a:t>マスター サブタイトルの書式設定</a:t>
             </a:r>
-          </a:p>
-        </p:txBody>
-      </p:sp>
-      <p:sp>
-        <p:nvSpPr>
-          <p:cNvPr id="4" name="日付プレースホルダー 3">
-            <a:extLst>
-              <a:ext uri="{FF2B5EF4-FFF2-40B4-BE49-F238E27FC236}">
-                <a16:creationId xmlns:a16="http://schemas.microsoft.com/office/drawing/2014/main" id="{CC1531A6-E873-4A64-8898-CBEBD14A5B6F}"/>
-              </a:ext>
-            </a:extLst>
-          </p:cNvPr>
+            <a:endParaRPr lang="en-US" dirty="0"/>
+          </a:p>
+        </p:txBody>
+      </p:sp>
+      <p:sp>
+        <p:nvSpPr>
+          <p:cNvPr id="4" name="Date Placeholder 3"/>
           <p:cNvSpPr>
             <a:spLocks noGrp="1"/>
           </p:cNvSpPr>
@@ -651,13 +637,7 @@
       </p:sp>
       <p:sp>
         <p:nvSpPr>
-          <p:cNvPr id="5" name="フッター プレースホルダー 4">
-            <a:extLst>
-              <a:ext uri="{FF2B5EF4-FFF2-40B4-BE49-F238E27FC236}">
-                <a16:creationId xmlns:a16="http://schemas.microsoft.com/office/drawing/2014/main" id="{2B0A5DD1-D88F-45F0-8BB8-D85CFE154D47}"/>
-              </a:ext>
-            </a:extLst>
-          </p:cNvPr>
+          <p:cNvPr id="5" name="Footer Placeholder 4"/>
           <p:cNvSpPr>
             <a:spLocks noGrp="1"/>
           </p:cNvSpPr>
@@ -676,13 +656,7 @@
       </p:sp>
       <p:sp>
         <p:nvSpPr>
-          <p:cNvPr id="6" name="スライド番号プレースホルダー 5">
-            <a:extLst>
-              <a:ext uri="{FF2B5EF4-FFF2-40B4-BE49-F238E27FC236}">
-                <a16:creationId xmlns:a16="http://schemas.microsoft.com/office/drawing/2014/main" id="{00B43B4C-AE55-4C53-8C83-BC0E33674828}"/>
-              </a:ext>
-            </a:extLst>
-          </p:cNvPr>
+          <p:cNvPr id="6" name="Slide Number Placeholder 5"/>
           <p:cNvSpPr>
             <a:spLocks noGrp="1"/>
           </p:cNvSpPr>
@@ -706,7 +680,7 @@
     </p:spTree>
     <p:extLst>
       <p:ext uri="{BB962C8B-B14F-4D97-AF65-F5344CB8AC3E}">
-        <p14:creationId xmlns:p14="http://schemas.microsoft.com/office/powerpoint/2010/main" val="2386719707"/>
+        <p14:creationId xmlns:p14="http://schemas.microsoft.com/office/powerpoint/2010/main" val="2466941445"/>
       </p:ext>
     </p:extLst>
   </p:cSld>
@@ -735,13 +709,7 @@
       </p:grpSpPr>
       <p:sp>
         <p:nvSpPr>
-          <p:cNvPr id="2" name="タイトル 1">
-            <a:extLst>
-              <a:ext uri="{FF2B5EF4-FFF2-40B4-BE49-F238E27FC236}">
-                <a16:creationId xmlns:a16="http://schemas.microsoft.com/office/drawing/2014/main" id="{0C57899E-72E8-4C8A-A694-17AE3203D090}"/>
-              </a:ext>
-            </a:extLst>
-          </p:cNvPr>
+          <p:cNvPr id="2" name="Title 1"/>
           <p:cNvSpPr>
             <a:spLocks noGrp="1"/>
           </p:cNvSpPr>
@@ -755,21 +723,16 @@
           <a:lstStyle/>
           <a:p>
             <a:r>
-              <a:rPr kumimoji="1" lang="ja-JP" altLang="en-US"/>
+              <a:rPr lang="ja-JP" altLang="en-US"/>
               <a:t>マスター タイトルの書式設定</a:t>
             </a:r>
-          </a:p>
-        </p:txBody>
-      </p:sp>
-      <p:sp>
-        <p:nvSpPr>
-          <p:cNvPr id="3" name="縦書きテキスト プレースホルダー 2">
-            <a:extLst>
-              <a:ext uri="{FF2B5EF4-FFF2-40B4-BE49-F238E27FC236}">
-                <a16:creationId xmlns:a16="http://schemas.microsoft.com/office/drawing/2014/main" id="{2D4EC6B5-8508-4200-AEF7-FBF3F368BBD9}"/>
-              </a:ext>
-            </a:extLst>
-          </p:cNvPr>
+            <a:endParaRPr lang="en-US" dirty="0"/>
+          </a:p>
+        </p:txBody>
+      </p:sp>
+      <p:sp>
+        <p:nvSpPr>
+          <p:cNvPr id="3" name="Vertical Text Placeholder 2"/>
           <p:cNvSpPr>
             <a:spLocks noGrp="1"/>
           </p:cNvSpPr>
@@ -784,81 +747,76 @@
           <a:p>
             <a:pPr lvl="0"/>
             <a:r>
-              <a:rPr kumimoji="1" lang="ja-JP" altLang="en-US"/>
+              <a:rPr lang="ja-JP" altLang="en-US"/>
               <a:t>マスター テキストの書式設定</a:t>
             </a:r>
           </a:p>
           <a:p>
             <a:pPr lvl="1"/>
             <a:r>
-              <a:rPr kumimoji="1" lang="ja-JP" altLang="en-US"/>
+              <a:rPr lang="ja-JP" altLang="en-US"/>
               <a:t>第 </a:t>
             </a:r>
             <a:r>
-              <a:rPr kumimoji="1" lang="en-US" altLang="ja-JP"/>
+              <a:rPr lang="en-US" altLang="ja-JP"/>
               <a:t>2 </a:t>
             </a:r>
             <a:r>
-              <a:rPr kumimoji="1" lang="ja-JP" altLang="en-US"/>
+              <a:rPr lang="ja-JP" altLang="en-US"/>
               <a:t>レベル</a:t>
             </a:r>
           </a:p>
           <a:p>
             <a:pPr lvl="2"/>
             <a:r>
-              <a:rPr kumimoji="1" lang="ja-JP" altLang="en-US"/>
+              <a:rPr lang="ja-JP" altLang="en-US"/>
               <a:t>第 </a:t>
             </a:r>
             <a:r>
-              <a:rPr kumimoji="1" lang="en-US" altLang="ja-JP"/>
+              <a:rPr lang="en-US" altLang="ja-JP"/>
               <a:t>3 </a:t>
             </a:r>
             <a:r>
-              <a:rPr kumimoji="1" lang="ja-JP" altLang="en-US"/>
+              <a:rPr lang="ja-JP" altLang="en-US"/>
               <a:t>レベル</a:t>
             </a:r>
           </a:p>
           <a:p>
             <a:pPr lvl="3"/>
             <a:r>
-              <a:rPr kumimoji="1" lang="ja-JP" altLang="en-US"/>
+              <a:rPr lang="ja-JP" altLang="en-US"/>
               <a:t>第 </a:t>
             </a:r>
             <a:r>
-              <a:rPr kumimoji="1" lang="en-US" altLang="ja-JP"/>
+              <a:rPr lang="en-US" altLang="ja-JP"/>
               <a:t>4 </a:t>
             </a:r>
             <a:r>
-              <a:rPr kumimoji="1" lang="ja-JP" altLang="en-US"/>
+              <a:rPr lang="ja-JP" altLang="en-US"/>
               <a:t>レベル</a:t>
             </a:r>
           </a:p>
           <a:p>
             <a:pPr lvl="4"/>
             <a:r>
-              <a:rPr kumimoji="1" lang="ja-JP" altLang="en-US"/>
+              <a:rPr lang="ja-JP" altLang="en-US"/>
               <a:t>第 </a:t>
             </a:r>
             <a:r>
-              <a:rPr kumimoji="1" lang="en-US" altLang="ja-JP"/>
+              <a:rPr lang="en-US" altLang="ja-JP"/>
               <a:t>5 </a:t>
             </a:r>
             <a:r>
-              <a:rPr kumimoji="1" lang="ja-JP" altLang="en-US"/>
+              <a:rPr lang="ja-JP" altLang="en-US"/>
               <a:t>レベル</a:t>
             </a:r>
-          </a:p>
-        </p:txBody>
-      </p:sp>
-      <p:sp>
-        <p:nvSpPr>
-          <p:cNvPr id="4" name="日付プレースホルダー 3">
-            <a:extLst>
-              <a:ext uri="{FF2B5EF4-FFF2-40B4-BE49-F238E27FC236}">
-                <a16:creationId xmlns:a16="http://schemas.microsoft.com/office/drawing/2014/main" id="{712079C2-0713-4A9D-B94B-15BF19EC74EF}"/>
-              </a:ext>
-            </a:extLst>
-          </p:cNvPr>
+            <a:endParaRPr lang="en-US" dirty="0"/>
+          </a:p>
+        </p:txBody>
+      </p:sp>
+      <p:sp>
+        <p:nvSpPr>
+          <p:cNvPr id="4" name="Date Placeholder 3"/>
           <p:cNvSpPr>
             <a:spLocks noGrp="1"/>
           </p:cNvSpPr>
@@ -881,13 +839,7 @@
       </p:sp>
       <p:sp>
         <p:nvSpPr>
-          <p:cNvPr id="5" name="フッター プレースホルダー 4">
-            <a:extLst>
-              <a:ext uri="{FF2B5EF4-FFF2-40B4-BE49-F238E27FC236}">
-                <a16:creationId xmlns:a16="http://schemas.microsoft.com/office/drawing/2014/main" id="{2FE7851D-2D6D-46D9-AA82-B76554168190}"/>
-              </a:ext>
-            </a:extLst>
-          </p:cNvPr>
+          <p:cNvPr id="5" name="Footer Placeholder 4"/>
           <p:cNvSpPr>
             <a:spLocks noGrp="1"/>
           </p:cNvSpPr>
@@ -906,13 +858,7 @@
       </p:sp>
       <p:sp>
         <p:nvSpPr>
-          <p:cNvPr id="6" name="スライド番号プレースホルダー 5">
-            <a:extLst>
-              <a:ext uri="{FF2B5EF4-FFF2-40B4-BE49-F238E27FC236}">
-                <a16:creationId xmlns:a16="http://schemas.microsoft.com/office/drawing/2014/main" id="{2638ED67-A500-44C9-95D4-DD3410E9E0BE}"/>
-              </a:ext>
-            </a:extLst>
-          </p:cNvPr>
+          <p:cNvPr id="6" name="Slide Number Placeholder 5"/>
           <p:cNvSpPr>
             <a:spLocks noGrp="1"/>
           </p:cNvSpPr>
@@ -936,7 +882,7 @@
     </p:spTree>
     <p:extLst>
       <p:ext uri="{BB962C8B-B14F-4D97-AF65-F5344CB8AC3E}">
-        <p14:creationId xmlns:p14="http://schemas.microsoft.com/office/powerpoint/2010/main" val="479740420"/>
+        <p14:creationId xmlns:p14="http://schemas.microsoft.com/office/powerpoint/2010/main" val="3401754414"/>
       </p:ext>
     </p:extLst>
   </p:cSld>
@@ -965,13 +911,7 @@
       </p:grpSpPr>
       <p:sp>
         <p:nvSpPr>
-          <p:cNvPr id="2" name="縦書きタイトル 1">
-            <a:extLst>
-              <a:ext uri="{FF2B5EF4-FFF2-40B4-BE49-F238E27FC236}">
-                <a16:creationId xmlns:a16="http://schemas.microsoft.com/office/drawing/2014/main" id="{E4CE8D26-AFB3-433C-83C9-E0244F5624DD}"/>
-              </a:ext>
-            </a:extLst>
-          </p:cNvPr>
+          <p:cNvPr id="2" name="Vertical Title 1"/>
           <p:cNvSpPr>
             <a:spLocks noGrp="1"/>
           </p:cNvSpPr>
@@ -990,21 +930,16 @@
           <a:lstStyle/>
           <a:p>
             <a:r>
-              <a:rPr kumimoji="1" lang="ja-JP" altLang="en-US"/>
+              <a:rPr lang="ja-JP" altLang="en-US"/>
               <a:t>マスター タイトルの書式設定</a:t>
             </a:r>
-          </a:p>
-        </p:txBody>
-      </p:sp>
-      <p:sp>
-        <p:nvSpPr>
-          <p:cNvPr id="3" name="縦書きテキスト プレースホルダー 2">
-            <a:extLst>
-              <a:ext uri="{FF2B5EF4-FFF2-40B4-BE49-F238E27FC236}">
-                <a16:creationId xmlns:a16="http://schemas.microsoft.com/office/drawing/2014/main" id="{5A3E961D-C00C-4815-B08C-75DAFA5F3B2B}"/>
-              </a:ext>
-            </a:extLst>
-          </p:cNvPr>
+            <a:endParaRPr lang="en-US" dirty="0"/>
+          </a:p>
+        </p:txBody>
+      </p:sp>
+      <p:sp>
+        <p:nvSpPr>
+          <p:cNvPr id="3" name="Vertical Text Placeholder 2"/>
           <p:cNvSpPr>
             <a:spLocks noGrp="1"/>
           </p:cNvSpPr>
@@ -1024,81 +959,76 @@
           <a:p>
             <a:pPr lvl="0"/>
             <a:r>
-              <a:rPr kumimoji="1" lang="ja-JP" altLang="en-US"/>
+              <a:rPr lang="ja-JP" altLang="en-US"/>
               <a:t>マスター テキストの書式設定</a:t>
             </a:r>
           </a:p>
           <a:p>
             <a:pPr lvl="1"/>
             <a:r>
-              <a:rPr kumimoji="1" lang="ja-JP" altLang="en-US"/>
+              <a:rPr lang="ja-JP" altLang="en-US"/>
               <a:t>第 </a:t>
             </a:r>
             <a:r>
-              <a:rPr kumimoji="1" lang="en-US" altLang="ja-JP"/>
+              <a:rPr lang="en-US" altLang="ja-JP"/>
               <a:t>2 </a:t>
             </a:r>
             <a:r>
-              <a:rPr kumimoji="1" lang="ja-JP" altLang="en-US"/>
+              <a:rPr lang="ja-JP" altLang="en-US"/>
               <a:t>レベル</a:t>
             </a:r>
           </a:p>
           <a:p>
             <a:pPr lvl="2"/>
             <a:r>
-              <a:rPr kumimoji="1" lang="ja-JP" altLang="en-US"/>
+              <a:rPr lang="ja-JP" altLang="en-US"/>
               <a:t>第 </a:t>
             </a:r>
             <a:r>
-              <a:rPr kumimoji="1" lang="en-US" altLang="ja-JP"/>
+              <a:rPr lang="en-US" altLang="ja-JP"/>
               <a:t>3 </a:t>
             </a:r>
             <a:r>
-              <a:rPr kumimoji="1" lang="ja-JP" altLang="en-US"/>
+              <a:rPr lang="ja-JP" altLang="en-US"/>
               <a:t>レベル</a:t>
             </a:r>
           </a:p>
           <a:p>
             <a:pPr lvl="3"/>
             <a:r>
-              <a:rPr kumimoji="1" lang="ja-JP" altLang="en-US"/>
+              <a:rPr lang="ja-JP" altLang="en-US"/>
               <a:t>第 </a:t>
             </a:r>
             <a:r>
-              <a:rPr kumimoji="1" lang="en-US" altLang="ja-JP"/>
+              <a:rPr lang="en-US" altLang="ja-JP"/>
               <a:t>4 </a:t>
             </a:r>
             <a:r>
-              <a:rPr kumimoji="1" lang="ja-JP" altLang="en-US"/>
+              <a:rPr lang="ja-JP" altLang="en-US"/>
               <a:t>レベル</a:t>
             </a:r>
           </a:p>
           <a:p>
             <a:pPr lvl="4"/>
             <a:r>
-              <a:rPr kumimoji="1" lang="ja-JP" altLang="en-US"/>
+              <a:rPr lang="ja-JP" altLang="en-US"/>
               <a:t>第 </a:t>
             </a:r>
             <a:r>
-              <a:rPr kumimoji="1" lang="en-US" altLang="ja-JP"/>
+              <a:rPr lang="en-US" altLang="ja-JP"/>
               <a:t>5 </a:t>
             </a:r>
             <a:r>
-              <a:rPr kumimoji="1" lang="ja-JP" altLang="en-US"/>
+              <a:rPr lang="ja-JP" altLang="en-US"/>
               <a:t>レベル</a:t>
             </a:r>
-          </a:p>
-        </p:txBody>
-      </p:sp>
-      <p:sp>
-        <p:nvSpPr>
-          <p:cNvPr id="4" name="日付プレースホルダー 3">
-            <a:extLst>
-              <a:ext uri="{FF2B5EF4-FFF2-40B4-BE49-F238E27FC236}">
-                <a16:creationId xmlns:a16="http://schemas.microsoft.com/office/drawing/2014/main" id="{7086D625-CF53-4ECA-9694-2C3628C20B46}"/>
-              </a:ext>
-            </a:extLst>
-          </p:cNvPr>
+            <a:endParaRPr lang="en-US" dirty="0"/>
+          </a:p>
+        </p:txBody>
+      </p:sp>
+      <p:sp>
+        <p:nvSpPr>
+          <p:cNvPr id="4" name="Date Placeholder 3"/>
           <p:cNvSpPr>
             <a:spLocks noGrp="1"/>
           </p:cNvSpPr>
@@ -1121,13 +1051,7 @@
       </p:sp>
       <p:sp>
         <p:nvSpPr>
-          <p:cNvPr id="5" name="フッター プレースホルダー 4">
-            <a:extLst>
-              <a:ext uri="{FF2B5EF4-FFF2-40B4-BE49-F238E27FC236}">
-                <a16:creationId xmlns:a16="http://schemas.microsoft.com/office/drawing/2014/main" id="{677955A2-DF54-4182-84D4-60CA4579BDD9}"/>
-              </a:ext>
-            </a:extLst>
-          </p:cNvPr>
+          <p:cNvPr id="5" name="Footer Placeholder 4"/>
           <p:cNvSpPr>
             <a:spLocks noGrp="1"/>
           </p:cNvSpPr>
@@ -1146,13 +1070,7 @@
       </p:sp>
       <p:sp>
         <p:nvSpPr>
-          <p:cNvPr id="6" name="スライド番号プレースホルダー 5">
-            <a:extLst>
-              <a:ext uri="{FF2B5EF4-FFF2-40B4-BE49-F238E27FC236}">
-                <a16:creationId xmlns:a16="http://schemas.microsoft.com/office/drawing/2014/main" id="{6AA6B8E3-CB73-4A9C-AAE5-135A53624BE0}"/>
-              </a:ext>
-            </a:extLst>
-          </p:cNvPr>
+          <p:cNvPr id="6" name="Slide Number Placeholder 5"/>
           <p:cNvSpPr>
             <a:spLocks noGrp="1"/>
           </p:cNvSpPr>
@@ -1176,7 +1094,7 @@
     </p:spTree>
     <p:extLst>
       <p:ext uri="{BB962C8B-B14F-4D97-AF65-F5344CB8AC3E}">
-        <p14:creationId xmlns:p14="http://schemas.microsoft.com/office/powerpoint/2010/main" val="582573274"/>
+        <p14:creationId xmlns:p14="http://schemas.microsoft.com/office/powerpoint/2010/main" val="381090938"/>
       </p:ext>
     </p:extLst>
   </p:cSld>
@@ -1205,13 +1123,7 @@
       </p:grpSpPr>
       <p:sp>
         <p:nvSpPr>
-          <p:cNvPr id="2" name="タイトル 1">
-            <a:extLst>
-              <a:ext uri="{FF2B5EF4-FFF2-40B4-BE49-F238E27FC236}">
-                <a16:creationId xmlns:a16="http://schemas.microsoft.com/office/drawing/2014/main" id="{E338FDB0-438A-491A-AA83-486FED4A6884}"/>
-              </a:ext>
-            </a:extLst>
-          </p:cNvPr>
+          <p:cNvPr id="2" name="Title 1"/>
           <p:cNvSpPr>
             <a:spLocks noGrp="1"/>
           </p:cNvSpPr>
@@ -1225,21 +1137,16 @@
           <a:lstStyle/>
           <a:p>
             <a:r>
-              <a:rPr kumimoji="1" lang="ja-JP" altLang="en-US"/>
+              <a:rPr lang="ja-JP" altLang="en-US"/>
               <a:t>マスター タイトルの書式設定</a:t>
             </a:r>
-          </a:p>
-        </p:txBody>
-      </p:sp>
-      <p:sp>
-        <p:nvSpPr>
-          <p:cNvPr id="3" name="コンテンツ プレースホルダー 2">
-            <a:extLst>
-              <a:ext uri="{FF2B5EF4-FFF2-40B4-BE49-F238E27FC236}">
-                <a16:creationId xmlns:a16="http://schemas.microsoft.com/office/drawing/2014/main" id="{ACBC1514-666A-4DB9-9937-99CB8E8D0C19}"/>
-              </a:ext>
-            </a:extLst>
-          </p:cNvPr>
+            <a:endParaRPr lang="en-US" dirty="0"/>
+          </a:p>
+        </p:txBody>
+      </p:sp>
+      <p:sp>
+        <p:nvSpPr>
+          <p:cNvPr id="3" name="Content Placeholder 2"/>
           <p:cNvSpPr>
             <a:spLocks noGrp="1"/>
           </p:cNvSpPr>
@@ -1254,81 +1161,76 @@
           <a:p>
             <a:pPr lvl="0"/>
             <a:r>
-              <a:rPr kumimoji="1" lang="ja-JP" altLang="en-US"/>
+              <a:rPr lang="ja-JP" altLang="en-US"/>
               <a:t>マスター テキストの書式設定</a:t>
             </a:r>
           </a:p>
           <a:p>
             <a:pPr lvl="1"/>
             <a:r>
-              <a:rPr kumimoji="1" lang="ja-JP" altLang="en-US"/>
+              <a:rPr lang="ja-JP" altLang="en-US"/>
               <a:t>第 </a:t>
             </a:r>
             <a:r>
-              <a:rPr kumimoji="1" lang="en-US" altLang="ja-JP"/>
+              <a:rPr lang="en-US" altLang="ja-JP"/>
               <a:t>2 </a:t>
             </a:r>
             <a:r>
-              <a:rPr kumimoji="1" lang="ja-JP" altLang="en-US"/>
+              <a:rPr lang="ja-JP" altLang="en-US"/>
               <a:t>レベル</a:t>
             </a:r>
           </a:p>
           <a:p>
             <a:pPr lvl="2"/>
             <a:r>
-              <a:rPr kumimoji="1" lang="ja-JP" altLang="en-US"/>
+              <a:rPr lang="ja-JP" altLang="en-US"/>
               <a:t>第 </a:t>
             </a:r>
             <a:r>
-              <a:rPr kumimoji="1" lang="en-US" altLang="ja-JP"/>
+              <a:rPr lang="en-US" altLang="ja-JP"/>
               <a:t>3 </a:t>
             </a:r>
             <a:r>
-              <a:rPr kumimoji="1" lang="ja-JP" altLang="en-US"/>
+              <a:rPr lang="ja-JP" altLang="en-US"/>
               <a:t>レベル</a:t>
             </a:r>
           </a:p>
           <a:p>
             <a:pPr lvl="3"/>
             <a:r>
-              <a:rPr kumimoji="1" lang="ja-JP" altLang="en-US"/>
+              <a:rPr lang="ja-JP" altLang="en-US"/>
               <a:t>第 </a:t>
             </a:r>
             <a:r>
-              <a:rPr kumimoji="1" lang="en-US" altLang="ja-JP"/>
+              <a:rPr lang="en-US" altLang="ja-JP"/>
               <a:t>4 </a:t>
             </a:r>
             <a:r>
-              <a:rPr kumimoji="1" lang="ja-JP" altLang="en-US"/>
+              <a:rPr lang="ja-JP" altLang="en-US"/>
               <a:t>レベル</a:t>
             </a:r>
           </a:p>
           <a:p>
             <a:pPr lvl="4"/>
             <a:r>
-              <a:rPr kumimoji="1" lang="ja-JP" altLang="en-US"/>
+              <a:rPr lang="ja-JP" altLang="en-US"/>
               <a:t>第 </a:t>
             </a:r>
             <a:r>
-              <a:rPr kumimoji="1" lang="en-US" altLang="ja-JP"/>
+              <a:rPr lang="en-US" altLang="ja-JP"/>
               <a:t>5 </a:t>
             </a:r>
             <a:r>
-              <a:rPr kumimoji="1" lang="ja-JP" altLang="en-US"/>
+              <a:rPr lang="ja-JP" altLang="en-US"/>
               <a:t>レベル</a:t>
             </a:r>
-          </a:p>
-        </p:txBody>
-      </p:sp>
-      <p:sp>
-        <p:nvSpPr>
-          <p:cNvPr id="4" name="日付プレースホルダー 3">
-            <a:extLst>
-              <a:ext uri="{FF2B5EF4-FFF2-40B4-BE49-F238E27FC236}">
-                <a16:creationId xmlns:a16="http://schemas.microsoft.com/office/drawing/2014/main" id="{135B644A-9880-4069-ABEC-6E00B73DAFA5}"/>
-              </a:ext>
-            </a:extLst>
-          </p:cNvPr>
+            <a:endParaRPr lang="en-US" dirty="0"/>
+          </a:p>
+        </p:txBody>
+      </p:sp>
+      <p:sp>
+        <p:nvSpPr>
+          <p:cNvPr id="4" name="Date Placeholder 3"/>
           <p:cNvSpPr>
             <a:spLocks noGrp="1"/>
           </p:cNvSpPr>
@@ -1351,13 +1253,7 @@
       </p:sp>
       <p:sp>
         <p:nvSpPr>
-          <p:cNvPr id="5" name="フッター プレースホルダー 4">
-            <a:extLst>
-              <a:ext uri="{FF2B5EF4-FFF2-40B4-BE49-F238E27FC236}">
-                <a16:creationId xmlns:a16="http://schemas.microsoft.com/office/drawing/2014/main" id="{6EE203CC-3F3E-4265-AE9B-7481FA90800A}"/>
-              </a:ext>
-            </a:extLst>
-          </p:cNvPr>
+          <p:cNvPr id="5" name="Footer Placeholder 4"/>
           <p:cNvSpPr>
             <a:spLocks noGrp="1"/>
           </p:cNvSpPr>
@@ -1376,13 +1272,7 @@
       </p:sp>
       <p:sp>
         <p:nvSpPr>
-          <p:cNvPr id="6" name="スライド番号プレースホルダー 5">
-            <a:extLst>
-              <a:ext uri="{FF2B5EF4-FFF2-40B4-BE49-F238E27FC236}">
-                <a16:creationId xmlns:a16="http://schemas.microsoft.com/office/drawing/2014/main" id="{77314BAD-9D02-4BE4-B976-335B4077E69B}"/>
-              </a:ext>
-            </a:extLst>
-          </p:cNvPr>
+          <p:cNvPr id="6" name="Slide Number Placeholder 5"/>
           <p:cNvSpPr>
             <a:spLocks noGrp="1"/>
           </p:cNvSpPr>
@@ -1406,7 +1296,7 @@
     </p:spTree>
     <p:extLst>
       <p:ext uri="{BB962C8B-B14F-4D97-AF65-F5344CB8AC3E}">
-        <p14:creationId xmlns:p14="http://schemas.microsoft.com/office/powerpoint/2010/main" val="3383391705"/>
+        <p14:creationId xmlns:p14="http://schemas.microsoft.com/office/powerpoint/2010/main" val="1733639693"/>
       </p:ext>
     </p:extLst>
   </p:cSld>
@@ -1435,13 +1325,7 @@
       </p:grpSpPr>
       <p:sp>
         <p:nvSpPr>
-          <p:cNvPr id="2" name="タイトル 1">
-            <a:extLst>
-              <a:ext uri="{FF2B5EF4-FFF2-40B4-BE49-F238E27FC236}">
-                <a16:creationId xmlns:a16="http://schemas.microsoft.com/office/drawing/2014/main" id="{0AD1189D-21BC-4D4E-9140-DA21BC023E32}"/>
-              </a:ext>
-            </a:extLst>
-          </p:cNvPr>
+          <p:cNvPr id="2" name="Title 1"/>
           <p:cNvSpPr>
             <a:spLocks noGrp="1"/>
           </p:cNvSpPr>
@@ -1464,21 +1348,16 @@
           </a:lstStyle>
           <a:p>
             <a:r>
-              <a:rPr kumimoji="1" lang="ja-JP" altLang="en-US"/>
+              <a:rPr lang="ja-JP" altLang="en-US"/>
               <a:t>マスター タイトルの書式設定</a:t>
             </a:r>
-          </a:p>
-        </p:txBody>
-      </p:sp>
-      <p:sp>
-        <p:nvSpPr>
-          <p:cNvPr id="3" name="テキスト プレースホルダー 2">
-            <a:extLst>
-              <a:ext uri="{FF2B5EF4-FFF2-40B4-BE49-F238E27FC236}">
-                <a16:creationId xmlns:a16="http://schemas.microsoft.com/office/drawing/2014/main" id="{FF6F3827-696A-496F-925C-DEA3201308CE}"/>
-              </a:ext>
-            </a:extLst>
-          </p:cNvPr>
+            <a:endParaRPr lang="en-US" dirty="0"/>
+          </a:p>
+        </p:txBody>
+      </p:sp>
+      <p:sp>
+        <p:nvSpPr>
+          <p:cNvPr id="3" name="Text Placeholder 2"/>
           <p:cNvSpPr>
             <a:spLocks noGrp="1"/>
           </p:cNvSpPr>
@@ -1589,7 +1468,7 @@
           <a:p>
             <a:pPr lvl="0"/>
             <a:r>
-              <a:rPr kumimoji="1" lang="ja-JP" altLang="en-US"/>
+              <a:rPr lang="ja-JP" altLang="en-US"/>
               <a:t>マスター テキストの書式設定</a:t>
             </a:r>
           </a:p>
@@ -1597,13 +1476,7 @@
       </p:sp>
       <p:sp>
         <p:nvSpPr>
-          <p:cNvPr id="4" name="日付プレースホルダー 3">
-            <a:extLst>
-              <a:ext uri="{FF2B5EF4-FFF2-40B4-BE49-F238E27FC236}">
-                <a16:creationId xmlns:a16="http://schemas.microsoft.com/office/drawing/2014/main" id="{6AD33ABB-2CD7-4CAB-B4CF-A41607550529}"/>
-              </a:ext>
-            </a:extLst>
-          </p:cNvPr>
+          <p:cNvPr id="4" name="Date Placeholder 3"/>
           <p:cNvSpPr>
             <a:spLocks noGrp="1"/>
           </p:cNvSpPr>
@@ -1626,13 +1499,7 @@
       </p:sp>
       <p:sp>
         <p:nvSpPr>
-          <p:cNvPr id="5" name="フッター プレースホルダー 4">
-            <a:extLst>
-              <a:ext uri="{FF2B5EF4-FFF2-40B4-BE49-F238E27FC236}">
-                <a16:creationId xmlns:a16="http://schemas.microsoft.com/office/drawing/2014/main" id="{17960E8D-6304-4A16-B327-A508EF19FC03}"/>
-              </a:ext>
-            </a:extLst>
-          </p:cNvPr>
+          <p:cNvPr id="5" name="Footer Placeholder 4"/>
           <p:cNvSpPr>
             <a:spLocks noGrp="1"/>
           </p:cNvSpPr>
@@ -1651,13 +1518,7 @@
       </p:sp>
       <p:sp>
         <p:nvSpPr>
-          <p:cNvPr id="6" name="スライド番号プレースホルダー 5">
-            <a:extLst>
-              <a:ext uri="{FF2B5EF4-FFF2-40B4-BE49-F238E27FC236}">
-                <a16:creationId xmlns:a16="http://schemas.microsoft.com/office/drawing/2014/main" id="{D352D77D-E35C-48FC-9523-990305B1F3D9}"/>
-              </a:ext>
-            </a:extLst>
-          </p:cNvPr>
+          <p:cNvPr id="6" name="Slide Number Placeholder 5"/>
           <p:cNvSpPr>
             <a:spLocks noGrp="1"/>
           </p:cNvSpPr>
@@ -1681,7 +1542,7 @@
     </p:spTree>
     <p:extLst>
       <p:ext uri="{BB962C8B-B14F-4D97-AF65-F5344CB8AC3E}">
-        <p14:creationId xmlns:p14="http://schemas.microsoft.com/office/powerpoint/2010/main" val="1985976136"/>
+        <p14:creationId xmlns:p14="http://schemas.microsoft.com/office/powerpoint/2010/main" val="450098296"/>
       </p:ext>
     </p:extLst>
   </p:cSld>
@@ -1710,13 +1571,7 @@
       </p:grpSpPr>
       <p:sp>
         <p:nvSpPr>
-          <p:cNvPr id="2" name="タイトル 1">
-            <a:extLst>
-              <a:ext uri="{FF2B5EF4-FFF2-40B4-BE49-F238E27FC236}">
-                <a16:creationId xmlns:a16="http://schemas.microsoft.com/office/drawing/2014/main" id="{0BE49FD8-2AD6-4A25-B154-B0EF76226DEE}"/>
-              </a:ext>
-            </a:extLst>
-          </p:cNvPr>
+          <p:cNvPr id="2" name="Title 1"/>
           <p:cNvSpPr>
             <a:spLocks noGrp="1"/>
           </p:cNvSpPr>
@@ -1730,21 +1585,16 @@
           <a:lstStyle/>
           <a:p>
             <a:r>
-              <a:rPr kumimoji="1" lang="ja-JP" altLang="en-US"/>
+              <a:rPr lang="ja-JP" altLang="en-US"/>
               <a:t>マスター タイトルの書式設定</a:t>
             </a:r>
-          </a:p>
-        </p:txBody>
-      </p:sp>
-      <p:sp>
-        <p:nvSpPr>
-          <p:cNvPr id="3" name="コンテンツ プレースホルダー 2">
-            <a:extLst>
-              <a:ext uri="{FF2B5EF4-FFF2-40B4-BE49-F238E27FC236}">
-                <a16:creationId xmlns:a16="http://schemas.microsoft.com/office/drawing/2014/main" id="{4602B04F-2F6D-4B65-9BBB-5FE1241056B3}"/>
-              </a:ext>
-            </a:extLst>
-          </p:cNvPr>
+            <a:endParaRPr lang="en-US" dirty="0"/>
+          </a:p>
+        </p:txBody>
+      </p:sp>
+      <p:sp>
+        <p:nvSpPr>
+          <p:cNvPr id="3" name="Content Placeholder 2"/>
           <p:cNvSpPr>
             <a:spLocks noGrp="1"/>
           </p:cNvSpPr>
@@ -1764,81 +1614,76 @@
           <a:p>
             <a:pPr lvl="0"/>
             <a:r>
-              <a:rPr kumimoji="1" lang="ja-JP" altLang="en-US"/>
+              <a:rPr lang="ja-JP" altLang="en-US"/>
               <a:t>マスター テキストの書式設定</a:t>
             </a:r>
           </a:p>
           <a:p>
             <a:pPr lvl="1"/>
             <a:r>
-              <a:rPr kumimoji="1" lang="ja-JP" altLang="en-US"/>
+              <a:rPr lang="ja-JP" altLang="en-US"/>
               <a:t>第 </a:t>
             </a:r>
             <a:r>
-              <a:rPr kumimoji="1" lang="en-US" altLang="ja-JP"/>
+              <a:rPr lang="en-US" altLang="ja-JP"/>
               <a:t>2 </a:t>
             </a:r>
             <a:r>
-              <a:rPr kumimoji="1" lang="ja-JP" altLang="en-US"/>
+              <a:rPr lang="ja-JP" altLang="en-US"/>
               <a:t>レベル</a:t>
             </a:r>
           </a:p>
           <a:p>
             <a:pPr lvl="2"/>
             <a:r>
-              <a:rPr kumimoji="1" lang="ja-JP" altLang="en-US"/>
+              <a:rPr lang="ja-JP" altLang="en-US"/>
               <a:t>第 </a:t>
             </a:r>
             <a:r>
-              <a:rPr kumimoji="1" lang="en-US" altLang="ja-JP"/>
+              <a:rPr lang="en-US" altLang="ja-JP"/>
               <a:t>3 </a:t>
             </a:r>
             <a:r>
-              <a:rPr kumimoji="1" lang="ja-JP" altLang="en-US"/>
+              <a:rPr lang="ja-JP" altLang="en-US"/>
               <a:t>レベル</a:t>
             </a:r>
           </a:p>
           <a:p>
             <a:pPr lvl="3"/>
             <a:r>
-              <a:rPr kumimoji="1" lang="ja-JP" altLang="en-US"/>
+              <a:rPr lang="ja-JP" altLang="en-US"/>
               <a:t>第 </a:t>
             </a:r>
             <a:r>
-              <a:rPr kumimoji="1" lang="en-US" altLang="ja-JP"/>
+              <a:rPr lang="en-US" altLang="ja-JP"/>
               <a:t>4 </a:t>
             </a:r>
             <a:r>
-              <a:rPr kumimoji="1" lang="ja-JP" altLang="en-US"/>
+              <a:rPr lang="ja-JP" altLang="en-US"/>
               <a:t>レベル</a:t>
             </a:r>
           </a:p>
           <a:p>
             <a:pPr lvl="4"/>
             <a:r>
-              <a:rPr kumimoji="1" lang="ja-JP" altLang="en-US"/>
+              <a:rPr lang="ja-JP" altLang="en-US"/>
               <a:t>第 </a:t>
             </a:r>
             <a:r>
-              <a:rPr kumimoji="1" lang="en-US" altLang="ja-JP"/>
+              <a:rPr lang="en-US" altLang="ja-JP"/>
               <a:t>5 </a:t>
             </a:r>
             <a:r>
-              <a:rPr kumimoji="1" lang="ja-JP" altLang="en-US"/>
+              <a:rPr lang="ja-JP" altLang="en-US"/>
               <a:t>レベル</a:t>
             </a:r>
-          </a:p>
-        </p:txBody>
-      </p:sp>
-      <p:sp>
-        <p:nvSpPr>
-          <p:cNvPr id="4" name="コンテンツ プレースホルダー 3">
-            <a:extLst>
-              <a:ext uri="{FF2B5EF4-FFF2-40B4-BE49-F238E27FC236}">
-                <a16:creationId xmlns:a16="http://schemas.microsoft.com/office/drawing/2014/main" id="{633980BC-5D59-4648-9695-0C0B2EC54072}"/>
-              </a:ext>
-            </a:extLst>
-          </p:cNvPr>
+            <a:endParaRPr lang="en-US" dirty="0"/>
+          </a:p>
+        </p:txBody>
+      </p:sp>
+      <p:sp>
+        <p:nvSpPr>
+          <p:cNvPr id="4" name="Content Placeholder 3"/>
           <p:cNvSpPr>
             <a:spLocks noGrp="1"/>
           </p:cNvSpPr>
@@ -1858,81 +1703,76 @@
           <a:p>
             <a:pPr lvl="0"/>
             <a:r>
-              <a:rPr kumimoji="1" lang="ja-JP" altLang="en-US"/>
+              <a:rPr lang="ja-JP" altLang="en-US"/>
               <a:t>マスター テキストの書式設定</a:t>
             </a:r>
           </a:p>
           <a:p>
             <a:pPr lvl="1"/>
             <a:r>
-              <a:rPr kumimoji="1" lang="ja-JP" altLang="en-US"/>
+              <a:rPr lang="ja-JP" altLang="en-US"/>
               <a:t>第 </a:t>
             </a:r>
             <a:r>
-              <a:rPr kumimoji="1" lang="en-US" altLang="ja-JP"/>
+              <a:rPr lang="en-US" altLang="ja-JP"/>
               <a:t>2 </a:t>
             </a:r>
             <a:r>
-              <a:rPr kumimoji="1" lang="ja-JP" altLang="en-US"/>
+              <a:rPr lang="ja-JP" altLang="en-US"/>
               <a:t>レベル</a:t>
             </a:r>
           </a:p>
           <a:p>
             <a:pPr lvl="2"/>
             <a:r>
-              <a:rPr kumimoji="1" lang="ja-JP" altLang="en-US"/>
+              <a:rPr lang="ja-JP" altLang="en-US"/>
               <a:t>第 </a:t>
             </a:r>
             <a:r>
-              <a:rPr kumimoji="1" lang="en-US" altLang="ja-JP"/>
+              <a:rPr lang="en-US" altLang="ja-JP"/>
               <a:t>3 </a:t>
             </a:r>
             <a:r>
-              <a:rPr kumimoji="1" lang="ja-JP" altLang="en-US"/>
+              <a:rPr lang="ja-JP" altLang="en-US"/>
               <a:t>レベル</a:t>
             </a:r>
           </a:p>
           <a:p>
             <a:pPr lvl="3"/>
             <a:r>
-              <a:rPr kumimoji="1" lang="ja-JP" altLang="en-US"/>
+              <a:rPr lang="ja-JP" altLang="en-US"/>
               <a:t>第 </a:t>
             </a:r>
             <a:r>
-              <a:rPr kumimoji="1" lang="en-US" altLang="ja-JP"/>
+              <a:rPr lang="en-US" altLang="ja-JP"/>
               <a:t>4 </a:t>
             </a:r>
             <a:r>
-              <a:rPr kumimoji="1" lang="ja-JP" altLang="en-US"/>
+              <a:rPr lang="ja-JP" altLang="en-US"/>
               <a:t>レベル</a:t>
             </a:r>
           </a:p>
           <a:p>
             <a:pPr lvl="4"/>
             <a:r>
-              <a:rPr kumimoji="1" lang="ja-JP" altLang="en-US"/>
+              <a:rPr lang="ja-JP" altLang="en-US"/>
               <a:t>第 </a:t>
             </a:r>
             <a:r>
-              <a:rPr kumimoji="1" lang="en-US" altLang="ja-JP"/>
+              <a:rPr lang="en-US" altLang="ja-JP"/>
               <a:t>5 </a:t>
             </a:r>
             <a:r>
-              <a:rPr kumimoji="1" lang="ja-JP" altLang="en-US"/>
+              <a:rPr lang="ja-JP" altLang="en-US"/>
               <a:t>レベル</a:t>
             </a:r>
-          </a:p>
-        </p:txBody>
-      </p:sp>
-      <p:sp>
-        <p:nvSpPr>
-          <p:cNvPr id="5" name="日付プレースホルダー 4">
-            <a:extLst>
-              <a:ext uri="{FF2B5EF4-FFF2-40B4-BE49-F238E27FC236}">
-                <a16:creationId xmlns:a16="http://schemas.microsoft.com/office/drawing/2014/main" id="{10FFE84F-FF9C-4E70-A554-8D84A9D52C7D}"/>
-              </a:ext>
-            </a:extLst>
-          </p:cNvPr>
+            <a:endParaRPr lang="en-US" dirty="0"/>
+          </a:p>
+        </p:txBody>
+      </p:sp>
+      <p:sp>
+        <p:nvSpPr>
+          <p:cNvPr id="5" name="Date Placeholder 4"/>
           <p:cNvSpPr>
             <a:spLocks noGrp="1"/>
           </p:cNvSpPr>
@@ -1955,13 +1795,7 @@
       </p:sp>
       <p:sp>
         <p:nvSpPr>
-          <p:cNvPr id="6" name="フッター プレースホルダー 5">
-            <a:extLst>
-              <a:ext uri="{FF2B5EF4-FFF2-40B4-BE49-F238E27FC236}">
-                <a16:creationId xmlns:a16="http://schemas.microsoft.com/office/drawing/2014/main" id="{9CE83F8F-6DA8-470B-921F-96432053E943}"/>
-              </a:ext>
-            </a:extLst>
-          </p:cNvPr>
+          <p:cNvPr id="6" name="Footer Placeholder 5"/>
           <p:cNvSpPr>
             <a:spLocks noGrp="1"/>
           </p:cNvSpPr>
@@ -1980,13 +1814,7 @@
       </p:sp>
       <p:sp>
         <p:nvSpPr>
-          <p:cNvPr id="7" name="スライド番号プレースホルダー 6">
-            <a:extLst>
-              <a:ext uri="{FF2B5EF4-FFF2-40B4-BE49-F238E27FC236}">
-                <a16:creationId xmlns:a16="http://schemas.microsoft.com/office/drawing/2014/main" id="{54850D42-C31C-48F8-A6F6-4049CAABEF5D}"/>
-              </a:ext>
-            </a:extLst>
-          </p:cNvPr>
+          <p:cNvPr id="7" name="Slide Number Placeholder 6"/>
           <p:cNvSpPr>
             <a:spLocks noGrp="1"/>
           </p:cNvSpPr>
@@ -2010,7 +1838,7 @@
     </p:spTree>
     <p:extLst>
       <p:ext uri="{BB962C8B-B14F-4D97-AF65-F5344CB8AC3E}">
-        <p14:creationId xmlns:p14="http://schemas.microsoft.com/office/powerpoint/2010/main" val="1683223098"/>
+        <p14:creationId xmlns:p14="http://schemas.microsoft.com/office/powerpoint/2010/main" val="1871293556"/>
       </p:ext>
     </p:extLst>
   </p:cSld>
@@ -2039,13 +1867,7 @@
       </p:grpSpPr>
       <p:sp>
         <p:nvSpPr>
-          <p:cNvPr id="2" name="タイトル 1">
-            <a:extLst>
-              <a:ext uri="{FF2B5EF4-FFF2-40B4-BE49-F238E27FC236}">
-                <a16:creationId xmlns:a16="http://schemas.microsoft.com/office/drawing/2014/main" id="{60005850-CD36-492F-845F-FC71EFDFAC58}"/>
-              </a:ext>
-            </a:extLst>
-          </p:cNvPr>
+          <p:cNvPr id="2" name="Title 1"/>
           <p:cNvSpPr>
             <a:spLocks noGrp="1"/>
           </p:cNvSpPr>
@@ -2064,21 +1886,16 @@
           <a:lstStyle/>
           <a:p>
             <a:r>
-              <a:rPr kumimoji="1" lang="ja-JP" altLang="en-US"/>
+              <a:rPr lang="ja-JP" altLang="en-US"/>
               <a:t>マスター タイトルの書式設定</a:t>
             </a:r>
-          </a:p>
-        </p:txBody>
-      </p:sp>
-      <p:sp>
-        <p:nvSpPr>
-          <p:cNvPr id="3" name="テキスト プレースホルダー 2">
-            <a:extLst>
-              <a:ext uri="{FF2B5EF4-FFF2-40B4-BE49-F238E27FC236}">
-                <a16:creationId xmlns:a16="http://schemas.microsoft.com/office/drawing/2014/main" id="{CBB3E57F-22E8-4F88-9FF7-9E4CA34DDE4B}"/>
-              </a:ext>
-            </a:extLst>
-          </p:cNvPr>
+            <a:endParaRPr lang="en-US" dirty="0"/>
+          </a:p>
+        </p:txBody>
+      </p:sp>
+      <p:sp>
+        <p:nvSpPr>
+          <p:cNvPr id="3" name="Text Placeholder 2"/>
           <p:cNvSpPr>
             <a:spLocks noGrp="1"/>
           </p:cNvSpPr>
@@ -2135,7 +1952,7 @@
           <a:p>
             <a:pPr lvl="0"/>
             <a:r>
-              <a:rPr kumimoji="1" lang="ja-JP" altLang="en-US"/>
+              <a:rPr lang="ja-JP" altLang="en-US"/>
               <a:t>マスター テキストの書式設定</a:t>
             </a:r>
           </a:p>
@@ -2143,13 +1960,7 @@
       </p:sp>
       <p:sp>
         <p:nvSpPr>
-          <p:cNvPr id="4" name="コンテンツ プレースホルダー 3">
-            <a:extLst>
-              <a:ext uri="{FF2B5EF4-FFF2-40B4-BE49-F238E27FC236}">
-                <a16:creationId xmlns:a16="http://schemas.microsoft.com/office/drawing/2014/main" id="{668DBD47-C6CE-41DB-87A4-8D2062BED4C7}"/>
-              </a:ext>
-            </a:extLst>
-          </p:cNvPr>
+          <p:cNvPr id="4" name="Content Placeholder 3"/>
           <p:cNvSpPr>
             <a:spLocks noGrp="1"/>
           </p:cNvSpPr>
@@ -2169,81 +1980,76 @@
           <a:p>
             <a:pPr lvl="0"/>
             <a:r>
-              <a:rPr kumimoji="1" lang="ja-JP" altLang="en-US"/>
+              <a:rPr lang="ja-JP" altLang="en-US"/>
               <a:t>マスター テキストの書式設定</a:t>
             </a:r>
           </a:p>
           <a:p>
             <a:pPr lvl="1"/>
             <a:r>
-              <a:rPr kumimoji="1" lang="ja-JP" altLang="en-US"/>
+              <a:rPr lang="ja-JP" altLang="en-US"/>
               <a:t>第 </a:t>
             </a:r>
             <a:r>
-              <a:rPr kumimoji="1" lang="en-US" altLang="ja-JP"/>
+              <a:rPr lang="en-US" altLang="ja-JP"/>
               <a:t>2 </a:t>
             </a:r>
             <a:r>
-              <a:rPr kumimoji="1" lang="ja-JP" altLang="en-US"/>
+              <a:rPr lang="ja-JP" altLang="en-US"/>
               <a:t>レベル</a:t>
             </a:r>
           </a:p>
           <a:p>
             <a:pPr lvl="2"/>
             <a:r>
-              <a:rPr kumimoji="1" lang="ja-JP" altLang="en-US"/>
+              <a:rPr lang="ja-JP" altLang="en-US"/>
               <a:t>第 </a:t>
             </a:r>
             <a:r>
-              <a:rPr kumimoji="1" lang="en-US" altLang="ja-JP"/>
+              <a:rPr lang="en-US" altLang="ja-JP"/>
               <a:t>3 </a:t>
             </a:r>
             <a:r>
-              <a:rPr kumimoji="1" lang="ja-JP" altLang="en-US"/>
+              <a:rPr lang="ja-JP" altLang="en-US"/>
               <a:t>レベル</a:t>
             </a:r>
           </a:p>
           <a:p>
             <a:pPr lvl="3"/>
             <a:r>
-              <a:rPr kumimoji="1" lang="ja-JP" altLang="en-US"/>
+              <a:rPr lang="ja-JP" altLang="en-US"/>
               <a:t>第 </a:t>
             </a:r>
             <a:r>
-              <a:rPr kumimoji="1" lang="en-US" altLang="ja-JP"/>
+              <a:rPr lang="en-US" altLang="ja-JP"/>
               <a:t>4 </a:t>
             </a:r>
             <a:r>
-              <a:rPr kumimoji="1" lang="ja-JP" altLang="en-US"/>
+              <a:rPr lang="ja-JP" altLang="en-US"/>
               <a:t>レベル</a:t>
             </a:r>
           </a:p>
           <a:p>
             <a:pPr lvl="4"/>
             <a:r>
-              <a:rPr kumimoji="1" lang="ja-JP" altLang="en-US"/>
+              <a:rPr lang="ja-JP" altLang="en-US"/>
               <a:t>第 </a:t>
             </a:r>
             <a:r>
-              <a:rPr kumimoji="1" lang="en-US" altLang="ja-JP"/>
+              <a:rPr lang="en-US" altLang="ja-JP"/>
               <a:t>5 </a:t>
             </a:r>
             <a:r>
-              <a:rPr kumimoji="1" lang="ja-JP" altLang="en-US"/>
+              <a:rPr lang="ja-JP" altLang="en-US"/>
               <a:t>レベル</a:t>
             </a:r>
-          </a:p>
-        </p:txBody>
-      </p:sp>
-      <p:sp>
-        <p:nvSpPr>
-          <p:cNvPr id="5" name="テキスト プレースホルダー 4">
-            <a:extLst>
-              <a:ext uri="{FF2B5EF4-FFF2-40B4-BE49-F238E27FC236}">
-                <a16:creationId xmlns:a16="http://schemas.microsoft.com/office/drawing/2014/main" id="{BACE14A3-5F03-4797-BC2E-18A6033BFDCE}"/>
-              </a:ext>
-            </a:extLst>
-          </p:cNvPr>
+            <a:endParaRPr lang="en-US" dirty="0"/>
+          </a:p>
+        </p:txBody>
+      </p:sp>
+      <p:sp>
+        <p:nvSpPr>
+          <p:cNvPr id="5" name="Text Placeholder 4"/>
           <p:cNvSpPr>
             <a:spLocks noGrp="1"/>
           </p:cNvSpPr>
@@ -2300,7 +2106,7 @@
           <a:p>
             <a:pPr lvl="0"/>
             <a:r>
-              <a:rPr kumimoji="1" lang="ja-JP" altLang="en-US"/>
+              <a:rPr lang="ja-JP" altLang="en-US"/>
               <a:t>マスター テキストの書式設定</a:t>
             </a:r>
           </a:p>
@@ -2308,13 +2114,7 @@
       </p:sp>
       <p:sp>
         <p:nvSpPr>
-          <p:cNvPr id="6" name="コンテンツ プレースホルダー 5">
-            <a:extLst>
-              <a:ext uri="{FF2B5EF4-FFF2-40B4-BE49-F238E27FC236}">
-                <a16:creationId xmlns:a16="http://schemas.microsoft.com/office/drawing/2014/main" id="{106E28AF-9B6F-4C83-B4DE-BF39E76276A6}"/>
-              </a:ext>
-            </a:extLst>
-          </p:cNvPr>
+          <p:cNvPr id="6" name="Content Placeholder 5"/>
           <p:cNvSpPr>
             <a:spLocks noGrp="1"/>
           </p:cNvSpPr>
@@ -2334,81 +2134,76 @@
           <a:p>
             <a:pPr lvl="0"/>
             <a:r>
-              <a:rPr kumimoji="1" lang="ja-JP" altLang="en-US"/>
+              <a:rPr lang="ja-JP" altLang="en-US"/>
               <a:t>マスター テキストの書式設定</a:t>
             </a:r>
           </a:p>
           <a:p>
             <a:pPr lvl="1"/>
             <a:r>
-              <a:rPr kumimoji="1" lang="ja-JP" altLang="en-US"/>
+              <a:rPr lang="ja-JP" altLang="en-US"/>
               <a:t>第 </a:t>
             </a:r>
             <a:r>
-              <a:rPr kumimoji="1" lang="en-US" altLang="ja-JP"/>
+              <a:rPr lang="en-US" altLang="ja-JP"/>
               <a:t>2 </a:t>
             </a:r>
             <a:r>
-              <a:rPr kumimoji="1" lang="ja-JP" altLang="en-US"/>
+              <a:rPr lang="ja-JP" altLang="en-US"/>
               <a:t>レベル</a:t>
             </a:r>
           </a:p>
           <a:p>
             <a:pPr lvl="2"/>
             <a:r>
-              <a:rPr kumimoji="1" lang="ja-JP" altLang="en-US"/>
+              <a:rPr lang="ja-JP" altLang="en-US"/>
               <a:t>第 </a:t>
             </a:r>
             <a:r>
-              <a:rPr kumimoji="1" lang="en-US" altLang="ja-JP"/>
+              <a:rPr lang="en-US" altLang="ja-JP"/>
               <a:t>3 </a:t>
             </a:r>
             <a:r>
-              <a:rPr kumimoji="1" lang="ja-JP" altLang="en-US"/>
+              <a:rPr lang="ja-JP" altLang="en-US"/>
               <a:t>レベル</a:t>
             </a:r>
           </a:p>
           <a:p>
             <a:pPr lvl="3"/>
             <a:r>
-              <a:rPr kumimoji="1" lang="ja-JP" altLang="en-US"/>
+              <a:rPr lang="ja-JP" altLang="en-US"/>
               <a:t>第 </a:t>
             </a:r>
             <a:r>
-              <a:rPr kumimoji="1" lang="en-US" altLang="ja-JP"/>
+              <a:rPr lang="en-US" altLang="ja-JP"/>
               <a:t>4 </a:t>
             </a:r>
             <a:r>
-              <a:rPr kumimoji="1" lang="ja-JP" altLang="en-US"/>
+              <a:rPr lang="ja-JP" altLang="en-US"/>
               <a:t>レベル</a:t>
             </a:r>
           </a:p>
           <a:p>
             <a:pPr lvl="4"/>
             <a:r>
-              <a:rPr kumimoji="1" lang="ja-JP" altLang="en-US"/>
+              <a:rPr lang="ja-JP" altLang="en-US"/>
               <a:t>第 </a:t>
             </a:r>
             <a:r>
-              <a:rPr kumimoji="1" lang="en-US" altLang="ja-JP"/>
+              <a:rPr lang="en-US" altLang="ja-JP"/>
               <a:t>5 </a:t>
             </a:r>
             <a:r>
-              <a:rPr kumimoji="1" lang="ja-JP" altLang="en-US"/>
+              <a:rPr lang="ja-JP" altLang="en-US"/>
               <a:t>レベル</a:t>
             </a:r>
-          </a:p>
-        </p:txBody>
-      </p:sp>
-      <p:sp>
-        <p:nvSpPr>
-          <p:cNvPr id="7" name="日付プレースホルダー 6">
-            <a:extLst>
-              <a:ext uri="{FF2B5EF4-FFF2-40B4-BE49-F238E27FC236}">
-                <a16:creationId xmlns:a16="http://schemas.microsoft.com/office/drawing/2014/main" id="{9691EC6B-7F95-4068-8D4E-5CF5722AAA79}"/>
-              </a:ext>
-            </a:extLst>
-          </p:cNvPr>
+            <a:endParaRPr lang="en-US" dirty="0"/>
+          </a:p>
+        </p:txBody>
+      </p:sp>
+      <p:sp>
+        <p:nvSpPr>
+          <p:cNvPr id="7" name="Date Placeholder 6"/>
           <p:cNvSpPr>
             <a:spLocks noGrp="1"/>
           </p:cNvSpPr>
@@ -2431,13 +2226,7 @@
       </p:sp>
       <p:sp>
         <p:nvSpPr>
-          <p:cNvPr id="8" name="フッター プレースホルダー 7">
-            <a:extLst>
-              <a:ext uri="{FF2B5EF4-FFF2-40B4-BE49-F238E27FC236}">
-                <a16:creationId xmlns:a16="http://schemas.microsoft.com/office/drawing/2014/main" id="{0A2D6018-1341-4FE0-AB2D-770D49597B4B}"/>
-              </a:ext>
-            </a:extLst>
-          </p:cNvPr>
+          <p:cNvPr id="8" name="Footer Placeholder 7"/>
           <p:cNvSpPr>
             <a:spLocks noGrp="1"/>
           </p:cNvSpPr>
@@ -2456,13 +2245,7 @@
       </p:sp>
       <p:sp>
         <p:nvSpPr>
-          <p:cNvPr id="9" name="スライド番号プレースホルダー 8">
-            <a:extLst>
-              <a:ext uri="{FF2B5EF4-FFF2-40B4-BE49-F238E27FC236}">
-                <a16:creationId xmlns:a16="http://schemas.microsoft.com/office/drawing/2014/main" id="{8CCE2A38-EF08-4DCF-91FB-2BB323D09B34}"/>
-              </a:ext>
-            </a:extLst>
-          </p:cNvPr>
+          <p:cNvPr id="9" name="Slide Number Placeholder 8"/>
           <p:cNvSpPr>
             <a:spLocks noGrp="1"/>
           </p:cNvSpPr>
@@ -2486,7 +2269,7 @@
     </p:spTree>
     <p:extLst>
       <p:ext uri="{BB962C8B-B14F-4D97-AF65-F5344CB8AC3E}">
-        <p14:creationId xmlns:p14="http://schemas.microsoft.com/office/powerpoint/2010/main" val="3953609715"/>
+        <p14:creationId xmlns:p14="http://schemas.microsoft.com/office/powerpoint/2010/main" val="4218982547"/>
       </p:ext>
     </p:extLst>
   </p:cSld>
@@ -2515,13 +2298,7 @@
       </p:grpSpPr>
       <p:sp>
         <p:nvSpPr>
-          <p:cNvPr id="2" name="タイトル 1">
-            <a:extLst>
-              <a:ext uri="{FF2B5EF4-FFF2-40B4-BE49-F238E27FC236}">
-                <a16:creationId xmlns:a16="http://schemas.microsoft.com/office/drawing/2014/main" id="{4B327819-2EA4-4AAB-9D4B-87D2FA182D0D}"/>
-              </a:ext>
-            </a:extLst>
-          </p:cNvPr>
+          <p:cNvPr id="2" name="Title 1"/>
           <p:cNvSpPr>
             <a:spLocks noGrp="1"/>
           </p:cNvSpPr>
@@ -2535,21 +2312,16 @@
           <a:lstStyle/>
           <a:p>
             <a:r>
-              <a:rPr kumimoji="1" lang="ja-JP" altLang="en-US"/>
+              <a:rPr lang="ja-JP" altLang="en-US"/>
               <a:t>マスター タイトルの書式設定</a:t>
             </a:r>
-          </a:p>
-        </p:txBody>
-      </p:sp>
-      <p:sp>
-        <p:nvSpPr>
-          <p:cNvPr id="3" name="日付プレースホルダー 2">
-            <a:extLst>
-              <a:ext uri="{FF2B5EF4-FFF2-40B4-BE49-F238E27FC236}">
-                <a16:creationId xmlns:a16="http://schemas.microsoft.com/office/drawing/2014/main" id="{96BEBABC-6A33-4793-BB41-01C0AF260417}"/>
-              </a:ext>
-            </a:extLst>
-          </p:cNvPr>
+            <a:endParaRPr lang="en-US" dirty="0"/>
+          </a:p>
+        </p:txBody>
+      </p:sp>
+      <p:sp>
+        <p:nvSpPr>
+          <p:cNvPr id="3" name="Date Placeholder 2"/>
           <p:cNvSpPr>
             <a:spLocks noGrp="1"/>
           </p:cNvSpPr>
@@ -2572,13 +2344,7 @@
       </p:sp>
       <p:sp>
         <p:nvSpPr>
-          <p:cNvPr id="4" name="フッター プレースホルダー 3">
-            <a:extLst>
-              <a:ext uri="{FF2B5EF4-FFF2-40B4-BE49-F238E27FC236}">
-                <a16:creationId xmlns:a16="http://schemas.microsoft.com/office/drawing/2014/main" id="{62DBDF06-CDF4-4E49-A5D3-9E7F8A61132A}"/>
-              </a:ext>
-            </a:extLst>
-          </p:cNvPr>
+          <p:cNvPr id="4" name="Footer Placeholder 3"/>
           <p:cNvSpPr>
             <a:spLocks noGrp="1"/>
           </p:cNvSpPr>
@@ -2597,13 +2363,7 @@
       </p:sp>
       <p:sp>
         <p:nvSpPr>
-          <p:cNvPr id="5" name="スライド番号プレースホルダー 4">
-            <a:extLst>
-              <a:ext uri="{FF2B5EF4-FFF2-40B4-BE49-F238E27FC236}">
-                <a16:creationId xmlns:a16="http://schemas.microsoft.com/office/drawing/2014/main" id="{89818FBC-EFBE-4C9E-8777-98BBCDB1C304}"/>
-              </a:ext>
-            </a:extLst>
-          </p:cNvPr>
+          <p:cNvPr id="5" name="Slide Number Placeholder 4"/>
           <p:cNvSpPr>
             <a:spLocks noGrp="1"/>
           </p:cNvSpPr>
@@ -2627,7 +2387,7 @@
     </p:spTree>
     <p:extLst>
       <p:ext uri="{BB962C8B-B14F-4D97-AF65-F5344CB8AC3E}">
-        <p14:creationId xmlns:p14="http://schemas.microsoft.com/office/powerpoint/2010/main" val="3589746410"/>
+        <p14:creationId xmlns:p14="http://schemas.microsoft.com/office/powerpoint/2010/main" val="3586042943"/>
       </p:ext>
     </p:extLst>
   </p:cSld>
@@ -2656,13 +2416,7 @@
       </p:grpSpPr>
       <p:sp>
         <p:nvSpPr>
-          <p:cNvPr id="2" name="日付プレースホルダー 1">
-            <a:extLst>
-              <a:ext uri="{FF2B5EF4-FFF2-40B4-BE49-F238E27FC236}">
-                <a16:creationId xmlns:a16="http://schemas.microsoft.com/office/drawing/2014/main" id="{F54EFEC7-DAC1-44C3-A8E0-C6234F7CA477}"/>
-              </a:ext>
-            </a:extLst>
-          </p:cNvPr>
+          <p:cNvPr id="2" name="Date Placeholder 1"/>
           <p:cNvSpPr>
             <a:spLocks noGrp="1"/>
           </p:cNvSpPr>
@@ -2685,13 +2439,7 @@
       </p:sp>
       <p:sp>
         <p:nvSpPr>
-          <p:cNvPr id="3" name="フッター プレースホルダー 2">
-            <a:extLst>
-              <a:ext uri="{FF2B5EF4-FFF2-40B4-BE49-F238E27FC236}">
-                <a16:creationId xmlns:a16="http://schemas.microsoft.com/office/drawing/2014/main" id="{B519C903-77CE-4E56-969B-25FAD31AF6F9}"/>
-              </a:ext>
-            </a:extLst>
-          </p:cNvPr>
+          <p:cNvPr id="3" name="Footer Placeholder 2"/>
           <p:cNvSpPr>
             <a:spLocks noGrp="1"/>
           </p:cNvSpPr>
@@ -2710,13 +2458,7 @@
       </p:sp>
       <p:sp>
         <p:nvSpPr>
-          <p:cNvPr id="4" name="スライド番号プレースホルダー 3">
-            <a:extLst>
-              <a:ext uri="{FF2B5EF4-FFF2-40B4-BE49-F238E27FC236}">
-                <a16:creationId xmlns:a16="http://schemas.microsoft.com/office/drawing/2014/main" id="{F287151F-F767-4E6D-888C-F276AA86E932}"/>
-              </a:ext>
-            </a:extLst>
-          </p:cNvPr>
+          <p:cNvPr id="4" name="Slide Number Placeholder 3"/>
           <p:cNvSpPr>
             <a:spLocks noGrp="1"/>
           </p:cNvSpPr>
@@ -2740,7 +2482,7 @@
     </p:spTree>
     <p:extLst>
       <p:ext uri="{BB962C8B-B14F-4D97-AF65-F5344CB8AC3E}">
-        <p14:creationId xmlns:p14="http://schemas.microsoft.com/office/powerpoint/2010/main" val="2779948791"/>
+        <p14:creationId xmlns:p14="http://schemas.microsoft.com/office/powerpoint/2010/main" val="590186708"/>
       </p:ext>
     </p:extLst>
   </p:cSld>
@@ -2769,13 +2511,7 @@
       </p:grpSpPr>
       <p:sp>
         <p:nvSpPr>
-          <p:cNvPr id="2" name="タイトル 1">
-            <a:extLst>
-              <a:ext uri="{FF2B5EF4-FFF2-40B4-BE49-F238E27FC236}">
-                <a16:creationId xmlns:a16="http://schemas.microsoft.com/office/drawing/2014/main" id="{576D36B8-8C36-4DAF-98C9-22EEDF2DF012}"/>
-              </a:ext>
-            </a:extLst>
-          </p:cNvPr>
+          <p:cNvPr id="2" name="Title 1"/>
           <p:cNvSpPr>
             <a:spLocks noGrp="1"/>
           </p:cNvSpPr>
@@ -2798,21 +2534,16 @@
           </a:lstStyle>
           <a:p>
             <a:r>
-              <a:rPr kumimoji="1" lang="ja-JP" altLang="en-US"/>
+              <a:rPr lang="ja-JP" altLang="en-US"/>
               <a:t>マスター タイトルの書式設定</a:t>
             </a:r>
-          </a:p>
-        </p:txBody>
-      </p:sp>
-      <p:sp>
-        <p:nvSpPr>
-          <p:cNvPr id="3" name="コンテンツ プレースホルダー 2">
-            <a:extLst>
-              <a:ext uri="{FF2B5EF4-FFF2-40B4-BE49-F238E27FC236}">
-                <a16:creationId xmlns:a16="http://schemas.microsoft.com/office/drawing/2014/main" id="{F5D8E0CC-C95A-44E4-B698-374B0FCD34FE}"/>
-              </a:ext>
-            </a:extLst>
-          </p:cNvPr>
+            <a:endParaRPr lang="en-US" dirty="0"/>
+          </a:p>
+        </p:txBody>
+      </p:sp>
+      <p:sp>
+        <p:nvSpPr>
+          <p:cNvPr id="3" name="Content Placeholder 2"/>
           <p:cNvSpPr>
             <a:spLocks noGrp="1"/>
           </p:cNvSpPr>
@@ -2860,81 +2591,76 @@
           <a:p>
             <a:pPr lvl="0"/>
             <a:r>
-              <a:rPr kumimoji="1" lang="ja-JP" altLang="en-US"/>
+              <a:rPr lang="ja-JP" altLang="en-US"/>
               <a:t>マスター テキストの書式設定</a:t>
             </a:r>
           </a:p>
           <a:p>
             <a:pPr lvl="1"/>
             <a:r>
-              <a:rPr kumimoji="1" lang="ja-JP" altLang="en-US"/>
+              <a:rPr lang="ja-JP" altLang="en-US"/>
               <a:t>第 </a:t>
             </a:r>
             <a:r>
-              <a:rPr kumimoji="1" lang="en-US" altLang="ja-JP"/>
+              <a:rPr lang="en-US" altLang="ja-JP"/>
               <a:t>2 </a:t>
             </a:r>
             <a:r>
-              <a:rPr kumimoji="1" lang="ja-JP" altLang="en-US"/>
+              <a:rPr lang="ja-JP" altLang="en-US"/>
               <a:t>レベル</a:t>
             </a:r>
           </a:p>
           <a:p>
             <a:pPr lvl="2"/>
             <a:r>
-              <a:rPr kumimoji="1" lang="ja-JP" altLang="en-US"/>
+              <a:rPr lang="ja-JP" altLang="en-US"/>
               <a:t>第 </a:t>
             </a:r>
             <a:r>
-              <a:rPr kumimoji="1" lang="en-US" altLang="ja-JP"/>
+              <a:rPr lang="en-US" altLang="ja-JP"/>
               <a:t>3 </a:t>
             </a:r>
             <a:r>
-              <a:rPr kumimoji="1" lang="ja-JP" altLang="en-US"/>
+              <a:rPr lang="ja-JP" altLang="en-US"/>
               <a:t>レベル</a:t>
             </a:r>
           </a:p>
           <a:p>
             <a:pPr lvl="3"/>
             <a:r>
-              <a:rPr kumimoji="1" lang="ja-JP" altLang="en-US"/>
+              <a:rPr lang="ja-JP" altLang="en-US"/>
               <a:t>第 </a:t>
             </a:r>
             <a:r>
-              <a:rPr kumimoji="1" lang="en-US" altLang="ja-JP"/>
+              <a:rPr lang="en-US" altLang="ja-JP"/>
               <a:t>4 </a:t>
             </a:r>
             <a:r>
-              <a:rPr kumimoji="1" lang="ja-JP" altLang="en-US"/>
+              <a:rPr lang="ja-JP" altLang="en-US"/>
               <a:t>レベル</a:t>
             </a:r>
           </a:p>
           <a:p>
             <a:pPr lvl="4"/>
             <a:r>
-              <a:rPr kumimoji="1" lang="ja-JP" altLang="en-US"/>
+              <a:rPr lang="ja-JP" altLang="en-US"/>
               <a:t>第 </a:t>
             </a:r>
             <a:r>
-              <a:rPr kumimoji="1" lang="en-US" altLang="ja-JP"/>
+              <a:rPr lang="en-US" altLang="ja-JP"/>
               <a:t>5 </a:t>
             </a:r>
             <a:r>
-              <a:rPr kumimoji="1" lang="ja-JP" altLang="en-US"/>
+              <a:rPr lang="ja-JP" altLang="en-US"/>
               <a:t>レベル</a:t>
             </a:r>
-          </a:p>
-        </p:txBody>
-      </p:sp>
-      <p:sp>
-        <p:nvSpPr>
-          <p:cNvPr id="4" name="テキスト プレースホルダー 3">
-            <a:extLst>
-              <a:ext uri="{FF2B5EF4-FFF2-40B4-BE49-F238E27FC236}">
-                <a16:creationId xmlns:a16="http://schemas.microsoft.com/office/drawing/2014/main" id="{1F8D0406-BADE-4258-A081-ED39F2917B26}"/>
-              </a:ext>
-            </a:extLst>
-          </p:cNvPr>
+            <a:endParaRPr lang="en-US" dirty="0"/>
+          </a:p>
+        </p:txBody>
+      </p:sp>
+      <p:sp>
+        <p:nvSpPr>
+          <p:cNvPr id="4" name="Text Placeholder 3"/>
           <p:cNvSpPr>
             <a:spLocks noGrp="1"/>
           </p:cNvSpPr>
@@ -2991,7 +2717,7 @@
           <a:p>
             <a:pPr lvl="0"/>
             <a:r>
-              <a:rPr kumimoji="1" lang="ja-JP" altLang="en-US"/>
+              <a:rPr lang="ja-JP" altLang="en-US"/>
               <a:t>マスター テキストの書式設定</a:t>
             </a:r>
           </a:p>
@@ -2999,13 +2725,7 @@
       </p:sp>
       <p:sp>
         <p:nvSpPr>
-          <p:cNvPr id="5" name="日付プレースホルダー 4">
-            <a:extLst>
-              <a:ext uri="{FF2B5EF4-FFF2-40B4-BE49-F238E27FC236}">
-                <a16:creationId xmlns:a16="http://schemas.microsoft.com/office/drawing/2014/main" id="{2A776E1E-4710-4D7B-BA04-40931D06B958}"/>
-              </a:ext>
-            </a:extLst>
-          </p:cNvPr>
+          <p:cNvPr id="5" name="Date Placeholder 4"/>
           <p:cNvSpPr>
             <a:spLocks noGrp="1"/>
           </p:cNvSpPr>
@@ -3028,13 +2748,7 @@
       </p:sp>
       <p:sp>
         <p:nvSpPr>
-          <p:cNvPr id="6" name="フッター プレースホルダー 5">
-            <a:extLst>
-              <a:ext uri="{FF2B5EF4-FFF2-40B4-BE49-F238E27FC236}">
-                <a16:creationId xmlns:a16="http://schemas.microsoft.com/office/drawing/2014/main" id="{A0BAD41A-4CFB-47F5-AF2E-BA86A02A66A5}"/>
-              </a:ext>
-            </a:extLst>
-          </p:cNvPr>
+          <p:cNvPr id="6" name="Footer Placeholder 5"/>
           <p:cNvSpPr>
             <a:spLocks noGrp="1"/>
           </p:cNvSpPr>
@@ -3053,13 +2767,7 @@
       </p:sp>
       <p:sp>
         <p:nvSpPr>
-          <p:cNvPr id="7" name="スライド番号プレースホルダー 6">
-            <a:extLst>
-              <a:ext uri="{FF2B5EF4-FFF2-40B4-BE49-F238E27FC236}">
-                <a16:creationId xmlns:a16="http://schemas.microsoft.com/office/drawing/2014/main" id="{528979D6-BBE0-46F8-BA2E-E68DD4DF661D}"/>
-              </a:ext>
-            </a:extLst>
-          </p:cNvPr>
+          <p:cNvPr id="7" name="Slide Number Placeholder 6"/>
           <p:cNvSpPr>
             <a:spLocks noGrp="1"/>
           </p:cNvSpPr>
@@ -3083,7 +2791,7 @@
     </p:spTree>
     <p:extLst>
       <p:ext uri="{BB962C8B-B14F-4D97-AF65-F5344CB8AC3E}">
-        <p14:creationId xmlns:p14="http://schemas.microsoft.com/office/powerpoint/2010/main" val="341324398"/>
+        <p14:creationId xmlns:p14="http://schemas.microsoft.com/office/powerpoint/2010/main" val="633887510"/>
       </p:ext>
     </p:extLst>
   </p:cSld>
@@ -3112,13 +2820,7 @@
       </p:grpSpPr>
       <p:sp>
         <p:nvSpPr>
-          <p:cNvPr id="2" name="タイトル 1">
-            <a:extLst>
-              <a:ext uri="{FF2B5EF4-FFF2-40B4-BE49-F238E27FC236}">
-                <a16:creationId xmlns:a16="http://schemas.microsoft.com/office/drawing/2014/main" id="{2F03F149-ED99-453D-B98F-50E9E81EF3EB}"/>
-              </a:ext>
-            </a:extLst>
-          </p:cNvPr>
+          <p:cNvPr id="2" name="Title 1"/>
           <p:cNvSpPr>
             <a:spLocks noGrp="1"/>
           </p:cNvSpPr>
@@ -3141,23 +2843,18 @@
           </a:lstStyle>
           <a:p>
             <a:r>
-              <a:rPr kumimoji="1" lang="ja-JP" altLang="en-US"/>
+              <a:rPr lang="ja-JP" altLang="en-US"/>
               <a:t>マスター タイトルの書式設定</a:t>
             </a:r>
-          </a:p>
-        </p:txBody>
-      </p:sp>
-      <p:sp>
-        <p:nvSpPr>
-          <p:cNvPr id="3" name="図プレースホルダー 2">
-            <a:extLst>
-              <a:ext uri="{FF2B5EF4-FFF2-40B4-BE49-F238E27FC236}">
-                <a16:creationId xmlns:a16="http://schemas.microsoft.com/office/drawing/2014/main" id="{EF186463-72E5-44C5-8073-1B828A9F2BDE}"/>
-              </a:ext>
-            </a:extLst>
-          </p:cNvPr>
-          <p:cNvSpPr>
-            <a:spLocks noGrp="1"/>
+            <a:endParaRPr lang="en-US" dirty="0"/>
+          </a:p>
+        </p:txBody>
+      </p:sp>
+      <p:sp>
+        <p:nvSpPr>
+          <p:cNvPr id="3" name="Picture Placeholder 2"/>
+          <p:cNvSpPr>
+            <a:spLocks noGrp="1" noChangeAspect="1"/>
           </p:cNvSpPr>
           <p:nvPr>
             <p:ph type="pic" idx="1"/>
@@ -3170,7 +2867,7 @@
           </a:xfrm>
         </p:spPr>
         <p:txBody>
-          <a:bodyPr/>
+          <a:bodyPr anchor="t"/>
           <a:lstStyle>
             <a:lvl1pPr marL="0" indent="0">
               <a:buNone/>
@@ -3210,19 +2907,17 @@
             </a:lvl9pPr>
           </a:lstStyle>
           <a:p>
-            <a:endParaRPr kumimoji="1" lang="ja-JP" altLang="en-US"/>
-          </a:p>
-        </p:txBody>
-      </p:sp>
-      <p:sp>
-        <p:nvSpPr>
-          <p:cNvPr id="4" name="テキスト プレースホルダー 3">
-            <a:extLst>
-              <a:ext uri="{FF2B5EF4-FFF2-40B4-BE49-F238E27FC236}">
-                <a16:creationId xmlns:a16="http://schemas.microsoft.com/office/drawing/2014/main" id="{835172C8-496E-4D23-A7CB-68D3C2553D0E}"/>
-              </a:ext>
-            </a:extLst>
-          </p:cNvPr>
+            <a:r>
+              <a:rPr lang="ja-JP" altLang="en-US"/>
+              <a:t>アイコンをクリックして図を追加</a:t>
+            </a:r>
+            <a:endParaRPr lang="en-US" dirty="0"/>
+          </a:p>
+        </p:txBody>
+      </p:sp>
+      <p:sp>
+        <p:nvSpPr>
+          <p:cNvPr id="4" name="Text Placeholder 3"/>
           <p:cNvSpPr>
             <a:spLocks noGrp="1"/>
           </p:cNvSpPr>
@@ -3279,7 +2974,7 @@
           <a:p>
             <a:pPr lvl="0"/>
             <a:r>
-              <a:rPr kumimoji="1" lang="ja-JP" altLang="en-US"/>
+              <a:rPr lang="ja-JP" altLang="en-US"/>
               <a:t>マスター テキストの書式設定</a:t>
             </a:r>
           </a:p>
@@ -3287,13 +2982,7 @@
       </p:sp>
       <p:sp>
         <p:nvSpPr>
-          <p:cNvPr id="5" name="日付プレースホルダー 4">
-            <a:extLst>
-              <a:ext uri="{FF2B5EF4-FFF2-40B4-BE49-F238E27FC236}">
-                <a16:creationId xmlns:a16="http://schemas.microsoft.com/office/drawing/2014/main" id="{D703A7A0-C5BC-4ECC-888D-19DBB0093F51}"/>
-              </a:ext>
-            </a:extLst>
-          </p:cNvPr>
+          <p:cNvPr id="5" name="Date Placeholder 4"/>
           <p:cNvSpPr>
             <a:spLocks noGrp="1"/>
           </p:cNvSpPr>
@@ -3316,13 +3005,7 @@
       </p:sp>
       <p:sp>
         <p:nvSpPr>
-          <p:cNvPr id="6" name="フッター プレースホルダー 5">
-            <a:extLst>
-              <a:ext uri="{FF2B5EF4-FFF2-40B4-BE49-F238E27FC236}">
-                <a16:creationId xmlns:a16="http://schemas.microsoft.com/office/drawing/2014/main" id="{72D39F3F-8D2C-407D-A729-3B51862D020D}"/>
-              </a:ext>
-            </a:extLst>
-          </p:cNvPr>
+          <p:cNvPr id="6" name="Footer Placeholder 5"/>
           <p:cNvSpPr>
             <a:spLocks noGrp="1"/>
           </p:cNvSpPr>
@@ -3341,13 +3024,7 @@
       </p:sp>
       <p:sp>
         <p:nvSpPr>
-          <p:cNvPr id="7" name="スライド番号プレースホルダー 6">
-            <a:extLst>
-              <a:ext uri="{FF2B5EF4-FFF2-40B4-BE49-F238E27FC236}">
-                <a16:creationId xmlns:a16="http://schemas.microsoft.com/office/drawing/2014/main" id="{80A6DCB9-18C3-4D08-9150-EB3F0FAE5D26}"/>
-              </a:ext>
-            </a:extLst>
-          </p:cNvPr>
+          <p:cNvPr id="7" name="Slide Number Placeholder 6"/>
           <p:cNvSpPr>
             <a:spLocks noGrp="1"/>
           </p:cNvSpPr>
@@ -3371,7 +3048,7 @@
     </p:spTree>
     <p:extLst>
       <p:ext uri="{BB962C8B-B14F-4D97-AF65-F5344CB8AC3E}">
-        <p14:creationId xmlns:p14="http://schemas.microsoft.com/office/powerpoint/2010/main" val="944342651"/>
+        <p14:creationId xmlns:p14="http://schemas.microsoft.com/office/powerpoint/2010/main" val="827057555"/>
       </p:ext>
     </p:extLst>
   </p:cSld>
@@ -3405,13 +3082,7 @@
       </p:grpSpPr>
       <p:sp>
         <p:nvSpPr>
-          <p:cNvPr id="2" name="タイトル プレースホルダー 1">
-            <a:extLst>
-              <a:ext uri="{FF2B5EF4-FFF2-40B4-BE49-F238E27FC236}">
-                <a16:creationId xmlns:a16="http://schemas.microsoft.com/office/drawing/2014/main" id="{136DEA6C-2C0B-4F2E-9BF1-7DE2262D0782}"/>
-              </a:ext>
-            </a:extLst>
-          </p:cNvPr>
+          <p:cNvPr id="2" name="Title Placeholder 1"/>
           <p:cNvSpPr>
             <a:spLocks noGrp="1"/>
           </p:cNvSpPr>
@@ -3435,21 +3106,16 @@
           <a:lstStyle/>
           <a:p>
             <a:r>
-              <a:rPr kumimoji="1" lang="ja-JP" altLang="en-US"/>
+              <a:rPr lang="ja-JP" altLang="en-US"/>
               <a:t>マスター タイトルの書式設定</a:t>
             </a:r>
-          </a:p>
-        </p:txBody>
-      </p:sp>
-      <p:sp>
-        <p:nvSpPr>
-          <p:cNvPr id="3" name="テキスト プレースホルダー 2">
-            <a:extLst>
-              <a:ext uri="{FF2B5EF4-FFF2-40B4-BE49-F238E27FC236}">
-                <a16:creationId xmlns:a16="http://schemas.microsoft.com/office/drawing/2014/main" id="{6C9E6B3A-9A13-4676-A49A-B3C30C0E5417}"/>
-              </a:ext>
-            </a:extLst>
-          </p:cNvPr>
+            <a:endParaRPr lang="en-US" dirty="0"/>
+          </a:p>
+        </p:txBody>
+      </p:sp>
+      <p:sp>
+        <p:nvSpPr>
+          <p:cNvPr id="3" name="Text Placeholder 2"/>
           <p:cNvSpPr>
             <a:spLocks noGrp="1"/>
           </p:cNvSpPr>
@@ -3474,81 +3140,76 @@
           <a:p>
             <a:pPr lvl="0"/>
             <a:r>
-              <a:rPr kumimoji="1" lang="ja-JP" altLang="en-US"/>
+              <a:rPr lang="ja-JP" altLang="en-US"/>
               <a:t>マスター テキストの書式設定</a:t>
             </a:r>
           </a:p>
           <a:p>
             <a:pPr lvl="1"/>
             <a:r>
-              <a:rPr kumimoji="1" lang="ja-JP" altLang="en-US"/>
+              <a:rPr lang="ja-JP" altLang="en-US"/>
               <a:t>第 </a:t>
             </a:r>
             <a:r>
-              <a:rPr kumimoji="1" lang="en-US" altLang="ja-JP"/>
+              <a:rPr lang="en-US" altLang="ja-JP"/>
               <a:t>2 </a:t>
             </a:r>
             <a:r>
-              <a:rPr kumimoji="1" lang="ja-JP" altLang="en-US"/>
+              <a:rPr lang="ja-JP" altLang="en-US"/>
               <a:t>レベル</a:t>
             </a:r>
           </a:p>
           <a:p>
             <a:pPr lvl="2"/>
             <a:r>
-              <a:rPr kumimoji="1" lang="ja-JP" altLang="en-US"/>
+              <a:rPr lang="ja-JP" altLang="en-US"/>
               <a:t>第 </a:t>
             </a:r>
             <a:r>
-              <a:rPr kumimoji="1" lang="en-US" altLang="ja-JP"/>
+              <a:rPr lang="en-US" altLang="ja-JP"/>
               <a:t>3 </a:t>
             </a:r>
             <a:r>
-              <a:rPr kumimoji="1" lang="ja-JP" altLang="en-US"/>
+              <a:rPr lang="ja-JP" altLang="en-US"/>
               <a:t>レベル</a:t>
             </a:r>
           </a:p>
           <a:p>
             <a:pPr lvl="3"/>
             <a:r>
-              <a:rPr kumimoji="1" lang="ja-JP" altLang="en-US"/>
+              <a:rPr lang="ja-JP" altLang="en-US"/>
               <a:t>第 </a:t>
             </a:r>
             <a:r>
-              <a:rPr kumimoji="1" lang="en-US" altLang="ja-JP"/>
+              <a:rPr lang="en-US" altLang="ja-JP"/>
               <a:t>4 </a:t>
             </a:r>
             <a:r>
-              <a:rPr kumimoji="1" lang="ja-JP" altLang="en-US"/>
+              <a:rPr lang="ja-JP" altLang="en-US"/>
               <a:t>レベル</a:t>
             </a:r>
           </a:p>
           <a:p>
             <a:pPr lvl="4"/>
             <a:r>
-              <a:rPr kumimoji="1" lang="ja-JP" altLang="en-US"/>
+              <a:rPr lang="ja-JP" altLang="en-US"/>
               <a:t>第 </a:t>
             </a:r>
             <a:r>
-              <a:rPr kumimoji="1" lang="en-US" altLang="ja-JP"/>
+              <a:rPr lang="en-US" altLang="ja-JP"/>
               <a:t>5 </a:t>
             </a:r>
             <a:r>
-              <a:rPr kumimoji="1" lang="ja-JP" altLang="en-US"/>
+              <a:rPr lang="ja-JP" altLang="en-US"/>
               <a:t>レベル</a:t>
             </a:r>
-          </a:p>
-        </p:txBody>
-      </p:sp>
-      <p:sp>
-        <p:nvSpPr>
-          <p:cNvPr id="4" name="日付プレースホルダー 3">
-            <a:extLst>
-              <a:ext uri="{FF2B5EF4-FFF2-40B4-BE49-F238E27FC236}">
-                <a16:creationId xmlns:a16="http://schemas.microsoft.com/office/drawing/2014/main" id="{69746869-5CA8-4E7E-B338-77C4FD699AF8}"/>
-              </a:ext>
-            </a:extLst>
-          </p:cNvPr>
+            <a:endParaRPr lang="en-US" dirty="0"/>
+          </a:p>
+        </p:txBody>
+      </p:sp>
+      <p:sp>
+        <p:nvSpPr>
+          <p:cNvPr id="4" name="Date Placeholder 3"/>
           <p:cNvSpPr>
             <a:spLocks noGrp="1"/>
           </p:cNvSpPr>
@@ -3589,13 +3250,7 @@
       </p:sp>
       <p:sp>
         <p:nvSpPr>
-          <p:cNvPr id="5" name="フッター プレースホルダー 4">
-            <a:extLst>
-              <a:ext uri="{FF2B5EF4-FFF2-40B4-BE49-F238E27FC236}">
-                <a16:creationId xmlns:a16="http://schemas.microsoft.com/office/drawing/2014/main" id="{C3C56332-2F19-4550-B68F-0522A9E28B14}"/>
-              </a:ext>
-            </a:extLst>
-          </p:cNvPr>
+          <p:cNvPr id="5" name="Footer Placeholder 4"/>
           <p:cNvSpPr>
             <a:spLocks noGrp="1"/>
           </p:cNvSpPr>
@@ -3632,13 +3287,7 @@
       </p:sp>
       <p:sp>
         <p:nvSpPr>
-          <p:cNvPr id="6" name="スライド番号プレースホルダー 5">
-            <a:extLst>
-              <a:ext uri="{FF2B5EF4-FFF2-40B4-BE49-F238E27FC236}">
-                <a16:creationId xmlns:a16="http://schemas.microsoft.com/office/drawing/2014/main" id="{3B47F9D1-57AD-4FD5-978B-AFC0D9EADE78}"/>
-              </a:ext>
-            </a:extLst>
-          </p:cNvPr>
+          <p:cNvPr id="6" name="Slide Number Placeholder 5"/>
           <p:cNvSpPr>
             <a:spLocks noGrp="1"/>
           </p:cNvSpPr>
@@ -3680,23 +3329,23 @@
     </p:spTree>
     <p:extLst>
       <p:ext uri="{BB962C8B-B14F-4D97-AF65-F5344CB8AC3E}">
-        <p14:creationId xmlns:p14="http://schemas.microsoft.com/office/powerpoint/2010/main" val="3204659296"/>
+        <p14:creationId xmlns:p14="http://schemas.microsoft.com/office/powerpoint/2010/main" val="1834017281"/>
       </p:ext>
     </p:extLst>
   </p:cSld>
   <p:clrMap bg1="lt1" tx1="dk1" bg2="lt2" tx2="dk2" accent1="accent1" accent2="accent2" accent3="accent3" accent4="accent4" accent5="accent5" accent6="accent6" hlink="hlink" folHlink="folHlink"/>
   <p:sldLayoutIdLst>
-    <p:sldLayoutId id="2147483649" r:id="rId1"/>
-    <p:sldLayoutId id="2147483650" r:id="rId2"/>
-    <p:sldLayoutId id="2147483651" r:id="rId3"/>
-    <p:sldLayoutId id="2147483652" r:id="rId4"/>
-    <p:sldLayoutId id="2147483653" r:id="rId5"/>
-    <p:sldLayoutId id="2147483654" r:id="rId6"/>
-    <p:sldLayoutId id="2147483655" r:id="rId7"/>
-    <p:sldLayoutId id="2147483656" r:id="rId8"/>
-    <p:sldLayoutId id="2147483657" r:id="rId9"/>
-    <p:sldLayoutId id="2147483658" r:id="rId10"/>
-    <p:sldLayoutId id="2147483659" r:id="rId11"/>
+    <p:sldLayoutId id="2147483673" r:id="rId1"/>
+    <p:sldLayoutId id="2147483674" r:id="rId2"/>
+    <p:sldLayoutId id="2147483675" r:id="rId3"/>
+    <p:sldLayoutId id="2147483676" r:id="rId4"/>
+    <p:sldLayoutId id="2147483677" r:id="rId5"/>
+    <p:sldLayoutId id="2147483678" r:id="rId6"/>
+    <p:sldLayoutId id="2147483679" r:id="rId7"/>
+    <p:sldLayoutId id="2147483680" r:id="rId8"/>
+    <p:sldLayoutId id="2147483681" r:id="rId9"/>
+    <p:sldLayoutId id="2147483682" r:id="rId10"/>
+    <p:sldLayoutId id="2147483683" r:id="rId11"/>
   </p:sldLayoutIdLst>
   <p:txStyles>
     <p:titleStyle>
@@ -3884,7 +3533,7 @@
     </p:bodyStyle>
     <p:otherStyle>
       <a:defPPr>
-        <a:defRPr lang="ja-JP"/>
+        <a:defRPr lang="en-US"/>
       </a:defPPr>
       <a:lvl1pPr marL="0" algn="l" defTabSz="914400" rtl="0" eaLnBrk="1" latinLnBrk="0" hangingPunct="1">
         <a:defRPr kumimoji="1" sz="1800" kern="1200">
@@ -3998,6 +3647,1533 @@
           <a:chExt cx="0" cy="0"/>
         </a:xfrm>
       </p:grpSpPr>
+      <p:grpSp>
+        <p:nvGrpSpPr>
+          <p:cNvPr id="84" name="グループ化 83">
+            <a:extLst>
+              <a:ext uri="{FF2B5EF4-FFF2-40B4-BE49-F238E27FC236}">
+                <a16:creationId xmlns:a16="http://schemas.microsoft.com/office/drawing/2014/main" id="{C16B93D5-3781-4C21-AE88-A6AE2894D59B}"/>
+              </a:ext>
+            </a:extLst>
+          </p:cNvPr>
+          <p:cNvGrpSpPr/>
+          <p:nvPr/>
+        </p:nvGrpSpPr>
+        <p:grpSpPr>
+          <a:xfrm>
+            <a:off x="61421" y="553369"/>
+            <a:ext cx="12015559" cy="6002706"/>
+            <a:chOff x="61421" y="553369"/>
+            <a:chExt cx="12015559" cy="6002706"/>
+          </a:xfrm>
+        </p:grpSpPr>
+        <p:pic>
+          <p:nvPicPr>
+            <p:cNvPr id="10" name="グラフィックス 9">
+              <a:extLst>
+                <a:ext uri="{FF2B5EF4-FFF2-40B4-BE49-F238E27FC236}">
+                  <a16:creationId xmlns:a16="http://schemas.microsoft.com/office/drawing/2014/main" id="{720C8AEA-BD22-4FF4-BFBC-5D43E880A0D0}"/>
+                </a:ext>
+              </a:extLst>
+            </p:cNvPr>
+            <p:cNvPicPr>
+              <a:picLocks noChangeAspect="1"/>
+            </p:cNvPicPr>
+            <p:nvPr/>
+          </p:nvPicPr>
+          <p:blipFill>
+            <a:blip r:embed="rId2">
+              <a:extLst>
+                <a:ext uri="{28A0092B-C50C-407E-A947-70E740481C1C}">
+                  <a14:useLocalDpi xmlns:a14="http://schemas.microsoft.com/office/drawing/2010/main" val="0"/>
+                </a:ext>
+                <a:ext uri="{96DAC541-7B7A-43D3-8B79-37D633B846F1}">
+                  <asvg:svgBlip xmlns:asvg="http://schemas.microsoft.com/office/drawing/2016/SVG/main" r:embed="rId3"/>
+                </a:ext>
+              </a:extLst>
+            </a:blip>
+            <a:stretch>
+              <a:fillRect/>
+            </a:stretch>
+          </p:blipFill>
+          <p:spPr>
+            <a:xfrm>
+              <a:off x="2649820" y="3612817"/>
+              <a:ext cx="794528" cy="794528"/>
+            </a:xfrm>
+            <a:prstGeom prst="rect">
+              <a:avLst/>
+            </a:prstGeom>
+          </p:spPr>
+        </p:pic>
+        <p:pic>
+          <p:nvPicPr>
+            <p:cNvPr id="12" name="グラフィックス 11">
+              <a:extLst>
+                <a:ext uri="{FF2B5EF4-FFF2-40B4-BE49-F238E27FC236}">
+                  <a16:creationId xmlns:a16="http://schemas.microsoft.com/office/drawing/2014/main" id="{59F2698E-6E6B-4F4F-B4AA-A6FCA5D5F8C0}"/>
+                </a:ext>
+              </a:extLst>
+            </p:cNvPr>
+            <p:cNvPicPr>
+              <a:picLocks noChangeAspect="1"/>
+            </p:cNvPicPr>
+            <p:nvPr/>
+          </p:nvPicPr>
+          <p:blipFill>
+            <a:blip r:embed="rId4">
+              <a:extLst>
+                <a:ext uri="{28A0092B-C50C-407E-A947-70E740481C1C}">
+                  <a14:useLocalDpi xmlns:a14="http://schemas.microsoft.com/office/drawing/2010/main" val="0"/>
+                </a:ext>
+                <a:ext uri="{96DAC541-7B7A-43D3-8B79-37D633B846F1}">
+                  <asvg:svgBlip xmlns:asvg="http://schemas.microsoft.com/office/drawing/2016/SVG/main" r:embed="rId5"/>
+                </a:ext>
+              </a:extLst>
+            </a:blip>
+            <a:stretch>
+              <a:fillRect/>
+            </a:stretch>
+          </p:blipFill>
+          <p:spPr>
+            <a:xfrm>
+              <a:off x="5721868" y="3634248"/>
+              <a:ext cx="751666" cy="751666"/>
+            </a:xfrm>
+            <a:prstGeom prst="rect">
+              <a:avLst/>
+            </a:prstGeom>
+          </p:spPr>
+        </p:pic>
+        <p:sp>
+          <p:nvSpPr>
+            <p:cNvPr id="15" name="テキスト ボックス 14">
+              <a:extLst>
+                <a:ext uri="{FF2B5EF4-FFF2-40B4-BE49-F238E27FC236}">
+                  <a16:creationId xmlns:a16="http://schemas.microsoft.com/office/drawing/2014/main" id="{593F3F33-FE94-4004-A7B4-F51A58ED8514}"/>
+                </a:ext>
+              </a:extLst>
+            </p:cNvPr>
+            <p:cNvSpPr txBox="1"/>
+            <p:nvPr/>
+          </p:nvSpPr>
+          <p:spPr>
+            <a:xfrm>
+              <a:off x="5610223" y="4445734"/>
+              <a:ext cx="968855" cy="369332"/>
+            </a:xfrm>
+            <a:prstGeom prst="rect">
+              <a:avLst/>
+            </a:prstGeom>
+            <a:noFill/>
+          </p:spPr>
+          <p:txBody>
+            <a:bodyPr wrap="none" rtlCol="0">
+              <a:spAutoFit/>
+            </a:bodyPr>
+            <a:lstStyle/>
+            <a:p>
+              <a:r>
+                <a:rPr lang="en-US" altLang="ja-JP" dirty="0"/>
+                <a:t>Artifacts</a:t>
+              </a:r>
+              <a:endParaRPr lang="ja-JP" altLang="en-US" dirty="0"/>
+            </a:p>
+          </p:txBody>
+        </p:sp>
+        <p:pic>
+          <p:nvPicPr>
+            <p:cNvPr id="17" name="グラフィックス 16">
+              <a:extLst>
+                <a:ext uri="{FF2B5EF4-FFF2-40B4-BE49-F238E27FC236}">
+                  <a16:creationId xmlns:a16="http://schemas.microsoft.com/office/drawing/2014/main" id="{2C9AE163-4931-46B1-A829-8A8A39AEF535}"/>
+                </a:ext>
+              </a:extLst>
+            </p:cNvPr>
+            <p:cNvPicPr>
+              <a:picLocks noChangeAspect="1"/>
+            </p:cNvPicPr>
+            <p:nvPr/>
+          </p:nvPicPr>
+          <p:blipFill>
+            <a:blip r:embed="rId2">
+              <a:extLst>
+                <a:ext uri="{28A0092B-C50C-407E-A947-70E740481C1C}">
+                  <a14:useLocalDpi xmlns:a14="http://schemas.microsoft.com/office/drawing/2010/main" val="0"/>
+                </a:ext>
+                <a:ext uri="{96DAC541-7B7A-43D3-8B79-37D633B846F1}">
+                  <asvg:svgBlip xmlns:asvg="http://schemas.microsoft.com/office/drawing/2016/SVG/main" r:embed="rId3"/>
+                </a:ext>
+              </a:extLst>
+            </a:blip>
+            <a:stretch>
+              <a:fillRect/>
+            </a:stretch>
+          </p:blipFill>
+          <p:spPr>
+            <a:xfrm>
+              <a:off x="8488138" y="3573794"/>
+              <a:ext cx="794528" cy="794528"/>
+            </a:xfrm>
+            <a:prstGeom prst="rect">
+              <a:avLst/>
+            </a:prstGeom>
+          </p:spPr>
+        </p:pic>
+        <p:pic>
+          <p:nvPicPr>
+            <p:cNvPr id="24" name="Shape 416">
+              <a:extLst>
+                <a:ext uri="{FF2B5EF4-FFF2-40B4-BE49-F238E27FC236}">
+                  <a16:creationId xmlns:a16="http://schemas.microsoft.com/office/drawing/2014/main" id="{660F51C7-BF8B-4B31-B2D0-BF443A2BF131}"/>
+                </a:ext>
+              </a:extLst>
+            </p:cNvPr>
+            <p:cNvPicPr preferRelativeResize="0">
+              <a:picLocks noChangeAspect="1"/>
+            </p:cNvPicPr>
+            <p:nvPr/>
+          </p:nvPicPr>
+          <p:blipFill>
+            <a:blip r:embed="rId6">
+              <a:alphaModFix/>
+            </a:blip>
+            <a:stretch>
+              <a:fillRect/>
+            </a:stretch>
+          </p:blipFill>
+          <p:spPr>
+            <a:xfrm>
+              <a:off x="2725608" y="5690796"/>
+              <a:ext cx="718740" cy="718740"/>
+            </a:xfrm>
+            <a:prstGeom prst="rect">
+              <a:avLst/>
+            </a:prstGeom>
+            <a:noFill/>
+            <a:ln>
+              <a:noFill/>
+            </a:ln>
+          </p:spPr>
+        </p:pic>
+        <p:pic>
+          <p:nvPicPr>
+            <p:cNvPr id="14" name="グラフィックス 13">
+              <a:extLst>
+                <a:ext uri="{FF2B5EF4-FFF2-40B4-BE49-F238E27FC236}">
+                  <a16:creationId xmlns:a16="http://schemas.microsoft.com/office/drawing/2014/main" id="{ED1EF8A9-A307-4EDC-BBEA-5F2FC7A0E61B}"/>
+                </a:ext>
+              </a:extLst>
+            </p:cNvPr>
+            <p:cNvPicPr>
+              <a:picLocks noChangeAspect="1"/>
+            </p:cNvPicPr>
+            <p:nvPr/>
+          </p:nvPicPr>
+          <p:blipFill>
+            <a:blip r:embed="rId7">
+              <a:extLst>
+                <a:ext uri="{28A0092B-C50C-407E-A947-70E740481C1C}">
+                  <a14:useLocalDpi xmlns:a14="http://schemas.microsoft.com/office/drawing/2010/main" val="0"/>
+                </a:ext>
+                <a:ext uri="{96DAC541-7B7A-43D3-8B79-37D633B846F1}">
+                  <asvg:svgBlip xmlns:asvg="http://schemas.microsoft.com/office/drawing/2016/SVG/main" r:embed="rId8"/>
+                </a:ext>
+              </a:extLst>
+            </a:blip>
+            <a:stretch>
+              <a:fillRect/>
+            </a:stretch>
+          </p:blipFill>
+          <p:spPr>
+            <a:xfrm>
+              <a:off x="2743311" y="1586913"/>
+              <a:ext cx="683333" cy="683333"/>
+            </a:xfrm>
+            <a:prstGeom prst="rect">
+              <a:avLst/>
+            </a:prstGeom>
+          </p:spPr>
+        </p:pic>
+        <p:cxnSp>
+          <p:nvCxnSpPr>
+            <p:cNvPr id="27" name="直線矢印コネクタ 26">
+              <a:extLst>
+                <a:ext uri="{FF2B5EF4-FFF2-40B4-BE49-F238E27FC236}">
+                  <a16:creationId xmlns:a16="http://schemas.microsoft.com/office/drawing/2014/main" id="{FC5C5E18-6E1F-412C-887F-BFB0120CDB48}"/>
+                </a:ext>
+              </a:extLst>
+            </p:cNvPr>
+            <p:cNvCxnSpPr>
+              <a:cxnSpLocks/>
+            </p:cNvCxnSpPr>
+            <p:nvPr/>
+          </p:nvCxnSpPr>
+          <p:spPr>
+            <a:xfrm flipH="1" flipV="1">
+              <a:off x="3047085" y="4530039"/>
+              <a:ext cx="6275" cy="1089095"/>
+            </a:xfrm>
+            <a:prstGeom prst="straightConnector1">
+              <a:avLst/>
+            </a:prstGeom>
+            <a:ln>
+              <a:solidFill>
+                <a:schemeClr val="tx2"/>
+              </a:solidFill>
+              <a:headEnd type="none" w="med" len="med"/>
+              <a:tailEnd type="arrow" w="med" len="med"/>
+            </a:ln>
+          </p:spPr>
+          <p:style>
+            <a:lnRef idx="3">
+              <a:schemeClr val="accent2"/>
+            </a:lnRef>
+            <a:fillRef idx="0">
+              <a:schemeClr val="accent2"/>
+            </a:fillRef>
+            <a:effectRef idx="2">
+              <a:schemeClr val="accent2"/>
+            </a:effectRef>
+            <a:fontRef idx="minor">
+              <a:schemeClr val="tx1"/>
+            </a:fontRef>
+          </p:style>
+        </p:cxnSp>
+        <p:cxnSp>
+          <p:nvCxnSpPr>
+            <p:cNvPr id="30" name="直線矢印コネクタ 29">
+              <a:extLst>
+                <a:ext uri="{FF2B5EF4-FFF2-40B4-BE49-F238E27FC236}">
+                  <a16:creationId xmlns:a16="http://schemas.microsoft.com/office/drawing/2014/main" id="{75F0A3E6-41DE-4C3E-8437-B3E0526234C0}"/>
+                </a:ext>
+              </a:extLst>
+            </p:cNvPr>
+            <p:cNvCxnSpPr>
+              <a:cxnSpLocks/>
+            </p:cNvCxnSpPr>
+            <p:nvPr/>
+          </p:nvCxnSpPr>
+          <p:spPr>
+            <a:xfrm flipV="1">
+              <a:off x="3600911" y="4319772"/>
+              <a:ext cx="1873999" cy="1371025"/>
+            </a:xfrm>
+            <a:prstGeom prst="straightConnector1">
+              <a:avLst/>
+            </a:prstGeom>
+            <a:ln>
+              <a:solidFill>
+                <a:schemeClr val="tx2"/>
+              </a:solidFill>
+              <a:headEnd type="none" w="med" len="med"/>
+              <a:tailEnd type="arrow" w="med" len="med"/>
+            </a:ln>
+          </p:spPr>
+          <p:style>
+            <a:lnRef idx="3">
+              <a:schemeClr val="accent2"/>
+            </a:lnRef>
+            <a:fillRef idx="0">
+              <a:schemeClr val="accent2"/>
+            </a:fillRef>
+            <a:effectRef idx="2">
+              <a:schemeClr val="accent2"/>
+            </a:effectRef>
+            <a:fontRef idx="minor">
+              <a:schemeClr val="tx1"/>
+            </a:fontRef>
+          </p:style>
+        </p:cxnSp>
+        <p:pic>
+          <p:nvPicPr>
+            <p:cNvPr id="32" name="グラフィックス 31">
+              <a:extLst>
+                <a:ext uri="{FF2B5EF4-FFF2-40B4-BE49-F238E27FC236}">
+                  <a16:creationId xmlns:a16="http://schemas.microsoft.com/office/drawing/2014/main" id="{B61730B1-1D60-4927-9797-8725CA32187A}"/>
+                </a:ext>
+              </a:extLst>
+            </p:cNvPr>
+            <p:cNvPicPr>
+              <a:picLocks noChangeAspect="1"/>
+            </p:cNvPicPr>
+            <p:nvPr/>
+          </p:nvPicPr>
+          <p:blipFill>
+            <a:blip r:embed="rId7">
+              <a:extLst>
+                <a:ext uri="{28A0092B-C50C-407E-A947-70E740481C1C}">
+                  <a14:useLocalDpi xmlns:a14="http://schemas.microsoft.com/office/drawing/2010/main" val="0"/>
+                </a:ext>
+                <a:ext uri="{96DAC541-7B7A-43D3-8B79-37D633B846F1}">
+                  <asvg:svgBlip xmlns:asvg="http://schemas.microsoft.com/office/drawing/2016/SVG/main" r:embed="rId8"/>
+                </a:ext>
+              </a:extLst>
+            </a:blip>
+            <a:stretch>
+              <a:fillRect/>
+            </a:stretch>
+          </p:blipFill>
+          <p:spPr>
+            <a:xfrm>
+              <a:off x="8543735" y="1567987"/>
+              <a:ext cx="683333" cy="683333"/>
+            </a:xfrm>
+            <a:prstGeom prst="rect">
+              <a:avLst/>
+            </a:prstGeom>
+          </p:spPr>
+        </p:pic>
+        <p:pic>
+          <p:nvPicPr>
+            <p:cNvPr id="42" name="Shape 416">
+              <a:extLst>
+                <a:ext uri="{FF2B5EF4-FFF2-40B4-BE49-F238E27FC236}">
+                  <a16:creationId xmlns:a16="http://schemas.microsoft.com/office/drawing/2014/main" id="{A8B43CDF-DCB2-461A-9186-3843B2BC2797}"/>
+                </a:ext>
+              </a:extLst>
+            </p:cNvPr>
+            <p:cNvPicPr preferRelativeResize="0">
+              <a:picLocks noChangeAspect="1"/>
+            </p:cNvPicPr>
+            <p:nvPr/>
+          </p:nvPicPr>
+          <p:blipFill>
+            <a:blip r:embed="rId6">
+              <a:alphaModFix/>
+            </a:blip>
+            <a:stretch>
+              <a:fillRect/>
+            </a:stretch>
+          </p:blipFill>
+          <p:spPr>
+            <a:xfrm>
+              <a:off x="8569421" y="5503318"/>
+              <a:ext cx="718740" cy="718740"/>
+            </a:xfrm>
+            <a:prstGeom prst="rect">
+              <a:avLst/>
+            </a:prstGeom>
+            <a:noFill/>
+            <a:ln>
+              <a:noFill/>
+            </a:ln>
+          </p:spPr>
+        </p:pic>
+        <p:cxnSp>
+          <p:nvCxnSpPr>
+            <p:cNvPr id="43" name="直線矢印コネクタ 42">
+              <a:extLst>
+                <a:ext uri="{FF2B5EF4-FFF2-40B4-BE49-F238E27FC236}">
+                  <a16:creationId xmlns:a16="http://schemas.microsoft.com/office/drawing/2014/main" id="{3EB39C53-19B6-4A7C-AAA7-1AEE719AA421}"/>
+                </a:ext>
+              </a:extLst>
+            </p:cNvPr>
+            <p:cNvCxnSpPr>
+              <a:cxnSpLocks/>
+            </p:cNvCxnSpPr>
+            <p:nvPr/>
+          </p:nvCxnSpPr>
+          <p:spPr>
+            <a:xfrm>
+              <a:off x="6614140" y="4319771"/>
+              <a:ext cx="1873999" cy="1371025"/>
+            </a:xfrm>
+            <a:prstGeom prst="straightConnector1">
+              <a:avLst/>
+            </a:prstGeom>
+            <a:ln>
+              <a:solidFill>
+                <a:schemeClr val="tx2"/>
+              </a:solidFill>
+              <a:headEnd type="none" w="med" len="med"/>
+              <a:tailEnd type="arrow" w="med" len="med"/>
+            </a:ln>
+          </p:spPr>
+          <p:style>
+            <a:lnRef idx="3">
+              <a:schemeClr val="accent2"/>
+            </a:lnRef>
+            <a:fillRef idx="0">
+              <a:schemeClr val="accent2"/>
+            </a:fillRef>
+            <a:effectRef idx="2">
+              <a:schemeClr val="accent2"/>
+            </a:effectRef>
+            <a:fontRef idx="minor">
+              <a:schemeClr val="tx1"/>
+            </a:fontRef>
+          </p:style>
+        </p:cxnSp>
+        <p:cxnSp>
+          <p:nvCxnSpPr>
+            <p:cNvPr id="44" name="直線矢印コネクタ 43">
+              <a:extLst>
+                <a:ext uri="{FF2B5EF4-FFF2-40B4-BE49-F238E27FC236}">
+                  <a16:creationId xmlns:a16="http://schemas.microsoft.com/office/drawing/2014/main" id="{B4D6D5B9-F3DA-40F6-9A2A-CFCAFCCD69DB}"/>
+                </a:ext>
+              </a:extLst>
+            </p:cNvPr>
+            <p:cNvCxnSpPr>
+              <a:cxnSpLocks/>
+              <a:stCxn id="42" idx="0"/>
+            </p:cNvCxnSpPr>
+            <p:nvPr/>
+          </p:nvCxnSpPr>
+          <p:spPr>
+            <a:xfrm flipH="1" flipV="1">
+              <a:off x="8917999" y="4407346"/>
+              <a:ext cx="10793" cy="1095973"/>
+            </a:xfrm>
+            <a:prstGeom prst="straightConnector1">
+              <a:avLst/>
+            </a:prstGeom>
+            <a:ln>
+              <a:solidFill>
+                <a:schemeClr val="tx2"/>
+              </a:solidFill>
+              <a:headEnd type="none" w="med" len="med"/>
+              <a:tailEnd type="arrow" w="med" len="med"/>
+            </a:ln>
+          </p:spPr>
+          <p:style>
+            <a:lnRef idx="3">
+              <a:schemeClr val="accent2"/>
+            </a:lnRef>
+            <a:fillRef idx="0">
+              <a:schemeClr val="accent2"/>
+            </a:fillRef>
+            <a:effectRef idx="2">
+              <a:schemeClr val="accent2"/>
+            </a:effectRef>
+            <a:fontRef idx="minor">
+              <a:schemeClr val="tx1"/>
+            </a:fontRef>
+          </p:style>
+        </p:cxnSp>
+        <p:cxnSp>
+          <p:nvCxnSpPr>
+            <p:cNvPr id="47" name="直線矢印コネクタ 46">
+              <a:extLst>
+                <a:ext uri="{FF2B5EF4-FFF2-40B4-BE49-F238E27FC236}">
+                  <a16:creationId xmlns:a16="http://schemas.microsoft.com/office/drawing/2014/main" id="{3D4096D5-8795-47EC-A6C4-204691CA7C38}"/>
+                </a:ext>
+              </a:extLst>
+            </p:cNvPr>
+            <p:cNvCxnSpPr>
+              <a:cxnSpLocks/>
+            </p:cNvCxnSpPr>
+            <p:nvPr/>
+          </p:nvCxnSpPr>
+          <p:spPr>
+            <a:xfrm flipH="1" flipV="1">
+              <a:off x="8909381" y="2394803"/>
+              <a:ext cx="10793" cy="1095973"/>
+            </a:xfrm>
+            <a:prstGeom prst="straightConnector1">
+              <a:avLst/>
+            </a:prstGeom>
+            <a:ln>
+              <a:solidFill>
+                <a:schemeClr val="tx2"/>
+              </a:solidFill>
+              <a:headEnd type="none" w="med" len="med"/>
+              <a:tailEnd type="arrow" w="med" len="med"/>
+            </a:ln>
+          </p:spPr>
+          <p:style>
+            <a:lnRef idx="3">
+              <a:schemeClr val="accent2"/>
+            </a:lnRef>
+            <a:fillRef idx="0">
+              <a:schemeClr val="accent2"/>
+            </a:fillRef>
+            <a:effectRef idx="2">
+              <a:schemeClr val="accent2"/>
+            </a:effectRef>
+            <a:fontRef idx="minor">
+              <a:schemeClr val="tx1"/>
+            </a:fontRef>
+          </p:style>
+        </p:cxnSp>
+        <p:sp>
+          <p:nvSpPr>
+            <p:cNvPr id="48" name="テキスト ボックス 47">
+              <a:extLst>
+                <a:ext uri="{FF2B5EF4-FFF2-40B4-BE49-F238E27FC236}">
+                  <a16:creationId xmlns:a16="http://schemas.microsoft.com/office/drawing/2014/main" id="{3D97A6D8-16BB-485A-9DA8-145FC9A77963}"/>
+                </a:ext>
+              </a:extLst>
+            </p:cNvPr>
+            <p:cNvSpPr txBox="1"/>
+            <p:nvPr/>
+          </p:nvSpPr>
+          <p:spPr>
+            <a:xfrm>
+              <a:off x="1844480" y="3832453"/>
+              <a:ext cx="664734" cy="369332"/>
+            </a:xfrm>
+            <a:prstGeom prst="rect">
+              <a:avLst/>
+            </a:prstGeom>
+            <a:noFill/>
+          </p:spPr>
+          <p:txBody>
+            <a:bodyPr wrap="none" rtlCol="0">
+              <a:spAutoFit/>
+            </a:bodyPr>
+            <a:lstStyle/>
+            <a:p>
+              <a:r>
+                <a:rPr lang="en-US" altLang="ja-JP" dirty="0"/>
+                <a:t>Repo</a:t>
+              </a:r>
+              <a:endParaRPr lang="ja-JP" altLang="en-US" dirty="0"/>
+            </a:p>
+          </p:txBody>
+        </p:sp>
+        <p:cxnSp>
+          <p:nvCxnSpPr>
+            <p:cNvPr id="50" name="直線矢印コネクタ 49">
+              <a:extLst>
+                <a:ext uri="{FF2B5EF4-FFF2-40B4-BE49-F238E27FC236}">
+                  <a16:creationId xmlns:a16="http://schemas.microsoft.com/office/drawing/2014/main" id="{4576B0ED-E3A2-402B-95D4-CEB6A9651DE3}"/>
+                </a:ext>
+              </a:extLst>
+            </p:cNvPr>
+            <p:cNvCxnSpPr>
+              <a:cxnSpLocks/>
+            </p:cNvCxnSpPr>
+            <p:nvPr/>
+          </p:nvCxnSpPr>
+          <p:spPr>
+            <a:xfrm flipV="1">
+              <a:off x="6634378" y="2311784"/>
+              <a:ext cx="1873999" cy="1371025"/>
+            </a:xfrm>
+            <a:prstGeom prst="straightConnector1">
+              <a:avLst/>
+            </a:prstGeom>
+            <a:ln>
+              <a:solidFill>
+                <a:schemeClr val="tx2"/>
+              </a:solidFill>
+              <a:headEnd type="none" w="med" len="med"/>
+              <a:tailEnd type="arrow" w="med" len="med"/>
+            </a:ln>
+          </p:spPr>
+          <p:style>
+            <a:lnRef idx="3">
+              <a:schemeClr val="accent2"/>
+            </a:lnRef>
+            <a:fillRef idx="0">
+              <a:schemeClr val="accent2"/>
+            </a:fillRef>
+            <a:effectRef idx="2">
+              <a:schemeClr val="accent2"/>
+            </a:effectRef>
+            <a:fontRef idx="minor">
+              <a:schemeClr val="tx1"/>
+            </a:fontRef>
+          </p:style>
+        </p:cxnSp>
+        <p:cxnSp>
+          <p:nvCxnSpPr>
+            <p:cNvPr id="51" name="直線矢印コネクタ 50">
+              <a:extLst>
+                <a:ext uri="{FF2B5EF4-FFF2-40B4-BE49-F238E27FC236}">
+                  <a16:creationId xmlns:a16="http://schemas.microsoft.com/office/drawing/2014/main" id="{BB8064F3-48AB-4E34-9DCC-07FA305B4D2D}"/>
+                </a:ext>
+              </a:extLst>
+            </p:cNvPr>
+            <p:cNvCxnSpPr>
+              <a:cxnSpLocks/>
+            </p:cNvCxnSpPr>
+            <p:nvPr/>
+          </p:nvCxnSpPr>
+          <p:spPr>
+            <a:xfrm>
+              <a:off x="9399856" y="1954119"/>
+              <a:ext cx="1483341" cy="0"/>
+            </a:xfrm>
+            <a:prstGeom prst="straightConnector1">
+              <a:avLst/>
+            </a:prstGeom>
+            <a:ln>
+              <a:solidFill>
+                <a:schemeClr val="tx2"/>
+              </a:solidFill>
+              <a:headEnd type="none" w="med" len="med"/>
+              <a:tailEnd type="arrow" w="med" len="med"/>
+            </a:ln>
+          </p:spPr>
+          <p:style>
+            <a:lnRef idx="3">
+              <a:schemeClr val="accent2"/>
+            </a:lnRef>
+            <a:fillRef idx="0">
+              <a:schemeClr val="accent2"/>
+            </a:fillRef>
+            <a:effectRef idx="2">
+              <a:schemeClr val="accent2"/>
+            </a:effectRef>
+            <a:fontRef idx="minor">
+              <a:schemeClr val="tx1"/>
+            </a:fontRef>
+          </p:style>
+        </p:cxnSp>
+        <p:pic>
+          <p:nvPicPr>
+            <p:cNvPr id="55" name="図 54">
+              <a:extLst>
+                <a:ext uri="{FF2B5EF4-FFF2-40B4-BE49-F238E27FC236}">
+                  <a16:creationId xmlns:a16="http://schemas.microsoft.com/office/drawing/2014/main" id="{66E8A794-85CA-4E25-B768-94A1A213C59F}"/>
+                </a:ext>
+              </a:extLst>
+            </p:cNvPr>
+            <p:cNvPicPr>
+              <a:picLocks noChangeAspect="1"/>
+            </p:cNvPicPr>
+            <p:nvPr/>
+          </p:nvPicPr>
+          <p:blipFill>
+            <a:blip r:embed="rId9">
+              <a:extLst>
+                <a:ext uri="{28A0092B-C50C-407E-A947-70E740481C1C}">
+                  <a14:useLocalDpi xmlns:a14="http://schemas.microsoft.com/office/drawing/2010/main" val="0"/>
+                </a:ext>
+              </a:extLst>
+            </a:blip>
+            <a:stretch>
+              <a:fillRect/>
+            </a:stretch>
+          </p:blipFill>
+          <p:spPr>
+            <a:xfrm>
+              <a:off x="11055985" y="1667954"/>
+              <a:ext cx="822535" cy="641445"/>
+            </a:xfrm>
+            <a:prstGeom prst="rect">
+              <a:avLst/>
+            </a:prstGeom>
+          </p:spPr>
+        </p:pic>
+        <p:sp>
+          <p:nvSpPr>
+            <p:cNvPr id="56" name="テキスト ボックス 55">
+              <a:extLst>
+                <a:ext uri="{FF2B5EF4-FFF2-40B4-BE49-F238E27FC236}">
+                  <a16:creationId xmlns:a16="http://schemas.microsoft.com/office/drawing/2014/main" id="{AE21E99E-D7E9-4F0B-877A-84CCF3A7ACF3}"/>
+                </a:ext>
+              </a:extLst>
+            </p:cNvPr>
+            <p:cNvSpPr txBox="1"/>
+            <p:nvPr/>
+          </p:nvSpPr>
+          <p:spPr>
+            <a:xfrm>
+              <a:off x="10913254" y="2394803"/>
+              <a:ext cx="1107996" cy="369332"/>
+            </a:xfrm>
+            <a:prstGeom prst="rect">
+              <a:avLst/>
+            </a:prstGeom>
+            <a:noFill/>
+          </p:spPr>
+          <p:txBody>
+            <a:bodyPr wrap="none" rtlCol="0">
+              <a:spAutoFit/>
+            </a:bodyPr>
+            <a:lstStyle/>
+            <a:p>
+              <a:r>
+                <a:rPr lang="ja-JP" altLang="en-US" dirty="0"/>
+                <a:t>実行環境</a:t>
+              </a:r>
+            </a:p>
+          </p:txBody>
+        </p:sp>
+        <p:sp>
+          <p:nvSpPr>
+            <p:cNvPr id="57" name="テキスト ボックス 56">
+              <a:extLst>
+                <a:ext uri="{FF2B5EF4-FFF2-40B4-BE49-F238E27FC236}">
+                  <a16:creationId xmlns:a16="http://schemas.microsoft.com/office/drawing/2014/main" id="{C01B2973-B9F5-484C-8F9E-A62F3F841124}"/>
+                </a:ext>
+              </a:extLst>
+            </p:cNvPr>
+            <p:cNvSpPr txBox="1"/>
+            <p:nvPr/>
+          </p:nvSpPr>
+          <p:spPr>
+            <a:xfrm>
+              <a:off x="2049962" y="4864404"/>
+              <a:ext cx="918841" cy="369332"/>
+            </a:xfrm>
+            <a:prstGeom prst="rect">
+              <a:avLst/>
+            </a:prstGeom>
+            <a:noFill/>
+          </p:spPr>
+          <p:txBody>
+            <a:bodyPr wrap="none" rtlCol="0">
+              <a:spAutoFit/>
+            </a:bodyPr>
+            <a:lstStyle/>
+            <a:p>
+              <a:r>
+                <a:rPr lang="en-US" altLang="ja-JP" dirty="0"/>
+                <a:t>git </a:t>
+              </a:r>
+              <a:r>
+                <a:rPr lang="en-US" altLang="ja-JP" dirty="0" err="1"/>
+                <a:t>puth</a:t>
+              </a:r>
+              <a:endParaRPr lang="ja-JP" altLang="en-US" dirty="0"/>
+            </a:p>
+          </p:txBody>
+        </p:sp>
+        <p:cxnSp>
+          <p:nvCxnSpPr>
+            <p:cNvPr id="58" name="直線矢印コネクタ 57">
+              <a:extLst>
+                <a:ext uri="{FF2B5EF4-FFF2-40B4-BE49-F238E27FC236}">
+                  <a16:creationId xmlns:a16="http://schemas.microsoft.com/office/drawing/2014/main" id="{B03F5E69-6B91-49A0-BAA9-E5D5989BDE2F}"/>
+                </a:ext>
+              </a:extLst>
+            </p:cNvPr>
+            <p:cNvCxnSpPr>
+              <a:cxnSpLocks/>
+            </p:cNvCxnSpPr>
+            <p:nvPr/>
+          </p:nvCxnSpPr>
+          <p:spPr>
+            <a:xfrm flipH="1" flipV="1">
+              <a:off x="3013896" y="2406939"/>
+              <a:ext cx="10793" cy="1095973"/>
+            </a:xfrm>
+            <a:prstGeom prst="straightConnector1">
+              <a:avLst/>
+            </a:prstGeom>
+            <a:ln>
+              <a:solidFill>
+                <a:schemeClr val="tx2"/>
+              </a:solidFill>
+              <a:headEnd type="none" w="med" len="med"/>
+              <a:tailEnd type="arrow" w="med" len="med"/>
+            </a:ln>
+          </p:spPr>
+          <p:style>
+            <a:lnRef idx="3">
+              <a:schemeClr val="accent2"/>
+            </a:lnRef>
+            <a:fillRef idx="0">
+              <a:schemeClr val="accent2"/>
+            </a:fillRef>
+            <a:effectRef idx="2">
+              <a:schemeClr val="accent2"/>
+            </a:effectRef>
+            <a:fontRef idx="minor">
+              <a:schemeClr val="tx1"/>
+            </a:fontRef>
+          </p:style>
+        </p:cxnSp>
+        <p:cxnSp>
+          <p:nvCxnSpPr>
+            <p:cNvPr id="59" name="直線矢印コネクタ 58">
+              <a:extLst>
+                <a:ext uri="{FF2B5EF4-FFF2-40B4-BE49-F238E27FC236}">
+                  <a16:creationId xmlns:a16="http://schemas.microsoft.com/office/drawing/2014/main" id="{4E733A26-7418-4697-9E7F-F41042A1BCEE}"/>
+                </a:ext>
+              </a:extLst>
+            </p:cNvPr>
+            <p:cNvCxnSpPr>
+              <a:cxnSpLocks/>
+            </p:cNvCxnSpPr>
+            <p:nvPr/>
+          </p:nvCxnSpPr>
+          <p:spPr>
+            <a:xfrm>
+              <a:off x="3584953" y="2289835"/>
+              <a:ext cx="1873999" cy="1371025"/>
+            </a:xfrm>
+            <a:prstGeom prst="straightConnector1">
+              <a:avLst/>
+            </a:prstGeom>
+            <a:ln>
+              <a:solidFill>
+                <a:schemeClr val="tx2"/>
+              </a:solidFill>
+              <a:headEnd type="none" w="med" len="med"/>
+              <a:tailEnd type="arrow" w="med" len="med"/>
+            </a:ln>
+          </p:spPr>
+          <p:style>
+            <a:lnRef idx="3">
+              <a:schemeClr val="accent2"/>
+            </a:lnRef>
+            <a:fillRef idx="0">
+              <a:schemeClr val="accent2"/>
+            </a:fillRef>
+            <a:effectRef idx="2">
+              <a:schemeClr val="accent2"/>
+            </a:effectRef>
+            <a:fontRef idx="minor">
+              <a:schemeClr val="tx1"/>
+            </a:fontRef>
+          </p:style>
+        </p:cxnSp>
+        <p:sp>
+          <p:nvSpPr>
+            <p:cNvPr id="60" name="テキスト ボックス 59">
+              <a:extLst>
+                <a:ext uri="{FF2B5EF4-FFF2-40B4-BE49-F238E27FC236}">
+                  <a16:creationId xmlns:a16="http://schemas.microsoft.com/office/drawing/2014/main" id="{934F5836-EB02-46FF-BEAF-AC4BA1186835}"/>
+                </a:ext>
+              </a:extLst>
+            </p:cNvPr>
+            <p:cNvSpPr txBox="1"/>
+            <p:nvPr/>
+          </p:nvSpPr>
+          <p:spPr>
+            <a:xfrm>
+              <a:off x="1935245" y="1769453"/>
+              <a:ext cx="721672" cy="369332"/>
+            </a:xfrm>
+            <a:prstGeom prst="rect">
+              <a:avLst/>
+            </a:prstGeom>
+            <a:noFill/>
+          </p:spPr>
+          <p:txBody>
+            <a:bodyPr wrap="none" rtlCol="0">
+              <a:spAutoFit/>
+            </a:bodyPr>
+            <a:lstStyle/>
+            <a:p>
+              <a:r>
+                <a:rPr lang="en-US" altLang="ja-JP" dirty="0"/>
+                <a:t>CI/CD</a:t>
+              </a:r>
+              <a:endParaRPr lang="ja-JP" altLang="en-US" dirty="0"/>
+            </a:p>
+          </p:txBody>
+        </p:sp>
+        <p:sp>
+          <p:nvSpPr>
+            <p:cNvPr id="61" name="テキスト ボックス 60">
+              <a:extLst>
+                <a:ext uri="{FF2B5EF4-FFF2-40B4-BE49-F238E27FC236}">
+                  <a16:creationId xmlns:a16="http://schemas.microsoft.com/office/drawing/2014/main" id="{2B443C93-76DE-478D-811C-8527803D2DB6}"/>
+                </a:ext>
+              </a:extLst>
+            </p:cNvPr>
+            <p:cNvSpPr txBox="1"/>
+            <p:nvPr/>
+          </p:nvSpPr>
+          <p:spPr>
+            <a:xfrm>
+              <a:off x="2096448" y="2801404"/>
+              <a:ext cx="825867" cy="369332"/>
+            </a:xfrm>
+            <a:prstGeom prst="rect">
+              <a:avLst/>
+            </a:prstGeom>
+            <a:noFill/>
+          </p:spPr>
+          <p:txBody>
+            <a:bodyPr wrap="none" rtlCol="0">
+              <a:spAutoFit/>
+            </a:bodyPr>
+            <a:lstStyle/>
+            <a:p>
+              <a:r>
+                <a:rPr lang="en-US" altLang="ja-JP" dirty="0"/>
+                <a:t>git pull</a:t>
+              </a:r>
+              <a:endParaRPr lang="ja-JP" altLang="en-US" dirty="0"/>
+            </a:p>
+          </p:txBody>
+        </p:sp>
+        <p:sp>
+          <p:nvSpPr>
+            <p:cNvPr id="62" name="テキスト ボックス 61">
+              <a:extLst>
+                <a:ext uri="{FF2B5EF4-FFF2-40B4-BE49-F238E27FC236}">
+                  <a16:creationId xmlns:a16="http://schemas.microsoft.com/office/drawing/2014/main" id="{E451C1BA-EBC1-48DA-990B-0A2E9E5600A1}"/>
+                </a:ext>
+              </a:extLst>
+            </p:cNvPr>
+            <p:cNvSpPr txBox="1"/>
+            <p:nvPr/>
+          </p:nvSpPr>
+          <p:spPr>
+            <a:xfrm>
+              <a:off x="4240213" y="2406939"/>
+              <a:ext cx="1234697" cy="369332"/>
+            </a:xfrm>
+            <a:prstGeom prst="rect">
+              <a:avLst/>
+            </a:prstGeom>
+            <a:noFill/>
+          </p:spPr>
+          <p:txBody>
+            <a:bodyPr wrap="none" rtlCol="0">
+              <a:spAutoFit/>
+            </a:bodyPr>
+            <a:lstStyle/>
+            <a:p>
+              <a:r>
+                <a:rPr lang="en-US" altLang="ja-JP" dirty="0" err="1"/>
+                <a:t>nuget</a:t>
+              </a:r>
+              <a:r>
+                <a:rPr lang="en-US" altLang="ja-JP" dirty="0"/>
+                <a:t> push</a:t>
+              </a:r>
+              <a:endParaRPr lang="ja-JP" altLang="en-US" dirty="0"/>
+            </a:p>
+          </p:txBody>
+        </p:sp>
+        <p:sp>
+          <p:nvSpPr>
+            <p:cNvPr id="63" name="テキスト ボックス 62">
+              <a:extLst>
+                <a:ext uri="{FF2B5EF4-FFF2-40B4-BE49-F238E27FC236}">
+                  <a16:creationId xmlns:a16="http://schemas.microsoft.com/office/drawing/2014/main" id="{5412F809-F893-40F4-A7BA-766FA8EC1971}"/>
+                </a:ext>
+              </a:extLst>
+            </p:cNvPr>
+            <p:cNvSpPr txBox="1"/>
+            <p:nvPr/>
+          </p:nvSpPr>
+          <p:spPr>
+            <a:xfrm>
+              <a:off x="4240213" y="5194175"/>
+              <a:ext cx="1234697" cy="369332"/>
+            </a:xfrm>
+            <a:prstGeom prst="rect">
+              <a:avLst/>
+            </a:prstGeom>
+            <a:noFill/>
+          </p:spPr>
+          <p:txBody>
+            <a:bodyPr wrap="none" rtlCol="0">
+              <a:spAutoFit/>
+            </a:bodyPr>
+            <a:lstStyle/>
+            <a:p>
+              <a:r>
+                <a:rPr lang="en-US" altLang="ja-JP" dirty="0" err="1"/>
+                <a:t>nuget</a:t>
+              </a:r>
+              <a:r>
+                <a:rPr lang="en-US" altLang="ja-JP" dirty="0"/>
+                <a:t> push</a:t>
+              </a:r>
+              <a:endParaRPr lang="ja-JP" altLang="en-US" dirty="0"/>
+            </a:p>
+          </p:txBody>
+        </p:sp>
+        <p:sp>
+          <p:nvSpPr>
+            <p:cNvPr id="64" name="テキスト ボックス 63">
+              <a:extLst>
+                <a:ext uri="{FF2B5EF4-FFF2-40B4-BE49-F238E27FC236}">
+                  <a16:creationId xmlns:a16="http://schemas.microsoft.com/office/drawing/2014/main" id="{01565627-E489-411F-9FB5-9978E1C825FD}"/>
+                </a:ext>
+              </a:extLst>
+            </p:cNvPr>
+            <p:cNvSpPr txBox="1"/>
+            <p:nvPr/>
+          </p:nvSpPr>
+          <p:spPr>
+            <a:xfrm>
+              <a:off x="6625250" y="2394803"/>
+              <a:ext cx="1448282" cy="369332"/>
+            </a:xfrm>
+            <a:prstGeom prst="rect">
+              <a:avLst/>
+            </a:prstGeom>
+            <a:noFill/>
+          </p:spPr>
+          <p:txBody>
+            <a:bodyPr wrap="none" rtlCol="0">
+              <a:spAutoFit/>
+            </a:bodyPr>
+            <a:lstStyle/>
+            <a:p>
+              <a:r>
+                <a:rPr lang="en-US" altLang="ja-JP" dirty="0" err="1"/>
+                <a:t>nuget</a:t>
+              </a:r>
+              <a:r>
+                <a:rPr lang="en-US" altLang="ja-JP" dirty="0"/>
+                <a:t> restore</a:t>
+              </a:r>
+              <a:endParaRPr lang="ja-JP" altLang="en-US" dirty="0"/>
+            </a:p>
+          </p:txBody>
+        </p:sp>
+        <p:sp>
+          <p:nvSpPr>
+            <p:cNvPr id="65" name="テキスト ボックス 64">
+              <a:extLst>
+                <a:ext uri="{FF2B5EF4-FFF2-40B4-BE49-F238E27FC236}">
+                  <a16:creationId xmlns:a16="http://schemas.microsoft.com/office/drawing/2014/main" id="{54BF5101-36E2-4270-A970-56A0DDC63468}"/>
+                </a:ext>
+              </a:extLst>
+            </p:cNvPr>
+            <p:cNvSpPr txBox="1"/>
+            <p:nvPr/>
+          </p:nvSpPr>
+          <p:spPr>
+            <a:xfrm>
+              <a:off x="6614140" y="5382524"/>
+              <a:ext cx="1448282" cy="369332"/>
+            </a:xfrm>
+            <a:prstGeom prst="rect">
+              <a:avLst/>
+            </a:prstGeom>
+            <a:noFill/>
+          </p:spPr>
+          <p:txBody>
+            <a:bodyPr wrap="none" rtlCol="0">
+              <a:spAutoFit/>
+            </a:bodyPr>
+            <a:lstStyle/>
+            <a:p>
+              <a:r>
+                <a:rPr lang="en-US" altLang="ja-JP" dirty="0" err="1"/>
+                <a:t>nuget</a:t>
+              </a:r>
+              <a:r>
+                <a:rPr lang="en-US" altLang="ja-JP" dirty="0"/>
+                <a:t> restore</a:t>
+              </a:r>
+              <a:endParaRPr lang="ja-JP" altLang="en-US" dirty="0"/>
+            </a:p>
+          </p:txBody>
+        </p:sp>
+        <p:sp>
+          <p:nvSpPr>
+            <p:cNvPr id="67" name="テキスト ボックス 66">
+              <a:extLst>
+                <a:ext uri="{FF2B5EF4-FFF2-40B4-BE49-F238E27FC236}">
+                  <a16:creationId xmlns:a16="http://schemas.microsoft.com/office/drawing/2014/main" id="{34843F0E-C95B-4264-AB20-4991C73D6F0A}"/>
+                </a:ext>
+              </a:extLst>
+            </p:cNvPr>
+            <p:cNvSpPr txBox="1"/>
+            <p:nvPr/>
+          </p:nvSpPr>
+          <p:spPr>
+            <a:xfrm>
+              <a:off x="8938237" y="4784579"/>
+              <a:ext cx="918841" cy="369332"/>
+            </a:xfrm>
+            <a:prstGeom prst="rect">
+              <a:avLst/>
+            </a:prstGeom>
+            <a:noFill/>
+          </p:spPr>
+          <p:txBody>
+            <a:bodyPr wrap="none" rtlCol="0">
+              <a:spAutoFit/>
+            </a:bodyPr>
+            <a:lstStyle/>
+            <a:p>
+              <a:r>
+                <a:rPr lang="en-US" altLang="ja-JP" dirty="0"/>
+                <a:t>git </a:t>
+              </a:r>
+              <a:r>
+                <a:rPr lang="en-US" altLang="ja-JP" dirty="0" err="1"/>
+                <a:t>puth</a:t>
+              </a:r>
+              <a:endParaRPr lang="ja-JP" altLang="en-US" dirty="0"/>
+            </a:p>
+          </p:txBody>
+        </p:sp>
+        <p:sp>
+          <p:nvSpPr>
+            <p:cNvPr id="68" name="テキスト ボックス 67">
+              <a:extLst>
+                <a:ext uri="{FF2B5EF4-FFF2-40B4-BE49-F238E27FC236}">
+                  <a16:creationId xmlns:a16="http://schemas.microsoft.com/office/drawing/2014/main" id="{725F2EF6-97AC-4CAD-95C1-533805C7BD98}"/>
+                </a:ext>
+              </a:extLst>
+            </p:cNvPr>
+            <p:cNvSpPr txBox="1"/>
+            <p:nvPr/>
+          </p:nvSpPr>
+          <p:spPr>
+            <a:xfrm>
+              <a:off x="8984723" y="2721579"/>
+              <a:ext cx="825867" cy="369332"/>
+            </a:xfrm>
+            <a:prstGeom prst="rect">
+              <a:avLst/>
+            </a:prstGeom>
+            <a:noFill/>
+          </p:spPr>
+          <p:txBody>
+            <a:bodyPr wrap="none" rtlCol="0">
+              <a:spAutoFit/>
+            </a:bodyPr>
+            <a:lstStyle/>
+            <a:p>
+              <a:r>
+                <a:rPr lang="en-US" altLang="ja-JP" dirty="0"/>
+                <a:t>git pull</a:t>
+              </a:r>
+              <a:endParaRPr lang="ja-JP" altLang="en-US" dirty="0"/>
+            </a:p>
+          </p:txBody>
+        </p:sp>
+        <p:sp>
+          <p:nvSpPr>
+            <p:cNvPr id="69" name="テキスト ボックス 68">
+              <a:extLst>
+                <a:ext uri="{FF2B5EF4-FFF2-40B4-BE49-F238E27FC236}">
+                  <a16:creationId xmlns:a16="http://schemas.microsoft.com/office/drawing/2014/main" id="{1678DD19-BB36-4446-B149-EE461607F63B}"/>
+                </a:ext>
+              </a:extLst>
+            </p:cNvPr>
+            <p:cNvSpPr txBox="1"/>
+            <p:nvPr/>
+          </p:nvSpPr>
+          <p:spPr>
+            <a:xfrm>
+              <a:off x="9397656" y="3786392"/>
+              <a:ext cx="664734" cy="369332"/>
+            </a:xfrm>
+            <a:prstGeom prst="rect">
+              <a:avLst/>
+            </a:prstGeom>
+            <a:noFill/>
+          </p:spPr>
+          <p:txBody>
+            <a:bodyPr wrap="none" rtlCol="0">
+              <a:spAutoFit/>
+            </a:bodyPr>
+            <a:lstStyle/>
+            <a:p>
+              <a:r>
+                <a:rPr lang="en-US" altLang="ja-JP" dirty="0"/>
+                <a:t>Repo</a:t>
+              </a:r>
+              <a:endParaRPr lang="ja-JP" altLang="en-US" dirty="0"/>
+            </a:p>
+          </p:txBody>
+        </p:sp>
+        <p:pic>
+          <p:nvPicPr>
+            <p:cNvPr id="71" name="図 70">
+              <a:extLst>
+                <a:ext uri="{FF2B5EF4-FFF2-40B4-BE49-F238E27FC236}">
+                  <a16:creationId xmlns:a16="http://schemas.microsoft.com/office/drawing/2014/main" id="{5A332AB8-A96E-4DEF-B52A-4EFD90EBB0BB}"/>
+                </a:ext>
+              </a:extLst>
+            </p:cNvPr>
+            <p:cNvPicPr>
+              <a:picLocks noChangeAspect="1"/>
+            </p:cNvPicPr>
+            <p:nvPr/>
+          </p:nvPicPr>
+          <p:blipFill>
+            <a:blip r:embed="rId10">
+              <a:extLst>
+                <a:ext uri="{28A0092B-C50C-407E-A947-70E740481C1C}">
+                  <a14:useLocalDpi xmlns:a14="http://schemas.microsoft.com/office/drawing/2010/main" val="0"/>
+                </a:ext>
+              </a:extLst>
+            </a:blip>
+            <a:stretch>
+              <a:fillRect/>
+            </a:stretch>
+          </p:blipFill>
+          <p:spPr>
+            <a:xfrm>
+              <a:off x="61421" y="581976"/>
+              <a:ext cx="842477" cy="842477"/>
+            </a:xfrm>
+            <a:prstGeom prst="rect">
+              <a:avLst/>
+            </a:prstGeom>
+          </p:spPr>
+        </p:pic>
+        <p:cxnSp>
+          <p:nvCxnSpPr>
+            <p:cNvPr id="73" name="コネクタ: カギ線 72">
+              <a:extLst>
+                <a:ext uri="{FF2B5EF4-FFF2-40B4-BE49-F238E27FC236}">
+                  <a16:creationId xmlns:a16="http://schemas.microsoft.com/office/drawing/2014/main" id="{F199D57E-914A-49F4-82A7-429CC0653EEE}"/>
+                </a:ext>
+              </a:extLst>
+            </p:cNvPr>
+            <p:cNvCxnSpPr>
+              <a:cxnSpLocks/>
+            </p:cNvCxnSpPr>
+            <p:nvPr/>
+          </p:nvCxnSpPr>
+          <p:spPr>
+            <a:xfrm rot="16200000" flipH="1">
+              <a:off x="-569408" y="2829913"/>
+              <a:ext cx="4425902" cy="2014604"/>
+            </a:xfrm>
+            <a:prstGeom prst="bentConnector2">
+              <a:avLst/>
+            </a:prstGeom>
+            <a:ln>
+              <a:solidFill>
+                <a:schemeClr val="tx2"/>
+              </a:solidFill>
+              <a:headEnd type="none" w="med" len="med"/>
+              <a:tailEnd type="arrow" w="med" len="med"/>
+            </a:ln>
+          </p:spPr>
+          <p:style>
+            <a:lnRef idx="3">
+              <a:schemeClr val="accent2"/>
+            </a:lnRef>
+            <a:fillRef idx="0">
+              <a:schemeClr val="accent2"/>
+            </a:fillRef>
+            <a:effectRef idx="2">
+              <a:schemeClr val="accent2"/>
+            </a:effectRef>
+            <a:fontRef idx="minor">
+              <a:schemeClr val="tx1"/>
+            </a:fontRef>
+          </p:style>
+        </p:cxnSp>
+        <p:sp>
+          <p:nvSpPr>
+            <p:cNvPr id="76" name="テキスト ボックス 75">
+              <a:extLst>
+                <a:ext uri="{FF2B5EF4-FFF2-40B4-BE49-F238E27FC236}">
+                  <a16:creationId xmlns:a16="http://schemas.microsoft.com/office/drawing/2014/main" id="{3384B7F8-90E9-4614-8F30-60AFBABB021D}"/>
+                </a:ext>
+              </a:extLst>
+            </p:cNvPr>
+            <p:cNvSpPr txBox="1"/>
+            <p:nvPr/>
+          </p:nvSpPr>
+          <p:spPr>
+            <a:xfrm>
+              <a:off x="171649" y="6037392"/>
+              <a:ext cx="1448282" cy="369332"/>
+            </a:xfrm>
+            <a:prstGeom prst="rect">
+              <a:avLst/>
+            </a:prstGeom>
+            <a:noFill/>
+          </p:spPr>
+          <p:txBody>
+            <a:bodyPr wrap="none" rtlCol="0">
+              <a:spAutoFit/>
+            </a:bodyPr>
+            <a:lstStyle/>
+            <a:p>
+              <a:r>
+                <a:rPr lang="en-US" altLang="ja-JP" dirty="0" err="1"/>
+                <a:t>nuget</a:t>
+              </a:r>
+              <a:r>
+                <a:rPr lang="en-US" altLang="ja-JP" dirty="0"/>
+                <a:t> restore</a:t>
+              </a:r>
+              <a:endParaRPr lang="ja-JP" altLang="en-US" dirty="0"/>
+            </a:p>
+          </p:txBody>
+        </p:sp>
+        <p:cxnSp>
+          <p:nvCxnSpPr>
+            <p:cNvPr id="77" name="コネクタ: カギ線 76">
+              <a:extLst>
+                <a:ext uri="{FF2B5EF4-FFF2-40B4-BE49-F238E27FC236}">
+                  <a16:creationId xmlns:a16="http://schemas.microsoft.com/office/drawing/2014/main" id="{A6A83A2F-6369-43AB-811E-74ADD83C0DD2}"/>
+                </a:ext>
+              </a:extLst>
+            </p:cNvPr>
+            <p:cNvCxnSpPr>
+              <a:cxnSpLocks/>
+            </p:cNvCxnSpPr>
+            <p:nvPr/>
+          </p:nvCxnSpPr>
+          <p:spPr>
+            <a:xfrm>
+              <a:off x="1007835" y="922701"/>
+              <a:ext cx="5101368" cy="2631033"/>
+            </a:xfrm>
+            <a:prstGeom prst="bentConnector2">
+              <a:avLst/>
+            </a:prstGeom>
+            <a:ln>
+              <a:solidFill>
+                <a:schemeClr val="tx2"/>
+              </a:solidFill>
+              <a:headEnd type="none" w="med" len="med"/>
+              <a:tailEnd type="arrow" w="med" len="med"/>
+            </a:ln>
+          </p:spPr>
+          <p:style>
+            <a:lnRef idx="3">
+              <a:schemeClr val="accent2"/>
+            </a:lnRef>
+            <a:fillRef idx="0">
+              <a:schemeClr val="accent2"/>
+            </a:fillRef>
+            <a:effectRef idx="2">
+              <a:schemeClr val="accent2"/>
+            </a:effectRef>
+            <a:fontRef idx="minor">
+              <a:schemeClr val="tx1"/>
+            </a:fontRef>
+          </p:style>
+        </p:cxnSp>
+        <p:sp>
+          <p:nvSpPr>
+            <p:cNvPr id="80" name="テキスト ボックス 79">
+              <a:extLst>
+                <a:ext uri="{FF2B5EF4-FFF2-40B4-BE49-F238E27FC236}">
+                  <a16:creationId xmlns:a16="http://schemas.microsoft.com/office/drawing/2014/main" id="{DE8C0430-4805-49EB-8D20-E97A473EF0A8}"/>
+                </a:ext>
+              </a:extLst>
+            </p:cNvPr>
+            <p:cNvSpPr txBox="1"/>
+            <p:nvPr/>
+          </p:nvSpPr>
+          <p:spPr>
+            <a:xfrm>
+              <a:off x="919402" y="553369"/>
+              <a:ext cx="1157368" cy="369332"/>
+            </a:xfrm>
+            <a:prstGeom prst="rect">
+              <a:avLst/>
+            </a:prstGeom>
+            <a:noFill/>
+          </p:spPr>
+          <p:txBody>
+            <a:bodyPr wrap="none" rtlCol="0">
+              <a:spAutoFit/>
+            </a:bodyPr>
+            <a:lstStyle/>
+            <a:p>
+              <a:r>
+                <a:rPr lang="en-US" altLang="ja-JP" dirty="0"/>
+                <a:t>Upstream </a:t>
+              </a:r>
+              <a:endParaRPr lang="ja-JP" altLang="en-US" dirty="0"/>
+            </a:p>
+          </p:txBody>
+        </p:sp>
+        <p:sp>
+          <p:nvSpPr>
+            <p:cNvPr id="82" name="正方形/長方形 81">
+              <a:extLst>
+                <a:ext uri="{FF2B5EF4-FFF2-40B4-BE49-F238E27FC236}">
+                  <a16:creationId xmlns:a16="http://schemas.microsoft.com/office/drawing/2014/main" id="{F8114A35-39BC-4040-90C9-C5ED114865FE}"/>
+                </a:ext>
+              </a:extLst>
+            </p:cNvPr>
+            <p:cNvSpPr/>
+            <p:nvPr/>
+          </p:nvSpPr>
+          <p:spPr>
+            <a:xfrm>
+              <a:off x="1701213" y="1374475"/>
+              <a:ext cx="4279768" cy="5181600"/>
+            </a:xfrm>
+            <a:prstGeom prst="rect">
+              <a:avLst/>
+            </a:prstGeom>
+            <a:noFill/>
+            <a:ln w="28575">
+              <a:prstDash val="dash"/>
+            </a:ln>
+          </p:spPr>
+          <p:style>
+            <a:lnRef idx="2">
+              <a:schemeClr val="accent2"/>
+            </a:lnRef>
+            <a:fillRef idx="1">
+              <a:schemeClr val="lt1"/>
+            </a:fillRef>
+            <a:effectRef idx="0">
+              <a:schemeClr val="accent2"/>
+            </a:effectRef>
+            <a:fontRef idx="minor">
+              <a:schemeClr val="dk1"/>
+            </a:fontRef>
+          </p:style>
+          <p:txBody>
+            <a:bodyPr rtlCol="0" anchor="b"/>
+            <a:lstStyle/>
+            <a:p>
+              <a:pPr algn="r"/>
+              <a:r>
+                <a:rPr kumimoji="1" lang="ja-JP" altLang="en-US" dirty="0"/>
+                <a:t>パッケージ開発</a:t>
+              </a:r>
+              <a:endParaRPr kumimoji="1" lang="en-US" altLang="ja-JP" dirty="0"/>
+            </a:p>
+          </p:txBody>
+        </p:sp>
+        <p:sp>
+          <p:nvSpPr>
+            <p:cNvPr id="83" name="正方形/長方形 82">
+              <a:extLst>
+                <a:ext uri="{FF2B5EF4-FFF2-40B4-BE49-F238E27FC236}">
+                  <a16:creationId xmlns:a16="http://schemas.microsoft.com/office/drawing/2014/main" id="{AB472FEB-CA14-41F6-948F-0A99612D06EA}"/>
+                </a:ext>
+              </a:extLst>
+            </p:cNvPr>
+            <p:cNvSpPr/>
+            <p:nvPr/>
+          </p:nvSpPr>
+          <p:spPr>
+            <a:xfrm>
+              <a:off x="6233542" y="1372494"/>
+              <a:ext cx="5843438" cy="5181600"/>
+            </a:xfrm>
+            <a:prstGeom prst="rect">
+              <a:avLst/>
+            </a:prstGeom>
+            <a:noFill/>
+            <a:ln w="28575">
+              <a:prstDash val="dash"/>
+            </a:ln>
+          </p:spPr>
+          <p:style>
+            <a:lnRef idx="2">
+              <a:schemeClr val="accent2"/>
+            </a:lnRef>
+            <a:fillRef idx="1">
+              <a:schemeClr val="lt1"/>
+            </a:fillRef>
+            <a:effectRef idx="0">
+              <a:schemeClr val="accent2"/>
+            </a:effectRef>
+            <a:fontRef idx="minor">
+              <a:schemeClr val="dk1"/>
+            </a:fontRef>
+          </p:style>
+          <p:txBody>
+            <a:bodyPr rtlCol="0" anchor="b"/>
+            <a:lstStyle/>
+            <a:p>
+              <a:pPr algn="r"/>
+              <a:r>
+                <a:rPr kumimoji="1" lang="ja-JP" altLang="en-US" dirty="0"/>
+                <a:t>アプリ開発</a:t>
+              </a:r>
+              <a:endParaRPr kumimoji="1" lang="en-US" altLang="ja-JP" dirty="0"/>
+            </a:p>
+          </p:txBody>
+        </p:sp>
+      </p:grpSp>
     </p:spTree>
     <p:extLst>
       <p:ext uri="{BB962C8B-B14F-4D97-AF65-F5344CB8AC3E}">
@@ -4011,10 +5187,263 @@
 </p:sld>
 </file>
 
+<file path=ppt/slides/slide2.xml><?xml version="1.0" encoding="utf-8"?>
+<p:sld xmlns:a="http://schemas.openxmlformats.org/drawingml/2006/main" xmlns:r="http://schemas.openxmlformats.org/officeDocument/2006/relationships" xmlns:p="http://schemas.openxmlformats.org/presentationml/2006/main">
+  <p:cSld>
+    <p:spTree>
+      <p:nvGrpSpPr>
+        <p:cNvPr id="1" name=""/>
+        <p:cNvGrpSpPr/>
+        <p:nvPr/>
+      </p:nvGrpSpPr>
+      <p:grpSpPr>
+        <a:xfrm>
+          <a:off x="0" y="0"/>
+          <a:ext cx="0" cy="0"/>
+          <a:chOff x="0" y="0"/>
+          <a:chExt cx="0" cy="0"/>
+        </a:xfrm>
+      </p:grpSpPr>
+      <p:grpSp>
+        <p:nvGrpSpPr>
+          <p:cNvPr id="5" name="グループ化 4">
+            <a:extLst>
+              <a:ext uri="{FF2B5EF4-FFF2-40B4-BE49-F238E27FC236}">
+                <a16:creationId xmlns:a16="http://schemas.microsoft.com/office/drawing/2014/main" id="{189FEC8C-9A09-4E6F-8BCB-59DE2E3516A8}"/>
+              </a:ext>
+            </a:extLst>
+          </p:cNvPr>
+          <p:cNvGrpSpPr/>
+          <p:nvPr/>
+        </p:nvGrpSpPr>
+        <p:grpSpPr>
+          <a:xfrm>
+            <a:off x="1322420" y="970498"/>
+            <a:ext cx="8174999" cy="3404625"/>
+            <a:chOff x="1322420" y="970498"/>
+            <a:chExt cx="8174999" cy="3404625"/>
+          </a:xfrm>
+        </p:grpSpPr>
+        <p:pic>
+          <p:nvPicPr>
+            <p:cNvPr id="2" name="図 1">
+              <a:extLst>
+                <a:ext uri="{FF2B5EF4-FFF2-40B4-BE49-F238E27FC236}">
+                  <a16:creationId xmlns:a16="http://schemas.microsoft.com/office/drawing/2014/main" id="{BA285006-0A82-4C25-8762-FE90AB321578}"/>
+                </a:ext>
+              </a:extLst>
+            </p:cNvPr>
+            <p:cNvPicPr>
+              <a:picLocks noChangeAspect="1"/>
+            </p:cNvPicPr>
+            <p:nvPr/>
+          </p:nvPicPr>
+          <p:blipFill rotWithShape="1">
+            <a:blip r:embed="rId2"/>
+            <a:srcRect t="-1" r="24017" b="51412"/>
+            <a:stretch/>
+          </p:blipFill>
+          <p:spPr>
+            <a:xfrm>
+              <a:off x="1322420" y="970498"/>
+              <a:ext cx="8174999" cy="3332231"/>
+            </a:xfrm>
+            <a:prstGeom prst="rect">
+              <a:avLst/>
+            </a:prstGeom>
+          </p:spPr>
+        </p:pic>
+        <p:sp>
+          <p:nvSpPr>
+            <p:cNvPr id="3" name="楕円 2">
+              <a:extLst>
+                <a:ext uri="{FF2B5EF4-FFF2-40B4-BE49-F238E27FC236}">
+                  <a16:creationId xmlns:a16="http://schemas.microsoft.com/office/drawing/2014/main" id="{2A4020BB-955D-4C89-8047-D17BA91F6D15}"/>
+                </a:ext>
+              </a:extLst>
+            </p:cNvPr>
+            <p:cNvSpPr/>
+            <p:nvPr/>
+          </p:nvSpPr>
+          <p:spPr>
+            <a:xfrm>
+              <a:off x="1795141" y="4022771"/>
+              <a:ext cx="2047583" cy="352352"/>
+            </a:xfrm>
+            <a:prstGeom prst="ellipse">
+              <a:avLst/>
+            </a:prstGeom>
+            <a:noFill/>
+            <a:ln w="28575">
+              <a:solidFill>
+                <a:srgbClr val="FF0000"/>
+              </a:solidFill>
+            </a:ln>
+          </p:spPr>
+          <p:style>
+            <a:lnRef idx="2">
+              <a:schemeClr val="accent1">
+                <a:shade val="50000"/>
+              </a:schemeClr>
+            </a:lnRef>
+            <a:fillRef idx="1">
+              <a:schemeClr val="accent1"/>
+            </a:fillRef>
+            <a:effectRef idx="0">
+              <a:schemeClr val="accent1"/>
+            </a:effectRef>
+            <a:fontRef idx="minor">
+              <a:schemeClr val="lt1"/>
+            </a:fontRef>
+          </p:style>
+          <p:txBody>
+            <a:bodyPr rtlCol="0" anchor="ctr"/>
+            <a:lstStyle/>
+            <a:p>
+              <a:pPr algn="ctr"/>
+              <a:endParaRPr kumimoji="1" lang="ja-JP" altLang="en-US"/>
+            </a:p>
+          </p:txBody>
+        </p:sp>
+        <p:sp>
+          <p:nvSpPr>
+            <p:cNvPr id="4" name="楕円 3">
+              <a:extLst>
+                <a:ext uri="{FF2B5EF4-FFF2-40B4-BE49-F238E27FC236}">
+                  <a16:creationId xmlns:a16="http://schemas.microsoft.com/office/drawing/2014/main" id="{C1FE96E1-4B31-49F7-A7FF-B0D683027089}"/>
+                </a:ext>
+              </a:extLst>
+            </p:cNvPr>
+            <p:cNvSpPr/>
+            <p:nvPr/>
+          </p:nvSpPr>
+          <p:spPr>
+            <a:xfrm>
+              <a:off x="1795141" y="2460838"/>
+              <a:ext cx="2137340" cy="602120"/>
+            </a:xfrm>
+            <a:prstGeom prst="ellipse">
+              <a:avLst/>
+            </a:prstGeom>
+            <a:noFill/>
+            <a:ln w="28575">
+              <a:solidFill>
+                <a:srgbClr val="FF0000"/>
+              </a:solidFill>
+            </a:ln>
+          </p:spPr>
+          <p:style>
+            <a:lnRef idx="2">
+              <a:schemeClr val="accent1">
+                <a:shade val="50000"/>
+              </a:schemeClr>
+            </a:lnRef>
+            <a:fillRef idx="1">
+              <a:schemeClr val="accent1"/>
+            </a:fillRef>
+            <a:effectRef idx="0">
+              <a:schemeClr val="accent1"/>
+            </a:effectRef>
+            <a:fontRef idx="minor">
+              <a:schemeClr val="lt1"/>
+            </a:fontRef>
+          </p:style>
+          <p:txBody>
+            <a:bodyPr rtlCol="0" anchor="ctr"/>
+            <a:lstStyle/>
+            <a:p>
+              <a:pPr algn="ctr"/>
+              <a:endParaRPr kumimoji="1" lang="ja-JP" altLang="en-US"/>
+            </a:p>
+          </p:txBody>
+        </p:sp>
+      </p:grpSp>
+    </p:spTree>
+    <p:extLst>
+      <p:ext uri="{BB962C8B-B14F-4D97-AF65-F5344CB8AC3E}">
+        <p14:creationId xmlns:p14="http://schemas.microsoft.com/office/powerpoint/2010/main" val="440921848"/>
+      </p:ext>
+    </p:extLst>
+  </p:cSld>
+  <p:clrMapOvr>
+    <a:masterClrMapping/>
+  </p:clrMapOvr>
+</p:sld>
+</file>
+
+<file path=ppt/slides/slide3.xml><?xml version="1.0" encoding="utf-8"?>
+<p:sld xmlns:a="http://schemas.openxmlformats.org/drawingml/2006/main" xmlns:r="http://schemas.openxmlformats.org/officeDocument/2006/relationships" xmlns:p="http://schemas.openxmlformats.org/presentationml/2006/main">
+  <p:cSld>
+    <p:spTree>
+      <p:nvGrpSpPr>
+        <p:cNvPr id="1" name=""/>
+        <p:cNvGrpSpPr/>
+        <p:nvPr/>
+      </p:nvGrpSpPr>
+      <p:grpSpPr>
+        <a:xfrm>
+          <a:off x="0" y="0"/>
+          <a:ext cx="0" cy="0"/>
+          <a:chOff x="0" y="0"/>
+          <a:chExt cx="0" cy="0"/>
+        </a:xfrm>
+      </p:grpSpPr>
+      <p:pic>
+        <p:nvPicPr>
+          <p:cNvPr id="2" name="図 1">
+            <a:extLst>
+              <a:ext uri="{FF2B5EF4-FFF2-40B4-BE49-F238E27FC236}">
+                <a16:creationId xmlns:a16="http://schemas.microsoft.com/office/drawing/2014/main" id="{78146FF9-7CF4-44F6-A2E1-4AE9019674D8}"/>
+              </a:ext>
+            </a:extLst>
+          </p:cNvPr>
+          <p:cNvPicPr>
+            <a:picLocks noChangeAspect="1"/>
+          </p:cNvPicPr>
+          <p:nvPr/>
+        </p:nvPicPr>
+        <p:blipFill rotWithShape="1">
+          <a:blip r:embed="rId2"/>
+          <a:srcRect t="13957" r="-2" b="10104"/>
+          <a:stretch/>
+        </p:blipFill>
+        <p:spPr>
+          <a:xfrm>
+            <a:off x="963298" y="743925"/>
+            <a:ext cx="9308342" cy="4734358"/>
+          </a:xfrm>
+          <a:prstGeom prst="rect">
+            <a:avLst/>
+          </a:prstGeom>
+          <a:ln>
+            <a:noFill/>
+          </a:ln>
+          <a:effectLst>
+            <a:outerShdw blurRad="292100" dist="139700" dir="2700000" algn="tl" rotWithShape="0">
+              <a:srgbClr val="333333">
+                <a:alpha val="65000"/>
+              </a:srgbClr>
+            </a:outerShdw>
+          </a:effectLst>
+        </p:spPr>
+      </p:pic>
+    </p:spTree>
+    <p:extLst>
+      <p:ext uri="{BB962C8B-B14F-4D97-AF65-F5344CB8AC3E}">
+        <p14:creationId xmlns:p14="http://schemas.microsoft.com/office/powerpoint/2010/main" val="2541704250"/>
+      </p:ext>
+    </p:extLst>
+  </p:cSld>
+  <p:clrMapOvr>
+    <a:masterClrMapping/>
+  </p:clrMapOvr>
+</p:sld>
+</file>
+
 <file path=ppt/theme/theme1.xml><?xml version="1.0" encoding="utf-8"?>
 <a:theme xmlns:a="http://schemas.openxmlformats.org/drawingml/2006/main" name="Office テーマ">
   <a:themeElements>
-    <a:clrScheme name="Office">
+    <a:clrScheme name="Office テーマ">
       <a:dk1>
         <a:sysClr val="windowText" lastClr="000000"/>
       </a:dk1>
@@ -4052,9 +5481,9 @@
         <a:srgbClr val="954F72"/>
       </a:folHlink>
     </a:clrScheme>
-    <a:fontScheme name="Office">
+    <a:fontScheme name="Office テーマ">
       <a:majorFont>
-        <a:latin typeface="游ゴシック Light" panose="020F0302020204030204"/>
+        <a:latin typeface="Calibri Light" panose="020F0302020204030204"/>
         <a:ea typeface=""/>
         <a:cs typeface=""/>
         <a:font script="Jpan" typeface="游ゴシック Light"/>
@@ -4087,26 +5516,9 @@
         <a:font script="Viet" typeface="Times New Roman"/>
         <a:font script="Uigh" typeface="Microsoft Uighur"/>
         <a:font script="Geor" typeface="Sylfaen"/>
-        <a:font script="Armn" typeface="Arial"/>
-        <a:font script="Bugi" typeface="Leelawadee UI"/>
-        <a:font script="Bopo" typeface="Microsoft JhengHei"/>
-        <a:font script="Java" typeface="Javanese Text"/>
-        <a:font script="Lisu" typeface="Segoe UI"/>
-        <a:font script="Mymr" typeface="Myanmar Text"/>
-        <a:font script="Nkoo" typeface="Ebrima"/>
-        <a:font script="Olck" typeface="Nirmala UI"/>
-        <a:font script="Osma" typeface="Ebrima"/>
-        <a:font script="Phag" typeface="Phagspa"/>
-        <a:font script="Syrn" typeface="Estrangelo Edessa"/>
-        <a:font script="Syrj" typeface="Estrangelo Edessa"/>
-        <a:font script="Syre" typeface="Estrangelo Edessa"/>
-        <a:font script="Sora" typeface="Nirmala UI"/>
-        <a:font script="Tale" typeface="Microsoft Tai Le"/>
-        <a:font script="Talu" typeface="Microsoft New Tai Lue"/>
-        <a:font script="Tfng" typeface="Ebrima"/>
       </a:majorFont>
       <a:minorFont>
-        <a:latin typeface="游ゴシック" panose="020F0502020204030204"/>
+        <a:latin typeface="Calibri" panose="020F0502020204030204"/>
         <a:ea typeface=""/>
         <a:cs typeface=""/>
         <a:font script="Jpan" typeface="游ゴシック"/>
@@ -4139,26 +5551,9 @@
         <a:font script="Viet" typeface="Arial"/>
         <a:font script="Uigh" typeface="Microsoft Uighur"/>
         <a:font script="Geor" typeface="Sylfaen"/>
-        <a:font script="Armn" typeface="Arial"/>
-        <a:font script="Bugi" typeface="Leelawadee UI"/>
-        <a:font script="Bopo" typeface="Microsoft JhengHei"/>
-        <a:font script="Java" typeface="Javanese Text"/>
-        <a:font script="Lisu" typeface="Segoe UI"/>
-        <a:font script="Mymr" typeface="Myanmar Text"/>
-        <a:font script="Nkoo" typeface="Ebrima"/>
-        <a:font script="Olck" typeface="Nirmala UI"/>
-        <a:font script="Osma" typeface="Ebrima"/>
-        <a:font script="Phag" typeface="Phagspa"/>
-        <a:font script="Syrn" typeface="Estrangelo Edessa"/>
-        <a:font script="Syrj" typeface="Estrangelo Edessa"/>
-        <a:font script="Syre" typeface="Estrangelo Edessa"/>
-        <a:font script="Sora" typeface="Nirmala UI"/>
-        <a:font script="Tale" typeface="Microsoft Tai Le"/>
-        <a:font script="Talu" typeface="Microsoft New Tai Lue"/>
-        <a:font script="Tfng" typeface="Ebrima"/>
       </a:minorFont>
     </a:fontScheme>
-    <a:fmtScheme name="Office">
+    <a:fmtScheme name="Office テーマ">
       <a:fillStyleLst>
         <a:solidFill>
           <a:schemeClr val="phClr"/>

--- a/package-management-with-azure-artifacts/images/figures.pptx
+++ b/package-management-with-azure-artifacts/images/figures.pptx
@@ -5,12 +5,14 @@
     <p:sldMasterId id="2147483672" r:id="rId1"/>
   </p:sldMasterIdLst>
   <p:notesMasterIdLst>
-    <p:notesMasterId r:id="rId5"/>
+    <p:notesMasterId r:id="rId7"/>
   </p:notesMasterIdLst>
   <p:sldIdLst>
     <p:sldId id="256" r:id="rId2"/>
     <p:sldId id="258" r:id="rId3"/>
-    <p:sldId id="257" r:id="rId4"/>
+    <p:sldId id="260" r:id="rId4"/>
+    <p:sldId id="257" r:id="rId5"/>
+    <p:sldId id="259" r:id="rId6"/>
   </p:sldIdLst>
   <p:sldSz cx="12192000" cy="6858000"/>
   <p:notesSz cx="6858000" cy="9144000"/>
@@ -5301,7 +5303,7 @@
             <a:lstStyle/>
             <a:p>
               <a:pPr algn="ctr"/>
-              <a:endParaRPr kumimoji="1" lang="ja-JP" altLang="en-US"/>
+              <a:endParaRPr kumimoji="1" lang="ja-JP" altLang="en-US" dirty="0"/>
             </a:p>
           </p:txBody>
         </p:sp>
@@ -5353,7 +5355,7 @@
             <a:lstStyle/>
             <a:p>
               <a:pPr algn="ctr"/>
-              <a:endParaRPr kumimoji="1" lang="ja-JP" altLang="en-US"/>
+              <a:endParaRPr kumimoji="1" lang="ja-JP" altLang="en-US" dirty="0"/>
             </a:p>
           </p:txBody>
         </p:sp>
@@ -5372,6 +5374,169 @@
 </file>
 
 <file path=ppt/slides/slide3.xml><?xml version="1.0" encoding="utf-8"?>
+<p:sld xmlns:a="http://schemas.openxmlformats.org/drawingml/2006/main" xmlns:r="http://schemas.openxmlformats.org/officeDocument/2006/relationships" xmlns:p="http://schemas.openxmlformats.org/presentationml/2006/main">
+  <p:cSld>
+    <p:spTree>
+      <p:nvGrpSpPr>
+        <p:cNvPr id="1" name=""/>
+        <p:cNvGrpSpPr/>
+        <p:nvPr/>
+      </p:nvGrpSpPr>
+      <p:grpSpPr>
+        <a:xfrm>
+          <a:off x="0" y="0"/>
+          <a:ext cx="0" cy="0"/>
+          <a:chOff x="0" y="0"/>
+          <a:chExt cx="0" cy="0"/>
+        </a:xfrm>
+      </p:grpSpPr>
+      <p:pic>
+        <p:nvPicPr>
+          <p:cNvPr id="2" name="図 1">
+            <a:extLst>
+              <a:ext uri="{FF2B5EF4-FFF2-40B4-BE49-F238E27FC236}">
+                <a16:creationId xmlns:a16="http://schemas.microsoft.com/office/drawing/2014/main" id="{A2CC555C-BC67-43F9-B624-32029F1BE0C7}"/>
+              </a:ext>
+            </a:extLst>
+          </p:cNvPr>
+          <p:cNvPicPr>
+            <a:picLocks noChangeAspect="1"/>
+          </p:cNvPicPr>
+          <p:nvPr/>
+        </p:nvPicPr>
+        <p:blipFill rotWithShape="1">
+          <a:blip r:embed="rId2"/>
+          <a:srcRect l="445" t="9122" r="536" b="9615"/>
+          <a:stretch/>
+        </p:blipFill>
+        <p:spPr>
+          <a:xfrm>
+            <a:off x="567890" y="642486"/>
+            <a:ext cx="6833937" cy="5573027"/>
+          </a:xfrm>
+          <a:prstGeom prst="rect">
+            <a:avLst/>
+          </a:prstGeom>
+        </p:spPr>
+      </p:pic>
+      <p:sp>
+        <p:nvSpPr>
+          <p:cNvPr id="4" name="楕円 3">
+            <a:extLst>
+              <a:ext uri="{FF2B5EF4-FFF2-40B4-BE49-F238E27FC236}">
+                <a16:creationId xmlns:a16="http://schemas.microsoft.com/office/drawing/2014/main" id="{4D3A4397-A44C-48F4-9B16-B1BE341B0A2A}"/>
+              </a:ext>
+            </a:extLst>
+          </p:cNvPr>
+          <p:cNvSpPr/>
+          <p:nvPr/>
+        </p:nvSpPr>
+        <p:spPr>
+          <a:xfrm>
+            <a:off x="2674459" y="3481249"/>
+            <a:ext cx="1206473" cy="497620"/>
+          </a:xfrm>
+          <a:prstGeom prst="ellipse">
+            <a:avLst/>
+          </a:prstGeom>
+          <a:noFill/>
+          <a:ln w="28575">
+            <a:solidFill>
+              <a:srgbClr val="FF0000"/>
+            </a:solidFill>
+          </a:ln>
+        </p:spPr>
+        <p:style>
+          <a:lnRef idx="2">
+            <a:schemeClr val="accent1">
+              <a:shade val="50000"/>
+            </a:schemeClr>
+          </a:lnRef>
+          <a:fillRef idx="1">
+            <a:schemeClr val="accent1"/>
+          </a:fillRef>
+          <a:effectRef idx="0">
+            <a:schemeClr val="accent1"/>
+          </a:effectRef>
+          <a:fontRef idx="minor">
+            <a:schemeClr val="lt1"/>
+          </a:fontRef>
+        </p:style>
+        <p:txBody>
+          <a:bodyPr rtlCol="0" anchor="ctr"/>
+          <a:lstStyle/>
+          <a:p>
+            <a:pPr algn="ctr"/>
+            <a:endParaRPr kumimoji="1" lang="ja-JP" altLang="en-US" dirty="0"/>
+          </a:p>
+        </p:txBody>
+      </p:sp>
+      <p:sp>
+        <p:nvSpPr>
+          <p:cNvPr id="5" name="楕円 4">
+            <a:extLst>
+              <a:ext uri="{FF2B5EF4-FFF2-40B4-BE49-F238E27FC236}">
+                <a16:creationId xmlns:a16="http://schemas.microsoft.com/office/drawing/2014/main" id="{F1AFBFD3-DF2F-4E9D-9A6F-9BA7B681F3C8}"/>
+              </a:ext>
+            </a:extLst>
+          </p:cNvPr>
+          <p:cNvSpPr/>
+          <p:nvPr/>
+        </p:nvSpPr>
+        <p:spPr>
+          <a:xfrm>
+            <a:off x="393536" y="2847849"/>
+            <a:ext cx="1206473" cy="339881"/>
+          </a:xfrm>
+          <a:prstGeom prst="ellipse">
+            <a:avLst/>
+          </a:prstGeom>
+          <a:noFill/>
+          <a:ln w="28575">
+            <a:solidFill>
+              <a:srgbClr val="FF0000"/>
+            </a:solidFill>
+          </a:ln>
+        </p:spPr>
+        <p:style>
+          <a:lnRef idx="2">
+            <a:schemeClr val="accent1">
+              <a:shade val="50000"/>
+            </a:schemeClr>
+          </a:lnRef>
+          <a:fillRef idx="1">
+            <a:schemeClr val="accent1"/>
+          </a:fillRef>
+          <a:effectRef idx="0">
+            <a:schemeClr val="accent1"/>
+          </a:effectRef>
+          <a:fontRef idx="minor">
+            <a:schemeClr val="lt1"/>
+          </a:fontRef>
+        </p:style>
+        <p:txBody>
+          <a:bodyPr rtlCol="0" anchor="ctr"/>
+          <a:lstStyle/>
+          <a:p>
+            <a:pPr algn="ctr"/>
+            <a:endParaRPr kumimoji="1" lang="ja-JP" altLang="en-US" dirty="0"/>
+          </a:p>
+        </p:txBody>
+      </p:sp>
+    </p:spTree>
+    <p:extLst>
+      <p:ext uri="{BB962C8B-B14F-4D97-AF65-F5344CB8AC3E}">
+        <p14:creationId xmlns:p14="http://schemas.microsoft.com/office/powerpoint/2010/main" val="2254635061"/>
+      </p:ext>
+    </p:extLst>
+  </p:cSld>
+  <p:clrMapOvr>
+    <a:masterClrMapping/>
+  </p:clrMapOvr>
+</p:sld>
+</file>
+
+<file path=ppt/slides/slide4.xml><?xml version="1.0" encoding="utf-8"?>
 <p:sld xmlns:a="http://schemas.openxmlformats.org/drawingml/2006/main" xmlns:r="http://schemas.openxmlformats.org/officeDocument/2006/relationships" xmlns:p="http://schemas.openxmlformats.org/presentationml/2006/main">
   <p:cSld>
     <p:spTree>
@@ -5431,6 +5596,36 @@
     <p:extLst>
       <p:ext uri="{BB962C8B-B14F-4D97-AF65-F5344CB8AC3E}">
         <p14:creationId xmlns:p14="http://schemas.microsoft.com/office/powerpoint/2010/main" val="2541704250"/>
+      </p:ext>
+    </p:extLst>
+  </p:cSld>
+  <p:clrMapOvr>
+    <a:masterClrMapping/>
+  </p:clrMapOvr>
+</p:sld>
+</file>
+
+<file path=ppt/slides/slide5.xml><?xml version="1.0" encoding="utf-8"?>
+<p:sld xmlns:a="http://schemas.openxmlformats.org/drawingml/2006/main" xmlns:r="http://schemas.openxmlformats.org/officeDocument/2006/relationships" xmlns:p="http://schemas.openxmlformats.org/presentationml/2006/main">
+  <p:cSld>
+    <p:spTree>
+      <p:nvGrpSpPr>
+        <p:cNvPr id="1" name=""/>
+        <p:cNvGrpSpPr/>
+        <p:nvPr/>
+      </p:nvGrpSpPr>
+      <p:grpSpPr>
+        <a:xfrm>
+          <a:off x="0" y="0"/>
+          <a:ext cx="0" cy="0"/>
+          <a:chOff x="0" y="0"/>
+          <a:chExt cx="0" cy="0"/>
+        </a:xfrm>
+      </p:grpSpPr>
+    </p:spTree>
+    <p:extLst>
+      <p:ext uri="{BB962C8B-B14F-4D97-AF65-F5344CB8AC3E}">
+        <p14:creationId xmlns:p14="http://schemas.microsoft.com/office/powerpoint/2010/main" val="1121779110"/>
       </p:ext>
     </p:extLst>
   </p:cSld>

--- a/package-management-with-azure-artifacts/images/figures.pptx
+++ b/package-management-with-azure-artifacts/images/figures.pptx
@@ -5411,12 +5411,22 @@
         </p:blipFill>
         <p:spPr>
           <a:xfrm>
-            <a:off x="567890" y="642486"/>
-            <a:ext cx="6833937" cy="5573027"/>
+            <a:off x="798345" y="1029577"/>
+            <a:ext cx="5647881" cy="5066389"/>
           </a:xfrm>
           <a:prstGeom prst="rect">
             <a:avLst/>
           </a:prstGeom>
+          <a:ln>
+            <a:noFill/>
+          </a:ln>
+          <a:effectLst>
+            <a:outerShdw blurRad="292100" dist="139700" dir="2700000" algn="tl" rotWithShape="0">
+              <a:srgbClr val="333333">
+                <a:alpha val="65000"/>
+              </a:srgbClr>
+            </a:outerShdw>
+          </a:effectLst>
         </p:spPr>
       </p:pic>
       <p:sp>
@@ -5433,8 +5443,8 @@
         </p:nvSpPr>
         <p:spPr>
           <a:xfrm>
-            <a:off x="2674459" y="3481249"/>
-            <a:ext cx="1206473" cy="497620"/>
+            <a:off x="2539311" y="3610271"/>
+            <a:ext cx="997085" cy="452382"/>
           </a:xfrm>
           <a:prstGeom prst="ellipse">
             <a:avLst/>
@@ -5467,7 +5477,7 @@
           <a:lstStyle/>
           <a:p>
             <a:pPr algn="ctr"/>
-            <a:endParaRPr kumimoji="1" lang="ja-JP" altLang="en-US" dirty="0"/>
+            <a:endParaRPr kumimoji="1" lang="ja-JP" altLang="en-US" sz="1600" dirty="0"/>
           </a:p>
         </p:txBody>
       </p:sp>
@@ -5485,8 +5495,8 @@
         </p:nvSpPr>
         <p:spPr>
           <a:xfrm>
-            <a:off x="393536" y="2847849"/>
-            <a:ext cx="1206473" cy="339881"/>
+            <a:off x="654251" y="3034453"/>
+            <a:ext cx="997085" cy="308983"/>
           </a:xfrm>
           <a:prstGeom prst="ellipse">
             <a:avLst/>
@@ -5519,7 +5529,303 @@
           <a:lstStyle/>
           <a:p>
             <a:pPr algn="ctr"/>
-            <a:endParaRPr kumimoji="1" lang="ja-JP" altLang="en-US" dirty="0"/>
+            <a:endParaRPr kumimoji="1" lang="ja-JP" altLang="en-US" sz="1600" dirty="0"/>
+          </a:p>
+        </p:txBody>
+      </p:sp>
+      <p:sp>
+        <p:nvSpPr>
+          <p:cNvPr id="6" name="吹き出し: 四角形 5">
+            <a:extLst>
+              <a:ext uri="{FF2B5EF4-FFF2-40B4-BE49-F238E27FC236}">
+                <a16:creationId xmlns:a16="http://schemas.microsoft.com/office/drawing/2014/main" id="{3CC85932-7716-4C39-903D-E537E07DB853}"/>
+              </a:ext>
+            </a:extLst>
+          </p:cNvPr>
+          <p:cNvSpPr/>
+          <p:nvPr/>
+        </p:nvSpPr>
+        <p:spPr>
+          <a:xfrm>
+            <a:off x="572433" y="4337202"/>
+            <a:ext cx="1683969" cy="452382"/>
+          </a:xfrm>
+          <a:prstGeom prst="wedgeRectCallout">
+            <a:avLst>
+              <a:gd name="adj1" fmla="val 73330"/>
+              <a:gd name="adj2" fmla="val 40010"/>
+            </a:avLst>
+          </a:prstGeom>
+        </p:spPr>
+        <p:style>
+          <a:lnRef idx="1">
+            <a:schemeClr val="accent2"/>
+          </a:lnRef>
+          <a:fillRef idx="2">
+            <a:schemeClr val="accent2"/>
+          </a:fillRef>
+          <a:effectRef idx="1">
+            <a:schemeClr val="accent2"/>
+          </a:effectRef>
+          <a:fontRef idx="minor">
+            <a:schemeClr val="dk1"/>
+          </a:fontRef>
+        </p:style>
+        <p:txBody>
+          <a:bodyPr rtlCol="0" anchor="ctr"/>
+          <a:lstStyle/>
+          <a:p>
+            <a:r>
+              <a:rPr kumimoji="1" lang="ja-JP" altLang="en-US" sz="1200" dirty="0"/>
+              <a:t>同一組織の開発者だけが利用できる</a:t>
+            </a:r>
+          </a:p>
+        </p:txBody>
+      </p:sp>
+      <p:sp>
+        <p:nvSpPr>
+          <p:cNvPr id="7" name="吹き出し: 四角形 6">
+            <a:extLst>
+              <a:ext uri="{FF2B5EF4-FFF2-40B4-BE49-F238E27FC236}">
+                <a16:creationId xmlns:a16="http://schemas.microsoft.com/office/drawing/2014/main" id="{89E91301-2E3E-4909-A268-6E2F5E9E9ED2}"/>
+              </a:ext>
+            </a:extLst>
+          </p:cNvPr>
+          <p:cNvSpPr/>
+          <p:nvPr/>
+        </p:nvSpPr>
+        <p:spPr>
+          <a:xfrm>
+            <a:off x="286070" y="5122120"/>
+            <a:ext cx="2172355" cy="452382"/>
+          </a:xfrm>
+          <a:prstGeom prst="wedgeRectCallout">
+            <a:avLst>
+              <a:gd name="adj1" fmla="val 58851"/>
+              <a:gd name="adj2" fmla="val -450"/>
+            </a:avLst>
+          </a:prstGeom>
+        </p:spPr>
+        <p:style>
+          <a:lnRef idx="1">
+            <a:schemeClr val="accent2"/>
+          </a:lnRef>
+          <a:fillRef idx="2">
+            <a:schemeClr val="accent2"/>
+          </a:fillRef>
+          <a:effectRef idx="1">
+            <a:schemeClr val="accent2"/>
+          </a:effectRef>
+          <a:fontRef idx="minor">
+            <a:schemeClr val="dk1"/>
+          </a:fontRef>
+        </p:style>
+        <p:txBody>
+          <a:bodyPr rtlCol="0" anchor="ctr"/>
+          <a:lstStyle/>
+          <a:p>
+            <a:r>
+              <a:rPr kumimoji="1" lang="en-US" altLang="ja-JP" sz="1200" dirty="0"/>
+              <a:t>Nuget.org </a:t>
+            </a:r>
+            <a:r>
+              <a:rPr kumimoji="1" lang="ja-JP" altLang="en-US" sz="1200" dirty="0"/>
+              <a:t>などで管理されているパッケージも取得できる</a:t>
+            </a:r>
+          </a:p>
+        </p:txBody>
+      </p:sp>
+      <p:pic>
+        <p:nvPicPr>
+          <p:cNvPr id="10" name="図 9">
+            <a:extLst>
+              <a:ext uri="{FF2B5EF4-FFF2-40B4-BE49-F238E27FC236}">
+                <a16:creationId xmlns:a16="http://schemas.microsoft.com/office/drawing/2014/main" id="{6B98F724-D8BB-4B44-8E1C-FEBD34476107}"/>
+              </a:ext>
+            </a:extLst>
+          </p:cNvPr>
+          <p:cNvPicPr>
+            <a:picLocks noChangeAspect="1"/>
+          </p:cNvPicPr>
+          <p:nvPr/>
+        </p:nvPicPr>
+        <p:blipFill rotWithShape="1">
+          <a:blip r:embed="rId3"/>
+          <a:srcRect l="285" t="9368" r="1668" b="9368"/>
+          <a:stretch/>
+        </p:blipFill>
+        <p:spPr>
+          <a:xfrm>
+            <a:off x="5820431" y="1462133"/>
+            <a:ext cx="5736325" cy="5066389"/>
+          </a:xfrm>
+          <a:prstGeom prst="rect">
+            <a:avLst/>
+          </a:prstGeom>
+        </p:spPr>
+      </p:pic>
+      <p:sp>
+        <p:nvSpPr>
+          <p:cNvPr id="12" name="楕円 11">
+            <a:extLst>
+              <a:ext uri="{FF2B5EF4-FFF2-40B4-BE49-F238E27FC236}">
+                <a16:creationId xmlns:a16="http://schemas.microsoft.com/office/drawing/2014/main" id="{9AF0F82E-10B4-4380-8BCB-0E3D26261321}"/>
+              </a:ext>
+            </a:extLst>
+          </p:cNvPr>
+          <p:cNvSpPr/>
+          <p:nvPr/>
+        </p:nvSpPr>
+        <p:spPr>
+          <a:xfrm>
+            <a:off x="8570682" y="1754868"/>
+            <a:ext cx="824038" cy="308983"/>
+          </a:xfrm>
+          <a:prstGeom prst="ellipse">
+            <a:avLst/>
+          </a:prstGeom>
+          <a:noFill/>
+          <a:ln w="28575">
+            <a:solidFill>
+              <a:srgbClr val="FF0000"/>
+            </a:solidFill>
+          </a:ln>
+        </p:spPr>
+        <p:style>
+          <a:lnRef idx="2">
+            <a:schemeClr val="accent1">
+              <a:shade val="50000"/>
+            </a:schemeClr>
+          </a:lnRef>
+          <a:fillRef idx="1">
+            <a:schemeClr val="accent1"/>
+          </a:fillRef>
+          <a:effectRef idx="0">
+            <a:schemeClr val="accent1"/>
+          </a:effectRef>
+          <a:fontRef idx="minor">
+            <a:schemeClr val="lt1"/>
+          </a:fontRef>
+        </p:style>
+        <p:txBody>
+          <a:bodyPr rtlCol="0" anchor="ctr"/>
+          <a:lstStyle/>
+          <a:p>
+            <a:pPr algn="ctr"/>
+            <a:endParaRPr kumimoji="1" lang="ja-JP" altLang="en-US" sz="1600" dirty="0"/>
+          </a:p>
+        </p:txBody>
+      </p:sp>
+      <p:sp>
+        <p:nvSpPr>
+          <p:cNvPr id="13" name="四角形: 角を丸くする 12">
+            <a:extLst>
+              <a:ext uri="{FF2B5EF4-FFF2-40B4-BE49-F238E27FC236}">
+                <a16:creationId xmlns:a16="http://schemas.microsoft.com/office/drawing/2014/main" id="{A73DF985-20C4-4BB8-9FC9-E1653B571722}"/>
+              </a:ext>
+            </a:extLst>
+          </p:cNvPr>
+          <p:cNvSpPr/>
+          <p:nvPr/>
+        </p:nvSpPr>
+        <p:spPr>
+          <a:xfrm>
+            <a:off x="7703943" y="3759231"/>
+            <a:ext cx="3156714" cy="1554639"/>
+          </a:xfrm>
+          <a:prstGeom prst="roundRect">
+            <a:avLst>
+              <a:gd name="adj" fmla="val 11673"/>
+            </a:avLst>
+          </a:prstGeom>
+          <a:noFill/>
+          <a:ln w="28575">
+            <a:solidFill>
+              <a:srgbClr val="FF0000"/>
+            </a:solidFill>
+          </a:ln>
+        </p:spPr>
+        <p:style>
+          <a:lnRef idx="2">
+            <a:schemeClr val="accent1">
+              <a:shade val="50000"/>
+            </a:schemeClr>
+          </a:lnRef>
+          <a:fillRef idx="1">
+            <a:schemeClr val="accent1"/>
+          </a:fillRef>
+          <a:effectRef idx="0">
+            <a:schemeClr val="accent1"/>
+          </a:effectRef>
+          <a:fontRef idx="minor">
+            <a:schemeClr val="lt1"/>
+          </a:fontRef>
+        </p:style>
+        <p:txBody>
+          <a:bodyPr rot="0" spcFirstLastPara="0" vertOverflow="overflow" horzOverflow="overflow" vert="horz" wrap="square" lIns="91440" tIns="45720" rIns="91440" bIns="45720" numCol="1" spcCol="0" rtlCol="0" fromWordArt="0" anchor="ctr" anchorCtr="0" forceAA="0" compatLnSpc="1">
+            <a:prstTxWarp prst="textNoShape">
+              <a:avLst/>
+            </a:prstTxWarp>
+            <a:noAutofit/>
+          </a:bodyPr>
+          <a:lstStyle/>
+          <a:p>
+            <a:pPr algn="ctr"/>
+            <a:endParaRPr kumimoji="1" lang="ja-JP" altLang="en-US" sz="1600"/>
+          </a:p>
+        </p:txBody>
+      </p:sp>
+      <p:sp>
+        <p:nvSpPr>
+          <p:cNvPr id="16" name="吹き出し: 四角形 15">
+            <a:extLst>
+              <a:ext uri="{FF2B5EF4-FFF2-40B4-BE49-F238E27FC236}">
+                <a16:creationId xmlns:a16="http://schemas.microsoft.com/office/drawing/2014/main" id="{D89630E1-7884-4A24-A7BF-3A5CE9AFA33D}"/>
+              </a:ext>
+            </a:extLst>
+          </p:cNvPr>
+          <p:cNvSpPr/>
+          <p:nvPr/>
+        </p:nvSpPr>
+        <p:spPr>
+          <a:xfrm>
+            <a:off x="6649949" y="5395867"/>
+            <a:ext cx="2172355" cy="452382"/>
+          </a:xfrm>
+          <a:prstGeom prst="wedgeRectCallout">
+            <a:avLst>
+              <a:gd name="adj1" fmla="val 34231"/>
+              <a:gd name="adj2" fmla="val -99608"/>
+            </a:avLst>
+          </a:prstGeom>
+        </p:spPr>
+        <p:style>
+          <a:lnRef idx="1">
+            <a:schemeClr val="accent2"/>
+          </a:lnRef>
+          <a:fillRef idx="2">
+            <a:schemeClr val="accent2"/>
+          </a:fillRef>
+          <a:effectRef idx="1">
+            <a:schemeClr val="accent2"/>
+          </a:effectRef>
+          <a:fontRef idx="minor">
+            <a:schemeClr val="dk1"/>
+          </a:fontRef>
+        </p:style>
+        <p:txBody>
+          <a:bodyPr rtlCol="0" anchor="ctr"/>
+          <a:lstStyle/>
+          <a:p>
+            <a:r>
+              <a:rPr kumimoji="1" lang="en-US" altLang="ja-JP" sz="1200" dirty="0"/>
+              <a:t>Nuget.exe</a:t>
+            </a:r>
+            <a:r>
+              <a:rPr kumimoji="1" lang="ja-JP" altLang="en-US" sz="1200"/>
+              <a:t> と接続情報の取得</a:t>
+            </a:r>
+            <a:endParaRPr kumimoji="1" lang="ja-JP" altLang="en-US" sz="1200" dirty="0"/>
           </a:p>
         </p:txBody>
       </p:sp>

--- a/package-management-with-azure-artifacts/images/figures.pptx
+++ b/package-management-with-azure-artifacts/images/figures.pptx
@@ -1,18 +1,19 @@
 
 <file path=ppt/presentation.xml><?xml version="1.0" encoding="utf-8"?>
-<p:presentation xmlns:a="http://schemas.openxmlformats.org/drawingml/2006/main" xmlns:r="http://schemas.openxmlformats.org/officeDocument/2006/relationships" xmlns:p="http://schemas.openxmlformats.org/presentationml/2006/main" saveSubsetFonts="1">
+<p:presentation xmlns:a="http://schemas.openxmlformats.org/drawingml/2006/main" xmlns:r="http://schemas.openxmlformats.org/officeDocument/2006/relationships" xmlns:p="http://schemas.openxmlformats.org/presentationml/2006/main" removePersonalInfoOnSave="1" saveSubsetFonts="1">
   <p:sldMasterIdLst>
     <p:sldMasterId id="2147483672" r:id="rId1"/>
   </p:sldMasterIdLst>
   <p:notesMasterIdLst>
-    <p:notesMasterId r:id="rId7"/>
+    <p:notesMasterId r:id="rId8"/>
   </p:notesMasterIdLst>
   <p:sldIdLst>
     <p:sldId id="256" r:id="rId2"/>
     <p:sldId id="258" r:id="rId3"/>
     <p:sldId id="260" r:id="rId4"/>
-    <p:sldId id="257" r:id="rId5"/>
-    <p:sldId id="259" r:id="rId6"/>
+    <p:sldId id="261" r:id="rId5"/>
+    <p:sldId id="257" r:id="rId6"/>
+    <p:sldId id="259" r:id="rId7"/>
   </p:sldIdLst>
   <p:sldSz cx="12192000" cy="6858000"/>
   <p:notesSz cx="6858000" cy="9144000"/>
@@ -3687,7 +3688,7 @@
             <a:blip r:embed="rId2">
               <a:extLst>
                 <a:ext uri="{28A0092B-C50C-407E-A947-70E740481C1C}">
-                  <a14:useLocalDpi xmlns:a14="http://schemas.microsoft.com/office/drawing/2010/main" val="0"/>
+                  <a14:useLocalDpi xmlns:a14="http://schemas.microsoft.com/office/drawing/2010/main"/>
                 </a:ext>
                 <a:ext uri="{96DAC541-7B7A-43D3-8B79-37D633B846F1}">
                   <asvg:svgBlip xmlns:asvg="http://schemas.microsoft.com/office/drawing/2016/SVG/main" r:embed="rId3"/>
@@ -3726,7 +3727,7 @@
             <a:blip r:embed="rId4">
               <a:extLst>
                 <a:ext uri="{28A0092B-C50C-407E-A947-70E740481C1C}">
-                  <a14:useLocalDpi xmlns:a14="http://schemas.microsoft.com/office/drawing/2010/main" val="0"/>
+                  <a14:useLocalDpi xmlns:a14="http://schemas.microsoft.com/office/drawing/2010/main"/>
                 </a:ext>
                 <a:ext uri="{96DAC541-7B7A-43D3-8B79-37D633B846F1}">
                   <asvg:svgBlip xmlns:asvg="http://schemas.microsoft.com/office/drawing/2016/SVG/main" r:embed="rId5"/>
@@ -3801,7 +3802,7 @@
             <a:blip r:embed="rId2">
               <a:extLst>
                 <a:ext uri="{28A0092B-C50C-407E-A947-70E740481C1C}">
-                  <a14:useLocalDpi xmlns:a14="http://schemas.microsoft.com/office/drawing/2010/main" val="0"/>
+                  <a14:useLocalDpi xmlns:a14="http://schemas.microsoft.com/office/drawing/2010/main"/>
                 </a:ext>
                 <a:ext uri="{96DAC541-7B7A-43D3-8B79-37D633B846F1}">
                   <asvg:svgBlip xmlns:asvg="http://schemas.microsoft.com/office/drawing/2016/SVG/main" r:embed="rId3"/>
@@ -3837,8 +3838,13 @@
             <p:nvPr/>
           </p:nvPicPr>
           <p:blipFill>
-            <a:blip r:embed="rId6">
+            <a:blip r:embed="rId6" cstate="screen">
               <a:alphaModFix/>
+              <a:extLst>
+                <a:ext uri="{28A0092B-C50C-407E-A947-70E740481C1C}">
+                  <a14:useLocalDpi xmlns:a14="http://schemas.microsoft.com/office/drawing/2010/main"/>
+                </a:ext>
+              </a:extLst>
             </a:blip>
             <a:stretch>
               <a:fillRect/>
@@ -3876,7 +3882,7 @@
             <a:blip r:embed="rId7">
               <a:extLst>
                 <a:ext uri="{28A0092B-C50C-407E-A947-70E740481C1C}">
-                  <a14:useLocalDpi xmlns:a14="http://schemas.microsoft.com/office/drawing/2010/main" val="0"/>
+                  <a14:useLocalDpi xmlns:a14="http://schemas.microsoft.com/office/drawing/2010/main"/>
                 </a:ext>
                 <a:ext uri="{96DAC541-7B7A-43D3-8B79-37D633B846F1}">
                   <asvg:svgBlip xmlns:asvg="http://schemas.microsoft.com/office/drawing/2016/SVG/main" r:embed="rId8"/>
@@ -4005,7 +4011,7 @@
             <a:blip r:embed="rId7">
               <a:extLst>
                 <a:ext uri="{28A0092B-C50C-407E-A947-70E740481C1C}">
-                  <a14:useLocalDpi xmlns:a14="http://schemas.microsoft.com/office/drawing/2010/main" val="0"/>
+                  <a14:useLocalDpi xmlns:a14="http://schemas.microsoft.com/office/drawing/2010/main"/>
                 </a:ext>
                 <a:ext uri="{96DAC541-7B7A-43D3-8B79-37D633B846F1}">
                   <asvg:svgBlip xmlns:asvg="http://schemas.microsoft.com/office/drawing/2016/SVG/main" r:embed="rId8"/>
@@ -4041,8 +4047,13 @@
             <p:nvPr/>
           </p:nvPicPr>
           <p:blipFill>
-            <a:blip r:embed="rId6">
+            <a:blip r:embed="rId6" cstate="screen">
               <a:alphaModFix/>
+              <a:extLst>
+                <a:ext uri="{28A0092B-C50C-407E-A947-70E740481C1C}">
+                  <a14:useLocalDpi xmlns:a14="http://schemas.microsoft.com/office/drawing/2010/main"/>
+                </a:ext>
+              </a:extLst>
             </a:blip>
             <a:stretch>
               <a:fillRect/>
@@ -4339,10 +4350,10 @@
             <p:nvPr/>
           </p:nvPicPr>
           <p:blipFill>
-            <a:blip r:embed="rId9">
+            <a:blip r:embed="rId9" cstate="screen">
               <a:extLst>
                 <a:ext uri="{28A0092B-C50C-407E-A947-70E740481C1C}">
-                  <a14:useLocalDpi xmlns:a14="http://schemas.microsoft.com/office/drawing/2010/main" val="0"/>
+                  <a14:useLocalDpi xmlns:a14="http://schemas.microsoft.com/office/drawing/2010/main"/>
                 </a:ext>
               </a:extLst>
             </a:blip>
@@ -4496,7 +4507,7 @@
           </p:nvCxnSpPr>
           <p:spPr>
             <a:xfrm>
-              <a:off x="3584953" y="2289835"/>
+              <a:off x="3584953" y="2300557"/>
               <a:ext cx="1873999" cy="1371025"/>
             </a:xfrm>
             <a:prstGeom prst="straightConnector1">
@@ -4884,10 +4895,10 @@
             <p:nvPr/>
           </p:nvPicPr>
           <p:blipFill>
-            <a:blip r:embed="rId10">
+            <a:blip r:embed="rId10" cstate="screen">
               <a:extLst>
                 <a:ext uri="{28A0092B-C50C-407E-A947-70E740481C1C}">
-                  <a14:useLocalDpi xmlns:a14="http://schemas.microsoft.com/office/drawing/2010/main" val="0"/>
+                  <a14:useLocalDpi xmlns:a14="http://schemas.microsoft.com/office/drawing/2010/main"/>
                 </a:ext>
               </a:extLst>
             </a:blip>
@@ -5241,8 +5252,14 @@
             <p:nvPr/>
           </p:nvPicPr>
           <p:blipFill rotWithShape="1">
-            <a:blip r:embed="rId2"/>
-            <a:srcRect t="-1" r="24017" b="51412"/>
+            <a:blip r:embed="rId2" cstate="screen">
+              <a:extLst>
+                <a:ext uri="{28A0092B-C50C-407E-A947-70E740481C1C}">
+                  <a14:useLocalDpi xmlns:a14="http://schemas.microsoft.com/office/drawing/2010/main"/>
+                </a:ext>
+              </a:extLst>
+            </a:blip>
+            <a:srcRect t="-2"/>
             <a:stretch/>
           </p:blipFill>
           <p:spPr>
@@ -5405,8 +5422,14 @@
           <p:nvPr/>
         </p:nvPicPr>
         <p:blipFill rotWithShape="1">
-          <a:blip r:embed="rId2"/>
-          <a:srcRect l="445" t="9122" r="536" b="9615"/>
+          <a:blip r:embed="rId2" cstate="screen">
+            <a:extLst>
+              <a:ext uri="{28A0092B-C50C-407E-A947-70E740481C1C}">
+                <a14:useLocalDpi xmlns:a14="http://schemas.microsoft.com/office/drawing/2010/main"/>
+              </a:ext>
+            </a:extLst>
+          </a:blip>
+          <a:srcRect/>
           <a:stretch/>
         </p:blipFill>
         <p:spPr>
@@ -5427,6 +5450,41 @@
               </a:srgbClr>
             </a:outerShdw>
           </a:effectLst>
+        </p:spPr>
+      </p:pic>
+      <p:pic>
+        <p:nvPicPr>
+          <p:cNvPr id="17" name="図 16">
+            <a:extLst>
+              <a:ext uri="{FF2B5EF4-FFF2-40B4-BE49-F238E27FC236}">
+                <a16:creationId xmlns:a16="http://schemas.microsoft.com/office/drawing/2014/main" id="{34B92B22-E8DB-4FE9-8DCC-AB961196EB48}"/>
+              </a:ext>
+            </a:extLst>
+          </p:cNvPr>
+          <p:cNvPicPr>
+            <a:picLocks noChangeAspect="1"/>
+          </p:cNvPicPr>
+          <p:nvPr/>
+        </p:nvPicPr>
+        <p:blipFill rotWithShape="1">
+          <a:blip r:embed="rId3" cstate="screen">
+            <a:extLst>
+              <a:ext uri="{28A0092B-C50C-407E-A947-70E740481C1C}">
+                <a14:useLocalDpi xmlns:a14="http://schemas.microsoft.com/office/drawing/2010/main"/>
+              </a:ext>
+            </a:extLst>
+          </a:blip>
+          <a:srcRect l="-244"/>
+          <a:stretch/>
+        </p:blipFill>
+        <p:spPr>
+          <a:xfrm>
+            <a:off x="5593030" y="1754868"/>
+            <a:ext cx="5800625" cy="4762351"/>
+          </a:xfrm>
+          <a:prstGeom prst="rect">
+            <a:avLst/>
+          </a:prstGeom>
         </p:spPr>
       </p:pic>
       <p:sp>
@@ -5635,35 +5693,6 @@
           </a:p>
         </p:txBody>
       </p:sp>
-      <p:pic>
-        <p:nvPicPr>
-          <p:cNvPr id="10" name="図 9">
-            <a:extLst>
-              <a:ext uri="{FF2B5EF4-FFF2-40B4-BE49-F238E27FC236}">
-                <a16:creationId xmlns:a16="http://schemas.microsoft.com/office/drawing/2014/main" id="{6B98F724-D8BB-4B44-8E1C-FEBD34476107}"/>
-              </a:ext>
-            </a:extLst>
-          </p:cNvPr>
-          <p:cNvPicPr>
-            <a:picLocks noChangeAspect="1"/>
-          </p:cNvPicPr>
-          <p:nvPr/>
-        </p:nvPicPr>
-        <p:blipFill rotWithShape="1">
-          <a:blip r:embed="rId3"/>
-          <a:srcRect l="285" t="9368" r="1668" b="9368"/>
-          <a:stretch/>
-        </p:blipFill>
-        <p:spPr>
-          <a:xfrm>
-            <a:off x="5820431" y="1462133"/>
-            <a:ext cx="5736325" cy="5066389"/>
-          </a:xfrm>
-          <a:prstGeom prst="rect">
-            <a:avLst/>
-          </a:prstGeom>
-        </p:spPr>
-      </p:pic>
       <p:sp>
         <p:nvSpPr>
           <p:cNvPr id="12" name="楕円 11">
@@ -5678,7 +5707,7 @@
         </p:nvSpPr>
         <p:spPr>
           <a:xfrm>
-            <a:off x="8570682" y="1754868"/>
+            <a:off x="8337769" y="2022287"/>
             <a:ext cx="824038" cy="308983"/>
           </a:xfrm>
           <a:prstGeom prst="ellipse">
@@ -5730,8 +5759,8 @@
         </p:nvSpPr>
         <p:spPr>
           <a:xfrm>
-            <a:off x="7703943" y="3759231"/>
-            <a:ext cx="3156714" cy="1554639"/>
+            <a:off x="7561621" y="4074575"/>
+            <a:ext cx="2371686" cy="339237"/>
           </a:xfrm>
           <a:prstGeom prst="roundRect">
             <a:avLst>
@@ -5789,13 +5818,13 @@
         </p:nvSpPr>
         <p:spPr>
           <a:xfrm>
-            <a:off x="6649949" y="5395867"/>
-            <a:ext cx="2172355" cy="452382"/>
+            <a:off x="9782854" y="3563677"/>
+            <a:ext cx="2208631" cy="350559"/>
           </a:xfrm>
           <a:prstGeom prst="wedgeRectCallout">
             <a:avLst>
-              <a:gd name="adj1" fmla="val 34231"/>
-              <a:gd name="adj2" fmla="val -99608"/>
+              <a:gd name="adj1" fmla="val -69015"/>
+              <a:gd name="adj2" fmla="val 121860"/>
             </a:avLst>
           </a:prstGeom>
         </p:spPr>
@@ -5818,17 +5847,265 @@
           <a:lstStyle/>
           <a:p>
             <a:r>
+              <a:rPr kumimoji="1" lang="ja-JP" altLang="en-US" sz="1200" dirty="0"/>
+              <a:t>接続ツール </a:t>
+            </a:r>
+            <a:r>
               <a:rPr kumimoji="1" lang="en-US" altLang="ja-JP" sz="1200" dirty="0"/>
               <a:t>Nuget.exe</a:t>
             </a:r>
             <a:r>
-              <a:rPr kumimoji="1" lang="ja-JP" altLang="en-US" sz="1200"/>
-              <a:t> と接続情報の取得</a:t>
-            </a:r>
-            <a:endParaRPr kumimoji="1" lang="ja-JP" altLang="en-US" sz="1200" dirty="0"/>
-          </a:p>
-        </p:txBody>
-      </p:sp>
+              <a:rPr kumimoji="1" lang="ja-JP" altLang="en-US" sz="1200" dirty="0"/>
+              <a:t> の取得</a:t>
+            </a:r>
+          </a:p>
+        </p:txBody>
+      </p:sp>
+      <p:sp>
+        <p:nvSpPr>
+          <p:cNvPr id="18" name="四角形: 角を丸くする 17">
+            <a:extLst>
+              <a:ext uri="{FF2B5EF4-FFF2-40B4-BE49-F238E27FC236}">
+                <a16:creationId xmlns:a16="http://schemas.microsoft.com/office/drawing/2014/main" id="{AFE50C60-2B0F-4C45-BA40-41F93493742B}"/>
+              </a:ext>
+            </a:extLst>
+          </p:cNvPr>
+          <p:cNvSpPr/>
+          <p:nvPr/>
+        </p:nvSpPr>
+        <p:spPr>
+          <a:xfrm>
+            <a:off x="7561620" y="4481358"/>
+            <a:ext cx="3290409" cy="1241687"/>
+          </a:xfrm>
+          <a:prstGeom prst="roundRect">
+            <a:avLst>
+              <a:gd name="adj" fmla="val 11673"/>
+            </a:avLst>
+          </a:prstGeom>
+          <a:noFill/>
+          <a:ln w="28575">
+            <a:solidFill>
+              <a:srgbClr val="FF0000"/>
+            </a:solidFill>
+          </a:ln>
+        </p:spPr>
+        <p:style>
+          <a:lnRef idx="2">
+            <a:schemeClr val="accent1">
+              <a:shade val="50000"/>
+            </a:schemeClr>
+          </a:lnRef>
+          <a:fillRef idx="1">
+            <a:schemeClr val="accent1"/>
+          </a:fillRef>
+          <a:effectRef idx="0">
+            <a:schemeClr val="accent1"/>
+          </a:effectRef>
+          <a:fontRef idx="minor">
+            <a:schemeClr val="lt1"/>
+          </a:fontRef>
+        </p:style>
+        <p:txBody>
+          <a:bodyPr rot="0" spcFirstLastPara="0" vertOverflow="overflow" horzOverflow="overflow" vert="horz" wrap="square" lIns="91440" tIns="45720" rIns="91440" bIns="45720" numCol="1" spcCol="0" rtlCol="0" fromWordArt="0" anchor="ctr" anchorCtr="0" forceAA="0" compatLnSpc="1">
+            <a:prstTxWarp prst="textNoShape">
+              <a:avLst/>
+            </a:prstTxWarp>
+            <a:noAutofit/>
+          </a:bodyPr>
+          <a:lstStyle/>
+          <a:p>
+            <a:pPr algn="ctr"/>
+            <a:endParaRPr kumimoji="1" lang="ja-JP" altLang="en-US" sz="1600"/>
+          </a:p>
+        </p:txBody>
+      </p:sp>
+      <p:sp>
+        <p:nvSpPr>
+          <p:cNvPr id="19" name="吹き出し: 四角形 18">
+            <a:extLst>
+              <a:ext uri="{FF2B5EF4-FFF2-40B4-BE49-F238E27FC236}">
+                <a16:creationId xmlns:a16="http://schemas.microsoft.com/office/drawing/2014/main" id="{AB370080-1C7D-4526-B034-D2F4D3ABEEAB}"/>
+              </a:ext>
+            </a:extLst>
+          </p:cNvPr>
+          <p:cNvSpPr/>
+          <p:nvPr/>
+        </p:nvSpPr>
+        <p:spPr>
+          <a:xfrm>
+            <a:off x="10289340" y="4271062"/>
+            <a:ext cx="1702146" cy="518522"/>
+          </a:xfrm>
+          <a:prstGeom prst="wedgeRectCallout">
+            <a:avLst>
+              <a:gd name="adj1" fmla="val -71549"/>
+              <a:gd name="adj2" fmla="val 55314"/>
+            </a:avLst>
+          </a:prstGeom>
+        </p:spPr>
+        <p:style>
+          <a:lnRef idx="1">
+            <a:schemeClr val="accent2"/>
+          </a:lnRef>
+          <a:fillRef idx="2">
+            <a:schemeClr val="accent2"/>
+          </a:fillRef>
+          <a:effectRef idx="1">
+            <a:schemeClr val="accent2"/>
+          </a:effectRef>
+          <a:fontRef idx="minor">
+            <a:schemeClr val="dk1"/>
+          </a:fontRef>
+        </p:style>
+        <p:txBody>
+          <a:bodyPr rtlCol="0" anchor="ctr"/>
+          <a:lstStyle/>
+          <a:p>
+            <a:r>
+              <a:rPr kumimoji="1" lang="ja-JP" altLang="en-US" sz="1200" dirty="0"/>
+              <a:t>ツールとフィードを接続するコマンド</a:t>
+            </a:r>
+          </a:p>
+        </p:txBody>
+      </p:sp>
+      <p:sp>
+        <p:nvSpPr>
+          <p:cNvPr id="20" name="吹き出し: 四角形 19">
+            <a:extLst>
+              <a:ext uri="{FF2B5EF4-FFF2-40B4-BE49-F238E27FC236}">
+                <a16:creationId xmlns:a16="http://schemas.microsoft.com/office/drawing/2014/main" id="{CEBCA685-4676-44A6-A55C-37A38A306F99}"/>
+              </a:ext>
+            </a:extLst>
+          </p:cNvPr>
+          <p:cNvSpPr/>
+          <p:nvPr/>
+        </p:nvSpPr>
+        <p:spPr>
+          <a:xfrm>
+            <a:off x="10271769" y="5188743"/>
+            <a:ext cx="1719716" cy="385759"/>
+          </a:xfrm>
+          <a:prstGeom prst="wedgeRectCallout">
+            <a:avLst>
+              <a:gd name="adj1" fmla="val -63947"/>
+              <a:gd name="adj2" fmla="val -8560"/>
+            </a:avLst>
+          </a:prstGeom>
+        </p:spPr>
+        <p:style>
+          <a:lnRef idx="1">
+            <a:schemeClr val="accent2"/>
+          </a:lnRef>
+          <a:fillRef idx="2">
+            <a:schemeClr val="accent2"/>
+          </a:fillRef>
+          <a:effectRef idx="1">
+            <a:schemeClr val="accent2"/>
+          </a:effectRef>
+          <a:fontRef idx="minor">
+            <a:schemeClr val="dk1"/>
+          </a:fontRef>
+        </p:style>
+        <p:txBody>
+          <a:bodyPr rtlCol="0" anchor="ctr"/>
+          <a:lstStyle/>
+          <a:p>
+            <a:r>
+              <a:rPr kumimoji="1" lang="ja-JP" altLang="en-US" sz="1200" dirty="0"/>
+              <a:t>フィードにパッケージを発行するコマンド</a:t>
+            </a:r>
+          </a:p>
+        </p:txBody>
+      </p:sp>
+      <p:pic>
+        <p:nvPicPr>
+          <p:cNvPr id="21" name="図 20">
+            <a:extLst>
+              <a:ext uri="{FF2B5EF4-FFF2-40B4-BE49-F238E27FC236}">
+                <a16:creationId xmlns:a16="http://schemas.microsoft.com/office/drawing/2014/main" id="{8DD0BF87-D0E4-4F87-A797-9797C3D6D4ED}"/>
+              </a:ext>
+            </a:extLst>
+          </p:cNvPr>
+          <p:cNvPicPr>
+            <a:picLocks noChangeAspect="1"/>
+          </p:cNvPicPr>
+          <p:nvPr/>
+        </p:nvPicPr>
+        <p:blipFill rotWithShape="1">
+          <a:blip r:embed="rId4" cstate="screen">
+            <a:extLst>
+              <a:ext uri="{BEBA8EAE-BF5A-486C-A8C5-ECC9F3942E4B}">
+                <a14:imgProps xmlns:a14="http://schemas.microsoft.com/office/drawing/2010/main">
+                  <a14:imgLayer r:embed="rId5">
+                    <a14:imgEffect>
+                      <a14:artisticBlur/>
+                    </a14:imgEffect>
+                  </a14:imgLayer>
+                </a14:imgProps>
+              </a:ext>
+              <a:ext uri="{28A0092B-C50C-407E-A947-70E740481C1C}">
+                <a14:useLocalDpi xmlns:a14="http://schemas.microsoft.com/office/drawing/2010/main"/>
+              </a:ext>
+            </a:extLst>
+          </a:blip>
+          <a:srcRect/>
+          <a:stretch/>
+        </p:blipFill>
+        <p:spPr>
+          <a:xfrm>
+            <a:off x="8045645" y="4789584"/>
+            <a:ext cx="1535186" cy="191350"/>
+          </a:xfrm>
+          <a:prstGeom prst="rect">
+            <a:avLst/>
+          </a:prstGeom>
+        </p:spPr>
+      </p:pic>
+      <p:pic>
+        <p:nvPicPr>
+          <p:cNvPr id="22" name="図 21">
+            <a:extLst>
+              <a:ext uri="{FF2B5EF4-FFF2-40B4-BE49-F238E27FC236}">
+                <a16:creationId xmlns:a16="http://schemas.microsoft.com/office/drawing/2014/main" id="{D8076BA9-F115-4104-B7D8-7714916E5BA1}"/>
+              </a:ext>
+            </a:extLst>
+          </p:cNvPr>
+          <p:cNvPicPr>
+            <a:picLocks noChangeAspect="1"/>
+          </p:cNvPicPr>
+          <p:nvPr/>
+        </p:nvPicPr>
+        <p:blipFill rotWithShape="1">
+          <a:blip r:embed="rId6" cstate="screen">
+            <a:extLst>
+              <a:ext uri="{BEBA8EAE-BF5A-486C-A8C5-ECC9F3942E4B}">
+                <a14:imgProps xmlns:a14="http://schemas.microsoft.com/office/drawing/2010/main">
+                  <a14:imgLayer r:embed="rId7">
+                    <a14:imgEffect>
+                      <a14:artisticBlur/>
+                    </a14:imgEffect>
+                  </a14:imgLayer>
+                </a14:imgProps>
+              </a:ext>
+              <a:ext uri="{28A0092B-C50C-407E-A947-70E740481C1C}">
+                <a14:useLocalDpi xmlns:a14="http://schemas.microsoft.com/office/drawing/2010/main"/>
+              </a:ext>
+            </a:extLst>
+          </a:blip>
+          <a:srcRect/>
+          <a:stretch/>
+        </p:blipFill>
+        <p:spPr>
+          <a:xfrm>
+            <a:off x="7839016" y="3555822"/>
+            <a:ext cx="1268749" cy="158141"/>
+          </a:xfrm>
+          <a:prstGeom prst="rect">
+            <a:avLst/>
+          </a:prstGeom>
+        </p:spPr>
+      </p:pic>
     </p:spTree>
     <p:extLst>
       <p:ext uri="{BB962C8B-B14F-4D97-AF65-F5344CB8AC3E}">
@@ -5861,6 +6138,529 @@
       </p:grpSpPr>
       <p:pic>
         <p:nvPicPr>
+          <p:cNvPr id="4" name="図 3">
+            <a:extLst>
+              <a:ext uri="{FF2B5EF4-FFF2-40B4-BE49-F238E27FC236}">
+                <a16:creationId xmlns:a16="http://schemas.microsoft.com/office/drawing/2014/main" id="{8180BB01-E1A1-4394-B5FB-EAD9EE4663C9}"/>
+              </a:ext>
+            </a:extLst>
+          </p:cNvPr>
+          <p:cNvPicPr>
+            <a:picLocks noChangeAspect="1"/>
+          </p:cNvPicPr>
+          <p:nvPr/>
+        </p:nvPicPr>
+        <p:blipFill rotWithShape="1">
+          <a:blip r:embed="rId2" cstate="screen">
+            <a:extLst>
+              <a:ext uri="{28A0092B-C50C-407E-A947-70E740481C1C}">
+                <a14:useLocalDpi xmlns:a14="http://schemas.microsoft.com/office/drawing/2010/main"/>
+              </a:ext>
+            </a:extLst>
+          </a:blip>
+          <a:srcRect/>
+          <a:stretch/>
+        </p:blipFill>
+        <p:spPr>
+          <a:xfrm>
+            <a:off x="327259" y="231005"/>
+            <a:ext cx="8104472" cy="2464067"/>
+          </a:xfrm>
+          <a:prstGeom prst="rect">
+            <a:avLst/>
+          </a:prstGeom>
+          <a:ln>
+            <a:noFill/>
+          </a:ln>
+          <a:effectLst>
+            <a:outerShdw blurRad="292100" dist="139700" dir="2700000" algn="tl" rotWithShape="0">
+              <a:srgbClr val="333333">
+                <a:alpha val="65000"/>
+              </a:srgbClr>
+            </a:outerShdw>
+          </a:effectLst>
+        </p:spPr>
+      </p:pic>
+      <p:sp>
+        <p:nvSpPr>
+          <p:cNvPr id="5" name="四角形: 角を丸くする 4">
+            <a:extLst>
+              <a:ext uri="{FF2B5EF4-FFF2-40B4-BE49-F238E27FC236}">
+                <a16:creationId xmlns:a16="http://schemas.microsoft.com/office/drawing/2014/main" id="{94066926-9011-4F8A-A6B9-BB54EA51507D}"/>
+              </a:ext>
+            </a:extLst>
+          </p:cNvPr>
+          <p:cNvSpPr/>
+          <p:nvPr/>
+        </p:nvSpPr>
+        <p:spPr>
+          <a:xfrm>
+            <a:off x="766184" y="1697135"/>
+            <a:ext cx="7771423" cy="507050"/>
+          </a:xfrm>
+          <a:prstGeom prst="roundRect">
+            <a:avLst>
+              <a:gd name="adj" fmla="val 11673"/>
+            </a:avLst>
+          </a:prstGeom>
+          <a:noFill/>
+          <a:ln w="28575">
+            <a:solidFill>
+              <a:srgbClr val="FF0000"/>
+            </a:solidFill>
+          </a:ln>
+        </p:spPr>
+        <p:style>
+          <a:lnRef idx="2">
+            <a:schemeClr val="accent1">
+              <a:shade val="50000"/>
+            </a:schemeClr>
+          </a:lnRef>
+          <a:fillRef idx="1">
+            <a:schemeClr val="accent1"/>
+          </a:fillRef>
+          <a:effectRef idx="0">
+            <a:schemeClr val="accent1"/>
+          </a:effectRef>
+          <a:fontRef idx="minor">
+            <a:schemeClr val="lt1"/>
+          </a:fontRef>
+        </p:style>
+        <p:txBody>
+          <a:bodyPr rot="0" spcFirstLastPara="0" vertOverflow="overflow" horzOverflow="overflow" vert="horz" wrap="square" lIns="91440" tIns="45720" rIns="91440" bIns="45720" numCol="1" spcCol="0" rtlCol="0" fromWordArt="0" anchor="ctr" anchorCtr="0" forceAA="0" compatLnSpc="1">
+            <a:prstTxWarp prst="textNoShape">
+              <a:avLst/>
+            </a:prstTxWarp>
+            <a:noAutofit/>
+          </a:bodyPr>
+          <a:lstStyle/>
+          <a:p>
+            <a:pPr algn="ctr"/>
+            <a:endParaRPr kumimoji="1" lang="ja-JP" altLang="en-US" sz="1600"/>
+          </a:p>
+        </p:txBody>
+      </p:sp>
+      <p:sp>
+        <p:nvSpPr>
+          <p:cNvPr id="6" name="吹き出し: 四角形 5">
+            <a:extLst>
+              <a:ext uri="{FF2B5EF4-FFF2-40B4-BE49-F238E27FC236}">
+                <a16:creationId xmlns:a16="http://schemas.microsoft.com/office/drawing/2014/main" id="{44046534-5A61-4946-9964-026312EBEA93}"/>
+              </a:ext>
+            </a:extLst>
+          </p:cNvPr>
+          <p:cNvSpPr/>
+          <p:nvPr/>
+        </p:nvSpPr>
+        <p:spPr>
+          <a:xfrm>
+            <a:off x="7097406" y="1206248"/>
+            <a:ext cx="2208631" cy="350559"/>
+          </a:xfrm>
+          <a:prstGeom prst="wedgeRectCallout">
+            <a:avLst>
+              <a:gd name="adj1" fmla="val -69015"/>
+              <a:gd name="adj2" fmla="val 121860"/>
+            </a:avLst>
+          </a:prstGeom>
+        </p:spPr>
+        <p:style>
+          <a:lnRef idx="1">
+            <a:schemeClr val="accent2"/>
+          </a:lnRef>
+          <a:fillRef idx="2">
+            <a:schemeClr val="accent2"/>
+          </a:fillRef>
+          <a:effectRef idx="1">
+            <a:schemeClr val="accent2"/>
+          </a:effectRef>
+          <a:fontRef idx="minor">
+            <a:schemeClr val="dk1"/>
+          </a:fontRef>
+        </p:style>
+        <p:txBody>
+          <a:bodyPr rtlCol="0" anchor="ctr"/>
+          <a:lstStyle/>
+          <a:p>
+            <a:r>
+              <a:rPr kumimoji="1" lang="ja-JP" altLang="en-US" sz="1200" dirty="0"/>
+              <a:t>発行したパッケージの最新版</a:t>
+            </a:r>
+          </a:p>
+        </p:txBody>
+      </p:sp>
+      <p:pic>
+        <p:nvPicPr>
+          <p:cNvPr id="7" name="図 6">
+            <a:extLst>
+              <a:ext uri="{FF2B5EF4-FFF2-40B4-BE49-F238E27FC236}">
+                <a16:creationId xmlns:a16="http://schemas.microsoft.com/office/drawing/2014/main" id="{2F016E9D-776B-4F5B-AE8B-1BEA5B1DE263}"/>
+              </a:ext>
+            </a:extLst>
+          </p:cNvPr>
+          <p:cNvPicPr>
+            <a:picLocks noChangeAspect="1"/>
+          </p:cNvPicPr>
+          <p:nvPr/>
+        </p:nvPicPr>
+        <p:blipFill rotWithShape="1">
+          <a:blip r:embed="rId3" cstate="screen">
+            <a:extLst>
+              <a:ext uri="{28A0092B-C50C-407E-A947-70E740481C1C}">
+                <a14:useLocalDpi xmlns:a14="http://schemas.microsoft.com/office/drawing/2010/main"/>
+              </a:ext>
+            </a:extLst>
+          </a:blip>
+          <a:srcRect/>
+          <a:stretch/>
+        </p:blipFill>
+        <p:spPr>
+          <a:xfrm>
+            <a:off x="327259" y="2835400"/>
+            <a:ext cx="8479856" cy="3803701"/>
+          </a:xfrm>
+          <a:prstGeom prst="rect">
+            <a:avLst/>
+          </a:prstGeom>
+          <a:ln>
+            <a:noFill/>
+          </a:ln>
+          <a:effectLst>
+            <a:outerShdw blurRad="292100" dist="139700" dir="2700000" algn="tl" rotWithShape="0">
+              <a:srgbClr val="333333">
+                <a:alpha val="65000"/>
+              </a:srgbClr>
+            </a:outerShdw>
+          </a:effectLst>
+        </p:spPr>
+      </p:pic>
+      <p:pic>
+        <p:nvPicPr>
+          <p:cNvPr id="8" name="図 7">
+            <a:extLst>
+              <a:ext uri="{FF2B5EF4-FFF2-40B4-BE49-F238E27FC236}">
+                <a16:creationId xmlns:a16="http://schemas.microsoft.com/office/drawing/2014/main" id="{42FDD0C8-5F02-42F7-BBE1-E28D096C8532}"/>
+              </a:ext>
+            </a:extLst>
+          </p:cNvPr>
+          <p:cNvPicPr>
+            <a:picLocks noChangeAspect="1"/>
+          </p:cNvPicPr>
+          <p:nvPr/>
+        </p:nvPicPr>
+        <p:blipFill rotWithShape="1">
+          <a:blip r:embed="rId4" cstate="screen">
+            <a:extLst>
+              <a:ext uri="{28A0092B-C50C-407E-A947-70E740481C1C}">
+                <a14:useLocalDpi xmlns:a14="http://schemas.microsoft.com/office/drawing/2010/main"/>
+              </a:ext>
+            </a:extLst>
+          </a:blip>
+          <a:srcRect l="-1"/>
+          <a:stretch/>
+        </p:blipFill>
+        <p:spPr>
+          <a:xfrm>
+            <a:off x="5436041" y="4390743"/>
+            <a:ext cx="6203132" cy="1982804"/>
+          </a:xfrm>
+          <a:prstGeom prst="rect">
+            <a:avLst/>
+          </a:prstGeom>
+          <a:ln>
+            <a:noFill/>
+          </a:ln>
+          <a:effectLst>
+            <a:outerShdw blurRad="292100" dist="139700" dir="2700000" algn="tl" rotWithShape="0">
+              <a:srgbClr val="333333">
+                <a:alpha val="65000"/>
+              </a:srgbClr>
+            </a:outerShdw>
+          </a:effectLst>
+        </p:spPr>
+      </p:pic>
+      <p:sp>
+        <p:nvSpPr>
+          <p:cNvPr id="9" name="楕円 8">
+            <a:extLst>
+              <a:ext uri="{FF2B5EF4-FFF2-40B4-BE49-F238E27FC236}">
+                <a16:creationId xmlns:a16="http://schemas.microsoft.com/office/drawing/2014/main" id="{486933DE-03FD-48BC-B410-E71056D2A8B7}"/>
+              </a:ext>
+            </a:extLst>
+          </p:cNvPr>
+          <p:cNvSpPr/>
+          <p:nvPr/>
+        </p:nvSpPr>
+        <p:spPr>
+          <a:xfrm>
+            <a:off x="6378307" y="5073162"/>
+            <a:ext cx="749125" cy="308983"/>
+          </a:xfrm>
+          <a:prstGeom prst="ellipse">
+            <a:avLst/>
+          </a:prstGeom>
+          <a:noFill/>
+          <a:ln w="28575">
+            <a:solidFill>
+              <a:srgbClr val="FF0000"/>
+            </a:solidFill>
+          </a:ln>
+        </p:spPr>
+        <p:style>
+          <a:lnRef idx="2">
+            <a:schemeClr val="accent1">
+              <a:shade val="50000"/>
+            </a:schemeClr>
+          </a:lnRef>
+          <a:fillRef idx="1">
+            <a:schemeClr val="accent1"/>
+          </a:fillRef>
+          <a:effectRef idx="0">
+            <a:schemeClr val="accent1"/>
+          </a:effectRef>
+          <a:fontRef idx="minor">
+            <a:schemeClr val="lt1"/>
+          </a:fontRef>
+        </p:style>
+        <p:txBody>
+          <a:bodyPr rtlCol="0" anchor="ctr"/>
+          <a:lstStyle/>
+          <a:p>
+            <a:pPr algn="ctr"/>
+            <a:endParaRPr kumimoji="1" lang="ja-JP" altLang="en-US" sz="1600" dirty="0"/>
+          </a:p>
+        </p:txBody>
+      </p:sp>
+      <p:sp>
+        <p:nvSpPr>
+          <p:cNvPr id="10" name="吹き出し: 四角形 9">
+            <a:extLst>
+              <a:ext uri="{FF2B5EF4-FFF2-40B4-BE49-F238E27FC236}">
+                <a16:creationId xmlns:a16="http://schemas.microsoft.com/office/drawing/2014/main" id="{DCEFF0EC-CADC-46BD-98DB-6915D23F08EB}"/>
+              </a:ext>
+            </a:extLst>
+          </p:cNvPr>
+          <p:cNvSpPr/>
+          <p:nvPr/>
+        </p:nvSpPr>
+        <p:spPr>
+          <a:xfrm>
+            <a:off x="9214964" y="4722603"/>
+            <a:ext cx="2208631" cy="350559"/>
+          </a:xfrm>
+          <a:prstGeom prst="wedgeRectCallout">
+            <a:avLst>
+              <a:gd name="adj1" fmla="val -69015"/>
+              <a:gd name="adj2" fmla="val 121860"/>
+            </a:avLst>
+          </a:prstGeom>
+        </p:spPr>
+        <p:style>
+          <a:lnRef idx="1">
+            <a:schemeClr val="accent2"/>
+          </a:lnRef>
+          <a:fillRef idx="2">
+            <a:schemeClr val="accent2"/>
+          </a:fillRef>
+          <a:effectRef idx="1">
+            <a:schemeClr val="accent2"/>
+          </a:effectRef>
+          <a:fontRef idx="minor">
+            <a:schemeClr val="dk1"/>
+          </a:fontRef>
+        </p:style>
+        <p:txBody>
+          <a:bodyPr rtlCol="0" anchor="ctr"/>
+          <a:lstStyle/>
+          <a:p>
+            <a:r>
+              <a:rPr kumimoji="1" lang="ja-JP" altLang="en-US" sz="1200" dirty="0"/>
+              <a:t>バージョン管理されている</a:t>
+            </a:r>
+          </a:p>
+        </p:txBody>
+      </p:sp>
+      <p:sp>
+        <p:nvSpPr>
+          <p:cNvPr id="11" name="楕円 10">
+            <a:extLst>
+              <a:ext uri="{FF2B5EF4-FFF2-40B4-BE49-F238E27FC236}">
+                <a16:creationId xmlns:a16="http://schemas.microsoft.com/office/drawing/2014/main" id="{E7C316D6-4DAA-4276-B7A7-A079E81F30DB}"/>
+              </a:ext>
+            </a:extLst>
+          </p:cNvPr>
+          <p:cNvSpPr/>
+          <p:nvPr/>
+        </p:nvSpPr>
+        <p:spPr>
+          <a:xfrm>
+            <a:off x="1509928" y="3173795"/>
+            <a:ext cx="2005059" cy="308983"/>
+          </a:xfrm>
+          <a:prstGeom prst="ellipse">
+            <a:avLst/>
+          </a:prstGeom>
+          <a:noFill/>
+          <a:ln w="28575">
+            <a:solidFill>
+              <a:srgbClr val="FF0000"/>
+            </a:solidFill>
+          </a:ln>
+        </p:spPr>
+        <p:style>
+          <a:lnRef idx="2">
+            <a:schemeClr val="accent1">
+              <a:shade val="50000"/>
+            </a:schemeClr>
+          </a:lnRef>
+          <a:fillRef idx="1">
+            <a:schemeClr val="accent1"/>
+          </a:fillRef>
+          <a:effectRef idx="0">
+            <a:schemeClr val="accent1"/>
+          </a:effectRef>
+          <a:fontRef idx="minor">
+            <a:schemeClr val="lt1"/>
+          </a:fontRef>
+        </p:style>
+        <p:txBody>
+          <a:bodyPr rtlCol="0" anchor="ctr"/>
+          <a:lstStyle/>
+          <a:p>
+            <a:pPr algn="ctr"/>
+            <a:endParaRPr kumimoji="1" lang="ja-JP" altLang="en-US" sz="1600" dirty="0"/>
+          </a:p>
+        </p:txBody>
+      </p:sp>
+      <p:cxnSp>
+        <p:nvCxnSpPr>
+          <p:cNvPr id="12" name="直線矢印コネクタ 11">
+            <a:extLst>
+              <a:ext uri="{FF2B5EF4-FFF2-40B4-BE49-F238E27FC236}">
+                <a16:creationId xmlns:a16="http://schemas.microsoft.com/office/drawing/2014/main" id="{242E05A6-3A9B-4DD5-AF1C-86C7998436E7}"/>
+              </a:ext>
+            </a:extLst>
+          </p:cNvPr>
+          <p:cNvCxnSpPr>
+            <a:cxnSpLocks/>
+          </p:cNvCxnSpPr>
+          <p:nvPr/>
+        </p:nvCxnSpPr>
+        <p:spPr>
+          <a:xfrm>
+            <a:off x="1693926" y="2009559"/>
+            <a:ext cx="545935" cy="1164236"/>
+          </a:xfrm>
+          <a:prstGeom prst="straightConnector1">
+            <a:avLst/>
+          </a:prstGeom>
+          <a:noFill/>
+          <a:ln w="28575">
+            <a:solidFill>
+              <a:srgbClr val="FF0000"/>
+            </a:solidFill>
+            <a:headEnd type="none" w="med" len="med"/>
+            <a:tailEnd type="arrow" w="med" len="med"/>
+          </a:ln>
+        </p:spPr>
+        <p:style>
+          <a:lnRef idx="2">
+            <a:schemeClr val="accent1">
+              <a:shade val="50000"/>
+            </a:schemeClr>
+          </a:lnRef>
+          <a:fillRef idx="1">
+            <a:schemeClr val="accent1"/>
+          </a:fillRef>
+          <a:effectRef idx="0">
+            <a:schemeClr val="accent1"/>
+          </a:effectRef>
+          <a:fontRef idx="minor">
+            <a:schemeClr val="lt1"/>
+          </a:fontRef>
+        </p:style>
+      </p:cxnSp>
+      <p:sp>
+        <p:nvSpPr>
+          <p:cNvPr id="15" name="吹き出し: 四角形 14">
+            <a:extLst>
+              <a:ext uri="{FF2B5EF4-FFF2-40B4-BE49-F238E27FC236}">
+                <a16:creationId xmlns:a16="http://schemas.microsoft.com/office/drawing/2014/main" id="{A5BE4FA1-8CE5-405D-963B-1EFF6B2A2E9B}"/>
+              </a:ext>
+            </a:extLst>
+          </p:cNvPr>
+          <p:cNvSpPr/>
+          <p:nvPr/>
+        </p:nvSpPr>
+        <p:spPr>
+          <a:xfrm>
+            <a:off x="2603983" y="5946028"/>
+            <a:ext cx="2208631" cy="350559"/>
+          </a:xfrm>
+          <a:prstGeom prst="wedgeRectCallout">
+            <a:avLst>
+              <a:gd name="adj1" fmla="val -41667"/>
+              <a:gd name="adj2" fmla="val -138980"/>
+            </a:avLst>
+          </a:prstGeom>
+        </p:spPr>
+        <p:style>
+          <a:lnRef idx="1">
+            <a:schemeClr val="accent2"/>
+          </a:lnRef>
+          <a:fillRef idx="2">
+            <a:schemeClr val="accent2"/>
+          </a:fillRef>
+          <a:effectRef idx="1">
+            <a:schemeClr val="accent2"/>
+          </a:effectRef>
+          <a:fontRef idx="minor">
+            <a:schemeClr val="dk1"/>
+          </a:fontRef>
+        </p:style>
+        <p:txBody>
+          <a:bodyPr rtlCol="0" anchor="ctr"/>
+          <a:lstStyle/>
+          <a:p>
+            <a:r>
+              <a:rPr kumimoji="1" lang="ja-JP" altLang="en-US" sz="1200" dirty="0"/>
+              <a:t>記載したメタデータ</a:t>
+            </a:r>
+          </a:p>
+        </p:txBody>
+      </p:sp>
+    </p:spTree>
+    <p:extLst>
+      <p:ext uri="{BB962C8B-B14F-4D97-AF65-F5344CB8AC3E}">
+        <p14:creationId xmlns:p14="http://schemas.microsoft.com/office/powerpoint/2010/main" val="1883769746"/>
+      </p:ext>
+    </p:extLst>
+  </p:cSld>
+  <p:clrMapOvr>
+    <a:masterClrMapping/>
+  </p:clrMapOvr>
+</p:sld>
+</file>
+
+<file path=ppt/slides/slide5.xml><?xml version="1.0" encoding="utf-8"?>
+<p:sld xmlns:a="http://schemas.openxmlformats.org/drawingml/2006/main" xmlns:r="http://schemas.openxmlformats.org/officeDocument/2006/relationships" xmlns:p="http://schemas.openxmlformats.org/presentationml/2006/main">
+  <p:cSld>
+    <p:spTree>
+      <p:nvGrpSpPr>
+        <p:cNvPr id="1" name=""/>
+        <p:cNvGrpSpPr/>
+        <p:nvPr/>
+      </p:nvGrpSpPr>
+      <p:grpSpPr>
+        <a:xfrm>
+          <a:off x="0" y="0"/>
+          <a:ext cx="0" cy="0"/>
+          <a:chOff x="0" y="0"/>
+          <a:chExt cx="0" cy="0"/>
+        </a:xfrm>
+      </p:grpSpPr>
+      <p:pic>
+        <p:nvPicPr>
           <p:cNvPr id="2" name="図 1">
             <a:extLst>
               <a:ext uri="{FF2B5EF4-FFF2-40B4-BE49-F238E27FC236}">
@@ -5874,8 +6674,14 @@
           <p:nvPr/>
         </p:nvPicPr>
         <p:blipFill rotWithShape="1">
-          <a:blip r:embed="rId2"/>
-          <a:srcRect t="13957" r="-2" b="10104"/>
+          <a:blip r:embed="rId2" cstate="screen">
+            <a:extLst>
+              <a:ext uri="{28A0092B-C50C-407E-A947-70E740481C1C}">
+                <a14:useLocalDpi xmlns:a14="http://schemas.microsoft.com/office/drawing/2010/main"/>
+              </a:ext>
+            </a:extLst>
+          </a:blip>
+          <a:srcRect r="-2"/>
           <a:stretch/>
         </p:blipFill>
         <p:spPr>
@@ -5911,7 +6717,7 @@
 </p:sld>
 </file>
 
-<file path=ppt/slides/slide5.xml><?xml version="1.0" encoding="utf-8"?>
+<file path=ppt/slides/slide6.xml><?xml version="1.0" encoding="utf-8"?>
 <p:sld xmlns:a="http://schemas.openxmlformats.org/drawingml/2006/main" xmlns:r="http://schemas.openxmlformats.org/officeDocument/2006/relationships" xmlns:p="http://schemas.openxmlformats.org/presentationml/2006/main">
   <p:cSld>
     <p:spTree>

--- a/package-management-with-azure-artifacts/images/figures.pptx
+++ b/package-management-with-azure-artifacts/images/figures.pptx
@@ -5,15 +5,16 @@
     <p:sldMasterId id="2147483672" r:id="rId1"/>
   </p:sldMasterIdLst>
   <p:notesMasterIdLst>
-    <p:notesMasterId r:id="rId8"/>
+    <p:notesMasterId r:id="rId9"/>
   </p:notesMasterIdLst>
   <p:sldIdLst>
     <p:sldId id="256" r:id="rId2"/>
     <p:sldId id="258" r:id="rId3"/>
     <p:sldId id="260" r:id="rId4"/>
     <p:sldId id="261" r:id="rId5"/>
-    <p:sldId id="257" r:id="rId6"/>
-    <p:sldId id="259" r:id="rId7"/>
+    <p:sldId id="262" r:id="rId6"/>
+    <p:sldId id="257" r:id="rId7"/>
+    <p:sldId id="259" r:id="rId8"/>
   </p:sldIdLst>
   <p:sldSz cx="12192000" cy="6858000"/>
   <p:notesSz cx="6858000" cy="9144000"/>
@@ -5434,7 +5435,7 @@
         </p:blipFill>
         <p:spPr>
           <a:xfrm>
-            <a:off x="798345" y="1029577"/>
+            <a:off x="796430" y="1030482"/>
             <a:ext cx="5647881" cy="5066389"/>
           </a:xfrm>
           <a:prstGeom prst="rect">
@@ -5454,10 +5455,10 @@
       </p:pic>
       <p:pic>
         <p:nvPicPr>
-          <p:cNvPr id="17" name="図 16">
+          <p:cNvPr id="24" name="図 23">
             <a:extLst>
               <a:ext uri="{FF2B5EF4-FFF2-40B4-BE49-F238E27FC236}">
-                <a16:creationId xmlns:a16="http://schemas.microsoft.com/office/drawing/2014/main" id="{34B92B22-E8DB-4FE9-8DCC-AB961196EB48}"/>
+                <a16:creationId xmlns:a16="http://schemas.microsoft.com/office/drawing/2014/main" id="{EF2F3D56-04E3-44EA-BC2A-897E1AE88AFA}"/>
               </a:ext>
             </a:extLst>
           </p:cNvPr>
@@ -5466,21 +5467,16 @@
           </p:cNvPicPr>
           <p:nvPr/>
         </p:nvPicPr>
-        <p:blipFill rotWithShape="1">
-          <a:blip r:embed="rId3" cstate="screen">
-            <a:extLst>
-              <a:ext uri="{28A0092B-C50C-407E-A947-70E740481C1C}">
-                <a14:useLocalDpi xmlns:a14="http://schemas.microsoft.com/office/drawing/2010/main"/>
-              </a:ext>
-            </a:extLst>
-          </a:blip>
-          <a:srcRect l="-244"/>
-          <a:stretch/>
+        <p:blipFill>
+          <a:blip r:embed="rId3"/>
+          <a:stretch>
+            <a:fillRect/>
+          </a:stretch>
         </p:blipFill>
         <p:spPr>
           <a:xfrm>
-            <a:off x="5593030" y="1754868"/>
-            <a:ext cx="5800625" cy="4762351"/>
+            <a:off x="5525832" y="1738760"/>
+            <a:ext cx="5803895" cy="4761389"/>
           </a:xfrm>
           <a:prstGeom prst="rect">
             <a:avLst/>
@@ -6018,94 +6014,6 @@
           </a:p>
         </p:txBody>
       </p:sp>
-      <p:pic>
-        <p:nvPicPr>
-          <p:cNvPr id="21" name="図 20">
-            <a:extLst>
-              <a:ext uri="{FF2B5EF4-FFF2-40B4-BE49-F238E27FC236}">
-                <a16:creationId xmlns:a16="http://schemas.microsoft.com/office/drawing/2014/main" id="{8DD0BF87-D0E4-4F87-A797-9797C3D6D4ED}"/>
-              </a:ext>
-            </a:extLst>
-          </p:cNvPr>
-          <p:cNvPicPr>
-            <a:picLocks noChangeAspect="1"/>
-          </p:cNvPicPr>
-          <p:nvPr/>
-        </p:nvPicPr>
-        <p:blipFill rotWithShape="1">
-          <a:blip r:embed="rId4" cstate="screen">
-            <a:extLst>
-              <a:ext uri="{BEBA8EAE-BF5A-486C-A8C5-ECC9F3942E4B}">
-                <a14:imgProps xmlns:a14="http://schemas.microsoft.com/office/drawing/2010/main">
-                  <a14:imgLayer r:embed="rId5">
-                    <a14:imgEffect>
-                      <a14:artisticBlur/>
-                    </a14:imgEffect>
-                  </a14:imgLayer>
-                </a14:imgProps>
-              </a:ext>
-              <a:ext uri="{28A0092B-C50C-407E-A947-70E740481C1C}">
-                <a14:useLocalDpi xmlns:a14="http://schemas.microsoft.com/office/drawing/2010/main"/>
-              </a:ext>
-            </a:extLst>
-          </a:blip>
-          <a:srcRect/>
-          <a:stretch/>
-        </p:blipFill>
-        <p:spPr>
-          <a:xfrm>
-            <a:off x="8045645" y="4789584"/>
-            <a:ext cx="1535186" cy="191350"/>
-          </a:xfrm>
-          <a:prstGeom prst="rect">
-            <a:avLst/>
-          </a:prstGeom>
-        </p:spPr>
-      </p:pic>
-      <p:pic>
-        <p:nvPicPr>
-          <p:cNvPr id="22" name="図 21">
-            <a:extLst>
-              <a:ext uri="{FF2B5EF4-FFF2-40B4-BE49-F238E27FC236}">
-                <a16:creationId xmlns:a16="http://schemas.microsoft.com/office/drawing/2014/main" id="{D8076BA9-F115-4104-B7D8-7714916E5BA1}"/>
-              </a:ext>
-            </a:extLst>
-          </p:cNvPr>
-          <p:cNvPicPr>
-            <a:picLocks noChangeAspect="1"/>
-          </p:cNvPicPr>
-          <p:nvPr/>
-        </p:nvPicPr>
-        <p:blipFill rotWithShape="1">
-          <a:blip r:embed="rId6" cstate="screen">
-            <a:extLst>
-              <a:ext uri="{BEBA8EAE-BF5A-486C-A8C5-ECC9F3942E4B}">
-                <a14:imgProps xmlns:a14="http://schemas.microsoft.com/office/drawing/2010/main">
-                  <a14:imgLayer r:embed="rId7">
-                    <a14:imgEffect>
-                      <a14:artisticBlur/>
-                    </a14:imgEffect>
-                  </a14:imgLayer>
-                </a14:imgProps>
-              </a:ext>
-              <a:ext uri="{28A0092B-C50C-407E-A947-70E740481C1C}">
-                <a14:useLocalDpi xmlns:a14="http://schemas.microsoft.com/office/drawing/2010/main"/>
-              </a:ext>
-            </a:extLst>
-          </a:blip>
-          <a:srcRect/>
-          <a:stretch/>
-        </p:blipFill>
-        <p:spPr>
-          <a:xfrm>
-            <a:off x="7839016" y="3555822"/>
-            <a:ext cx="1268749" cy="158141"/>
-          </a:xfrm>
-          <a:prstGeom prst="rect">
-            <a:avLst/>
-          </a:prstGeom>
-        </p:spPr>
-      </p:pic>
     </p:spTree>
     <p:extLst>
       <p:ext uri="{BB962C8B-B14F-4D97-AF65-F5344CB8AC3E}">
@@ -6664,6 +6572,217 @@
           <p:cNvPr id="2" name="図 1">
             <a:extLst>
               <a:ext uri="{FF2B5EF4-FFF2-40B4-BE49-F238E27FC236}">
+                <a16:creationId xmlns:a16="http://schemas.microsoft.com/office/drawing/2014/main" id="{6BEF79BE-12D3-44ED-ACD2-735F8FA8D551}"/>
+              </a:ext>
+            </a:extLst>
+          </p:cNvPr>
+          <p:cNvPicPr>
+            <a:picLocks noChangeAspect="1"/>
+          </p:cNvPicPr>
+          <p:nvPr/>
+        </p:nvPicPr>
+        <p:blipFill>
+          <a:blip r:embed="rId2"/>
+          <a:stretch>
+            <a:fillRect/>
+          </a:stretch>
+        </p:blipFill>
+        <p:spPr>
+          <a:xfrm>
+            <a:off x="4230503" y="1946022"/>
+            <a:ext cx="6019800" cy="4076700"/>
+          </a:xfrm>
+          <a:prstGeom prst="rect">
+            <a:avLst/>
+          </a:prstGeom>
+        </p:spPr>
+      </p:pic>
+      <p:pic>
+        <p:nvPicPr>
+          <p:cNvPr id="3" name="図 2">
+            <a:extLst>
+              <a:ext uri="{FF2B5EF4-FFF2-40B4-BE49-F238E27FC236}">
+                <a16:creationId xmlns:a16="http://schemas.microsoft.com/office/drawing/2014/main" id="{61332B5F-3819-4A28-A12B-419B06911F8C}"/>
+              </a:ext>
+            </a:extLst>
+          </p:cNvPr>
+          <p:cNvPicPr>
+            <a:picLocks noChangeAspect="1"/>
+          </p:cNvPicPr>
+          <p:nvPr/>
+        </p:nvPicPr>
+        <p:blipFill rotWithShape="1">
+          <a:blip r:embed="rId3" cstate="screen">
+            <a:extLst>
+              <a:ext uri="{28A0092B-C50C-407E-A947-70E740481C1C}">
+                <a14:useLocalDpi xmlns:a14="http://schemas.microsoft.com/office/drawing/2010/main"/>
+              </a:ext>
+            </a:extLst>
+          </a:blip>
+          <a:srcRect l="-244"/>
+          <a:stretch/>
+        </p:blipFill>
+        <p:spPr>
+          <a:xfrm>
+            <a:off x="589074" y="386073"/>
+            <a:ext cx="5800625" cy="4762351"/>
+          </a:xfrm>
+          <a:prstGeom prst="rect">
+            <a:avLst/>
+          </a:prstGeom>
+        </p:spPr>
+      </p:pic>
+      <p:sp>
+        <p:nvSpPr>
+          <p:cNvPr id="4" name="四角形: 角を丸くする 3">
+            <a:extLst>
+              <a:ext uri="{FF2B5EF4-FFF2-40B4-BE49-F238E27FC236}">
+                <a16:creationId xmlns:a16="http://schemas.microsoft.com/office/drawing/2014/main" id="{4FED3D3A-7669-4813-90A4-50F1542611D2}"/>
+              </a:ext>
+            </a:extLst>
+          </p:cNvPr>
+          <p:cNvSpPr/>
+          <p:nvPr/>
+        </p:nvSpPr>
+        <p:spPr>
+          <a:xfrm>
+            <a:off x="2557665" y="2705780"/>
+            <a:ext cx="2371686" cy="339237"/>
+          </a:xfrm>
+          <a:prstGeom prst="roundRect">
+            <a:avLst>
+              <a:gd name="adj" fmla="val 11673"/>
+            </a:avLst>
+          </a:prstGeom>
+          <a:noFill/>
+          <a:ln w="28575">
+            <a:solidFill>
+              <a:srgbClr val="FF0000"/>
+            </a:solidFill>
+          </a:ln>
+        </p:spPr>
+        <p:style>
+          <a:lnRef idx="2">
+            <a:schemeClr val="accent1">
+              <a:shade val="50000"/>
+            </a:schemeClr>
+          </a:lnRef>
+          <a:fillRef idx="1">
+            <a:schemeClr val="accent1"/>
+          </a:fillRef>
+          <a:effectRef idx="0">
+            <a:schemeClr val="accent1"/>
+          </a:effectRef>
+          <a:fontRef idx="minor">
+            <a:schemeClr val="lt1"/>
+          </a:fontRef>
+        </p:style>
+        <p:txBody>
+          <a:bodyPr rot="0" spcFirstLastPara="0" vertOverflow="overflow" horzOverflow="overflow" vert="horz" wrap="square" lIns="91440" tIns="45720" rIns="91440" bIns="45720" numCol="1" spcCol="0" rtlCol="0" fromWordArt="0" anchor="ctr" anchorCtr="0" forceAA="0" compatLnSpc="1">
+            <a:prstTxWarp prst="textNoShape">
+              <a:avLst/>
+            </a:prstTxWarp>
+            <a:noAutofit/>
+          </a:bodyPr>
+          <a:lstStyle/>
+          <a:p>
+            <a:pPr algn="ctr"/>
+            <a:endParaRPr kumimoji="1" lang="ja-JP" altLang="en-US" sz="1600"/>
+          </a:p>
+        </p:txBody>
+      </p:sp>
+      <p:sp>
+        <p:nvSpPr>
+          <p:cNvPr id="5" name="吹き出し: 四角形 4">
+            <a:extLst>
+              <a:ext uri="{FF2B5EF4-FFF2-40B4-BE49-F238E27FC236}">
+                <a16:creationId xmlns:a16="http://schemas.microsoft.com/office/drawing/2014/main" id="{547240AB-640A-4457-A98F-8F4EB97F3DDB}"/>
+              </a:ext>
+            </a:extLst>
+          </p:cNvPr>
+          <p:cNvSpPr/>
+          <p:nvPr/>
+        </p:nvSpPr>
+        <p:spPr>
+          <a:xfrm>
+            <a:off x="4778898" y="2194882"/>
+            <a:ext cx="2208631" cy="350559"/>
+          </a:xfrm>
+          <a:prstGeom prst="wedgeRectCallout">
+            <a:avLst>
+              <a:gd name="adj1" fmla="val -69015"/>
+              <a:gd name="adj2" fmla="val 121860"/>
+            </a:avLst>
+          </a:prstGeom>
+        </p:spPr>
+        <p:style>
+          <a:lnRef idx="1">
+            <a:schemeClr val="accent2"/>
+          </a:lnRef>
+          <a:fillRef idx="2">
+            <a:schemeClr val="accent2"/>
+          </a:fillRef>
+          <a:effectRef idx="1">
+            <a:schemeClr val="accent2"/>
+          </a:effectRef>
+          <a:fontRef idx="minor">
+            <a:schemeClr val="dk1"/>
+          </a:fontRef>
+        </p:style>
+        <p:txBody>
+          <a:bodyPr rtlCol="0" anchor="ctr"/>
+          <a:lstStyle/>
+          <a:p>
+            <a:r>
+              <a:rPr kumimoji="1" lang="ja-JP" altLang="en-US" sz="1200" dirty="0"/>
+              <a:t>接続ツール </a:t>
+            </a:r>
+            <a:r>
+              <a:rPr kumimoji="1" lang="en-US" altLang="ja-JP" sz="1200" dirty="0"/>
+              <a:t>Nuget.exe</a:t>
+            </a:r>
+            <a:r>
+              <a:rPr kumimoji="1" lang="ja-JP" altLang="en-US" sz="1200" dirty="0"/>
+              <a:t> の取得</a:t>
+            </a:r>
+          </a:p>
+        </p:txBody>
+      </p:sp>
+    </p:spTree>
+    <p:extLst>
+      <p:ext uri="{BB962C8B-B14F-4D97-AF65-F5344CB8AC3E}">
+        <p14:creationId xmlns:p14="http://schemas.microsoft.com/office/powerpoint/2010/main" val="2842206131"/>
+      </p:ext>
+    </p:extLst>
+  </p:cSld>
+  <p:clrMapOvr>
+    <a:masterClrMapping/>
+  </p:clrMapOvr>
+</p:sld>
+</file>
+
+<file path=ppt/slides/slide6.xml><?xml version="1.0" encoding="utf-8"?>
+<p:sld xmlns:a="http://schemas.openxmlformats.org/drawingml/2006/main" xmlns:r="http://schemas.openxmlformats.org/officeDocument/2006/relationships" xmlns:p="http://schemas.openxmlformats.org/presentationml/2006/main">
+  <p:cSld>
+    <p:spTree>
+      <p:nvGrpSpPr>
+        <p:cNvPr id="1" name=""/>
+        <p:cNvGrpSpPr/>
+        <p:nvPr/>
+      </p:nvGrpSpPr>
+      <p:grpSpPr>
+        <a:xfrm>
+          <a:off x="0" y="0"/>
+          <a:ext cx="0" cy="0"/>
+          <a:chOff x="0" y="0"/>
+          <a:chExt cx="0" cy="0"/>
+        </a:xfrm>
+      </p:grpSpPr>
+      <p:pic>
+        <p:nvPicPr>
+          <p:cNvPr id="2" name="図 1">
+            <a:extLst>
+              <a:ext uri="{FF2B5EF4-FFF2-40B4-BE49-F238E27FC236}">
                 <a16:creationId xmlns:a16="http://schemas.microsoft.com/office/drawing/2014/main" id="{78146FF9-7CF4-44F6-A2E1-4AE9019674D8}"/>
               </a:ext>
             </a:extLst>
@@ -6717,7 +6836,7 @@
 </p:sld>
 </file>
 
-<file path=ppt/slides/slide6.xml><?xml version="1.0" encoding="utf-8"?>
+<file path=ppt/slides/slide7.xml><?xml version="1.0" encoding="utf-8"?>
 <p:sld xmlns:a="http://schemas.openxmlformats.org/drawingml/2006/main" xmlns:r="http://schemas.openxmlformats.org/officeDocument/2006/relationships" xmlns:p="http://schemas.openxmlformats.org/presentationml/2006/main">
   <p:cSld>
     <p:spTree>

--- a/package-management-with-azure-artifacts/images/figures.pptx
+++ b/package-management-with-azure-artifacts/images/figures.pptx
@@ -5,7 +5,7 @@
     <p:sldMasterId id="2147483672" r:id="rId1"/>
   </p:sldMasterIdLst>
   <p:notesMasterIdLst>
-    <p:notesMasterId r:id="rId9"/>
+    <p:notesMasterId r:id="rId13"/>
   </p:notesMasterIdLst>
   <p:sldIdLst>
     <p:sldId id="256" r:id="rId2"/>
@@ -13,8 +13,12 @@
     <p:sldId id="260" r:id="rId4"/>
     <p:sldId id="261" r:id="rId5"/>
     <p:sldId id="262" r:id="rId6"/>
-    <p:sldId id="257" r:id="rId7"/>
-    <p:sldId id="259" r:id="rId8"/>
+    <p:sldId id="263" r:id="rId7"/>
+    <p:sldId id="264" r:id="rId8"/>
+    <p:sldId id="266" r:id="rId9"/>
+    <p:sldId id="265" r:id="rId10"/>
+    <p:sldId id="257" r:id="rId11"/>
+    <p:sldId id="259" r:id="rId12"/>
   </p:sldIdLst>
   <p:sldSz cx="12192000" cy="6858000"/>
   <p:notesSz cx="6858000" cy="9144000"/>
@@ -5201,6 +5205,111 @@
 </p:sld>
 </file>
 
+<file path=ppt/slides/slide10.xml><?xml version="1.0" encoding="utf-8"?>
+<p:sld xmlns:a="http://schemas.openxmlformats.org/drawingml/2006/main" xmlns:r="http://schemas.openxmlformats.org/officeDocument/2006/relationships" xmlns:p="http://schemas.openxmlformats.org/presentationml/2006/main">
+  <p:cSld>
+    <p:spTree>
+      <p:nvGrpSpPr>
+        <p:cNvPr id="1" name=""/>
+        <p:cNvGrpSpPr/>
+        <p:nvPr/>
+      </p:nvGrpSpPr>
+      <p:grpSpPr>
+        <a:xfrm>
+          <a:off x="0" y="0"/>
+          <a:ext cx="0" cy="0"/>
+          <a:chOff x="0" y="0"/>
+          <a:chExt cx="0" cy="0"/>
+        </a:xfrm>
+      </p:grpSpPr>
+      <p:pic>
+        <p:nvPicPr>
+          <p:cNvPr id="2" name="図 1">
+            <a:extLst>
+              <a:ext uri="{FF2B5EF4-FFF2-40B4-BE49-F238E27FC236}">
+                <a16:creationId xmlns:a16="http://schemas.microsoft.com/office/drawing/2014/main" id="{78146FF9-7CF4-44F6-A2E1-4AE9019674D8}"/>
+              </a:ext>
+            </a:extLst>
+          </p:cNvPr>
+          <p:cNvPicPr>
+            <a:picLocks noChangeAspect="1"/>
+          </p:cNvPicPr>
+          <p:nvPr/>
+        </p:nvPicPr>
+        <p:blipFill rotWithShape="1">
+          <a:blip r:embed="rId2" cstate="screen">
+            <a:extLst>
+              <a:ext uri="{28A0092B-C50C-407E-A947-70E740481C1C}">
+                <a14:useLocalDpi xmlns:a14="http://schemas.microsoft.com/office/drawing/2010/main"/>
+              </a:ext>
+            </a:extLst>
+          </a:blip>
+          <a:srcRect r="-2"/>
+          <a:stretch/>
+        </p:blipFill>
+        <p:spPr>
+          <a:xfrm>
+            <a:off x="963298" y="743925"/>
+            <a:ext cx="9308342" cy="4734358"/>
+          </a:xfrm>
+          <a:prstGeom prst="rect">
+            <a:avLst/>
+          </a:prstGeom>
+          <a:ln>
+            <a:noFill/>
+          </a:ln>
+          <a:effectLst>
+            <a:outerShdw blurRad="292100" dist="139700" dir="2700000" algn="tl" rotWithShape="0">
+              <a:srgbClr val="333333">
+                <a:alpha val="65000"/>
+              </a:srgbClr>
+            </a:outerShdw>
+          </a:effectLst>
+        </p:spPr>
+      </p:pic>
+    </p:spTree>
+    <p:extLst>
+      <p:ext uri="{BB962C8B-B14F-4D97-AF65-F5344CB8AC3E}">
+        <p14:creationId xmlns:p14="http://schemas.microsoft.com/office/powerpoint/2010/main" val="2541704250"/>
+      </p:ext>
+    </p:extLst>
+  </p:cSld>
+  <p:clrMapOvr>
+    <a:masterClrMapping/>
+  </p:clrMapOvr>
+</p:sld>
+</file>
+
+<file path=ppt/slides/slide11.xml><?xml version="1.0" encoding="utf-8"?>
+<p:sld xmlns:a="http://schemas.openxmlformats.org/drawingml/2006/main" xmlns:r="http://schemas.openxmlformats.org/officeDocument/2006/relationships" xmlns:p="http://schemas.openxmlformats.org/presentationml/2006/main">
+  <p:cSld>
+    <p:spTree>
+      <p:nvGrpSpPr>
+        <p:cNvPr id="1" name=""/>
+        <p:cNvGrpSpPr/>
+        <p:nvPr/>
+      </p:nvGrpSpPr>
+      <p:grpSpPr>
+        <a:xfrm>
+          <a:off x="0" y="0"/>
+          <a:ext cx="0" cy="0"/>
+          <a:chOff x="0" y="0"/>
+          <a:chExt cx="0" cy="0"/>
+        </a:xfrm>
+      </p:grpSpPr>
+    </p:spTree>
+    <p:extLst>
+      <p:ext uri="{BB962C8B-B14F-4D97-AF65-F5344CB8AC3E}">
+        <p14:creationId xmlns:p14="http://schemas.microsoft.com/office/powerpoint/2010/main" val="1121779110"/>
+      </p:ext>
+    </p:extLst>
+  </p:cSld>
+  <p:clrMapOvr>
+    <a:masterClrMapping/>
+  </p:clrMapOvr>
+</p:sld>
+</file>
+
 <file path=ppt/slides/slide2.xml><?xml version="1.0" encoding="utf-8"?>
 <p:sld xmlns:a="http://schemas.openxmlformats.org/drawingml/2006/main" xmlns:r="http://schemas.openxmlformats.org/officeDocument/2006/relationships" xmlns:p="http://schemas.openxmlformats.org/presentationml/2006/main">
   <p:cSld>
@@ -5481,6 +5590,16 @@
           <a:prstGeom prst="rect">
             <a:avLst/>
           </a:prstGeom>
+          <a:ln>
+            <a:noFill/>
+          </a:ln>
+          <a:effectLst>
+            <a:outerShdw blurRad="292100" dist="139700" dir="2700000" algn="tl" rotWithShape="0">
+              <a:srgbClr val="333333">
+                <a:alpha val="65000"/>
+              </a:srgbClr>
+            </a:outerShdw>
+          </a:effectLst>
         </p:spPr>
       </p:pic>
       <p:sp>
@@ -6569,10 +6688,10 @@
       </p:grpSpPr>
       <p:pic>
         <p:nvPicPr>
-          <p:cNvPr id="2" name="図 1">
+          <p:cNvPr id="6" name="図 5">
             <a:extLst>
               <a:ext uri="{FF2B5EF4-FFF2-40B4-BE49-F238E27FC236}">
-                <a16:creationId xmlns:a16="http://schemas.microsoft.com/office/drawing/2014/main" id="{6BEF79BE-12D3-44ED-ACD2-735F8FA8D551}"/>
+                <a16:creationId xmlns:a16="http://schemas.microsoft.com/office/drawing/2014/main" id="{1BC494BC-8FD2-44DF-AFCA-5E97674B843D}"/>
               </a:ext>
             </a:extLst>
           </p:cNvPr>
@@ -6589,47 +6708,22 @@
         </p:blipFill>
         <p:spPr>
           <a:xfrm>
-            <a:off x="4230503" y="1946022"/>
-            <a:ext cx="6019800" cy="4076700"/>
+            <a:off x="292105" y="325085"/>
+            <a:ext cx="5803895" cy="4761389"/>
           </a:xfrm>
           <a:prstGeom prst="rect">
             <a:avLst/>
           </a:prstGeom>
-        </p:spPr>
-      </p:pic>
-      <p:pic>
-        <p:nvPicPr>
-          <p:cNvPr id="3" name="図 2">
-            <a:extLst>
-              <a:ext uri="{FF2B5EF4-FFF2-40B4-BE49-F238E27FC236}">
-                <a16:creationId xmlns:a16="http://schemas.microsoft.com/office/drawing/2014/main" id="{61332B5F-3819-4A28-A12B-419B06911F8C}"/>
-              </a:ext>
-            </a:extLst>
-          </p:cNvPr>
-          <p:cNvPicPr>
-            <a:picLocks noChangeAspect="1"/>
-          </p:cNvPicPr>
-          <p:nvPr/>
-        </p:nvPicPr>
-        <p:blipFill rotWithShape="1">
-          <a:blip r:embed="rId3" cstate="screen">
-            <a:extLst>
-              <a:ext uri="{28A0092B-C50C-407E-A947-70E740481C1C}">
-                <a14:useLocalDpi xmlns:a14="http://schemas.microsoft.com/office/drawing/2010/main"/>
-              </a:ext>
-            </a:extLst>
-          </a:blip>
-          <a:srcRect l="-244"/>
-          <a:stretch/>
-        </p:blipFill>
-        <p:spPr>
-          <a:xfrm>
-            <a:off x="589074" y="386073"/>
-            <a:ext cx="5800625" cy="4762351"/>
-          </a:xfrm>
-          <a:prstGeom prst="rect">
-            <a:avLst/>
-          </a:prstGeom>
+          <a:ln>
+            <a:noFill/>
+          </a:ln>
+          <a:effectLst>
+            <a:outerShdw blurRad="292100" dist="139700" dir="2700000" algn="tl" rotWithShape="0">
+              <a:srgbClr val="333333">
+                <a:alpha val="65000"/>
+              </a:srgbClr>
+            </a:outerShdw>
+          </a:effectLst>
         </p:spPr>
       </p:pic>
       <p:sp>
@@ -6646,8 +6740,8 @@
         </p:nvSpPr>
         <p:spPr>
           <a:xfrm>
-            <a:off x="2557665" y="2705780"/>
-            <a:ext cx="2371686" cy="339237"/>
+            <a:off x="2316442" y="1926016"/>
+            <a:ext cx="2934345" cy="497424"/>
           </a:xfrm>
           <a:prstGeom prst="roundRect">
             <a:avLst>
@@ -6691,12 +6785,100 @@
           </a:p>
         </p:txBody>
       </p:sp>
+      <p:pic>
+        <p:nvPicPr>
+          <p:cNvPr id="8" name="図 7">
+            <a:extLst>
+              <a:ext uri="{FF2B5EF4-FFF2-40B4-BE49-F238E27FC236}">
+                <a16:creationId xmlns:a16="http://schemas.microsoft.com/office/drawing/2014/main" id="{02CFEB60-83BA-4F91-BFDF-A548A66F9572}"/>
+              </a:ext>
+            </a:extLst>
+          </p:cNvPr>
+          <p:cNvPicPr>
+            <a:picLocks noChangeAspect="1"/>
+          </p:cNvPicPr>
+          <p:nvPr/>
+        </p:nvPicPr>
+        <p:blipFill>
+          <a:blip r:embed="rId3"/>
+          <a:stretch>
+            <a:fillRect/>
+          </a:stretch>
+        </p:blipFill>
+        <p:spPr>
+          <a:xfrm>
+            <a:off x="5882621" y="1389711"/>
+            <a:ext cx="6017274" cy="4078577"/>
+          </a:xfrm>
+          <a:prstGeom prst="rect">
+            <a:avLst/>
+          </a:prstGeom>
+          <a:ln>
+            <a:noFill/>
+          </a:ln>
+          <a:effectLst>
+            <a:outerShdw blurRad="292100" dist="139700" dir="2700000" algn="tl" rotWithShape="0">
+              <a:srgbClr val="333333">
+                <a:alpha val="65000"/>
+              </a:srgbClr>
+            </a:outerShdw>
+          </a:effectLst>
+        </p:spPr>
+      </p:pic>
+      <p:cxnSp>
+        <p:nvCxnSpPr>
+          <p:cNvPr id="9" name="直線矢印コネクタ 8">
+            <a:extLst>
+              <a:ext uri="{FF2B5EF4-FFF2-40B4-BE49-F238E27FC236}">
+                <a16:creationId xmlns:a16="http://schemas.microsoft.com/office/drawing/2014/main" id="{7F8D5F8A-B541-4166-ACC5-20FBC90C647E}"/>
+              </a:ext>
+            </a:extLst>
+          </p:cNvPr>
+          <p:cNvCxnSpPr>
+            <a:cxnSpLocks/>
+          </p:cNvCxnSpPr>
+          <p:nvPr/>
+        </p:nvCxnSpPr>
+        <p:spPr>
+          <a:xfrm>
+            <a:off x="5250787" y="2174728"/>
+            <a:ext cx="2754420" cy="478715"/>
+          </a:xfrm>
+          <a:prstGeom prst="straightConnector1">
+            <a:avLst/>
+          </a:prstGeom>
+          <a:noFill/>
+          <a:ln w="28575">
+            <a:solidFill>
+              <a:srgbClr val="FF0000"/>
+            </a:solidFill>
+            <a:headEnd type="none" w="med" len="med"/>
+            <a:tailEnd type="arrow" w="med" len="med"/>
+          </a:ln>
+        </p:spPr>
+        <p:style>
+          <a:lnRef idx="2">
+            <a:schemeClr val="accent1">
+              <a:shade val="50000"/>
+            </a:schemeClr>
+          </a:lnRef>
+          <a:fillRef idx="1">
+            <a:schemeClr val="accent1"/>
+          </a:fillRef>
+          <a:effectRef idx="0">
+            <a:schemeClr val="accent1"/>
+          </a:effectRef>
+          <a:fontRef idx="minor">
+            <a:schemeClr val="lt1"/>
+          </a:fontRef>
+        </p:style>
+      </p:cxnSp>
       <p:sp>
         <p:nvSpPr>
-          <p:cNvPr id="5" name="吹き出し: 四角形 4">
+          <p:cNvPr id="11" name="吹き出し: 四角形 10">
             <a:extLst>
               <a:ext uri="{FF2B5EF4-FFF2-40B4-BE49-F238E27FC236}">
-                <a16:creationId xmlns:a16="http://schemas.microsoft.com/office/drawing/2014/main" id="{547240AB-640A-4457-A98F-8F4EB97F3DDB}"/>
+                <a16:creationId xmlns:a16="http://schemas.microsoft.com/office/drawing/2014/main" id="{74E68485-B339-4E04-876C-3DB7997CC54D}"/>
               </a:ext>
             </a:extLst>
           </p:cNvPr>
@@ -6705,13 +6887,13 @@
         </p:nvSpPr>
         <p:spPr>
           <a:xfrm>
-            <a:off x="4778898" y="2194882"/>
-            <a:ext cx="2208631" cy="350559"/>
+            <a:off x="7024144" y="762727"/>
+            <a:ext cx="2377908" cy="468952"/>
           </a:xfrm>
           <a:prstGeom prst="wedgeRectCallout">
             <a:avLst>
-              <a:gd name="adj1" fmla="val -69015"/>
-              <a:gd name="adj2" fmla="val 121860"/>
+              <a:gd name="adj1" fmla="val -57331"/>
+              <a:gd name="adj2" fmla="val 334693"/>
             </a:avLst>
           </a:prstGeom>
         </p:spPr>
@@ -6735,15 +6917,7 @@
           <a:p>
             <a:r>
               <a:rPr kumimoji="1" lang="ja-JP" altLang="en-US" sz="1200" dirty="0"/>
-              <a:t>接続ツール </a:t>
-            </a:r>
-            <a:r>
-              <a:rPr kumimoji="1" lang="en-US" altLang="ja-JP" sz="1200" dirty="0"/>
-              <a:t>Nuget.exe</a:t>
-            </a:r>
-            <a:r>
-              <a:rPr kumimoji="1" lang="ja-JP" altLang="en-US" sz="1200" dirty="0"/>
-              <a:t> の取得</a:t>
+              <a:t>作成したフィードをパッケージソースとして追加</a:t>
             </a:r>
           </a:p>
         </p:txBody>
@@ -6783,7 +6957,7 @@
           <p:cNvPr id="2" name="図 1">
             <a:extLst>
               <a:ext uri="{FF2B5EF4-FFF2-40B4-BE49-F238E27FC236}">
-                <a16:creationId xmlns:a16="http://schemas.microsoft.com/office/drawing/2014/main" id="{78146FF9-7CF4-44F6-A2E1-4AE9019674D8}"/>
+                <a16:creationId xmlns:a16="http://schemas.microsoft.com/office/drawing/2014/main" id="{0837474C-CA64-47DE-8137-BAB774B03CD4}"/>
               </a:ext>
             </a:extLst>
           </p:cNvPr>
@@ -6792,21 +6966,56 @@
           </p:cNvPicPr>
           <p:nvPr/>
         </p:nvPicPr>
-        <p:blipFill rotWithShape="1">
-          <a:blip r:embed="rId2" cstate="screen">
-            <a:extLst>
-              <a:ext uri="{28A0092B-C50C-407E-A947-70E740481C1C}">
-                <a14:useLocalDpi xmlns:a14="http://schemas.microsoft.com/office/drawing/2010/main"/>
-              </a:ext>
-            </a:extLst>
-          </a:blip>
-          <a:srcRect r="-2"/>
-          <a:stretch/>
+        <p:blipFill>
+          <a:blip r:embed="rId2"/>
+          <a:stretch>
+            <a:fillRect/>
+          </a:stretch>
         </p:blipFill>
         <p:spPr>
           <a:xfrm>
-            <a:off x="963298" y="743925"/>
-            <a:ext cx="9308342" cy="4734358"/>
+            <a:off x="87518" y="1301335"/>
+            <a:ext cx="6082832" cy="4043295"/>
+          </a:xfrm>
+          <a:prstGeom prst="rect">
+            <a:avLst/>
+          </a:prstGeom>
+          <a:ln>
+            <a:noFill/>
+          </a:ln>
+          <a:effectLst>
+            <a:outerShdw blurRad="292100" dist="139700" dir="2700000" algn="tl" rotWithShape="0">
+              <a:srgbClr val="333333">
+                <a:alpha val="65000"/>
+              </a:srgbClr>
+            </a:outerShdw>
+          </a:effectLst>
+        </p:spPr>
+      </p:pic>
+      <p:pic>
+        <p:nvPicPr>
+          <p:cNvPr id="3" name="図 2">
+            <a:extLst>
+              <a:ext uri="{FF2B5EF4-FFF2-40B4-BE49-F238E27FC236}">
+                <a16:creationId xmlns:a16="http://schemas.microsoft.com/office/drawing/2014/main" id="{FCCA89C2-4220-4C01-AD7E-AC7B133DE9AA}"/>
+              </a:ext>
+            </a:extLst>
+          </p:cNvPr>
+          <p:cNvPicPr>
+            <a:picLocks noChangeAspect="1"/>
+          </p:cNvPicPr>
+          <p:nvPr/>
+        </p:nvPicPr>
+        <p:blipFill>
+          <a:blip r:embed="rId3"/>
+          <a:stretch>
+            <a:fillRect/>
+          </a:stretch>
+        </p:blipFill>
+        <p:spPr>
+          <a:xfrm>
+            <a:off x="6441281" y="1479894"/>
+            <a:ext cx="6638925" cy="3686175"/>
           </a:xfrm>
           <a:prstGeom prst="rect">
             <a:avLst/>
@@ -6826,7 +7035,7 @@
     </p:spTree>
     <p:extLst>
       <p:ext uri="{BB962C8B-B14F-4D97-AF65-F5344CB8AC3E}">
-        <p14:creationId xmlns:p14="http://schemas.microsoft.com/office/powerpoint/2010/main" val="2541704250"/>
+        <p14:creationId xmlns:p14="http://schemas.microsoft.com/office/powerpoint/2010/main" val="1655666606"/>
       </p:ext>
     </p:extLst>
   </p:cSld>
@@ -6856,7 +7065,1686 @@
     </p:spTree>
     <p:extLst>
       <p:ext uri="{BB962C8B-B14F-4D97-AF65-F5344CB8AC3E}">
-        <p14:creationId xmlns:p14="http://schemas.microsoft.com/office/powerpoint/2010/main" val="1121779110"/>
+        <p14:creationId xmlns:p14="http://schemas.microsoft.com/office/powerpoint/2010/main" val="1152828947"/>
+      </p:ext>
+    </p:extLst>
+  </p:cSld>
+  <p:clrMapOvr>
+    <a:masterClrMapping/>
+  </p:clrMapOvr>
+</p:sld>
+</file>
+
+<file path=ppt/slides/slide8.xml><?xml version="1.0" encoding="utf-8"?>
+<p:sld xmlns:a="http://schemas.openxmlformats.org/drawingml/2006/main" xmlns:r="http://schemas.openxmlformats.org/officeDocument/2006/relationships" xmlns:p="http://schemas.openxmlformats.org/presentationml/2006/main">
+  <p:cSld>
+    <p:spTree>
+      <p:nvGrpSpPr>
+        <p:cNvPr id="1" name=""/>
+        <p:cNvGrpSpPr/>
+        <p:nvPr/>
+      </p:nvGrpSpPr>
+      <p:grpSpPr>
+        <a:xfrm>
+          <a:off x="0" y="0"/>
+          <a:ext cx="0" cy="0"/>
+          <a:chOff x="0" y="0"/>
+          <a:chExt cx="0" cy="0"/>
+        </a:xfrm>
+      </p:grpSpPr>
+      <p:grpSp>
+        <p:nvGrpSpPr>
+          <p:cNvPr id="84" name="グループ化 83">
+            <a:extLst>
+              <a:ext uri="{FF2B5EF4-FFF2-40B4-BE49-F238E27FC236}">
+                <a16:creationId xmlns:a16="http://schemas.microsoft.com/office/drawing/2014/main" id="{C16B93D5-3781-4C21-AE88-A6AE2894D59B}"/>
+              </a:ext>
+            </a:extLst>
+          </p:cNvPr>
+          <p:cNvGrpSpPr/>
+          <p:nvPr/>
+        </p:nvGrpSpPr>
+        <p:grpSpPr>
+          <a:xfrm>
+            <a:off x="61421" y="553369"/>
+            <a:ext cx="12015559" cy="6002706"/>
+            <a:chOff x="61421" y="553369"/>
+            <a:chExt cx="12015559" cy="6002706"/>
+          </a:xfrm>
+        </p:grpSpPr>
+        <p:pic>
+          <p:nvPicPr>
+            <p:cNvPr id="10" name="グラフィックス 9">
+              <a:extLst>
+                <a:ext uri="{FF2B5EF4-FFF2-40B4-BE49-F238E27FC236}">
+                  <a16:creationId xmlns:a16="http://schemas.microsoft.com/office/drawing/2014/main" id="{720C8AEA-BD22-4FF4-BFBC-5D43E880A0D0}"/>
+                </a:ext>
+              </a:extLst>
+            </p:cNvPr>
+            <p:cNvPicPr>
+              <a:picLocks noChangeAspect="1"/>
+            </p:cNvPicPr>
+            <p:nvPr/>
+          </p:nvPicPr>
+          <p:blipFill>
+            <a:blip r:embed="rId2">
+              <a:extLst>
+                <a:ext uri="{28A0092B-C50C-407E-A947-70E740481C1C}">
+                  <a14:useLocalDpi xmlns:a14="http://schemas.microsoft.com/office/drawing/2010/main"/>
+                </a:ext>
+                <a:ext uri="{96DAC541-7B7A-43D3-8B79-37D633B846F1}">
+                  <asvg:svgBlip xmlns:asvg="http://schemas.microsoft.com/office/drawing/2016/SVG/main" r:embed="rId3"/>
+                </a:ext>
+              </a:extLst>
+            </a:blip>
+            <a:stretch>
+              <a:fillRect/>
+            </a:stretch>
+          </p:blipFill>
+          <p:spPr>
+            <a:xfrm>
+              <a:off x="2649820" y="3612817"/>
+              <a:ext cx="794528" cy="794528"/>
+            </a:xfrm>
+            <a:prstGeom prst="rect">
+              <a:avLst/>
+            </a:prstGeom>
+          </p:spPr>
+        </p:pic>
+        <p:pic>
+          <p:nvPicPr>
+            <p:cNvPr id="12" name="グラフィックス 11">
+              <a:extLst>
+                <a:ext uri="{FF2B5EF4-FFF2-40B4-BE49-F238E27FC236}">
+                  <a16:creationId xmlns:a16="http://schemas.microsoft.com/office/drawing/2014/main" id="{59F2698E-6E6B-4F4F-B4AA-A6FCA5D5F8C0}"/>
+                </a:ext>
+              </a:extLst>
+            </p:cNvPr>
+            <p:cNvPicPr>
+              <a:picLocks noChangeAspect="1"/>
+            </p:cNvPicPr>
+            <p:nvPr/>
+          </p:nvPicPr>
+          <p:blipFill>
+            <a:blip r:embed="rId4">
+              <a:extLst>
+                <a:ext uri="{28A0092B-C50C-407E-A947-70E740481C1C}">
+                  <a14:useLocalDpi xmlns:a14="http://schemas.microsoft.com/office/drawing/2010/main"/>
+                </a:ext>
+                <a:ext uri="{96DAC541-7B7A-43D3-8B79-37D633B846F1}">
+                  <asvg:svgBlip xmlns:asvg="http://schemas.microsoft.com/office/drawing/2016/SVG/main" r:embed="rId5"/>
+                </a:ext>
+              </a:extLst>
+            </a:blip>
+            <a:stretch>
+              <a:fillRect/>
+            </a:stretch>
+          </p:blipFill>
+          <p:spPr>
+            <a:xfrm>
+              <a:off x="5721868" y="3634248"/>
+              <a:ext cx="751666" cy="751666"/>
+            </a:xfrm>
+            <a:prstGeom prst="rect">
+              <a:avLst/>
+            </a:prstGeom>
+          </p:spPr>
+        </p:pic>
+        <p:sp>
+          <p:nvSpPr>
+            <p:cNvPr id="15" name="テキスト ボックス 14">
+              <a:extLst>
+                <a:ext uri="{FF2B5EF4-FFF2-40B4-BE49-F238E27FC236}">
+                  <a16:creationId xmlns:a16="http://schemas.microsoft.com/office/drawing/2014/main" id="{593F3F33-FE94-4004-A7B4-F51A58ED8514}"/>
+                </a:ext>
+              </a:extLst>
+            </p:cNvPr>
+            <p:cNvSpPr txBox="1"/>
+            <p:nvPr/>
+          </p:nvSpPr>
+          <p:spPr>
+            <a:xfrm>
+              <a:off x="5610223" y="4445734"/>
+              <a:ext cx="968855" cy="369332"/>
+            </a:xfrm>
+            <a:prstGeom prst="rect">
+              <a:avLst/>
+            </a:prstGeom>
+            <a:noFill/>
+          </p:spPr>
+          <p:txBody>
+            <a:bodyPr wrap="none" rtlCol="0">
+              <a:spAutoFit/>
+            </a:bodyPr>
+            <a:lstStyle/>
+            <a:p>
+              <a:r>
+                <a:rPr lang="en-US" altLang="ja-JP" dirty="0"/>
+                <a:t>Artifacts</a:t>
+              </a:r>
+              <a:endParaRPr lang="ja-JP" altLang="en-US" dirty="0"/>
+            </a:p>
+          </p:txBody>
+        </p:sp>
+        <p:pic>
+          <p:nvPicPr>
+            <p:cNvPr id="17" name="グラフィックス 16">
+              <a:extLst>
+                <a:ext uri="{FF2B5EF4-FFF2-40B4-BE49-F238E27FC236}">
+                  <a16:creationId xmlns:a16="http://schemas.microsoft.com/office/drawing/2014/main" id="{2C9AE163-4931-46B1-A829-8A8A39AEF535}"/>
+                </a:ext>
+              </a:extLst>
+            </p:cNvPr>
+            <p:cNvPicPr>
+              <a:picLocks noChangeAspect="1"/>
+            </p:cNvPicPr>
+            <p:nvPr/>
+          </p:nvPicPr>
+          <p:blipFill>
+            <a:blip r:embed="rId2">
+              <a:extLst>
+                <a:ext uri="{28A0092B-C50C-407E-A947-70E740481C1C}">
+                  <a14:useLocalDpi xmlns:a14="http://schemas.microsoft.com/office/drawing/2010/main"/>
+                </a:ext>
+                <a:ext uri="{96DAC541-7B7A-43D3-8B79-37D633B846F1}">
+                  <asvg:svgBlip xmlns:asvg="http://schemas.microsoft.com/office/drawing/2016/SVG/main" r:embed="rId3"/>
+                </a:ext>
+              </a:extLst>
+            </a:blip>
+            <a:stretch>
+              <a:fillRect/>
+            </a:stretch>
+          </p:blipFill>
+          <p:spPr>
+            <a:xfrm>
+              <a:off x="8488138" y="3573794"/>
+              <a:ext cx="794528" cy="794528"/>
+            </a:xfrm>
+            <a:prstGeom prst="rect">
+              <a:avLst/>
+            </a:prstGeom>
+          </p:spPr>
+        </p:pic>
+        <p:pic>
+          <p:nvPicPr>
+            <p:cNvPr id="24" name="Shape 416">
+              <a:extLst>
+                <a:ext uri="{FF2B5EF4-FFF2-40B4-BE49-F238E27FC236}">
+                  <a16:creationId xmlns:a16="http://schemas.microsoft.com/office/drawing/2014/main" id="{660F51C7-BF8B-4B31-B2D0-BF443A2BF131}"/>
+                </a:ext>
+              </a:extLst>
+            </p:cNvPr>
+            <p:cNvPicPr preferRelativeResize="0">
+              <a:picLocks noChangeAspect="1"/>
+            </p:cNvPicPr>
+            <p:nvPr/>
+          </p:nvPicPr>
+          <p:blipFill>
+            <a:blip r:embed="rId6" cstate="screen">
+              <a:alphaModFix/>
+              <a:extLst>
+                <a:ext uri="{28A0092B-C50C-407E-A947-70E740481C1C}">
+                  <a14:useLocalDpi xmlns:a14="http://schemas.microsoft.com/office/drawing/2010/main"/>
+                </a:ext>
+              </a:extLst>
+            </a:blip>
+            <a:stretch>
+              <a:fillRect/>
+            </a:stretch>
+          </p:blipFill>
+          <p:spPr>
+            <a:xfrm>
+              <a:off x="2725608" y="5690796"/>
+              <a:ext cx="718740" cy="718740"/>
+            </a:xfrm>
+            <a:prstGeom prst="rect">
+              <a:avLst/>
+            </a:prstGeom>
+            <a:noFill/>
+            <a:ln>
+              <a:noFill/>
+            </a:ln>
+          </p:spPr>
+        </p:pic>
+        <p:pic>
+          <p:nvPicPr>
+            <p:cNvPr id="14" name="グラフィックス 13">
+              <a:extLst>
+                <a:ext uri="{FF2B5EF4-FFF2-40B4-BE49-F238E27FC236}">
+                  <a16:creationId xmlns:a16="http://schemas.microsoft.com/office/drawing/2014/main" id="{ED1EF8A9-A307-4EDC-BBEA-5F2FC7A0E61B}"/>
+                </a:ext>
+              </a:extLst>
+            </p:cNvPr>
+            <p:cNvPicPr>
+              <a:picLocks noChangeAspect="1"/>
+            </p:cNvPicPr>
+            <p:nvPr/>
+          </p:nvPicPr>
+          <p:blipFill>
+            <a:blip r:embed="rId7">
+              <a:extLst>
+                <a:ext uri="{28A0092B-C50C-407E-A947-70E740481C1C}">
+                  <a14:useLocalDpi xmlns:a14="http://schemas.microsoft.com/office/drawing/2010/main"/>
+                </a:ext>
+                <a:ext uri="{96DAC541-7B7A-43D3-8B79-37D633B846F1}">
+                  <asvg:svgBlip xmlns:asvg="http://schemas.microsoft.com/office/drawing/2016/SVG/main" r:embed="rId8"/>
+                </a:ext>
+              </a:extLst>
+            </a:blip>
+            <a:stretch>
+              <a:fillRect/>
+            </a:stretch>
+          </p:blipFill>
+          <p:spPr>
+            <a:xfrm>
+              <a:off x="2743311" y="1586913"/>
+              <a:ext cx="683333" cy="683333"/>
+            </a:xfrm>
+            <a:prstGeom prst="rect">
+              <a:avLst/>
+            </a:prstGeom>
+          </p:spPr>
+        </p:pic>
+        <p:cxnSp>
+          <p:nvCxnSpPr>
+            <p:cNvPr id="27" name="直線矢印コネクタ 26">
+              <a:extLst>
+                <a:ext uri="{FF2B5EF4-FFF2-40B4-BE49-F238E27FC236}">
+                  <a16:creationId xmlns:a16="http://schemas.microsoft.com/office/drawing/2014/main" id="{FC5C5E18-6E1F-412C-887F-BFB0120CDB48}"/>
+                </a:ext>
+              </a:extLst>
+            </p:cNvPr>
+            <p:cNvCxnSpPr>
+              <a:cxnSpLocks/>
+            </p:cNvCxnSpPr>
+            <p:nvPr/>
+          </p:nvCxnSpPr>
+          <p:spPr>
+            <a:xfrm flipH="1" flipV="1">
+              <a:off x="3047085" y="4530039"/>
+              <a:ext cx="6275" cy="1089095"/>
+            </a:xfrm>
+            <a:prstGeom prst="straightConnector1">
+              <a:avLst/>
+            </a:prstGeom>
+            <a:ln>
+              <a:solidFill>
+                <a:schemeClr val="tx2"/>
+              </a:solidFill>
+              <a:headEnd type="none" w="med" len="med"/>
+              <a:tailEnd type="arrow" w="med" len="med"/>
+            </a:ln>
+          </p:spPr>
+          <p:style>
+            <a:lnRef idx="3">
+              <a:schemeClr val="accent2"/>
+            </a:lnRef>
+            <a:fillRef idx="0">
+              <a:schemeClr val="accent2"/>
+            </a:fillRef>
+            <a:effectRef idx="2">
+              <a:schemeClr val="accent2"/>
+            </a:effectRef>
+            <a:fontRef idx="minor">
+              <a:schemeClr val="tx1"/>
+            </a:fontRef>
+          </p:style>
+        </p:cxnSp>
+        <p:cxnSp>
+          <p:nvCxnSpPr>
+            <p:cNvPr id="30" name="直線矢印コネクタ 29">
+              <a:extLst>
+                <a:ext uri="{FF2B5EF4-FFF2-40B4-BE49-F238E27FC236}">
+                  <a16:creationId xmlns:a16="http://schemas.microsoft.com/office/drawing/2014/main" id="{75F0A3E6-41DE-4C3E-8437-B3E0526234C0}"/>
+                </a:ext>
+              </a:extLst>
+            </p:cNvPr>
+            <p:cNvCxnSpPr>
+              <a:cxnSpLocks/>
+            </p:cNvCxnSpPr>
+            <p:nvPr/>
+          </p:nvCxnSpPr>
+          <p:spPr>
+            <a:xfrm flipV="1">
+              <a:off x="3600911" y="4319772"/>
+              <a:ext cx="1873999" cy="1371025"/>
+            </a:xfrm>
+            <a:prstGeom prst="straightConnector1">
+              <a:avLst/>
+            </a:prstGeom>
+            <a:ln>
+              <a:solidFill>
+                <a:schemeClr val="tx2"/>
+              </a:solidFill>
+              <a:headEnd type="none" w="med" len="med"/>
+              <a:tailEnd type="arrow" w="med" len="med"/>
+            </a:ln>
+          </p:spPr>
+          <p:style>
+            <a:lnRef idx="3">
+              <a:schemeClr val="accent2"/>
+            </a:lnRef>
+            <a:fillRef idx="0">
+              <a:schemeClr val="accent2"/>
+            </a:fillRef>
+            <a:effectRef idx="2">
+              <a:schemeClr val="accent2"/>
+            </a:effectRef>
+            <a:fontRef idx="minor">
+              <a:schemeClr val="tx1"/>
+            </a:fontRef>
+          </p:style>
+        </p:cxnSp>
+        <p:pic>
+          <p:nvPicPr>
+            <p:cNvPr id="32" name="グラフィックス 31">
+              <a:extLst>
+                <a:ext uri="{FF2B5EF4-FFF2-40B4-BE49-F238E27FC236}">
+                  <a16:creationId xmlns:a16="http://schemas.microsoft.com/office/drawing/2014/main" id="{B61730B1-1D60-4927-9797-8725CA32187A}"/>
+                </a:ext>
+              </a:extLst>
+            </p:cNvPr>
+            <p:cNvPicPr>
+              <a:picLocks noChangeAspect="1"/>
+            </p:cNvPicPr>
+            <p:nvPr/>
+          </p:nvPicPr>
+          <p:blipFill>
+            <a:blip r:embed="rId7">
+              <a:extLst>
+                <a:ext uri="{28A0092B-C50C-407E-A947-70E740481C1C}">
+                  <a14:useLocalDpi xmlns:a14="http://schemas.microsoft.com/office/drawing/2010/main"/>
+                </a:ext>
+                <a:ext uri="{96DAC541-7B7A-43D3-8B79-37D633B846F1}">
+                  <asvg:svgBlip xmlns:asvg="http://schemas.microsoft.com/office/drawing/2016/SVG/main" r:embed="rId8"/>
+                </a:ext>
+              </a:extLst>
+            </a:blip>
+            <a:stretch>
+              <a:fillRect/>
+            </a:stretch>
+          </p:blipFill>
+          <p:spPr>
+            <a:xfrm>
+              <a:off x="8543735" y="1567987"/>
+              <a:ext cx="683333" cy="683333"/>
+            </a:xfrm>
+            <a:prstGeom prst="rect">
+              <a:avLst/>
+            </a:prstGeom>
+          </p:spPr>
+        </p:pic>
+        <p:pic>
+          <p:nvPicPr>
+            <p:cNvPr id="42" name="Shape 416">
+              <a:extLst>
+                <a:ext uri="{FF2B5EF4-FFF2-40B4-BE49-F238E27FC236}">
+                  <a16:creationId xmlns:a16="http://schemas.microsoft.com/office/drawing/2014/main" id="{A8B43CDF-DCB2-461A-9186-3843B2BC2797}"/>
+                </a:ext>
+              </a:extLst>
+            </p:cNvPr>
+            <p:cNvPicPr preferRelativeResize="0">
+              <a:picLocks noChangeAspect="1"/>
+            </p:cNvPicPr>
+            <p:nvPr/>
+          </p:nvPicPr>
+          <p:blipFill>
+            <a:blip r:embed="rId6" cstate="screen">
+              <a:alphaModFix/>
+              <a:extLst>
+                <a:ext uri="{28A0092B-C50C-407E-A947-70E740481C1C}">
+                  <a14:useLocalDpi xmlns:a14="http://schemas.microsoft.com/office/drawing/2010/main"/>
+                </a:ext>
+              </a:extLst>
+            </a:blip>
+            <a:stretch>
+              <a:fillRect/>
+            </a:stretch>
+          </p:blipFill>
+          <p:spPr>
+            <a:xfrm>
+              <a:off x="8569421" y="5503318"/>
+              <a:ext cx="718740" cy="718740"/>
+            </a:xfrm>
+            <a:prstGeom prst="rect">
+              <a:avLst/>
+            </a:prstGeom>
+            <a:noFill/>
+            <a:ln>
+              <a:noFill/>
+            </a:ln>
+          </p:spPr>
+        </p:pic>
+        <p:cxnSp>
+          <p:nvCxnSpPr>
+            <p:cNvPr id="43" name="直線矢印コネクタ 42">
+              <a:extLst>
+                <a:ext uri="{FF2B5EF4-FFF2-40B4-BE49-F238E27FC236}">
+                  <a16:creationId xmlns:a16="http://schemas.microsoft.com/office/drawing/2014/main" id="{3EB39C53-19B6-4A7C-AAA7-1AEE719AA421}"/>
+                </a:ext>
+              </a:extLst>
+            </p:cNvPr>
+            <p:cNvCxnSpPr>
+              <a:cxnSpLocks/>
+            </p:cNvCxnSpPr>
+            <p:nvPr/>
+          </p:nvCxnSpPr>
+          <p:spPr>
+            <a:xfrm>
+              <a:off x="6614140" y="4319771"/>
+              <a:ext cx="1873999" cy="1371025"/>
+            </a:xfrm>
+            <a:prstGeom prst="straightConnector1">
+              <a:avLst/>
+            </a:prstGeom>
+            <a:ln>
+              <a:solidFill>
+                <a:schemeClr val="tx2"/>
+              </a:solidFill>
+              <a:headEnd type="none" w="med" len="med"/>
+              <a:tailEnd type="arrow" w="med" len="med"/>
+            </a:ln>
+          </p:spPr>
+          <p:style>
+            <a:lnRef idx="3">
+              <a:schemeClr val="accent2"/>
+            </a:lnRef>
+            <a:fillRef idx="0">
+              <a:schemeClr val="accent2"/>
+            </a:fillRef>
+            <a:effectRef idx="2">
+              <a:schemeClr val="accent2"/>
+            </a:effectRef>
+            <a:fontRef idx="minor">
+              <a:schemeClr val="tx1"/>
+            </a:fontRef>
+          </p:style>
+        </p:cxnSp>
+        <p:cxnSp>
+          <p:nvCxnSpPr>
+            <p:cNvPr id="44" name="直線矢印コネクタ 43">
+              <a:extLst>
+                <a:ext uri="{FF2B5EF4-FFF2-40B4-BE49-F238E27FC236}">
+                  <a16:creationId xmlns:a16="http://schemas.microsoft.com/office/drawing/2014/main" id="{B4D6D5B9-F3DA-40F6-9A2A-CFCAFCCD69DB}"/>
+                </a:ext>
+              </a:extLst>
+            </p:cNvPr>
+            <p:cNvCxnSpPr>
+              <a:cxnSpLocks/>
+              <a:stCxn id="42" idx="0"/>
+            </p:cNvCxnSpPr>
+            <p:nvPr/>
+          </p:nvCxnSpPr>
+          <p:spPr>
+            <a:xfrm flipH="1" flipV="1">
+              <a:off x="8917999" y="4407346"/>
+              <a:ext cx="10793" cy="1095973"/>
+            </a:xfrm>
+            <a:prstGeom prst="straightConnector1">
+              <a:avLst/>
+            </a:prstGeom>
+            <a:ln>
+              <a:solidFill>
+                <a:schemeClr val="tx2"/>
+              </a:solidFill>
+              <a:headEnd type="none" w="med" len="med"/>
+              <a:tailEnd type="arrow" w="med" len="med"/>
+            </a:ln>
+          </p:spPr>
+          <p:style>
+            <a:lnRef idx="3">
+              <a:schemeClr val="accent2"/>
+            </a:lnRef>
+            <a:fillRef idx="0">
+              <a:schemeClr val="accent2"/>
+            </a:fillRef>
+            <a:effectRef idx="2">
+              <a:schemeClr val="accent2"/>
+            </a:effectRef>
+            <a:fontRef idx="minor">
+              <a:schemeClr val="tx1"/>
+            </a:fontRef>
+          </p:style>
+        </p:cxnSp>
+        <p:cxnSp>
+          <p:nvCxnSpPr>
+            <p:cNvPr id="47" name="直線矢印コネクタ 46">
+              <a:extLst>
+                <a:ext uri="{FF2B5EF4-FFF2-40B4-BE49-F238E27FC236}">
+                  <a16:creationId xmlns:a16="http://schemas.microsoft.com/office/drawing/2014/main" id="{3D4096D5-8795-47EC-A6C4-204691CA7C38}"/>
+                </a:ext>
+              </a:extLst>
+            </p:cNvPr>
+            <p:cNvCxnSpPr>
+              <a:cxnSpLocks/>
+            </p:cNvCxnSpPr>
+            <p:nvPr/>
+          </p:nvCxnSpPr>
+          <p:spPr>
+            <a:xfrm flipH="1" flipV="1">
+              <a:off x="8909381" y="2394803"/>
+              <a:ext cx="10793" cy="1095973"/>
+            </a:xfrm>
+            <a:prstGeom prst="straightConnector1">
+              <a:avLst/>
+            </a:prstGeom>
+            <a:ln>
+              <a:solidFill>
+                <a:schemeClr val="tx2"/>
+              </a:solidFill>
+              <a:headEnd type="none" w="med" len="med"/>
+              <a:tailEnd type="arrow" w="med" len="med"/>
+            </a:ln>
+          </p:spPr>
+          <p:style>
+            <a:lnRef idx="3">
+              <a:schemeClr val="accent2"/>
+            </a:lnRef>
+            <a:fillRef idx="0">
+              <a:schemeClr val="accent2"/>
+            </a:fillRef>
+            <a:effectRef idx="2">
+              <a:schemeClr val="accent2"/>
+            </a:effectRef>
+            <a:fontRef idx="minor">
+              <a:schemeClr val="tx1"/>
+            </a:fontRef>
+          </p:style>
+        </p:cxnSp>
+        <p:sp>
+          <p:nvSpPr>
+            <p:cNvPr id="48" name="テキスト ボックス 47">
+              <a:extLst>
+                <a:ext uri="{FF2B5EF4-FFF2-40B4-BE49-F238E27FC236}">
+                  <a16:creationId xmlns:a16="http://schemas.microsoft.com/office/drawing/2014/main" id="{3D97A6D8-16BB-485A-9DA8-145FC9A77963}"/>
+                </a:ext>
+              </a:extLst>
+            </p:cNvPr>
+            <p:cNvSpPr txBox="1"/>
+            <p:nvPr/>
+          </p:nvSpPr>
+          <p:spPr>
+            <a:xfrm>
+              <a:off x="1844480" y="3832453"/>
+              <a:ext cx="664734" cy="369332"/>
+            </a:xfrm>
+            <a:prstGeom prst="rect">
+              <a:avLst/>
+            </a:prstGeom>
+            <a:noFill/>
+          </p:spPr>
+          <p:txBody>
+            <a:bodyPr wrap="none" rtlCol="0">
+              <a:spAutoFit/>
+            </a:bodyPr>
+            <a:lstStyle/>
+            <a:p>
+              <a:r>
+                <a:rPr lang="en-US" altLang="ja-JP" dirty="0"/>
+                <a:t>Repo</a:t>
+              </a:r>
+              <a:endParaRPr lang="ja-JP" altLang="en-US" dirty="0"/>
+            </a:p>
+          </p:txBody>
+        </p:sp>
+        <p:cxnSp>
+          <p:nvCxnSpPr>
+            <p:cNvPr id="50" name="直線矢印コネクタ 49">
+              <a:extLst>
+                <a:ext uri="{FF2B5EF4-FFF2-40B4-BE49-F238E27FC236}">
+                  <a16:creationId xmlns:a16="http://schemas.microsoft.com/office/drawing/2014/main" id="{4576B0ED-E3A2-402B-95D4-CEB6A9651DE3}"/>
+                </a:ext>
+              </a:extLst>
+            </p:cNvPr>
+            <p:cNvCxnSpPr>
+              <a:cxnSpLocks/>
+            </p:cNvCxnSpPr>
+            <p:nvPr/>
+          </p:nvCxnSpPr>
+          <p:spPr>
+            <a:xfrm flipV="1">
+              <a:off x="6634378" y="2311784"/>
+              <a:ext cx="1873999" cy="1371025"/>
+            </a:xfrm>
+            <a:prstGeom prst="straightConnector1">
+              <a:avLst/>
+            </a:prstGeom>
+            <a:ln>
+              <a:solidFill>
+                <a:schemeClr val="tx2"/>
+              </a:solidFill>
+              <a:headEnd type="none" w="med" len="med"/>
+              <a:tailEnd type="arrow" w="med" len="med"/>
+            </a:ln>
+          </p:spPr>
+          <p:style>
+            <a:lnRef idx="3">
+              <a:schemeClr val="accent2"/>
+            </a:lnRef>
+            <a:fillRef idx="0">
+              <a:schemeClr val="accent2"/>
+            </a:fillRef>
+            <a:effectRef idx="2">
+              <a:schemeClr val="accent2"/>
+            </a:effectRef>
+            <a:fontRef idx="minor">
+              <a:schemeClr val="tx1"/>
+            </a:fontRef>
+          </p:style>
+        </p:cxnSp>
+        <p:cxnSp>
+          <p:nvCxnSpPr>
+            <p:cNvPr id="51" name="直線矢印コネクタ 50">
+              <a:extLst>
+                <a:ext uri="{FF2B5EF4-FFF2-40B4-BE49-F238E27FC236}">
+                  <a16:creationId xmlns:a16="http://schemas.microsoft.com/office/drawing/2014/main" id="{BB8064F3-48AB-4E34-9DCC-07FA305B4D2D}"/>
+                </a:ext>
+              </a:extLst>
+            </p:cNvPr>
+            <p:cNvCxnSpPr>
+              <a:cxnSpLocks/>
+            </p:cNvCxnSpPr>
+            <p:nvPr/>
+          </p:nvCxnSpPr>
+          <p:spPr>
+            <a:xfrm>
+              <a:off x="9399856" y="1954119"/>
+              <a:ext cx="1483341" cy="0"/>
+            </a:xfrm>
+            <a:prstGeom prst="straightConnector1">
+              <a:avLst/>
+            </a:prstGeom>
+            <a:ln>
+              <a:solidFill>
+                <a:schemeClr val="tx2"/>
+              </a:solidFill>
+              <a:headEnd type="none" w="med" len="med"/>
+              <a:tailEnd type="arrow" w="med" len="med"/>
+            </a:ln>
+          </p:spPr>
+          <p:style>
+            <a:lnRef idx="3">
+              <a:schemeClr val="accent2"/>
+            </a:lnRef>
+            <a:fillRef idx="0">
+              <a:schemeClr val="accent2"/>
+            </a:fillRef>
+            <a:effectRef idx="2">
+              <a:schemeClr val="accent2"/>
+            </a:effectRef>
+            <a:fontRef idx="minor">
+              <a:schemeClr val="tx1"/>
+            </a:fontRef>
+          </p:style>
+        </p:cxnSp>
+        <p:pic>
+          <p:nvPicPr>
+            <p:cNvPr id="55" name="図 54">
+              <a:extLst>
+                <a:ext uri="{FF2B5EF4-FFF2-40B4-BE49-F238E27FC236}">
+                  <a16:creationId xmlns:a16="http://schemas.microsoft.com/office/drawing/2014/main" id="{66E8A794-85CA-4E25-B768-94A1A213C59F}"/>
+                </a:ext>
+              </a:extLst>
+            </p:cNvPr>
+            <p:cNvPicPr>
+              <a:picLocks noChangeAspect="1"/>
+            </p:cNvPicPr>
+            <p:nvPr/>
+          </p:nvPicPr>
+          <p:blipFill>
+            <a:blip r:embed="rId9" cstate="screen">
+              <a:extLst>
+                <a:ext uri="{28A0092B-C50C-407E-A947-70E740481C1C}">
+                  <a14:useLocalDpi xmlns:a14="http://schemas.microsoft.com/office/drawing/2010/main"/>
+                </a:ext>
+              </a:extLst>
+            </a:blip>
+            <a:stretch>
+              <a:fillRect/>
+            </a:stretch>
+          </p:blipFill>
+          <p:spPr>
+            <a:xfrm>
+              <a:off x="11055985" y="1667954"/>
+              <a:ext cx="822535" cy="641445"/>
+            </a:xfrm>
+            <a:prstGeom prst="rect">
+              <a:avLst/>
+            </a:prstGeom>
+          </p:spPr>
+        </p:pic>
+        <p:sp>
+          <p:nvSpPr>
+            <p:cNvPr id="56" name="テキスト ボックス 55">
+              <a:extLst>
+                <a:ext uri="{FF2B5EF4-FFF2-40B4-BE49-F238E27FC236}">
+                  <a16:creationId xmlns:a16="http://schemas.microsoft.com/office/drawing/2014/main" id="{AE21E99E-D7E9-4F0B-877A-84CCF3A7ACF3}"/>
+                </a:ext>
+              </a:extLst>
+            </p:cNvPr>
+            <p:cNvSpPr txBox="1"/>
+            <p:nvPr/>
+          </p:nvSpPr>
+          <p:spPr>
+            <a:xfrm>
+              <a:off x="10913254" y="2394803"/>
+              <a:ext cx="1107996" cy="369332"/>
+            </a:xfrm>
+            <a:prstGeom prst="rect">
+              <a:avLst/>
+            </a:prstGeom>
+            <a:noFill/>
+          </p:spPr>
+          <p:txBody>
+            <a:bodyPr wrap="none" rtlCol="0">
+              <a:spAutoFit/>
+            </a:bodyPr>
+            <a:lstStyle/>
+            <a:p>
+              <a:r>
+                <a:rPr lang="ja-JP" altLang="en-US" dirty="0"/>
+                <a:t>実行環境</a:t>
+              </a:r>
+            </a:p>
+          </p:txBody>
+        </p:sp>
+        <p:sp>
+          <p:nvSpPr>
+            <p:cNvPr id="57" name="テキスト ボックス 56">
+              <a:extLst>
+                <a:ext uri="{FF2B5EF4-FFF2-40B4-BE49-F238E27FC236}">
+                  <a16:creationId xmlns:a16="http://schemas.microsoft.com/office/drawing/2014/main" id="{C01B2973-B9F5-484C-8F9E-A62F3F841124}"/>
+                </a:ext>
+              </a:extLst>
+            </p:cNvPr>
+            <p:cNvSpPr txBox="1"/>
+            <p:nvPr/>
+          </p:nvSpPr>
+          <p:spPr>
+            <a:xfrm>
+              <a:off x="2049962" y="4864404"/>
+              <a:ext cx="918841" cy="369332"/>
+            </a:xfrm>
+            <a:prstGeom prst="rect">
+              <a:avLst/>
+            </a:prstGeom>
+            <a:noFill/>
+          </p:spPr>
+          <p:txBody>
+            <a:bodyPr wrap="none" rtlCol="0">
+              <a:spAutoFit/>
+            </a:bodyPr>
+            <a:lstStyle/>
+            <a:p>
+              <a:r>
+                <a:rPr lang="en-US" altLang="ja-JP" dirty="0"/>
+                <a:t>git </a:t>
+              </a:r>
+              <a:r>
+                <a:rPr lang="en-US" altLang="ja-JP" dirty="0" err="1"/>
+                <a:t>puth</a:t>
+              </a:r>
+              <a:endParaRPr lang="ja-JP" altLang="en-US" dirty="0"/>
+            </a:p>
+          </p:txBody>
+        </p:sp>
+        <p:cxnSp>
+          <p:nvCxnSpPr>
+            <p:cNvPr id="58" name="直線矢印コネクタ 57">
+              <a:extLst>
+                <a:ext uri="{FF2B5EF4-FFF2-40B4-BE49-F238E27FC236}">
+                  <a16:creationId xmlns:a16="http://schemas.microsoft.com/office/drawing/2014/main" id="{B03F5E69-6B91-49A0-BAA9-E5D5989BDE2F}"/>
+                </a:ext>
+              </a:extLst>
+            </p:cNvPr>
+            <p:cNvCxnSpPr>
+              <a:cxnSpLocks/>
+            </p:cNvCxnSpPr>
+            <p:nvPr/>
+          </p:nvCxnSpPr>
+          <p:spPr>
+            <a:xfrm flipH="1" flipV="1">
+              <a:off x="3013896" y="2406939"/>
+              <a:ext cx="10793" cy="1095973"/>
+            </a:xfrm>
+            <a:prstGeom prst="straightConnector1">
+              <a:avLst/>
+            </a:prstGeom>
+            <a:ln>
+              <a:solidFill>
+                <a:schemeClr val="tx2"/>
+              </a:solidFill>
+              <a:headEnd type="none" w="med" len="med"/>
+              <a:tailEnd type="arrow" w="med" len="med"/>
+            </a:ln>
+          </p:spPr>
+          <p:style>
+            <a:lnRef idx="3">
+              <a:schemeClr val="accent2"/>
+            </a:lnRef>
+            <a:fillRef idx="0">
+              <a:schemeClr val="accent2"/>
+            </a:fillRef>
+            <a:effectRef idx="2">
+              <a:schemeClr val="accent2"/>
+            </a:effectRef>
+            <a:fontRef idx="minor">
+              <a:schemeClr val="tx1"/>
+            </a:fontRef>
+          </p:style>
+        </p:cxnSp>
+        <p:cxnSp>
+          <p:nvCxnSpPr>
+            <p:cNvPr id="59" name="直線矢印コネクタ 58">
+              <a:extLst>
+                <a:ext uri="{FF2B5EF4-FFF2-40B4-BE49-F238E27FC236}">
+                  <a16:creationId xmlns:a16="http://schemas.microsoft.com/office/drawing/2014/main" id="{4E733A26-7418-4697-9E7F-F41042A1BCEE}"/>
+                </a:ext>
+              </a:extLst>
+            </p:cNvPr>
+            <p:cNvCxnSpPr>
+              <a:cxnSpLocks/>
+            </p:cNvCxnSpPr>
+            <p:nvPr/>
+          </p:nvCxnSpPr>
+          <p:spPr>
+            <a:xfrm>
+              <a:off x="3584953" y="2300557"/>
+              <a:ext cx="1873999" cy="1371025"/>
+            </a:xfrm>
+            <a:prstGeom prst="straightConnector1">
+              <a:avLst/>
+            </a:prstGeom>
+            <a:ln>
+              <a:solidFill>
+                <a:schemeClr val="tx2"/>
+              </a:solidFill>
+              <a:headEnd type="none" w="med" len="med"/>
+              <a:tailEnd type="arrow" w="med" len="med"/>
+            </a:ln>
+          </p:spPr>
+          <p:style>
+            <a:lnRef idx="3">
+              <a:schemeClr val="accent2"/>
+            </a:lnRef>
+            <a:fillRef idx="0">
+              <a:schemeClr val="accent2"/>
+            </a:fillRef>
+            <a:effectRef idx="2">
+              <a:schemeClr val="accent2"/>
+            </a:effectRef>
+            <a:fontRef idx="minor">
+              <a:schemeClr val="tx1"/>
+            </a:fontRef>
+          </p:style>
+        </p:cxnSp>
+        <p:sp>
+          <p:nvSpPr>
+            <p:cNvPr id="60" name="テキスト ボックス 59">
+              <a:extLst>
+                <a:ext uri="{FF2B5EF4-FFF2-40B4-BE49-F238E27FC236}">
+                  <a16:creationId xmlns:a16="http://schemas.microsoft.com/office/drawing/2014/main" id="{934F5836-EB02-46FF-BEAF-AC4BA1186835}"/>
+                </a:ext>
+              </a:extLst>
+            </p:cNvPr>
+            <p:cNvSpPr txBox="1"/>
+            <p:nvPr/>
+          </p:nvSpPr>
+          <p:spPr>
+            <a:xfrm>
+              <a:off x="1935245" y="1769453"/>
+              <a:ext cx="721672" cy="369332"/>
+            </a:xfrm>
+            <a:prstGeom prst="rect">
+              <a:avLst/>
+            </a:prstGeom>
+            <a:noFill/>
+          </p:spPr>
+          <p:txBody>
+            <a:bodyPr wrap="none" rtlCol="0">
+              <a:spAutoFit/>
+            </a:bodyPr>
+            <a:lstStyle/>
+            <a:p>
+              <a:r>
+                <a:rPr lang="en-US" altLang="ja-JP" dirty="0"/>
+                <a:t>CI/CD</a:t>
+              </a:r>
+              <a:endParaRPr lang="ja-JP" altLang="en-US" dirty="0"/>
+            </a:p>
+          </p:txBody>
+        </p:sp>
+        <p:sp>
+          <p:nvSpPr>
+            <p:cNvPr id="61" name="テキスト ボックス 60">
+              <a:extLst>
+                <a:ext uri="{FF2B5EF4-FFF2-40B4-BE49-F238E27FC236}">
+                  <a16:creationId xmlns:a16="http://schemas.microsoft.com/office/drawing/2014/main" id="{2B443C93-76DE-478D-811C-8527803D2DB6}"/>
+                </a:ext>
+              </a:extLst>
+            </p:cNvPr>
+            <p:cNvSpPr txBox="1"/>
+            <p:nvPr/>
+          </p:nvSpPr>
+          <p:spPr>
+            <a:xfrm>
+              <a:off x="2096448" y="2801404"/>
+              <a:ext cx="825867" cy="369332"/>
+            </a:xfrm>
+            <a:prstGeom prst="rect">
+              <a:avLst/>
+            </a:prstGeom>
+            <a:noFill/>
+          </p:spPr>
+          <p:txBody>
+            <a:bodyPr wrap="none" rtlCol="0">
+              <a:spAutoFit/>
+            </a:bodyPr>
+            <a:lstStyle/>
+            <a:p>
+              <a:r>
+                <a:rPr lang="en-US" altLang="ja-JP" dirty="0"/>
+                <a:t>git pull</a:t>
+              </a:r>
+              <a:endParaRPr lang="ja-JP" altLang="en-US" dirty="0"/>
+            </a:p>
+          </p:txBody>
+        </p:sp>
+        <p:sp>
+          <p:nvSpPr>
+            <p:cNvPr id="62" name="テキスト ボックス 61">
+              <a:extLst>
+                <a:ext uri="{FF2B5EF4-FFF2-40B4-BE49-F238E27FC236}">
+                  <a16:creationId xmlns:a16="http://schemas.microsoft.com/office/drawing/2014/main" id="{E451C1BA-EBC1-48DA-990B-0A2E9E5600A1}"/>
+                </a:ext>
+              </a:extLst>
+            </p:cNvPr>
+            <p:cNvSpPr txBox="1"/>
+            <p:nvPr/>
+          </p:nvSpPr>
+          <p:spPr>
+            <a:xfrm>
+              <a:off x="4240213" y="2406939"/>
+              <a:ext cx="1234697" cy="369332"/>
+            </a:xfrm>
+            <a:prstGeom prst="rect">
+              <a:avLst/>
+            </a:prstGeom>
+            <a:noFill/>
+          </p:spPr>
+          <p:txBody>
+            <a:bodyPr wrap="none" rtlCol="0">
+              <a:spAutoFit/>
+            </a:bodyPr>
+            <a:lstStyle/>
+            <a:p>
+              <a:r>
+                <a:rPr lang="en-US" altLang="ja-JP" dirty="0" err="1"/>
+                <a:t>nuget</a:t>
+              </a:r>
+              <a:r>
+                <a:rPr lang="en-US" altLang="ja-JP" dirty="0"/>
+                <a:t> push</a:t>
+              </a:r>
+              <a:endParaRPr lang="ja-JP" altLang="en-US" dirty="0"/>
+            </a:p>
+          </p:txBody>
+        </p:sp>
+        <p:sp>
+          <p:nvSpPr>
+            <p:cNvPr id="63" name="テキスト ボックス 62">
+              <a:extLst>
+                <a:ext uri="{FF2B5EF4-FFF2-40B4-BE49-F238E27FC236}">
+                  <a16:creationId xmlns:a16="http://schemas.microsoft.com/office/drawing/2014/main" id="{5412F809-F893-40F4-A7BA-766FA8EC1971}"/>
+                </a:ext>
+              </a:extLst>
+            </p:cNvPr>
+            <p:cNvSpPr txBox="1"/>
+            <p:nvPr/>
+          </p:nvSpPr>
+          <p:spPr>
+            <a:xfrm>
+              <a:off x="4240213" y="5194175"/>
+              <a:ext cx="1234697" cy="369332"/>
+            </a:xfrm>
+            <a:prstGeom prst="rect">
+              <a:avLst/>
+            </a:prstGeom>
+            <a:noFill/>
+          </p:spPr>
+          <p:txBody>
+            <a:bodyPr wrap="none" rtlCol="0">
+              <a:spAutoFit/>
+            </a:bodyPr>
+            <a:lstStyle/>
+            <a:p>
+              <a:r>
+                <a:rPr lang="en-US" altLang="ja-JP" dirty="0" err="1"/>
+                <a:t>nuget</a:t>
+              </a:r>
+              <a:r>
+                <a:rPr lang="en-US" altLang="ja-JP" dirty="0"/>
+                <a:t> push</a:t>
+              </a:r>
+              <a:endParaRPr lang="ja-JP" altLang="en-US" dirty="0"/>
+            </a:p>
+          </p:txBody>
+        </p:sp>
+        <p:sp>
+          <p:nvSpPr>
+            <p:cNvPr id="64" name="テキスト ボックス 63">
+              <a:extLst>
+                <a:ext uri="{FF2B5EF4-FFF2-40B4-BE49-F238E27FC236}">
+                  <a16:creationId xmlns:a16="http://schemas.microsoft.com/office/drawing/2014/main" id="{01565627-E489-411F-9FB5-9978E1C825FD}"/>
+                </a:ext>
+              </a:extLst>
+            </p:cNvPr>
+            <p:cNvSpPr txBox="1"/>
+            <p:nvPr/>
+          </p:nvSpPr>
+          <p:spPr>
+            <a:xfrm>
+              <a:off x="6625250" y="2394803"/>
+              <a:ext cx="1448282" cy="369332"/>
+            </a:xfrm>
+            <a:prstGeom prst="rect">
+              <a:avLst/>
+            </a:prstGeom>
+            <a:noFill/>
+          </p:spPr>
+          <p:txBody>
+            <a:bodyPr wrap="none" rtlCol="0">
+              <a:spAutoFit/>
+            </a:bodyPr>
+            <a:lstStyle/>
+            <a:p>
+              <a:r>
+                <a:rPr lang="en-US" altLang="ja-JP" dirty="0" err="1"/>
+                <a:t>nuget</a:t>
+              </a:r>
+              <a:r>
+                <a:rPr lang="en-US" altLang="ja-JP" dirty="0"/>
+                <a:t> restore</a:t>
+              </a:r>
+              <a:endParaRPr lang="ja-JP" altLang="en-US" dirty="0"/>
+            </a:p>
+          </p:txBody>
+        </p:sp>
+        <p:sp>
+          <p:nvSpPr>
+            <p:cNvPr id="65" name="テキスト ボックス 64">
+              <a:extLst>
+                <a:ext uri="{FF2B5EF4-FFF2-40B4-BE49-F238E27FC236}">
+                  <a16:creationId xmlns:a16="http://schemas.microsoft.com/office/drawing/2014/main" id="{54BF5101-36E2-4270-A970-56A0DDC63468}"/>
+                </a:ext>
+              </a:extLst>
+            </p:cNvPr>
+            <p:cNvSpPr txBox="1"/>
+            <p:nvPr/>
+          </p:nvSpPr>
+          <p:spPr>
+            <a:xfrm>
+              <a:off x="6614140" y="5382524"/>
+              <a:ext cx="1448282" cy="369332"/>
+            </a:xfrm>
+            <a:prstGeom prst="rect">
+              <a:avLst/>
+            </a:prstGeom>
+            <a:noFill/>
+          </p:spPr>
+          <p:txBody>
+            <a:bodyPr wrap="none" rtlCol="0">
+              <a:spAutoFit/>
+            </a:bodyPr>
+            <a:lstStyle/>
+            <a:p>
+              <a:r>
+                <a:rPr lang="en-US" altLang="ja-JP" dirty="0" err="1"/>
+                <a:t>nuget</a:t>
+              </a:r>
+              <a:r>
+                <a:rPr lang="en-US" altLang="ja-JP" dirty="0"/>
+                <a:t> restore</a:t>
+              </a:r>
+              <a:endParaRPr lang="ja-JP" altLang="en-US" dirty="0"/>
+            </a:p>
+          </p:txBody>
+        </p:sp>
+        <p:sp>
+          <p:nvSpPr>
+            <p:cNvPr id="67" name="テキスト ボックス 66">
+              <a:extLst>
+                <a:ext uri="{FF2B5EF4-FFF2-40B4-BE49-F238E27FC236}">
+                  <a16:creationId xmlns:a16="http://schemas.microsoft.com/office/drawing/2014/main" id="{34843F0E-C95B-4264-AB20-4991C73D6F0A}"/>
+                </a:ext>
+              </a:extLst>
+            </p:cNvPr>
+            <p:cNvSpPr txBox="1"/>
+            <p:nvPr/>
+          </p:nvSpPr>
+          <p:spPr>
+            <a:xfrm>
+              <a:off x="8938237" y="4784579"/>
+              <a:ext cx="918841" cy="369332"/>
+            </a:xfrm>
+            <a:prstGeom prst="rect">
+              <a:avLst/>
+            </a:prstGeom>
+            <a:noFill/>
+          </p:spPr>
+          <p:txBody>
+            <a:bodyPr wrap="none" rtlCol="0">
+              <a:spAutoFit/>
+            </a:bodyPr>
+            <a:lstStyle/>
+            <a:p>
+              <a:r>
+                <a:rPr lang="en-US" altLang="ja-JP" dirty="0"/>
+                <a:t>git </a:t>
+              </a:r>
+              <a:r>
+                <a:rPr lang="en-US" altLang="ja-JP" dirty="0" err="1"/>
+                <a:t>puth</a:t>
+              </a:r>
+              <a:endParaRPr lang="ja-JP" altLang="en-US" dirty="0"/>
+            </a:p>
+          </p:txBody>
+        </p:sp>
+        <p:sp>
+          <p:nvSpPr>
+            <p:cNvPr id="68" name="テキスト ボックス 67">
+              <a:extLst>
+                <a:ext uri="{FF2B5EF4-FFF2-40B4-BE49-F238E27FC236}">
+                  <a16:creationId xmlns:a16="http://schemas.microsoft.com/office/drawing/2014/main" id="{725F2EF6-97AC-4CAD-95C1-533805C7BD98}"/>
+                </a:ext>
+              </a:extLst>
+            </p:cNvPr>
+            <p:cNvSpPr txBox="1"/>
+            <p:nvPr/>
+          </p:nvSpPr>
+          <p:spPr>
+            <a:xfrm>
+              <a:off x="8984723" y="2721579"/>
+              <a:ext cx="825867" cy="369332"/>
+            </a:xfrm>
+            <a:prstGeom prst="rect">
+              <a:avLst/>
+            </a:prstGeom>
+            <a:noFill/>
+          </p:spPr>
+          <p:txBody>
+            <a:bodyPr wrap="none" rtlCol="0">
+              <a:spAutoFit/>
+            </a:bodyPr>
+            <a:lstStyle/>
+            <a:p>
+              <a:r>
+                <a:rPr lang="en-US" altLang="ja-JP" dirty="0"/>
+                <a:t>git pull</a:t>
+              </a:r>
+              <a:endParaRPr lang="ja-JP" altLang="en-US" dirty="0"/>
+            </a:p>
+          </p:txBody>
+        </p:sp>
+        <p:sp>
+          <p:nvSpPr>
+            <p:cNvPr id="69" name="テキスト ボックス 68">
+              <a:extLst>
+                <a:ext uri="{FF2B5EF4-FFF2-40B4-BE49-F238E27FC236}">
+                  <a16:creationId xmlns:a16="http://schemas.microsoft.com/office/drawing/2014/main" id="{1678DD19-BB36-4446-B149-EE461607F63B}"/>
+                </a:ext>
+              </a:extLst>
+            </p:cNvPr>
+            <p:cNvSpPr txBox="1"/>
+            <p:nvPr/>
+          </p:nvSpPr>
+          <p:spPr>
+            <a:xfrm>
+              <a:off x="9397656" y="3786392"/>
+              <a:ext cx="664734" cy="369332"/>
+            </a:xfrm>
+            <a:prstGeom prst="rect">
+              <a:avLst/>
+            </a:prstGeom>
+            <a:noFill/>
+          </p:spPr>
+          <p:txBody>
+            <a:bodyPr wrap="none" rtlCol="0">
+              <a:spAutoFit/>
+            </a:bodyPr>
+            <a:lstStyle/>
+            <a:p>
+              <a:r>
+                <a:rPr lang="en-US" altLang="ja-JP" dirty="0"/>
+                <a:t>Repo</a:t>
+              </a:r>
+              <a:endParaRPr lang="ja-JP" altLang="en-US" dirty="0"/>
+            </a:p>
+          </p:txBody>
+        </p:sp>
+        <p:pic>
+          <p:nvPicPr>
+            <p:cNvPr id="71" name="図 70">
+              <a:extLst>
+                <a:ext uri="{FF2B5EF4-FFF2-40B4-BE49-F238E27FC236}">
+                  <a16:creationId xmlns:a16="http://schemas.microsoft.com/office/drawing/2014/main" id="{5A332AB8-A96E-4DEF-B52A-4EFD90EBB0BB}"/>
+                </a:ext>
+              </a:extLst>
+            </p:cNvPr>
+            <p:cNvPicPr>
+              <a:picLocks noChangeAspect="1"/>
+            </p:cNvPicPr>
+            <p:nvPr/>
+          </p:nvPicPr>
+          <p:blipFill>
+            <a:blip r:embed="rId10" cstate="screen">
+              <a:extLst>
+                <a:ext uri="{28A0092B-C50C-407E-A947-70E740481C1C}">
+                  <a14:useLocalDpi xmlns:a14="http://schemas.microsoft.com/office/drawing/2010/main"/>
+                </a:ext>
+              </a:extLst>
+            </a:blip>
+            <a:stretch>
+              <a:fillRect/>
+            </a:stretch>
+          </p:blipFill>
+          <p:spPr>
+            <a:xfrm>
+              <a:off x="61421" y="581976"/>
+              <a:ext cx="842477" cy="842477"/>
+            </a:xfrm>
+            <a:prstGeom prst="rect">
+              <a:avLst/>
+            </a:prstGeom>
+          </p:spPr>
+        </p:pic>
+        <p:cxnSp>
+          <p:nvCxnSpPr>
+            <p:cNvPr id="73" name="コネクタ: カギ線 72">
+              <a:extLst>
+                <a:ext uri="{FF2B5EF4-FFF2-40B4-BE49-F238E27FC236}">
+                  <a16:creationId xmlns:a16="http://schemas.microsoft.com/office/drawing/2014/main" id="{F199D57E-914A-49F4-82A7-429CC0653EEE}"/>
+                </a:ext>
+              </a:extLst>
+            </p:cNvPr>
+            <p:cNvCxnSpPr>
+              <a:cxnSpLocks/>
+            </p:cNvCxnSpPr>
+            <p:nvPr/>
+          </p:nvCxnSpPr>
+          <p:spPr>
+            <a:xfrm rot="16200000" flipH="1">
+              <a:off x="-569408" y="2829913"/>
+              <a:ext cx="4425902" cy="2014604"/>
+            </a:xfrm>
+            <a:prstGeom prst="bentConnector2">
+              <a:avLst/>
+            </a:prstGeom>
+            <a:ln>
+              <a:solidFill>
+                <a:schemeClr val="tx2"/>
+              </a:solidFill>
+              <a:headEnd type="none" w="med" len="med"/>
+              <a:tailEnd type="arrow" w="med" len="med"/>
+            </a:ln>
+          </p:spPr>
+          <p:style>
+            <a:lnRef idx="3">
+              <a:schemeClr val="accent2"/>
+            </a:lnRef>
+            <a:fillRef idx="0">
+              <a:schemeClr val="accent2"/>
+            </a:fillRef>
+            <a:effectRef idx="2">
+              <a:schemeClr val="accent2"/>
+            </a:effectRef>
+            <a:fontRef idx="minor">
+              <a:schemeClr val="tx1"/>
+            </a:fontRef>
+          </p:style>
+        </p:cxnSp>
+        <p:sp>
+          <p:nvSpPr>
+            <p:cNvPr id="76" name="テキスト ボックス 75">
+              <a:extLst>
+                <a:ext uri="{FF2B5EF4-FFF2-40B4-BE49-F238E27FC236}">
+                  <a16:creationId xmlns:a16="http://schemas.microsoft.com/office/drawing/2014/main" id="{3384B7F8-90E9-4614-8F30-60AFBABB021D}"/>
+                </a:ext>
+              </a:extLst>
+            </p:cNvPr>
+            <p:cNvSpPr txBox="1"/>
+            <p:nvPr/>
+          </p:nvSpPr>
+          <p:spPr>
+            <a:xfrm>
+              <a:off x="171649" y="6037392"/>
+              <a:ext cx="1448282" cy="369332"/>
+            </a:xfrm>
+            <a:prstGeom prst="rect">
+              <a:avLst/>
+            </a:prstGeom>
+            <a:noFill/>
+          </p:spPr>
+          <p:txBody>
+            <a:bodyPr wrap="none" rtlCol="0">
+              <a:spAutoFit/>
+            </a:bodyPr>
+            <a:lstStyle/>
+            <a:p>
+              <a:r>
+                <a:rPr lang="en-US" altLang="ja-JP" dirty="0" err="1"/>
+                <a:t>nuget</a:t>
+              </a:r>
+              <a:r>
+                <a:rPr lang="en-US" altLang="ja-JP" dirty="0"/>
+                <a:t> restore</a:t>
+              </a:r>
+              <a:endParaRPr lang="ja-JP" altLang="en-US" dirty="0"/>
+            </a:p>
+          </p:txBody>
+        </p:sp>
+        <p:cxnSp>
+          <p:nvCxnSpPr>
+            <p:cNvPr id="77" name="コネクタ: カギ線 76">
+              <a:extLst>
+                <a:ext uri="{FF2B5EF4-FFF2-40B4-BE49-F238E27FC236}">
+                  <a16:creationId xmlns:a16="http://schemas.microsoft.com/office/drawing/2014/main" id="{A6A83A2F-6369-43AB-811E-74ADD83C0DD2}"/>
+                </a:ext>
+              </a:extLst>
+            </p:cNvPr>
+            <p:cNvCxnSpPr>
+              <a:cxnSpLocks/>
+            </p:cNvCxnSpPr>
+            <p:nvPr/>
+          </p:nvCxnSpPr>
+          <p:spPr>
+            <a:xfrm>
+              <a:off x="1007835" y="922701"/>
+              <a:ext cx="5101368" cy="2631033"/>
+            </a:xfrm>
+            <a:prstGeom prst="bentConnector2">
+              <a:avLst/>
+            </a:prstGeom>
+            <a:ln>
+              <a:solidFill>
+                <a:schemeClr val="tx2"/>
+              </a:solidFill>
+              <a:headEnd type="none" w="med" len="med"/>
+              <a:tailEnd type="arrow" w="med" len="med"/>
+            </a:ln>
+          </p:spPr>
+          <p:style>
+            <a:lnRef idx="3">
+              <a:schemeClr val="accent2"/>
+            </a:lnRef>
+            <a:fillRef idx="0">
+              <a:schemeClr val="accent2"/>
+            </a:fillRef>
+            <a:effectRef idx="2">
+              <a:schemeClr val="accent2"/>
+            </a:effectRef>
+            <a:fontRef idx="minor">
+              <a:schemeClr val="tx1"/>
+            </a:fontRef>
+          </p:style>
+        </p:cxnSp>
+        <p:sp>
+          <p:nvSpPr>
+            <p:cNvPr id="80" name="テキスト ボックス 79">
+              <a:extLst>
+                <a:ext uri="{FF2B5EF4-FFF2-40B4-BE49-F238E27FC236}">
+                  <a16:creationId xmlns:a16="http://schemas.microsoft.com/office/drawing/2014/main" id="{DE8C0430-4805-49EB-8D20-E97A473EF0A8}"/>
+                </a:ext>
+              </a:extLst>
+            </p:cNvPr>
+            <p:cNvSpPr txBox="1"/>
+            <p:nvPr/>
+          </p:nvSpPr>
+          <p:spPr>
+            <a:xfrm>
+              <a:off x="919402" y="553369"/>
+              <a:ext cx="1157368" cy="369332"/>
+            </a:xfrm>
+            <a:prstGeom prst="rect">
+              <a:avLst/>
+            </a:prstGeom>
+            <a:noFill/>
+          </p:spPr>
+          <p:txBody>
+            <a:bodyPr wrap="none" rtlCol="0">
+              <a:spAutoFit/>
+            </a:bodyPr>
+            <a:lstStyle/>
+            <a:p>
+              <a:r>
+                <a:rPr lang="en-US" altLang="ja-JP" dirty="0"/>
+                <a:t>Upstream </a:t>
+              </a:r>
+              <a:endParaRPr lang="ja-JP" altLang="en-US" dirty="0"/>
+            </a:p>
+          </p:txBody>
+        </p:sp>
+        <p:sp>
+          <p:nvSpPr>
+            <p:cNvPr id="82" name="正方形/長方形 81">
+              <a:extLst>
+                <a:ext uri="{FF2B5EF4-FFF2-40B4-BE49-F238E27FC236}">
+                  <a16:creationId xmlns:a16="http://schemas.microsoft.com/office/drawing/2014/main" id="{F8114A35-39BC-4040-90C9-C5ED114865FE}"/>
+                </a:ext>
+              </a:extLst>
+            </p:cNvPr>
+            <p:cNvSpPr/>
+            <p:nvPr/>
+          </p:nvSpPr>
+          <p:spPr>
+            <a:xfrm>
+              <a:off x="1701213" y="1374475"/>
+              <a:ext cx="4279768" cy="5181600"/>
+            </a:xfrm>
+            <a:prstGeom prst="rect">
+              <a:avLst/>
+            </a:prstGeom>
+            <a:noFill/>
+            <a:ln w="28575">
+              <a:prstDash val="dash"/>
+            </a:ln>
+          </p:spPr>
+          <p:style>
+            <a:lnRef idx="2">
+              <a:schemeClr val="accent2"/>
+            </a:lnRef>
+            <a:fillRef idx="1">
+              <a:schemeClr val="lt1"/>
+            </a:fillRef>
+            <a:effectRef idx="0">
+              <a:schemeClr val="accent2"/>
+            </a:effectRef>
+            <a:fontRef idx="minor">
+              <a:schemeClr val="dk1"/>
+            </a:fontRef>
+          </p:style>
+          <p:txBody>
+            <a:bodyPr rtlCol="0" anchor="b"/>
+            <a:lstStyle/>
+            <a:p>
+              <a:pPr algn="r"/>
+              <a:r>
+                <a:rPr kumimoji="1" lang="ja-JP" altLang="en-US" dirty="0"/>
+                <a:t>パッケージ開発</a:t>
+              </a:r>
+              <a:endParaRPr kumimoji="1" lang="en-US" altLang="ja-JP" dirty="0"/>
+            </a:p>
+          </p:txBody>
+        </p:sp>
+        <p:sp>
+          <p:nvSpPr>
+            <p:cNvPr id="83" name="正方形/長方形 82">
+              <a:extLst>
+                <a:ext uri="{FF2B5EF4-FFF2-40B4-BE49-F238E27FC236}">
+                  <a16:creationId xmlns:a16="http://schemas.microsoft.com/office/drawing/2014/main" id="{AB472FEB-CA14-41F6-948F-0A99612D06EA}"/>
+                </a:ext>
+              </a:extLst>
+            </p:cNvPr>
+            <p:cNvSpPr/>
+            <p:nvPr/>
+          </p:nvSpPr>
+          <p:spPr>
+            <a:xfrm>
+              <a:off x="6233542" y="1372494"/>
+              <a:ext cx="5843438" cy="5181600"/>
+            </a:xfrm>
+            <a:prstGeom prst="rect">
+              <a:avLst/>
+            </a:prstGeom>
+            <a:noFill/>
+            <a:ln w="28575">
+              <a:prstDash val="dash"/>
+            </a:ln>
+          </p:spPr>
+          <p:style>
+            <a:lnRef idx="2">
+              <a:schemeClr val="accent2"/>
+            </a:lnRef>
+            <a:fillRef idx="1">
+              <a:schemeClr val="lt1"/>
+            </a:fillRef>
+            <a:effectRef idx="0">
+              <a:schemeClr val="accent2"/>
+            </a:effectRef>
+            <a:fontRef idx="minor">
+              <a:schemeClr val="dk1"/>
+            </a:fontRef>
+          </p:style>
+          <p:txBody>
+            <a:bodyPr rtlCol="0" anchor="b"/>
+            <a:lstStyle/>
+            <a:p>
+              <a:pPr algn="r"/>
+              <a:r>
+                <a:rPr kumimoji="1" lang="ja-JP" altLang="en-US" dirty="0"/>
+                <a:t>アプリ開発</a:t>
+              </a:r>
+              <a:endParaRPr kumimoji="1" lang="en-US" altLang="ja-JP" dirty="0"/>
+            </a:p>
+          </p:txBody>
+        </p:sp>
+      </p:grpSp>
+      <p:sp>
+        <p:nvSpPr>
+          <p:cNvPr id="3" name="楕円 2">
+            <a:extLst>
+              <a:ext uri="{FF2B5EF4-FFF2-40B4-BE49-F238E27FC236}">
+                <a16:creationId xmlns:a16="http://schemas.microsoft.com/office/drawing/2014/main" id="{D0495FB2-C20D-4F76-AF7C-D077E1D5452B}"/>
+              </a:ext>
+            </a:extLst>
+          </p:cNvPr>
+          <p:cNvSpPr/>
+          <p:nvPr/>
+        </p:nvSpPr>
+        <p:spPr>
+          <a:xfrm>
+            <a:off x="2649819" y="4005508"/>
+            <a:ext cx="6954611" cy="3214963"/>
+          </a:xfrm>
+          <a:prstGeom prst="ellipse">
+            <a:avLst/>
+          </a:prstGeom>
+          <a:solidFill>
+            <a:srgbClr val="FFFF00">
+              <a:alpha val="45882"/>
+            </a:srgbClr>
+          </a:solidFill>
+          <a:ln>
+            <a:solidFill>
+              <a:srgbClr val="FFFF00"/>
+            </a:solidFill>
+          </a:ln>
+        </p:spPr>
+        <p:style>
+          <a:lnRef idx="2">
+            <a:schemeClr val="accent1">
+              <a:shade val="50000"/>
+            </a:schemeClr>
+          </a:lnRef>
+          <a:fillRef idx="1">
+            <a:schemeClr val="accent1"/>
+          </a:fillRef>
+          <a:effectRef idx="0">
+            <a:schemeClr val="accent1"/>
+          </a:effectRef>
+          <a:fontRef idx="minor">
+            <a:schemeClr val="lt1"/>
+          </a:fontRef>
+        </p:style>
+        <p:txBody>
+          <a:bodyPr rtlCol="0" anchor="ctr"/>
+          <a:lstStyle/>
+          <a:p>
+            <a:pPr algn="ctr"/>
+            <a:r>
+              <a:rPr kumimoji="1" lang="en-US" altLang="ja-JP" sz="4000" b="1" dirty="0">
+                <a:solidFill>
+                  <a:schemeClr val="tx1"/>
+                </a:solidFill>
+                <a:effectLst>
+                  <a:outerShdw blurRad="38100" dist="38100" dir="2700000" algn="tl">
+                    <a:srgbClr val="000000">
+                      <a:alpha val="43137"/>
+                    </a:srgbClr>
+                  </a:outerShdw>
+                </a:effectLst>
+              </a:rPr>
+              <a:t>DONE</a:t>
+            </a:r>
+            <a:endParaRPr kumimoji="1" lang="ja-JP" altLang="en-US" sz="4000" b="1" dirty="0">
+              <a:solidFill>
+                <a:schemeClr val="tx1"/>
+              </a:solidFill>
+              <a:effectLst>
+                <a:outerShdw blurRad="38100" dist="38100" dir="2700000" algn="tl">
+                  <a:srgbClr val="000000">
+                    <a:alpha val="43137"/>
+                  </a:srgbClr>
+                </a:outerShdw>
+              </a:effectLst>
+            </a:endParaRPr>
+          </a:p>
+        </p:txBody>
+      </p:sp>
+    </p:spTree>
+    <p:extLst>
+      <p:ext uri="{BB962C8B-B14F-4D97-AF65-F5344CB8AC3E}">
+        <p14:creationId xmlns:p14="http://schemas.microsoft.com/office/powerpoint/2010/main" val="3288014298"/>
+      </p:ext>
+    </p:extLst>
+  </p:cSld>
+  <p:clrMapOvr>
+    <a:masterClrMapping/>
+  </p:clrMapOvr>
+</p:sld>
+</file>
+
+<file path=ppt/slides/slide9.xml><?xml version="1.0" encoding="utf-8"?>
+<p:sld xmlns:a="http://schemas.openxmlformats.org/drawingml/2006/main" xmlns:r="http://schemas.openxmlformats.org/officeDocument/2006/relationships" xmlns:p="http://schemas.openxmlformats.org/presentationml/2006/main">
+  <p:cSld>
+    <p:spTree>
+      <p:nvGrpSpPr>
+        <p:cNvPr id="1" name=""/>
+        <p:cNvGrpSpPr/>
+        <p:nvPr/>
+      </p:nvGrpSpPr>
+      <p:grpSpPr>
+        <a:xfrm>
+          <a:off x="0" y="0"/>
+          <a:ext cx="0" cy="0"/>
+          <a:chOff x="0" y="0"/>
+          <a:chExt cx="0" cy="0"/>
+        </a:xfrm>
+      </p:grpSpPr>
+    </p:spTree>
+    <p:extLst>
+      <p:ext uri="{BB962C8B-B14F-4D97-AF65-F5344CB8AC3E}">
+        <p14:creationId xmlns:p14="http://schemas.microsoft.com/office/powerpoint/2010/main" val="106354879"/>
       </p:ext>
     </p:extLst>
   </p:cSld>

--- a/package-management-with-azure-artifacts/images/figures.pptx
+++ b/package-management-with-azure-artifacts/images/figures.pptx
@@ -5,20 +5,25 @@
     <p:sldMasterId id="2147483672" r:id="rId1"/>
   </p:sldMasterIdLst>
   <p:notesMasterIdLst>
-    <p:notesMasterId r:id="rId13"/>
+    <p:notesMasterId r:id="rId18"/>
   </p:notesMasterIdLst>
   <p:sldIdLst>
-    <p:sldId id="256" r:id="rId2"/>
-    <p:sldId id="258" r:id="rId3"/>
-    <p:sldId id="260" r:id="rId4"/>
-    <p:sldId id="261" r:id="rId5"/>
-    <p:sldId id="262" r:id="rId6"/>
-    <p:sldId id="263" r:id="rId7"/>
-    <p:sldId id="264" r:id="rId8"/>
-    <p:sldId id="266" r:id="rId9"/>
-    <p:sldId id="265" r:id="rId10"/>
-    <p:sldId id="257" r:id="rId11"/>
-    <p:sldId id="259" r:id="rId12"/>
+    <p:sldId id="267" r:id="rId2"/>
+    <p:sldId id="256" r:id="rId3"/>
+    <p:sldId id="268" r:id="rId4"/>
+    <p:sldId id="258" r:id="rId5"/>
+    <p:sldId id="260" r:id="rId6"/>
+    <p:sldId id="261" r:id="rId7"/>
+    <p:sldId id="269" r:id="rId8"/>
+    <p:sldId id="262" r:id="rId9"/>
+    <p:sldId id="263" r:id="rId10"/>
+    <p:sldId id="266" r:id="rId11"/>
+    <p:sldId id="270" r:id="rId12"/>
+    <p:sldId id="271" r:id="rId13"/>
+    <p:sldId id="272" r:id="rId14"/>
+    <p:sldId id="257" r:id="rId15"/>
+    <p:sldId id="259" r:id="rId16"/>
+    <p:sldId id="273" r:id="rId17"/>
   </p:sldIdLst>
   <p:sldSz cx="12192000" cy="6858000"/>
   <p:notesSz cx="6858000" cy="9144000"/>
@@ -207,7 +212,7 @@
           <a:p>
             <a:fld id="{6381530B-0500-41DE-BD93-13268011408D}" type="datetimeFigureOut">
               <a:rPr kumimoji="1" lang="ja-JP" altLang="en-US" smtClean="0"/>
-              <a:t>2019/5/15</a:t>
+              <a:t>2019/5/17</a:t>
             </a:fld>
             <a:endParaRPr kumimoji="1" lang="ja-JP" altLang="en-US"/>
           </a:p>
@@ -637,7 +642,7 @@
           <a:p>
             <a:fld id="{6F131D96-864F-4F59-B74D-87FDD9254C75}" type="datetimeFigureOut">
               <a:rPr kumimoji="1" lang="ja-JP" altLang="en-US" smtClean="0"/>
-              <a:t>2019/5/15</a:t>
+              <a:t>2019/5/17</a:t>
             </a:fld>
             <a:endParaRPr kumimoji="1" lang="ja-JP" altLang="en-US"/>
           </a:p>
@@ -839,7 +844,7 @@
           <a:p>
             <a:fld id="{6F131D96-864F-4F59-B74D-87FDD9254C75}" type="datetimeFigureOut">
               <a:rPr kumimoji="1" lang="ja-JP" altLang="en-US" smtClean="0"/>
-              <a:t>2019/5/15</a:t>
+              <a:t>2019/5/17</a:t>
             </a:fld>
             <a:endParaRPr kumimoji="1" lang="ja-JP" altLang="en-US"/>
           </a:p>
@@ -1051,7 +1056,7 @@
           <a:p>
             <a:fld id="{6F131D96-864F-4F59-B74D-87FDD9254C75}" type="datetimeFigureOut">
               <a:rPr kumimoji="1" lang="ja-JP" altLang="en-US" smtClean="0"/>
-              <a:t>2019/5/15</a:t>
+              <a:t>2019/5/17</a:t>
             </a:fld>
             <a:endParaRPr kumimoji="1" lang="ja-JP" altLang="en-US"/>
           </a:p>
@@ -1253,7 +1258,7 @@
           <a:p>
             <a:fld id="{6F131D96-864F-4F59-B74D-87FDD9254C75}" type="datetimeFigureOut">
               <a:rPr kumimoji="1" lang="ja-JP" altLang="en-US" smtClean="0"/>
-              <a:t>2019/5/15</a:t>
+              <a:t>2019/5/17</a:t>
             </a:fld>
             <a:endParaRPr kumimoji="1" lang="ja-JP" altLang="en-US"/>
           </a:p>
@@ -1499,7 +1504,7 @@
           <a:p>
             <a:fld id="{6F131D96-864F-4F59-B74D-87FDD9254C75}" type="datetimeFigureOut">
               <a:rPr kumimoji="1" lang="ja-JP" altLang="en-US" smtClean="0"/>
-              <a:t>2019/5/15</a:t>
+              <a:t>2019/5/17</a:t>
             </a:fld>
             <a:endParaRPr kumimoji="1" lang="ja-JP" altLang="en-US"/>
           </a:p>
@@ -1795,7 +1800,7 @@
           <a:p>
             <a:fld id="{6F131D96-864F-4F59-B74D-87FDD9254C75}" type="datetimeFigureOut">
               <a:rPr kumimoji="1" lang="ja-JP" altLang="en-US" smtClean="0"/>
-              <a:t>2019/5/15</a:t>
+              <a:t>2019/5/17</a:t>
             </a:fld>
             <a:endParaRPr kumimoji="1" lang="ja-JP" altLang="en-US"/>
           </a:p>
@@ -2226,7 +2231,7 @@
           <a:p>
             <a:fld id="{6F131D96-864F-4F59-B74D-87FDD9254C75}" type="datetimeFigureOut">
               <a:rPr kumimoji="1" lang="ja-JP" altLang="en-US" smtClean="0"/>
-              <a:t>2019/5/15</a:t>
+              <a:t>2019/5/17</a:t>
             </a:fld>
             <a:endParaRPr kumimoji="1" lang="ja-JP" altLang="en-US"/>
           </a:p>
@@ -2344,7 +2349,7 @@
           <a:p>
             <a:fld id="{6F131D96-864F-4F59-B74D-87FDD9254C75}" type="datetimeFigureOut">
               <a:rPr kumimoji="1" lang="ja-JP" altLang="en-US" smtClean="0"/>
-              <a:t>2019/5/15</a:t>
+              <a:t>2019/5/17</a:t>
             </a:fld>
             <a:endParaRPr kumimoji="1" lang="ja-JP" altLang="en-US"/>
           </a:p>
@@ -2439,7 +2444,7 @@
           <a:p>
             <a:fld id="{6F131D96-864F-4F59-B74D-87FDD9254C75}" type="datetimeFigureOut">
               <a:rPr kumimoji="1" lang="ja-JP" altLang="en-US" smtClean="0"/>
-              <a:t>2019/5/15</a:t>
+              <a:t>2019/5/17</a:t>
             </a:fld>
             <a:endParaRPr kumimoji="1" lang="ja-JP" altLang="en-US"/>
           </a:p>
@@ -2748,7 +2753,7 @@
           <a:p>
             <a:fld id="{6F131D96-864F-4F59-B74D-87FDD9254C75}" type="datetimeFigureOut">
               <a:rPr kumimoji="1" lang="ja-JP" altLang="en-US" smtClean="0"/>
-              <a:t>2019/5/15</a:t>
+              <a:t>2019/5/17</a:t>
             </a:fld>
             <a:endParaRPr kumimoji="1" lang="ja-JP" altLang="en-US"/>
           </a:p>
@@ -3005,7 +3010,7 @@
           <a:p>
             <a:fld id="{6F131D96-864F-4F59-B74D-87FDD9254C75}" type="datetimeFigureOut">
               <a:rPr kumimoji="1" lang="ja-JP" altLang="en-US" smtClean="0"/>
-              <a:t>2019/5/15</a:t>
+              <a:t>2019/5/17</a:t>
             </a:fld>
             <a:endParaRPr kumimoji="1" lang="ja-JP" altLang="en-US"/>
           </a:p>
@@ -3250,7 +3255,7 @@
           <a:p>
             <a:fld id="{6F131D96-864F-4F59-B74D-87FDD9254C75}" type="datetimeFigureOut">
               <a:rPr kumimoji="1" lang="ja-JP" altLang="en-US" smtClean="0"/>
-              <a:t>2019/5/15</a:t>
+              <a:t>2019/5/17</a:t>
             </a:fld>
             <a:endParaRPr kumimoji="1" lang="ja-JP" altLang="en-US"/>
           </a:p>
@@ -3655,6 +3660,90 @@
           <a:chExt cx="0" cy="0"/>
         </a:xfrm>
       </p:grpSpPr>
+      <p:sp>
+        <p:nvSpPr>
+          <p:cNvPr id="2" name="タイトル 1">
+            <a:extLst>
+              <a:ext uri="{FF2B5EF4-FFF2-40B4-BE49-F238E27FC236}">
+                <a16:creationId xmlns:a16="http://schemas.microsoft.com/office/drawing/2014/main" id="{1EE039E6-34D4-4A5E-8109-D6DF99BDD479}"/>
+              </a:ext>
+            </a:extLst>
+          </p:cNvPr>
+          <p:cNvSpPr>
+            <a:spLocks noGrp="1"/>
+          </p:cNvSpPr>
+          <p:nvPr>
+            <p:ph type="ctrTitle"/>
+          </p:nvPr>
+        </p:nvSpPr>
+        <p:spPr/>
+        <p:txBody>
+          <a:bodyPr/>
+          <a:lstStyle/>
+          <a:p>
+            <a:r>
+              <a:rPr kumimoji="1" lang="en-US" altLang="ja-JP" dirty="0"/>
+              <a:t>index</a:t>
+            </a:r>
+            <a:endParaRPr kumimoji="1" lang="ja-JP" altLang="en-US" dirty="0"/>
+          </a:p>
+        </p:txBody>
+      </p:sp>
+      <p:sp>
+        <p:nvSpPr>
+          <p:cNvPr id="3" name="字幕 2">
+            <a:extLst>
+              <a:ext uri="{FF2B5EF4-FFF2-40B4-BE49-F238E27FC236}">
+                <a16:creationId xmlns:a16="http://schemas.microsoft.com/office/drawing/2014/main" id="{65A2B406-F76A-43C7-8A04-FE9784D3D8DE}"/>
+              </a:ext>
+            </a:extLst>
+          </p:cNvPr>
+          <p:cNvSpPr>
+            <a:spLocks noGrp="1"/>
+          </p:cNvSpPr>
+          <p:nvPr>
+            <p:ph type="subTitle" idx="1"/>
+          </p:nvPr>
+        </p:nvSpPr>
+        <p:spPr/>
+        <p:txBody>
+          <a:bodyPr/>
+          <a:lstStyle/>
+          <a:p>
+            <a:endParaRPr kumimoji="1" lang="ja-JP" altLang="en-US"/>
+          </a:p>
+        </p:txBody>
+      </p:sp>
+    </p:spTree>
+    <p:extLst>
+      <p:ext uri="{BB962C8B-B14F-4D97-AF65-F5344CB8AC3E}">
+        <p14:creationId xmlns:p14="http://schemas.microsoft.com/office/powerpoint/2010/main" val="1371670465"/>
+      </p:ext>
+    </p:extLst>
+  </p:cSld>
+  <p:clrMapOvr>
+    <a:masterClrMapping/>
+  </p:clrMapOvr>
+</p:sld>
+</file>
+
+<file path=ppt/slides/slide10.xml><?xml version="1.0" encoding="utf-8"?>
+<p:sld xmlns:a="http://schemas.openxmlformats.org/drawingml/2006/main" xmlns:r="http://schemas.openxmlformats.org/officeDocument/2006/relationships" xmlns:p="http://schemas.openxmlformats.org/presentationml/2006/main">
+  <p:cSld>
+    <p:spTree>
+      <p:nvGrpSpPr>
+        <p:cNvPr id="1" name=""/>
+        <p:cNvGrpSpPr/>
+        <p:nvPr/>
+      </p:nvGrpSpPr>
+      <p:grpSpPr>
+        <a:xfrm>
+          <a:off x="0" y="0"/>
+          <a:ext cx="0" cy="0"/>
+          <a:chOff x="0" y="0"/>
+          <a:chExt cx="0" cy="0"/>
+        </a:xfrm>
+      </p:grpSpPr>
       <p:grpSp>
         <p:nvGrpSpPr>
           <p:cNvPr id="84" name="グループ化 83">
@@ -5192,10 +5281,92 @@
           </p:txBody>
         </p:sp>
       </p:grpSp>
+      <p:sp>
+        <p:nvSpPr>
+          <p:cNvPr id="3" name="楕円 2">
+            <a:extLst>
+              <a:ext uri="{FF2B5EF4-FFF2-40B4-BE49-F238E27FC236}">
+                <a16:creationId xmlns:a16="http://schemas.microsoft.com/office/drawing/2014/main" id="{D0495FB2-C20D-4F76-AF7C-D077E1D5452B}"/>
+              </a:ext>
+            </a:extLst>
+          </p:cNvPr>
+          <p:cNvSpPr/>
+          <p:nvPr/>
+        </p:nvSpPr>
+        <p:spPr>
+          <a:xfrm>
+            <a:off x="2649819" y="4005508"/>
+            <a:ext cx="6954611" cy="3214963"/>
+          </a:xfrm>
+          <a:prstGeom prst="ellipse">
+            <a:avLst/>
+          </a:prstGeom>
+          <a:solidFill>
+            <a:srgbClr val="FFFF00">
+              <a:alpha val="45882"/>
+            </a:srgbClr>
+          </a:solidFill>
+          <a:ln>
+            <a:solidFill>
+              <a:srgbClr val="FFFF00"/>
+            </a:solidFill>
+          </a:ln>
+        </p:spPr>
+        <p:style>
+          <a:lnRef idx="2">
+            <a:schemeClr val="accent1">
+              <a:shade val="50000"/>
+            </a:schemeClr>
+          </a:lnRef>
+          <a:fillRef idx="1">
+            <a:schemeClr val="accent1"/>
+          </a:fillRef>
+          <a:effectRef idx="0">
+            <a:schemeClr val="accent1"/>
+          </a:effectRef>
+          <a:fontRef idx="minor">
+            <a:schemeClr val="lt1"/>
+          </a:fontRef>
+        </p:style>
+        <p:txBody>
+          <a:bodyPr rtlCol="0" anchor="ctr"/>
+          <a:lstStyle/>
+          <a:p>
+            <a:pPr algn="ctr"/>
+            <a:r>
+              <a:rPr kumimoji="1" lang="en-US" altLang="ja-JP" sz="4000" b="1" dirty="0">
+                <a:solidFill>
+                  <a:schemeClr val="tx1"/>
+                </a:solidFill>
+                <a:effectLst>
+                  <a:outerShdw blurRad="38100" dist="38100" dir="2700000" algn="tl">
+                    <a:srgbClr val="000000">
+                      <a:alpha val="43137"/>
+                    </a:srgbClr>
+                  </a:outerShdw>
+                </a:effectLst>
+              </a:rPr>
+              <a:t>DONE</a:t>
+            </a:r>
+            <a:endParaRPr kumimoji="1" lang="ja-JP" altLang="en-US" sz="4000" b="1" dirty="0">
+              <a:solidFill>
+                <a:schemeClr val="tx1"/>
+              </a:solidFill>
+              <a:effectLst>
+                <a:outerShdw blurRad="38100" dist="38100" dir="2700000" algn="tl">
+                  <a:srgbClr val="000000">
+                    <a:alpha val="43137"/>
+                  </a:srgbClr>
+                </a:outerShdw>
+              </a:effectLst>
+            </a:endParaRPr>
+          </a:p>
+        </p:txBody>
+      </p:sp>
     </p:spTree>
     <p:extLst>
       <p:ext uri="{BB962C8B-B14F-4D97-AF65-F5344CB8AC3E}">
-        <p14:creationId xmlns:p14="http://schemas.microsoft.com/office/powerpoint/2010/main" val="4111283553"/>
+        <p14:creationId xmlns:p14="http://schemas.microsoft.com/office/powerpoint/2010/main" val="3288014298"/>
       </p:ext>
     </p:extLst>
   </p:cSld>
@@ -5205,7 +5376,255 @@
 </p:sld>
 </file>
 
-<file path=ppt/slides/slide10.xml><?xml version="1.0" encoding="utf-8"?>
+<file path=ppt/slides/slide11.xml><?xml version="1.0" encoding="utf-8"?>
+<p:sld xmlns:a="http://schemas.openxmlformats.org/drawingml/2006/main" xmlns:r="http://schemas.openxmlformats.org/officeDocument/2006/relationships" xmlns:p="http://schemas.openxmlformats.org/presentationml/2006/main">
+  <p:cSld>
+    <p:spTree>
+      <p:nvGrpSpPr>
+        <p:cNvPr id="1" name=""/>
+        <p:cNvGrpSpPr/>
+        <p:nvPr/>
+      </p:nvGrpSpPr>
+      <p:grpSpPr>
+        <a:xfrm>
+          <a:off x="0" y="0"/>
+          <a:ext cx="0" cy="0"/>
+          <a:chOff x="0" y="0"/>
+          <a:chExt cx="0" cy="0"/>
+        </a:xfrm>
+      </p:grpSpPr>
+      <p:sp>
+        <p:nvSpPr>
+          <p:cNvPr id="2" name="タイトル 1">
+            <a:extLst>
+              <a:ext uri="{FF2B5EF4-FFF2-40B4-BE49-F238E27FC236}">
+                <a16:creationId xmlns:a16="http://schemas.microsoft.com/office/drawing/2014/main" id="{1EE039E6-34D4-4A5E-8109-D6DF99BDD479}"/>
+              </a:ext>
+            </a:extLst>
+          </p:cNvPr>
+          <p:cNvSpPr>
+            <a:spLocks noGrp="1"/>
+          </p:cNvSpPr>
+          <p:nvPr>
+            <p:ph type="ctrTitle"/>
+          </p:nvPr>
+        </p:nvSpPr>
+        <p:spPr/>
+        <p:txBody>
+          <a:bodyPr/>
+          <a:lstStyle/>
+          <a:p>
+            <a:r>
+              <a:rPr kumimoji="1" lang="en-US" altLang="ja-JP" dirty="0"/>
+              <a:t>Step 3</a:t>
+            </a:r>
+            <a:endParaRPr kumimoji="1" lang="ja-JP" altLang="en-US" dirty="0"/>
+          </a:p>
+        </p:txBody>
+      </p:sp>
+      <p:sp>
+        <p:nvSpPr>
+          <p:cNvPr id="3" name="字幕 2">
+            <a:extLst>
+              <a:ext uri="{FF2B5EF4-FFF2-40B4-BE49-F238E27FC236}">
+                <a16:creationId xmlns:a16="http://schemas.microsoft.com/office/drawing/2014/main" id="{65A2B406-F76A-43C7-8A04-FE9784D3D8DE}"/>
+              </a:ext>
+            </a:extLst>
+          </p:cNvPr>
+          <p:cNvSpPr>
+            <a:spLocks noGrp="1"/>
+          </p:cNvSpPr>
+          <p:nvPr>
+            <p:ph type="subTitle" idx="1"/>
+          </p:nvPr>
+        </p:nvSpPr>
+        <p:spPr/>
+        <p:txBody>
+          <a:bodyPr/>
+          <a:lstStyle/>
+          <a:p>
+            <a:endParaRPr kumimoji="1" lang="ja-JP" altLang="en-US"/>
+          </a:p>
+        </p:txBody>
+      </p:sp>
+    </p:spTree>
+    <p:extLst>
+      <p:ext uri="{BB962C8B-B14F-4D97-AF65-F5344CB8AC3E}">
+        <p14:creationId xmlns:p14="http://schemas.microsoft.com/office/powerpoint/2010/main" val="3543170889"/>
+      </p:ext>
+    </p:extLst>
+  </p:cSld>
+  <p:clrMapOvr>
+    <a:masterClrMapping/>
+  </p:clrMapOvr>
+</p:sld>
+</file>
+
+<file path=ppt/slides/slide12.xml><?xml version="1.0" encoding="utf-8"?>
+<p:sld xmlns:a="http://schemas.openxmlformats.org/drawingml/2006/main" xmlns:r="http://schemas.openxmlformats.org/officeDocument/2006/relationships" xmlns:p="http://schemas.openxmlformats.org/presentationml/2006/main">
+  <p:cSld>
+    <p:spTree>
+      <p:nvGrpSpPr>
+        <p:cNvPr id="1" name=""/>
+        <p:cNvGrpSpPr/>
+        <p:nvPr/>
+      </p:nvGrpSpPr>
+      <p:grpSpPr>
+        <a:xfrm>
+          <a:off x="0" y="0"/>
+          <a:ext cx="0" cy="0"/>
+          <a:chOff x="0" y="0"/>
+          <a:chExt cx="0" cy="0"/>
+        </a:xfrm>
+      </p:grpSpPr>
+      <p:sp>
+        <p:nvSpPr>
+          <p:cNvPr id="2" name="タイトル 1">
+            <a:extLst>
+              <a:ext uri="{FF2B5EF4-FFF2-40B4-BE49-F238E27FC236}">
+                <a16:creationId xmlns:a16="http://schemas.microsoft.com/office/drawing/2014/main" id="{00973E5C-2EB8-45EB-83F5-0B98C37F50D2}"/>
+              </a:ext>
+            </a:extLst>
+          </p:cNvPr>
+          <p:cNvSpPr>
+            <a:spLocks noGrp="1"/>
+          </p:cNvSpPr>
+          <p:nvPr>
+            <p:ph type="title"/>
+          </p:nvPr>
+        </p:nvSpPr>
+        <p:spPr/>
+        <p:txBody>
+          <a:bodyPr/>
+          <a:lstStyle/>
+          <a:p>
+            <a:endParaRPr kumimoji="1" lang="ja-JP" altLang="en-US"/>
+          </a:p>
+        </p:txBody>
+      </p:sp>
+      <p:sp>
+        <p:nvSpPr>
+          <p:cNvPr id="3" name="コンテンツ プレースホルダー 2">
+            <a:extLst>
+              <a:ext uri="{FF2B5EF4-FFF2-40B4-BE49-F238E27FC236}">
+                <a16:creationId xmlns:a16="http://schemas.microsoft.com/office/drawing/2014/main" id="{B1E4F22F-76CC-4C48-83F5-1817D7535792}"/>
+              </a:ext>
+            </a:extLst>
+          </p:cNvPr>
+          <p:cNvSpPr>
+            <a:spLocks noGrp="1"/>
+          </p:cNvSpPr>
+          <p:nvPr>
+            <p:ph idx="1"/>
+          </p:nvPr>
+        </p:nvSpPr>
+        <p:spPr/>
+        <p:txBody>
+          <a:bodyPr/>
+          <a:lstStyle/>
+          <a:p>
+            <a:endParaRPr kumimoji="1" lang="ja-JP" altLang="en-US"/>
+          </a:p>
+        </p:txBody>
+      </p:sp>
+    </p:spTree>
+    <p:extLst>
+      <p:ext uri="{BB962C8B-B14F-4D97-AF65-F5344CB8AC3E}">
+        <p14:creationId xmlns:p14="http://schemas.microsoft.com/office/powerpoint/2010/main" val="3187052385"/>
+      </p:ext>
+    </p:extLst>
+  </p:cSld>
+  <p:clrMapOvr>
+    <a:masterClrMapping/>
+  </p:clrMapOvr>
+</p:sld>
+</file>
+
+<file path=ppt/slides/slide13.xml><?xml version="1.0" encoding="utf-8"?>
+<p:sld xmlns:a="http://schemas.openxmlformats.org/drawingml/2006/main" xmlns:r="http://schemas.openxmlformats.org/officeDocument/2006/relationships" xmlns:p="http://schemas.openxmlformats.org/presentationml/2006/main">
+  <p:cSld>
+    <p:spTree>
+      <p:nvGrpSpPr>
+        <p:cNvPr id="1" name=""/>
+        <p:cNvGrpSpPr/>
+        <p:nvPr/>
+      </p:nvGrpSpPr>
+      <p:grpSpPr>
+        <a:xfrm>
+          <a:off x="0" y="0"/>
+          <a:ext cx="0" cy="0"/>
+          <a:chOff x="0" y="0"/>
+          <a:chExt cx="0" cy="0"/>
+        </a:xfrm>
+      </p:grpSpPr>
+      <p:sp>
+        <p:nvSpPr>
+          <p:cNvPr id="2" name="タイトル 1">
+            <a:extLst>
+              <a:ext uri="{FF2B5EF4-FFF2-40B4-BE49-F238E27FC236}">
+                <a16:creationId xmlns:a16="http://schemas.microsoft.com/office/drawing/2014/main" id="{1EE039E6-34D4-4A5E-8109-D6DF99BDD479}"/>
+              </a:ext>
+            </a:extLst>
+          </p:cNvPr>
+          <p:cNvSpPr>
+            <a:spLocks noGrp="1"/>
+          </p:cNvSpPr>
+          <p:nvPr>
+            <p:ph type="ctrTitle"/>
+          </p:nvPr>
+        </p:nvSpPr>
+        <p:spPr/>
+        <p:txBody>
+          <a:bodyPr/>
+          <a:lstStyle/>
+          <a:p>
+            <a:r>
+              <a:rPr kumimoji="1" lang="en-US" altLang="ja-JP" dirty="0"/>
+              <a:t>Step 4</a:t>
+            </a:r>
+            <a:endParaRPr kumimoji="1" lang="ja-JP" altLang="en-US" dirty="0"/>
+          </a:p>
+        </p:txBody>
+      </p:sp>
+      <p:sp>
+        <p:nvSpPr>
+          <p:cNvPr id="3" name="字幕 2">
+            <a:extLst>
+              <a:ext uri="{FF2B5EF4-FFF2-40B4-BE49-F238E27FC236}">
+                <a16:creationId xmlns:a16="http://schemas.microsoft.com/office/drawing/2014/main" id="{65A2B406-F76A-43C7-8A04-FE9784D3D8DE}"/>
+              </a:ext>
+            </a:extLst>
+          </p:cNvPr>
+          <p:cNvSpPr>
+            <a:spLocks noGrp="1"/>
+          </p:cNvSpPr>
+          <p:nvPr>
+            <p:ph type="subTitle" idx="1"/>
+          </p:nvPr>
+        </p:nvSpPr>
+        <p:spPr/>
+        <p:txBody>
+          <a:bodyPr/>
+          <a:lstStyle/>
+          <a:p>
+            <a:endParaRPr kumimoji="1" lang="ja-JP" altLang="en-US"/>
+          </a:p>
+        </p:txBody>
+      </p:sp>
+    </p:spTree>
+    <p:extLst>
+      <p:ext uri="{BB962C8B-B14F-4D97-AF65-F5344CB8AC3E}">
+        <p14:creationId xmlns:p14="http://schemas.microsoft.com/office/powerpoint/2010/main" val="59126015"/>
+      </p:ext>
+    </p:extLst>
+  </p:cSld>
+  <p:clrMapOvr>
+    <a:masterClrMapping/>
+  </p:clrMapOvr>
+</p:sld>
+</file>
+
+<file path=ppt/slides/slide14.xml><?xml version="1.0" encoding="utf-8"?>
 <p:sld xmlns:a="http://schemas.openxmlformats.org/drawingml/2006/main" xmlns:r="http://schemas.openxmlformats.org/officeDocument/2006/relationships" xmlns:p="http://schemas.openxmlformats.org/presentationml/2006/main">
   <p:cSld>
     <p:spTree>
@@ -5280,7 +5699,7 @@
 </p:sld>
 </file>
 
-<file path=ppt/slides/slide11.xml><?xml version="1.0" encoding="utf-8"?>
+<file path=ppt/slides/slide15.xml><?xml version="1.0" encoding="utf-8"?>
 <p:sld xmlns:a="http://schemas.openxmlformats.org/drawingml/2006/main" xmlns:r="http://schemas.openxmlformats.org/officeDocument/2006/relationships" xmlns:p="http://schemas.openxmlformats.org/presentationml/2006/main">
   <p:cSld>
     <p:spTree>
@@ -5297,6 +5716,272 @@
           <a:chExt cx="0" cy="0"/>
         </a:xfrm>
       </p:grpSpPr>
+      <p:pic>
+        <p:nvPicPr>
+          <p:cNvPr id="3" name="図 2">
+            <a:extLst>
+              <a:ext uri="{FF2B5EF4-FFF2-40B4-BE49-F238E27FC236}">
+                <a16:creationId xmlns:a16="http://schemas.microsoft.com/office/drawing/2014/main" id="{BB57F76E-5086-4148-8BAF-E02CB03E98B5}"/>
+              </a:ext>
+            </a:extLst>
+          </p:cNvPr>
+          <p:cNvPicPr>
+            <a:picLocks noChangeAspect="1"/>
+          </p:cNvPicPr>
+          <p:nvPr/>
+        </p:nvPicPr>
+        <p:blipFill rotWithShape="1">
+          <a:blip r:embed="rId2" cstate="print">
+            <a:extLst>
+              <a:ext uri="{28A0092B-C50C-407E-A947-70E740481C1C}">
+                <a14:useLocalDpi xmlns:a14="http://schemas.microsoft.com/office/drawing/2010/main"/>
+              </a:ext>
+            </a:extLst>
+          </a:blip>
+          <a:srcRect/>
+          <a:stretch/>
+        </p:blipFill>
+        <p:spPr>
+          <a:xfrm>
+            <a:off x="1932350" y="1711353"/>
+            <a:ext cx="8327300" cy="3937245"/>
+          </a:xfrm>
+          <a:prstGeom prst="rect">
+            <a:avLst/>
+          </a:prstGeom>
+          <a:ln>
+            <a:noFill/>
+          </a:ln>
+          <a:effectLst>
+            <a:outerShdw blurRad="292100" dist="139700" dir="2700000" algn="tl" rotWithShape="0">
+              <a:srgbClr val="333333">
+                <a:alpha val="65000"/>
+              </a:srgbClr>
+            </a:outerShdw>
+          </a:effectLst>
+        </p:spPr>
+      </p:pic>
+      <p:sp>
+        <p:nvSpPr>
+          <p:cNvPr id="4" name="楕円 3">
+            <a:extLst>
+              <a:ext uri="{FF2B5EF4-FFF2-40B4-BE49-F238E27FC236}">
+                <a16:creationId xmlns:a16="http://schemas.microsoft.com/office/drawing/2014/main" id="{C14CE979-CF34-40B6-A4D5-C21A4B9450C7}"/>
+              </a:ext>
+            </a:extLst>
+          </p:cNvPr>
+          <p:cNvSpPr/>
+          <p:nvPr/>
+        </p:nvSpPr>
+        <p:spPr>
+          <a:xfrm>
+            <a:off x="9521288" y="2174041"/>
+            <a:ext cx="824038" cy="308983"/>
+          </a:xfrm>
+          <a:prstGeom prst="ellipse">
+            <a:avLst/>
+          </a:prstGeom>
+          <a:noFill/>
+          <a:ln w="28575">
+            <a:solidFill>
+              <a:srgbClr val="FF0000"/>
+            </a:solidFill>
+          </a:ln>
+        </p:spPr>
+        <p:style>
+          <a:lnRef idx="2">
+            <a:schemeClr val="accent1">
+              <a:shade val="50000"/>
+            </a:schemeClr>
+          </a:lnRef>
+          <a:fillRef idx="1">
+            <a:schemeClr val="accent1"/>
+          </a:fillRef>
+          <a:effectRef idx="0">
+            <a:schemeClr val="accent1"/>
+          </a:effectRef>
+          <a:fontRef idx="minor">
+            <a:schemeClr val="lt1"/>
+          </a:fontRef>
+        </p:style>
+        <p:txBody>
+          <a:bodyPr rtlCol="0" anchor="ctr"/>
+          <a:lstStyle/>
+          <a:p>
+            <a:pPr algn="ctr"/>
+            <a:endParaRPr kumimoji="1" lang="ja-JP" altLang="en-US" sz="1600" dirty="0"/>
+          </a:p>
+        </p:txBody>
+      </p:sp>
+      <p:sp>
+        <p:nvSpPr>
+          <p:cNvPr id="5" name="四角形: 角を丸くする 4">
+            <a:extLst>
+              <a:ext uri="{FF2B5EF4-FFF2-40B4-BE49-F238E27FC236}">
+                <a16:creationId xmlns:a16="http://schemas.microsoft.com/office/drawing/2014/main" id="{8B4B01C7-8D81-4799-86A8-4CF9FE6725EA}"/>
+              </a:ext>
+            </a:extLst>
+          </p:cNvPr>
+          <p:cNvSpPr/>
+          <p:nvPr/>
+        </p:nvSpPr>
+        <p:spPr>
+          <a:xfrm>
+            <a:off x="3962743" y="2623280"/>
+            <a:ext cx="2371686" cy="339237"/>
+          </a:xfrm>
+          <a:prstGeom prst="roundRect">
+            <a:avLst>
+              <a:gd name="adj" fmla="val 11673"/>
+            </a:avLst>
+          </a:prstGeom>
+          <a:noFill/>
+          <a:ln w="28575">
+            <a:solidFill>
+              <a:srgbClr val="FF0000"/>
+            </a:solidFill>
+          </a:ln>
+        </p:spPr>
+        <p:style>
+          <a:lnRef idx="2">
+            <a:schemeClr val="accent1">
+              <a:shade val="50000"/>
+            </a:schemeClr>
+          </a:lnRef>
+          <a:fillRef idx="1">
+            <a:schemeClr val="accent1"/>
+          </a:fillRef>
+          <a:effectRef idx="0">
+            <a:schemeClr val="accent1"/>
+          </a:effectRef>
+          <a:fontRef idx="minor">
+            <a:schemeClr val="lt1"/>
+          </a:fontRef>
+        </p:style>
+        <p:txBody>
+          <a:bodyPr rot="0" spcFirstLastPara="0" vertOverflow="overflow" horzOverflow="overflow" vert="horz" wrap="square" lIns="91440" tIns="45720" rIns="91440" bIns="45720" numCol="1" spcCol="0" rtlCol="0" fromWordArt="0" anchor="ctr" anchorCtr="0" forceAA="0" compatLnSpc="1">
+            <a:prstTxWarp prst="textNoShape">
+              <a:avLst/>
+            </a:prstTxWarp>
+            <a:noAutofit/>
+          </a:bodyPr>
+          <a:lstStyle/>
+          <a:p>
+            <a:pPr algn="ctr"/>
+            <a:endParaRPr kumimoji="1" lang="ja-JP" altLang="en-US" sz="1600"/>
+          </a:p>
+        </p:txBody>
+      </p:sp>
+      <p:sp>
+        <p:nvSpPr>
+          <p:cNvPr id="6" name="吹き出し: 四角形 5">
+            <a:extLst>
+              <a:ext uri="{FF2B5EF4-FFF2-40B4-BE49-F238E27FC236}">
+                <a16:creationId xmlns:a16="http://schemas.microsoft.com/office/drawing/2014/main" id="{6B820552-A0ED-46C7-BC4F-1CA9AB6D2202}"/>
+              </a:ext>
+            </a:extLst>
+          </p:cNvPr>
+          <p:cNvSpPr/>
+          <p:nvPr/>
+        </p:nvSpPr>
+        <p:spPr>
+          <a:xfrm>
+            <a:off x="8170034" y="3078441"/>
+            <a:ext cx="2208631" cy="350559"/>
+          </a:xfrm>
+          <a:prstGeom prst="wedgeRectCallout">
+            <a:avLst>
+              <a:gd name="adj1" fmla="val 20624"/>
+              <a:gd name="adj2" fmla="val -232309"/>
+            </a:avLst>
+          </a:prstGeom>
+        </p:spPr>
+        <p:style>
+          <a:lnRef idx="1">
+            <a:schemeClr val="accent2"/>
+          </a:lnRef>
+          <a:fillRef idx="2">
+            <a:schemeClr val="accent2"/>
+          </a:fillRef>
+          <a:effectRef idx="1">
+            <a:schemeClr val="accent2"/>
+          </a:effectRef>
+          <a:fontRef idx="minor">
+            <a:schemeClr val="dk1"/>
+          </a:fontRef>
+        </p:style>
+        <p:txBody>
+          <a:bodyPr rtlCol="0" anchor="ctr"/>
+          <a:lstStyle/>
+          <a:p>
+            <a:r>
+              <a:rPr kumimoji="1" lang="en-US" altLang="ja-JP" sz="1200" dirty="0"/>
+              <a:t>Clone</a:t>
+            </a:r>
+            <a:r>
+              <a:rPr kumimoji="1" lang="ja-JP" altLang="en-US" sz="1200" dirty="0"/>
+              <a:t> </a:t>
+            </a:r>
+            <a:r>
+              <a:rPr kumimoji="1" lang="en-US" altLang="ja-JP" sz="1200" dirty="0"/>
+              <a:t>URL</a:t>
+            </a:r>
+            <a:r>
+              <a:rPr kumimoji="1" lang="ja-JP" altLang="en-US" sz="1200" dirty="0"/>
+              <a:t> はここから取得</a:t>
+            </a:r>
+          </a:p>
+        </p:txBody>
+      </p:sp>
+      <p:sp>
+        <p:nvSpPr>
+          <p:cNvPr id="7" name="吹き出し: 四角形 6">
+            <a:extLst>
+              <a:ext uri="{FF2B5EF4-FFF2-40B4-BE49-F238E27FC236}">
+                <a16:creationId xmlns:a16="http://schemas.microsoft.com/office/drawing/2014/main" id="{D34B5B0B-487D-49E3-8CFF-5DF494F46C38}"/>
+              </a:ext>
+            </a:extLst>
+          </p:cNvPr>
+          <p:cNvSpPr/>
+          <p:nvPr/>
+        </p:nvSpPr>
+        <p:spPr>
+          <a:xfrm>
+            <a:off x="3887369" y="4023652"/>
+            <a:ext cx="2208631" cy="350559"/>
+          </a:xfrm>
+          <a:prstGeom prst="wedgeRectCallout">
+            <a:avLst>
+              <a:gd name="adj1" fmla="val -32932"/>
+              <a:gd name="adj2" fmla="val -375890"/>
+            </a:avLst>
+          </a:prstGeom>
+        </p:spPr>
+        <p:style>
+          <a:lnRef idx="1">
+            <a:schemeClr val="accent2"/>
+          </a:lnRef>
+          <a:fillRef idx="2">
+            <a:schemeClr val="accent2"/>
+          </a:fillRef>
+          <a:effectRef idx="1">
+            <a:schemeClr val="accent2"/>
+          </a:effectRef>
+          <a:fontRef idx="minor">
+            <a:schemeClr val="dk1"/>
+          </a:fontRef>
+        </p:style>
+        <p:txBody>
+          <a:bodyPr rtlCol="0" anchor="ctr"/>
+          <a:lstStyle/>
+          <a:p>
+            <a:r>
+              <a:rPr kumimoji="1" lang="ja-JP" altLang="en-US" sz="1200" dirty="0"/>
+              <a:t>作成したレポジトリ</a:t>
+            </a:r>
+          </a:p>
+        </p:txBody>
+      </p:sp>
     </p:spTree>
     <p:extLst>
       <p:ext uri="{BB962C8B-B14F-4D97-AF65-F5344CB8AC3E}">
@@ -5310,7 +5995,1880 @@
 </p:sld>
 </file>
 
+<file path=ppt/slides/slide16.xml><?xml version="1.0" encoding="utf-8"?>
+<p:sld xmlns:a="http://schemas.openxmlformats.org/drawingml/2006/main" xmlns:r="http://schemas.openxmlformats.org/officeDocument/2006/relationships" xmlns:p="http://schemas.openxmlformats.org/presentationml/2006/main">
+  <p:cSld>
+    <p:spTree>
+      <p:nvGrpSpPr>
+        <p:cNvPr id="1" name=""/>
+        <p:cNvGrpSpPr/>
+        <p:nvPr/>
+      </p:nvGrpSpPr>
+      <p:grpSpPr>
+        <a:xfrm>
+          <a:off x="0" y="0"/>
+          <a:ext cx="0" cy="0"/>
+          <a:chOff x="0" y="0"/>
+          <a:chExt cx="0" cy="0"/>
+        </a:xfrm>
+      </p:grpSpPr>
+      <p:pic>
+        <p:nvPicPr>
+          <p:cNvPr id="2" name="図 1">
+            <a:extLst>
+              <a:ext uri="{FF2B5EF4-FFF2-40B4-BE49-F238E27FC236}">
+                <a16:creationId xmlns:a16="http://schemas.microsoft.com/office/drawing/2014/main" id="{DDC1ED95-49F5-4BA5-B855-19DAAC6B437E}"/>
+              </a:ext>
+            </a:extLst>
+          </p:cNvPr>
+          <p:cNvPicPr>
+            <a:picLocks noChangeAspect="1"/>
+          </p:cNvPicPr>
+          <p:nvPr/>
+        </p:nvPicPr>
+        <p:blipFill rotWithShape="1">
+          <a:blip r:embed="rId2" cstate="print">
+            <a:extLst>
+              <a:ext uri="{28A0092B-C50C-407E-A947-70E740481C1C}">
+                <a14:useLocalDpi xmlns:a14="http://schemas.microsoft.com/office/drawing/2010/main"/>
+              </a:ext>
+            </a:extLst>
+          </a:blip>
+          <a:srcRect/>
+          <a:stretch/>
+        </p:blipFill>
+        <p:spPr>
+          <a:xfrm>
+            <a:off x="399988" y="1669516"/>
+            <a:ext cx="3471169" cy="4367888"/>
+          </a:xfrm>
+          <a:prstGeom prst="rect">
+            <a:avLst/>
+          </a:prstGeom>
+          <a:ln>
+            <a:noFill/>
+          </a:ln>
+          <a:effectLst>
+            <a:outerShdw blurRad="292100" dist="139700" dir="2700000" algn="tl" rotWithShape="0">
+              <a:srgbClr val="333333">
+                <a:alpha val="65000"/>
+              </a:srgbClr>
+            </a:outerShdw>
+          </a:effectLst>
+        </p:spPr>
+      </p:pic>
+      <p:sp>
+        <p:nvSpPr>
+          <p:cNvPr id="3" name="四角形: 角を丸くする 2">
+            <a:extLst>
+              <a:ext uri="{FF2B5EF4-FFF2-40B4-BE49-F238E27FC236}">
+                <a16:creationId xmlns:a16="http://schemas.microsoft.com/office/drawing/2014/main" id="{D1E2CD77-AFD0-49FF-AF2D-915E508D8B5E}"/>
+              </a:ext>
+            </a:extLst>
+          </p:cNvPr>
+          <p:cNvSpPr/>
+          <p:nvPr/>
+        </p:nvSpPr>
+        <p:spPr>
+          <a:xfrm>
+            <a:off x="2222744" y="2361863"/>
+            <a:ext cx="1472631" cy="308397"/>
+          </a:xfrm>
+          <a:prstGeom prst="roundRect">
+            <a:avLst>
+              <a:gd name="adj" fmla="val 11673"/>
+            </a:avLst>
+          </a:prstGeom>
+          <a:noFill/>
+          <a:ln w="28575">
+            <a:solidFill>
+              <a:srgbClr val="FF0000"/>
+            </a:solidFill>
+          </a:ln>
+        </p:spPr>
+        <p:style>
+          <a:lnRef idx="2">
+            <a:schemeClr val="accent1">
+              <a:shade val="50000"/>
+            </a:schemeClr>
+          </a:lnRef>
+          <a:fillRef idx="1">
+            <a:schemeClr val="accent1"/>
+          </a:fillRef>
+          <a:effectRef idx="0">
+            <a:schemeClr val="accent1"/>
+          </a:effectRef>
+          <a:fontRef idx="minor">
+            <a:schemeClr val="lt1"/>
+          </a:fontRef>
+        </p:style>
+        <p:txBody>
+          <a:bodyPr rot="0" spcFirstLastPara="0" vertOverflow="overflow" horzOverflow="overflow" vert="horz" wrap="square" lIns="91440" tIns="45720" rIns="91440" bIns="45720" numCol="1" spcCol="0" rtlCol="0" fromWordArt="0" anchor="ctr" anchorCtr="0" forceAA="0" compatLnSpc="1">
+            <a:prstTxWarp prst="textNoShape">
+              <a:avLst/>
+            </a:prstTxWarp>
+            <a:noAutofit/>
+          </a:bodyPr>
+          <a:lstStyle/>
+          <a:p>
+            <a:pPr algn="ctr"/>
+            <a:endParaRPr kumimoji="1" lang="ja-JP" altLang="en-US" sz="1600"/>
+          </a:p>
+        </p:txBody>
+      </p:sp>
+      <p:pic>
+        <p:nvPicPr>
+          <p:cNvPr id="4" name="図 3">
+            <a:extLst>
+              <a:ext uri="{FF2B5EF4-FFF2-40B4-BE49-F238E27FC236}">
+                <a16:creationId xmlns:a16="http://schemas.microsoft.com/office/drawing/2014/main" id="{5CAB829A-0DC3-4A8E-BE47-77102C5B99A0}"/>
+              </a:ext>
+            </a:extLst>
+          </p:cNvPr>
+          <p:cNvPicPr>
+            <a:picLocks noChangeAspect="1"/>
+          </p:cNvPicPr>
+          <p:nvPr/>
+        </p:nvPicPr>
+        <p:blipFill rotWithShape="1">
+          <a:blip r:embed="rId3"/>
+          <a:srcRect t="12182" r="57442"/>
+          <a:stretch/>
+        </p:blipFill>
+        <p:spPr>
+          <a:xfrm>
+            <a:off x="4139426" y="2021747"/>
+            <a:ext cx="3486167" cy="4113480"/>
+          </a:xfrm>
+          <a:prstGeom prst="rect">
+            <a:avLst/>
+          </a:prstGeom>
+        </p:spPr>
+      </p:pic>
+      <p:sp>
+        <p:nvSpPr>
+          <p:cNvPr id="5" name="四角形: 角を丸くする 4">
+            <a:extLst>
+              <a:ext uri="{FF2B5EF4-FFF2-40B4-BE49-F238E27FC236}">
+                <a16:creationId xmlns:a16="http://schemas.microsoft.com/office/drawing/2014/main" id="{DAFE1EDE-FAA2-4C2D-B7DB-73F45866CA11}"/>
+              </a:ext>
+            </a:extLst>
+          </p:cNvPr>
+          <p:cNvSpPr/>
+          <p:nvPr/>
+        </p:nvSpPr>
+        <p:spPr>
+          <a:xfrm>
+            <a:off x="4539504" y="5793274"/>
+            <a:ext cx="1472631" cy="308397"/>
+          </a:xfrm>
+          <a:prstGeom prst="roundRect">
+            <a:avLst>
+              <a:gd name="adj" fmla="val 11673"/>
+            </a:avLst>
+          </a:prstGeom>
+          <a:noFill/>
+          <a:ln w="28575">
+            <a:solidFill>
+              <a:srgbClr val="FF0000"/>
+            </a:solidFill>
+          </a:ln>
+        </p:spPr>
+        <p:style>
+          <a:lnRef idx="2">
+            <a:schemeClr val="accent1">
+              <a:shade val="50000"/>
+            </a:schemeClr>
+          </a:lnRef>
+          <a:fillRef idx="1">
+            <a:schemeClr val="accent1"/>
+          </a:fillRef>
+          <a:effectRef idx="0">
+            <a:schemeClr val="accent1"/>
+          </a:effectRef>
+          <a:fontRef idx="minor">
+            <a:schemeClr val="lt1"/>
+          </a:fontRef>
+        </p:style>
+        <p:txBody>
+          <a:bodyPr rot="0" spcFirstLastPara="0" vertOverflow="overflow" horzOverflow="overflow" vert="horz" wrap="square" lIns="91440" tIns="45720" rIns="91440" bIns="45720" numCol="1" spcCol="0" rtlCol="0" fromWordArt="0" anchor="ctr" anchorCtr="0" forceAA="0" compatLnSpc="1">
+            <a:prstTxWarp prst="textNoShape">
+              <a:avLst/>
+            </a:prstTxWarp>
+            <a:noAutofit/>
+          </a:bodyPr>
+          <a:lstStyle/>
+          <a:p>
+            <a:pPr algn="ctr"/>
+            <a:endParaRPr kumimoji="1" lang="ja-JP" altLang="en-US" sz="1600"/>
+          </a:p>
+        </p:txBody>
+      </p:sp>
+    </p:spTree>
+    <p:extLst>
+      <p:ext uri="{BB962C8B-B14F-4D97-AF65-F5344CB8AC3E}">
+        <p14:creationId xmlns:p14="http://schemas.microsoft.com/office/powerpoint/2010/main" val="2396345120"/>
+      </p:ext>
+    </p:extLst>
+  </p:cSld>
+  <p:clrMapOvr>
+    <a:masterClrMapping/>
+  </p:clrMapOvr>
+</p:sld>
+</file>
+
 <file path=ppt/slides/slide2.xml><?xml version="1.0" encoding="utf-8"?>
+<p:sld xmlns:a="http://schemas.openxmlformats.org/drawingml/2006/main" xmlns:r="http://schemas.openxmlformats.org/officeDocument/2006/relationships" xmlns:p="http://schemas.openxmlformats.org/presentationml/2006/main">
+  <p:cSld>
+    <p:spTree>
+      <p:nvGrpSpPr>
+        <p:cNvPr id="1" name=""/>
+        <p:cNvGrpSpPr/>
+        <p:nvPr/>
+      </p:nvGrpSpPr>
+      <p:grpSpPr>
+        <a:xfrm>
+          <a:off x="0" y="0"/>
+          <a:ext cx="0" cy="0"/>
+          <a:chOff x="0" y="0"/>
+          <a:chExt cx="0" cy="0"/>
+        </a:xfrm>
+      </p:grpSpPr>
+      <p:grpSp>
+        <p:nvGrpSpPr>
+          <p:cNvPr id="84" name="グループ化 83">
+            <a:extLst>
+              <a:ext uri="{FF2B5EF4-FFF2-40B4-BE49-F238E27FC236}">
+                <a16:creationId xmlns:a16="http://schemas.microsoft.com/office/drawing/2014/main" id="{C16B93D5-3781-4C21-AE88-A6AE2894D59B}"/>
+              </a:ext>
+            </a:extLst>
+          </p:cNvPr>
+          <p:cNvGrpSpPr/>
+          <p:nvPr/>
+        </p:nvGrpSpPr>
+        <p:grpSpPr>
+          <a:xfrm>
+            <a:off x="61421" y="553369"/>
+            <a:ext cx="12015559" cy="6002706"/>
+            <a:chOff x="61421" y="553369"/>
+            <a:chExt cx="12015559" cy="6002706"/>
+          </a:xfrm>
+        </p:grpSpPr>
+        <p:pic>
+          <p:nvPicPr>
+            <p:cNvPr id="10" name="グラフィックス 9">
+              <a:extLst>
+                <a:ext uri="{FF2B5EF4-FFF2-40B4-BE49-F238E27FC236}">
+                  <a16:creationId xmlns:a16="http://schemas.microsoft.com/office/drawing/2014/main" id="{720C8AEA-BD22-4FF4-BFBC-5D43E880A0D0}"/>
+                </a:ext>
+              </a:extLst>
+            </p:cNvPr>
+            <p:cNvPicPr>
+              <a:picLocks noChangeAspect="1"/>
+            </p:cNvPicPr>
+            <p:nvPr/>
+          </p:nvPicPr>
+          <p:blipFill>
+            <a:blip r:embed="rId2">
+              <a:extLst>
+                <a:ext uri="{28A0092B-C50C-407E-A947-70E740481C1C}">
+                  <a14:useLocalDpi xmlns:a14="http://schemas.microsoft.com/office/drawing/2010/main"/>
+                </a:ext>
+                <a:ext uri="{96DAC541-7B7A-43D3-8B79-37D633B846F1}">
+                  <asvg:svgBlip xmlns:asvg="http://schemas.microsoft.com/office/drawing/2016/SVG/main" r:embed="rId3"/>
+                </a:ext>
+              </a:extLst>
+            </a:blip>
+            <a:stretch>
+              <a:fillRect/>
+            </a:stretch>
+          </p:blipFill>
+          <p:spPr>
+            <a:xfrm>
+              <a:off x="2649820" y="3612817"/>
+              <a:ext cx="794528" cy="794528"/>
+            </a:xfrm>
+            <a:prstGeom prst="rect">
+              <a:avLst/>
+            </a:prstGeom>
+          </p:spPr>
+        </p:pic>
+        <p:pic>
+          <p:nvPicPr>
+            <p:cNvPr id="12" name="グラフィックス 11">
+              <a:extLst>
+                <a:ext uri="{FF2B5EF4-FFF2-40B4-BE49-F238E27FC236}">
+                  <a16:creationId xmlns:a16="http://schemas.microsoft.com/office/drawing/2014/main" id="{59F2698E-6E6B-4F4F-B4AA-A6FCA5D5F8C0}"/>
+                </a:ext>
+              </a:extLst>
+            </p:cNvPr>
+            <p:cNvPicPr>
+              <a:picLocks noChangeAspect="1"/>
+            </p:cNvPicPr>
+            <p:nvPr/>
+          </p:nvPicPr>
+          <p:blipFill>
+            <a:blip r:embed="rId4">
+              <a:extLst>
+                <a:ext uri="{28A0092B-C50C-407E-A947-70E740481C1C}">
+                  <a14:useLocalDpi xmlns:a14="http://schemas.microsoft.com/office/drawing/2010/main"/>
+                </a:ext>
+                <a:ext uri="{96DAC541-7B7A-43D3-8B79-37D633B846F1}">
+                  <asvg:svgBlip xmlns:asvg="http://schemas.microsoft.com/office/drawing/2016/SVG/main" r:embed="rId5"/>
+                </a:ext>
+              </a:extLst>
+            </a:blip>
+            <a:stretch>
+              <a:fillRect/>
+            </a:stretch>
+          </p:blipFill>
+          <p:spPr>
+            <a:xfrm>
+              <a:off x="5721868" y="3634248"/>
+              <a:ext cx="751666" cy="751666"/>
+            </a:xfrm>
+            <a:prstGeom prst="rect">
+              <a:avLst/>
+            </a:prstGeom>
+          </p:spPr>
+        </p:pic>
+        <p:sp>
+          <p:nvSpPr>
+            <p:cNvPr id="15" name="テキスト ボックス 14">
+              <a:extLst>
+                <a:ext uri="{FF2B5EF4-FFF2-40B4-BE49-F238E27FC236}">
+                  <a16:creationId xmlns:a16="http://schemas.microsoft.com/office/drawing/2014/main" id="{593F3F33-FE94-4004-A7B4-F51A58ED8514}"/>
+                </a:ext>
+              </a:extLst>
+            </p:cNvPr>
+            <p:cNvSpPr txBox="1"/>
+            <p:nvPr/>
+          </p:nvSpPr>
+          <p:spPr>
+            <a:xfrm>
+              <a:off x="5610223" y="4445734"/>
+              <a:ext cx="968855" cy="369332"/>
+            </a:xfrm>
+            <a:prstGeom prst="rect">
+              <a:avLst/>
+            </a:prstGeom>
+            <a:noFill/>
+          </p:spPr>
+          <p:txBody>
+            <a:bodyPr wrap="none" rtlCol="0">
+              <a:spAutoFit/>
+            </a:bodyPr>
+            <a:lstStyle/>
+            <a:p>
+              <a:r>
+                <a:rPr lang="en-US" altLang="ja-JP" dirty="0"/>
+                <a:t>Artifacts</a:t>
+              </a:r>
+              <a:endParaRPr lang="ja-JP" altLang="en-US" dirty="0"/>
+            </a:p>
+          </p:txBody>
+        </p:sp>
+        <p:pic>
+          <p:nvPicPr>
+            <p:cNvPr id="17" name="グラフィックス 16">
+              <a:extLst>
+                <a:ext uri="{FF2B5EF4-FFF2-40B4-BE49-F238E27FC236}">
+                  <a16:creationId xmlns:a16="http://schemas.microsoft.com/office/drawing/2014/main" id="{2C9AE163-4931-46B1-A829-8A8A39AEF535}"/>
+                </a:ext>
+              </a:extLst>
+            </p:cNvPr>
+            <p:cNvPicPr>
+              <a:picLocks noChangeAspect="1"/>
+            </p:cNvPicPr>
+            <p:nvPr/>
+          </p:nvPicPr>
+          <p:blipFill>
+            <a:blip r:embed="rId2">
+              <a:extLst>
+                <a:ext uri="{28A0092B-C50C-407E-A947-70E740481C1C}">
+                  <a14:useLocalDpi xmlns:a14="http://schemas.microsoft.com/office/drawing/2010/main"/>
+                </a:ext>
+                <a:ext uri="{96DAC541-7B7A-43D3-8B79-37D633B846F1}">
+                  <asvg:svgBlip xmlns:asvg="http://schemas.microsoft.com/office/drawing/2016/SVG/main" r:embed="rId3"/>
+                </a:ext>
+              </a:extLst>
+            </a:blip>
+            <a:stretch>
+              <a:fillRect/>
+            </a:stretch>
+          </p:blipFill>
+          <p:spPr>
+            <a:xfrm>
+              <a:off x="8488138" y="3573794"/>
+              <a:ext cx="794528" cy="794528"/>
+            </a:xfrm>
+            <a:prstGeom prst="rect">
+              <a:avLst/>
+            </a:prstGeom>
+          </p:spPr>
+        </p:pic>
+        <p:pic>
+          <p:nvPicPr>
+            <p:cNvPr id="24" name="Shape 416">
+              <a:extLst>
+                <a:ext uri="{FF2B5EF4-FFF2-40B4-BE49-F238E27FC236}">
+                  <a16:creationId xmlns:a16="http://schemas.microsoft.com/office/drawing/2014/main" id="{660F51C7-BF8B-4B31-B2D0-BF443A2BF131}"/>
+                </a:ext>
+              </a:extLst>
+            </p:cNvPr>
+            <p:cNvPicPr preferRelativeResize="0">
+              <a:picLocks noChangeAspect="1"/>
+            </p:cNvPicPr>
+            <p:nvPr/>
+          </p:nvPicPr>
+          <p:blipFill>
+            <a:blip r:embed="rId6" cstate="screen">
+              <a:alphaModFix/>
+              <a:extLst>
+                <a:ext uri="{28A0092B-C50C-407E-A947-70E740481C1C}">
+                  <a14:useLocalDpi xmlns:a14="http://schemas.microsoft.com/office/drawing/2010/main"/>
+                </a:ext>
+              </a:extLst>
+            </a:blip>
+            <a:stretch>
+              <a:fillRect/>
+            </a:stretch>
+          </p:blipFill>
+          <p:spPr>
+            <a:xfrm>
+              <a:off x="2725608" y="5690796"/>
+              <a:ext cx="718740" cy="718740"/>
+            </a:xfrm>
+            <a:prstGeom prst="rect">
+              <a:avLst/>
+            </a:prstGeom>
+            <a:noFill/>
+            <a:ln>
+              <a:noFill/>
+            </a:ln>
+          </p:spPr>
+        </p:pic>
+        <p:pic>
+          <p:nvPicPr>
+            <p:cNvPr id="14" name="グラフィックス 13">
+              <a:extLst>
+                <a:ext uri="{FF2B5EF4-FFF2-40B4-BE49-F238E27FC236}">
+                  <a16:creationId xmlns:a16="http://schemas.microsoft.com/office/drawing/2014/main" id="{ED1EF8A9-A307-4EDC-BBEA-5F2FC7A0E61B}"/>
+                </a:ext>
+              </a:extLst>
+            </p:cNvPr>
+            <p:cNvPicPr>
+              <a:picLocks noChangeAspect="1"/>
+            </p:cNvPicPr>
+            <p:nvPr/>
+          </p:nvPicPr>
+          <p:blipFill>
+            <a:blip r:embed="rId7">
+              <a:extLst>
+                <a:ext uri="{28A0092B-C50C-407E-A947-70E740481C1C}">
+                  <a14:useLocalDpi xmlns:a14="http://schemas.microsoft.com/office/drawing/2010/main"/>
+                </a:ext>
+                <a:ext uri="{96DAC541-7B7A-43D3-8B79-37D633B846F1}">
+                  <asvg:svgBlip xmlns:asvg="http://schemas.microsoft.com/office/drawing/2016/SVG/main" r:embed="rId8"/>
+                </a:ext>
+              </a:extLst>
+            </a:blip>
+            <a:stretch>
+              <a:fillRect/>
+            </a:stretch>
+          </p:blipFill>
+          <p:spPr>
+            <a:xfrm>
+              <a:off x="2743311" y="1586913"/>
+              <a:ext cx="683333" cy="683333"/>
+            </a:xfrm>
+            <a:prstGeom prst="rect">
+              <a:avLst/>
+            </a:prstGeom>
+          </p:spPr>
+        </p:pic>
+        <p:cxnSp>
+          <p:nvCxnSpPr>
+            <p:cNvPr id="27" name="直線矢印コネクタ 26">
+              <a:extLst>
+                <a:ext uri="{FF2B5EF4-FFF2-40B4-BE49-F238E27FC236}">
+                  <a16:creationId xmlns:a16="http://schemas.microsoft.com/office/drawing/2014/main" id="{FC5C5E18-6E1F-412C-887F-BFB0120CDB48}"/>
+                </a:ext>
+              </a:extLst>
+            </p:cNvPr>
+            <p:cNvCxnSpPr>
+              <a:cxnSpLocks/>
+            </p:cNvCxnSpPr>
+            <p:nvPr/>
+          </p:nvCxnSpPr>
+          <p:spPr>
+            <a:xfrm flipH="1" flipV="1">
+              <a:off x="3047085" y="4530039"/>
+              <a:ext cx="6275" cy="1089095"/>
+            </a:xfrm>
+            <a:prstGeom prst="straightConnector1">
+              <a:avLst/>
+            </a:prstGeom>
+            <a:ln>
+              <a:solidFill>
+                <a:schemeClr val="tx2"/>
+              </a:solidFill>
+              <a:headEnd type="none" w="med" len="med"/>
+              <a:tailEnd type="arrow" w="med" len="med"/>
+            </a:ln>
+          </p:spPr>
+          <p:style>
+            <a:lnRef idx="3">
+              <a:schemeClr val="accent2"/>
+            </a:lnRef>
+            <a:fillRef idx="0">
+              <a:schemeClr val="accent2"/>
+            </a:fillRef>
+            <a:effectRef idx="2">
+              <a:schemeClr val="accent2"/>
+            </a:effectRef>
+            <a:fontRef idx="minor">
+              <a:schemeClr val="tx1"/>
+            </a:fontRef>
+          </p:style>
+        </p:cxnSp>
+        <p:cxnSp>
+          <p:nvCxnSpPr>
+            <p:cNvPr id="30" name="直線矢印コネクタ 29">
+              <a:extLst>
+                <a:ext uri="{FF2B5EF4-FFF2-40B4-BE49-F238E27FC236}">
+                  <a16:creationId xmlns:a16="http://schemas.microsoft.com/office/drawing/2014/main" id="{75F0A3E6-41DE-4C3E-8437-B3E0526234C0}"/>
+                </a:ext>
+              </a:extLst>
+            </p:cNvPr>
+            <p:cNvCxnSpPr>
+              <a:cxnSpLocks/>
+            </p:cNvCxnSpPr>
+            <p:nvPr/>
+          </p:nvCxnSpPr>
+          <p:spPr>
+            <a:xfrm flipV="1">
+              <a:off x="3600911" y="4319772"/>
+              <a:ext cx="1873999" cy="1371025"/>
+            </a:xfrm>
+            <a:prstGeom prst="straightConnector1">
+              <a:avLst/>
+            </a:prstGeom>
+            <a:ln>
+              <a:solidFill>
+                <a:schemeClr val="tx2"/>
+              </a:solidFill>
+              <a:headEnd type="none" w="med" len="med"/>
+              <a:tailEnd type="arrow" w="med" len="med"/>
+            </a:ln>
+          </p:spPr>
+          <p:style>
+            <a:lnRef idx="3">
+              <a:schemeClr val="accent2"/>
+            </a:lnRef>
+            <a:fillRef idx="0">
+              <a:schemeClr val="accent2"/>
+            </a:fillRef>
+            <a:effectRef idx="2">
+              <a:schemeClr val="accent2"/>
+            </a:effectRef>
+            <a:fontRef idx="minor">
+              <a:schemeClr val="tx1"/>
+            </a:fontRef>
+          </p:style>
+        </p:cxnSp>
+        <p:pic>
+          <p:nvPicPr>
+            <p:cNvPr id="32" name="グラフィックス 31">
+              <a:extLst>
+                <a:ext uri="{FF2B5EF4-FFF2-40B4-BE49-F238E27FC236}">
+                  <a16:creationId xmlns:a16="http://schemas.microsoft.com/office/drawing/2014/main" id="{B61730B1-1D60-4927-9797-8725CA32187A}"/>
+                </a:ext>
+              </a:extLst>
+            </p:cNvPr>
+            <p:cNvPicPr>
+              <a:picLocks noChangeAspect="1"/>
+            </p:cNvPicPr>
+            <p:nvPr/>
+          </p:nvPicPr>
+          <p:blipFill>
+            <a:blip r:embed="rId7">
+              <a:extLst>
+                <a:ext uri="{28A0092B-C50C-407E-A947-70E740481C1C}">
+                  <a14:useLocalDpi xmlns:a14="http://schemas.microsoft.com/office/drawing/2010/main"/>
+                </a:ext>
+                <a:ext uri="{96DAC541-7B7A-43D3-8B79-37D633B846F1}">
+                  <asvg:svgBlip xmlns:asvg="http://schemas.microsoft.com/office/drawing/2016/SVG/main" r:embed="rId8"/>
+                </a:ext>
+              </a:extLst>
+            </a:blip>
+            <a:stretch>
+              <a:fillRect/>
+            </a:stretch>
+          </p:blipFill>
+          <p:spPr>
+            <a:xfrm>
+              <a:off x="8543735" y="1567987"/>
+              <a:ext cx="683333" cy="683333"/>
+            </a:xfrm>
+            <a:prstGeom prst="rect">
+              <a:avLst/>
+            </a:prstGeom>
+          </p:spPr>
+        </p:pic>
+        <p:pic>
+          <p:nvPicPr>
+            <p:cNvPr id="42" name="Shape 416">
+              <a:extLst>
+                <a:ext uri="{FF2B5EF4-FFF2-40B4-BE49-F238E27FC236}">
+                  <a16:creationId xmlns:a16="http://schemas.microsoft.com/office/drawing/2014/main" id="{A8B43CDF-DCB2-461A-9186-3843B2BC2797}"/>
+                </a:ext>
+              </a:extLst>
+            </p:cNvPr>
+            <p:cNvPicPr preferRelativeResize="0">
+              <a:picLocks noChangeAspect="1"/>
+            </p:cNvPicPr>
+            <p:nvPr/>
+          </p:nvPicPr>
+          <p:blipFill>
+            <a:blip r:embed="rId6" cstate="screen">
+              <a:alphaModFix/>
+              <a:extLst>
+                <a:ext uri="{28A0092B-C50C-407E-A947-70E740481C1C}">
+                  <a14:useLocalDpi xmlns:a14="http://schemas.microsoft.com/office/drawing/2010/main"/>
+                </a:ext>
+              </a:extLst>
+            </a:blip>
+            <a:stretch>
+              <a:fillRect/>
+            </a:stretch>
+          </p:blipFill>
+          <p:spPr>
+            <a:xfrm>
+              <a:off x="8569421" y="5503318"/>
+              <a:ext cx="718740" cy="718740"/>
+            </a:xfrm>
+            <a:prstGeom prst="rect">
+              <a:avLst/>
+            </a:prstGeom>
+            <a:noFill/>
+            <a:ln>
+              <a:noFill/>
+            </a:ln>
+          </p:spPr>
+        </p:pic>
+        <p:cxnSp>
+          <p:nvCxnSpPr>
+            <p:cNvPr id="43" name="直線矢印コネクタ 42">
+              <a:extLst>
+                <a:ext uri="{FF2B5EF4-FFF2-40B4-BE49-F238E27FC236}">
+                  <a16:creationId xmlns:a16="http://schemas.microsoft.com/office/drawing/2014/main" id="{3EB39C53-19B6-4A7C-AAA7-1AEE719AA421}"/>
+                </a:ext>
+              </a:extLst>
+            </p:cNvPr>
+            <p:cNvCxnSpPr>
+              <a:cxnSpLocks/>
+            </p:cNvCxnSpPr>
+            <p:nvPr/>
+          </p:nvCxnSpPr>
+          <p:spPr>
+            <a:xfrm>
+              <a:off x="6614140" y="4319771"/>
+              <a:ext cx="1873999" cy="1371025"/>
+            </a:xfrm>
+            <a:prstGeom prst="straightConnector1">
+              <a:avLst/>
+            </a:prstGeom>
+            <a:ln>
+              <a:solidFill>
+                <a:schemeClr val="tx2"/>
+              </a:solidFill>
+              <a:headEnd type="none" w="med" len="med"/>
+              <a:tailEnd type="arrow" w="med" len="med"/>
+            </a:ln>
+          </p:spPr>
+          <p:style>
+            <a:lnRef idx="3">
+              <a:schemeClr val="accent2"/>
+            </a:lnRef>
+            <a:fillRef idx="0">
+              <a:schemeClr val="accent2"/>
+            </a:fillRef>
+            <a:effectRef idx="2">
+              <a:schemeClr val="accent2"/>
+            </a:effectRef>
+            <a:fontRef idx="minor">
+              <a:schemeClr val="tx1"/>
+            </a:fontRef>
+          </p:style>
+        </p:cxnSp>
+        <p:cxnSp>
+          <p:nvCxnSpPr>
+            <p:cNvPr id="44" name="直線矢印コネクタ 43">
+              <a:extLst>
+                <a:ext uri="{FF2B5EF4-FFF2-40B4-BE49-F238E27FC236}">
+                  <a16:creationId xmlns:a16="http://schemas.microsoft.com/office/drawing/2014/main" id="{B4D6D5B9-F3DA-40F6-9A2A-CFCAFCCD69DB}"/>
+                </a:ext>
+              </a:extLst>
+            </p:cNvPr>
+            <p:cNvCxnSpPr>
+              <a:cxnSpLocks/>
+              <a:stCxn id="42" idx="0"/>
+            </p:cNvCxnSpPr>
+            <p:nvPr/>
+          </p:nvCxnSpPr>
+          <p:spPr>
+            <a:xfrm flipH="1" flipV="1">
+              <a:off x="8917999" y="4407346"/>
+              <a:ext cx="10793" cy="1095973"/>
+            </a:xfrm>
+            <a:prstGeom prst="straightConnector1">
+              <a:avLst/>
+            </a:prstGeom>
+            <a:ln>
+              <a:solidFill>
+                <a:schemeClr val="tx2"/>
+              </a:solidFill>
+              <a:headEnd type="none" w="med" len="med"/>
+              <a:tailEnd type="arrow" w="med" len="med"/>
+            </a:ln>
+          </p:spPr>
+          <p:style>
+            <a:lnRef idx="3">
+              <a:schemeClr val="accent2"/>
+            </a:lnRef>
+            <a:fillRef idx="0">
+              <a:schemeClr val="accent2"/>
+            </a:fillRef>
+            <a:effectRef idx="2">
+              <a:schemeClr val="accent2"/>
+            </a:effectRef>
+            <a:fontRef idx="minor">
+              <a:schemeClr val="tx1"/>
+            </a:fontRef>
+          </p:style>
+        </p:cxnSp>
+        <p:cxnSp>
+          <p:nvCxnSpPr>
+            <p:cNvPr id="47" name="直線矢印コネクタ 46">
+              <a:extLst>
+                <a:ext uri="{FF2B5EF4-FFF2-40B4-BE49-F238E27FC236}">
+                  <a16:creationId xmlns:a16="http://schemas.microsoft.com/office/drawing/2014/main" id="{3D4096D5-8795-47EC-A6C4-204691CA7C38}"/>
+                </a:ext>
+              </a:extLst>
+            </p:cNvPr>
+            <p:cNvCxnSpPr>
+              <a:cxnSpLocks/>
+            </p:cNvCxnSpPr>
+            <p:nvPr/>
+          </p:nvCxnSpPr>
+          <p:spPr>
+            <a:xfrm flipH="1" flipV="1">
+              <a:off x="8909381" y="2394803"/>
+              <a:ext cx="10793" cy="1095973"/>
+            </a:xfrm>
+            <a:prstGeom prst="straightConnector1">
+              <a:avLst/>
+            </a:prstGeom>
+            <a:ln>
+              <a:solidFill>
+                <a:schemeClr val="tx2"/>
+              </a:solidFill>
+              <a:headEnd type="none" w="med" len="med"/>
+              <a:tailEnd type="arrow" w="med" len="med"/>
+            </a:ln>
+          </p:spPr>
+          <p:style>
+            <a:lnRef idx="3">
+              <a:schemeClr val="accent2"/>
+            </a:lnRef>
+            <a:fillRef idx="0">
+              <a:schemeClr val="accent2"/>
+            </a:fillRef>
+            <a:effectRef idx="2">
+              <a:schemeClr val="accent2"/>
+            </a:effectRef>
+            <a:fontRef idx="minor">
+              <a:schemeClr val="tx1"/>
+            </a:fontRef>
+          </p:style>
+        </p:cxnSp>
+        <p:sp>
+          <p:nvSpPr>
+            <p:cNvPr id="48" name="テキスト ボックス 47">
+              <a:extLst>
+                <a:ext uri="{FF2B5EF4-FFF2-40B4-BE49-F238E27FC236}">
+                  <a16:creationId xmlns:a16="http://schemas.microsoft.com/office/drawing/2014/main" id="{3D97A6D8-16BB-485A-9DA8-145FC9A77963}"/>
+                </a:ext>
+              </a:extLst>
+            </p:cNvPr>
+            <p:cNvSpPr txBox="1"/>
+            <p:nvPr/>
+          </p:nvSpPr>
+          <p:spPr>
+            <a:xfrm>
+              <a:off x="1844480" y="3832453"/>
+              <a:ext cx="664734" cy="369332"/>
+            </a:xfrm>
+            <a:prstGeom prst="rect">
+              <a:avLst/>
+            </a:prstGeom>
+            <a:noFill/>
+          </p:spPr>
+          <p:txBody>
+            <a:bodyPr wrap="none" rtlCol="0">
+              <a:spAutoFit/>
+            </a:bodyPr>
+            <a:lstStyle/>
+            <a:p>
+              <a:r>
+                <a:rPr lang="en-US" altLang="ja-JP" dirty="0"/>
+                <a:t>Repo</a:t>
+              </a:r>
+              <a:endParaRPr lang="ja-JP" altLang="en-US" dirty="0"/>
+            </a:p>
+          </p:txBody>
+        </p:sp>
+        <p:cxnSp>
+          <p:nvCxnSpPr>
+            <p:cNvPr id="50" name="直線矢印コネクタ 49">
+              <a:extLst>
+                <a:ext uri="{FF2B5EF4-FFF2-40B4-BE49-F238E27FC236}">
+                  <a16:creationId xmlns:a16="http://schemas.microsoft.com/office/drawing/2014/main" id="{4576B0ED-E3A2-402B-95D4-CEB6A9651DE3}"/>
+                </a:ext>
+              </a:extLst>
+            </p:cNvPr>
+            <p:cNvCxnSpPr>
+              <a:cxnSpLocks/>
+            </p:cNvCxnSpPr>
+            <p:nvPr/>
+          </p:nvCxnSpPr>
+          <p:spPr>
+            <a:xfrm flipV="1">
+              <a:off x="6634378" y="2311784"/>
+              <a:ext cx="1873999" cy="1371025"/>
+            </a:xfrm>
+            <a:prstGeom prst="straightConnector1">
+              <a:avLst/>
+            </a:prstGeom>
+            <a:ln>
+              <a:solidFill>
+                <a:schemeClr val="tx2"/>
+              </a:solidFill>
+              <a:headEnd type="none" w="med" len="med"/>
+              <a:tailEnd type="arrow" w="med" len="med"/>
+            </a:ln>
+          </p:spPr>
+          <p:style>
+            <a:lnRef idx="3">
+              <a:schemeClr val="accent2"/>
+            </a:lnRef>
+            <a:fillRef idx="0">
+              <a:schemeClr val="accent2"/>
+            </a:fillRef>
+            <a:effectRef idx="2">
+              <a:schemeClr val="accent2"/>
+            </a:effectRef>
+            <a:fontRef idx="minor">
+              <a:schemeClr val="tx1"/>
+            </a:fontRef>
+          </p:style>
+        </p:cxnSp>
+        <p:cxnSp>
+          <p:nvCxnSpPr>
+            <p:cNvPr id="51" name="直線矢印コネクタ 50">
+              <a:extLst>
+                <a:ext uri="{FF2B5EF4-FFF2-40B4-BE49-F238E27FC236}">
+                  <a16:creationId xmlns:a16="http://schemas.microsoft.com/office/drawing/2014/main" id="{BB8064F3-48AB-4E34-9DCC-07FA305B4D2D}"/>
+                </a:ext>
+              </a:extLst>
+            </p:cNvPr>
+            <p:cNvCxnSpPr>
+              <a:cxnSpLocks/>
+            </p:cNvCxnSpPr>
+            <p:nvPr/>
+          </p:nvCxnSpPr>
+          <p:spPr>
+            <a:xfrm>
+              <a:off x="9399856" y="1954119"/>
+              <a:ext cx="1483341" cy="0"/>
+            </a:xfrm>
+            <a:prstGeom prst="straightConnector1">
+              <a:avLst/>
+            </a:prstGeom>
+            <a:ln>
+              <a:solidFill>
+                <a:schemeClr val="tx2"/>
+              </a:solidFill>
+              <a:headEnd type="none" w="med" len="med"/>
+              <a:tailEnd type="arrow" w="med" len="med"/>
+            </a:ln>
+          </p:spPr>
+          <p:style>
+            <a:lnRef idx="3">
+              <a:schemeClr val="accent2"/>
+            </a:lnRef>
+            <a:fillRef idx="0">
+              <a:schemeClr val="accent2"/>
+            </a:fillRef>
+            <a:effectRef idx="2">
+              <a:schemeClr val="accent2"/>
+            </a:effectRef>
+            <a:fontRef idx="minor">
+              <a:schemeClr val="tx1"/>
+            </a:fontRef>
+          </p:style>
+        </p:cxnSp>
+        <p:pic>
+          <p:nvPicPr>
+            <p:cNvPr id="55" name="図 54">
+              <a:extLst>
+                <a:ext uri="{FF2B5EF4-FFF2-40B4-BE49-F238E27FC236}">
+                  <a16:creationId xmlns:a16="http://schemas.microsoft.com/office/drawing/2014/main" id="{66E8A794-85CA-4E25-B768-94A1A213C59F}"/>
+                </a:ext>
+              </a:extLst>
+            </p:cNvPr>
+            <p:cNvPicPr>
+              <a:picLocks noChangeAspect="1"/>
+            </p:cNvPicPr>
+            <p:nvPr/>
+          </p:nvPicPr>
+          <p:blipFill>
+            <a:blip r:embed="rId9" cstate="screen">
+              <a:extLst>
+                <a:ext uri="{28A0092B-C50C-407E-A947-70E740481C1C}">
+                  <a14:useLocalDpi xmlns:a14="http://schemas.microsoft.com/office/drawing/2010/main"/>
+                </a:ext>
+              </a:extLst>
+            </a:blip>
+            <a:stretch>
+              <a:fillRect/>
+            </a:stretch>
+          </p:blipFill>
+          <p:spPr>
+            <a:xfrm>
+              <a:off x="11055985" y="1667954"/>
+              <a:ext cx="822535" cy="641445"/>
+            </a:xfrm>
+            <a:prstGeom prst="rect">
+              <a:avLst/>
+            </a:prstGeom>
+          </p:spPr>
+        </p:pic>
+        <p:sp>
+          <p:nvSpPr>
+            <p:cNvPr id="56" name="テキスト ボックス 55">
+              <a:extLst>
+                <a:ext uri="{FF2B5EF4-FFF2-40B4-BE49-F238E27FC236}">
+                  <a16:creationId xmlns:a16="http://schemas.microsoft.com/office/drawing/2014/main" id="{AE21E99E-D7E9-4F0B-877A-84CCF3A7ACF3}"/>
+                </a:ext>
+              </a:extLst>
+            </p:cNvPr>
+            <p:cNvSpPr txBox="1"/>
+            <p:nvPr/>
+          </p:nvSpPr>
+          <p:spPr>
+            <a:xfrm>
+              <a:off x="10913254" y="2394803"/>
+              <a:ext cx="1107996" cy="369332"/>
+            </a:xfrm>
+            <a:prstGeom prst="rect">
+              <a:avLst/>
+            </a:prstGeom>
+            <a:noFill/>
+          </p:spPr>
+          <p:txBody>
+            <a:bodyPr wrap="none" rtlCol="0">
+              <a:spAutoFit/>
+            </a:bodyPr>
+            <a:lstStyle/>
+            <a:p>
+              <a:r>
+                <a:rPr lang="ja-JP" altLang="en-US" dirty="0"/>
+                <a:t>実行環境</a:t>
+              </a:r>
+            </a:p>
+          </p:txBody>
+        </p:sp>
+        <p:sp>
+          <p:nvSpPr>
+            <p:cNvPr id="57" name="テキスト ボックス 56">
+              <a:extLst>
+                <a:ext uri="{FF2B5EF4-FFF2-40B4-BE49-F238E27FC236}">
+                  <a16:creationId xmlns:a16="http://schemas.microsoft.com/office/drawing/2014/main" id="{C01B2973-B9F5-484C-8F9E-A62F3F841124}"/>
+                </a:ext>
+              </a:extLst>
+            </p:cNvPr>
+            <p:cNvSpPr txBox="1"/>
+            <p:nvPr/>
+          </p:nvSpPr>
+          <p:spPr>
+            <a:xfrm>
+              <a:off x="2049962" y="4864404"/>
+              <a:ext cx="918841" cy="369332"/>
+            </a:xfrm>
+            <a:prstGeom prst="rect">
+              <a:avLst/>
+            </a:prstGeom>
+            <a:noFill/>
+          </p:spPr>
+          <p:txBody>
+            <a:bodyPr wrap="none" rtlCol="0">
+              <a:spAutoFit/>
+            </a:bodyPr>
+            <a:lstStyle/>
+            <a:p>
+              <a:r>
+                <a:rPr lang="en-US" altLang="ja-JP" dirty="0"/>
+                <a:t>git </a:t>
+              </a:r>
+              <a:r>
+                <a:rPr lang="en-US" altLang="ja-JP" dirty="0" err="1"/>
+                <a:t>puth</a:t>
+              </a:r>
+              <a:endParaRPr lang="ja-JP" altLang="en-US" dirty="0"/>
+            </a:p>
+          </p:txBody>
+        </p:sp>
+        <p:cxnSp>
+          <p:nvCxnSpPr>
+            <p:cNvPr id="58" name="直線矢印コネクタ 57">
+              <a:extLst>
+                <a:ext uri="{FF2B5EF4-FFF2-40B4-BE49-F238E27FC236}">
+                  <a16:creationId xmlns:a16="http://schemas.microsoft.com/office/drawing/2014/main" id="{B03F5E69-6B91-49A0-BAA9-E5D5989BDE2F}"/>
+                </a:ext>
+              </a:extLst>
+            </p:cNvPr>
+            <p:cNvCxnSpPr>
+              <a:cxnSpLocks/>
+            </p:cNvCxnSpPr>
+            <p:nvPr/>
+          </p:nvCxnSpPr>
+          <p:spPr>
+            <a:xfrm flipH="1" flipV="1">
+              <a:off x="3013896" y="2406939"/>
+              <a:ext cx="10793" cy="1095973"/>
+            </a:xfrm>
+            <a:prstGeom prst="straightConnector1">
+              <a:avLst/>
+            </a:prstGeom>
+            <a:ln>
+              <a:solidFill>
+                <a:schemeClr val="tx2"/>
+              </a:solidFill>
+              <a:headEnd type="none" w="med" len="med"/>
+              <a:tailEnd type="arrow" w="med" len="med"/>
+            </a:ln>
+          </p:spPr>
+          <p:style>
+            <a:lnRef idx="3">
+              <a:schemeClr val="accent2"/>
+            </a:lnRef>
+            <a:fillRef idx="0">
+              <a:schemeClr val="accent2"/>
+            </a:fillRef>
+            <a:effectRef idx="2">
+              <a:schemeClr val="accent2"/>
+            </a:effectRef>
+            <a:fontRef idx="minor">
+              <a:schemeClr val="tx1"/>
+            </a:fontRef>
+          </p:style>
+        </p:cxnSp>
+        <p:cxnSp>
+          <p:nvCxnSpPr>
+            <p:cNvPr id="59" name="直線矢印コネクタ 58">
+              <a:extLst>
+                <a:ext uri="{FF2B5EF4-FFF2-40B4-BE49-F238E27FC236}">
+                  <a16:creationId xmlns:a16="http://schemas.microsoft.com/office/drawing/2014/main" id="{4E733A26-7418-4697-9E7F-F41042A1BCEE}"/>
+                </a:ext>
+              </a:extLst>
+            </p:cNvPr>
+            <p:cNvCxnSpPr>
+              <a:cxnSpLocks/>
+            </p:cNvCxnSpPr>
+            <p:nvPr/>
+          </p:nvCxnSpPr>
+          <p:spPr>
+            <a:xfrm>
+              <a:off x="3584953" y="2300557"/>
+              <a:ext cx="1873999" cy="1371025"/>
+            </a:xfrm>
+            <a:prstGeom prst="straightConnector1">
+              <a:avLst/>
+            </a:prstGeom>
+            <a:ln>
+              <a:solidFill>
+                <a:schemeClr val="tx2"/>
+              </a:solidFill>
+              <a:headEnd type="none" w="med" len="med"/>
+              <a:tailEnd type="arrow" w="med" len="med"/>
+            </a:ln>
+          </p:spPr>
+          <p:style>
+            <a:lnRef idx="3">
+              <a:schemeClr val="accent2"/>
+            </a:lnRef>
+            <a:fillRef idx="0">
+              <a:schemeClr val="accent2"/>
+            </a:fillRef>
+            <a:effectRef idx="2">
+              <a:schemeClr val="accent2"/>
+            </a:effectRef>
+            <a:fontRef idx="minor">
+              <a:schemeClr val="tx1"/>
+            </a:fontRef>
+          </p:style>
+        </p:cxnSp>
+        <p:sp>
+          <p:nvSpPr>
+            <p:cNvPr id="60" name="テキスト ボックス 59">
+              <a:extLst>
+                <a:ext uri="{FF2B5EF4-FFF2-40B4-BE49-F238E27FC236}">
+                  <a16:creationId xmlns:a16="http://schemas.microsoft.com/office/drawing/2014/main" id="{934F5836-EB02-46FF-BEAF-AC4BA1186835}"/>
+                </a:ext>
+              </a:extLst>
+            </p:cNvPr>
+            <p:cNvSpPr txBox="1"/>
+            <p:nvPr/>
+          </p:nvSpPr>
+          <p:spPr>
+            <a:xfrm>
+              <a:off x="1935245" y="1769453"/>
+              <a:ext cx="721672" cy="369332"/>
+            </a:xfrm>
+            <a:prstGeom prst="rect">
+              <a:avLst/>
+            </a:prstGeom>
+            <a:noFill/>
+          </p:spPr>
+          <p:txBody>
+            <a:bodyPr wrap="none" rtlCol="0">
+              <a:spAutoFit/>
+            </a:bodyPr>
+            <a:lstStyle/>
+            <a:p>
+              <a:r>
+                <a:rPr lang="en-US" altLang="ja-JP" dirty="0"/>
+                <a:t>CI/CD</a:t>
+              </a:r>
+              <a:endParaRPr lang="ja-JP" altLang="en-US" dirty="0"/>
+            </a:p>
+          </p:txBody>
+        </p:sp>
+        <p:sp>
+          <p:nvSpPr>
+            <p:cNvPr id="61" name="テキスト ボックス 60">
+              <a:extLst>
+                <a:ext uri="{FF2B5EF4-FFF2-40B4-BE49-F238E27FC236}">
+                  <a16:creationId xmlns:a16="http://schemas.microsoft.com/office/drawing/2014/main" id="{2B443C93-76DE-478D-811C-8527803D2DB6}"/>
+                </a:ext>
+              </a:extLst>
+            </p:cNvPr>
+            <p:cNvSpPr txBox="1"/>
+            <p:nvPr/>
+          </p:nvSpPr>
+          <p:spPr>
+            <a:xfrm>
+              <a:off x="2096448" y="2801404"/>
+              <a:ext cx="825867" cy="369332"/>
+            </a:xfrm>
+            <a:prstGeom prst="rect">
+              <a:avLst/>
+            </a:prstGeom>
+            <a:noFill/>
+          </p:spPr>
+          <p:txBody>
+            <a:bodyPr wrap="none" rtlCol="0">
+              <a:spAutoFit/>
+            </a:bodyPr>
+            <a:lstStyle/>
+            <a:p>
+              <a:r>
+                <a:rPr lang="en-US" altLang="ja-JP" dirty="0"/>
+                <a:t>git pull</a:t>
+              </a:r>
+              <a:endParaRPr lang="ja-JP" altLang="en-US" dirty="0"/>
+            </a:p>
+          </p:txBody>
+        </p:sp>
+        <p:sp>
+          <p:nvSpPr>
+            <p:cNvPr id="62" name="テキスト ボックス 61">
+              <a:extLst>
+                <a:ext uri="{FF2B5EF4-FFF2-40B4-BE49-F238E27FC236}">
+                  <a16:creationId xmlns:a16="http://schemas.microsoft.com/office/drawing/2014/main" id="{E451C1BA-EBC1-48DA-990B-0A2E9E5600A1}"/>
+                </a:ext>
+              </a:extLst>
+            </p:cNvPr>
+            <p:cNvSpPr txBox="1"/>
+            <p:nvPr/>
+          </p:nvSpPr>
+          <p:spPr>
+            <a:xfrm>
+              <a:off x="4240213" y="2406939"/>
+              <a:ext cx="1234697" cy="369332"/>
+            </a:xfrm>
+            <a:prstGeom prst="rect">
+              <a:avLst/>
+            </a:prstGeom>
+            <a:noFill/>
+          </p:spPr>
+          <p:txBody>
+            <a:bodyPr wrap="none" rtlCol="0">
+              <a:spAutoFit/>
+            </a:bodyPr>
+            <a:lstStyle/>
+            <a:p>
+              <a:r>
+                <a:rPr lang="en-US" altLang="ja-JP" dirty="0" err="1"/>
+                <a:t>nuget</a:t>
+              </a:r>
+              <a:r>
+                <a:rPr lang="en-US" altLang="ja-JP" dirty="0"/>
+                <a:t> push</a:t>
+              </a:r>
+              <a:endParaRPr lang="ja-JP" altLang="en-US" dirty="0"/>
+            </a:p>
+          </p:txBody>
+        </p:sp>
+        <p:sp>
+          <p:nvSpPr>
+            <p:cNvPr id="63" name="テキスト ボックス 62">
+              <a:extLst>
+                <a:ext uri="{FF2B5EF4-FFF2-40B4-BE49-F238E27FC236}">
+                  <a16:creationId xmlns:a16="http://schemas.microsoft.com/office/drawing/2014/main" id="{5412F809-F893-40F4-A7BA-766FA8EC1971}"/>
+                </a:ext>
+              </a:extLst>
+            </p:cNvPr>
+            <p:cNvSpPr txBox="1"/>
+            <p:nvPr/>
+          </p:nvSpPr>
+          <p:spPr>
+            <a:xfrm>
+              <a:off x="4240213" y="5194175"/>
+              <a:ext cx="1234697" cy="369332"/>
+            </a:xfrm>
+            <a:prstGeom prst="rect">
+              <a:avLst/>
+            </a:prstGeom>
+            <a:noFill/>
+          </p:spPr>
+          <p:txBody>
+            <a:bodyPr wrap="none" rtlCol="0">
+              <a:spAutoFit/>
+            </a:bodyPr>
+            <a:lstStyle/>
+            <a:p>
+              <a:r>
+                <a:rPr lang="en-US" altLang="ja-JP" dirty="0" err="1"/>
+                <a:t>nuget</a:t>
+              </a:r>
+              <a:r>
+                <a:rPr lang="en-US" altLang="ja-JP" dirty="0"/>
+                <a:t> push</a:t>
+              </a:r>
+              <a:endParaRPr lang="ja-JP" altLang="en-US" dirty="0"/>
+            </a:p>
+          </p:txBody>
+        </p:sp>
+        <p:sp>
+          <p:nvSpPr>
+            <p:cNvPr id="64" name="テキスト ボックス 63">
+              <a:extLst>
+                <a:ext uri="{FF2B5EF4-FFF2-40B4-BE49-F238E27FC236}">
+                  <a16:creationId xmlns:a16="http://schemas.microsoft.com/office/drawing/2014/main" id="{01565627-E489-411F-9FB5-9978E1C825FD}"/>
+                </a:ext>
+              </a:extLst>
+            </p:cNvPr>
+            <p:cNvSpPr txBox="1"/>
+            <p:nvPr/>
+          </p:nvSpPr>
+          <p:spPr>
+            <a:xfrm>
+              <a:off x="6625250" y="2394803"/>
+              <a:ext cx="1448282" cy="369332"/>
+            </a:xfrm>
+            <a:prstGeom prst="rect">
+              <a:avLst/>
+            </a:prstGeom>
+            <a:noFill/>
+          </p:spPr>
+          <p:txBody>
+            <a:bodyPr wrap="none" rtlCol="0">
+              <a:spAutoFit/>
+            </a:bodyPr>
+            <a:lstStyle/>
+            <a:p>
+              <a:r>
+                <a:rPr lang="en-US" altLang="ja-JP" dirty="0" err="1"/>
+                <a:t>nuget</a:t>
+              </a:r>
+              <a:r>
+                <a:rPr lang="en-US" altLang="ja-JP" dirty="0"/>
+                <a:t> restore</a:t>
+              </a:r>
+              <a:endParaRPr lang="ja-JP" altLang="en-US" dirty="0"/>
+            </a:p>
+          </p:txBody>
+        </p:sp>
+        <p:sp>
+          <p:nvSpPr>
+            <p:cNvPr id="65" name="テキスト ボックス 64">
+              <a:extLst>
+                <a:ext uri="{FF2B5EF4-FFF2-40B4-BE49-F238E27FC236}">
+                  <a16:creationId xmlns:a16="http://schemas.microsoft.com/office/drawing/2014/main" id="{54BF5101-36E2-4270-A970-56A0DDC63468}"/>
+                </a:ext>
+              </a:extLst>
+            </p:cNvPr>
+            <p:cNvSpPr txBox="1"/>
+            <p:nvPr/>
+          </p:nvSpPr>
+          <p:spPr>
+            <a:xfrm>
+              <a:off x="6614140" y="5382524"/>
+              <a:ext cx="1448282" cy="369332"/>
+            </a:xfrm>
+            <a:prstGeom prst="rect">
+              <a:avLst/>
+            </a:prstGeom>
+            <a:noFill/>
+          </p:spPr>
+          <p:txBody>
+            <a:bodyPr wrap="none" rtlCol="0">
+              <a:spAutoFit/>
+            </a:bodyPr>
+            <a:lstStyle/>
+            <a:p>
+              <a:r>
+                <a:rPr lang="en-US" altLang="ja-JP" dirty="0" err="1"/>
+                <a:t>nuget</a:t>
+              </a:r>
+              <a:r>
+                <a:rPr lang="en-US" altLang="ja-JP" dirty="0"/>
+                <a:t> restore</a:t>
+              </a:r>
+              <a:endParaRPr lang="ja-JP" altLang="en-US" dirty="0"/>
+            </a:p>
+          </p:txBody>
+        </p:sp>
+        <p:sp>
+          <p:nvSpPr>
+            <p:cNvPr id="67" name="テキスト ボックス 66">
+              <a:extLst>
+                <a:ext uri="{FF2B5EF4-FFF2-40B4-BE49-F238E27FC236}">
+                  <a16:creationId xmlns:a16="http://schemas.microsoft.com/office/drawing/2014/main" id="{34843F0E-C95B-4264-AB20-4991C73D6F0A}"/>
+                </a:ext>
+              </a:extLst>
+            </p:cNvPr>
+            <p:cNvSpPr txBox="1"/>
+            <p:nvPr/>
+          </p:nvSpPr>
+          <p:spPr>
+            <a:xfrm>
+              <a:off x="8938237" y="4784579"/>
+              <a:ext cx="918841" cy="369332"/>
+            </a:xfrm>
+            <a:prstGeom prst="rect">
+              <a:avLst/>
+            </a:prstGeom>
+            <a:noFill/>
+          </p:spPr>
+          <p:txBody>
+            <a:bodyPr wrap="none" rtlCol="0">
+              <a:spAutoFit/>
+            </a:bodyPr>
+            <a:lstStyle/>
+            <a:p>
+              <a:r>
+                <a:rPr lang="en-US" altLang="ja-JP" dirty="0"/>
+                <a:t>git </a:t>
+              </a:r>
+              <a:r>
+                <a:rPr lang="en-US" altLang="ja-JP" dirty="0" err="1"/>
+                <a:t>puth</a:t>
+              </a:r>
+              <a:endParaRPr lang="ja-JP" altLang="en-US" dirty="0"/>
+            </a:p>
+          </p:txBody>
+        </p:sp>
+        <p:sp>
+          <p:nvSpPr>
+            <p:cNvPr id="68" name="テキスト ボックス 67">
+              <a:extLst>
+                <a:ext uri="{FF2B5EF4-FFF2-40B4-BE49-F238E27FC236}">
+                  <a16:creationId xmlns:a16="http://schemas.microsoft.com/office/drawing/2014/main" id="{725F2EF6-97AC-4CAD-95C1-533805C7BD98}"/>
+                </a:ext>
+              </a:extLst>
+            </p:cNvPr>
+            <p:cNvSpPr txBox="1"/>
+            <p:nvPr/>
+          </p:nvSpPr>
+          <p:spPr>
+            <a:xfrm>
+              <a:off x="8984723" y="2721579"/>
+              <a:ext cx="825867" cy="369332"/>
+            </a:xfrm>
+            <a:prstGeom prst="rect">
+              <a:avLst/>
+            </a:prstGeom>
+            <a:noFill/>
+          </p:spPr>
+          <p:txBody>
+            <a:bodyPr wrap="none" rtlCol="0">
+              <a:spAutoFit/>
+            </a:bodyPr>
+            <a:lstStyle/>
+            <a:p>
+              <a:r>
+                <a:rPr lang="en-US" altLang="ja-JP" dirty="0"/>
+                <a:t>git pull</a:t>
+              </a:r>
+              <a:endParaRPr lang="ja-JP" altLang="en-US" dirty="0"/>
+            </a:p>
+          </p:txBody>
+        </p:sp>
+        <p:sp>
+          <p:nvSpPr>
+            <p:cNvPr id="69" name="テキスト ボックス 68">
+              <a:extLst>
+                <a:ext uri="{FF2B5EF4-FFF2-40B4-BE49-F238E27FC236}">
+                  <a16:creationId xmlns:a16="http://schemas.microsoft.com/office/drawing/2014/main" id="{1678DD19-BB36-4446-B149-EE461607F63B}"/>
+                </a:ext>
+              </a:extLst>
+            </p:cNvPr>
+            <p:cNvSpPr txBox="1"/>
+            <p:nvPr/>
+          </p:nvSpPr>
+          <p:spPr>
+            <a:xfrm>
+              <a:off x="9397656" y="3786392"/>
+              <a:ext cx="664734" cy="369332"/>
+            </a:xfrm>
+            <a:prstGeom prst="rect">
+              <a:avLst/>
+            </a:prstGeom>
+            <a:noFill/>
+          </p:spPr>
+          <p:txBody>
+            <a:bodyPr wrap="none" rtlCol="0">
+              <a:spAutoFit/>
+            </a:bodyPr>
+            <a:lstStyle/>
+            <a:p>
+              <a:r>
+                <a:rPr lang="en-US" altLang="ja-JP" dirty="0"/>
+                <a:t>Repo</a:t>
+              </a:r>
+              <a:endParaRPr lang="ja-JP" altLang="en-US" dirty="0"/>
+            </a:p>
+          </p:txBody>
+        </p:sp>
+        <p:pic>
+          <p:nvPicPr>
+            <p:cNvPr id="71" name="図 70">
+              <a:extLst>
+                <a:ext uri="{FF2B5EF4-FFF2-40B4-BE49-F238E27FC236}">
+                  <a16:creationId xmlns:a16="http://schemas.microsoft.com/office/drawing/2014/main" id="{5A332AB8-A96E-4DEF-B52A-4EFD90EBB0BB}"/>
+                </a:ext>
+              </a:extLst>
+            </p:cNvPr>
+            <p:cNvPicPr>
+              <a:picLocks noChangeAspect="1"/>
+            </p:cNvPicPr>
+            <p:nvPr/>
+          </p:nvPicPr>
+          <p:blipFill>
+            <a:blip r:embed="rId10" cstate="screen">
+              <a:extLst>
+                <a:ext uri="{28A0092B-C50C-407E-A947-70E740481C1C}">
+                  <a14:useLocalDpi xmlns:a14="http://schemas.microsoft.com/office/drawing/2010/main"/>
+                </a:ext>
+              </a:extLst>
+            </a:blip>
+            <a:stretch>
+              <a:fillRect/>
+            </a:stretch>
+          </p:blipFill>
+          <p:spPr>
+            <a:xfrm>
+              <a:off x="61421" y="581976"/>
+              <a:ext cx="842477" cy="842477"/>
+            </a:xfrm>
+            <a:prstGeom prst="rect">
+              <a:avLst/>
+            </a:prstGeom>
+          </p:spPr>
+        </p:pic>
+        <p:cxnSp>
+          <p:nvCxnSpPr>
+            <p:cNvPr id="73" name="コネクタ: カギ線 72">
+              <a:extLst>
+                <a:ext uri="{FF2B5EF4-FFF2-40B4-BE49-F238E27FC236}">
+                  <a16:creationId xmlns:a16="http://schemas.microsoft.com/office/drawing/2014/main" id="{F199D57E-914A-49F4-82A7-429CC0653EEE}"/>
+                </a:ext>
+              </a:extLst>
+            </p:cNvPr>
+            <p:cNvCxnSpPr>
+              <a:cxnSpLocks/>
+            </p:cNvCxnSpPr>
+            <p:nvPr/>
+          </p:nvCxnSpPr>
+          <p:spPr>
+            <a:xfrm rot="16200000" flipH="1">
+              <a:off x="-569408" y="2829913"/>
+              <a:ext cx="4425902" cy="2014604"/>
+            </a:xfrm>
+            <a:prstGeom prst="bentConnector2">
+              <a:avLst/>
+            </a:prstGeom>
+            <a:ln>
+              <a:solidFill>
+                <a:schemeClr val="tx2"/>
+              </a:solidFill>
+              <a:headEnd type="none" w="med" len="med"/>
+              <a:tailEnd type="arrow" w="med" len="med"/>
+            </a:ln>
+          </p:spPr>
+          <p:style>
+            <a:lnRef idx="3">
+              <a:schemeClr val="accent2"/>
+            </a:lnRef>
+            <a:fillRef idx="0">
+              <a:schemeClr val="accent2"/>
+            </a:fillRef>
+            <a:effectRef idx="2">
+              <a:schemeClr val="accent2"/>
+            </a:effectRef>
+            <a:fontRef idx="minor">
+              <a:schemeClr val="tx1"/>
+            </a:fontRef>
+          </p:style>
+        </p:cxnSp>
+        <p:sp>
+          <p:nvSpPr>
+            <p:cNvPr id="76" name="テキスト ボックス 75">
+              <a:extLst>
+                <a:ext uri="{FF2B5EF4-FFF2-40B4-BE49-F238E27FC236}">
+                  <a16:creationId xmlns:a16="http://schemas.microsoft.com/office/drawing/2014/main" id="{3384B7F8-90E9-4614-8F30-60AFBABB021D}"/>
+                </a:ext>
+              </a:extLst>
+            </p:cNvPr>
+            <p:cNvSpPr txBox="1"/>
+            <p:nvPr/>
+          </p:nvSpPr>
+          <p:spPr>
+            <a:xfrm>
+              <a:off x="171649" y="6037392"/>
+              <a:ext cx="1448282" cy="369332"/>
+            </a:xfrm>
+            <a:prstGeom prst="rect">
+              <a:avLst/>
+            </a:prstGeom>
+            <a:noFill/>
+          </p:spPr>
+          <p:txBody>
+            <a:bodyPr wrap="none" rtlCol="0">
+              <a:spAutoFit/>
+            </a:bodyPr>
+            <a:lstStyle/>
+            <a:p>
+              <a:r>
+                <a:rPr lang="en-US" altLang="ja-JP" dirty="0" err="1"/>
+                <a:t>nuget</a:t>
+              </a:r>
+              <a:r>
+                <a:rPr lang="en-US" altLang="ja-JP" dirty="0"/>
+                <a:t> restore</a:t>
+              </a:r>
+              <a:endParaRPr lang="ja-JP" altLang="en-US" dirty="0"/>
+            </a:p>
+          </p:txBody>
+        </p:sp>
+        <p:cxnSp>
+          <p:nvCxnSpPr>
+            <p:cNvPr id="77" name="コネクタ: カギ線 76">
+              <a:extLst>
+                <a:ext uri="{FF2B5EF4-FFF2-40B4-BE49-F238E27FC236}">
+                  <a16:creationId xmlns:a16="http://schemas.microsoft.com/office/drawing/2014/main" id="{A6A83A2F-6369-43AB-811E-74ADD83C0DD2}"/>
+                </a:ext>
+              </a:extLst>
+            </p:cNvPr>
+            <p:cNvCxnSpPr>
+              <a:cxnSpLocks/>
+            </p:cNvCxnSpPr>
+            <p:nvPr/>
+          </p:nvCxnSpPr>
+          <p:spPr>
+            <a:xfrm>
+              <a:off x="1007835" y="922701"/>
+              <a:ext cx="5101368" cy="2631033"/>
+            </a:xfrm>
+            <a:prstGeom prst="bentConnector2">
+              <a:avLst/>
+            </a:prstGeom>
+            <a:ln>
+              <a:solidFill>
+                <a:schemeClr val="tx2"/>
+              </a:solidFill>
+              <a:headEnd type="none" w="med" len="med"/>
+              <a:tailEnd type="arrow" w="med" len="med"/>
+            </a:ln>
+          </p:spPr>
+          <p:style>
+            <a:lnRef idx="3">
+              <a:schemeClr val="accent2"/>
+            </a:lnRef>
+            <a:fillRef idx="0">
+              <a:schemeClr val="accent2"/>
+            </a:fillRef>
+            <a:effectRef idx="2">
+              <a:schemeClr val="accent2"/>
+            </a:effectRef>
+            <a:fontRef idx="minor">
+              <a:schemeClr val="tx1"/>
+            </a:fontRef>
+          </p:style>
+        </p:cxnSp>
+        <p:sp>
+          <p:nvSpPr>
+            <p:cNvPr id="80" name="テキスト ボックス 79">
+              <a:extLst>
+                <a:ext uri="{FF2B5EF4-FFF2-40B4-BE49-F238E27FC236}">
+                  <a16:creationId xmlns:a16="http://schemas.microsoft.com/office/drawing/2014/main" id="{DE8C0430-4805-49EB-8D20-E97A473EF0A8}"/>
+                </a:ext>
+              </a:extLst>
+            </p:cNvPr>
+            <p:cNvSpPr txBox="1"/>
+            <p:nvPr/>
+          </p:nvSpPr>
+          <p:spPr>
+            <a:xfrm>
+              <a:off x="919402" y="553369"/>
+              <a:ext cx="1157368" cy="369332"/>
+            </a:xfrm>
+            <a:prstGeom prst="rect">
+              <a:avLst/>
+            </a:prstGeom>
+            <a:noFill/>
+          </p:spPr>
+          <p:txBody>
+            <a:bodyPr wrap="none" rtlCol="0">
+              <a:spAutoFit/>
+            </a:bodyPr>
+            <a:lstStyle/>
+            <a:p>
+              <a:r>
+                <a:rPr lang="en-US" altLang="ja-JP" dirty="0"/>
+                <a:t>Upstream </a:t>
+              </a:r>
+              <a:endParaRPr lang="ja-JP" altLang="en-US" dirty="0"/>
+            </a:p>
+          </p:txBody>
+        </p:sp>
+        <p:sp>
+          <p:nvSpPr>
+            <p:cNvPr id="82" name="正方形/長方形 81">
+              <a:extLst>
+                <a:ext uri="{FF2B5EF4-FFF2-40B4-BE49-F238E27FC236}">
+                  <a16:creationId xmlns:a16="http://schemas.microsoft.com/office/drawing/2014/main" id="{F8114A35-39BC-4040-90C9-C5ED114865FE}"/>
+                </a:ext>
+              </a:extLst>
+            </p:cNvPr>
+            <p:cNvSpPr/>
+            <p:nvPr/>
+          </p:nvSpPr>
+          <p:spPr>
+            <a:xfrm>
+              <a:off x="1701213" y="1374475"/>
+              <a:ext cx="4279768" cy="5181600"/>
+            </a:xfrm>
+            <a:prstGeom prst="rect">
+              <a:avLst/>
+            </a:prstGeom>
+            <a:noFill/>
+            <a:ln w="28575">
+              <a:prstDash val="dash"/>
+            </a:ln>
+          </p:spPr>
+          <p:style>
+            <a:lnRef idx="2">
+              <a:schemeClr val="accent2"/>
+            </a:lnRef>
+            <a:fillRef idx="1">
+              <a:schemeClr val="lt1"/>
+            </a:fillRef>
+            <a:effectRef idx="0">
+              <a:schemeClr val="accent2"/>
+            </a:effectRef>
+            <a:fontRef idx="minor">
+              <a:schemeClr val="dk1"/>
+            </a:fontRef>
+          </p:style>
+          <p:txBody>
+            <a:bodyPr rtlCol="0" anchor="b"/>
+            <a:lstStyle/>
+            <a:p>
+              <a:pPr algn="r"/>
+              <a:r>
+                <a:rPr kumimoji="1" lang="ja-JP" altLang="en-US" dirty="0"/>
+                <a:t>パッケージ開発</a:t>
+              </a:r>
+              <a:endParaRPr kumimoji="1" lang="en-US" altLang="ja-JP" dirty="0"/>
+            </a:p>
+          </p:txBody>
+        </p:sp>
+        <p:sp>
+          <p:nvSpPr>
+            <p:cNvPr id="83" name="正方形/長方形 82">
+              <a:extLst>
+                <a:ext uri="{FF2B5EF4-FFF2-40B4-BE49-F238E27FC236}">
+                  <a16:creationId xmlns:a16="http://schemas.microsoft.com/office/drawing/2014/main" id="{AB472FEB-CA14-41F6-948F-0A99612D06EA}"/>
+                </a:ext>
+              </a:extLst>
+            </p:cNvPr>
+            <p:cNvSpPr/>
+            <p:nvPr/>
+          </p:nvSpPr>
+          <p:spPr>
+            <a:xfrm>
+              <a:off x="6233542" y="1372494"/>
+              <a:ext cx="5843438" cy="5181600"/>
+            </a:xfrm>
+            <a:prstGeom prst="rect">
+              <a:avLst/>
+            </a:prstGeom>
+            <a:noFill/>
+            <a:ln w="28575">
+              <a:prstDash val="dash"/>
+            </a:ln>
+          </p:spPr>
+          <p:style>
+            <a:lnRef idx="2">
+              <a:schemeClr val="accent2"/>
+            </a:lnRef>
+            <a:fillRef idx="1">
+              <a:schemeClr val="lt1"/>
+            </a:fillRef>
+            <a:effectRef idx="0">
+              <a:schemeClr val="accent2"/>
+            </a:effectRef>
+            <a:fontRef idx="minor">
+              <a:schemeClr val="dk1"/>
+            </a:fontRef>
+          </p:style>
+          <p:txBody>
+            <a:bodyPr rtlCol="0" anchor="b"/>
+            <a:lstStyle/>
+            <a:p>
+              <a:pPr algn="r"/>
+              <a:r>
+                <a:rPr kumimoji="1" lang="ja-JP" altLang="en-US" dirty="0"/>
+                <a:t>アプリ開発</a:t>
+              </a:r>
+              <a:endParaRPr kumimoji="1" lang="en-US" altLang="ja-JP" dirty="0"/>
+            </a:p>
+          </p:txBody>
+        </p:sp>
+      </p:grpSp>
+    </p:spTree>
+    <p:extLst>
+      <p:ext uri="{BB962C8B-B14F-4D97-AF65-F5344CB8AC3E}">
+        <p14:creationId xmlns:p14="http://schemas.microsoft.com/office/powerpoint/2010/main" val="4111283553"/>
+      </p:ext>
+    </p:extLst>
+  </p:cSld>
+  <p:clrMapOvr>
+    <a:masterClrMapping/>
+  </p:clrMapOvr>
+</p:sld>
+</file>
+
+<file path=ppt/slides/slide3.xml><?xml version="1.0" encoding="utf-8"?>
+<p:sld xmlns:a="http://schemas.openxmlformats.org/drawingml/2006/main" xmlns:r="http://schemas.openxmlformats.org/officeDocument/2006/relationships" xmlns:p="http://schemas.openxmlformats.org/presentationml/2006/main">
+  <p:cSld>
+    <p:spTree>
+      <p:nvGrpSpPr>
+        <p:cNvPr id="1" name=""/>
+        <p:cNvGrpSpPr/>
+        <p:nvPr/>
+      </p:nvGrpSpPr>
+      <p:grpSpPr>
+        <a:xfrm>
+          <a:off x="0" y="0"/>
+          <a:ext cx="0" cy="0"/>
+          <a:chOff x="0" y="0"/>
+          <a:chExt cx="0" cy="0"/>
+        </a:xfrm>
+      </p:grpSpPr>
+      <p:sp>
+        <p:nvSpPr>
+          <p:cNvPr id="2" name="タイトル 1">
+            <a:extLst>
+              <a:ext uri="{FF2B5EF4-FFF2-40B4-BE49-F238E27FC236}">
+                <a16:creationId xmlns:a16="http://schemas.microsoft.com/office/drawing/2014/main" id="{1EE039E6-34D4-4A5E-8109-D6DF99BDD479}"/>
+              </a:ext>
+            </a:extLst>
+          </p:cNvPr>
+          <p:cNvSpPr>
+            <a:spLocks noGrp="1"/>
+          </p:cNvSpPr>
+          <p:nvPr>
+            <p:ph type="ctrTitle"/>
+          </p:nvPr>
+        </p:nvSpPr>
+        <p:spPr/>
+        <p:txBody>
+          <a:bodyPr/>
+          <a:lstStyle/>
+          <a:p>
+            <a:r>
+              <a:rPr kumimoji="1" lang="en-US" altLang="ja-JP" dirty="0"/>
+              <a:t>Step 1</a:t>
+            </a:r>
+            <a:endParaRPr kumimoji="1" lang="ja-JP" altLang="en-US" dirty="0"/>
+          </a:p>
+        </p:txBody>
+      </p:sp>
+      <p:sp>
+        <p:nvSpPr>
+          <p:cNvPr id="3" name="字幕 2">
+            <a:extLst>
+              <a:ext uri="{FF2B5EF4-FFF2-40B4-BE49-F238E27FC236}">
+                <a16:creationId xmlns:a16="http://schemas.microsoft.com/office/drawing/2014/main" id="{65A2B406-F76A-43C7-8A04-FE9784D3D8DE}"/>
+              </a:ext>
+            </a:extLst>
+          </p:cNvPr>
+          <p:cNvSpPr>
+            <a:spLocks noGrp="1"/>
+          </p:cNvSpPr>
+          <p:nvPr>
+            <p:ph type="subTitle" idx="1"/>
+          </p:nvPr>
+        </p:nvSpPr>
+        <p:spPr/>
+        <p:txBody>
+          <a:bodyPr/>
+          <a:lstStyle/>
+          <a:p>
+            <a:endParaRPr kumimoji="1" lang="ja-JP" altLang="en-US"/>
+          </a:p>
+        </p:txBody>
+      </p:sp>
+    </p:spTree>
+    <p:extLst>
+      <p:ext uri="{BB962C8B-B14F-4D97-AF65-F5344CB8AC3E}">
+        <p14:creationId xmlns:p14="http://schemas.microsoft.com/office/powerpoint/2010/main" val="1100003197"/>
+      </p:ext>
+    </p:extLst>
+  </p:cSld>
+  <p:clrMapOvr>
+    <a:masterClrMapping/>
+  </p:clrMapOvr>
+</p:sld>
+</file>
+
+<file path=ppt/slides/slide4.xml><?xml version="1.0" encoding="utf-8"?>
 <p:sld xmlns:a="http://schemas.openxmlformats.org/drawingml/2006/main" xmlns:r="http://schemas.openxmlformats.org/officeDocument/2006/relationships" xmlns:p="http://schemas.openxmlformats.org/presentationml/2006/main">
   <p:cSld>
     <p:spTree>
@@ -5500,7 +8058,7 @@
 </p:sld>
 </file>
 
-<file path=ppt/slides/slide3.xml><?xml version="1.0" encoding="utf-8"?>
+<file path=ppt/slides/slide5.xml><?xml version="1.0" encoding="utf-8"?>
 <p:sld xmlns:a="http://schemas.openxmlformats.org/drawingml/2006/main" xmlns:r="http://schemas.openxmlformats.org/officeDocument/2006/relationships" xmlns:p="http://schemas.openxmlformats.org/presentationml/2006/main">
   <p:cSld>
     <p:spTree>
@@ -6146,7 +8704,7 @@
 </p:sld>
 </file>
 
-<file path=ppt/slides/slide4.xml><?xml version="1.0" encoding="utf-8"?>
+<file path=ppt/slides/slide6.xml><?xml version="1.0" encoding="utf-8"?>
 <p:sld xmlns:a="http://schemas.openxmlformats.org/drawingml/2006/main" xmlns:r="http://schemas.openxmlformats.org/officeDocument/2006/relationships" xmlns:p="http://schemas.openxmlformats.org/presentationml/2006/main">
   <p:cSld>
     <p:spTree>
@@ -6669,7 +9227,91 @@
 </p:sld>
 </file>
 
-<file path=ppt/slides/slide5.xml><?xml version="1.0" encoding="utf-8"?>
+<file path=ppt/slides/slide7.xml><?xml version="1.0" encoding="utf-8"?>
+<p:sld xmlns:a="http://schemas.openxmlformats.org/drawingml/2006/main" xmlns:r="http://schemas.openxmlformats.org/officeDocument/2006/relationships" xmlns:p="http://schemas.openxmlformats.org/presentationml/2006/main">
+  <p:cSld>
+    <p:spTree>
+      <p:nvGrpSpPr>
+        <p:cNvPr id="1" name=""/>
+        <p:cNvGrpSpPr/>
+        <p:nvPr/>
+      </p:nvGrpSpPr>
+      <p:grpSpPr>
+        <a:xfrm>
+          <a:off x="0" y="0"/>
+          <a:ext cx="0" cy="0"/>
+          <a:chOff x="0" y="0"/>
+          <a:chExt cx="0" cy="0"/>
+        </a:xfrm>
+      </p:grpSpPr>
+      <p:sp>
+        <p:nvSpPr>
+          <p:cNvPr id="2" name="タイトル 1">
+            <a:extLst>
+              <a:ext uri="{FF2B5EF4-FFF2-40B4-BE49-F238E27FC236}">
+                <a16:creationId xmlns:a16="http://schemas.microsoft.com/office/drawing/2014/main" id="{1EE039E6-34D4-4A5E-8109-D6DF99BDD479}"/>
+              </a:ext>
+            </a:extLst>
+          </p:cNvPr>
+          <p:cNvSpPr>
+            <a:spLocks noGrp="1"/>
+          </p:cNvSpPr>
+          <p:nvPr>
+            <p:ph type="ctrTitle"/>
+          </p:nvPr>
+        </p:nvSpPr>
+        <p:spPr/>
+        <p:txBody>
+          <a:bodyPr/>
+          <a:lstStyle/>
+          <a:p>
+            <a:r>
+              <a:rPr kumimoji="1" lang="en-US" altLang="ja-JP" dirty="0"/>
+              <a:t>Step 2</a:t>
+            </a:r>
+            <a:endParaRPr kumimoji="1" lang="ja-JP" altLang="en-US" dirty="0"/>
+          </a:p>
+        </p:txBody>
+      </p:sp>
+      <p:sp>
+        <p:nvSpPr>
+          <p:cNvPr id="3" name="字幕 2">
+            <a:extLst>
+              <a:ext uri="{FF2B5EF4-FFF2-40B4-BE49-F238E27FC236}">
+                <a16:creationId xmlns:a16="http://schemas.microsoft.com/office/drawing/2014/main" id="{65A2B406-F76A-43C7-8A04-FE9784D3D8DE}"/>
+              </a:ext>
+            </a:extLst>
+          </p:cNvPr>
+          <p:cNvSpPr>
+            <a:spLocks noGrp="1"/>
+          </p:cNvSpPr>
+          <p:nvPr>
+            <p:ph type="subTitle" idx="1"/>
+          </p:nvPr>
+        </p:nvSpPr>
+        <p:spPr/>
+        <p:txBody>
+          <a:bodyPr/>
+          <a:lstStyle/>
+          <a:p>
+            <a:endParaRPr kumimoji="1" lang="ja-JP" altLang="en-US"/>
+          </a:p>
+        </p:txBody>
+      </p:sp>
+    </p:spTree>
+    <p:extLst>
+      <p:ext uri="{BB962C8B-B14F-4D97-AF65-F5344CB8AC3E}">
+        <p14:creationId xmlns:p14="http://schemas.microsoft.com/office/powerpoint/2010/main" val="246150878"/>
+      </p:ext>
+    </p:extLst>
+  </p:cSld>
+  <p:clrMapOvr>
+    <a:masterClrMapping/>
+  </p:clrMapOvr>
+</p:sld>
+</file>
+
+<file path=ppt/slides/slide8.xml><?xml version="1.0" encoding="utf-8"?>
 <p:sld xmlns:a="http://schemas.openxmlformats.org/drawingml/2006/main" xmlns:r="http://schemas.openxmlformats.org/officeDocument/2006/relationships" xmlns:p="http://schemas.openxmlformats.org/presentationml/2006/main">
   <p:cSld>
     <p:spTree>
@@ -6935,7 +9577,7 @@
 </p:sld>
 </file>
 
-<file path=ppt/slides/slide6.xml><?xml version="1.0" encoding="utf-8"?>
+<file path=ppt/slides/slide9.xml><?xml version="1.0" encoding="utf-8"?>
 <p:sld xmlns:a="http://schemas.openxmlformats.org/drawingml/2006/main" xmlns:r="http://schemas.openxmlformats.org/officeDocument/2006/relationships" xmlns:p="http://schemas.openxmlformats.org/presentationml/2006/main">
   <p:cSld>
     <p:spTree>
@@ -7036,1715 +9678,6 @@
     <p:extLst>
       <p:ext uri="{BB962C8B-B14F-4D97-AF65-F5344CB8AC3E}">
         <p14:creationId xmlns:p14="http://schemas.microsoft.com/office/powerpoint/2010/main" val="1655666606"/>
-      </p:ext>
-    </p:extLst>
-  </p:cSld>
-  <p:clrMapOvr>
-    <a:masterClrMapping/>
-  </p:clrMapOvr>
-</p:sld>
-</file>
-
-<file path=ppt/slides/slide7.xml><?xml version="1.0" encoding="utf-8"?>
-<p:sld xmlns:a="http://schemas.openxmlformats.org/drawingml/2006/main" xmlns:r="http://schemas.openxmlformats.org/officeDocument/2006/relationships" xmlns:p="http://schemas.openxmlformats.org/presentationml/2006/main">
-  <p:cSld>
-    <p:spTree>
-      <p:nvGrpSpPr>
-        <p:cNvPr id="1" name=""/>
-        <p:cNvGrpSpPr/>
-        <p:nvPr/>
-      </p:nvGrpSpPr>
-      <p:grpSpPr>
-        <a:xfrm>
-          <a:off x="0" y="0"/>
-          <a:ext cx="0" cy="0"/>
-          <a:chOff x="0" y="0"/>
-          <a:chExt cx="0" cy="0"/>
-        </a:xfrm>
-      </p:grpSpPr>
-    </p:spTree>
-    <p:extLst>
-      <p:ext uri="{BB962C8B-B14F-4D97-AF65-F5344CB8AC3E}">
-        <p14:creationId xmlns:p14="http://schemas.microsoft.com/office/powerpoint/2010/main" val="1152828947"/>
-      </p:ext>
-    </p:extLst>
-  </p:cSld>
-  <p:clrMapOvr>
-    <a:masterClrMapping/>
-  </p:clrMapOvr>
-</p:sld>
-</file>
-
-<file path=ppt/slides/slide8.xml><?xml version="1.0" encoding="utf-8"?>
-<p:sld xmlns:a="http://schemas.openxmlformats.org/drawingml/2006/main" xmlns:r="http://schemas.openxmlformats.org/officeDocument/2006/relationships" xmlns:p="http://schemas.openxmlformats.org/presentationml/2006/main">
-  <p:cSld>
-    <p:spTree>
-      <p:nvGrpSpPr>
-        <p:cNvPr id="1" name=""/>
-        <p:cNvGrpSpPr/>
-        <p:nvPr/>
-      </p:nvGrpSpPr>
-      <p:grpSpPr>
-        <a:xfrm>
-          <a:off x="0" y="0"/>
-          <a:ext cx="0" cy="0"/>
-          <a:chOff x="0" y="0"/>
-          <a:chExt cx="0" cy="0"/>
-        </a:xfrm>
-      </p:grpSpPr>
-      <p:grpSp>
-        <p:nvGrpSpPr>
-          <p:cNvPr id="84" name="グループ化 83">
-            <a:extLst>
-              <a:ext uri="{FF2B5EF4-FFF2-40B4-BE49-F238E27FC236}">
-                <a16:creationId xmlns:a16="http://schemas.microsoft.com/office/drawing/2014/main" id="{C16B93D5-3781-4C21-AE88-A6AE2894D59B}"/>
-              </a:ext>
-            </a:extLst>
-          </p:cNvPr>
-          <p:cNvGrpSpPr/>
-          <p:nvPr/>
-        </p:nvGrpSpPr>
-        <p:grpSpPr>
-          <a:xfrm>
-            <a:off x="61421" y="553369"/>
-            <a:ext cx="12015559" cy="6002706"/>
-            <a:chOff x="61421" y="553369"/>
-            <a:chExt cx="12015559" cy="6002706"/>
-          </a:xfrm>
-        </p:grpSpPr>
-        <p:pic>
-          <p:nvPicPr>
-            <p:cNvPr id="10" name="グラフィックス 9">
-              <a:extLst>
-                <a:ext uri="{FF2B5EF4-FFF2-40B4-BE49-F238E27FC236}">
-                  <a16:creationId xmlns:a16="http://schemas.microsoft.com/office/drawing/2014/main" id="{720C8AEA-BD22-4FF4-BFBC-5D43E880A0D0}"/>
-                </a:ext>
-              </a:extLst>
-            </p:cNvPr>
-            <p:cNvPicPr>
-              <a:picLocks noChangeAspect="1"/>
-            </p:cNvPicPr>
-            <p:nvPr/>
-          </p:nvPicPr>
-          <p:blipFill>
-            <a:blip r:embed="rId2">
-              <a:extLst>
-                <a:ext uri="{28A0092B-C50C-407E-A947-70E740481C1C}">
-                  <a14:useLocalDpi xmlns:a14="http://schemas.microsoft.com/office/drawing/2010/main"/>
-                </a:ext>
-                <a:ext uri="{96DAC541-7B7A-43D3-8B79-37D633B846F1}">
-                  <asvg:svgBlip xmlns:asvg="http://schemas.microsoft.com/office/drawing/2016/SVG/main" r:embed="rId3"/>
-                </a:ext>
-              </a:extLst>
-            </a:blip>
-            <a:stretch>
-              <a:fillRect/>
-            </a:stretch>
-          </p:blipFill>
-          <p:spPr>
-            <a:xfrm>
-              <a:off x="2649820" y="3612817"/>
-              <a:ext cx="794528" cy="794528"/>
-            </a:xfrm>
-            <a:prstGeom prst="rect">
-              <a:avLst/>
-            </a:prstGeom>
-          </p:spPr>
-        </p:pic>
-        <p:pic>
-          <p:nvPicPr>
-            <p:cNvPr id="12" name="グラフィックス 11">
-              <a:extLst>
-                <a:ext uri="{FF2B5EF4-FFF2-40B4-BE49-F238E27FC236}">
-                  <a16:creationId xmlns:a16="http://schemas.microsoft.com/office/drawing/2014/main" id="{59F2698E-6E6B-4F4F-B4AA-A6FCA5D5F8C0}"/>
-                </a:ext>
-              </a:extLst>
-            </p:cNvPr>
-            <p:cNvPicPr>
-              <a:picLocks noChangeAspect="1"/>
-            </p:cNvPicPr>
-            <p:nvPr/>
-          </p:nvPicPr>
-          <p:blipFill>
-            <a:blip r:embed="rId4">
-              <a:extLst>
-                <a:ext uri="{28A0092B-C50C-407E-A947-70E740481C1C}">
-                  <a14:useLocalDpi xmlns:a14="http://schemas.microsoft.com/office/drawing/2010/main"/>
-                </a:ext>
-                <a:ext uri="{96DAC541-7B7A-43D3-8B79-37D633B846F1}">
-                  <asvg:svgBlip xmlns:asvg="http://schemas.microsoft.com/office/drawing/2016/SVG/main" r:embed="rId5"/>
-                </a:ext>
-              </a:extLst>
-            </a:blip>
-            <a:stretch>
-              <a:fillRect/>
-            </a:stretch>
-          </p:blipFill>
-          <p:spPr>
-            <a:xfrm>
-              <a:off x="5721868" y="3634248"/>
-              <a:ext cx="751666" cy="751666"/>
-            </a:xfrm>
-            <a:prstGeom prst="rect">
-              <a:avLst/>
-            </a:prstGeom>
-          </p:spPr>
-        </p:pic>
-        <p:sp>
-          <p:nvSpPr>
-            <p:cNvPr id="15" name="テキスト ボックス 14">
-              <a:extLst>
-                <a:ext uri="{FF2B5EF4-FFF2-40B4-BE49-F238E27FC236}">
-                  <a16:creationId xmlns:a16="http://schemas.microsoft.com/office/drawing/2014/main" id="{593F3F33-FE94-4004-A7B4-F51A58ED8514}"/>
-                </a:ext>
-              </a:extLst>
-            </p:cNvPr>
-            <p:cNvSpPr txBox="1"/>
-            <p:nvPr/>
-          </p:nvSpPr>
-          <p:spPr>
-            <a:xfrm>
-              <a:off x="5610223" y="4445734"/>
-              <a:ext cx="968855" cy="369332"/>
-            </a:xfrm>
-            <a:prstGeom prst="rect">
-              <a:avLst/>
-            </a:prstGeom>
-            <a:noFill/>
-          </p:spPr>
-          <p:txBody>
-            <a:bodyPr wrap="none" rtlCol="0">
-              <a:spAutoFit/>
-            </a:bodyPr>
-            <a:lstStyle/>
-            <a:p>
-              <a:r>
-                <a:rPr lang="en-US" altLang="ja-JP" dirty="0"/>
-                <a:t>Artifacts</a:t>
-              </a:r>
-              <a:endParaRPr lang="ja-JP" altLang="en-US" dirty="0"/>
-            </a:p>
-          </p:txBody>
-        </p:sp>
-        <p:pic>
-          <p:nvPicPr>
-            <p:cNvPr id="17" name="グラフィックス 16">
-              <a:extLst>
-                <a:ext uri="{FF2B5EF4-FFF2-40B4-BE49-F238E27FC236}">
-                  <a16:creationId xmlns:a16="http://schemas.microsoft.com/office/drawing/2014/main" id="{2C9AE163-4931-46B1-A829-8A8A39AEF535}"/>
-                </a:ext>
-              </a:extLst>
-            </p:cNvPr>
-            <p:cNvPicPr>
-              <a:picLocks noChangeAspect="1"/>
-            </p:cNvPicPr>
-            <p:nvPr/>
-          </p:nvPicPr>
-          <p:blipFill>
-            <a:blip r:embed="rId2">
-              <a:extLst>
-                <a:ext uri="{28A0092B-C50C-407E-A947-70E740481C1C}">
-                  <a14:useLocalDpi xmlns:a14="http://schemas.microsoft.com/office/drawing/2010/main"/>
-                </a:ext>
-                <a:ext uri="{96DAC541-7B7A-43D3-8B79-37D633B846F1}">
-                  <asvg:svgBlip xmlns:asvg="http://schemas.microsoft.com/office/drawing/2016/SVG/main" r:embed="rId3"/>
-                </a:ext>
-              </a:extLst>
-            </a:blip>
-            <a:stretch>
-              <a:fillRect/>
-            </a:stretch>
-          </p:blipFill>
-          <p:spPr>
-            <a:xfrm>
-              <a:off x="8488138" y="3573794"/>
-              <a:ext cx="794528" cy="794528"/>
-            </a:xfrm>
-            <a:prstGeom prst="rect">
-              <a:avLst/>
-            </a:prstGeom>
-          </p:spPr>
-        </p:pic>
-        <p:pic>
-          <p:nvPicPr>
-            <p:cNvPr id="24" name="Shape 416">
-              <a:extLst>
-                <a:ext uri="{FF2B5EF4-FFF2-40B4-BE49-F238E27FC236}">
-                  <a16:creationId xmlns:a16="http://schemas.microsoft.com/office/drawing/2014/main" id="{660F51C7-BF8B-4B31-B2D0-BF443A2BF131}"/>
-                </a:ext>
-              </a:extLst>
-            </p:cNvPr>
-            <p:cNvPicPr preferRelativeResize="0">
-              <a:picLocks noChangeAspect="1"/>
-            </p:cNvPicPr>
-            <p:nvPr/>
-          </p:nvPicPr>
-          <p:blipFill>
-            <a:blip r:embed="rId6" cstate="screen">
-              <a:alphaModFix/>
-              <a:extLst>
-                <a:ext uri="{28A0092B-C50C-407E-A947-70E740481C1C}">
-                  <a14:useLocalDpi xmlns:a14="http://schemas.microsoft.com/office/drawing/2010/main"/>
-                </a:ext>
-              </a:extLst>
-            </a:blip>
-            <a:stretch>
-              <a:fillRect/>
-            </a:stretch>
-          </p:blipFill>
-          <p:spPr>
-            <a:xfrm>
-              <a:off x="2725608" y="5690796"/>
-              <a:ext cx="718740" cy="718740"/>
-            </a:xfrm>
-            <a:prstGeom prst="rect">
-              <a:avLst/>
-            </a:prstGeom>
-            <a:noFill/>
-            <a:ln>
-              <a:noFill/>
-            </a:ln>
-          </p:spPr>
-        </p:pic>
-        <p:pic>
-          <p:nvPicPr>
-            <p:cNvPr id="14" name="グラフィックス 13">
-              <a:extLst>
-                <a:ext uri="{FF2B5EF4-FFF2-40B4-BE49-F238E27FC236}">
-                  <a16:creationId xmlns:a16="http://schemas.microsoft.com/office/drawing/2014/main" id="{ED1EF8A9-A307-4EDC-BBEA-5F2FC7A0E61B}"/>
-                </a:ext>
-              </a:extLst>
-            </p:cNvPr>
-            <p:cNvPicPr>
-              <a:picLocks noChangeAspect="1"/>
-            </p:cNvPicPr>
-            <p:nvPr/>
-          </p:nvPicPr>
-          <p:blipFill>
-            <a:blip r:embed="rId7">
-              <a:extLst>
-                <a:ext uri="{28A0092B-C50C-407E-A947-70E740481C1C}">
-                  <a14:useLocalDpi xmlns:a14="http://schemas.microsoft.com/office/drawing/2010/main"/>
-                </a:ext>
-                <a:ext uri="{96DAC541-7B7A-43D3-8B79-37D633B846F1}">
-                  <asvg:svgBlip xmlns:asvg="http://schemas.microsoft.com/office/drawing/2016/SVG/main" r:embed="rId8"/>
-                </a:ext>
-              </a:extLst>
-            </a:blip>
-            <a:stretch>
-              <a:fillRect/>
-            </a:stretch>
-          </p:blipFill>
-          <p:spPr>
-            <a:xfrm>
-              <a:off x="2743311" y="1586913"/>
-              <a:ext cx="683333" cy="683333"/>
-            </a:xfrm>
-            <a:prstGeom prst="rect">
-              <a:avLst/>
-            </a:prstGeom>
-          </p:spPr>
-        </p:pic>
-        <p:cxnSp>
-          <p:nvCxnSpPr>
-            <p:cNvPr id="27" name="直線矢印コネクタ 26">
-              <a:extLst>
-                <a:ext uri="{FF2B5EF4-FFF2-40B4-BE49-F238E27FC236}">
-                  <a16:creationId xmlns:a16="http://schemas.microsoft.com/office/drawing/2014/main" id="{FC5C5E18-6E1F-412C-887F-BFB0120CDB48}"/>
-                </a:ext>
-              </a:extLst>
-            </p:cNvPr>
-            <p:cNvCxnSpPr>
-              <a:cxnSpLocks/>
-            </p:cNvCxnSpPr>
-            <p:nvPr/>
-          </p:nvCxnSpPr>
-          <p:spPr>
-            <a:xfrm flipH="1" flipV="1">
-              <a:off x="3047085" y="4530039"/>
-              <a:ext cx="6275" cy="1089095"/>
-            </a:xfrm>
-            <a:prstGeom prst="straightConnector1">
-              <a:avLst/>
-            </a:prstGeom>
-            <a:ln>
-              <a:solidFill>
-                <a:schemeClr val="tx2"/>
-              </a:solidFill>
-              <a:headEnd type="none" w="med" len="med"/>
-              <a:tailEnd type="arrow" w="med" len="med"/>
-            </a:ln>
-          </p:spPr>
-          <p:style>
-            <a:lnRef idx="3">
-              <a:schemeClr val="accent2"/>
-            </a:lnRef>
-            <a:fillRef idx="0">
-              <a:schemeClr val="accent2"/>
-            </a:fillRef>
-            <a:effectRef idx="2">
-              <a:schemeClr val="accent2"/>
-            </a:effectRef>
-            <a:fontRef idx="minor">
-              <a:schemeClr val="tx1"/>
-            </a:fontRef>
-          </p:style>
-        </p:cxnSp>
-        <p:cxnSp>
-          <p:nvCxnSpPr>
-            <p:cNvPr id="30" name="直線矢印コネクタ 29">
-              <a:extLst>
-                <a:ext uri="{FF2B5EF4-FFF2-40B4-BE49-F238E27FC236}">
-                  <a16:creationId xmlns:a16="http://schemas.microsoft.com/office/drawing/2014/main" id="{75F0A3E6-41DE-4C3E-8437-B3E0526234C0}"/>
-                </a:ext>
-              </a:extLst>
-            </p:cNvPr>
-            <p:cNvCxnSpPr>
-              <a:cxnSpLocks/>
-            </p:cNvCxnSpPr>
-            <p:nvPr/>
-          </p:nvCxnSpPr>
-          <p:spPr>
-            <a:xfrm flipV="1">
-              <a:off x="3600911" y="4319772"/>
-              <a:ext cx="1873999" cy="1371025"/>
-            </a:xfrm>
-            <a:prstGeom prst="straightConnector1">
-              <a:avLst/>
-            </a:prstGeom>
-            <a:ln>
-              <a:solidFill>
-                <a:schemeClr val="tx2"/>
-              </a:solidFill>
-              <a:headEnd type="none" w="med" len="med"/>
-              <a:tailEnd type="arrow" w="med" len="med"/>
-            </a:ln>
-          </p:spPr>
-          <p:style>
-            <a:lnRef idx="3">
-              <a:schemeClr val="accent2"/>
-            </a:lnRef>
-            <a:fillRef idx="0">
-              <a:schemeClr val="accent2"/>
-            </a:fillRef>
-            <a:effectRef idx="2">
-              <a:schemeClr val="accent2"/>
-            </a:effectRef>
-            <a:fontRef idx="minor">
-              <a:schemeClr val="tx1"/>
-            </a:fontRef>
-          </p:style>
-        </p:cxnSp>
-        <p:pic>
-          <p:nvPicPr>
-            <p:cNvPr id="32" name="グラフィックス 31">
-              <a:extLst>
-                <a:ext uri="{FF2B5EF4-FFF2-40B4-BE49-F238E27FC236}">
-                  <a16:creationId xmlns:a16="http://schemas.microsoft.com/office/drawing/2014/main" id="{B61730B1-1D60-4927-9797-8725CA32187A}"/>
-                </a:ext>
-              </a:extLst>
-            </p:cNvPr>
-            <p:cNvPicPr>
-              <a:picLocks noChangeAspect="1"/>
-            </p:cNvPicPr>
-            <p:nvPr/>
-          </p:nvPicPr>
-          <p:blipFill>
-            <a:blip r:embed="rId7">
-              <a:extLst>
-                <a:ext uri="{28A0092B-C50C-407E-A947-70E740481C1C}">
-                  <a14:useLocalDpi xmlns:a14="http://schemas.microsoft.com/office/drawing/2010/main"/>
-                </a:ext>
-                <a:ext uri="{96DAC541-7B7A-43D3-8B79-37D633B846F1}">
-                  <asvg:svgBlip xmlns:asvg="http://schemas.microsoft.com/office/drawing/2016/SVG/main" r:embed="rId8"/>
-                </a:ext>
-              </a:extLst>
-            </a:blip>
-            <a:stretch>
-              <a:fillRect/>
-            </a:stretch>
-          </p:blipFill>
-          <p:spPr>
-            <a:xfrm>
-              <a:off x="8543735" y="1567987"/>
-              <a:ext cx="683333" cy="683333"/>
-            </a:xfrm>
-            <a:prstGeom prst="rect">
-              <a:avLst/>
-            </a:prstGeom>
-          </p:spPr>
-        </p:pic>
-        <p:pic>
-          <p:nvPicPr>
-            <p:cNvPr id="42" name="Shape 416">
-              <a:extLst>
-                <a:ext uri="{FF2B5EF4-FFF2-40B4-BE49-F238E27FC236}">
-                  <a16:creationId xmlns:a16="http://schemas.microsoft.com/office/drawing/2014/main" id="{A8B43CDF-DCB2-461A-9186-3843B2BC2797}"/>
-                </a:ext>
-              </a:extLst>
-            </p:cNvPr>
-            <p:cNvPicPr preferRelativeResize="0">
-              <a:picLocks noChangeAspect="1"/>
-            </p:cNvPicPr>
-            <p:nvPr/>
-          </p:nvPicPr>
-          <p:blipFill>
-            <a:blip r:embed="rId6" cstate="screen">
-              <a:alphaModFix/>
-              <a:extLst>
-                <a:ext uri="{28A0092B-C50C-407E-A947-70E740481C1C}">
-                  <a14:useLocalDpi xmlns:a14="http://schemas.microsoft.com/office/drawing/2010/main"/>
-                </a:ext>
-              </a:extLst>
-            </a:blip>
-            <a:stretch>
-              <a:fillRect/>
-            </a:stretch>
-          </p:blipFill>
-          <p:spPr>
-            <a:xfrm>
-              <a:off x="8569421" y="5503318"/>
-              <a:ext cx="718740" cy="718740"/>
-            </a:xfrm>
-            <a:prstGeom prst="rect">
-              <a:avLst/>
-            </a:prstGeom>
-            <a:noFill/>
-            <a:ln>
-              <a:noFill/>
-            </a:ln>
-          </p:spPr>
-        </p:pic>
-        <p:cxnSp>
-          <p:nvCxnSpPr>
-            <p:cNvPr id="43" name="直線矢印コネクタ 42">
-              <a:extLst>
-                <a:ext uri="{FF2B5EF4-FFF2-40B4-BE49-F238E27FC236}">
-                  <a16:creationId xmlns:a16="http://schemas.microsoft.com/office/drawing/2014/main" id="{3EB39C53-19B6-4A7C-AAA7-1AEE719AA421}"/>
-                </a:ext>
-              </a:extLst>
-            </p:cNvPr>
-            <p:cNvCxnSpPr>
-              <a:cxnSpLocks/>
-            </p:cNvCxnSpPr>
-            <p:nvPr/>
-          </p:nvCxnSpPr>
-          <p:spPr>
-            <a:xfrm>
-              <a:off x="6614140" y="4319771"/>
-              <a:ext cx="1873999" cy="1371025"/>
-            </a:xfrm>
-            <a:prstGeom prst="straightConnector1">
-              <a:avLst/>
-            </a:prstGeom>
-            <a:ln>
-              <a:solidFill>
-                <a:schemeClr val="tx2"/>
-              </a:solidFill>
-              <a:headEnd type="none" w="med" len="med"/>
-              <a:tailEnd type="arrow" w="med" len="med"/>
-            </a:ln>
-          </p:spPr>
-          <p:style>
-            <a:lnRef idx="3">
-              <a:schemeClr val="accent2"/>
-            </a:lnRef>
-            <a:fillRef idx="0">
-              <a:schemeClr val="accent2"/>
-            </a:fillRef>
-            <a:effectRef idx="2">
-              <a:schemeClr val="accent2"/>
-            </a:effectRef>
-            <a:fontRef idx="minor">
-              <a:schemeClr val="tx1"/>
-            </a:fontRef>
-          </p:style>
-        </p:cxnSp>
-        <p:cxnSp>
-          <p:nvCxnSpPr>
-            <p:cNvPr id="44" name="直線矢印コネクタ 43">
-              <a:extLst>
-                <a:ext uri="{FF2B5EF4-FFF2-40B4-BE49-F238E27FC236}">
-                  <a16:creationId xmlns:a16="http://schemas.microsoft.com/office/drawing/2014/main" id="{B4D6D5B9-F3DA-40F6-9A2A-CFCAFCCD69DB}"/>
-                </a:ext>
-              </a:extLst>
-            </p:cNvPr>
-            <p:cNvCxnSpPr>
-              <a:cxnSpLocks/>
-              <a:stCxn id="42" idx="0"/>
-            </p:cNvCxnSpPr>
-            <p:nvPr/>
-          </p:nvCxnSpPr>
-          <p:spPr>
-            <a:xfrm flipH="1" flipV="1">
-              <a:off x="8917999" y="4407346"/>
-              <a:ext cx="10793" cy="1095973"/>
-            </a:xfrm>
-            <a:prstGeom prst="straightConnector1">
-              <a:avLst/>
-            </a:prstGeom>
-            <a:ln>
-              <a:solidFill>
-                <a:schemeClr val="tx2"/>
-              </a:solidFill>
-              <a:headEnd type="none" w="med" len="med"/>
-              <a:tailEnd type="arrow" w="med" len="med"/>
-            </a:ln>
-          </p:spPr>
-          <p:style>
-            <a:lnRef idx="3">
-              <a:schemeClr val="accent2"/>
-            </a:lnRef>
-            <a:fillRef idx="0">
-              <a:schemeClr val="accent2"/>
-            </a:fillRef>
-            <a:effectRef idx="2">
-              <a:schemeClr val="accent2"/>
-            </a:effectRef>
-            <a:fontRef idx="minor">
-              <a:schemeClr val="tx1"/>
-            </a:fontRef>
-          </p:style>
-        </p:cxnSp>
-        <p:cxnSp>
-          <p:nvCxnSpPr>
-            <p:cNvPr id="47" name="直線矢印コネクタ 46">
-              <a:extLst>
-                <a:ext uri="{FF2B5EF4-FFF2-40B4-BE49-F238E27FC236}">
-                  <a16:creationId xmlns:a16="http://schemas.microsoft.com/office/drawing/2014/main" id="{3D4096D5-8795-47EC-A6C4-204691CA7C38}"/>
-                </a:ext>
-              </a:extLst>
-            </p:cNvPr>
-            <p:cNvCxnSpPr>
-              <a:cxnSpLocks/>
-            </p:cNvCxnSpPr>
-            <p:nvPr/>
-          </p:nvCxnSpPr>
-          <p:spPr>
-            <a:xfrm flipH="1" flipV="1">
-              <a:off x="8909381" y="2394803"/>
-              <a:ext cx="10793" cy="1095973"/>
-            </a:xfrm>
-            <a:prstGeom prst="straightConnector1">
-              <a:avLst/>
-            </a:prstGeom>
-            <a:ln>
-              <a:solidFill>
-                <a:schemeClr val="tx2"/>
-              </a:solidFill>
-              <a:headEnd type="none" w="med" len="med"/>
-              <a:tailEnd type="arrow" w="med" len="med"/>
-            </a:ln>
-          </p:spPr>
-          <p:style>
-            <a:lnRef idx="3">
-              <a:schemeClr val="accent2"/>
-            </a:lnRef>
-            <a:fillRef idx="0">
-              <a:schemeClr val="accent2"/>
-            </a:fillRef>
-            <a:effectRef idx="2">
-              <a:schemeClr val="accent2"/>
-            </a:effectRef>
-            <a:fontRef idx="minor">
-              <a:schemeClr val="tx1"/>
-            </a:fontRef>
-          </p:style>
-        </p:cxnSp>
-        <p:sp>
-          <p:nvSpPr>
-            <p:cNvPr id="48" name="テキスト ボックス 47">
-              <a:extLst>
-                <a:ext uri="{FF2B5EF4-FFF2-40B4-BE49-F238E27FC236}">
-                  <a16:creationId xmlns:a16="http://schemas.microsoft.com/office/drawing/2014/main" id="{3D97A6D8-16BB-485A-9DA8-145FC9A77963}"/>
-                </a:ext>
-              </a:extLst>
-            </p:cNvPr>
-            <p:cNvSpPr txBox="1"/>
-            <p:nvPr/>
-          </p:nvSpPr>
-          <p:spPr>
-            <a:xfrm>
-              <a:off x="1844480" y="3832453"/>
-              <a:ext cx="664734" cy="369332"/>
-            </a:xfrm>
-            <a:prstGeom prst="rect">
-              <a:avLst/>
-            </a:prstGeom>
-            <a:noFill/>
-          </p:spPr>
-          <p:txBody>
-            <a:bodyPr wrap="none" rtlCol="0">
-              <a:spAutoFit/>
-            </a:bodyPr>
-            <a:lstStyle/>
-            <a:p>
-              <a:r>
-                <a:rPr lang="en-US" altLang="ja-JP" dirty="0"/>
-                <a:t>Repo</a:t>
-              </a:r>
-              <a:endParaRPr lang="ja-JP" altLang="en-US" dirty="0"/>
-            </a:p>
-          </p:txBody>
-        </p:sp>
-        <p:cxnSp>
-          <p:nvCxnSpPr>
-            <p:cNvPr id="50" name="直線矢印コネクタ 49">
-              <a:extLst>
-                <a:ext uri="{FF2B5EF4-FFF2-40B4-BE49-F238E27FC236}">
-                  <a16:creationId xmlns:a16="http://schemas.microsoft.com/office/drawing/2014/main" id="{4576B0ED-E3A2-402B-95D4-CEB6A9651DE3}"/>
-                </a:ext>
-              </a:extLst>
-            </p:cNvPr>
-            <p:cNvCxnSpPr>
-              <a:cxnSpLocks/>
-            </p:cNvCxnSpPr>
-            <p:nvPr/>
-          </p:nvCxnSpPr>
-          <p:spPr>
-            <a:xfrm flipV="1">
-              <a:off x="6634378" y="2311784"/>
-              <a:ext cx="1873999" cy="1371025"/>
-            </a:xfrm>
-            <a:prstGeom prst="straightConnector1">
-              <a:avLst/>
-            </a:prstGeom>
-            <a:ln>
-              <a:solidFill>
-                <a:schemeClr val="tx2"/>
-              </a:solidFill>
-              <a:headEnd type="none" w="med" len="med"/>
-              <a:tailEnd type="arrow" w="med" len="med"/>
-            </a:ln>
-          </p:spPr>
-          <p:style>
-            <a:lnRef idx="3">
-              <a:schemeClr val="accent2"/>
-            </a:lnRef>
-            <a:fillRef idx="0">
-              <a:schemeClr val="accent2"/>
-            </a:fillRef>
-            <a:effectRef idx="2">
-              <a:schemeClr val="accent2"/>
-            </a:effectRef>
-            <a:fontRef idx="minor">
-              <a:schemeClr val="tx1"/>
-            </a:fontRef>
-          </p:style>
-        </p:cxnSp>
-        <p:cxnSp>
-          <p:nvCxnSpPr>
-            <p:cNvPr id="51" name="直線矢印コネクタ 50">
-              <a:extLst>
-                <a:ext uri="{FF2B5EF4-FFF2-40B4-BE49-F238E27FC236}">
-                  <a16:creationId xmlns:a16="http://schemas.microsoft.com/office/drawing/2014/main" id="{BB8064F3-48AB-4E34-9DCC-07FA305B4D2D}"/>
-                </a:ext>
-              </a:extLst>
-            </p:cNvPr>
-            <p:cNvCxnSpPr>
-              <a:cxnSpLocks/>
-            </p:cNvCxnSpPr>
-            <p:nvPr/>
-          </p:nvCxnSpPr>
-          <p:spPr>
-            <a:xfrm>
-              <a:off x="9399856" y="1954119"/>
-              <a:ext cx="1483341" cy="0"/>
-            </a:xfrm>
-            <a:prstGeom prst="straightConnector1">
-              <a:avLst/>
-            </a:prstGeom>
-            <a:ln>
-              <a:solidFill>
-                <a:schemeClr val="tx2"/>
-              </a:solidFill>
-              <a:headEnd type="none" w="med" len="med"/>
-              <a:tailEnd type="arrow" w="med" len="med"/>
-            </a:ln>
-          </p:spPr>
-          <p:style>
-            <a:lnRef idx="3">
-              <a:schemeClr val="accent2"/>
-            </a:lnRef>
-            <a:fillRef idx="0">
-              <a:schemeClr val="accent2"/>
-            </a:fillRef>
-            <a:effectRef idx="2">
-              <a:schemeClr val="accent2"/>
-            </a:effectRef>
-            <a:fontRef idx="minor">
-              <a:schemeClr val="tx1"/>
-            </a:fontRef>
-          </p:style>
-        </p:cxnSp>
-        <p:pic>
-          <p:nvPicPr>
-            <p:cNvPr id="55" name="図 54">
-              <a:extLst>
-                <a:ext uri="{FF2B5EF4-FFF2-40B4-BE49-F238E27FC236}">
-                  <a16:creationId xmlns:a16="http://schemas.microsoft.com/office/drawing/2014/main" id="{66E8A794-85CA-4E25-B768-94A1A213C59F}"/>
-                </a:ext>
-              </a:extLst>
-            </p:cNvPr>
-            <p:cNvPicPr>
-              <a:picLocks noChangeAspect="1"/>
-            </p:cNvPicPr>
-            <p:nvPr/>
-          </p:nvPicPr>
-          <p:blipFill>
-            <a:blip r:embed="rId9" cstate="screen">
-              <a:extLst>
-                <a:ext uri="{28A0092B-C50C-407E-A947-70E740481C1C}">
-                  <a14:useLocalDpi xmlns:a14="http://schemas.microsoft.com/office/drawing/2010/main"/>
-                </a:ext>
-              </a:extLst>
-            </a:blip>
-            <a:stretch>
-              <a:fillRect/>
-            </a:stretch>
-          </p:blipFill>
-          <p:spPr>
-            <a:xfrm>
-              <a:off x="11055985" y="1667954"/>
-              <a:ext cx="822535" cy="641445"/>
-            </a:xfrm>
-            <a:prstGeom prst="rect">
-              <a:avLst/>
-            </a:prstGeom>
-          </p:spPr>
-        </p:pic>
-        <p:sp>
-          <p:nvSpPr>
-            <p:cNvPr id="56" name="テキスト ボックス 55">
-              <a:extLst>
-                <a:ext uri="{FF2B5EF4-FFF2-40B4-BE49-F238E27FC236}">
-                  <a16:creationId xmlns:a16="http://schemas.microsoft.com/office/drawing/2014/main" id="{AE21E99E-D7E9-4F0B-877A-84CCF3A7ACF3}"/>
-                </a:ext>
-              </a:extLst>
-            </p:cNvPr>
-            <p:cNvSpPr txBox="1"/>
-            <p:nvPr/>
-          </p:nvSpPr>
-          <p:spPr>
-            <a:xfrm>
-              <a:off x="10913254" y="2394803"/>
-              <a:ext cx="1107996" cy="369332"/>
-            </a:xfrm>
-            <a:prstGeom prst="rect">
-              <a:avLst/>
-            </a:prstGeom>
-            <a:noFill/>
-          </p:spPr>
-          <p:txBody>
-            <a:bodyPr wrap="none" rtlCol="0">
-              <a:spAutoFit/>
-            </a:bodyPr>
-            <a:lstStyle/>
-            <a:p>
-              <a:r>
-                <a:rPr lang="ja-JP" altLang="en-US" dirty="0"/>
-                <a:t>実行環境</a:t>
-              </a:r>
-            </a:p>
-          </p:txBody>
-        </p:sp>
-        <p:sp>
-          <p:nvSpPr>
-            <p:cNvPr id="57" name="テキスト ボックス 56">
-              <a:extLst>
-                <a:ext uri="{FF2B5EF4-FFF2-40B4-BE49-F238E27FC236}">
-                  <a16:creationId xmlns:a16="http://schemas.microsoft.com/office/drawing/2014/main" id="{C01B2973-B9F5-484C-8F9E-A62F3F841124}"/>
-                </a:ext>
-              </a:extLst>
-            </p:cNvPr>
-            <p:cNvSpPr txBox="1"/>
-            <p:nvPr/>
-          </p:nvSpPr>
-          <p:spPr>
-            <a:xfrm>
-              <a:off x="2049962" y="4864404"/>
-              <a:ext cx="918841" cy="369332"/>
-            </a:xfrm>
-            <a:prstGeom prst="rect">
-              <a:avLst/>
-            </a:prstGeom>
-            <a:noFill/>
-          </p:spPr>
-          <p:txBody>
-            <a:bodyPr wrap="none" rtlCol="0">
-              <a:spAutoFit/>
-            </a:bodyPr>
-            <a:lstStyle/>
-            <a:p>
-              <a:r>
-                <a:rPr lang="en-US" altLang="ja-JP" dirty="0"/>
-                <a:t>git </a:t>
-              </a:r>
-              <a:r>
-                <a:rPr lang="en-US" altLang="ja-JP" dirty="0" err="1"/>
-                <a:t>puth</a:t>
-              </a:r>
-              <a:endParaRPr lang="ja-JP" altLang="en-US" dirty="0"/>
-            </a:p>
-          </p:txBody>
-        </p:sp>
-        <p:cxnSp>
-          <p:nvCxnSpPr>
-            <p:cNvPr id="58" name="直線矢印コネクタ 57">
-              <a:extLst>
-                <a:ext uri="{FF2B5EF4-FFF2-40B4-BE49-F238E27FC236}">
-                  <a16:creationId xmlns:a16="http://schemas.microsoft.com/office/drawing/2014/main" id="{B03F5E69-6B91-49A0-BAA9-E5D5989BDE2F}"/>
-                </a:ext>
-              </a:extLst>
-            </p:cNvPr>
-            <p:cNvCxnSpPr>
-              <a:cxnSpLocks/>
-            </p:cNvCxnSpPr>
-            <p:nvPr/>
-          </p:nvCxnSpPr>
-          <p:spPr>
-            <a:xfrm flipH="1" flipV="1">
-              <a:off x="3013896" y="2406939"/>
-              <a:ext cx="10793" cy="1095973"/>
-            </a:xfrm>
-            <a:prstGeom prst="straightConnector1">
-              <a:avLst/>
-            </a:prstGeom>
-            <a:ln>
-              <a:solidFill>
-                <a:schemeClr val="tx2"/>
-              </a:solidFill>
-              <a:headEnd type="none" w="med" len="med"/>
-              <a:tailEnd type="arrow" w="med" len="med"/>
-            </a:ln>
-          </p:spPr>
-          <p:style>
-            <a:lnRef idx="3">
-              <a:schemeClr val="accent2"/>
-            </a:lnRef>
-            <a:fillRef idx="0">
-              <a:schemeClr val="accent2"/>
-            </a:fillRef>
-            <a:effectRef idx="2">
-              <a:schemeClr val="accent2"/>
-            </a:effectRef>
-            <a:fontRef idx="minor">
-              <a:schemeClr val="tx1"/>
-            </a:fontRef>
-          </p:style>
-        </p:cxnSp>
-        <p:cxnSp>
-          <p:nvCxnSpPr>
-            <p:cNvPr id="59" name="直線矢印コネクタ 58">
-              <a:extLst>
-                <a:ext uri="{FF2B5EF4-FFF2-40B4-BE49-F238E27FC236}">
-                  <a16:creationId xmlns:a16="http://schemas.microsoft.com/office/drawing/2014/main" id="{4E733A26-7418-4697-9E7F-F41042A1BCEE}"/>
-                </a:ext>
-              </a:extLst>
-            </p:cNvPr>
-            <p:cNvCxnSpPr>
-              <a:cxnSpLocks/>
-            </p:cNvCxnSpPr>
-            <p:nvPr/>
-          </p:nvCxnSpPr>
-          <p:spPr>
-            <a:xfrm>
-              <a:off x="3584953" y="2300557"/>
-              <a:ext cx="1873999" cy="1371025"/>
-            </a:xfrm>
-            <a:prstGeom prst="straightConnector1">
-              <a:avLst/>
-            </a:prstGeom>
-            <a:ln>
-              <a:solidFill>
-                <a:schemeClr val="tx2"/>
-              </a:solidFill>
-              <a:headEnd type="none" w="med" len="med"/>
-              <a:tailEnd type="arrow" w="med" len="med"/>
-            </a:ln>
-          </p:spPr>
-          <p:style>
-            <a:lnRef idx="3">
-              <a:schemeClr val="accent2"/>
-            </a:lnRef>
-            <a:fillRef idx="0">
-              <a:schemeClr val="accent2"/>
-            </a:fillRef>
-            <a:effectRef idx="2">
-              <a:schemeClr val="accent2"/>
-            </a:effectRef>
-            <a:fontRef idx="minor">
-              <a:schemeClr val="tx1"/>
-            </a:fontRef>
-          </p:style>
-        </p:cxnSp>
-        <p:sp>
-          <p:nvSpPr>
-            <p:cNvPr id="60" name="テキスト ボックス 59">
-              <a:extLst>
-                <a:ext uri="{FF2B5EF4-FFF2-40B4-BE49-F238E27FC236}">
-                  <a16:creationId xmlns:a16="http://schemas.microsoft.com/office/drawing/2014/main" id="{934F5836-EB02-46FF-BEAF-AC4BA1186835}"/>
-                </a:ext>
-              </a:extLst>
-            </p:cNvPr>
-            <p:cNvSpPr txBox="1"/>
-            <p:nvPr/>
-          </p:nvSpPr>
-          <p:spPr>
-            <a:xfrm>
-              <a:off x="1935245" y="1769453"/>
-              <a:ext cx="721672" cy="369332"/>
-            </a:xfrm>
-            <a:prstGeom prst="rect">
-              <a:avLst/>
-            </a:prstGeom>
-            <a:noFill/>
-          </p:spPr>
-          <p:txBody>
-            <a:bodyPr wrap="none" rtlCol="0">
-              <a:spAutoFit/>
-            </a:bodyPr>
-            <a:lstStyle/>
-            <a:p>
-              <a:r>
-                <a:rPr lang="en-US" altLang="ja-JP" dirty="0"/>
-                <a:t>CI/CD</a:t>
-              </a:r>
-              <a:endParaRPr lang="ja-JP" altLang="en-US" dirty="0"/>
-            </a:p>
-          </p:txBody>
-        </p:sp>
-        <p:sp>
-          <p:nvSpPr>
-            <p:cNvPr id="61" name="テキスト ボックス 60">
-              <a:extLst>
-                <a:ext uri="{FF2B5EF4-FFF2-40B4-BE49-F238E27FC236}">
-                  <a16:creationId xmlns:a16="http://schemas.microsoft.com/office/drawing/2014/main" id="{2B443C93-76DE-478D-811C-8527803D2DB6}"/>
-                </a:ext>
-              </a:extLst>
-            </p:cNvPr>
-            <p:cNvSpPr txBox="1"/>
-            <p:nvPr/>
-          </p:nvSpPr>
-          <p:spPr>
-            <a:xfrm>
-              <a:off x="2096448" y="2801404"/>
-              <a:ext cx="825867" cy="369332"/>
-            </a:xfrm>
-            <a:prstGeom prst="rect">
-              <a:avLst/>
-            </a:prstGeom>
-            <a:noFill/>
-          </p:spPr>
-          <p:txBody>
-            <a:bodyPr wrap="none" rtlCol="0">
-              <a:spAutoFit/>
-            </a:bodyPr>
-            <a:lstStyle/>
-            <a:p>
-              <a:r>
-                <a:rPr lang="en-US" altLang="ja-JP" dirty="0"/>
-                <a:t>git pull</a:t>
-              </a:r>
-              <a:endParaRPr lang="ja-JP" altLang="en-US" dirty="0"/>
-            </a:p>
-          </p:txBody>
-        </p:sp>
-        <p:sp>
-          <p:nvSpPr>
-            <p:cNvPr id="62" name="テキスト ボックス 61">
-              <a:extLst>
-                <a:ext uri="{FF2B5EF4-FFF2-40B4-BE49-F238E27FC236}">
-                  <a16:creationId xmlns:a16="http://schemas.microsoft.com/office/drawing/2014/main" id="{E451C1BA-EBC1-48DA-990B-0A2E9E5600A1}"/>
-                </a:ext>
-              </a:extLst>
-            </p:cNvPr>
-            <p:cNvSpPr txBox="1"/>
-            <p:nvPr/>
-          </p:nvSpPr>
-          <p:spPr>
-            <a:xfrm>
-              <a:off x="4240213" y="2406939"/>
-              <a:ext cx="1234697" cy="369332"/>
-            </a:xfrm>
-            <a:prstGeom prst="rect">
-              <a:avLst/>
-            </a:prstGeom>
-            <a:noFill/>
-          </p:spPr>
-          <p:txBody>
-            <a:bodyPr wrap="none" rtlCol="0">
-              <a:spAutoFit/>
-            </a:bodyPr>
-            <a:lstStyle/>
-            <a:p>
-              <a:r>
-                <a:rPr lang="en-US" altLang="ja-JP" dirty="0" err="1"/>
-                <a:t>nuget</a:t>
-              </a:r>
-              <a:r>
-                <a:rPr lang="en-US" altLang="ja-JP" dirty="0"/>
-                <a:t> push</a:t>
-              </a:r>
-              <a:endParaRPr lang="ja-JP" altLang="en-US" dirty="0"/>
-            </a:p>
-          </p:txBody>
-        </p:sp>
-        <p:sp>
-          <p:nvSpPr>
-            <p:cNvPr id="63" name="テキスト ボックス 62">
-              <a:extLst>
-                <a:ext uri="{FF2B5EF4-FFF2-40B4-BE49-F238E27FC236}">
-                  <a16:creationId xmlns:a16="http://schemas.microsoft.com/office/drawing/2014/main" id="{5412F809-F893-40F4-A7BA-766FA8EC1971}"/>
-                </a:ext>
-              </a:extLst>
-            </p:cNvPr>
-            <p:cNvSpPr txBox="1"/>
-            <p:nvPr/>
-          </p:nvSpPr>
-          <p:spPr>
-            <a:xfrm>
-              <a:off x="4240213" y="5194175"/>
-              <a:ext cx="1234697" cy="369332"/>
-            </a:xfrm>
-            <a:prstGeom prst="rect">
-              <a:avLst/>
-            </a:prstGeom>
-            <a:noFill/>
-          </p:spPr>
-          <p:txBody>
-            <a:bodyPr wrap="none" rtlCol="0">
-              <a:spAutoFit/>
-            </a:bodyPr>
-            <a:lstStyle/>
-            <a:p>
-              <a:r>
-                <a:rPr lang="en-US" altLang="ja-JP" dirty="0" err="1"/>
-                <a:t>nuget</a:t>
-              </a:r>
-              <a:r>
-                <a:rPr lang="en-US" altLang="ja-JP" dirty="0"/>
-                <a:t> push</a:t>
-              </a:r>
-              <a:endParaRPr lang="ja-JP" altLang="en-US" dirty="0"/>
-            </a:p>
-          </p:txBody>
-        </p:sp>
-        <p:sp>
-          <p:nvSpPr>
-            <p:cNvPr id="64" name="テキスト ボックス 63">
-              <a:extLst>
-                <a:ext uri="{FF2B5EF4-FFF2-40B4-BE49-F238E27FC236}">
-                  <a16:creationId xmlns:a16="http://schemas.microsoft.com/office/drawing/2014/main" id="{01565627-E489-411F-9FB5-9978E1C825FD}"/>
-                </a:ext>
-              </a:extLst>
-            </p:cNvPr>
-            <p:cNvSpPr txBox="1"/>
-            <p:nvPr/>
-          </p:nvSpPr>
-          <p:spPr>
-            <a:xfrm>
-              <a:off x="6625250" y="2394803"/>
-              <a:ext cx="1448282" cy="369332"/>
-            </a:xfrm>
-            <a:prstGeom prst="rect">
-              <a:avLst/>
-            </a:prstGeom>
-            <a:noFill/>
-          </p:spPr>
-          <p:txBody>
-            <a:bodyPr wrap="none" rtlCol="0">
-              <a:spAutoFit/>
-            </a:bodyPr>
-            <a:lstStyle/>
-            <a:p>
-              <a:r>
-                <a:rPr lang="en-US" altLang="ja-JP" dirty="0" err="1"/>
-                <a:t>nuget</a:t>
-              </a:r>
-              <a:r>
-                <a:rPr lang="en-US" altLang="ja-JP" dirty="0"/>
-                <a:t> restore</a:t>
-              </a:r>
-              <a:endParaRPr lang="ja-JP" altLang="en-US" dirty="0"/>
-            </a:p>
-          </p:txBody>
-        </p:sp>
-        <p:sp>
-          <p:nvSpPr>
-            <p:cNvPr id="65" name="テキスト ボックス 64">
-              <a:extLst>
-                <a:ext uri="{FF2B5EF4-FFF2-40B4-BE49-F238E27FC236}">
-                  <a16:creationId xmlns:a16="http://schemas.microsoft.com/office/drawing/2014/main" id="{54BF5101-36E2-4270-A970-56A0DDC63468}"/>
-                </a:ext>
-              </a:extLst>
-            </p:cNvPr>
-            <p:cNvSpPr txBox="1"/>
-            <p:nvPr/>
-          </p:nvSpPr>
-          <p:spPr>
-            <a:xfrm>
-              <a:off x="6614140" y="5382524"/>
-              <a:ext cx="1448282" cy="369332"/>
-            </a:xfrm>
-            <a:prstGeom prst="rect">
-              <a:avLst/>
-            </a:prstGeom>
-            <a:noFill/>
-          </p:spPr>
-          <p:txBody>
-            <a:bodyPr wrap="none" rtlCol="0">
-              <a:spAutoFit/>
-            </a:bodyPr>
-            <a:lstStyle/>
-            <a:p>
-              <a:r>
-                <a:rPr lang="en-US" altLang="ja-JP" dirty="0" err="1"/>
-                <a:t>nuget</a:t>
-              </a:r>
-              <a:r>
-                <a:rPr lang="en-US" altLang="ja-JP" dirty="0"/>
-                <a:t> restore</a:t>
-              </a:r>
-              <a:endParaRPr lang="ja-JP" altLang="en-US" dirty="0"/>
-            </a:p>
-          </p:txBody>
-        </p:sp>
-        <p:sp>
-          <p:nvSpPr>
-            <p:cNvPr id="67" name="テキスト ボックス 66">
-              <a:extLst>
-                <a:ext uri="{FF2B5EF4-FFF2-40B4-BE49-F238E27FC236}">
-                  <a16:creationId xmlns:a16="http://schemas.microsoft.com/office/drawing/2014/main" id="{34843F0E-C95B-4264-AB20-4991C73D6F0A}"/>
-                </a:ext>
-              </a:extLst>
-            </p:cNvPr>
-            <p:cNvSpPr txBox="1"/>
-            <p:nvPr/>
-          </p:nvSpPr>
-          <p:spPr>
-            <a:xfrm>
-              <a:off x="8938237" y="4784579"/>
-              <a:ext cx="918841" cy="369332"/>
-            </a:xfrm>
-            <a:prstGeom prst="rect">
-              <a:avLst/>
-            </a:prstGeom>
-            <a:noFill/>
-          </p:spPr>
-          <p:txBody>
-            <a:bodyPr wrap="none" rtlCol="0">
-              <a:spAutoFit/>
-            </a:bodyPr>
-            <a:lstStyle/>
-            <a:p>
-              <a:r>
-                <a:rPr lang="en-US" altLang="ja-JP" dirty="0"/>
-                <a:t>git </a:t>
-              </a:r>
-              <a:r>
-                <a:rPr lang="en-US" altLang="ja-JP" dirty="0" err="1"/>
-                <a:t>puth</a:t>
-              </a:r>
-              <a:endParaRPr lang="ja-JP" altLang="en-US" dirty="0"/>
-            </a:p>
-          </p:txBody>
-        </p:sp>
-        <p:sp>
-          <p:nvSpPr>
-            <p:cNvPr id="68" name="テキスト ボックス 67">
-              <a:extLst>
-                <a:ext uri="{FF2B5EF4-FFF2-40B4-BE49-F238E27FC236}">
-                  <a16:creationId xmlns:a16="http://schemas.microsoft.com/office/drawing/2014/main" id="{725F2EF6-97AC-4CAD-95C1-533805C7BD98}"/>
-                </a:ext>
-              </a:extLst>
-            </p:cNvPr>
-            <p:cNvSpPr txBox="1"/>
-            <p:nvPr/>
-          </p:nvSpPr>
-          <p:spPr>
-            <a:xfrm>
-              <a:off x="8984723" y="2721579"/>
-              <a:ext cx="825867" cy="369332"/>
-            </a:xfrm>
-            <a:prstGeom prst="rect">
-              <a:avLst/>
-            </a:prstGeom>
-            <a:noFill/>
-          </p:spPr>
-          <p:txBody>
-            <a:bodyPr wrap="none" rtlCol="0">
-              <a:spAutoFit/>
-            </a:bodyPr>
-            <a:lstStyle/>
-            <a:p>
-              <a:r>
-                <a:rPr lang="en-US" altLang="ja-JP" dirty="0"/>
-                <a:t>git pull</a:t>
-              </a:r>
-              <a:endParaRPr lang="ja-JP" altLang="en-US" dirty="0"/>
-            </a:p>
-          </p:txBody>
-        </p:sp>
-        <p:sp>
-          <p:nvSpPr>
-            <p:cNvPr id="69" name="テキスト ボックス 68">
-              <a:extLst>
-                <a:ext uri="{FF2B5EF4-FFF2-40B4-BE49-F238E27FC236}">
-                  <a16:creationId xmlns:a16="http://schemas.microsoft.com/office/drawing/2014/main" id="{1678DD19-BB36-4446-B149-EE461607F63B}"/>
-                </a:ext>
-              </a:extLst>
-            </p:cNvPr>
-            <p:cNvSpPr txBox="1"/>
-            <p:nvPr/>
-          </p:nvSpPr>
-          <p:spPr>
-            <a:xfrm>
-              <a:off x="9397656" y="3786392"/>
-              <a:ext cx="664734" cy="369332"/>
-            </a:xfrm>
-            <a:prstGeom prst="rect">
-              <a:avLst/>
-            </a:prstGeom>
-            <a:noFill/>
-          </p:spPr>
-          <p:txBody>
-            <a:bodyPr wrap="none" rtlCol="0">
-              <a:spAutoFit/>
-            </a:bodyPr>
-            <a:lstStyle/>
-            <a:p>
-              <a:r>
-                <a:rPr lang="en-US" altLang="ja-JP" dirty="0"/>
-                <a:t>Repo</a:t>
-              </a:r>
-              <a:endParaRPr lang="ja-JP" altLang="en-US" dirty="0"/>
-            </a:p>
-          </p:txBody>
-        </p:sp>
-        <p:pic>
-          <p:nvPicPr>
-            <p:cNvPr id="71" name="図 70">
-              <a:extLst>
-                <a:ext uri="{FF2B5EF4-FFF2-40B4-BE49-F238E27FC236}">
-                  <a16:creationId xmlns:a16="http://schemas.microsoft.com/office/drawing/2014/main" id="{5A332AB8-A96E-4DEF-B52A-4EFD90EBB0BB}"/>
-                </a:ext>
-              </a:extLst>
-            </p:cNvPr>
-            <p:cNvPicPr>
-              <a:picLocks noChangeAspect="1"/>
-            </p:cNvPicPr>
-            <p:nvPr/>
-          </p:nvPicPr>
-          <p:blipFill>
-            <a:blip r:embed="rId10" cstate="screen">
-              <a:extLst>
-                <a:ext uri="{28A0092B-C50C-407E-A947-70E740481C1C}">
-                  <a14:useLocalDpi xmlns:a14="http://schemas.microsoft.com/office/drawing/2010/main"/>
-                </a:ext>
-              </a:extLst>
-            </a:blip>
-            <a:stretch>
-              <a:fillRect/>
-            </a:stretch>
-          </p:blipFill>
-          <p:spPr>
-            <a:xfrm>
-              <a:off x="61421" y="581976"/>
-              <a:ext cx="842477" cy="842477"/>
-            </a:xfrm>
-            <a:prstGeom prst="rect">
-              <a:avLst/>
-            </a:prstGeom>
-          </p:spPr>
-        </p:pic>
-        <p:cxnSp>
-          <p:nvCxnSpPr>
-            <p:cNvPr id="73" name="コネクタ: カギ線 72">
-              <a:extLst>
-                <a:ext uri="{FF2B5EF4-FFF2-40B4-BE49-F238E27FC236}">
-                  <a16:creationId xmlns:a16="http://schemas.microsoft.com/office/drawing/2014/main" id="{F199D57E-914A-49F4-82A7-429CC0653EEE}"/>
-                </a:ext>
-              </a:extLst>
-            </p:cNvPr>
-            <p:cNvCxnSpPr>
-              <a:cxnSpLocks/>
-            </p:cNvCxnSpPr>
-            <p:nvPr/>
-          </p:nvCxnSpPr>
-          <p:spPr>
-            <a:xfrm rot="16200000" flipH="1">
-              <a:off x="-569408" y="2829913"/>
-              <a:ext cx="4425902" cy="2014604"/>
-            </a:xfrm>
-            <a:prstGeom prst="bentConnector2">
-              <a:avLst/>
-            </a:prstGeom>
-            <a:ln>
-              <a:solidFill>
-                <a:schemeClr val="tx2"/>
-              </a:solidFill>
-              <a:headEnd type="none" w="med" len="med"/>
-              <a:tailEnd type="arrow" w="med" len="med"/>
-            </a:ln>
-          </p:spPr>
-          <p:style>
-            <a:lnRef idx="3">
-              <a:schemeClr val="accent2"/>
-            </a:lnRef>
-            <a:fillRef idx="0">
-              <a:schemeClr val="accent2"/>
-            </a:fillRef>
-            <a:effectRef idx="2">
-              <a:schemeClr val="accent2"/>
-            </a:effectRef>
-            <a:fontRef idx="minor">
-              <a:schemeClr val="tx1"/>
-            </a:fontRef>
-          </p:style>
-        </p:cxnSp>
-        <p:sp>
-          <p:nvSpPr>
-            <p:cNvPr id="76" name="テキスト ボックス 75">
-              <a:extLst>
-                <a:ext uri="{FF2B5EF4-FFF2-40B4-BE49-F238E27FC236}">
-                  <a16:creationId xmlns:a16="http://schemas.microsoft.com/office/drawing/2014/main" id="{3384B7F8-90E9-4614-8F30-60AFBABB021D}"/>
-                </a:ext>
-              </a:extLst>
-            </p:cNvPr>
-            <p:cNvSpPr txBox="1"/>
-            <p:nvPr/>
-          </p:nvSpPr>
-          <p:spPr>
-            <a:xfrm>
-              <a:off x="171649" y="6037392"/>
-              <a:ext cx="1448282" cy="369332"/>
-            </a:xfrm>
-            <a:prstGeom prst="rect">
-              <a:avLst/>
-            </a:prstGeom>
-            <a:noFill/>
-          </p:spPr>
-          <p:txBody>
-            <a:bodyPr wrap="none" rtlCol="0">
-              <a:spAutoFit/>
-            </a:bodyPr>
-            <a:lstStyle/>
-            <a:p>
-              <a:r>
-                <a:rPr lang="en-US" altLang="ja-JP" dirty="0" err="1"/>
-                <a:t>nuget</a:t>
-              </a:r>
-              <a:r>
-                <a:rPr lang="en-US" altLang="ja-JP" dirty="0"/>
-                <a:t> restore</a:t>
-              </a:r>
-              <a:endParaRPr lang="ja-JP" altLang="en-US" dirty="0"/>
-            </a:p>
-          </p:txBody>
-        </p:sp>
-        <p:cxnSp>
-          <p:nvCxnSpPr>
-            <p:cNvPr id="77" name="コネクタ: カギ線 76">
-              <a:extLst>
-                <a:ext uri="{FF2B5EF4-FFF2-40B4-BE49-F238E27FC236}">
-                  <a16:creationId xmlns:a16="http://schemas.microsoft.com/office/drawing/2014/main" id="{A6A83A2F-6369-43AB-811E-74ADD83C0DD2}"/>
-                </a:ext>
-              </a:extLst>
-            </p:cNvPr>
-            <p:cNvCxnSpPr>
-              <a:cxnSpLocks/>
-            </p:cNvCxnSpPr>
-            <p:nvPr/>
-          </p:nvCxnSpPr>
-          <p:spPr>
-            <a:xfrm>
-              <a:off x="1007835" y="922701"/>
-              <a:ext cx="5101368" cy="2631033"/>
-            </a:xfrm>
-            <a:prstGeom prst="bentConnector2">
-              <a:avLst/>
-            </a:prstGeom>
-            <a:ln>
-              <a:solidFill>
-                <a:schemeClr val="tx2"/>
-              </a:solidFill>
-              <a:headEnd type="none" w="med" len="med"/>
-              <a:tailEnd type="arrow" w="med" len="med"/>
-            </a:ln>
-          </p:spPr>
-          <p:style>
-            <a:lnRef idx="3">
-              <a:schemeClr val="accent2"/>
-            </a:lnRef>
-            <a:fillRef idx="0">
-              <a:schemeClr val="accent2"/>
-            </a:fillRef>
-            <a:effectRef idx="2">
-              <a:schemeClr val="accent2"/>
-            </a:effectRef>
-            <a:fontRef idx="minor">
-              <a:schemeClr val="tx1"/>
-            </a:fontRef>
-          </p:style>
-        </p:cxnSp>
-        <p:sp>
-          <p:nvSpPr>
-            <p:cNvPr id="80" name="テキスト ボックス 79">
-              <a:extLst>
-                <a:ext uri="{FF2B5EF4-FFF2-40B4-BE49-F238E27FC236}">
-                  <a16:creationId xmlns:a16="http://schemas.microsoft.com/office/drawing/2014/main" id="{DE8C0430-4805-49EB-8D20-E97A473EF0A8}"/>
-                </a:ext>
-              </a:extLst>
-            </p:cNvPr>
-            <p:cNvSpPr txBox="1"/>
-            <p:nvPr/>
-          </p:nvSpPr>
-          <p:spPr>
-            <a:xfrm>
-              <a:off x="919402" y="553369"/>
-              <a:ext cx="1157368" cy="369332"/>
-            </a:xfrm>
-            <a:prstGeom prst="rect">
-              <a:avLst/>
-            </a:prstGeom>
-            <a:noFill/>
-          </p:spPr>
-          <p:txBody>
-            <a:bodyPr wrap="none" rtlCol="0">
-              <a:spAutoFit/>
-            </a:bodyPr>
-            <a:lstStyle/>
-            <a:p>
-              <a:r>
-                <a:rPr lang="en-US" altLang="ja-JP" dirty="0"/>
-                <a:t>Upstream </a:t>
-              </a:r>
-              <a:endParaRPr lang="ja-JP" altLang="en-US" dirty="0"/>
-            </a:p>
-          </p:txBody>
-        </p:sp>
-        <p:sp>
-          <p:nvSpPr>
-            <p:cNvPr id="82" name="正方形/長方形 81">
-              <a:extLst>
-                <a:ext uri="{FF2B5EF4-FFF2-40B4-BE49-F238E27FC236}">
-                  <a16:creationId xmlns:a16="http://schemas.microsoft.com/office/drawing/2014/main" id="{F8114A35-39BC-4040-90C9-C5ED114865FE}"/>
-                </a:ext>
-              </a:extLst>
-            </p:cNvPr>
-            <p:cNvSpPr/>
-            <p:nvPr/>
-          </p:nvSpPr>
-          <p:spPr>
-            <a:xfrm>
-              <a:off x="1701213" y="1374475"/>
-              <a:ext cx="4279768" cy="5181600"/>
-            </a:xfrm>
-            <a:prstGeom prst="rect">
-              <a:avLst/>
-            </a:prstGeom>
-            <a:noFill/>
-            <a:ln w="28575">
-              <a:prstDash val="dash"/>
-            </a:ln>
-          </p:spPr>
-          <p:style>
-            <a:lnRef idx="2">
-              <a:schemeClr val="accent2"/>
-            </a:lnRef>
-            <a:fillRef idx="1">
-              <a:schemeClr val="lt1"/>
-            </a:fillRef>
-            <a:effectRef idx="0">
-              <a:schemeClr val="accent2"/>
-            </a:effectRef>
-            <a:fontRef idx="minor">
-              <a:schemeClr val="dk1"/>
-            </a:fontRef>
-          </p:style>
-          <p:txBody>
-            <a:bodyPr rtlCol="0" anchor="b"/>
-            <a:lstStyle/>
-            <a:p>
-              <a:pPr algn="r"/>
-              <a:r>
-                <a:rPr kumimoji="1" lang="ja-JP" altLang="en-US" dirty="0"/>
-                <a:t>パッケージ開発</a:t>
-              </a:r>
-              <a:endParaRPr kumimoji="1" lang="en-US" altLang="ja-JP" dirty="0"/>
-            </a:p>
-          </p:txBody>
-        </p:sp>
-        <p:sp>
-          <p:nvSpPr>
-            <p:cNvPr id="83" name="正方形/長方形 82">
-              <a:extLst>
-                <a:ext uri="{FF2B5EF4-FFF2-40B4-BE49-F238E27FC236}">
-                  <a16:creationId xmlns:a16="http://schemas.microsoft.com/office/drawing/2014/main" id="{AB472FEB-CA14-41F6-948F-0A99612D06EA}"/>
-                </a:ext>
-              </a:extLst>
-            </p:cNvPr>
-            <p:cNvSpPr/>
-            <p:nvPr/>
-          </p:nvSpPr>
-          <p:spPr>
-            <a:xfrm>
-              <a:off x="6233542" y="1372494"/>
-              <a:ext cx="5843438" cy="5181600"/>
-            </a:xfrm>
-            <a:prstGeom prst="rect">
-              <a:avLst/>
-            </a:prstGeom>
-            <a:noFill/>
-            <a:ln w="28575">
-              <a:prstDash val="dash"/>
-            </a:ln>
-          </p:spPr>
-          <p:style>
-            <a:lnRef idx="2">
-              <a:schemeClr val="accent2"/>
-            </a:lnRef>
-            <a:fillRef idx="1">
-              <a:schemeClr val="lt1"/>
-            </a:fillRef>
-            <a:effectRef idx="0">
-              <a:schemeClr val="accent2"/>
-            </a:effectRef>
-            <a:fontRef idx="minor">
-              <a:schemeClr val="dk1"/>
-            </a:fontRef>
-          </p:style>
-          <p:txBody>
-            <a:bodyPr rtlCol="0" anchor="b"/>
-            <a:lstStyle/>
-            <a:p>
-              <a:pPr algn="r"/>
-              <a:r>
-                <a:rPr kumimoji="1" lang="ja-JP" altLang="en-US" dirty="0"/>
-                <a:t>アプリ開発</a:t>
-              </a:r>
-              <a:endParaRPr kumimoji="1" lang="en-US" altLang="ja-JP" dirty="0"/>
-            </a:p>
-          </p:txBody>
-        </p:sp>
-      </p:grpSp>
-      <p:sp>
-        <p:nvSpPr>
-          <p:cNvPr id="3" name="楕円 2">
-            <a:extLst>
-              <a:ext uri="{FF2B5EF4-FFF2-40B4-BE49-F238E27FC236}">
-                <a16:creationId xmlns:a16="http://schemas.microsoft.com/office/drawing/2014/main" id="{D0495FB2-C20D-4F76-AF7C-D077E1D5452B}"/>
-              </a:ext>
-            </a:extLst>
-          </p:cNvPr>
-          <p:cNvSpPr/>
-          <p:nvPr/>
-        </p:nvSpPr>
-        <p:spPr>
-          <a:xfrm>
-            <a:off x="2649819" y="4005508"/>
-            <a:ext cx="6954611" cy="3214963"/>
-          </a:xfrm>
-          <a:prstGeom prst="ellipse">
-            <a:avLst/>
-          </a:prstGeom>
-          <a:solidFill>
-            <a:srgbClr val="FFFF00">
-              <a:alpha val="45882"/>
-            </a:srgbClr>
-          </a:solidFill>
-          <a:ln>
-            <a:solidFill>
-              <a:srgbClr val="FFFF00"/>
-            </a:solidFill>
-          </a:ln>
-        </p:spPr>
-        <p:style>
-          <a:lnRef idx="2">
-            <a:schemeClr val="accent1">
-              <a:shade val="50000"/>
-            </a:schemeClr>
-          </a:lnRef>
-          <a:fillRef idx="1">
-            <a:schemeClr val="accent1"/>
-          </a:fillRef>
-          <a:effectRef idx="0">
-            <a:schemeClr val="accent1"/>
-          </a:effectRef>
-          <a:fontRef idx="minor">
-            <a:schemeClr val="lt1"/>
-          </a:fontRef>
-        </p:style>
-        <p:txBody>
-          <a:bodyPr rtlCol="0" anchor="ctr"/>
-          <a:lstStyle/>
-          <a:p>
-            <a:pPr algn="ctr"/>
-            <a:r>
-              <a:rPr kumimoji="1" lang="en-US" altLang="ja-JP" sz="4000" b="1" dirty="0">
-                <a:solidFill>
-                  <a:schemeClr val="tx1"/>
-                </a:solidFill>
-                <a:effectLst>
-                  <a:outerShdw blurRad="38100" dist="38100" dir="2700000" algn="tl">
-                    <a:srgbClr val="000000">
-                      <a:alpha val="43137"/>
-                    </a:srgbClr>
-                  </a:outerShdw>
-                </a:effectLst>
-              </a:rPr>
-              <a:t>DONE</a:t>
-            </a:r>
-            <a:endParaRPr kumimoji="1" lang="ja-JP" altLang="en-US" sz="4000" b="1" dirty="0">
-              <a:solidFill>
-                <a:schemeClr val="tx1"/>
-              </a:solidFill>
-              <a:effectLst>
-                <a:outerShdw blurRad="38100" dist="38100" dir="2700000" algn="tl">
-                  <a:srgbClr val="000000">
-                    <a:alpha val="43137"/>
-                  </a:srgbClr>
-                </a:outerShdw>
-              </a:effectLst>
-            </a:endParaRPr>
-          </a:p>
-        </p:txBody>
-      </p:sp>
-    </p:spTree>
-    <p:extLst>
-      <p:ext uri="{BB962C8B-B14F-4D97-AF65-F5344CB8AC3E}">
-        <p14:creationId xmlns:p14="http://schemas.microsoft.com/office/powerpoint/2010/main" val="3288014298"/>
-      </p:ext>
-    </p:extLst>
-  </p:cSld>
-  <p:clrMapOvr>
-    <a:masterClrMapping/>
-  </p:clrMapOvr>
-</p:sld>
-</file>
-
-<file path=ppt/slides/slide9.xml><?xml version="1.0" encoding="utf-8"?>
-<p:sld xmlns:a="http://schemas.openxmlformats.org/drawingml/2006/main" xmlns:r="http://schemas.openxmlformats.org/officeDocument/2006/relationships" xmlns:p="http://schemas.openxmlformats.org/presentationml/2006/main">
-  <p:cSld>
-    <p:spTree>
-      <p:nvGrpSpPr>
-        <p:cNvPr id="1" name=""/>
-        <p:cNvGrpSpPr/>
-        <p:nvPr/>
-      </p:nvGrpSpPr>
-      <p:grpSpPr>
-        <a:xfrm>
-          <a:off x="0" y="0"/>
-          <a:ext cx="0" cy="0"/>
-          <a:chOff x="0" y="0"/>
-          <a:chExt cx="0" cy="0"/>
-        </a:xfrm>
-      </p:grpSpPr>
-    </p:spTree>
-    <p:extLst>
-      <p:ext uri="{BB962C8B-B14F-4D97-AF65-F5344CB8AC3E}">
-        <p14:creationId xmlns:p14="http://schemas.microsoft.com/office/powerpoint/2010/main" val="106354879"/>
       </p:ext>
     </p:extLst>
   </p:cSld>

--- a/package-management-with-azure-artifacts/images/figures.pptx
+++ b/package-management-with-azure-artifacts/images/figures.pptx
@@ -5,7 +5,7 @@
     <p:sldMasterId id="2147483672" r:id="rId1"/>
   </p:sldMasterIdLst>
   <p:notesMasterIdLst>
-    <p:notesMasterId r:id="rId18"/>
+    <p:notesMasterId r:id="rId22"/>
   </p:notesMasterIdLst>
   <p:sldIdLst>
     <p:sldId id="267" r:id="rId2"/>
@@ -24,6 +24,10 @@
     <p:sldId id="257" r:id="rId15"/>
     <p:sldId id="259" r:id="rId16"/>
     <p:sldId id="273" r:id="rId17"/>
+    <p:sldId id="274" r:id="rId18"/>
+    <p:sldId id="276" r:id="rId19"/>
+    <p:sldId id="275" r:id="rId20"/>
+    <p:sldId id="277" r:id="rId21"/>
   </p:sldIdLst>
   <p:sldSz cx="12192000" cy="6858000"/>
   <p:notesSz cx="6858000" cy="9144000"/>
@@ -6014,6 +6018,51 @@
       </p:grpSpPr>
       <p:pic>
         <p:nvPicPr>
+          <p:cNvPr id="9" name="図 8">
+            <a:extLst>
+              <a:ext uri="{FF2B5EF4-FFF2-40B4-BE49-F238E27FC236}">
+                <a16:creationId xmlns:a16="http://schemas.microsoft.com/office/drawing/2014/main" id="{3BCA0F8C-8AAF-4ABD-BFFA-660970C3DDA8}"/>
+              </a:ext>
+            </a:extLst>
+          </p:cNvPr>
+          <p:cNvPicPr>
+            <a:picLocks noChangeAspect="1"/>
+          </p:cNvPicPr>
+          <p:nvPr/>
+        </p:nvPicPr>
+        <p:blipFill rotWithShape="1">
+          <a:blip r:embed="rId2" cstate="hqprint">
+            <a:extLst>
+              <a:ext uri="{28A0092B-C50C-407E-A947-70E740481C1C}">
+                <a14:useLocalDpi xmlns:a14="http://schemas.microsoft.com/office/drawing/2010/main"/>
+              </a:ext>
+            </a:extLst>
+          </a:blip>
+          <a:srcRect l="816" t="15140" b="3180"/>
+          <a:stretch/>
+        </p:blipFill>
+        <p:spPr>
+          <a:xfrm>
+            <a:off x="8088949" y="2643812"/>
+            <a:ext cx="4643770" cy="3478222"/>
+          </a:xfrm>
+          <a:prstGeom prst="rect">
+            <a:avLst/>
+          </a:prstGeom>
+          <a:ln>
+            <a:noFill/>
+          </a:ln>
+          <a:effectLst>
+            <a:outerShdw blurRad="292100" dist="139700" dir="2700000" algn="tl" rotWithShape="0">
+              <a:srgbClr val="333333">
+                <a:alpha val="65000"/>
+              </a:srgbClr>
+            </a:outerShdw>
+          </a:effectLst>
+        </p:spPr>
+      </p:pic>
+      <p:pic>
+        <p:nvPicPr>
           <p:cNvPr id="2" name="図 1">
             <a:extLst>
               <a:ext uri="{FF2B5EF4-FFF2-40B4-BE49-F238E27FC236}">
@@ -6027,7 +6076,7 @@
           <p:nvPr/>
         </p:nvPicPr>
         <p:blipFill rotWithShape="1">
-          <a:blip r:embed="rId2" cstate="print">
+          <a:blip r:embed="rId3" cstate="print">
             <a:extLst>
               <a:ext uri="{28A0092B-C50C-407E-A947-70E740481C1C}">
                 <a14:useLocalDpi xmlns:a14="http://schemas.microsoft.com/office/drawing/2010/main"/>
@@ -6039,7 +6088,7 @@
         </p:blipFill>
         <p:spPr>
           <a:xfrm>
-            <a:off x="399988" y="1669516"/>
+            <a:off x="236358" y="1169002"/>
             <a:ext cx="3471169" cy="4367888"/>
           </a:xfrm>
           <a:prstGeom prst="rect">
@@ -6071,7 +6120,7 @@
         </p:nvSpPr>
         <p:spPr>
           <a:xfrm>
-            <a:off x="2222744" y="2361863"/>
+            <a:off x="2059114" y="1861349"/>
             <a:ext cx="1472631" cy="308397"/>
           </a:xfrm>
           <a:prstGeom prst="roundRect">
@@ -6118,6 +6167,110 @@
       </p:sp>
       <p:pic>
         <p:nvPicPr>
+          <p:cNvPr id="6" name="図 5">
+            <a:extLst>
+              <a:ext uri="{FF2B5EF4-FFF2-40B4-BE49-F238E27FC236}">
+                <a16:creationId xmlns:a16="http://schemas.microsoft.com/office/drawing/2014/main" id="{E8E29CAE-2D88-42D2-9564-DAA5F4A29DE2}"/>
+              </a:ext>
+            </a:extLst>
+          </p:cNvPr>
+          <p:cNvPicPr>
+            <a:picLocks noChangeAspect="1"/>
+          </p:cNvPicPr>
+          <p:nvPr/>
+        </p:nvPicPr>
+        <p:blipFill rotWithShape="1">
+          <a:blip r:embed="rId4" cstate="hqprint">
+            <a:extLst>
+              <a:ext uri="{28A0092B-C50C-407E-A947-70E740481C1C}">
+                <a14:useLocalDpi xmlns:a14="http://schemas.microsoft.com/office/drawing/2010/main"/>
+              </a:ext>
+            </a:extLst>
+          </a:blip>
+          <a:srcRect/>
+          <a:stretch/>
+        </p:blipFill>
+        <p:spPr>
+          <a:xfrm>
+            <a:off x="5045099" y="1105492"/>
+            <a:ext cx="4643770" cy="4263359"/>
+          </a:xfrm>
+          <a:prstGeom prst="rect">
+            <a:avLst/>
+          </a:prstGeom>
+          <a:ln>
+            <a:noFill/>
+          </a:ln>
+          <a:effectLst>
+            <a:outerShdw blurRad="292100" dist="139700" dir="2700000" algn="tl" rotWithShape="0">
+              <a:srgbClr val="333333">
+                <a:alpha val="65000"/>
+              </a:srgbClr>
+            </a:outerShdw>
+          </a:effectLst>
+        </p:spPr>
+      </p:pic>
+      <p:sp>
+        <p:nvSpPr>
+          <p:cNvPr id="7" name="四角形: 角を丸くする 6">
+            <a:extLst>
+              <a:ext uri="{FF2B5EF4-FFF2-40B4-BE49-F238E27FC236}">
+                <a16:creationId xmlns:a16="http://schemas.microsoft.com/office/drawing/2014/main" id="{77710BEE-2AE1-4788-9C15-4E40496C3356}"/>
+              </a:ext>
+            </a:extLst>
+          </p:cNvPr>
+          <p:cNvSpPr/>
+          <p:nvPr/>
+        </p:nvSpPr>
+        <p:spPr>
+          <a:xfrm>
+            <a:off x="7326870" y="3135237"/>
+            <a:ext cx="1524158" cy="1517632"/>
+          </a:xfrm>
+          <a:prstGeom prst="roundRect">
+            <a:avLst>
+              <a:gd name="adj" fmla="val 11673"/>
+            </a:avLst>
+          </a:prstGeom>
+          <a:noFill/>
+          <a:ln w="28575">
+            <a:solidFill>
+              <a:srgbClr val="FF0000"/>
+            </a:solidFill>
+          </a:ln>
+        </p:spPr>
+        <p:style>
+          <a:lnRef idx="2">
+            <a:schemeClr val="accent1">
+              <a:shade val="50000"/>
+            </a:schemeClr>
+          </a:lnRef>
+          <a:fillRef idx="1">
+            <a:schemeClr val="accent1"/>
+          </a:fillRef>
+          <a:effectRef idx="0">
+            <a:schemeClr val="accent1"/>
+          </a:effectRef>
+          <a:fontRef idx="minor">
+            <a:schemeClr val="lt1"/>
+          </a:fontRef>
+        </p:style>
+        <p:txBody>
+          <a:bodyPr rot="0" spcFirstLastPara="0" vertOverflow="overflow" horzOverflow="overflow" vert="horz" wrap="square" lIns="91440" tIns="45720" rIns="91440" bIns="45720" numCol="1" spcCol="0" rtlCol="0" fromWordArt="0" anchor="ctr" anchorCtr="0" forceAA="0" compatLnSpc="1">
+            <a:prstTxWarp prst="textNoShape">
+              <a:avLst/>
+            </a:prstTxWarp>
+            <a:noAutofit/>
+          </a:bodyPr>
+          <a:lstStyle/>
+          <a:p>
+            <a:pPr algn="ctr"/>
+            <a:endParaRPr kumimoji="1" lang="ja-JP" altLang="en-US" sz="1600"/>
+          </a:p>
+        </p:txBody>
+      </p:sp>
+      <p:pic>
+        <p:nvPicPr>
           <p:cNvPr id="4" name="図 3">
             <a:extLst>
               <a:ext uri="{FF2B5EF4-FFF2-40B4-BE49-F238E27FC236}">
@@ -6131,18 +6284,34 @@
           <p:nvPr/>
         </p:nvPicPr>
         <p:blipFill rotWithShape="1">
-          <a:blip r:embed="rId3"/>
-          <a:srcRect t="12182" r="57442"/>
+          <a:blip r:embed="rId5" cstate="print">
+            <a:extLst>
+              <a:ext uri="{28A0092B-C50C-407E-A947-70E740481C1C}">
+                <a14:useLocalDpi xmlns:a14="http://schemas.microsoft.com/office/drawing/2010/main"/>
+              </a:ext>
+            </a:extLst>
+          </a:blip>
+          <a:srcRect/>
           <a:stretch/>
         </p:blipFill>
         <p:spPr>
           <a:xfrm>
-            <a:off x="4139426" y="2021747"/>
+            <a:off x="2503131" y="2426008"/>
             <a:ext cx="3486167" cy="4113480"/>
           </a:xfrm>
           <a:prstGeom prst="rect">
             <a:avLst/>
           </a:prstGeom>
+          <a:ln>
+            <a:noFill/>
+          </a:ln>
+          <a:effectLst>
+            <a:outerShdw blurRad="292100" dist="139700" dir="2700000" algn="tl" rotWithShape="0">
+              <a:srgbClr val="333333">
+                <a:alpha val="65000"/>
+              </a:srgbClr>
+            </a:outerShdw>
+          </a:effectLst>
         </p:spPr>
       </p:pic>
       <p:sp>
@@ -6159,7 +6328,7 @@
         </p:nvSpPr>
         <p:spPr>
           <a:xfrm>
-            <a:off x="4539504" y="5793274"/>
+            <a:off x="2903209" y="6197535"/>
             <a:ext cx="1472631" cy="308397"/>
           </a:xfrm>
           <a:prstGeom prst="roundRect">
@@ -6204,10 +6373,791 @@
           </a:p>
         </p:txBody>
       </p:sp>
+      <p:sp>
+        <p:nvSpPr>
+          <p:cNvPr id="8" name="吹き出し: 四角形 7">
+            <a:extLst>
+              <a:ext uri="{FF2B5EF4-FFF2-40B4-BE49-F238E27FC236}">
+                <a16:creationId xmlns:a16="http://schemas.microsoft.com/office/drawing/2014/main" id="{C56B4AC6-1889-43D5-9DC0-7AA20C1578A9}"/>
+              </a:ext>
+            </a:extLst>
+          </p:cNvPr>
+          <p:cNvSpPr/>
+          <p:nvPr/>
+        </p:nvSpPr>
+        <p:spPr>
+          <a:xfrm>
+            <a:off x="6563193" y="5468191"/>
+            <a:ext cx="1772286" cy="350559"/>
+          </a:xfrm>
+          <a:prstGeom prst="wedgeRectCallout">
+            <a:avLst>
+              <a:gd name="adj1" fmla="val -4148"/>
+              <a:gd name="adj2" fmla="val -304502"/>
+            </a:avLst>
+          </a:prstGeom>
+        </p:spPr>
+        <p:style>
+          <a:lnRef idx="1">
+            <a:schemeClr val="accent2"/>
+          </a:lnRef>
+          <a:fillRef idx="2">
+            <a:schemeClr val="accent2"/>
+          </a:fillRef>
+          <a:effectRef idx="1">
+            <a:schemeClr val="accent2"/>
+          </a:effectRef>
+          <a:fontRef idx="minor">
+            <a:schemeClr val="dk1"/>
+          </a:fontRef>
+        </p:style>
+        <p:txBody>
+          <a:bodyPr rtlCol="0" anchor="ctr"/>
+          <a:lstStyle/>
+          <a:p>
+            <a:r>
+              <a:rPr kumimoji="1" lang="ja-JP" altLang="en-US" sz="1200" dirty="0"/>
+              <a:t>作成したレポジトリ</a:t>
+            </a:r>
+          </a:p>
+        </p:txBody>
+      </p:sp>
+      <p:sp>
+        <p:nvSpPr>
+          <p:cNvPr id="10" name="吹き出し: 四角形 9">
+            <a:extLst>
+              <a:ext uri="{FF2B5EF4-FFF2-40B4-BE49-F238E27FC236}">
+                <a16:creationId xmlns:a16="http://schemas.microsoft.com/office/drawing/2014/main" id="{5E843D9A-0B28-4ACB-A801-E21A8A3FDFBD}"/>
+              </a:ext>
+            </a:extLst>
+          </p:cNvPr>
+          <p:cNvSpPr/>
+          <p:nvPr/>
+        </p:nvSpPr>
+        <p:spPr>
+          <a:xfrm>
+            <a:off x="10274060" y="3253720"/>
+            <a:ext cx="2294113" cy="350559"/>
+          </a:xfrm>
+          <a:prstGeom prst="wedgeRectCallout">
+            <a:avLst>
+              <a:gd name="adj1" fmla="val -38706"/>
+              <a:gd name="adj2" fmla="val 140895"/>
+            </a:avLst>
+          </a:prstGeom>
+        </p:spPr>
+        <p:style>
+          <a:lnRef idx="1">
+            <a:schemeClr val="accent2"/>
+          </a:lnRef>
+          <a:fillRef idx="2">
+            <a:schemeClr val="accent2"/>
+          </a:fillRef>
+          <a:effectRef idx="1">
+            <a:schemeClr val="accent2"/>
+          </a:effectRef>
+          <a:fontRef idx="minor">
+            <a:schemeClr val="dk1"/>
+          </a:fontRef>
+        </p:style>
+        <p:txBody>
+          <a:bodyPr rtlCol="0" anchor="ctr"/>
+          <a:lstStyle/>
+          <a:p>
+            <a:r>
+              <a:rPr kumimoji="1" lang="en-US" altLang="ja-JP" sz="1200" dirty="0"/>
+              <a:t>ASP.NET</a:t>
+            </a:r>
+            <a:r>
+              <a:rPr kumimoji="1" lang="ja-JP" altLang="en-US" sz="1200" dirty="0"/>
+              <a:t> </a:t>
+            </a:r>
+            <a:r>
+              <a:rPr kumimoji="1" lang="en-US" altLang="ja-JP" sz="1200" dirty="0"/>
+              <a:t>Core</a:t>
+            </a:r>
+            <a:r>
+              <a:rPr kumimoji="1" lang="ja-JP" altLang="en-US" sz="1200" dirty="0"/>
+              <a:t> がわかりやすい</a:t>
+            </a:r>
+          </a:p>
+        </p:txBody>
+      </p:sp>
+      <p:sp>
+        <p:nvSpPr>
+          <p:cNvPr id="11" name="吹き出し: 四角形 10">
+            <a:extLst>
+              <a:ext uri="{FF2B5EF4-FFF2-40B4-BE49-F238E27FC236}">
+                <a16:creationId xmlns:a16="http://schemas.microsoft.com/office/drawing/2014/main" id="{5F073E0C-F9F9-4DB7-8585-53A9EBAC8AD8}"/>
+              </a:ext>
+            </a:extLst>
+          </p:cNvPr>
+          <p:cNvSpPr/>
+          <p:nvPr/>
+        </p:nvSpPr>
+        <p:spPr>
+          <a:xfrm>
+            <a:off x="286828" y="6151762"/>
+            <a:ext cx="1772286" cy="387726"/>
+          </a:xfrm>
+          <a:prstGeom prst="wedgeRectCallout">
+            <a:avLst>
+              <a:gd name="adj1" fmla="val 100988"/>
+              <a:gd name="adj2" fmla="val 10475"/>
+            </a:avLst>
+          </a:prstGeom>
+        </p:spPr>
+        <p:style>
+          <a:lnRef idx="1">
+            <a:schemeClr val="accent2"/>
+          </a:lnRef>
+          <a:fillRef idx="2">
+            <a:schemeClr val="accent2"/>
+          </a:fillRef>
+          <a:effectRef idx="1">
+            <a:schemeClr val="accent2"/>
+          </a:effectRef>
+          <a:fontRef idx="minor">
+            <a:schemeClr val="dk1"/>
+          </a:fontRef>
+        </p:style>
+        <p:txBody>
+          <a:bodyPr rtlCol="0" anchor="ctr"/>
+          <a:lstStyle/>
+          <a:p>
+            <a:r>
+              <a:rPr kumimoji="1" lang="ja-JP" altLang="en-US" sz="1200" dirty="0"/>
+              <a:t>グラフィカルでわかりやすい</a:t>
+            </a:r>
+          </a:p>
+        </p:txBody>
+      </p:sp>
     </p:spTree>
     <p:extLst>
       <p:ext uri="{BB962C8B-B14F-4D97-AF65-F5344CB8AC3E}">
         <p14:creationId xmlns:p14="http://schemas.microsoft.com/office/powerpoint/2010/main" val="2396345120"/>
+      </p:ext>
+    </p:extLst>
+  </p:cSld>
+  <p:clrMapOvr>
+    <a:masterClrMapping/>
+  </p:clrMapOvr>
+</p:sld>
+</file>
+
+<file path=ppt/slides/slide17.xml><?xml version="1.0" encoding="utf-8"?>
+<p:sld xmlns:a="http://schemas.openxmlformats.org/drawingml/2006/main" xmlns:r="http://schemas.openxmlformats.org/officeDocument/2006/relationships" xmlns:p="http://schemas.openxmlformats.org/presentationml/2006/main">
+  <p:cSld>
+    <p:spTree>
+      <p:nvGrpSpPr>
+        <p:cNvPr id="1" name=""/>
+        <p:cNvGrpSpPr/>
+        <p:nvPr/>
+      </p:nvGrpSpPr>
+      <p:grpSpPr>
+        <a:xfrm>
+          <a:off x="0" y="0"/>
+          <a:ext cx="0" cy="0"/>
+          <a:chOff x="0" y="0"/>
+          <a:chExt cx="0" cy="0"/>
+        </a:xfrm>
+      </p:grpSpPr>
+      <p:pic>
+        <p:nvPicPr>
+          <p:cNvPr id="5" name="図 4">
+            <a:extLst>
+              <a:ext uri="{FF2B5EF4-FFF2-40B4-BE49-F238E27FC236}">
+                <a16:creationId xmlns:a16="http://schemas.microsoft.com/office/drawing/2014/main" id="{51A30EBB-B482-44D5-83F3-7A37195F87D9}"/>
+              </a:ext>
+            </a:extLst>
+          </p:cNvPr>
+          <p:cNvPicPr>
+            <a:picLocks noChangeAspect="1"/>
+          </p:cNvPicPr>
+          <p:nvPr/>
+        </p:nvPicPr>
+        <p:blipFill rotWithShape="1">
+          <a:blip r:embed="rId2"/>
+          <a:srcRect t="8421"/>
+          <a:stretch/>
+        </p:blipFill>
+        <p:spPr>
+          <a:xfrm>
+            <a:off x="504803" y="221381"/>
+            <a:ext cx="10758881" cy="6280484"/>
+          </a:xfrm>
+          <a:prstGeom prst="rect">
+            <a:avLst/>
+          </a:prstGeom>
+          <a:ln>
+            <a:noFill/>
+          </a:ln>
+          <a:effectLst>
+            <a:outerShdw blurRad="292100" dist="139700" dir="2700000" algn="tl" rotWithShape="0">
+              <a:srgbClr val="333333">
+                <a:alpha val="65000"/>
+              </a:srgbClr>
+            </a:outerShdw>
+          </a:effectLst>
+        </p:spPr>
+      </p:pic>
+      <p:sp>
+        <p:nvSpPr>
+          <p:cNvPr id="6" name="四角形: 角を丸くする 5">
+            <a:extLst>
+              <a:ext uri="{FF2B5EF4-FFF2-40B4-BE49-F238E27FC236}">
+                <a16:creationId xmlns:a16="http://schemas.microsoft.com/office/drawing/2014/main" id="{23C72F7E-8DCE-405E-BFD2-B46817C751A0}"/>
+              </a:ext>
+            </a:extLst>
+          </p:cNvPr>
+          <p:cNvSpPr/>
+          <p:nvPr/>
+        </p:nvSpPr>
+        <p:spPr>
+          <a:xfrm>
+            <a:off x="928316" y="3274801"/>
+            <a:ext cx="2681158" cy="440551"/>
+          </a:xfrm>
+          <a:prstGeom prst="roundRect">
+            <a:avLst>
+              <a:gd name="adj" fmla="val 11673"/>
+            </a:avLst>
+          </a:prstGeom>
+          <a:noFill/>
+          <a:ln w="28575">
+            <a:solidFill>
+              <a:srgbClr val="FF0000"/>
+            </a:solidFill>
+          </a:ln>
+        </p:spPr>
+        <p:style>
+          <a:lnRef idx="2">
+            <a:schemeClr val="accent1">
+              <a:shade val="50000"/>
+            </a:schemeClr>
+          </a:lnRef>
+          <a:fillRef idx="1">
+            <a:schemeClr val="accent1"/>
+          </a:fillRef>
+          <a:effectRef idx="0">
+            <a:schemeClr val="accent1"/>
+          </a:effectRef>
+          <a:fontRef idx="minor">
+            <a:schemeClr val="lt1"/>
+          </a:fontRef>
+        </p:style>
+        <p:txBody>
+          <a:bodyPr rot="0" spcFirstLastPara="0" vertOverflow="overflow" horzOverflow="overflow" vert="horz" wrap="square" lIns="91440" tIns="45720" rIns="91440" bIns="45720" numCol="1" spcCol="0" rtlCol="0" fromWordArt="0" anchor="ctr" anchorCtr="0" forceAA="0" compatLnSpc="1">
+            <a:prstTxWarp prst="textNoShape">
+              <a:avLst/>
+            </a:prstTxWarp>
+            <a:noAutofit/>
+          </a:bodyPr>
+          <a:lstStyle/>
+          <a:p>
+            <a:pPr algn="ctr"/>
+            <a:endParaRPr kumimoji="1" lang="ja-JP" altLang="en-US" sz="1600"/>
+          </a:p>
+        </p:txBody>
+      </p:sp>
+      <p:sp>
+        <p:nvSpPr>
+          <p:cNvPr id="7" name="四角形: 角を丸くする 6">
+            <a:extLst>
+              <a:ext uri="{FF2B5EF4-FFF2-40B4-BE49-F238E27FC236}">
+                <a16:creationId xmlns:a16="http://schemas.microsoft.com/office/drawing/2014/main" id="{F9AD927A-257A-4B05-AF4D-629B0B0E5B66}"/>
+              </a:ext>
+            </a:extLst>
+          </p:cNvPr>
+          <p:cNvSpPr/>
+          <p:nvPr/>
+        </p:nvSpPr>
+        <p:spPr>
+          <a:xfrm>
+            <a:off x="3795040" y="4736237"/>
+            <a:ext cx="7129634" cy="1606811"/>
+          </a:xfrm>
+          <a:prstGeom prst="roundRect">
+            <a:avLst>
+              <a:gd name="adj" fmla="val 7480"/>
+            </a:avLst>
+          </a:prstGeom>
+          <a:noFill/>
+          <a:ln w="28575">
+            <a:solidFill>
+              <a:srgbClr val="FF0000"/>
+            </a:solidFill>
+          </a:ln>
+        </p:spPr>
+        <p:style>
+          <a:lnRef idx="2">
+            <a:schemeClr val="accent1">
+              <a:shade val="50000"/>
+            </a:schemeClr>
+          </a:lnRef>
+          <a:fillRef idx="1">
+            <a:schemeClr val="accent1"/>
+          </a:fillRef>
+          <a:effectRef idx="0">
+            <a:schemeClr val="accent1"/>
+          </a:effectRef>
+          <a:fontRef idx="minor">
+            <a:schemeClr val="lt1"/>
+          </a:fontRef>
+        </p:style>
+        <p:txBody>
+          <a:bodyPr rot="0" spcFirstLastPara="0" vertOverflow="overflow" horzOverflow="overflow" vert="horz" wrap="square" lIns="91440" tIns="45720" rIns="91440" bIns="45720" numCol="1" spcCol="0" rtlCol="0" fromWordArt="0" anchor="ctr" anchorCtr="0" forceAA="0" compatLnSpc="1">
+            <a:prstTxWarp prst="textNoShape">
+              <a:avLst/>
+            </a:prstTxWarp>
+            <a:noAutofit/>
+          </a:bodyPr>
+          <a:lstStyle/>
+          <a:p>
+            <a:pPr algn="ctr"/>
+            <a:endParaRPr kumimoji="1" lang="ja-JP" altLang="en-US" sz="1600"/>
+          </a:p>
+        </p:txBody>
+      </p:sp>
+      <p:sp>
+        <p:nvSpPr>
+          <p:cNvPr id="8" name="吹き出し: 四角形 7">
+            <a:extLst>
+              <a:ext uri="{FF2B5EF4-FFF2-40B4-BE49-F238E27FC236}">
+                <a16:creationId xmlns:a16="http://schemas.microsoft.com/office/drawing/2014/main" id="{E5DDF815-9D73-4EF2-A91C-FCDA8E102827}"/>
+              </a:ext>
+            </a:extLst>
+          </p:cNvPr>
+          <p:cNvSpPr/>
+          <p:nvPr/>
+        </p:nvSpPr>
+        <p:spPr>
+          <a:xfrm>
+            <a:off x="6649126" y="4043829"/>
+            <a:ext cx="2620001" cy="387726"/>
+          </a:xfrm>
+          <a:prstGeom prst="wedgeRectCallout">
+            <a:avLst>
+              <a:gd name="adj1" fmla="val -25873"/>
+              <a:gd name="adj2" fmla="val 139565"/>
+            </a:avLst>
+          </a:prstGeom>
+        </p:spPr>
+        <p:style>
+          <a:lnRef idx="1">
+            <a:schemeClr val="accent2"/>
+          </a:lnRef>
+          <a:fillRef idx="2">
+            <a:schemeClr val="accent2"/>
+          </a:fillRef>
+          <a:effectRef idx="1">
+            <a:schemeClr val="accent2"/>
+          </a:effectRef>
+          <a:fontRef idx="minor">
+            <a:schemeClr val="dk1"/>
+          </a:fontRef>
+        </p:style>
+        <p:txBody>
+          <a:bodyPr rtlCol="0" anchor="ctr"/>
+          <a:lstStyle/>
+          <a:p>
+            <a:r>
+              <a:rPr kumimoji="1" lang="ja-JP" altLang="en-US" sz="1200" dirty="0"/>
+              <a:t>共有ライブラリが格納された </a:t>
+            </a:r>
+            <a:r>
+              <a:rPr kumimoji="1" lang="en-US" altLang="ja-JP" sz="1200" dirty="0"/>
+              <a:t>Feed</a:t>
+            </a:r>
+            <a:r>
+              <a:rPr kumimoji="1" lang="ja-JP" altLang="en-US" sz="1200" dirty="0"/>
+              <a:t> を指定する</a:t>
+            </a:r>
+          </a:p>
+        </p:txBody>
+      </p:sp>
+    </p:spTree>
+    <p:extLst>
+      <p:ext uri="{BB962C8B-B14F-4D97-AF65-F5344CB8AC3E}">
+        <p14:creationId xmlns:p14="http://schemas.microsoft.com/office/powerpoint/2010/main" val="3086904823"/>
+      </p:ext>
+    </p:extLst>
+  </p:cSld>
+  <p:clrMapOvr>
+    <a:masterClrMapping/>
+  </p:clrMapOvr>
+</p:sld>
+</file>
+
+<file path=ppt/slides/slide18.xml><?xml version="1.0" encoding="utf-8"?>
+<p:sld xmlns:a="http://schemas.openxmlformats.org/drawingml/2006/main" xmlns:r="http://schemas.openxmlformats.org/officeDocument/2006/relationships" xmlns:p="http://schemas.openxmlformats.org/presentationml/2006/main">
+  <p:cSld>
+    <p:spTree>
+      <p:nvGrpSpPr>
+        <p:cNvPr id="1" name=""/>
+        <p:cNvGrpSpPr/>
+        <p:nvPr/>
+      </p:nvGrpSpPr>
+      <p:grpSpPr>
+        <a:xfrm>
+          <a:off x="0" y="0"/>
+          <a:ext cx="0" cy="0"/>
+          <a:chOff x="0" y="0"/>
+          <a:chExt cx="0" cy="0"/>
+        </a:xfrm>
+      </p:grpSpPr>
+      <p:pic>
+        <p:nvPicPr>
+          <p:cNvPr id="2" name="図 1">
+            <a:extLst>
+              <a:ext uri="{FF2B5EF4-FFF2-40B4-BE49-F238E27FC236}">
+                <a16:creationId xmlns:a16="http://schemas.microsoft.com/office/drawing/2014/main" id="{66C24436-5C32-466D-88FA-40C8B7D37EFE}"/>
+              </a:ext>
+            </a:extLst>
+          </p:cNvPr>
+          <p:cNvPicPr>
+            <a:picLocks noChangeAspect="1"/>
+          </p:cNvPicPr>
+          <p:nvPr/>
+        </p:nvPicPr>
+        <p:blipFill rotWithShape="1">
+          <a:blip r:embed="rId2" cstate="print">
+            <a:extLst>
+              <a:ext uri="{28A0092B-C50C-407E-A947-70E740481C1C}">
+                <a14:useLocalDpi xmlns:a14="http://schemas.microsoft.com/office/drawing/2010/main"/>
+              </a:ext>
+            </a:extLst>
+          </a:blip>
+          <a:srcRect/>
+          <a:stretch/>
+        </p:blipFill>
+        <p:spPr>
+          <a:xfrm>
+            <a:off x="716559" y="567891"/>
+            <a:ext cx="7089529" cy="6198670"/>
+          </a:xfrm>
+          <a:prstGeom prst="rect">
+            <a:avLst/>
+          </a:prstGeom>
+          <a:ln>
+            <a:noFill/>
+          </a:ln>
+          <a:effectLst>
+            <a:outerShdw blurRad="292100" dist="139700" dir="2700000" algn="tl" rotWithShape="0">
+              <a:srgbClr val="333333">
+                <a:alpha val="65000"/>
+              </a:srgbClr>
+            </a:outerShdw>
+          </a:effectLst>
+        </p:spPr>
+      </p:pic>
+      <p:sp>
+        <p:nvSpPr>
+          <p:cNvPr id="3" name="四角形: 角を丸くする 2">
+            <a:extLst>
+              <a:ext uri="{FF2B5EF4-FFF2-40B4-BE49-F238E27FC236}">
+                <a16:creationId xmlns:a16="http://schemas.microsoft.com/office/drawing/2014/main" id="{BC9EDFA0-4ECB-41B9-B6F0-2C4B1C91DBD2}"/>
+              </a:ext>
+            </a:extLst>
+          </p:cNvPr>
+          <p:cNvSpPr/>
+          <p:nvPr/>
+        </p:nvSpPr>
+        <p:spPr>
+          <a:xfrm>
+            <a:off x="1087707" y="4113701"/>
+            <a:ext cx="2681158" cy="440551"/>
+          </a:xfrm>
+          <a:prstGeom prst="roundRect">
+            <a:avLst>
+              <a:gd name="adj" fmla="val 11673"/>
+            </a:avLst>
+          </a:prstGeom>
+          <a:noFill/>
+          <a:ln w="28575">
+            <a:solidFill>
+              <a:srgbClr val="FF0000"/>
+            </a:solidFill>
+          </a:ln>
+        </p:spPr>
+        <p:style>
+          <a:lnRef idx="2">
+            <a:schemeClr val="accent1">
+              <a:shade val="50000"/>
+            </a:schemeClr>
+          </a:lnRef>
+          <a:fillRef idx="1">
+            <a:schemeClr val="accent1"/>
+          </a:fillRef>
+          <a:effectRef idx="0">
+            <a:schemeClr val="accent1"/>
+          </a:effectRef>
+          <a:fontRef idx="minor">
+            <a:schemeClr val="lt1"/>
+          </a:fontRef>
+        </p:style>
+        <p:txBody>
+          <a:bodyPr rot="0" spcFirstLastPara="0" vertOverflow="overflow" horzOverflow="overflow" vert="horz" wrap="square" lIns="91440" tIns="45720" rIns="91440" bIns="45720" numCol="1" spcCol="0" rtlCol="0" fromWordArt="0" anchor="ctr" anchorCtr="0" forceAA="0" compatLnSpc="1">
+            <a:prstTxWarp prst="textNoShape">
+              <a:avLst/>
+            </a:prstTxWarp>
+            <a:noAutofit/>
+          </a:bodyPr>
+          <a:lstStyle/>
+          <a:p>
+            <a:pPr algn="ctr"/>
+            <a:endParaRPr kumimoji="1" lang="ja-JP" altLang="en-US" sz="1600"/>
+          </a:p>
+        </p:txBody>
+      </p:sp>
+      <p:sp>
+        <p:nvSpPr>
+          <p:cNvPr id="4" name="吹き出し: 四角形 3">
+            <a:extLst>
+              <a:ext uri="{FF2B5EF4-FFF2-40B4-BE49-F238E27FC236}">
+                <a16:creationId xmlns:a16="http://schemas.microsoft.com/office/drawing/2014/main" id="{135D2BBE-0185-4B33-8826-2689E7106AC1}"/>
+              </a:ext>
+            </a:extLst>
+          </p:cNvPr>
+          <p:cNvSpPr/>
+          <p:nvPr/>
+        </p:nvSpPr>
+        <p:spPr>
+          <a:xfrm>
+            <a:off x="5030051" y="3667226"/>
+            <a:ext cx="2620001" cy="387726"/>
+          </a:xfrm>
+          <a:prstGeom prst="wedgeRectCallout">
+            <a:avLst>
+              <a:gd name="adj1" fmla="val -25873"/>
+              <a:gd name="adj2" fmla="val 139565"/>
+            </a:avLst>
+          </a:prstGeom>
+        </p:spPr>
+        <p:style>
+          <a:lnRef idx="1">
+            <a:schemeClr val="accent2"/>
+          </a:lnRef>
+          <a:fillRef idx="2">
+            <a:schemeClr val="accent2"/>
+          </a:fillRef>
+          <a:effectRef idx="1">
+            <a:schemeClr val="accent2"/>
+          </a:effectRef>
+          <a:fontRef idx="minor">
+            <a:schemeClr val="dk1"/>
+          </a:fontRef>
+        </p:style>
+        <p:txBody>
+          <a:bodyPr rtlCol="0" anchor="ctr"/>
+          <a:lstStyle/>
+          <a:p>
+            <a:r>
+              <a:rPr kumimoji="1" lang="ja-JP" altLang="en-US" sz="1200" dirty="0"/>
+              <a:t>参照パッケージは </a:t>
+            </a:r>
+            <a:r>
+              <a:rPr kumimoji="1" lang="en-US" altLang="ja-JP" sz="1200" dirty="0"/>
+              <a:t>Restore</a:t>
+            </a:r>
+            <a:r>
+              <a:rPr kumimoji="1" lang="ja-JP" altLang="en-US" sz="1200" dirty="0"/>
+              <a:t> 済み</a:t>
+            </a:r>
+          </a:p>
+        </p:txBody>
+      </p:sp>
+    </p:spTree>
+    <p:extLst>
+      <p:ext uri="{BB962C8B-B14F-4D97-AF65-F5344CB8AC3E}">
+        <p14:creationId xmlns:p14="http://schemas.microsoft.com/office/powerpoint/2010/main" val="2089604017"/>
+      </p:ext>
+    </p:extLst>
+  </p:cSld>
+  <p:clrMapOvr>
+    <a:masterClrMapping/>
+  </p:clrMapOvr>
+</p:sld>
+</file>
+
+<file path=ppt/slides/slide19.xml><?xml version="1.0" encoding="utf-8"?>
+<p:sld xmlns:a="http://schemas.openxmlformats.org/drawingml/2006/main" xmlns:r="http://schemas.openxmlformats.org/officeDocument/2006/relationships" xmlns:p="http://schemas.openxmlformats.org/presentationml/2006/main">
+  <p:cSld>
+    <p:spTree>
+      <p:nvGrpSpPr>
+        <p:cNvPr id="1" name=""/>
+        <p:cNvGrpSpPr/>
+        <p:nvPr/>
+      </p:nvGrpSpPr>
+      <p:grpSpPr>
+        <a:xfrm>
+          <a:off x="0" y="0"/>
+          <a:ext cx="0" cy="0"/>
+          <a:chOff x="0" y="0"/>
+          <a:chExt cx="0" cy="0"/>
+        </a:xfrm>
+      </p:grpSpPr>
+      <p:pic>
+        <p:nvPicPr>
+          <p:cNvPr id="2" name="図 1">
+            <a:extLst>
+              <a:ext uri="{FF2B5EF4-FFF2-40B4-BE49-F238E27FC236}">
+                <a16:creationId xmlns:a16="http://schemas.microsoft.com/office/drawing/2014/main" id="{C66B1195-F361-4810-AB1C-CDEEE91038F8}"/>
+              </a:ext>
+            </a:extLst>
+          </p:cNvPr>
+          <p:cNvPicPr>
+            <a:picLocks noChangeAspect="1"/>
+          </p:cNvPicPr>
+          <p:nvPr/>
+        </p:nvPicPr>
+        <p:blipFill rotWithShape="1">
+          <a:blip r:embed="rId2" cstate="print">
+            <a:extLst>
+              <a:ext uri="{28A0092B-C50C-407E-A947-70E740481C1C}">
+                <a14:useLocalDpi xmlns:a14="http://schemas.microsoft.com/office/drawing/2010/main"/>
+              </a:ext>
+            </a:extLst>
+          </a:blip>
+          <a:srcRect/>
+          <a:stretch/>
+        </p:blipFill>
+        <p:spPr>
+          <a:xfrm>
+            <a:off x="1091237" y="906392"/>
+            <a:ext cx="7493529" cy="5544361"/>
+          </a:xfrm>
+          <a:prstGeom prst="rect">
+            <a:avLst/>
+          </a:prstGeom>
+          <a:ln>
+            <a:noFill/>
+          </a:ln>
+          <a:effectLst>
+            <a:outerShdw blurRad="292100" dist="139700" dir="2700000" algn="tl" rotWithShape="0">
+              <a:srgbClr val="333333">
+                <a:alpha val="65000"/>
+              </a:srgbClr>
+            </a:outerShdw>
+          </a:effectLst>
+        </p:spPr>
+      </p:pic>
+      <p:sp>
+        <p:nvSpPr>
+          <p:cNvPr id="3" name="四角形: 角を丸くする 2">
+            <a:extLst>
+              <a:ext uri="{FF2B5EF4-FFF2-40B4-BE49-F238E27FC236}">
+                <a16:creationId xmlns:a16="http://schemas.microsoft.com/office/drawing/2014/main" id="{8160A1D2-3AF7-4779-A962-22C9CD9A930F}"/>
+              </a:ext>
+            </a:extLst>
+          </p:cNvPr>
+          <p:cNvSpPr/>
+          <p:nvPr/>
+        </p:nvSpPr>
+        <p:spPr>
+          <a:xfrm>
+            <a:off x="1213542" y="4818376"/>
+            <a:ext cx="2681158" cy="440551"/>
+          </a:xfrm>
+          <a:prstGeom prst="roundRect">
+            <a:avLst>
+              <a:gd name="adj" fmla="val 11673"/>
+            </a:avLst>
+          </a:prstGeom>
+          <a:noFill/>
+          <a:ln w="28575">
+            <a:solidFill>
+              <a:srgbClr val="FF0000"/>
+            </a:solidFill>
+          </a:ln>
+        </p:spPr>
+        <p:style>
+          <a:lnRef idx="2">
+            <a:schemeClr val="accent1">
+              <a:shade val="50000"/>
+            </a:schemeClr>
+          </a:lnRef>
+          <a:fillRef idx="1">
+            <a:schemeClr val="accent1"/>
+          </a:fillRef>
+          <a:effectRef idx="0">
+            <a:schemeClr val="accent1"/>
+          </a:effectRef>
+          <a:fontRef idx="minor">
+            <a:schemeClr val="lt1"/>
+          </a:fontRef>
+        </p:style>
+        <p:txBody>
+          <a:bodyPr rot="0" spcFirstLastPara="0" vertOverflow="overflow" horzOverflow="overflow" vert="horz" wrap="square" lIns="91440" tIns="45720" rIns="91440" bIns="45720" numCol="1" spcCol="0" rtlCol="0" fromWordArt="0" anchor="ctr" anchorCtr="0" forceAA="0" compatLnSpc="1">
+            <a:prstTxWarp prst="textNoShape">
+              <a:avLst/>
+            </a:prstTxWarp>
+            <a:noAutofit/>
+          </a:bodyPr>
+          <a:lstStyle/>
+          <a:p>
+            <a:pPr algn="ctr"/>
+            <a:endParaRPr kumimoji="1" lang="ja-JP" altLang="en-US" sz="1600"/>
+          </a:p>
+        </p:txBody>
+      </p:sp>
+      <p:sp>
+        <p:nvSpPr>
+          <p:cNvPr id="4" name="吹き出し: 四角形 3">
+            <a:extLst>
+              <a:ext uri="{FF2B5EF4-FFF2-40B4-BE49-F238E27FC236}">
+                <a16:creationId xmlns:a16="http://schemas.microsoft.com/office/drawing/2014/main" id="{59BAE7B0-08CC-4C21-9DE6-F36D15142536}"/>
+              </a:ext>
+            </a:extLst>
+          </p:cNvPr>
+          <p:cNvSpPr/>
+          <p:nvPr/>
+        </p:nvSpPr>
+        <p:spPr>
+          <a:xfrm>
+            <a:off x="5273331" y="3235137"/>
+            <a:ext cx="3014992" cy="387726"/>
+          </a:xfrm>
+          <a:prstGeom prst="wedgeRectCallout">
+            <a:avLst>
+              <a:gd name="adj1" fmla="val -60133"/>
+              <a:gd name="adj2" fmla="val 143892"/>
+            </a:avLst>
+          </a:prstGeom>
+        </p:spPr>
+        <p:style>
+          <a:lnRef idx="1">
+            <a:schemeClr val="accent2"/>
+          </a:lnRef>
+          <a:fillRef idx="2">
+            <a:schemeClr val="accent2"/>
+          </a:fillRef>
+          <a:effectRef idx="1">
+            <a:schemeClr val="accent2"/>
+          </a:effectRef>
+          <a:fontRef idx="minor">
+            <a:schemeClr val="dk1"/>
+          </a:fontRef>
+        </p:style>
+        <p:txBody>
+          <a:bodyPr rtlCol="0" anchor="ctr"/>
+          <a:lstStyle/>
+          <a:p>
+            <a:r>
+              <a:rPr kumimoji="1" lang="en-US" altLang="ja-JP" sz="1200" dirty="0"/>
+              <a:t>Web</a:t>
+            </a:r>
+            <a:r>
+              <a:rPr kumimoji="1" lang="ja-JP" altLang="en-US" sz="1200" dirty="0"/>
+              <a:t> プロジェクトのチェックをはずす</a:t>
+            </a:r>
+          </a:p>
+        </p:txBody>
+      </p:sp>
+    </p:spTree>
+    <p:extLst>
+      <p:ext uri="{BB962C8B-B14F-4D97-AF65-F5344CB8AC3E}">
+        <p14:creationId xmlns:p14="http://schemas.microsoft.com/office/powerpoint/2010/main" val="3068396079"/>
       </p:ext>
     </p:extLst>
   </p:cSld>
@@ -7784,6 +8734,708 @@
 </p:sld>
 </file>
 
+<file path=ppt/slides/slide20.xml><?xml version="1.0" encoding="utf-8"?>
+<p:sld xmlns:a="http://schemas.openxmlformats.org/drawingml/2006/main" xmlns:r="http://schemas.openxmlformats.org/officeDocument/2006/relationships" xmlns:p="http://schemas.openxmlformats.org/presentationml/2006/main">
+  <p:cSld>
+    <p:spTree>
+      <p:nvGrpSpPr>
+        <p:cNvPr id="1" name=""/>
+        <p:cNvGrpSpPr/>
+        <p:nvPr/>
+      </p:nvGrpSpPr>
+      <p:grpSpPr>
+        <a:xfrm>
+          <a:off x="0" y="0"/>
+          <a:ext cx="0" cy="0"/>
+          <a:chOff x="0" y="0"/>
+          <a:chExt cx="0" cy="0"/>
+        </a:xfrm>
+      </p:grpSpPr>
+      <p:pic>
+        <p:nvPicPr>
+          <p:cNvPr id="2" name="図 1">
+            <a:extLst>
+              <a:ext uri="{FF2B5EF4-FFF2-40B4-BE49-F238E27FC236}">
+                <a16:creationId xmlns:a16="http://schemas.microsoft.com/office/drawing/2014/main" id="{80A176DB-04F7-4497-BC3D-6148EB70A054}"/>
+              </a:ext>
+            </a:extLst>
+          </p:cNvPr>
+          <p:cNvPicPr>
+            <a:picLocks noChangeAspect="1"/>
+          </p:cNvPicPr>
+          <p:nvPr/>
+        </p:nvPicPr>
+        <p:blipFill rotWithShape="1">
+          <a:blip r:embed="rId2" cstate="print">
+            <a:extLst>
+              <a:ext uri="{28A0092B-C50C-407E-A947-70E740481C1C}">
+                <a14:useLocalDpi xmlns:a14="http://schemas.microsoft.com/office/drawing/2010/main"/>
+              </a:ext>
+            </a:extLst>
+          </a:blip>
+          <a:srcRect/>
+          <a:stretch/>
+        </p:blipFill>
+        <p:spPr>
+          <a:xfrm>
+            <a:off x="1104453" y="439596"/>
+            <a:ext cx="9780801" cy="3097585"/>
+          </a:xfrm>
+          <a:prstGeom prst="rect">
+            <a:avLst/>
+          </a:prstGeom>
+          <a:ln>
+            <a:noFill/>
+          </a:ln>
+          <a:effectLst>
+            <a:outerShdw blurRad="292100" dist="139700" dir="2700000" algn="tl" rotWithShape="0">
+              <a:srgbClr val="333333">
+                <a:alpha val="65000"/>
+              </a:srgbClr>
+            </a:outerShdw>
+          </a:effectLst>
+        </p:spPr>
+      </p:pic>
+      <p:sp>
+        <p:nvSpPr>
+          <p:cNvPr id="3" name="四角形: 角を丸くする 2">
+            <a:extLst>
+              <a:ext uri="{FF2B5EF4-FFF2-40B4-BE49-F238E27FC236}">
+                <a16:creationId xmlns:a16="http://schemas.microsoft.com/office/drawing/2014/main" id="{5993D7DB-21A2-464F-8518-D9BA5F3E6E02}"/>
+              </a:ext>
+            </a:extLst>
+          </p:cNvPr>
+          <p:cNvSpPr/>
+          <p:nvPr/>
+        </p:nvSpPr>
+        <p:spPr>
+          <a:xfrm>
+            <a:off x="1421678" y="1776738"/>
+            <a:ext cx="2437416" cy="716296"/>
+          </a:xfrm>
+          <a:prstGeom prst="roundRect">
+            <a:avLst>
+              <a:gd name="adj" fmla="val 11673"/>
+            </a:avLst>
+          </a:prstGeom>
+          <a:noFill/>
+          <a:ln w="28575">
+            <a:solidFill>
+              <a:srgbClr val="FF0000"/>
+            </a:solidFill>
+          </a:ln>
+        </p:spPr>
+        <p:style>
+          <a:lnRef idx="2">
+            <a:schemeClr val="accent1">
+              <a:shade val="50000"/>
+            </a:schemeClr>
+          </a:lnRef>
+          <a:fillRef idx="1">
+            <a:schemeClr val="accent1"/>
+          </a:fillRef>
+          <a:effectRef idx="0">
+            <a:schemeClr val="accent1"/>
+          </a:effectRef>
+          <a:fontRef idx="minor">
+            <a:schemeClr val="lt1"/>
+          </a:fontRef>
+        </p:style>
+        <p:txBody>
+          <a:bodyPr rot="0" spcFirstLastPara="0" vertOverflow="overflow" horzOverflow="overflow" vert="horz" wrap="square" lIns="91440" tIns="45720" rIns="91440" bIns="45720" numCol="1" spcCol="0" rtlCol="0" fromWordArt="0" anchor="ctr" anchorCtr="0" forceAA="0" compatLnSpc="1">
+            <a:prstTxWarp prst="textNoShape">
+              <a:avLst/>
+            </a:prstTxWarp>
+            <a:noAutofit/>
+          </a:bodyPr>
+          <a:lstStyle/>
+          <a:p>
+            <a:pPr algn="ctr"/>
+            <a:endParaRPr kumimoji="1" lang="ja-JP" altLang="en-US" sz="1600"/>
+          </a:p>
+        </p:txBody>
+      </p:sp>
+      <p:sp>
+        <p:nvSpPr>
+          <p:cNvPr id="4" name="吹き出し: 四角形 3">
+            <a:extLst>
+              <a:ext uri="{FF2B5EF4-FFF2-40B4-BE49-F238E27FC236}">
+                <a16:creationId xmlns:a16="http://schemas.microsoft.com/office/drawing/2014/main" id="{DA5894E1-5EA0-42F8-BC2F-157EA4FE9F94}"/>
+              </a:ext>
+            </a:extLst>
+          </p:cNvPr>
+          <p:cNvSpPr/>
+          <p:nvPr/>
+        </p:nvSpPr>
+        <p:spPr>
+          <a:xfrm>
+            <a:off x="1788259" y="245733"/>
+            <a:ext cx="2214397" cy="387726"/>
+          </a:xfrm>
+          <a:prstGeom prst="wedgeRectCallout">
+            <a:avLst>
+              <a:gd name="adj1" fmla="val -19229"/>
+              <a:gd name="adj2" fmla="val 344131"/>
+            </a:avLst>
+          </a:prstGeom>
+        </p:spPr>
+        <p:style>
+          <a:lnRef idx="1">
+            <a:schemeClr val="accent2"/>
+          </a:lnRef>
+          <a:fillRef idx="2">
+            <a:schemeClr val="accent2"/>
+          </a:fillRef>
+          <a:effectRef idx="1">
+            <a:schemeClr val="accent2"/>
+          </a:effectRef>
+          <a:fontRef idx="minor">
+            <a:schemeClr val="dk1"/>
+          </a:fontRef>
+        </p:style>
+        <p:txBody>
+          <a:bodyPr rtlCol="0" anchor="ctr"/>
+          <a:lstStyle/>
+          <a:p>
+            <a:r>
+              <a:rPr kumimoji="1" lang="ja-JP" altLang="en-US" sz="1200" dirty="0"/>
+              <a:t>作成したパイプライン定義を選択して・・・</a:t>
+            </a:r>
+          </a:p>
+        </p:txBody>
+      </p:sp>
+      <p:sp>
+        <p:nvSpPr>
+          <p:cNvPr id="5" name="吹き出し: 四角形 4">
+            <a:extLst>
+              <a:ext uri="{FF2B5EF4-FFF2-40B4-BE49-F238E27FC236}">
+                <a16:creationId xmlns:a16="http://schemas.microsoft.com/office/drawing/2014/main" id="{9413B0FB-F6CC-4FDD-BC14-3BE5D69F585A}"/>
+              </a:ext>
+            </a:extLst>
+          </p:cNvPr>
+          <p:cNvSpPr/>
+          <p:nvPr/>
+        </p:nvSpPr>
+        <p:spPr>
+          <a:xfrm>
+            <a:off x="8256789" y="-141993"/>
+            <a:ext cx="2474471" cy="387726"/>
+          </a:xfrm>
+          <a:prstGeom prst="wedgeRectCallout">
+            <a:avLst>
+              <a:gd name="adj1" fmla="val 15981"/>
+              <a:gd name="adj2" fmla="val 235112"/>
+            </a:avLst>
+          </a:prstGeom>
+        </p:spPr>
+        <p:style>
+          <a:lnRef idx="1">
+            <a:schemeClr val="accent2"/>
+          </a:lnRef>
+          <a:fillRef idx="2">
+            <a:schemeClr val="accent2"/>
+          </a:fillRef>
+          <a:effectRef idx="1">
+            <a:schemeClr val="accent2"/>
+          </a:effectRef>
+          <a:fontRef idx="minor">
+            <a:schemeClr val="dk1"/>
+          </a:fontRef>
+        </p:style>
+        <p:txBody>
+          <a:bodyPr rtlCol="0" anchor="ctr"/>
+          <a:lstStyle/>
+          <a:p>
+            <a:r>
+              <a:rPr kumimoji="1" lang="ja-JP" altLang="en-US" sz="1200" dirty="0"/>
+              <a:t>キューに入れる（ビルド開始）</a:t>
+            </a:r>
+          </a:p>
+        </p:txBody>
+      </p:sp>
+      <p:sp>
+        <p:nvSpPr>
+          <p:cNvPr id="6" name="吹き出し: 四角形 5">
+            <a:extLst>
+              <a:ext uri="{FF2B5EF4-FFF2-40B4-BE49-F238E27FC236}">
+                <a16:creationId xmlns:a16="http://schemas.microsoft.com/office/drawing/2014/main" id="{697335F6-D750-4F33-A482-8EF6431D49EE}"/>
+              </a:ext>
+            </a:extLst>
+          </p:cNvPr>
+          <p:cNvSpPr/>
+          <p:nvPr/>
+        </p:nvSpPr>
+        <p:spPr>
+          <a:xfrm>
+            <a:off x="5205586" y="2630269"/>
+            <a:ext cx="2474471" cy="387726"/>
+          </a:xfrm>
+          <a:prstGeom prst="wedgeRectCallout">
+            <a:avLst>
+              <a:gd name="adj1" fmla="val -46770"/>
+              <a:gd name="adj2" fmla="val -169815"/>
+            </a:avLst>
+          </a:prstGeom>
+        </p:spPr>
+        <p:style>
+          <a:lnRef idx="1">
+            <a:schemeClr val="accent2"/>
+          </a:lnRef>
+          <a:fillRef idx="2">
+            <a:schemeClr val="accent2"/>
+          </a:fillRef>
+          <a:effectRef idx="1">
+            <a:schemeClr val="accent2"/>
+          </a:effectRef>
+          <a:fontRef idx="minor">
+            <a:schemeClr val="dk1"/>
+          </a:fontRef>
+        </p:style>
+        <p:txBody>
+          <a:bodyPr rtlCol="0" anchor="ctr"/>
+          <a:lstStyle/>
+          <a:p>
+            <a:r>
+              <a:rPr kumimoji="1" lang="ja-JP" altLang="en-US" sz="1200" dirty="0"/>
+              <a:t>終わると履歴が表示される</a:t>
+            </a:r>
+          </a:p>
+        </p:txBody>
+      </p:sp>
+      <p:pic>
+        <p:nvPicPr>
+          <p:cNvPr id="8" name="図 7">
+            <a:extLst>
+              <a:ext uri="{FF2B5EF4-FFF2-40B4-BE49-F238E27FC236}">
+                <a16:creationId xmlns:a16="http://schemas.microsoft.com/office/drawing/2014/main" id="{FC5B3D6F-19AD-4EA4-AD1D-8D13741CBA12}"/>
+              </a:ext>
+            </a:extLst>
+          </p:cNvPr>
+          <p:cNvPicPr>
+            <a:picLocks noChangeAspect="1"/>
+          </p:cNvPicPr>
+          <p:nvPr/>
+        </p:nvPicPr>
+        <p:blipFill rotWithShape="1">
+          <a:blip r:embed="rId3" cstate="hqprint">
+            <a:extLst>
+              <a:ext uri="{28A0092B-C50C-407E-A947-70E740481C1C}">
+                <a14:useLocalDpi xmlns:a14="http://schemas.microsoft.com/office/drawing/2010/main"/>
+              </a:ext>
+            </a:extLst>
+          </a:blip>
+          <a:srcRect/>
+          <a:stretch/>
+        </p:blipFill>
+        <p:spPr>
+          <a:xfrm>
+            <a:off x="148107" y="3830176"/>
+            <a:ext cx="6038442" cy="2868349"/>
+          </a:xfrm>
+          <a:prstGeom prst="rect">
+            <a:avLst/>
+          </a:prstGeom>
+          <a:ln>
+            <a:noFill/>
+          </a:ln>
+          <a:effectLst>
+            <a:outerShdw blurRad="292100" dist="139700" dir="2700000" algn="tl" rotWithShape="0">
+              <a:srgbClr val="333333">
+                <a:alpha val="65000"/>
+              </a:srgbClr>
+            </a:outerShdw>
+          </a:effectLst>
+        </p:spPr>
+      </p:pic>
+      <p:pic>
+        <p:nvPicPr>
+          <p:cNvPr id="11" name="図 10">
+            <a:extLst>
+              <a:ext uri="{FF2B5EF4-FFF2-40B4-BE49-F238E27FC236}">
+                <a16:creationId xmlns:a16="http://schemas.microsoft.com/office/drawing/2014/main" id="{56536B16-DB2B-48E1-B59A-C69164A0F1E9}"/>
+              </a:ext>
+            </a:extLst>
+          </p:cNvPr>
+          <p:cNvPicPr>
+            <a:picLocks noChangeAspect="1"/>
+          </p:cNvPicPr>
+          <p:nvPr/>
+        </p:nvPicPr>
+        <p:blipFill rotWithShape="1">
+          <a:blip r:embed="rId4" cstate="print">
+            <a:extLst>
+              <a:ext uri="{28A0092B-C50C-407E-A947-70E740481C1C}">
+                <a14:useLocalDpi xmlns:a14="http://schemas.microsoft.com/office/drawing/2010/main"/>
+              </a:ext>
+            </a:extLst>
+          </a:blip>
+          <a:srcRect/>
+          <a:stretch/>
+        </p:blipFill>
+        <p:spPr>
+          <a:xfrm>
+            <a:off x="5828506" y="4673235"/>
+            <a:ext cx="4068661" cy="2279510"/>
+          </a:xfrm>
+          <a:prstGeom prst="rect">
+            <a:avLst/>
+          </a:prstGeom>
+          <a:ln>
+            <a:noFill/>
+          </a:ln>
+          <a:effectLst>
+            <a:outerShdw blurRad="292100" dist="139700" dir="2700000" algn="tl" rotWithShape="0">
+              <a:srgbClr val="333333">
+                <a:alpha val="65000"/>
+              </a:srgbClr>
+            </a:outerShdw>
+          </a:effectLst>
+        </p:spPr>
+      </p:pic>
+      <p:cxnSp>
+        <p:nvCxnSpPr>
+          <p:cNvPr id="12" name="直線矢印コネクタ 11">
+            <a:extLst>
+              <a:ext uri="{FF2B5EF4-FFF2-40B4-BE49-F238E27FC236}">
+                <a16:creationId xmlns:a16="http://schemas.microsoft.com/office/drawing/2014/main" id="{0B531F28-C9E2-4AAE-9C4C-E0110D165F46}"/>
+              </a:ext>
+            </a:extLst>
+          </p:cNvPr>
+          <p:cNvCxnSpPr>
+            <a:cxnSpLocks/>
+            <a:stCxn id="6" idx="4"/>
+          </p:cNvCxnSpPr>
+          <p:nvPr/>
+        </p:nvCxnSpPr>
+        <p:spPr>
+          <a:xfrm flipH="1">
+            <a:off x="2000389" y="2165715"/>
+            <a:ext cx="3285122" cy="2188171"/>
+          </a:xfrm>
+          <a:prstGeom prst="straightConnector1">
+            <a:avLst/>
+          </a:prstGeom>
+          <a:noFill/>
+          <a:ln w="28575">
+            <a:solidFill>
+              <a:srgbClr val="FF0000"/>
+            </a:solidFill>
+            <a:headEnd type="none" w="med" len="med"/>
+            <a:tailEnd type="arrow" w="med" len="med"/>
+          </a:ln>
+        </p:spPr>
+        <p:style>
+          <a:lnRef idx="2">
+            <a:schemeClr val="accent1">
+              <a:shade val="50000"/>
+            </a:schemeClr>
+          </a:lnRef>
+          <a:fillRef idx="1">
+            <a:schemeClr val="accent1"/>
+          </a:fillRef>
+          <a:effectRef idx="0">
+            <a:schemeClr val="accent1"/>
+          </a:effectRef>
+          <a:fontRef idx="minor">
+            <a:schemeClr val="lt1"/>
+          </a:fontRef>
+        </p:style>
+      </p:cxnSp>
+      <p:sp>
+        <p:nvSpPr>
+          <p:cNvPr id="14" name="吹き出し: 四角形 13">
+            <a:extLst>
+              <a:ext uri="{FF2B5EF4-FFF2-40B4-BE49-F238E27FC236}">
+                <a16:creationId xmlns:a16="http://schemas.microsoft.com/office/drawing/2014/main" id="{D55AF82B-2AE7-47C7-83DB-27979B835E00}"/>
+              </a:ext>
+            </a:extLst>
+          </p:cNvPr>
+          <p:cNvSpPr/>
+          <p:nvPr/>
+        </p:nvSpPr>
+        <p:spPr>
+          <a:xfrm>
+            <a:off x="2548335" y="6259674"/>
+            <a:ext cx="1780830" cy="387726"/>
+          </a:xfrm>
+          <a:prstGeom prst="wedgeRectCallout">
+            <a:avLst>
+              <a:gd name="adj1" fmla="val -58076"/>
+              <a:gd name="adj2" fmla="val -124379"/>
+            </a:avLst>
+          </a:prstGeom>
+        </p:spPr>
+        <p:style>
+          <a:lnRef idx="1">
+            <a:schemeClr val="accent2"/>
+          </a:lnRef>
+          <a:fillRef idx="2">
+            <a:schemeClr val="accent2"/>
+          </a:fillRef>
+          <a:effectRef idx="1">
+            <a:schemeClr val="accent2"/>
+          </a:effectRef>
+          <a:fontRef idx="minor">
+            <a:schemeClr val="dk1"/>
+          </a:fontRef>
+        </p:style>
+        <p:txBody>
+          <a:bodyPr rtlCol="0" anchor="ctr"/>
+          <a:lstStyle/>
+          <a:p>
+            <a:r>
+              <a:rPr kumimoji="1" lang="ja-JP" altLang="en-US" sz="1200" dirty="0"/>
+              <a:t>ログを確認</a:t>
+            </a:r>
+          </a:p>
+        </p:txBody>
+      </p:sp>
+      <p:cxnSp>
+        <p:nvCxnSpPr>
+          <p:cNvPr id="16" name="直線矢印コネクタ 15">
+            <a:extLst>
+              <a:ext uri="{FF2B5EF4-FFF2-40B4-BE49-F238E27FC236}">
+                <a16:creationId xmlns:a16="http://schemas.microsoft.com/office/drawing/2014/main" id="{7D9D9296-1ACA-45CF-9CA0-93963FF8C09E}"/>
+              </a:ext>
+            </a:extLst>
+          </p:cNvPr>
+          <p:cNvCxnSpPr>
+            <a:cxnSpLocks/>
+          </p:cNvCxnSpPr>
+          <p:nvPr/>
+        </p:nvCxnSpPr>
+        <p:spPr>
+          <a:xfrm>
+            <a:off x="5561900" y="4353886"/>
+            <a:ext cx="534100" cy="555893"/>
+          </a:xfrm>
+          <a:prstGeom prst="straightConnector1">
+            <a:avLst/>
+          </a:prstGeom>
+          <a:noFill/>
+          <a:ln w="28575">
+            <a:solidFill>
+              <a:srgbClr val="FF0000"/>
+            </a:solidFill>
+            <a:headEnd type="none" w="med" len="med"/>
+            <a:tailEnd type="arrow" w="med" len="med"/>
+          </a:ln>
+        </p:spPr>
+        <p:style>
+          <a:lnRef idx="2">
+            <a:schemeClr val="accent1">
+              <a:shade val="50000"/>
+            </a:schemeClr>
+          </a:lnRef>
+          <a:fillRef idx="1">
+            <a:schemeClr val="accent1"/>
+          </a:fillRef>
+          <a:effectRef idx="0">
+            <a:schemeClr val="accent1"/>
+          </a:effectRef>
+          <a:fontRef idx="minor">
+            <a:schemeClr val="lt1"/>
+          </a:fontRef>
+        </p:style>
+      </p:cxnSp>
+      <p:sp>
+        <p:nvSpPr>
+          <p:cNvPr id="19" name="吹き出し: 四角形 18">
+            <a:extLst>
+              <a:ext uri="{FF2B5EF4-FFF2-40B4-BE49-F238E27FC236}">
+                <a16:creationId xmlns:a16="http://schemas.microsoft.com/office/drawing/2014/main" id="{A94B55A3-C1A0-439A-9180-88EFF9FA41D0}"/>
+              </a:ext>
+            </a:extLst>
+          </p:cNvPr>
+          <p:cNvSpPr/>
+          <p:nvPr/>
+        </p:nvSpPr>
+        <p:spPr>
+          <a:xfrm>
+            <a:off x="5675587" y="6565019"/>
+            <a:ext cx="2070449" cy="387726"/>
+          </a:xfrm>
+          <a:prstGeom prst="wedgeRectCallout">
+            <a:avLst>
+              <a:gd name="adj1" fmla="val -5316"/>
+              <a:gd name="adj2" fmla="val -187125"/>
+            </a:avLst>
+          </a:prstGeom>
+        </p:spPr>
+        <p:style>
+          <a:lnRef idx="1">
+            <a:schemeClr val="accent2"/>
+          </a:lnRef>
+          <a:fillRef idx="2">
+            <a:schemeClr val="accent2"/>
+          </a:fillRef>
+          <a:effectRef idx="1">
+            <a:schemeClr val="accent2"/>
+          </a:effectRef>
+          <a:fontRef idx="minor">
+            <a:schemeClr val="dk1"/>
+          </a:fontRef>
+        </p:style>
+        <p:txBody>
+          <a:bodyPr rtlCol="0" anchor="ctr"/>
+          <a:lstStyle/>
+          <a:p>
+            <a:r>
+              <a:rPr kumimoji="1" lang="ja-JP" altLang="en-US" sz="1200" dirty="0"/>
+              <a:t>成果物をダウンロードして</a:t>
+            </a:r>
+          </a:p>
+        </p:txBody>
+      </p:sp>
+      <p:pic>
+        <p:nvPicPr>
+          <p:cNvPr id="21" name="図 20">
+            <a:extLst>
+              <a:ext uri="{FF2B5EF4-FFF2-40B4-BE49-F238E27FC236}">
+                <a16:creationId xmlns:a16="http://schemas.microsoft.com/office/drawing/2014/main" id="{8EB72BC5-F342-4AAA-B12F-C639CADCE4EE}"/>
+              </a:ext>
+            </a:extLst>
+          </p:cNvPr>
+          <p:cNvPicPr>
+            <a:picLocks noChangeAspect="1"/>
+          </p:cNvPicPr>
+          <p:nvPr/>
+        </p:nvPicPr>
+        <p:blipFill rotWithShape="1">
+          <a:blip r:embed="rId5"/>
+          <a:srcRect l="16756" t="16089" r="28237" b="24108"/>
+          <a:stretch/>
+        </p:blipFill>
+        <p:spPr>
+          <a:xfrm>
+            <a:off x="8758771" y="4283212"/>
+            <a:ext cx="3285122" cy="1845579"/>
+          </a:xfrm>
+          <a:prstGeom prst="rect">
+            <a:avLst/>
+          </a:prstGeom>
+          <a:ln>
+            <a:noFill/>
+          </a:ln>
+          <a:effectLst>
+            <a:outerShdw blurRad="292100" dist="139700" dir="2700000" algn="tl" rotWithShape="0">
+              <a:srgbClr val="333333">
+                <a:alpha val="65000"/>
+              </a:srgbClr>
+            </a:outerShdw>
+          </a:effectLst>
+        </p:spPr>
+      </p:pic>
+      <p:sp>
+        <p:nvSpPr>
+          <p:cNvPr id="23" name="吹き出し: 四角形 22">
+            <a:extLst>
+              <a:ext uri="{FF2B5EF4-FFF2-40B4-BE49-F238E27FC236}">
+                <a16:creationId xmlns:a16="http://schemas.microsoft.com/office/drawing/2014/main" id="{449D7C0B-6BAE-425C-B028-7C4448F5C70E}"/>
+              </a:ext>
+            </a:extLst>
+          </p:cNvPr>
+          <p:cNvSpPr/>
+          <p:nvPr/>
+        </p:nvSpPr>
+        <p:spPr>
+          <a:xfrm>
+            <a:off x="9092458" y="6310799"/>
+            <a:ext cx="2988794" cy="387726"/>
+          </a:xfrm>
+          <a:prstGeom prst="wedgeRectCallout">
+            <a:avLst>
+              <a:gd name="adj1" fmla="val 5409"/>
+              <a:gd name="adj2" fmla="val -143852"/>
+            </a:avLst>
+          </a:prstGeom>
+        </p:spPr>
+        <p:style>
+          <a:lnRef idx="1">
+            <a:schemeClr val="accent2"/>
+          </a:lnRef>
+          <a:fillRef idx="2">
+            <a:schemeClr val="accent2"/>
+          </a:fillRef>
+          <a:effectRef idx="1">
+            <a:schemeClr val="accent2"/>
+          </a:effectRef>
+          <a:fontRef idx="minor">
+            <a:schemeClr val="dk1"/>
+          </a:fontRef>
+        </p:style>
+        <p:txBody>
+          <a:bodyPr rtlCol="0" anchor="ctr"/>
+          <a:lstStyle/>
+          <a:p>
+            <a:r>
+              <a:rPr kumimoji="1" lang="ja-JP" altLang="en-US" sz="1200" dirty="0"/>
+              <a:t>中身を確認すると、共有ライブラリと利用側アプリケーションが含まれている</a:t>
+            </a:r>
+          </a:p>
+        </p:txBody>
+      </p:sp>
+      <p:cxnSp>
+        <p:nvCxnSpPr>
+          <p:cNvPr id="24" name="直線矢印コネクタ 23">
+            <a:extLst>
+              <a:ext uri="{FF2B5EF4-FFF2-40B4-BE49-F238E27FC236}">
+                <a16:creationId xmlns:a16="http://schemas.microsoft.com/office/drawing/2014/main" id="{5B56AE77-117A-4E34-B829-DD43435C5B0D}"/>
+              </a:ext>
+            </a:extLst>
+          </p:cNvPr>
+          <p:cNvCxnSpPr>
+            <a:cxnSpLocks/>
+          </p:cNvCxnSpPr>
+          <p:nvPr/>
+        </p:nvCxnSpPr>
+        <p:spPr>
+          <a:xfrm flipV="1">
+            <a:off x="7566870" y="4506286"/>
+            <a:ext cx="1434517" cy="1306704"/>
+          </a:xfrm>
+          <a:prstGeom prst="straightConnector1">
+            <a:avLst/>
+          </a:prstGeom>
+          <a:noFill/>
+          <a:ln w="28575">
+            <a:solidFill>
+              <a:srgbClr val="FF0000"/>
+            </a:solidFill>
+            <a:headEnd type="none" w="med" len="med"/>
+            <a:tailEnd type="arrow" w="med" len="med"/>
+          </a:ln>
+        </p:spPr>
+        <p:style>
+          <a:lnRef idx="2">
+            <a:schemeClr val="accent1">
+              <a:shade val="50000"/>
+            </a:schemeClr>
+          </a:lnRef>
+          <a:fillRef idx="1">
+            <a:schemeClr val="accent1"/>
+          </a:fillRef>
+          <a:effectRef idx="0">
+            <a:schemeClr val="accent1"/>
+          </a:effectRef>
+          <a:fontRef idx="minor">
+            <a:schemeClr val="lt1"/>
+          </a:fontRef>
+        </p:style>
+      </p:cxnSp>
+    </p:spTree>
+    <p:extLst>
+      <p:ext uri="{BB962C8B-B14F-4D97-AF65-F5344CB8AC3E}">
+        <p14:creationId xmlns:p14="http://schemas.microsoft.com/office/powerpoint/2010/main" val="2758191523"/>
+      </p:ext>
+    </p:extLst>
+  </p:cSld>
+  <p:clrMapOvr>
+    <a:masterClrMapping/>
+  </p:clrMapOvr>
+</p:sld>
+</file>
+
 <file path=ppt/slides/slide3.xml><?xml version="1.0" encoding="utf-8"?>
 <p:sld xmlns:a="http://schemas.openxmlformats.org/drawingml/2006/main" xmlns:r="http://schemas.openxmlformats.org/officeDocument/2006/relationships" xmlns:p="http://schemas.openxmlformats.org/presentationml/2006/main">
   <p:cSld>

--- a/package-management-with-azure-artifacts/images/figures.pptx
+++ b/package-management-with-azure-artifacts/images/figures.pptx
@@ -5,7 +5,7 @@
     <p:sldMasterId id="2147483672" r:id="rId1"/>
   </p:sldMasterIdLst>
   <p:notesMasterIdLst>
-    <p:notesMasterId r:id="rId22"/>
+    <p:notesMasterId r:id="rId24"/>
   </p:notesMasterIdLst>
   <p:sldIdLst>
     <p:sldId id="267" r:id="rId2"/>
@@ -14,20 +14,22 @@
     <p:sldId id="258" r:id="rId5"/>
     <p:sldId id="260" r:id="rId6"/>
     <p:sldId id="261" r:id="rId7"/>
-    <p:sldId id="269" r:id="rId8"/>
-    <p:sldId id="262" r:id="rId9"/>
-    <p:sldId id="263" r:id="rId10"/>
-    <p:sldId id="266" r:id="rId11"/>
-    <p:sldId id="270" r:id="rId12"/>
-    <p:sldId id="271" r:id="rId13"/>
-    <p:sldId id="272" r:id="rId14"/>
-    <p:sldId id="257" r:id="rId15"/>
-    <p:sldId id="259" r:id="rId16"/>
-    <p:sldId id="273" r:id="rId17"/>
-    <p:sldId id="274" r:id="rId18"/>
-    <p:sldId id="276" r:id="rId19"/>
-    <p:sldId id="275" r:id="rId20"/>
-    <p:sldId id="277" r:id="rId21"/>
+    <p:sldId id="278" r:id="rId8"/>
+    <p:sldId id="269" r:id="rId9"/>
+    <p:sldId id="262" r:id="rId10"/>
+    <p:sldId id="263" r:id="rId11"/>
+    <p:sldId id="266" r:id="rId12"/>
+    <p:sldId id="270" r:id="rId13"/>
+    <p:sldId id="271" r:id="rId14"/>
+    <p:sldId id="272" r:id="rId15"/>
+    <p:sldId id="257" r:id="rId16"/>
+    <p:sldId id="259" r:id="rId17"/>
+    <p:sldId id="273" r:id="rId18"/>
+    <p:sldId id="274" r:id="rId19"/>
+    <p:sldId id="276" r:id="rId20"/>
+    <p:sldId id="275" r:id="rId21"/>
+    <p:sldId id="277" r:id="rId22"/>
+    <p:sldId id="279" r:id="rId23"/>
   </p:sldIdLst>
   <p:sldSz cx="12192000" cy="6858000"/>
   <p:notesSz cx="6858000" cy="9144000"/>
@@ -216,7 +218,7 @@
           <a:p>
             <a:fld id="{6381530B-0500-41DE-BD93-13268011408D}" type="datetimeFigureOut">
               <a:rPr kumimoji="1" lang="ja-JP" altLang="en-US" smtClean="0"/>
-              <a:t>2019/5/17</a:t>
+              <a:t>2019/5/21</a:t>
             </a:fld>
             <a:endParaRPr kumimoji="1" lang="ja-JP" altLang="en-US"/>
           </a:p>
@@ -646,7 +648,7 @@
           <a:p>
             <a:fld id="{6F131D96-864F-4F59-B74D-87FDD9254C75}" type="datetimeFigureOut">
               <a:rPr kumimoji="1" lang="ja-JP" altLang="en-US" smtClean="0"/>
-              <a:t>2019/5/17</a:t>
+              <a:t>2019/5/21</a:t>
             </a:fld>
             <a:endParaRPr kumimoji="1" lang="ja-JP" altLang="en-US"/>
           </a:p>
@@ -848,7 +850,7 @@
           <a:p>
             <a:fld id="{6F131D96-864F-4F59-B74D-87FDD9254C75}" type="datetimeFigureOut">
               <a:rPr kumimoji="1" lang="ja-JP" altLang="en-US" smtClean="0"/>
-              <a:t>2019/5/17</a:t>
+              <a:t>2019/5/21</a:t>
             </a:fld>
             <a:endParaRPr kumimoji="1" lang="ja-JP" altLang="en-US"/>
           </a:p>
@@ -1060,7 +1062,7 @@
           <a:p>
             <a:fld id="{6F131D96-864F-4F59-B74D-87FDD9254C75}" type="datetimeFigureOut">
               <a:rPr kumimoji="1" lang="ja-JP" altLang="en-US" smtClean="0"/>
-              <a:t>2019/5/17</a:t>
+              <a:t>2019/5/21</a:t>
             </a:fld>
             <a:endParaRPr kumimoji="1" lang="ja-JP" altLang="en-US"/>
           </a:p>
@@ -1262,7 +1264,7 @@
           <a:p>
             <a:fld id="{6F131D96-864F-4F59-B74D-87FDD9254C75}" type="datetimeFigureOut">
               <a:rPr kumimoji="1" lang="ja-JP" altLang="en-US" smtClean="0"/>
-              <a:t>2019/5/17</a:t>
+              <a:t>2019/5/21</a:t>
             </a:fld>
             <a:endParaRPr kumimoji="1" lang="ja-JP" altLang="en-US"/>
           </a:p>
@@ -1508,7 +1510,7 @@
           <a:p>
             <a:fld id="{6F131D96-864F-4F59-B74D-87FDD9254C75}" type="datetimeFigureOut">
               <a:rPr kumimoji="1" lang="ja-JP" altLang="en-US" smtClean="0"/>
-              <a:t>2019/5/17</a:t>
+              <a:t>2019/5/21</a:t>
             </a:fld>
             <a:endParaRPr kumimoji="1" lang="ja-JP" altLang="en-US"/>
           </a:p>
@@ -1804,7 +1806,7 @@
           <a:p>
             <a:fld id="{6F131D96-864F-4F59-B74D-87FDD9254C75}" type="datetimeFigureOut">
               <a:rPr kumimoji="1" lang="ja-JP" altLang="en-US" smtClean="0"/>
-              <a:t>2019/5/17</a:t>
+              <a:t>2019/5/21</a:t>
             </a:fld>
             <a:endParaRPr kumimoji="1" lang="ja-JP" altLang="en-US"/>
           </a:p>
@@ -2235,7 +2237,7 @@
           <a:p>
             <a:fld id="{6F131D96-864F-4F59-B74D-87FDD9254C75}" type="datetimeFigureOut">
               <a:rPr kumimoji="1" lang="ja-JP" altLang="en-US" smtClean="0"/>
-              <a:t>2019/5/17</a:t>
+              <a:t>2019/5/21</a:t>
             </a:fld>
             <a:endParaRPr kumimoji="1" lang="ja-JP" altLang="en-US"/>
           </a:p>
@@ -2353,7 +2355,7 @@
           <a:p>
             <a:fld id="{6F131D96-864F-4F59-B74D-87FDD9254C75}" type="datetimeFigureOut">
               <a:rPr kumimoji="1" lang="ja-JP" altLang="en-US" smtClean="0"/>
-              <a:t>2019/5/17</a:t>
+              <a:t>2019/5/21</a:t>
             </a:fld>
             <a:endParaRPr kumimoji="1" lang="ja-JP" altLang="en-US"/>
           </a:p>
@@ -2448,7 +2450,7 @@
           <a:p>
             <a:fld id="{6F131D96-864F-4F59-B74D-87FDD9254C75}" type="datetimeFigureOut">
               <a:rPr kumimoji="1" lang="ja-JP" altLang="en-US" smtClean="0"/>
-              <a:t>2019/5/17</a:t>
+              <a:t>2019/5/21</a:t>
             </a:fld>
             <a:endParaRPr kumimoji="1" lang="ja-JP" altLang="en-US"/>
           </a:p>
@@ -2757,7 +2759,7 @@
           <a:p>
             <a:fld id="{6F131D96-864F-4F59-B74D-87FDD9254C75}" type="datetimeFigureOut">
               <a:rPr kumimoji="1" lang="ja-JP" altLang="en-US" smtClean="0"/>
-              <a:t>2019/5/17</a:t>
+              <a:t>2019/5/21</a:t>
             </a:fld>
             <a:endParaRPr kumimoji="1" lang="ja-JP" altLang="en-US"/>
           </a:p>
@@ -3014,7 +3016,7 @@
           <a:p>
             <a:fld id="{6F131D96-864F-4F59-B74D-87FDD9254C75}" type="datetimeFigureOut">
               <a:rPr kumimoji="1" lang="ja-JP" altLang="en-US" smtClean="0"/>
-              <a:t>2019/5/17</a:t>
+              <a:t>2019/5/21</a:t>
             </a:fld>
             <a:endParaRPr kumimoji="1" lang="ja-JP" altLang="en-US"/>
           </a:p>
@@ -3259,7 +3261,7 @@
           <a:p>
             <a:fld id="{6F131D96-864F-4F59-B74D-87FDD9254C75}" type="datetimeFigureOut">
               <a:rPr kumimoji="1" lang="ja-JP" altLang="en-US" smtClean="0"/>
-              <a:t>2019/5/17</a:t>
+              <a:t>2019/5/21</a:t>
             </a:fld>
             <a:endParaRPr kumimoji="1" lang="ja-JP" altLang="en-US"/>
           </a:p>
@@ -3748,6 +3750,116 @@
           <a:chExt cx="0" cy="0"/>
         </a:xfrm>
       </p:grpSpPr>
+      <p:pic>
+        <p:nvPicPr>
+          <p:cNvPr id="2" name="図 1">
+            <a:extLst>
+              <a:ext uri="{FF2B5EF4-FFF2-40B4-BE49-F238E27FC236}">
+                <a16:creationId xmlns:a16="http://schemas.microsoft.com/office/drawing/2014/main" id="{0837474C-CA64-47DE-8137-BAB774B03CD4}"/>
+              </a:ext>
+            </a:extLst>
+          </p:cNvPr>
+          <p:cNvPicPr>
+            <a:picLocks noChangeAspect="1"/>
+          </p:cNvPicPr>
+          <p:nvPr/>
+        </p:nvPicPr>
+        <p:blipFill>
+          <a:blip r:embed="rId2"/>
+          <a:stretch>
+            <a:fillRect/>
+          </a:stretch>
+        </p:blipFill>
+        <p:spPr>
+          <a:xfrm>
+            <a:off x="87518" y="1301335"/>
+            <a:ext cx="6082832" cy="4043295"/>
+          </a:xfrm>
+          <a:prstGeom prst="rect">
+            <a:avLst/>
+          </a:prstGeom>
+          <a:ln>
+            <a:noFill/>
+          </a:ln>
+          <a:effectLst>
+            <a:outerShdw blurRad="292100" dist="139700" dir="2700000" algn="tl" rotWithShape="0">
+              <a:srgbClr val="333333">
+                <a:alpha val="65000"/>
+              </a:srgbClr>
+            </a:outerShdw>
+          </a:effectLst>
+        </p:spPr>
+      </p:pic>
+      <p:pic>
+        <p:nvPicPr>
+          <p:cNvPr id="3" name="図 2">
+            <a:extLst>
+              <a:ext uri="{FF2B5EF4-FFF2-40B4-BE49-F238E27FC236}">
+                <a16:creationId xmlns:a16="http://schemas.microsoft.com/office/drawing/2014/main" id="{FCCA89C2-4220-4C01-AD7E-AC7B133DE9AA}"/>
+              </a:ext>
+            </a:extLst>
+          </p:cNvPr>
+          <p:cNvPicPr>
+            <a:picLocks noChangeAspect="1"/>
+          </p:cNvPicPr>
+          <p:nvPr/>
+        </p:nvPicPr>
+        <p:blipFill>
+          <a:blip r:embed="rId3"/>
+          <a:stretch>
+            <a:fillRect/>
+          </a:stretch>
+        </p:blipFill>
+        <p:spPr>
+          <a:xfrm>
+            <a:off x="6441281" y="1479894"/>
+            <a:ext cx="6638925" cy="3686175"/>
+          </a:xfrm>
+          <a:prstGeom prst="rect">
+            <a:avLst/>
+          </a:prstGeom>
+          <a:ln>
+            <a:noFill/>
+          </a:ln>
+          <a:effectLst>
+            <a:outerShdw blurRad="292100" dist="139700" dir="2700000" algn="tl" rotWithShape="0">
+              <a:srgbClr val="333333">
+                <a:alpha val="65000"/>
+              </a:srgbClr>
+            </a:outerShdw>
+          </a:effectLst>
+        </p:spPr>
+      </p:pic>
+    </p:spTree>
+    <p:extLst>
+      <p:ext uri="{BB962C8B-B14F-4D97-AF65-F5344CB8AC3E}">
+        <p14:creationId xmlns:p14="http://schemas.microsoft.com/office/powerpoint/2010/main" val="1655666606"/>
+      </p:ext>
+    </p:extLst>
+  </p:cSld>
+  <p:clrMapOvr>
+    <a:masterClrMapping/>
+  </p:clrMapOvr>
+</p:sld>
+</file>
+
+<file path=ppt/slides/slide11.xml><?xml version="1.0" encoding="utf-8"?>
+<p:sld xmlns:a="http://schemas.openxmlformats.org/drawingml/2006/main" xmlns:r="http://schemas.openxmlformats.org/officeDocument/2006/relationships" xmlns:p="http://schemas.openxmlformats.org/presentationml/2006/main">
+  <p:cSld>
+    <p:spTree>
+      <p:nvGrpSpPr>
+        <p:cNvPr id="1" name=""/>
+        <p:cNvGrpSpPr/>
+        <p:nvPr/>
+      </p:nvGrpSpPr>
+      <p:grpSpPr>
+        <a:xfrm>
+          <a:off x="0" y="0"/>
+          <a:ext cx="0" cy="0"/>
+          <a:chOff x="0" y="0"/>
+          <a:chExt cx="0" cy="0"/>
+        </a:xfrm>
+      </p:grpSpPr>
       <p:grpSp>
         <p:nvGrpSpPr>
           <p:cNvPr id="84" name="グループ化 83">
@@ -5380,7 +5492,7 @@
 </p:sld>
 </file>
 
-<file path=ppt/slides/slide11.xml><?xml version="1.0" encoding="utf-8"?>
+<file path=ppt/slides/slide12.xml><?xml version="1.0" encoding="utf-8"?>
 <p:sld xmlns:a="http://schemas.openxmlformats.org/drawingml/2006/main" xmlns:r="http://schemas.openxmlformats.org/officeDocument/2006/relationships" xmlns:p="http://schemas.openxmlformats.org/presentationml/2006/main">
   <p:cSld>
     <p:spTree>
@@ -5464,7 +5576,7 @@
 </p:sld>
 </file>
 
-<file path=ppt/slides/slide12.xml><?xml version="1.0" encoding="utf-8"?>
+<file path=ppt/slides/slide13.xml><?xml version="1.0" encoding="utf-8"?>
 <p:sld xmlns:a="http://schemas.openxmlformats.org/drawingml/2006/main" xmlns:r="http://schemas.openxmlformats.org/officeDocument/2006/relationships" xmlns:p="http://schemas.openxmlformats.org/presentationml/2006/main">
   <p:cSld>
     <p:spTree>
@@ -5544,7 +5656,7 @@
 </p:sld>
 </file>
 
-<file path=ppt/slides/slide13.xml><?xml version="1.0" encoding="utf-8"?>
+<file path=ppt/slides/slide14.xml><?xml version="1.0" encoding="utf-8"?>
 <p:sld xmlns:a="http://schemas.openxmlformats.org/drawingml/2006/main" xmlns:r="http://schemas.openxmlformats.org/officeDocument/2006/relationships" xmlns:p="http://schemas.openxmlformats.org/presentationml/2006/main">
   <p:cSld>
     <p:spTree>
@@ -5628,7 +5740,7 @@
 </p:sld>
 </file>
 
-<file path=ppt/slides/slide14.xml><?xml version="1.0" encoding="utf-8"?>
+<file path=ppt/slides/slide15.xml><?xml version="1.0" encoding="utf-8"?>
 <p:sld xmlns:a="http://schemas.openxmlformats.org/drawingml/2006/main" xmlns:r="http://schemas.openxmlformats.org/officeDocument/2006/relationships" xmlns:p="http://schemas.openxmlformats.org/presentationml/2006/main">
   <p:cSld>
     <p:spTree>
@@ -5703,7 +5815,7 @@
 </p:sld>
 </file>
 
-<file path=ppt/slides/slide15.xml><?xml version="1.0" encoding="utf-8"?>
+<file path=ppt/slides/slide16.xml><?xml version="1.0" encoding="utf-8"?>
 <p:sld xmlns:a="http://schemas.openxmlformats.org/drawingml/2006/main" xmlns:r="http://schemas.openxmlformats.org/officeDocument/2006/relationships" xmlns:p="http://schemas.openxmlformats.org/presentationml/2006/main">
   <p:cSld>
     <p:spTree>
@@ -5999,7 +6111,7 @@
 </p:sld>
 </file>
 
-<file path=ppt/slides/slide16.xml><?xml version="1.0" encoding="utf-8"?>
+<file path=ppt/slides/slide17.xml><?xml version="1.0" encoding="utf-8"?>
 <p:sld xmlns:a="http://schemas.openxmlformats.org/drawingml/2006/main" xmlns:r="http://schemas.openxmlformats.org/officeDocument/2006/relationships" xmlns:p="http://schemas.openxmlformats.org/presentationml/2006/main">
   <p:cSld>
     <p:spTree>
@@ -6545,7 +6657,7 @@
 </p:sld>
 </file>
 
-<file path=ppt/slides/slide17.xml><?xml version="1.0" encoding="utf-8"?>
+<file path=ppt/slides/slide18.xml><?xml version="1.0" encoding="utf-8"?>
 <p:sld xmlns:a="http://schemas.openxmlformats.org/drawingml/2006/main" xmlns:r="http://schemas.openxmlformats.org/officeDocument/2006/relationships" xmlns:p="http://schemas.openxmlformats.org/presentationml/2006/main">
   <p:cSld>
     <p:spTree>
@@ -6789,7 +6901,7 @@
 </p:sld>
 </file>
 
-<file path=ppt/slides/slide18.xml><?xml version="1.0" encoding="utf-8"?>
+<file path=ppt/slides/slide19.xml><?xml version="1.0" encoding="utf-8"?>
 <p:sld xmlns:a="http://schemas.openxmlformats.org/drawingml/2006/main" xmlns:r="http://schemas.openxmlformats.org/officeDocument/2006/relationships" xmlns:p="http://schemas.openxmlformats.org/presentationml/2006/main">
   <p:cSld>
     <p:spTree>
@@ -6980,7 +7092,1574 @@
 </p:sld>
 </file>
 
-<file path=ppt/slides/slide19.xml><?xml version="1.0" encoding="utf-8"?>
+<file path=ppt/slides/slide2.xml><?xml version="1.0" encoding="utf-8"?>
+<p:sld xmlns:a="http://schemas.openxmlformats.org/drawingml/2006/main" xmlns:r="http://schemas.openxmlformats.org/officeDocument/2006/relationships" xmlns:p="http://schemas.openxmlformats.org/presentationml/2006/main">
+  <p:cSld>
+    <p:spTree>
+      <p:nvGrpSpPr>
+        <p:cNvPr id="1" name=""/>
+        <p:cNvGrpSpPr/>
+        <p:nvPr/>
+      </p:nvGrpSpPr>
+      <p:grpSpPr>
+        <a:xfrm>
+          <a:off x="0" y="0"/>
+          <a:ext cx="0" cy="0"/>
+          <a:chOff x="0" y="0"/>
+          <a:chExt cx="0" cy="0"/>
+        </a:xfrm>
+      </p:grpSpPr>
+      <p:grpSp>
+        <p:nvGrpSpPr>
+          <p:cNvPr id="84" name="グループ化 83">
+            <a:extLst>
+              <a:ext uri="{FF2B5EF4-FFF2-40B4-BE49-F238E27FC236}">
+                <a16:creationId xmlns:a16="http://schemas.microsoft.com/office/drawing/2014/main" id="{C16B93D5-3781-4C21-AE88-A6AE2894D59B}"/>
+              </a:ext>
+            </a:extLst>
+          </p:cNvPr>
+          <p:cNvGrpSpPr/>
+          <p:nvPr/>
+        </p:nvGrpSpPr>
+        <p:grpSpPr>
+          <a:xfrm>
+            <a:off x="61421" y="553369"/>
+            <a:ext cx="12015559" cy="6002706"/>
+            <a:chOff x="61421" y="553369"/>
+            <a:chExt cx="12015559" cy="6002706"/>
+          </a:xfrm>
+        </p:grpSpPr>
+        <p:pic>
+          <p:nvPicPr>
+            <p:cNvPr id="10" name="グラフィックス 9">
+              <a:extLst>
+                <a:ext uri="{FF2B5EF4-FFF2-40B4-BE49-F238E27FC236}">
+                  <a16:creationId xmlns:a16="http://schemas.microsoft.com/office/drawing/2014/main" id="{720C8AEA-BD22-4FF4-BFBC-5D43E880A0D0}"/>
+                </a:ext>
+              </a:extLst>
+            </p:cNvPr>
+            <p:cNvPicPr>
+              <a:picLocks noChangeAspect="1"/>
+            </p:cNvPicPr>
+            <p:nvPr/>
+          </p:nvPicPr>
+          <p:blipFill>
+            <a:blip r:embed="rId2">
+              <a:extLst>
+                <a:ext uri="{28A0092B-C50C-407E-A947-70E740481C1C}">
+                  <a14:useLocalDpi xmlns:a14="http://schemas.microsoft.com/office/drawing/2010/main"/>
+                </a:ext>
+                <a:ext uri="{96DAC541-7B7A-43D3-8B79-37D633B846F1}">
+                  <asvg:svgBlip xmlns:asvg="http://schemas.microsoft.com/office/drawing/2016/SVG/main" r:embed="rId3"/>
+                </a:ext>
+              </a:extLst>
+            </a:blip>
+            <a:stretch>
+              <a:fillRect/>
+            </a:stretch>
+          </p:blipFill>
+          <p:spPr>
+            <a:xfrm>
+              <a:off x="2649820" y="3612817"/>
+              <a:ext cx="794528" cy="794528"/>
+            </a:xfrm>
+            <a:prstGeom prst="rect">
+              <a:avLst/>
+            </a:prstGeom>
+          </p:spPr>
+        </p:pic>
+        <p:pic>
+          <p:nvPicPr>
+            <p:cNvPr id="12" name="グラフィックス 11">
+              <a:extLst>
+                <a:ext uri="{FF2B5EF4-FFF2-40B4-BE49-F238E27FC236}">
+                  <a16:creationId xmlns:a16="http://schemas.microsoft.com/office/drawing/2014/main" id="{59F2698E-6E6B-4F4F-B4AA-A6FCA5D5F8C0}"/>
+                </a:ext>
+              </a:extLst>
+            </p:cNvPr>
+            <p:cNvPicPr>
+              <a:picLocks noChangeAspect="1"/>
+            </p:cNvPicPr>
+            <p:nvPr/>
+          </p:nvPicPr>
+          <p:blipFill>
+            <a:blip r:embed="rId4">
+              <a:extLst>
+                <a:ext uri="{28A0092B-C50C-407E-A947-70E740481C1C}">
+                  <a14:useLocalDpi xmlns:a14="http://schemas.microsoft.com/office/drawing/2010/main"/>
+                </a:ext>
+                <a:ext uri="{96DAC541-7B7A-43D3-8B79-37D633B846F1}">
+                  <asvg:svgBlip xmlns:asvg="http://schemas.microsoft.com/office/drawing/2016/SVG/main" r:embed="rId5"/>
+                </a:ext>
+              </a:extLst>
+            </a:blip>
+            <a:stretch>
+              <a:fillRect/>
+            </a:stretch>
+          </p:blipFill>
+          <p:spPr>
+            <a:xfrm>
+              <a:off x="5721868" y="3634248"/>
+              <a:ext cx="751666" cy="751666"/>
+            </a:xfrm>
+            <a:prstGeom prst="rect">
+              <a:avLst/>
+            </a:prstGeom>
+          </p:spPr>
+        </p:pic>
+        <p:sp>
+          <p:nvSpPr>
+            <p:cNvPr id="15" name="テキスト ボックス 14">
+              <a:extLst>
+                <a:ext uri="{FF2B5EF4-FFF2-40B4-BE49-F238E27FC236}">
+                  <a16:creationId xmlns:a16="http://schemas.microsoft.com/office/drawing/2014/main" id="{593F3F33-FE94-4004-A7B4-F51A58ED8514}"/>
+                </a:ext>
+              </a:extLst>
+            </p:cNvPr>
+            <p:cNvSpPr txBox="1"/>
+            <p:nvPr/>
+          </p:nvSpPr>
+          <p:spPr>
+            <a:xfrm>
+              <a:off x="5610223" y="4445734"/>
+              <a:ext cx="968855" cy="369332"/>
+            </a:xfrm>
+            <a:prstGeom prst="rect">
+              <a:avLst/>
+            </a:prstGeom>
+            <a:noFill/>
+          </p:spPr>
+          <p:txBody>
+            <a:bodyPr wrap="none" rtlCol="0">
+              <a:spAutoFit/>
+            </a:bodyPr>
+            <a:lstStyle/>
+            <a:p>
+              <a:r>
+                <a:rPr lang="en-US" altLang="ja-JP" dirty="0"/>
+                <a:t>Artifacts</a:t>
+              </a:r>
+              <a:endParaRPr lang="ja-JP" altLang="en-US" dirty="0"/>
+            </a:p>
+          </p:txBody>
+        </p:sp>
+        <p:pic>
+          <p:nvPicPr>
+            <p:cNvPr id="17" name="グラフィックス 16">
+              <a:extLst>
+                <a:ext uri="{FF2B5EF4-FFF2-40B4-BE49-F238E27FC236}">
+                  <a16:creationId xmlns:a16="http://schemas.microsoft.com/office/drawing/2014/main" id="{2C9AE163-4931-46B1-A829-8A8A39AEF535}"/>
+                </a:ext>
+              </a:extLst>
+            </p:cNvPr>
+            <p:cNvPicPr>
+              <a:picLocks noChangeAspect="1"/>
+            </p:cNvPicPr>
+            <p:nvPr/>
+          </p:nvPicPr>
+          <p:blipFill>
+            <a:blip r:embed="rId2">
+              <a:extLst>
+                <a:ext uri="{28A0092B-C50C-407E-A947-70E740481C1C}">
+                  <a14:useLocalDpi xmlns:a14="http://schemas.microsoft.com/office/drawing/2010/main"/>
+                </a:ext>
+                <a:ext uri="{96DAC541-7B7A-43D3-8B79-37D633B846F1}">
+                  <asvg:svgBlip xmlns:asvg="http://schemas.microsoft.com/office/drawing/2016/SVG/main" r:embed="rId3"/>
+                </a:ext>
+              </a:extLst>
+            </a:blip>
+            <a:stretch>
+              <a:fillRect/>
+            </a:stretch>
+          </p:blipFill>
+          <p:spPr>
+            <a:xfrm>
+              <a:off x="8488138" y="3573794"/>
+              <a:ext cx="794528" cy="794528"/>
+            </a:xfrm>
+            <a:prstGeom prst="rect">
+              <a:avLst/>
+            </a:prstGeom>
+          </p:spPr>
+        </p:pic>
+        <p:pic>
+          <p:nvPicPr>
+            <p:cNvPr id="24" name="Shape 416">
+              <a:extLst>
+                <a:ext uri="{FF2B5EF4-FFF2-40B4-BE49-F238E27FC236}">
+                  <a16:creationId xmlns:a16="http://schemas.microsoft.com/office/drawing/2014/main" id="{660F51C7-BF8B-4B31-B2D0-BF443A2BF131}"/>
+                </a:ext>
+              </a:extLst>
+            </p:cNvPr>
+            <p:cNvPicPr preferRelativeResize="0">
+              <a:picLocks noChangeAspect="1"/>
+            </p:cNvPicPr>
+            <p:nvPr/>
+          </p:nvPicPr>
+          <p:blipFill>
+            <a:blip r:embed="rId6" cstate="screen">
+              <a:alphaModFix/>
+              <a:extLst>
+                <a:ext uri="{28A0092B-C50C-407E-A947-70E740481C1C}">
+                  <a14:useLocalDpi xmlns:a14="http://schemas.microsoft.com/office/drawing/2010/main"/>
+                </a:ext>
+              </a:extLst>
+            </a:blip>
+            <a:stretch>
+              <a:fillRect/>
+            </a:stretch>
+          </p:blipFill>
+          <p:spPr>
+            <a:xfrm>
+              <a:off x="2725608" y="5690796"/>
+              <a:ext cx="718740" cy="718740"/>
+            </a:xfrm>
+            <a:prstGeom prst="rect">
+              <a:avLst/>
+            </a:prstGeom>
+            <a:noFill/>
+            <a:ln>
+              <a:noFill/>
+            </a:ln>
+          </p:spPr>
+        </p:pic>
+        <p:pic>
+          <p:nvPicPr>
+            <p:cNvPr id="14" name="グラフィックス 13">
+              <a:extLst>
+                <a:ext uri="{FF2B5EF4-FFF2-40B4-BE49-F238E27FC236}">
+                  <a16:creationId xmlns:a16="http://schemas.microsoft.com/office/drawing/2014/main" id="{ED1EF8A9-A307-4EDC-BBEA-5F2FC7A0E61B}"/>
+                </a:ext>
+              </a:extLst>
+            </p:cNvPr>
+            <p:cNvPicPr>
+              <a:picLocks noChangeAspect="1"/>
+            </p:cNvPicPr>
+            <p:nvPr/>
+          </p:nvPicPr>
+          <p:blipFill>
+            <a:blip r:embed="rId7">
+              <a:extLst>
+                <a:ext uri="{28A0092B-C50C-407E-A947-70E740481C1C}">
+                  <a14:useLocalDpi xmlns:a14="http://schemas.microsoft.com/office/drawing/2010/main"/>
+                </a:ext>
+                <a:ext uri="{96DAC541-7B7A-43D3-8B79-37D633B846F1}">
+                  <asvg:svgBlip xmlns:asvg="http://schemas.microsoft.com/office/drawing/2016/SVG/main" r:embed="rId8"/>
+                </a:ext>
+              </a:extLst>
+            </a:blip>
+            <a:stretch>
+              <a:fillRect/>
+            </a:stretch>
+          </p:blipFill>
+          <p:spPr>
+            <a:xfrm>
+              <a:off x="2743311" y="1586913"/>
+              <a:ext cx="683333" cy="683333"/>
+            </a:xfrm>
+            <a:prstGeom prst="rect">
+              <a:avLst/>
+            </a:prstGeom>
+          </p:spPr>
+        </p:pic>
+        <p:cxnSp>
+          <p:nvCxnSpPr>
+            <p:cNvPr id="27" name="直線矢印コネクタ 26">
+              <a:extLst>
+                <a:ext uri="{FF2B5EF4-FFF2-40B4-BE49-F238E27FC236}">
+                  <a16:creationId xmlns:a16="http://schemas.microsoft.com/office/drawing/2014/main" id="{FC5C5E18-6E1F-412C-887F-BFB0120CDB48}"/>
+                </a:ext>
+              </a:extLst>
+            </p:cNvPr>
+            <p:cNvCxnSpPr>
+              <a:cxnSpLocks/>
+            </p:cNvCxnSpPr>
+            <p:nvPr/>
+          </p:nvCxnSpPr>
+          <p:spPr>
+            <a:xfrm flipH="1" flipV="1">
+              <a:off x="3047085" y="4530039"/>
+              <a:ext cx="6275" cy="1089095"/>
+            </a:xfrm>
+            <a:prstGeom prst="straightConnector1">
+              <a:avLst/>
+            </a:prstGeom>
+            <a:ln>
+              <a:solidFill>
+                <a:schemeClr val="tx2"/>
+              </a:solidFill>
+              <a:headEnd type="none" w="med" len="med"/>
+              <a:tailEnd type="arrow" w="med" len="med"/>
+            </a:ln>
+          </p:spPr>
+          <p:style>
+            <a:lnRef idx="3">
+              <a:schemeClr val="accent2"/>
+            </a:lnRef>
+            <a:fillRef idx="0">
+              <a:schemeClr val="accent2"/>
+            </a:fillRef>
+            <a:effectRef idx="2">
+              <a:schemeClr val="accent2"/>
+            </a:effectRef>
+            <a:fontRef idx="minor">
+              <a:schemeClr val="tx1"/>
+            </a:fontRef>
+          </p:style>
+        </p:cxnSp>
+        <p:cxnSp>
+          <p:nvCxnSpPr>
+            <p:cNvPr id="30" name="直線矢印コネクタ 29">
+              <a:extLst>
+                <a:ext uri="{FF2B5EF4-FFF2-40B4-BE49-F238E27FC236}">
+                  <a16:creationId xmlns:a16="http://schemas.microsoft.com/office/drawing/2014/main" id="{75F0A3E6-41DE-4C3E-8437-B3E0526234C0}"/>
+                </a:ext>
+              </a:extLst>
+            </p:cNvPr>
+            <p:cNvCxnSpPr>
+              <a:cxnSpLocks/>
+            </p:cNvCxnSpPr>
+            <p:nvPr/>
+          </p:nvCxnSpPr>
+          <p:spPr>
+            <a:xfrm flipV="1">
+              <a:off x="3600911" y="4319772"/>
+              <a:ext cx="1873999" cy="1371025"/>
+            </a:xfrm>
+            <a:prstGeom prst="straightConnector1">
+              <a:avLst/>
+            </a:prstGeom>
+            <a:ln>
+              <a:solidFill>
+                <a:schemeClr val="tx2"/>
+              </a:solidFill>
+              <a:headEnd type="none" w="med" len="med"/>
+              <a:tailEnd type="arrow" w="med" len="med"/>
+            </a:ln>
+          </p:spPr>
+          <p:style>
+            <a:lnRef idx="3">
+              <a:schemeClr val="accent2"/>
+            </a:lnRef>
+            <a:fillRef idx="0">
+              <a:schemeClr val="accent2"/>
+            </a:fillRef>
+            <a:effectRef idx="2">
+              <a:schemeClr val="accent2"/>
+            </a:effectRef>
+            <a:fontRef idx="minor">
+              <a:schemeClr val="tx1"/>
+            </a:fontRef>
+          </p:style>
+        </p:cxnSp>
+        <p:pic>
+          <p:nvPicPr>
+            <p:cNvPr id="32" name="グラフィックス 31">
+              <a:extLst>
+                <a:ext uri="{FF2B5EF4-FFF2-40B4-BE49-F238E27FC236}">
+                  <a16:creationId xmlns:a16="http://schemas.microsoft.com/office/drawing/2014/main" id="{B61730B1-1D60-4927-9797-8725CA32187A}"/>
+                </a:ext>
+              </a:extLst>
+            </p:cNvPr>
+            <p:cNvPicPr>
+              <a:picLocks noChangeAspect="1"/>
+            </p:cNvPicPr>
+            <p:nvPr/>
+          </p:nvPicPr>
+          <p:blipFill>
+            <a:blip r:embed="rId7">
+              <a:extLst>
+                <a:ext uri="{28A0092B-C50C-407E-A947-70E740481C1C}">
+                  <a14:useLocalDpi xmlns:a14="http://schemas.microsoft.com/office/drawing/2010/main"/>
+                </a:ext>
+                <a:ext uri="{96DAC541-7B7A-43D3-8B79-37D633B846F1}">
+                  <asvg:svgBlip xmlns:asvg="http://schemas.microsoft.com/office/drawing/2016/SVG/main" r:embed="rId8"/>
+                </a:ext>
+              </a:extLst>
+            </a:blip>
+            <a:stretch>
+              <a:fillRect/>
+            </a:stretch>
+          </p:blipFill>
+          <p:spPr>
+            <a:xfrm>
+              <a:off x="8543735" y="1567987"/>
+              <a:ext cx="683333" cy="683333"/>
+            </a:xfrm>
+            <a:prstGeom prst="rect">
+              <a:avLst/>
+            </a:prstGeom>
+          </p:spPr>
+        </p:pic>
+        <p:pic>
+          <p:nvPicPr>
+            <p:cNvPr id="42" name="Shape 416">
+              <a:extLst>
+                <a:ext uri="{FF2B5EF4-FFF2-40B4-BE49-F238E27FC236}">
+                  <a16:creationId xmlns:a16="http://schemas.microsoft.com/office/drawing/2014/main" id="{A8B43CDF-DCB2-461A-9186-3843B2BC2797}"/>
+                </a:ext>
+              </a:extLst>
+            </p:cNvPr>
+            <p:cNvPicPr preferRelativeResize="0">
+              <a:picLocks noChangeAspect="1"/>
+            </p:cNvPicPr>
+            <p:nvPr/>
+          </p:nvPicPr>
+          <p:blipFill>
+            <a:blip r:embed="rId6" cstate="screen">
+              <a:alphaModFix/>
+              <a:extLst>
+                <a:ext uri="{28A0092B-C50C-407E-A947-70E740481C1C}">
+                  <a14:useLocalDpi xmlns:a14="http://schemas.microsoft.com/office/drawing/2010/main"/>
+                </a:ext>
+              </a:extLst>
+            </a:blip>
+            <a:stretch>
+              <a:fillRect/>
+            </a:stretch>
+          </p:blipFill>
+          <p:spPr>
+            <a:xfrm>
+              <a:off x="8569421" y="5503318"/>
+              <a:ext cx="718740" cy="718740"/>
+            </a:xfrm>
+            <a:prstGeom prst="rect">
+              <a:avLst/>
+            </a:prstGeom>
+            <a:noFill/>
+            <a:ln>
+              <a:noFill/>
+            </a:ln>
+          </p:spPr>
+        </p:pic>
+        <p:cxnSp>
+          <p:nvCxnSpPr>
+            <p:cNvPr id="43" name="直線矢印コネクタ 42">
+              <a:extLst>
+                <a:ext uri="{FF2B5EF4-FFF2-40B4-BE49-F238E27FC236}">
+                  <a16:creationId xmlns:a16="http://schemas.microsoft.com/office/drawing/2014/main" id="{3EB39C53-19B6-4A7C-AAA7-1AEE719AA421}"/>
+                </a:ext>
+              </a:extLst>
+            </p:cNvPr>
+            <p:cNvCxnSpPr>
+              <a:cxnSpLocks/>
+            </p:cNvCxnSpPr>
+            <p:nvPr/>
+          </p:nvCxnSpPr>
+          <p:spPr>
+            <a:xfrm>
+              <a:off x="6614140" y="4319771"/>
+              <a:ext cx="1873999" cy="1371025"/>
+            </a:xfrm>
+            <a:prstGeom prst="straightConnector1">
+              <a:avLst/>
+            </a:prstGeom>
+            <a:ln>
+              <a:solidFill>
+                <a:schemeClr val="tx2"/>
+              </a:solidFill>
+              <a:headEnd type="none" w="med" len="med"/>
+              <a:tailEnd type="arrow" w="med" len="med"/>
+            </a:ln>
+          </p:spPr>
+          <p:style>
+            <a:lnRef idx="3">
+              <a:schemeClr val="accent2"/>
+            </a:lnRef>
+            <a:fillRef idx="0">
+              <a:schemeClr val="accent2"/>
+            </a:fillRef>
+            <a:effectRef idx="2">
+              <a:schemeClr val="accent2"/>
+            </a:effectRef>
+            <a:fontRef idx="minor">
+              <a:schemeClr val="tx1"/>
+            </a:fontRef>
+          </p:style>
+        </p:cxnSp>
+        <p:cxnSp>
+          <p:nvCxnSpPr>
+            <p:cNvPr id="44" name="直線矢印コネクタ 43">
+              <a:extLst>
+                <a:ext uri="{FF2B5EF4-FFF2-40B4-BE49-F238E27FC236}">
+                  <a16:creationId xmlns:a16="http://schemas.microsoft.com/office/drawing/2014/main" id="{B4D6D5B9-F3DA-40F6-9A2A-CFCAFCCD69DB}"/>
+                </a:ext>
+              </a:extLst>
+            </p:cNvPr>
+            <p:cNvCxnSpPr>
+              <a:cxnSpLocks/>
+              <a:stCxn id="42" idx="0"/>
+            </p:cNvCxnSpPr>
+            <p:nvPr/>
+          </p:nvCxnSpPr>
+          <p:spPr>
+            <a:xfrm flipH="1" flipV="1">
+              <a:off x="8917999" y="4407346"/>
+              <a:ext cx="10793" cy="1095973"/>
+            </a:xfrm>
+            <a:prstGeom prst="straightConnector1">
+              <a:avLst/>
+            </a:prstGeom>
+            <a:ln>
+              <a:solidFill>
+                <a:schemeClr val="tx2"/>
+              </a:solidFill>
+              <a:headEnd type="none" w="med" len="med"/>
+              <a:tailEnd type="arrow" w="med" len="med"/>
+            </a:ln>
+          </p:spPr>
+          <p:style>
+            <a:lnRef idx="3">
+              <a:schemeClr val="accent2"/>
+            </a:lnRef>
+            <a:fillRef idx="0">
+              <a:schemeClr val="accent2"/>
+            </a:fillRef>
+            <a:effectRef idx="2">
+              <a:schemeClr val="accent2"/>
+            </a:effectRef>
+            <a:fontRef idx="minor">
+              <a:schemeClr val="tx1"/>
+            </a:fontRef>
+          </p:style>
+        </p:cxnSp>
+        <p:cxnSp>
+          <p:nvCxnSpPr>
+            <p:cNvPr id="47" name="直線矢印コネクタ 46">
+              <a:extLst>
+                <a:ext uri="{FF2B5EF4-FFF2-40B4-BE49-F238E27FC236}">
+                  <a16:creationId xmlns:a16="http://schemas.microsoft.com/office/drawing/2014/main" id="{3D4096D5-8795-47EC-A6C4-204691CA7C38}"/>
+                </a:ext>
+              </a:extLst>
+            </p:cNvPr>
+            <p:cNvCxnSpPr>
+              <a:cxnSpLocks/>
+            </p:cNvCxnSpPr>
+            <p:nvPr/>
+          </p:nvCxnSpPr>
+          <p:spPr>
+            <a:xfrm flipH="1" flipV="1">
+              <a:off x="8909381" y="2394803"/>
+              <a:ext cx="10793" cy="1095973"/>
+            </a:xfrm>
+            <a:prstGeom prst="straightConnector1">
+              <a:avLst/>
+            </a:prstGeom>
+            <a:ln>
+              <a:solidFill>
+                <a:schemeClr val="tx2"/>
+              </a:solidFill>
+              <a:headEnd type="none" w="med" len="med"/>
+              <a:tailEnd type="arrow" w="med" len="med"/>
+            </a:ln>
+          </p:spPr>
+          <p:style>
+            <a:lnRef idx="3">
+              <a:schemeClr val="accent2"/>
+            </a:lnRef>
+            <a:fillRef idx="0">
+              <a:schemeClr val="accent2"/>
+            </a:fillRef>
+            <a:effectRef idx="2">
+              <a:schemeClr val="accent2"/>
+            </a:effectRef>
+            <a:fontRef idx="minor">
+              <a:schemeClr val="tx1"/>
+            </a:fontRef>
+          </p:style>
+        </p:cxnSp>
+        <p:sp>
+          <p:nvSpPr>
+            <p:cNvPr id="48" name="テキスト ボックス 47">
+              <a:extLst>
+                <a:ext uri="{FF2B5EF4-FFF2-40B4-BE49-F238E27FC236}">
+                  <a16:creationId xmlns:a16="http://schemas.microsoft.com/office/drawing/2014/main" id="{3D97A6D8-16BB-485A-9DA8-145FC9A77963}"/>
+                </a:ext>
+              </a:extLst>
+            </p:cNvPr>
+            <p:cNvSpPr txBox="1"/>
+            <p:nvPr/>
+          </p:nvSpPr>
+          <p:spPr>
+            <a:xfrm>
+              <a:off x="1844480" y="3832453"/>
+              <a:ext cx="664734" cy="369332"/>
+            </a:xfrm>
+            <a:prstGeom prst="rect">
+              <a:avLst/>
+            </a:prstGeom>
+            <a:noFill/>
+          </p:spPr>
+          <p:txBody>
+            <a:bodyPr wrap="none" rtlCol="0">
+              <a:spAutoFit/>
+            </a:bodyPr>
+            <a:lstStyle/>
+            <a:p>
+              <a:r>
+                <a:rPr lang="en-US" altLang="ja-JP" dirty="0"/>
+                <a:t>Repo</a:t>
+              </a:r>
+              <a:endParaRPr lang="ja-JP" altLang="en-US" dirty="0"/>
+            </a:p>
+          </p:txBody>
+        </p:sp>
+        <p:cxnSp>
+          <p:nvCxnSpPr>
+            <p:cNvPr id="50" name="直線矢印コネクタ 49">
+              <a:extLst>
+                <a:ext uri="{FF2B5EF4-FFF2-40B4-BE49-F238E27FC236}">
+                  <a16:creationId xmlns:a16="http://schemas.microsoft.com/office/drawing/2014/main" id="{4576B0ED-E3A2-402B-95D4-CEB6A9651DE3}"/>
+                </a:ext>
+              </a:extLst>
+            </p:cNvPr>
+            <p:cNvCxnSpPr>
+              <a:cxnSpLocks/>
+            </p:cNvCxnSpPr>
+            <p:nvPr/>
+          </p:nvCxnSpPr>
+          <p:spPr>
+            <a:xfrm flipV="1">
+              <a:off x="6634378" y="2311784"/>
+              <a:ext cx="1873999" cy="1371025"/>
+            </a:xfrm>
+            <a:prstGeom prst="straightConnector1">
+              <a:avLst/>
+            </a:prstGeom>
+            <a:ln>
+              <a:solidFill>
+                <a:schemeClr val="tx2"/>
+              </a:solidFill>
+              <a:headEnd type="none" w="med" len="med"/>
+              <a:tailEnd type="arrow" w="med" len="med"/>
+            </a:ln>
+          </p:spPr>
+          <p:style>
+            <a:lnRef idx="3">
+              <a:schemeClr val="accent2"/>
+            </a:lnRef>
+            <a:fillRef idx="0">
+              <a:schemeClr val="accent2"/>
+            </a:fillRef>
+            <a:effectRef idx="2">
+              <a:schemeClr val="accent2"/>
+            </a:effectRef>
+            <a:fontRef idx="minor">
+              <a:schemeClr val="tx1"/>
+            </a:fontRef>
+          </p:style>
+        </p:cxnSp>
+        <p:cxnSp>
+          <p:nvCxnSpPr>
+            <p:cNvPr id="51" name="直線矢印コネクタ 50">
+              <a:extLst>
+                <a:ext uri="{FF2B5EF4-FFF2-40B4-BE49-F238E27FC236}">
+                  <a16:creationId xmlns:a16="http://schemas.microsoft.com/office/drawing/2014/main" id="{BB8064F3-48AB-4E34-9DCC-07FA305B4D2D}"/>
+                </a:ext>
+              </a:extLst>
+            </p:cNvPr>
+            <p:cNvCxnSpPr>
+              <a:cxnSpLocks/>
+            </p:cNvCxnSpPr>
+            <p:nvPr/>
+          </p:nvCxnSpPr>
+          <p:spPr>
+            <a:xfrm>
+              <a:off x="9399856" y="1954119"/>
+              <a:ext cx="1483341" cy="0"/>
+            </a:xfrm>
+            <a:prstGeom prst="straightConnector1">
+              <a:avLst/>
+            </a:prstGeom>
+            <a:ln>
+              <a:solidFill>
+                <a:schemeClr val="tx2"/>
+              </a:solidFill>
+              <a:headEnd type="none" w="med" len="med"/>
+              <a:tailEnd type="arrow" w="med" len="med"/>
+            </a:ln>
+          </p:spPr>
+          <p:style>
+            <a:lnRef idx="3">
+              <a:schemeClr val="accent2"/>
+            </a:lnRef>
+            <a:fillRef idx="0">
+              <a:schemeClr val="accent2"/>
+            </a:fillRef>
+            <a:effectRef idx="2">
+              <a:schemeClr val="accent2"/>
+            </a:effectRef>
+            <a:fontRef idx="minor">
+              <a:schemeClr val="tx1"/>
+            </a:fontRef>
+          </p:style>
+        </p:cxnSp>
+        <p:pic>
+          <p:nvPicPr>
+            <p:cNvPr id="55" name="図 54">
+              <a:extLst>
+                <a:ext uri="{FF2B5EF4-FFF2-40B4-BE49-F238E27FC236}">
+                  <a16:creationId xmlns:a16="http://schemas.microsoft.com/office/drawing/2014/main" id="{66E8A794-85CA-4E25-B768-94A1A213C59F}"/>
+                </a:ext>
+              </a:extLst>
+            </p:cNvPr>
+            <p:cNvPicPr>
+              <a:picLocks noChangeAspect="1"/>
+            </p:cNvPicPr>
+            <p:nvPr/>
+          </p:nvPicPr>
+          <p:blipFill>
+            <a:blip r:embed="rId9" cstate="screen">
+              <a:extLst>
+                <a:ext uri="{28A0092B-C50C-407E-A947-70E740481C1C}">
+                  <a14:useLocalDpi xmlns:a14="http://schemas.microsoft.com/office/drawing/2010/main"/>
+                </a:ext>
+              </a:extLst>
+            </a:blip>
+            <a:stretch>
+              <a:fillRect/>
+            </a:stretch>
+          </p:blipFill>
+          <p:spPr>
+            <a:xfrm>
+              <a:off x="11055985" y="1667954"/>
+              <a:ext cx="822535" cy="641445"/>
+            </a:xfrm>
+            <a:prstGeom prst="rect">
+              <a:avLst/>
+            </a:prstGeom>
+          </p:spPr>
+        </p:pic>
+        <p:sp>
+          <p:nvSpPr>
+            <p:cNvPr id="56" name="テキスト ボックス 55">
+              <a:extLst>
+                <a:ext uri="{FF2B5EF4-FFF2-40B4-BE49-F238E27FC236}">
+                  <a16:creationId xmlns:a16="http://schemas.microsoft.com/office/drawing/2014/main" id="{AE21E99E-D7E9-4F0B-877A-84CCF3A7ACF3}"/>
+                </a:ext>
+              </a:extLst>
+            </p:cNvPr>
+            <p:cNvSpPr txBox="1"/>
+            <p:nvPr/>
+          </p:nvSpPr>
+          <p:spPr>
+            <a:xfrm>
+              <a:off x="10913254" y="2394803"/>
+              <a:ext cx="1107996" cy="369332"/>
+            </a:xfrm>
+            <a:prstGeom prst="rect">
+              <a:avLst/>
+            </a:prstGeom>
+            <a:noFill/>
+          </p:spPr>
+          <p:txBody>
+            <a:bodyPr wrap="none" rtlCol="0">
+              <a:spAutoFit/>
+            </a:bodyPr>
+            <a:lstStyle/>
+            <a:p>
+              <a:r>
+                <a:rPr lang="ja-JP" altLang="en-US" dirty="0"/>
+                <a:t>実行環境</a:t>
+              </a:r>
+            </a:p>
+          </p:txBody>
+        </p:sp>
+        <p:sp>
+          <p:nvSpPr>
+            <p:cNvPr id="57" name="テキスト ボックス 56">
+              <a:extLst>
+                <a:ext uri="{FF2B5EF4-FFF2-40B4-BE49-F238E27FC236}">
+                  <a16:creationId xmlns:a16="http://schemas.microsoft.com/office/drawing/2014/main" id="{C01B2973-B9F5-484C-8F9E-A62F3F841124}"/>
+                </a:ext>
+              </a:extLst>
+            </p:cNvPr>
+            <p:cNvSpPr txBox="1"/>
+            <p:nvPr/>
+          </p:nvSpPr>
+          <p:spPr>
+            <a:xfrm>
+              <a:off x="2049962" y="4864404"/>
+              <a:ext cx="918841" cy="369332"/>
+            </a:xfrm>
+            <a:prstGeom prst="rect">
+              <a:avLst/>
+            </a:prstGeom>
+            <a:noFill/>
+          </p:spPr>
+          <p:txBody>
+            <a:bodyPr wrap="none" rtlCol="0">
+              <a:spAutoFit/>
+            </a:bodyPr>
+            <a:lstStyle/>
+            <a:p>
+              <a:r>
+                <a:rPr lang="en-US" altLang="ja-JP" dirty="0"/>
+                <a:t>git </a:t>
+              </a:r>
+              <a:r>
+                <a:rPr lang="en-US" altLang="ja-JP" dirty="0" err="1"/>
+                <a:t>puth</a:t>
+              </a:r>
+              <a:endParaRPr lang="ja-JP" altLang="en-US" dirty="0"/>
+            </a:p>
+          </p:txBody>
+        </p:sp>
+        <p:cxnSp>
+          <p:nvCxnSpPr>
+            <p:cNvPr id="58" name="直線矢印コネクタ 57">
+              <a:extLst>
+                <a:ext uri="{FF2B5EF4-FFF2-40B4-BE49-F238E27FC236}">
+                  <a16:creationId xmlns:a16="http://schemas.microsoft.com/office/drawing/2014/main" id="{B03F5E69-6B91-49A0-BAA9-E5D5989BDE2F}"/>
+                </a:ext>
+              </a:extLst>
+            </p:cNvPr>
+            <p:cNvCxnSpPr>
+              <a:cxnSpLocks/>
+            </p:cNvCxnSpPr>
+            <p:nvPr/>
+          </p:nvCxnSpPr>
+          <p:spPr>
+            <a:xfrm flipH="1" flipV="1">
+              <a:off x="3013896" y="2406939"/>
+              <a:ext cx="10793" cy="1095973"/>
+            </a:xfrm>
+            <a:prstGeom prst="straightConnector1">
+              <a:avLst/>
+            </a:prstGeom>
+            <a:ln>
+              <a:solidFill>
+                <a:schemeClr val="tx2"/>
+              </a:solidFill>
+              <a:headEnd type="none" w="med" len="med"/>
+              <a:tailEnd type="arrow" w="med" len="med"/>
+            </a:ln>
+          </p:spPr>
+          <p:style>
+            <a:lnRef idx="3">
+              <a:schemeClr val="accent2"/>
+            </a:lnRef>
+            <a:fillRef idx="0">
+              <a:schemeClr val="accent2"/>
+            </a:fillRef>
+            <a:effectRef idx="2">
+              <a:schemeClr val="accent2"/>
+            </a:effectRef>
+            <a:fontRef idx="minor">
+              <a:schemeClr val="tx1"/>
+            </a:fontRef>
+          </p:style>
+        </p:cxnSp>
+        <p:cxnSp>
+          <p:nvCxnSpPr>
+            <p:cNvPr id="59" name="直線矢印コネクタ 58">
+              <a:extLst>
+                <a:ext uri="{FF2B5EF4-FFF2-40B4-BE49-F238E27FC236}">
+                  <a16:creationId xmlns:a16="http://schemas.microsoft.com/office/drawing/2014/main" id="{4E733A26-7418-4697-9E7F-F41042A1BCEE}"/>
+                </a:ext>
+              </a:extLst>
+            </p:cNvPr>
+            <p:cNvCxnSpPr>
+              <a:cxnSpLocks/>
+            </p:cNvCxnSpPr>
+            <p:nvPr/>
+          </p:nvCxnSpPr>
+          <p:spPr>
+            <a:xfrm>
+              <a:off x="3584953" y="2300557"/>
+              <a:ext cx="1873999" cy="1371025"/>
+            </a:xfrm>
+            <a:prstGeom prst="straightConnector1">
+              <a:avLst/>
+            </a:prstGeom>
+            <a:ln>
+              <a:solidFill>
+                <a:schemeClr val="tx2"/>
+              </a:solidFill>
+              <a:headEnd type="none" w="med" len="med"/>
+              <a:tailEnd type="arrow" w="med" len="med"/>
+            </a:ln>
+          </p:spPr>
+          <p:style>
+            <a:lnRef idx="3">
+              <a:schemeClr val="accent2"/>
+            </a:lnRef>
+            <a:fillRef idx="0">
+              <a:schemeClr val="accent2"/>
+            </a:fillRef>
+            <a:effectRef idx="2">
+              <a:schemeClr val="accent2"/>
+            </a:effectRef>
+            <a:fontRef idx="minor">
+              <a:schemeClr val="tx1"/>
+            </a:fontRef>
+          </p:style>
+        </p:cxnSp>
+        <p:sp>
+          <p:nvSpPr>
+            <p:cNvPr id="60" name="テキスト ボックス 59">
+              <a:extLst>
+                <a:ext uri="{FF2B5EF4-FFF2-40B4-BE49-F238E27FC236}">
+                  <a16:creationId xmlns:a16="http://schemas.microsoft.com/office/drawing/2014/main" id="{934F5836-EB02-46FF-BEAF-AC4BA1186835}"/>
+                </a:ext>
+              </a:extLst>
+            </p:cNvPr>
+            <p:cNvSpPr txBox="1"/>
+            <p:nvPr/>
+          </p:nvSpPr>
+          <p:spPr>
+            <a:xfrm>
+              <a:off x="1935245" y="1769453"/>
+              <a:ext cx="721672" cy="369332"/>
+            </a:xfrm>
+            <a:prstGeom prst="rect">
+              <a:avLst/>
+            </a:prstGeom>
+            <a:noFill/>
+          </p:spPr>
+          <p:txBody>
+            <a:bodyPr wrap="none" rtlCol="0">
+              <a:spAutoFit/>
+            </a:bodyPr>
+            <a:lstStyle/>
+            <a:p>
+              <a:r>
+                <a:rPr lang="en-US" altLang="ja-JP" dirty="0"/>
+                <a:t>CI/CD</a:t>
+              </a:r>
+              <a:endParaRPr lang="ja-JP" altLang="en-US" dirty="0"/>
+            </a:p>
+          </p:txBody>
+        </p:sp>
+        <p:sp>
+          <p:nvSpPr>
+            <p:cNvPr id="61" name="テキスト ボックス 60">
+              <a:extLst>
+                <a:ext uri="{FF2B5EF4-FFF2-40B4-BE49-F238E27FC236}">
+                  <a16:creationId xmlns:a16="http://schemas.microsoft.com/office/drawing/2014/main" id="{2B443C93-76DE-478D-811C-8527803D2DB6}"/>
+                </a:ext>
+              </a:extLst>
+            </p:cNvPr>
+            <p:cNvSpPr txBox="1"/>
+            <p:nvPr/>
+          </p:nvSpPr>
+          <p:spPr>
+            <a:xfrm>
+              <a:off x="2096448" y="2801404"/>
+              <a:ext cx="825867" cy="369332"/>
+            </a:xfrm>
+            <a:prstGeom prst="rect">
+              <a:avLst/>
+            </a:prstGeom>
+            <a:noFill/>
+          </p:spPr>
+          <p:txBody>
+            <a:bodyPr wrap="none" rtlCol="0">
+              <a:spAutoFit/>
+            </a:bodyPr>
+            <a:lstStyle/>
+            <a:p>
+              <a:r>
+                <a:rPr lang="en-US" altLang="ja-JP" dirty="0"/>
+                <a:t>git pull</a:t>
+              </a:r>
+              <a:endParaRPr lang="ja-JP" altLang="en-US" dirty="0"/>
+            </a:p>
+          </p:txBody>
+        </p:sp>
+        <p:sp>
+          <p:nvSpPr>
+            <p:cNvPr id="62" name="テキスト ボックス 61">
+              <a:extLst>
+                <a:ext uri="{FF2B5EF4-FFF2-40B4-BE49-F238E27FC236}">
+                  <a16:creationId xmlns:a16="http://schemas.microsoft.com/office/drawing/2014/main" id="{E451C1BA-EBC1-48DA-990B-0A2E9E5600A1}"/>
+                </a:ext>
+              </a:extLst>
+            </p:cNvPr>
+            <p:cNvSpPr txBox="1"/>
+            <p:nvPr/>
+          </p:nvSpPr>
+          <p:spPr>
+            <a:xfrm>
+              <a:off x="4240213" y="2406939"/>
+              <a:ext cx="1234697" cy="369332"/>
+            </a:xfrm>
+            <a:prstGeom prst="rect">
+              <a:avLst/>
+            </a:prstGeom>
+            <a:noFill/>
+          </p:spPr>
+          <p:txBody>
+            <a:bodyPr wrap="none" rtlCol="0">
+              <a:spAutoFit/>
+            </a:bodyPr>
+            <a:lstStyle/>
+            <a:p>
+              <a:r>
+                <a:rPr lang="en-US" altLang="ja-JP" dirty="0" err="1"/>
+                <a:t>nuget</a:t>
+              </a:r>
+              <a:r>
+                <a:rPr lang="en-US" altLang="ja-JP" dirty="0"/>
+                <a:t> push</a:t>
+              </a:r>
+              <a:endParaRPr lang="ja-JP" altLang="en-US" dirty="0"/>
+            </a:p>
+          </p:txBody>
+        </p:sp>
+        <p:sp>
+          <p:nvSpPr>
+            <p:cNvPr id="63" name="テキスト ボックス 62">
+              <a:extLst>
+                <a:ext uri="{FF2B5EF4-FFF2-40B4-BE49-F238E27FC236}">
+                  <a16:creationId xmlns:a16="http://schemas.microsoft.com/office/drawing/2014/main" id="{5412F809-F893-40F4-A7BA-766FA8EC1971}"/>
+                </a:ext>
+              </a:extLst>
+            </p:cNvPr>
+            <p:cNvSpPr txBox="1"/>
+            <p:nvPr/>
+          </p:nvSpPr>
+          <p:spPr>
+            <a:xfrm>
+              <a:off x="4240213" y="5194175"/>
+              <a:ext cx="1234697" cy="369332"/>
+            </a:xfrm>
+            <a:prstGeom prst="rect">
+              <a:avLst/>
+            </a:prstGeom>
+            <a:noFill/>
+          </p:spPr>
+          <p:txBody>
+            <a:bodyPr wrap="none" rtlCol="0">
+              <a:spAutoFit/>
+            </a:bodyPr>
+            <a:lstStyle/>
+            <a:p>
+              <a:r>
+                <a:rPr lang="en-US" altLang="ja-JP" dirty="0" err="1"/>
+                <a:t>nuget</a:t>
+              </a:r>
+              <a:r>
+                <a:rPr lang="en-US" altLang="ja-JP" dirty="0"/>
+                <a:t> push</a:t>
+              </a:r>
+              <a:endParaRPr lang="ja-JP" altLang="en-US" dirty="0"/>
+            </a:p>
+          </p:txBody>
+        </p:sp>
+        <p:sp>
+          <p:nvSpPr>
+            <p:cNvPr id="64" name="テキスト ボックス 63">
+              <a:extLst>
+                <a:ext uri="{FF2B5EF4-FFF2-40B4-BE49-F238E27FC236}">
+                  <a16:creationId xmlns:a16="http://schemas.microsoft.com/office/drawing/2014/main" id="{01565627-E489-411F-9FB5-9978E1C825FD}"/>
+                </a:ext>
+              </a:extLst>
+            </p:cNvPr>
+            <p:cNvSpPr txBox="1"/>
+            <p:nvPr/>
+          </p:nvSpPr>
+          <p:spPr>
+            <a:xfrm>
+              <a:off x="6625250" y="2394803"/>
+              <a:ext cx="1448282" cy="369332"/>
+            </a:xfrm>
+            <a:prstGeom prst="rect">
+              <a:avLst/>
+            </a:prstGeom>
+            <a:noFill/>
+          </p:spPr>
+          <p:txBody>
+            <a:bodyPr wrap="none" rtlCol="0">
+              <a:spAutoFit/>
+            </a:bodyPr>
+            <a:lstStyle/>
+            <a:p>
+              <a:r>
+                <a:rPr lang="en-US" altLang="ja-JP" dirty="0" err="1"/>
+                <a:t>nuget</a:t>
+              </a:r>
+              <a:r>
+                <a:rPr lang="en-US" altLang="ja-JP" dirty="0"/>
+                <a:t> restore</a:t>
+              </a:r>
+              <a:endParaRPr lang="ja-JP" altLang="en-US" dirty="0"/>
+            </a:p>
+          </p:txBody>
+        </p:sp>
+        <p:sp>
+          <p:nvSpPr>
+            <p:cNvPr id="65" name="テキスト ボックス 64">
+              <a:extLst>
+                <a:ext uri="{FF2B5EF4-FFF2-40B4-BE49-F238E27FC236}">
+                  <a16:creationId xmlns:a16="http://schemas.microsoft.com/office/drawing/2014/main" id="{54BF5101-36E2-4270-A970-56A0DDC63468}"/>
+                </a:ext>
+              </a:extLst>
+            </p:cNvPr>
+            <p:cNvSpPr txBox="1"/>
+            <p:nvPr/>
+          </p:nvSpPr>
+          <p:spPr>
+            <a:xfrm>
+              <a:off x="6614140" y="5382524"/>
+              <a:ext cx="1448282" cy="369332"/>
+            </a:xfrm>
+            <a:prstGeom prst="rect">
+              <a:avLst/>
+            </a:prstGeom>
+            <a:noFill/>
+          </p:spPr>
+          <p:txBody>
+            <a:bodyPr wrap="none" rtlCol="0">
+              <a:spAutoFit/>
+            </a:bodyPr>
+            <a:lstStyle/>
+            <a:p>
+              <a:r>
+                <a:rPr lang="en-US" altLang="ja-JP" dirty="0" err="1"/>
+                <a:t>nuget</a:t>
+              </a:r>
+              <a:r>
+                <a:rPr lang="en-US" altLang="ja-JP" dirty="0"/>
+                <a:t> restore</a:t>
+              </a:r>
+              <a:endParaRPr lang="ja-JP" altLang="en-US" dirty="0"/>
+            </a:p>
+          </p:txBody>
+        </p:sp>
+        <p:sp>
+          <p:nvSpPr>
+            <p:cNvPr id="67" name="テキスト ボックス 66">
+              <a:extLst>
+                <a:ext uri="{FF2B5EF4-FFF2-40B4-BE49-F238E27FC236}">
+                  <a16:creationId xmlns:a16="http://schemas.microsoft.com/office/drawing/2014/main" id="{34843F0E-C95B-4264-AB20-4991C73D6F0A}"/>
+                </a:ext>
+              </a:extLst>
+            </p:cNvPr>
+            <p:cNvSpPr txBox="1"/>
+            <p:nvPr/>
+          </p:nvSpPr>
+          <p:spPr>
+            <a:xfrm>
+              <a:off x="8938237" y="4784579"/>
+              <a:ext cx="918841" cy="369332"/>
+            </a:xfrm>
+            <a:prstGeom prst="rect">
+              <a:avLst/>
+            </a:prstGeom>
+            <a:noFill/>
+          </p:spPr>
+          <p:txBody>
+            <a:bodyPr wrap="none" rtlCol="0">
+              <a:spAutoFit/>
+            </a:bodyPr>
+            <a:lstStyle/>
+            <a:p>
+              <a:r>
+                <a:rPr lang="en-US" altLang="ja-JP" dirty="0"/>
+                <a:t>git </a:t>
+              </a:r>
+              <a:r>
+                <a:rPr lang="en-US" altLang="ja-JP" dirty="0" err="1"/>
+                <a:t>puth</a:t>
+              </a:r>
+              <a:endParaRPr lang="ja-JP" altLang="en-US" dirty="0"/>
+            </a:p>
+          </p:txBody>
+        </p:sp>
+        <p:sp>
+          <p:nvSpPr>
+            <p:cNvPr id="68" name="テキスト ボックス 67">
+              <a:extLst>
+                <a:ext uri="{FF2B5EF4-FFF2-40B4-BE49-F238E27FC236}">
+                  <a16:creationId xmlns:a16="http://schemas.microsoft.com/office/drawing/2014/main" id="{725F2EF6-97AC-4CAD-95C1-533805C7BD98}"/>
+                </a:ext>
+              </a:extLst>
+            </p:cNvPr>
+            <p:cNvSpPr txBox="1"/>
+            <p:nvPr/>
+          </p:nvSpPr>
+          <p:spPr>
+            <a:xfrm>
+              <a:off x="8984723" y="2721579"/>
+              <a:ext cx="825867" cy="369332"/>
+            </a:xfrm>
+            <a:prstGeom prst="rect">
+              <a:avLst/>
+            </a:prstGeom>
+            <a:noFill/>
+          </p:spPr>
+          <p:txBody>
+            <a:bodyPr wrap="none" rtlCol="0">
+              <a:spAutoFit/>
+            </a:bodyPr>
+            <a:lstStyle/>
+            <a:p>
+              <a:r>
+                <a:rPr lang="en-US" altLang="ja-JP" dirty="0"/>
+                <a:t>git pull</a:t>
+              </a:r>
+              <a:endParaRPr lang="ja-JP" altLang="en-US" dirty="0"/>
+            </a:p>
+          </p:txBody>
+        </p:sp>
+        <p:sp>
+          <p:nvSpPr>
+            <p:cNvPr id="69" name="テキスト ボックス 68">
+              <a:extLst>
+                <a:ext uri="{FF2B5EF4-FFF2-40B4-BE49-F238E27FC236}">
+                  <a16:creationId xmlns:a16="http://schemas.microsoft.com/office/drawing/2014/main" id="{1678DD19-BB36-4446-B149-EE461607F63B}"/>
+                </a:ext>
+              </a:extLst>
+            </p:cNvPr>
+            <p:cNvSpPr txBox="1"/>
+            <p:nvPr/>
+          </p:nvSpPr>
+          <p:spPr>
+            <a:xfrm>
+              <a:off x="9397656" y="3786392"/>
+              <a:ext cx="664734" cy="369332"/>
+            </a:xfrm>
+            <a:prstGeom prst="rect">
+              <a:avLst/>
+            </a:prstGeom>
+            <a:noFill/>
+          </p:spPr>
+          <p:txBody>
+            <a:bodyPr wrap="none" rtlCol="0">
+              <a:spAutoFit/>
+            </a:bodyPr>
+            <a:lstStyle/>
+            <a:p>
+              <a:r>
+                <a:rPr lang="en-US" altLang="ja-JP" dirty="0"/>
+                <a:t>Repo</a:t>
+              </a:r>
+              <a:endParaRPr lang="ja-JP" altLang="en-US" dirty="0"/>
+            </a:p>
+          </p:txBody>
+        </p:sp>
+        <p:pic>
+          <p:nvPicPr>
+            <p:cNvPr id="71" name="図 70">
+              <a:extLst>
+                <a:ext uri="{FF2B5EF4-FFF2-40B4-BE49-F238E27FC236}">
+                  <a16:creationId xmlns:a16="http://schemas.microsoft.com/office/drawing/2014/main" id="{5A332AB8-A96E-4DEF-B52A-4EFD90EBB0BB}"/>
+                </a:ext>
+              </a:extLst>
+            </p:cNvPr>
+            <p:cNvPicPr>
+              <a:picLocks noChangeAspect="1"/>
+            </p:cNvPicPr>
+            <p:nvPr/>
+          </p:nvPicPr>
+          <p:blipFill>
+            <a:blip r:embed="rId10" cstate="screen">
+              <a:extLst>
+                <a:ext uri="{28A0092B-C50C-407E-A947-70E740481C1C}">
+                  <a14:useLocalDpi xmlns:a14="http://schemas.microsoft.com/office/drawing/2010/main"/>
+                </a:ext>
+              </a:extLst>
+            </a:blip>
+            <a:stretch>
+              <a:fillRect/>
+            </a:stretch>
+          </p:blipFill>
+          <p:spPr>
+            <a:xfrm>
+              <a:off x="61421" y="581976"/>
+              <a:ext cx="842477" cy="842477"/>
+            </a:xfrm>
+            <a:prstGeom prst="rect">
+              <a:avLst/>
+            </a:prstGeom>
+          </p:spPr>
+        </p:pic>
+        <p:cxnSp>
+          <p:nvCxnSpPr>
+            <p:cNvPr id="73" name="コネクタ: カギ線 72">
+              <a:extLst>
+                <a:ext uri="{FF2B5EF4-FFF2-40B4-BE49-F238E27FC236}">
+                  <a16:creationId xmlns:a16="http://schemas.microsoft.com/office/drawing/2014/main" id="{F199D57E-914A-49F4-82A7-429CC0653EEE}"/>
+                </a:ext>
+              </a:extLst>
+            </p:cNvPr>
+            <p:cNvCxnSpPr>
+              <a:cxnSpLocks/>
+            </p:cNvCxnSpPr>
+            <p:nvPr/>
+          </p:nvCxnSpPr>
+          <p:spPr>
+            <a:xfrm rot="16200000" flipH="1">
+              <a:off x="-569408" y="2829913"/>
+              <a:ext cx="4425902" cy="2014604"/>
+            </a:xfrm>
+            <a:prstGeom prst="bentConnector2">
+              <a:avLst/>
+            </a:prstGeom>
+            <a:ln>
+              <a:solidFill>
+                <a:schemeClr val="tx2"/>
+              </a:solidFill>
+              <a:headEnd type="none" w="med" len="med"/>
+              <a:tailEnd type="arrow" w="med" len="med"/>
+            </a:ln>
+          </p:spPr>
+          <p:style>
+            <a:lnRef idx="3">
+              <a:schemeClr val="accent2"/>
+            </a:lnRef>
+            <a:fillRef idx="0">
+              <a:schemeClr val="accent2"/>
+            </a:fillRef>
+            <a:effectRef idx="2">
+              <a:schemeClr val="accent2"/>
+            </a:effectRef>
+            <a:fontRef idx="minor">
+              <a:schemeClr val="tx1"/>
+            </a:fontRef>
+          </p:style>
+        </p:cxnSp>
+        <p:sp>
+          <p:nvSpPr>
+            <p:cNvPr id="76" name="テキスト ボックス 75">
+              <a:extLst>
+                <a:ext uri="{FF2B5EF4-FFF2-40B4-BE49-F238E27FC236}">
+                  <a16:creationId xmlns:a16="http://schemas.microsoft.com/office/drawing/2014/main" id="{3384B7F8-90E9-4614-8F30-60AFBABB021D}"/>
+                </a:ext>
+              </a:extLst>
+            </p:cNvPr>
+            <p:cNvSpPr txBox="1"/>
+            <p:nvPr/>
+          </p:nvSpPr>
+          <p:spPr>
+            <a:xfrm>
+              <a:off x="171649" y="6037392"/>
+              <a:ext cx="1448282" cy="369332"/>
+            </a:xfrm>
+            <a:prstGeom prst="rect">
+              <a:avLst/>
+            </a:prstGeom>
+            <a:noFill/>
+          </p:spPr>
+          <p:txBody>
+            <a:bodyPr wrap="none" rtlCol="0">
+              <a:spAutoFit/>
+            </a:bodyPr>
+            <a:lstStyle/>
+            <a:p>
+              <a:r>
+                <a:rPr lang="en-US" altLang="ja-JP" dirty="0" err="1"/>
+                <a:t>nuget</a:t>
+              </a:r>
+              <a:r>
+                <a:rPr lang="en-US" altLang="ja-JP" dirty="0"/>
+                <a:t> restore</a:t>
+              </a:r>
+              <a:endParaRPr lang="ja-JP" altLang="en-US" dirty="0"/>
+            </a:p>
+          </p:txBody>
+        </p:sp>
+        <p:cxnSp>
+          <p:nvCxnSpPr>
+            <p:cNvPr id="77" name="コネクタ: カギ線 76">
+              <a:extLst>
+                <a:ext uri="{FF2B5EF4-FFF2-40B4-BE49-F238E27FC236}">
+                  <a16:creationId xmlns:a16="http://schemas.microsoft.com/office/drawing/2014/main" id="{A6A83A2F-6369-43AB-811E-74ADD83C0DD2}"/>
+                </a:ext>
+              </a:extLst>
+            </p:cNvPr>
+            <p:cNvCxnSpPr>
+              <a:cxnSpLocks/>
+            </p:cNvCxnSpPr>
+            <p:nvPr/>
+          </p:nvCxnSpPr>
+          <p:spPr>
+            <a:xfrm>
+              <a:off x="1007835" y="922701"/>
+              <a:ext cx="5101368" cy="2631033"/>
+            </a:xfrm>
+            <a:prstGeom prst="bentConnector2">
+              <a:avLst/>
+            </a:prstGeom>
+            <a:ln>
+              <a:solidFill>
+                <a:schemeClr val="tx2"/>
+              </a:solidFill>
+              <a:headEnd type="none" w="med" len="med"/>
+              <a:tailEnd type="arrow" w="med" len="med"/>
+            </a:ln>
+          </p:spPr>
+          <p:style>
+            <a:lnRef idx="3">
+              <a:schemeClr val="accent2"/>
+            </a:lnRef>
+            <a:fillRef idx="0">
+              <a:schemeClr val="accent2"/>
+            </a:fillRef>
+            <a:effectRef idx="2">
+              <a:schemeClr val="accent2"/>
+            </a:effectRef>
+            <a:fontRef idx="minor">
+              <a:schemeClr val="tx1"/>
+            </a:fontRef>
+          </p:style>
+        </p:cxnSp>
+        <p:sp>
+          <p:nvSpPr>
+            <p:cNvPr id="80" name="テキスト ボックス 79">
+              <a:extLst>
+                <a:ext uri="{FF2B5EF4-FFF2-40B4-BE49-F238E27FC236}">
+                  <a16:creationId xmlns:a16="http://schemas.microsoft.com/office/drawing/2014/main" id="{DE8C0430-4805-49EB-8D20-E97A473EF0A8}"/>
+                </a:ext>
+              </a:extLst>
+            </p:cNvPr>
+            <p:cNvSpPr txBox="1"/>
+            <p:nvPr/>
+          </p:nvSpPr>
+          <p:spPr>
+            <a:xfrm>
+              <a:off x="919402" y="553369"/>
+              <a:ext cx="1157368" cy="369332"/>
+            </a:xfrm>
+            <a:prstGeom prst="rect">
+              <a:avLst/>
+            </a:prstGeom>
+            <a:noFill/>
+          </p:spPr>
+          <p:txBody>
+            <a:bodyPr wrap="none" rtlCol="0">
+              <a:spAutoFit/>
+            </a:bodyPr>
+            <a:lstStyle/>
+            <a:p>
+              <a:r>
+                <a:rPr lang="en-US" altLang="ja-JP" dirty="0"/>
+                <a:t>Upstream </a:t>
+              </a:r>
+              <a:endParaRPr lang="ja-JP" altLang="en-US" dirty="0"/>
+            </a:p>
+          </p:txBody>
+        </p:sp>
+        <p:sp>
+          <p:nvSpPr>
+            <p:cNvPr id="82" name="正方形/長方形 81">
+              <a:extLst>
+                <a:ext uri="{FF2B5EF4-FFF2-40B4-BE49-F238E27FC236}">
+                  <a16:creationId xmlns:a16="http://schemas.microsoft.com/office/drawing/2014/main" id="{F8114A35-39BC-4040-90C9-C5ED114865FE}"/>
+                </a:ext>
+              </a:extLst>
+            </p:cNvPr>
+            <p:cNvSpPr/>
+            <p:nvPr/>
+          </p:nvSpPr>
+          <p:spPr>
+            <a:xfrm>
+              <a:off x="1701213" y="1374475"/>
+              <a:ext cx="4279768" cy="5181600"/>
+            </a:xfrm>
+            <a:prstGeom prst="rect">
+              <a:avLst/>
+            </a:prstGeom>
+            <a:noFill/>
+            <a:ln w="28575">
+              <a:prstDash val="dash"/>
+            </a:ln>
+          </p:spPr>
+          <p:style>
+            <a:lnRef idx="2">
+              <a:schemeClr val="accent2"/>
+            </a:lnRef>
+            <a:fillRef idx="1">
+              <a:schemeClr val="lt1"/>
+            </a:fillRef>
+            <a:effectRef idx="0">
+              <a:schemeClr val="accent2"/>
+            </a:effectRef>
+            <a:fontRef idx="minor">
+              <a:schemeClr val="dk1"/>
+            </a:fontRef>
+          </p:style>
+          <p:txBody>
+            <a:bodyPr rtlCol="0" anchor="b"/>
+            <a:lstStyle/>
+            <a:p>
+              <a:pPr algn="r"/>
+              <a:r>
+                <a:rPr kumimoji="1" lang="ja-JP" altLang="en-US" dirty="0"/>
+                <a:t>パッケージ開発</a:t>
+              </a:r>
+              <a:endParaRPr kumimoji="1" lang="en-US" altLang="ja-JP" dirty="0"/>
+            </a:p>
+          </p:txBody>
+        </p:sp>
+        <p:sp>
+          <p:nvSpPr>
+            <p:cNvPr id="83" name="正方形/長方形 82">
+              <a:extLst>
+                <a:ext uri="{FF2B5EF4-FFF2-40B4-BE49-F238E27FC236}">
+                  <a16:creationId xmlns:a16="http://schemas.microsoft.com/office/drawing/2014/main" id="{AB472FEB-CA14-41F6-948F-0A99612D06EA}"/>
+                </a:ext>
+              </a:extLst>
+            </p:cNvPr>
+            <p:cNvSpPr/>
+            <p:nvPr/>
+          </p:nvSpPr>
+          <p:spPr>
+            <a:xfrm>
+              <a:off x="6233542" y="1372494"/>
+              <a:ext cx="5843438" cy="5181600"/>
+            </a:xfrm>
+            <a:prstGeom prst="rect">
+              <a:avLst/>
+            </a:prstGeom>
+            <a:noFill/>
+            <a:ln w="28575">
+              <a:prstDash val="dash"/>
+            </a:ln>
+          </p:spPr>
+          <p:style>
+            <a:lnRef idx="2">
+              <a:schemeClr val="accent2"/>
+            </a:lnRef>
+            <a:fillRef idx="1">
+              <a:schemeClr val="lt1"/>
+            </a:fillRef>
+            <a:effectRef idx="0">
+              <a:schemeClr val="accent2"/>
+            </a:effectRef>
+            <a:fontRef idx="minor">
+              <a:schemeClr val="dk1"/>
+            </a:fontRef>
+          </p:style>
+          <p:txBody>
+            <a:bodyPr rtlCol="0" anchor="b"/>
+            <a:lstStyle/>
+            <a:p>
+              <a:pPr algn="r"/>
+              <a:r>
+                <a:rPr kumimoji="1" lang="ja-JP" altLang="en-US" dirty="0"/>
+                <a:t>アプリ開発</a:t>
+              </a:r>
+              <a:endParaRPr kumimoji="1" lang="en-US" altLang="ja-JP" dirty="0"/>
+            </a:p>
+          </p:txBody>
+        </p:sp>
+      </p:grpSp>
+    </p:spTree>
+    <p:extLst>
+      <p:ext uri="{BB962C8B-B14F-4D97-AF65-F5344CB8AC3E}">
+        <p14:creationId xmlns:p14="http://schemas.microsoft.com/office/powerpoint/2010/main" val="4111283553"/>
+      </p:ext>
+    </p:extLst>
+  </p:cSld>
+  <p:clrMapOvr>
+    <a:masterClrMapping/>
+  </p:clrMapOvr>
+</p:sld>
+</file>
+
+<file path=ppt/slides/slide20.xml><?xml version="1.0" encoding="utf-8"?>
 <p:sld xmlns:a="http://schemas.openxmlformats.org/drawingml/2006/main" xmlns:r="http://schemas.openxmlformats.org/officeDocument/2006/relationships" xmlns:p="http://schemas.openxmlformats.org/presentationml/2006/main">
   <p:cSld>
     <p:spTree>
@@ -7167,1574 +8846,7 @@
 </p:sld>
 </file>
 
-<file path=ppt/slides/slide2.xml><?xml version="1.0" encoding="utf-8"?>
-<p:sld xmlns:a="http://schemas.openxmlformats.org/drawingml/2006/main" xmlns:r="http://schemas.openxmlformats.org/officeDocument/2006/relationships" xmlns:p="http://schemas.openxmlformats.org/presentationml/2006/main">
-  <p:cSld>
-    <p:spTree>
-      <p:nvGrpSpPr>
-        <p:cNvPr id="1" name=""/>
-        <p:cNvGrpSpPr/>
-        <p:nvPr/>
-      </p:nvGrpSpPr>
-      <p:grpSpPr>
-        <a:xfrm>
-          <a:off x="0" y="0"/>
-          <a:ext cx="0" cy="0"/>
-          <a:chOff x="0" y="0"/>
-          <a:chExt cx="0" cy="0"/>
-        </a:xfrm>
-      </p:grpSpPr>
-      <p:grpSp>
-        <p:nvGrpSpPr>
-          <p:cNvPr id="84" name="グループ化 83">
-            <a:extLst>
-              <a:ext uri="{FF2B5EF4-FFF2-40B4-BE49-F238E27FC236}">
-                <a16:creationId xmlns:a16="http://schemas.microsoft.com/office/drawing/2014/main" id="{C16B93D5-3781-4C21-AE88-A6AE2894D59B}"/>
-              </a:ext>
-            </a:extLst>
-          </p:cNvPr>
-          <p:cNvGrpSpPr/>
-          <p:nvPr/>
-        </p:nvGrpSpPr>
-        <p:grpSpPr>
-          <a:xfrm>
-            <a:off x="61421" y="553369"/>
-            <a:ext cx="12015559" cy="6002706"/>
-            <a:chOff x="61421" y="553369"/>
-            <a:chExt cx="12015559" cy="6002706"/>
-          </a:xfrm>
-        </p:grpSpPr>
-        <p:pic>
-          <p:nvPicPr>
-            <p:cNvPr id="10" name="グラフィックス 9">
-              <a:extLst>
-                <a:ext uri="{FF2B5EF4-FFF2-40B4-BE49-F238E27FC236}">
-                  <a16:creationId xmlns:a16="http://schemas.microsoft.com/office/drawing/2014/main" id="{720C8AEA-BD22-4FF4-BFBC-5D43E880A0D0}"/>
-                </a:ext>
-              </a:extLst>
-            </p:cNvPr>
-            <p:cNvPicPr>
-              <a:picLocks noChangeAspect="1"/>
-            </p:cNvPicPr>
-            <p:nvPr/>
-          </p:nvPicPr>
-          <p:blipFill>
-            <a:blip r:embed="rId2">
-              <a:extLst>
-                <a:ext uri="{28A0092B-C50C-407E-A947-70E740481C1C}">
-                  <a14:useLocalDpi xmlns:a14="http://schemas.microsoft.com/office/drawing/2010/main"/>
-                </a:ext>
-                <a:ext uri="{96DAC541-7B7A-43D3-8B79-37D633B846F1}">
-                  <asvg:svgBlip xmlns:asvg="http://schemas.microsoft.com/office/drawing/2016/SVG/main" r:embed="rId3"/>
-                </a:ext>
-              </a:extLst>
-            </a:blip>
-            <a:stretch>
-              <a:fillRect/>
-            </a:stretch>
-          </p:blipFill>
-          <p:spPr>
-            <a:xfrm>
-              <a:off x="2649820" y="3612817"/>
-              <a:ext cx="794528" cy="794528"/>
-            </a:xfrm>
-            <a:prstGeom prst="rect">
-              <a:avLst/>
-            </a:prstGeom>
-          </p:spPr>
-        </p:pic>
-        <p:pic>
-          <p:nvPicPr>
-            <p:cNvPr id="12" name="グラフィックス 11">
-              <a:extLst>
-                <a:ext uri="{FF2B5EF4-FFF2-40B4-BE49-F238E27FC236}">
-                  <a16:creationId xmlns:a16="http://schemas.microsoft.com/office/drawing/2014/main" id="{59F2698E-6E6B-4F4F-B4AA-A6FCA5D5F8C0}"/>
-                </a:ext>
-              </a:extLst>
-            </p:cNvPr>
-            <p:cNvPicPr>
-              <a:picLocks noChangeAspect="1"/>
-            </p:cNvPicPr>
-            <p:nvPr/>
-          </p:nvPicPr>
-          <p:blipFill>
-            <a:blip r:embed="rId4">
-              <a:extLst>
-                <a:ext uri="{28A0092B-C50C-407E-A947-70E740481C1C}">
-                  <a14:useLocalDpi xmlns:a14="http://schemas.microsoft.com/office/drawing/2010/main"/>
-                </a:ext>
-                <a:ext uri="{96DAC541-7B7A-43D3-8B79-37D633B846F1}">
-                  <asvg:svgBlip xmlns:asvg="http://schemas.microsoft.com/office/drawing/2016/SVG/main" r:embed="rId5"/>
-                </a:ext>
-              </a:extLst>
-            </a:blip>
-            <a:stretch>
-              <a:fillRect/>
-            </a:stretch>
-          </p:blipFill>
-          <p:spPr>
-            <a:xfrm>
-              <a:off x="5721868" y="3634248"/>
-              <a:ext cx="751666" cy="751666"/>
-            </a:xfrm>
-            <a:prstGeom prst="rect">
-              <a:avLst/>
-            </a:prstGeom>
-          </p:spPr>
-        </p:pic>
-        <p:sp>
-          <p:nvSpPr>
-            <p:cNvPr id="15" name="テキスト ボックス 14">
-              <a:extLst>
-                <a:ext uri="{FF2B5EF4-FFF2-40B4-BE49-F238E27FC236}">
-                  <a16:creationId xmlns:a16="http://schemas.microsoft.com/office/drawing/2014/main" id="{593F3F33-FE94-4004-A7B4-F51A58ED8514}"/>
-                </a:ext>
-              </a:extLst>
-            </p:cNvPr>
-            <p:cNvSpPr txBox="1"/>
-            <p:nvPr/>
-          </p:nvSpPr>
-          <p:spPr>
-            <a:xfrm>
-              <a:off x="5610223" y="4445734"/>
-              <a:ext cx="968855" cy="369332"/>
-            </a:xfrm>
-            <a:prstGeom prst="rect">
-              <a:avLst/>
-            </a:prstGeom>
-            <a:noFill/>
-          </p:spPr>
-          <p:txBody>
-            <a:bodyPr wrap="none" rtlCol="0">
-              <a:spAutoFit/>
-            </a:bodyPr>
-            <a:lstStyle/>
-            <a:p>
-              <a:r>
-                <a:rPr lang="en-US" altLang="ja-JP" dirty="0"/>
-                <a:t>Artifacts</a:t>
-              </a:r>
-              <a:endParaRPr lang="ja-JP" altLang="en-US" dirty="0"/>
-            </a:p>
-          </p:txBody>
-        </p:sp>
-        <p:pic>
-          <p:nvPicPr>
-            <p:cNvPr id="17" name="グラフィックス 16">
-              <a:extLst>
-                <a:ext uri="{FF2B5EF4-FFF2-40B4-BE49-F238E27FC236}">
-                  <a16:creationId xmlns:a16="http://schemas.microsoft.com/office/drawing/2014/main" id="{2C9AE163-4931-46B1-A829-8A8A39AEF535}"/>
-                </a:ext>
-              </a:extLst>
-            </p:cNvPr>
-            <p:cNvPicPr>
-              <a:picLocks noChangeAspect="1"/>
-            </p:cNvPicPr>
-            <p:nvPr/>
-          </p:nvPicPr>
-          <p:blipFill>
-            <a:blip r:embed="rId2">
-              <a:extLst>
-                <a:ext uri="{28A0092B-C50C-407E-A947-70E740481C1C}">
-                  <a14:useLocalDpi xmlns:a14="http://schemas.microsoft.com/office/drawing/2010/main"/>
-                </a:ext>
-                <a:ext uri="{96DAC541-7B7A-43D3-8B79-37D633B846F1}">
-                  <asvg:svgBlip xmlns:asvg="http://schemas.microsoft.com/office/drawing/2016/SVG/main" r:embed="rId3"/>
-                </a:ext>
-              </a:extLst>
-            </a:blip>
-            <a:stretch>
-              <a:fillRect/>
-            </a:stretch>
-          </p:blipFill>
-          <p:spPr>
-            <a:xfrm>
-              <a:off x="8488138" y="3573794"/>
-              <a:ext cx="794528" cy="794528"/>
-            </a:xfrm>
-            <a:prstGeom prst="rect">
-              <a:avLst/>
-            </a:prstGeom>
-          </p:spPr>
-        </p:pic>
-        <p:pic>
-          <p:nvPicPr>
-            <p:cNvPr id="24" name="Shape 416">
-              <a:extLst>
-                <a:ext uri="{FF2B5EF4-FFF2-40B4-BE49-F238E27FC236}">
-                  <a16:creationId xmlns:a16="http://schemas.microsoft.com/office/drawing/2014/main" id="{660F51C7-BF8B-4B31-B2D0-BF443A2BF131}"/>
-                </a:ext>
-              </a:extLst>
-            </p:cNvPr>
-            <p:cNvPicPr preferRelativeResize="0">
-              <a:picLocks noChangeAspect="1"/>
-            </p:cNvPicPr>
-            <p:nvPr/>
-          </p:nvPicPr>
-          <p:blipFill>
-            <a:blip r:embed="rId6" cstate="screen">
-              <a:alphaModFix/>
-              <a:extLst>
-                <a:ext uri="{28A0092B-C50C-407E-A947-70E740481C1C}">
-                  <a14:useLocalDpi xmlns:a14="http://schemas.microsoft.com/office/drawing/2010/main"/>
-                </a:ext>
-              </a:extLst>
-            </a:blip>
-            <a:stretch>
-              <a:fillRect/>
-            </a:stretch>
-          </p:blipFill>
-          <p:spPr>
-            <a:xfrm>
-              <a:off x="2725608" y="5690796"/>
-              <a:ext cx="718740" cy="718740"/>
-            </a:xfrm>
-            <a:prstGeom prst="rect">
-              <a:avLst/>
-            </a:prstGeom>
-            <a:noFill/>
-            <a:ln>
-              <a:noFill/>
-            </a:ln>
-          </p:spPr>
-        </p:pic>
-        <p:pic>
-          <p:nvPicPr>
-            <p:cNvPr id="14" name="グラフィックス 13">
-              <a:extLst>
-                <a:ext uri="{FF2B5EF4-FFF2-40B4-BE49-F238E27FC236}">
-                  <a16:creationId xmlns:a16="http://schemas.microsoft.com/office/drawing/2014/main" id="{ED1EF8A9-A307-4EDC-BBEA-5F2FC7A0E61B}"/>
-                </a:ext>
-              </a:extLst>
-            </p:cNvPr>
-            <p:cNvPicPr>
-              <a:picLocks noChangeAspect="1"/>
-            </p:cNvPicPr>
-            <p:nvPr/>
-          </p:nvPicPr>
-          <p:blipFill>
-            <a:blip r:embed="rId7">
-              <a:extLst>
-                <a:ext uri="{28A0092B-C50C-407E-A947-70E740481C1C}">
-                  <a14:useLocalDpi xmlns:a14="http://schemas.microsoft.com/office/drawing/2010/main"/>
-                </a:ext>
-                <a:ext uri="{96DAC541-7B7A-43D3-8B79-37D633B846F1}">
-                  <asvg:svgBlip xmlns:asvg="http://schemas.microsoft.com/office/drawing/2016/SVG/main" r:embed="rId8"/>
-                </a:ext>
-              </a:extLst>
-            </a:blip>
-            <a:stretch>
-              <a:fillRect/>
-            </a:stretch>
-          </p:blipFill>
-          <p:spPr>
-            <a:xfrm>
-              <a:off x="2743311" y="1586913"/>
-              <a:ext cx="683333" cy="683333"/>
-            </a:xfrm>
-            <a:prstGeom prst="rect">
-              <a:avLst/>
-            </a:prstGeom>
-          </p:spPr>
-        </p:pic>
-        <p:cxnSp>
-          <p:nvCxnSpPr>
-            <p:cNvPr id="27" name="直線矢印コネクタ 26">
-              <a:extLst>
-                <a:ext uri="{FF2B5EF4-FFF2-40B4-BE49-F238E27FC236}">
-                  <a16:creationId xmlns:a16="http://schemas.microsoft.com/office/drawing/2014/main" id="{FC5C5E18-6E1F-412C-887F-BFB0120CDB48}"/>
-                </a:ext>
-              </a:extLst>
-            </p:cNvPr>
-            <p:cNvCxnSpPr>
-              <a:cxnSpLocks/>
-            </p:cNvCxnSpPr>
-            <p:nvPr/>
-          </p:nvCxnSpPr>
-          <p:spPr>
-            <a:xfrm flipH="1" flipV="1">
-              <a:off x="3047085" y="4530039"/>
-              <a:ext cx="6275" cy="1089095"/>
-            </a:xfrm>
-            <a:prstGeom prst="straightConnector1">
-              <a:avLst/>
-            </a:prstGeom>
-            <a:ln>
-              <a:solidFill>
-                <a:schemeClr val="tx2"/>
-              </a:solidFill>
-              <a:headEnd type="none" w="med" len="med"/>
-              <a:tailEnd type="arrow" w="med" len="med"/>
-            </a:ln>
-          </p:spPr>
-          <p:style>
-            <a:lnRef idx="3">
-              <a:schemeClr val="accent2"/>
-            </a:lnRef>
-            <a:fillRef idx="0">
-              <a:schemeClr val="accent2"/>
-            </a:fillRef>
-            <a:effectRef idx="2">
-              <a:schemeClr val="accent2"/>
-            </a:effectRef>
-            <a:fontRef idx="minor">
-              <a:schemeClr val="tx1"/>
-            </a:fontRef>
-          </p:style>
-        </p:cxnSp>
-        <p:cxnSp>
-          <p:nvCxnSpPr>
-            <p:cNvPr id="30" name="直線矢印コネクタ 29">
-              <a:extLst>
-                <a:ext uri="{FF2B5EF4-FFF2-40B4-BE49-F238E27FC236}">
-                  <a16:creationId xmlns:a16="http://schemas.microsoft.com/office/drawing/2014/main" id="{75F0A3E6-41DE-4C3E-8437-B3E0526234C0}"/>
-                </a:ext>
-              </a:extLst>
-            </p:cNvPr>
-            <p:cNvCxnSpPr>
-              <a:cxnSpLocks/>
-            </p:cNvCxnSpPr>
-            <p:nvPr/>
-          </p:nvCxnSpPr>
-          <p:spPr>
-            <a:xfrm flipV="1">
-              <a:off x="3600911" y="4319772"/>
-              <a:ext cx="1873999" cy="1371025"/>
-            </a:xfrm>
-            <a:prstGeom prst="straightConnector1">
-              <a:avLst/>
-            </a:prstGeom>
-            <a:ln>
-              <a:solidFill>
-                <a:schemeClr val="tx2"/>
-              </a:solidFill>
-              <a:headEnd type="none" w="med" len="med"/>
-              <a:tailEnd type="arrow" w="med" len="med"/>
-            </a:ln>
-          </p:spPr>
-          <p:style>
-            <a:lnRef idx="3">
-              <a:schemeClr val="accent2"/>
-            </a:lnRef>
-            <a:fillRef idx="0">
-              <a:schemeClr val="accent2"/>
-            </a:fillRef>
-            <a:effectRef idx="2">
-              <a:schemeClr val="accent2"/>
-            </a:effectRef>
-            <a:fontRef idx="minor">
-              <a:schemeClr val="tx1"/>
-            </a:fontRef>
-          </p:style>
-        </p:cxnSp>
-        <p:pic>
-          <p:nvPicPr>
-            <p:cNvPr id="32" name="グラフィックス 31">
-              <a:extLst>
-                <a:ext uri="{FF2B5EF4-FFF2-40B4-BE49-F238E27FC236}">
-                  <a16:creationId xmlns:a16="http://schemas.microsoft.com/office/drawing/2014/main" id="{B61730B1-1D60-4927-9797-8725CA32187A}"/>
-                </a:ext>
-              </a:extLst>
-            </p:cNvPr>
-            <p:cNvPicPr>
-              <a:picLocks noChangeAspect="1"/>
-            </p:cNvPicPr>
-            <p:nvPr/>
-          </p:nvPicPr>
-          <p:blipFill>
-            <a:blip r:embed="rId7">
-              <a:extLst>
-                <a:ext uri="{28A0092B-C50C-407E-A947-70E740481C1C}">
-                  <a14:useLocalDpi xmlns:a14="http://schemas.microsoft.com/office/drawing/2010/main"/>
-                </a:ext>
-                <a:ext uri="{96DAC541-7B7A-43D3-8B79-37D633B846F1}">
-                  <asvg:svgBlip xmlns:asvg="http://schemas.microsoft.com/office/drawing/2016/SVG/main" r:embed="rId8"/>
-                </a:ext>
-              </a:extLst>
-            </a:blip>
-            <a:stretch>
-              <a:fillRect/>
-            </a:stretch>
-          </p:blipFill>
-          <p:spPr>
-            <a:xfrm>
-              <a:off x="8543735" y="1567987"/>
-              <a:ext cx="683333" cy="683333"/>
-            </a:xfrm>
-            <a:prstGeom prst="rect">
-              <a:avLst/>
-            </a:prstGeom>
-          </p:spPr>
-        </p:pic>
-        <p:pic>
-          <p:nvPicPr>
-            <p:cNvPr id="42" name="Shape 416">
-              <a:extLst>
-                <a:ext uri="{FF2B5EF4-FFF2-40B4-BE49-F238E27FC236}">
-                  <a16:creationId xmlns:a16="http://schemas.microsoft.com/office/drawing/2014/main" id="{A8B43CDF-DCB2-461A-9186-3843B2BC2797}"/>
-                </a:ext>
-              </a:extLst>
-            </p:cNvPr>
-            <p:cNvPicPr preferRelativeResize="0">
-              <a:picLocks noChangeAspect="1"/>
-            </p:cNvPicPr>
-            <p:nvPr/>
-          </p:nvPicPr>
-          <p:blipFill>
-            <a:blip r:embed="rId6" cstate="screen">
-              <a:alphaModFix/>
-              <a:extLst>
-                <a:ext uri="{28A0092B-C50C-407E-A947-70E740481C1C}">
-                  <a14:useLocalDpi xmlns:a14="http://schemas.microsoft.com/office/drawing/2010/main"/>
-                </a:ext>
-              </a:extLst>
-            </a:blip>
-            <a:stretch>
-              <a:fillRect/>
-            </a:stretch>
-          </p:blipFill>
-          <p:spPr>
-            <a:xfrm>
-              <a:off x="8569421" y="5503318"/>
-              <a:ext cx="718740" cy="718740"/>
-            </a:xfrm>
-            <a:prstGeom prst="rect">
-              <a:avLst/>
-            </a:prstGeom>
-            <a:noFill/>
-            <a:ln>
-              <a:noFill/>
-            </a:ln>
-          </p:spPr>
-        </p:pic>
-        <p:cxnSp>
-          <p:nvCxnSpPr>
-            <p:cNvPr id="43" name="直線矢印コネクタ 42">
-              <a:extLst>
-                <a:ext uri="{FF2B5EF4-FFF2-40B4-BE49-F238E27FC236}">
-                  <a16:creationId xmlns:a16="http://schemas.microsoft.com/office/drawing/2014/main" id="{3EB39C53-19B6-4A7C-AAA7-1AEE719AA421}"/>
-                </a:ext>
-              </a:extLst>
-            </p:cNvPr>
-            <p:cNvCxnSpPr>
-              <a:cxnSpLocks/>
-            </p:cNvCxnSpPr>
-            <p:nvPr/>
-          </p:nvCxnSpPr>
-          <p:spPr>
-            <a:xfrm>
-              <a:off x="6614140" y="4319771"/>
-              <a:ext cx="1873999" cy="1371025"/>
-            </a:xfrm>
-            <a:prstGeom prst="straightConnector1">
-              <a:avLst/>
-            </a:prstGeom>
-            <a:ln>
-              <a:solidFill>
-                <a:schemeClr val="tx2"/>
-              </a:solidFill>
-              <a:headEnd type="none" w="med" len="med"/>
-              <a:tailEnd type="arrow" w="med" len="med"/>
-            </a:ln>
-          </p:spPr>
-          <p:style>
-            <a:lnRef idx="3">
-              <a:schemeClr val="accent2"/>
-            </a:lnRef>
-            <a:fillRef idx="0">
-              <a:schemeClr val="accent2"/>
-            </a:fillRef>
-            <a:effectRef idx="2">
-              <a:schemeClr val="accent2"/>
-            </a:effectRef>
-            <a:fontRef idx="minor">
-              <a:schemeClr val="tx1"/>
-            </a:fontRef>
-          </p:style>
-        </p:cxnSp>
-        <p:cxnSp>
-          <p:nvCxnSpPr>
-            <p:cNvPr id="44" name="直線矢印コネクタ 43">
-              <a:extLst>
-                <a:ext uri="{FF2B5EF4-FFF2-40B4-BE49-F238E27FC236}">
-                  <a16:creationId xmlns:a16="http://schemas.microsoft.com/office/drawing/2014/main" id="{B4D6D5B9-F3DA-40F6-9A2A-CFCAFCCD69DB}"/>
-                </a:ext>
-              </a:extLst>
-            </p:cNvPr>
-            <p:cNvCxnSpPr>
-              <a:cxnSpLocks/>
-              <a:stCxn id="42" idx="0"/>
-            </p:cNvCxnSpPr>
-            <p:nvPr/>
-          </p:nvCxnSpPr>
-          <p:spPr>
-            <a:xfrm flipH="1" flipV="1">
-              <a:off x="8917999" y="4407346"/>
-              <a:ext cx="10793" cy="1095973"/>
-            </a:xfrm>
-            <a:prstGeom prst="straightConnector1">
-              <a:avLst/>
-            </a:prstGeom>
-            <a:ln>
-              <a:solidFill>
-                <a:schemeClr val="tx2"/>
-              </a:solidFill>
-              <a:headEnd type="none" w="med" len="med"/>
-              <a:tailEnd type="arrow" w="med" len="med"/>
-            </a:ln>
-          </p:spPr>
-          <p:style>
-            <a:lnRef idx="3">
-              <a:schemeClr val="accent2"/>
-            </a:lnRef>
-            <a:fillRef idx="0">
-              <a:schemeClr val="accent2"/>
-            </a:fillRef>
-            <a:effectRef idx="2">
-              <a:schemeClr val="accent2"/>
-            </a:effectRef>
-            <a:fontRef idx="minor">
-              <a:schemeClr val="tx1"/>
-            </a:fontRef>
-          </p:style>
-        </p:cxnSp>
-        <p:cxnSp>
-          <p:nvCxnSpPr>
-            <p:cNvPr id="47" name="直線矢印コネクタ 46">
-              <a:extLst>
-                <a:ext uri="{FF2B5EF4-FFF2-40B4-BE49-F238E27FC236}">
-                  <a16:creationId xmlns:a16="http://schemas.microsoft.com/office/drawing/2014/main" id="{3D4096D5-8795-47EC-A6C4-204691CA7C38}"/>
-                </a:ext>
-              </a:extLst>
-            </p:cNvPr>
-            <p:cNvCxnSpPr>
-              <a:cxnSpLocks/>
-            </p:cNvCxnSpPr>
-            <p:nvPr/>
-          </p:nvCxnSpPr>
-          <p:spPr>
-            <a:xfrm flipH="1" flipV="1">
-              <a:off x="8909381" y="2394803"/>
-              <a:ext cx="10793" cy="1095973"/>
-            </a:xfrm>
-            <a:prstGeom prst="straightConnector1">
-              <a:avLst/>
-            </a:prstGeom>
-            <a:ln>
-              <a:solidFill>
-                <a:schemeClr val="tx2"/>
-              </a:solidFill>
-              <a:headEnd type="none" w="med" len="med"/>
-              <a:tailEnd type="arrow" w="med" len="med"/>
-            </a:ln>
-          </p:spPr>
-          <p:style>
-            <a:lnRef idx="3">
-              <a:schemeClr val="accent2"/>
-            </a:lnRef>
-            <a:fillRef idx="0">
-              <a:schemeClr val="accent2"/>
-            </a:fillRef>
-            <a:effectRef idx="2">
-              <a:schemeClr val="accent2"/>
-            </a:effectRef>
-            <a:fontRef idx="minor">
-              <a:schemeClr val="tx1"/>
-            </a:fontRef>
-          </p:style>
-        </p:cxnSp>
-        <p:sp>
-          <p:nvSpPr>
-            <p:cNvPr id="48" name="テキスト ボックス 47">
-              <a:extLst>
-                <a:ext uri="{FF2B5EF4-FFF2-40B4-BE49-F238E27FC236}">
-                  <a16:creationId xmlns:a16="http://schemas.microsoft.com/office/drawing/2014/main" id="{3D97A6D8-16BB-485A-9DA8-145FC9A77963}"/>
-                </a:ext>
-              </a:extLst>
-            </p:cNvPr>
-            <p:cNvSpPr txBox="1"/>
-            <p:nvPr/>
-          </p:nvSpPr>
-          <p:spPr>
-            <a:xfrm>
-              <a:off x="1844480" y="3832453"/>
-              <a:ext cx="664734" cy="369332"/>
-            </a:xfrm>
-            <a:prstGeom prst="rect">
-              <a:avLst/>
-            </a:prstGeom>
-            <a:noFill/>
-          </p:spPr>
-          <p:txBody>
-            <a:bodyPr wrap="none" rtlCol="0">
-              <a:spAutoFit/>
-            </a:bodyPr>
-            <a:lstStyle/>
-            <a:p>
-              <a:r>
-                <a:rPr lang="en-US" altLang="ja-JP" dirty="0"/>
-                <a:t>Repo</a:t>
-              </a:r>
-              <a:endParaRPr lang="ja-JP" altLang="en-US" dirty="0"/>
-            </a:p>
-          </p:txBody>
-        </p:sp>
-        <p:cxnSp>
-          <p:nvCxnSpPr>
-            <p:cNvPr id="50" name="直線矢印コネクタ 49">
-              <a:extLst>
-                <a:ext uri="{FF2B5EF4-FFF2-40B4-BE49-F238E27FC236}">
-                  <a16:creationId xmlns:a16="http://schemas.microsoft.com/office/drawing/2014/main" id="{4576B0ED-E3A2-402B-95D4-CEB6A9651DE3}"/>
-                </a:ext>
-              </a:extLst>
-            </p:cNvPr>
-            <p:cNvCxnSpPr>
-              <a:cxnSpLocks/>
-            </p:cNvCxnSpPr>
-            <p:nvPr/>
-          </p:nvCxnSpPr>
-          <p:spPr>
-            <a:xfrm flipV="1">
-              <a:off x="6634378" y="2311784"/>
-              <a:ext cx="1873999" cy="1371025"/>
-            </a:xfrm>
-            <a:prstGeom prst="straightConnector1">
-              <a:avLst/>
-            </a:prstGeom>
-            <a:ln>
-              <a:solidFill>
-                <a:schemeClr val="tx2"/>
-              </a:solidFill>
-              <a:headEnd type="none" w="med" len="med"/>
-              <a:tailEnd type="arrow" w="med" len="med"/>
-            </a:ln>
-          </p:spPr>
-          <p:style>
-            <a:lnRef idx="3">
-              <a:schemeClr val="accent2"/>
-            </a:lnRef>
-            <a:fillRef idx="0">
-              <a:schemeClr val="accent2"/>
-            </a:fillRef>
-            <a:effectRef idx="2">
-              <a:schemeClr val="accent2"/>
-            </a:effectRef>
-            <a:fontRef idx="minor">
-              <a:schemeClr val="tx1"/>
-            </a:fontRef>
-          </p:style>
-        </p:cxnSp>
-        <p:cxnSp>
-          <p:nvCxnSpPr>
-            <p:cNvPr id="51" name="直線矢印コネクタ 50">
-              <a:extLst>
-                <a:ext uri="{FF2B5EF4-FFF2-40B4-BE49-F238E27FC236}">
-                  <a16:creationId xmlns:a16="http://schemas.microsoft.com/office/drawing/2014/main" id="{BB8064F3-48AB-4E34-9DCC-07FA305B4D2D}"/>
-                </a:ext>
-              </a:extLst>
-            </p:cNvPr>
-            <p:cNvCxnSpPr>
-              <a:cxnSpLocks/>
-            </p:cNvCxnSpPr>
-            <p:nvPr/>
-          </p:nvCxnSpPr>
-          <p:spPr>
-            <a:xfrm>
-              <a:off x="9399856" y="1954119"/>
-              <a:ext cx="1483341" cy="0"/>
-            </a:xfrm>
-            <a:prstGeom prst="straightConnector1">
-              <a:avLst/>
-            </a:prstGeom>
-            <a:ln>
-              <a:solidFill>
-                <a:schemeClr val="tx2"/>
-              </a:solidFill>
-              <a:headEnd type="none" w="med" len="med"/>
-              <a:tailEnd type="arrow" w="med" len="med"/>
-            </a:ln>
-          </p:spPr>
-          <p:style>
-            <a:lnRef idx="3">
-              <a:schemeClr val="accent2"/>
-            </a:lnRef>
-            <a:fillRef idx="0">
-              <a:schemeClr val="accent2"/>
-            </a:fillRef>
-            <a:effectRef idx="2">
-              <a:schemeClr val="accent2"/>
-            </a:effectRef>
-            <a:fontRef idx="minor">
-              <a:schemeClr val="tx1"/>
-            </a:fontRef>
-          </p:style>
-        </p:cxnSp>
-        <p:pic>
-          <p:nvPicPr>
-            <p:cNvPr id="55" name="図 54">
-              <a:extLst>
-                <a:ext uri="{FF2B5EF4-FFF2-40B4-BE49-F238E27FC236}">
-                  <a16:creationId xmlns:a16="http://schemas.microsoft.com/office/drawing/2014/main" id="{66E8A794-85CA-4E25-B768-94A1A213C59F}"/>
-                </a:ext>
-              </a:extLst>
-            </p:cNvPr>
-            <p:cNvPicPr>
-              <a:picLocks noChangeAspect="1"/>
-            </p:cNvPicPr>
-            <p:nvPr/>
-          </p:nvPicPr>
-          <p:blipFill>
-            <a:blip r:embed="rId9" cstate="screen">
-              <a:extLst>
-                <a:ext uri="{28A0092B-C50C-407E-A947-70E740481C1C}">
-                  <a14:useLocalDpi xmlns:a14="http://schemas.microsoft.com/office/drawing/2010/main"/>
-                </a:ext>
-              </a:extLst>
-            </a:blip>
-            <a:stretch>
-              <a:fillRect/>
-            </a:stretch>
-          </p:blipFill>
-          <p:spPr>
-            <a:xfrm>
-              <a:off x="11055985" y="1667954"/>
-              <a:ext cx="822535" cy="641445"/>
-            </a:xfrm>
-            <a:prstGeom prst="rect">
-              <a:avLst/>
-            </a:prstGeom>
-          </p:spPr>
-        </p:pic>
-        <p:sp>
-          <p:nvSpPr>
-            <p:cNvPr id="56" name="テキスト ボックス 55">
-              <a:extLst>
-                <a:ext uri="{FF2B5EF4-FFF2-40B4-BE49-F238E27FC236}">
-                  <a16:creationId xmlns:a16="http://schemas.microsoft.com/office/drawing/2014/main" id="{AE21E99E-D7E9-4F0B-877A-84CCF3A7ACF3}"/>
-                </a:ext>
-              </a:extLst>
-            </p:cNvPr>
-            <p:cNvSpPr txBox="1"/>
-            <p:nvPr/>
-          </p:nvSpPr>
-          <p:spPr>
-            <a:xfrm>
-              <a:off x="10913254" y="2394803"/>
-              <a:ext cx="1107996" cy="369332"/>
-            </a:xfrm>
-            <a:prstGeom prst="rect">
-              <a:avLst/>
-            </a:prstGeom>
-            <a:noFill/>
-          </p:spPr>
-          <p:txBody>
-            <a:bodyPr wrap="none" rtlCol="0">
-              <a:spAutoFit/>
-            </a:bodyPr>
-            <a:lstStyle/>
-            <a:p>
-              <a:r>
-                <a:rPr lang="ja-JP" altLang="en-US" dirty="0"/>
-                <a:t>実行環境</a:t>
-              </a:r>
-            </a:p>
-          </p:txBody>
-        </p:sp>
-        <p:sp>
-          <p:nvSpPr>
-            <p:cNvPr id="57" name="テキスト ボックス 56">
-              <a:extLst>
-                <a:ext uri="{FF2B5EF4-FFF2-40B4-BE49-F238E27FC236}">
-                  <a16:creationId xmlns:a16="http://schemas.microsoft.com/office/drawing/2014/main" id="{C01B2973-B9F5-484C-8F9E-A62F3F841124}"/>
-                </a:ext>
-              </a:extLst>
-            </p:cNvPr>
-            <p:cNvSpPr txBox="1"/>
-            <p:nvPr/>
-          </p:nvSpPr>
-          <p:spPr>
-            <a:xfrm>
-              <a:off x="2049962" y="4864404"/>
-              <a:ext cx="918841" cy="369332"/>
-            </a:xfrm>
-            <a:prstGeom prst="rect">
-              <a:avLst/>
-            </a:prstGeom>
-            <a:noFill/>
-          </p:spPr>
-          <p:txBody>
-            <a:bodyPr wrap="none" rtlCol="0">
-              <a:spAutoFit/>
-            </a:bodyPr>
-            <a:lstStyle/>
-            <a:p>
-              <a:r>
-                <a:rPr lang="en-US" altLang="ja-JP" dirty="0"/>
-                <a:t>git </a:t>
-              </a:r>
-              <a:r>
-                <a:rPr lang="en-US" altLang="ja-JP" dirty="0" err="1"/>
-                <a:t>puth</a:t>
-              </a:r>
-              <a:endParaRPr lang="ja-JP" altLang="en-US" dirty="0"/>
-            </a:p>
-          </p:txBody>
-        </p:sp>
-        <p:cxnSp>
-          <p:nvCxnSpPr>
-            <p:cNvPr id="58" name="直線矢印コネクタ 57">
-              <a:extLst>
-                <a:ext uri="{FF2B5EF4-FFF2-40B4-BE49-F238E27FC236}">
-                  <a16:creationId xmlns:a16="http://schemas.microsoft.com/office/drawing/2014/main" id="{B03F5E69-6B91-49A0-BAA9-E5D5989BDE2F}"/>
-                </a:ext>
-              </a:extLst>
-            </p:cNvPr>
-            <p:cNvCxnSpPr>
-              <a:cxnSpLocks/>
-            </p:cNvCxnSpPr>
-            <p:nvPr/>
-          </p:nvCxnSpPr>
-          <p:spPr>
-            <a:xfrm flipH="1" flipV="1">
-              <a:off x="3013896" y="2406939"/>
-              <a:ext cx="10793" cy="1095973"/>
-            </a:xfrm>
-            <a:prstGeom prst="straightConnector1">
-              <a:avLst/>
-            </a:prstGeom>
-            <a:ln>
-              <a:solidFill>
-                <a:schemeClr val="tx2"/>
-              </a:solidFill>
-              <a:headEnd type="none" w="med" len="med"/>
-              <a:tailEnd type="arrow" w="med" len="med"/>
-            </a:ln>
-          </p:spPr>
-          <p:style>
-            <a:lnRef idx="3">
-              <a:schemeClr val="accent2"/>
-            </a:lnRef>
-            <a:fillRef idx="0">
-              <a:schemeClr val="accent2"/>
-            </a:fillRef>
-            <a:effectRef idx="2">
-              <a:schemeClr val="accent2"/>
-            </a:effectRef>
-            <a:fontRef idx="minor">
-              <a:schemeClr val="tx1"/>
-            </a:fontRef>
-          </p:style>
-        </p:cxnSp>
-        <p:cxnSp>
-          <p:nvCxnSpPr>
-            <p:cNvPr id="59" name="直線矢印コネクタ 58">
-              <a:extLst>
-                <a:ext uri="{FF2B5EF4-FFF2-40B4-BE49-F238E27FC236}">
-                  <a16:creationId xmlns:a16="http://schemas.microsoft.com/office/drawing/2014/main" id="{4E733A26-7418-4697-9E7F-F41042A1BCEE}"/>
-                </a:ext>
-              </a:extLst>
-            </p:cNvPr>
-            <p:cNvCxnSpPr>
-              <a:cxnSpLocks/>
-            </p:cNvCxnSpPr>
-            <p:nvPr/>
-          </p:nvCxnSpPr>
-          <p:spPr>
-            <a:xfrm>
-              <a:off x="3584953" y="2300557"/>
-              <a:ext cx="1873999" cy="1371025"/>
-            </a:xfrm>
-            <a:prstGeom prst="straightConnector1">
-              <a:avLst/>
-            </a:prstGeom>
-            <a:ln>
-              <a:solidFill>
-                <a:schemeClr val="tx2"/>
-              </a:solidFill>
-              <a:headEnd type="none" w="med" len="med"/>
-              <a:tailEnd type="arrow" w="med" len="med"/>
-            </a:ln>
-          </p:spPr>
-          <p:style>
-            <a:lnRef idx="3">
-              <a:schemeClr val="accent2"/>
-            </a:lnRef>
-            <a:fillRef idx="0">
-              <a:schemeClr val="accent2"/>
-            </a:fillRef>
-            <a:effectRef idx="2">
-              <a:schemeClr val="accent2"/>
-            </a:effectRef>
-            <a:fontRef idx="minor">
-              <a:schemeClr val="tx1"/>
-            </a:fontRef>
-          </p:style>
-        </p:cxnSp>
-        <p:sp>
-          <p:nvSpPr>
-            <p:cNvPr id="60" name="テキスト ボックス 59">
-              <a:extLst>
-                <a:ext uri="{FF2B5EF4-FFF2-40B4-BE49-F238E27FC236}">
-                  <a16:creationId xmlns:a16="http://schemas.microsoft.com/office/drawing/2014/main" id="{934F5836-EB02-46FF-BEAF-AC4BA1186835}"/>
-                </a:ext>
-              </a:extLst>
-            </p:cNvPr>
-            <p:cNvSpPr txBox="1"/>
-            <p:nvPr/>
-          </p:nvSpPr>
-          <p:spPr>
-            <a:xfrm>
-              <a:off x="1935245" y="1769453"/>
-              <a:ext cx="721672" cy="369332"/>
-            </a:xfrm>
-            <a:prstGeom prst="rect">
-              <a:avLst/>
-            </a:prstGeom>
-            <a:noFill/>
-          </p:spPr>
-          <p:txBody>
-            <a:bodyPr wrap="none" rtlCol="0">
-              <a:spAutoFit/>
-            </a:bodyPr>
-            <a:lstStyle/>
-            <a:p>
-              <a:r>
-                <a:rPr lang="en-US" altLang="ja-JP" dirty="0"/>
-                <a:t>CI/CD</a:t>
-              </a:r>
-              <a:endParaRPr lang="ja-JP" altLang="en-US" dirty="0"/>
-            </a:p>
-          </p:txBody>
-        </p:sp>
-        <p:sp>
-          <p:nvSpPr>
-            <p:cNvPr id="61" name="テキスト ボックス 60">
-              <a:extLst>
-                <a:ext uri="{FF2B5EF4-FFF2-40B4-BE49-F238E27FC236}">
-                  <a16:creationId xmlns:a16="http://schemas.microsoft.com/office/drawing/2014/main" id="{2B443C93-76DE-478D-811C-8527803D2DB6}"/>
-                </a:ext>
-              </a:extLst>
-            </p:cNvPr>
-            <p:cNvSpPr txBox="1"/>
-            <p:nvPr/>
-          </p:nvSpPr>
-          <p:spPr>
-            <a:xfrm>
-              <a:off x="2096448" y="2801404"/>
-              <a:ext cx="825867" cy="369332"/>
-            </a:xfrm>
-            <a:prstGeom prst="rect">
-              <a:avLst/>
-            </a:prstGeom>
-            <a:noFill/>
-          </p:spPr>
-          <p:txBody>
-            <a:bodyPr wrap="none" rtlCol="0">
-              <a:spAutoFit/>
-            </a:bodyPr>
-            <a:lstStyle/>
-            <a:p>
-              <a:r>
-                <a:rPr lang="en-US" altLang="ja-JP" dirty="0"/>
-                <a:t>git pull</a:t>
-              </a:r>
-              <a:endParaRPr lang="ja-JP" altLang="en-US" dirty="0"/>
-            </a:p>
-          </p:txBody>
-        </p:sp>
-        <p:sp>
-          <p:nvSpPr>
-            <p:cNvPr id="62" name="テキスト ボックス 61">
-              <a:extLst>
-                <a:ext uri="{FF2B5EF4-FFF2-40B4-BE49-F238E27FC236}">
-                  <a16:creationId xmlns:a16="http://schemas.microsoft.com/office/drawing/2014/main" id="{E451C1BA-EBC1-48DA-990B-0A2E9E5600A1}"/>
-                </a:ext>
-              </a:extLst>
-            </p:cNvPr>
-            <p:cNvSpPr txBox="1"/>
-            <p:nvPr/>
-          </p:nvSpPr>
-          <p:spPr>
-            <a:xfrm>
-              <a:off x="4240213" y="2406939"/>
-              <a:ext cx="1234697" cy="369332"/>
-            </a:xfrm>
-            <a:prstGeom prst="rect">
-              <a:avLst/>
-            </a:prstGeom>
-            <a:noFill/>
-          </p:spPr>
-          <p:txBody>
-            <a:bodyPr wrap="none" rtlCol="0">
-              <a:spAutoFit/>
-            </a:bodyPr>
-            <a:lstStyle/>
-            <a:p>
-              <a:r>
-                <a:rPr lang="en-US" altLang="ja-JP" dirty="0" err="1"/>
-                <a:t>nuget</a:t>
-              </a:r>
-              <a:r>
-                <a:rPr lang="en-US" altLang="ja-JP" dirty="0"/>
-                <a:t> push</a:t>
-              </a:r>
-              <a:endParaRPr lang="ja-JP" altLang="en-US" dirty="0"/>
-            </a:p>
-          </p:txBody>
-        </p:sp>
-        <p:sp>
-          <p:nvSpPr>
-            <p:cNvPr id="63" name="テキスト ボックス 62">
-              <a:extLst>
-                <a:ext uri="{FF2B5EF4-FFF2-40B4-BE49-F238E27FC236}">
-                  <a16:creationId xmlns:a16="http://schemas.microsoft.com/office/drawing/2014/main" id="{5412F809-F893-40F4-A7BA-766FA8EC1971}"/>
-                </a:ext>
-              </a:extLst>
-            </p:cNvPr>
-            <p:cNvSpPr txBox="1"/>
-            <p:nvPr/>
-          </p:nvSpPr>
-          <p:spPr>
-            <a:xfrm>
-              <a:off x="4240213" y="5194175"/>
-              <a:ext cx="1234697" cy="369332"/>
-            </a:xfrm>
-            <a:prstGeom prst="rect">
-              <a:avLst/>
-            </a:prstGeom>
-            <a:noFill/>
-          </p:spPr>
-          <p:txBody>
-            <a:bodyPr wrap="none" rtlCol="0">
-              <a:spAutoFit/>
-            </a:bodyPr>
-            <a:lstStyle/>
-            <a:p>
-              <a:r>
-                <a:rPr lang="en-US" altLang="ja-JP" dirty="0" err="1"/>
-                <a:t>nuget</a:t>
-              </a:r>
-              <a:r>
-                <a:rPr lang="en-US" altLang="ja-JP" dirty="0"/>
-                <a:t> push</a:t>
-              </a:r>
-              <a:endParaRPr lang="ja-JP" altLang="en-US" dirty="0"/>
-            </a:p>
-          </p:txBody>
-        </p:sp>
-        <p:sp>
-          <p:nvSpPr>
-            <p:cNvPr id="64" name="テキスト ボックス 63">
-              <a:extLst>
-                <a:ext uri="{FF2B5EF4-FFF2-40B4-BE49-F238E27FC236}">
-                  <a16:creationId xmlns:a16="http://schemas.microsoft.com/office/drawing/2014/main" id="{01565627-E489-411F-9FB5-9978E1C825FD}"/>
-                </a:ext>
-              </a:extLst>
-            </p:cNvPr>
-            <p:cNvSpPr txBox="1"/>
-            <p:nvPr/>
-          </p:nvSpPr>
-          <p:spPr>
-            <a:xfrm>
-              <a:off x="6625250" y="2394803"/>
-              <a:ext cx="1448282" cy="369332"/>
-            </a:xfrm>
-            <a:prstGeom prst="rect">
-              <a:avLst/>
-            </a:prstGeom>
-            <a:noFill/>
-          </p:spPr>
-          <p:txBody>
-            <a:bodyPr wrap="none" rtlCol="0">
-              <a:spAutoFit/>
-            </a:bodyPr>
-            <a:lstStyle/>
-            <a:p>
-              <a:r>
-                <a:rPr lang="en-US" altLang="ja-JP" dirty="0" err="1"/>
-                <a:t>nuget</a:t>
-              </a:r>
-              <a:r>
-                <a:rPr lang="en-US" altLang="ja-JP" dirty="0"/>
-                <a:t> restore</a:t>
-              </a:r>
-              <a:endParaRPr lang="ja-JP" altLang="en-US" dirty="0"/>
-            </a:p>
-          </p:txBody>
-        </p:sp>
-        <p:sp>
-          <p:nvSpPr>
-            <p:cNvPr id="65" name="テキスト ボックス 64">
-              <a:extLst>
-                <a:ext uri="{FF2B5EF4-FFF2-40B4-BE49-F238E27FC236}">
-                  <a16:creationId xmlns:a16="http://schemas.microsoft.com/office/drawing/2014/main" id="{54BF5101-36E2-4270-A970-56A0DDC63468}"/>
-                </a:ext>
-              </a:extLst>
-            </p:cNvPr>
-            <p:cNvSpPr txBox="1"/>
-            <p:nvPr/>
-          </p:nvSpPr>
-          <p:spPr>
-            <a:xfrm>
-              <a:off x="6614140" y="5382524"/>
-              <a:ext cx="1448282" cy="369332"/>
-            </a:xfrm>
-            <a:prstGeom prst="rect">
-              <a:avLst/>
-            </a:prstGeom>
-            <a:noFill/>
-          </p:spPr>
-          <p:txBody>
-            <a:bodyPr wrap="none" rtlCol="0">
-              <a:spAutoFit/>
-            </a:bodyPr>
-            <a:lstStyle/>
-            <a:p>
-              <a:r>
-                <a:rPr lang="en-US" altLang="ja-JP" dirty="0" err="1"/>
-                <a:t>nuget</a:t>
-              </a:r>
-              <a:r>
-                <a:rPr lang="en-US" altLang="ja-JP" dirty="0"/>
-                <a:t> restore</a:t>
-              </a:r>
-              <a:endParaRPr lang="ja-JP" altLang="en-US" dirty="0"/>
-            </a:p>
-          </p:txBody>
-        </p:sp>
-        <p:sp>
-          <p:nvSpPr>
-            <p:cNvPr id="67" name="テキスト ボックス 66">
-              <a:extLst>
-                <a:ext uri="{FF2B5EF4-FFF2-40B4-BE49-F238E27FC236}">
-                  <a16:creationId xmlns:a16="http://schemas.microsoft.com/office/drawing/2014/main" id="{34843F0E-C95B-4264-AB20-4991C73D6F0A}"/>
-                </a:ext>
-              </a:extLst>
-            </p:cNvPr>
-            <p:cNvSpPr txBox="1"/>
-            <p:nvPr/>
-          </p:nvSpPr>
-          <p:spPr>
-            <a:xfrm>
-              <a:off x="8938237" y="4784579"/>
-              <a:ext cx="918841" cy="369332"/>
-            </a:xfrm>
-            <a:prstGeom prst="rect">
-              <a:avLst/>
-            </a:prstGeom>
-            <a:noFill/>
-          </p:spPr>
-          <p:txBody>
-            <a:bodyPr wrap="none" rtlCol="0">
-              <a:spAutoFit/>
-            </a:bodyPr>
-            <a:lstStyle/>
-            <a:p>
-              <a:r>
-                <a:rPr lang="en-US" altLang="ja-JP" dirty="0"/>
-                <a:t>git </a:t>
-              </a:r>
-              <a:r>
-                <a:rPr lang="en-US" altLang="ja-JP" dirty="0" err="1"/>
-                <a:t>puth</a:t>
-              </a:r>
-              <a:endParaRPr lang="ja-JP" altLang="en-US" dirty="0"/>
-            </a:p>
-          </p:txBody>
-        </p:sp>
-        <p:sp>
-          <p:nvSpPr>
-            <p:cNvPr id="68" name="テキスト ボックス 67">
-              <a:extLst>
-                <a:ext uri="{FF2B5EF4-FFF2-40B4-BE49-F238E27FC236}">
-                  <a16:creationId xmlns:a16="http://schemas.microsoft.com/office/drawing/2014/main" id="{725F2EF6-97AC-4CAD-95C1-533805C7BD98}"/>
-                </a:ext>
-              </a:extLst>
-            </p:cNvPr>
-            <p:cNvSpPr txBox="1"/>
-            <p:nvPr/>
-          </p:nvSpPr>
-          <p:spPr>
-            <a:xfrm>
-              <a:off x="8984723" y="2721579"/>
-              <a:ext cx="825867" cy="369332"/>
-            </a:xfrm>
-            <a:prstGeom prst="rect">
-              <a:avLst/>
-            </a:prstGeom>
-            <a:noFill/>
-          </p:spPr>
-          <p:txBody>
-            <a:bodyPr wrap="none" rtlCol="0">
-              <a:spAutoFit/>
-            </a:bodyPr>
-            <a:lstStyle/>
-            <a:p>
-              <a:r>
-                <a:rPr lang="en-US" altLang="ja-JP" dirty="0"/>
-                <a:t>git pull</a:t>
-              </a:r>
-              <a:endParaRPr lang="ja-JP" altLang="en-US" dirty="0"/>
-            </a:p>
-          </p:txBody>
-        </p:sp>
-        <p:sp>
-          <p:nvSpPr>
-            <p:cNvPr id="69" name="テキスト ボックス 68">
-              <a:extLst>
-                <a:ext uri="{FF2B5EF4-FFF2-40B4-BE49-F238E27FC236}">
-                  <a16:creationId xmlns:a16="http://schemas.microsoft.com/office/drawing/2014/main" id="{1678DD19-BB36-4446-B149-EE461607F63B}"/>
-                </a:ext>
-              </a:extLst>
-            </p:cNvPr>
-            <p:cNvSpPr txBox="1"/>
-            <p:nvPr/>
-          </p:nvSpPr>
-          <p:spPr>
-            <a:xfrm>
-              <a:off x="9397656" y="3786392"/>
-              <a:ext cx="664734" cy="369332"/>
-            </a:xfrm>
-            <a:prstGeom prst="rect">
-              <a:avLst/>
-            </a:prstGeom>
-            <a:noFill/>
-          </p:spPr>
-          <p:txBody>
-            <a:bodyPr wrap="none" rtlCol="0">
-              <a:spAutoFit/>
-            </a:bodyPr>
-            <a:lstStyle/>
-            <a:p>
-              <a:r>
-                <a:rPr lang="en-US" altLang="ja-JP" dirty="0"/>
-                <a:t>Repo</a:t>
-              </a:r>
-              <a:endParaRPr lang="ja-JP" altLang="en-US" dirty="0"/>
-            </a:p>
-          </p:txBody>
-        </p:sp>
-        <p:pic>
-          <p:nvPicPr>
-            <p:cNvPr id="71" name="図 70">
-              <a:extLst>
-                <a:ext uri="{FF2B5EF4-FFF2-40B4-BE49-F238E27FC236}">
-                  <a16:creationId xmlns:a16="http://schemas.microsoft.com/office/drawing/2014/main" id="{5A332AB8-A96E-4DEF-B52A-4EFD90EBB0BB}"/>
-                </a:ext>
-              </a:extLst>
-            </p:cNvPr>
-            <p:cNvPicPr>
-              <a:picLocks noChangeAspect="1"/>
-            </p:cNvPicPr>
-            <p:nvPr/>
-          </p:nvPicPr>
-          <p:blipFill>
-            <a:blip r:embed="rId10" cstate="screen">
-              <a:extLst>
-                <a:ext uri="{28A0092B-C50C-407E-A947-70E740481C1C}">
-                  <a14:useLocalDpi xmlns:a14="http://schemas.microsoft.com/office/drawing/2010/main"/>
-                </a:ext>
-              </a:extLst>
-            </a:blip>
-            <a:stretch>
-              <a:fillRect/>
-            </a:stretch>
-          </p:blipFill>
-          <p:spPr>
-            <a:xfrm>
-              <a:off x="61421" y="581976"/>
-              <a:ext cx="842477" cy="842477"/>
-            </a:xfrm>
-            <a:prstGeom prst="rect">
-              <a:avLst/>
-            </a:prstGeom>
-          </p:spPr>
-        </p:pic>
-        <p:cxnSp>
-          <p:nvCxnSpPr>
-            <p:cNvPr id="73" name="コネクタ: カギ線 72">
-              <a:extLst>
-                <a:ext uri="{FF2B5EF4-FFF2-40B4-BE49-F238E27FC236}">
-                  <a16:creationId xmlns:a16="http://schemas.microsoft.com/office/drawing/2014/main" id="{F199D57E-914A-49F4-82A7-429CC0653EEE}"/>
-                </a:ext>
-              </a:extLst>
-            </p:cNvPr>
-            <p:cNvCxnSpPr>
-              <a:cxnSpLocks/>
-            </p:cNvCxnSpPr>
-            <p:nvPr/>
-          </p:nvCxnSpPr>
-          <p:spPr>
-            <a:xfrm rot="16200000" flipH="1">
-              <a:off x="-569408" y="2829913"/>
-              <a:ext cx="4425902" cy="2014604"/>
-            </a:xfrm>
-            <a:prstGeom prst="bentConnector2">
-              <a:avLst/>
-            </a:prstGeom>
-            <a:ln>
-              <a:solidFill>
-                <a:schemeClr val="tx2"/>
-              </a:solidFill>
-              <a:headEnd type="none" w="med" len="med"/>
-              <a:tailEnd type="arrow" w="med" len="med"/>
-            </a:ln>
-          </p:spPr>
-          <p:style>
-            <a:lnRef idx="3">
-              <a:schemeClr val="accent2"/>
-            </a:lnRef>
-            <a:fillRef idx="0">
-              <a:schemeClr val="accent2"/>
-            </a:fillRef>
-            <a:effectRef idx="2">
-              <a:schemeClr val="accent2"/>
-            </a:effectRef>
-            <a:fontRef idx="minor">
-              <a:schemeClr val="tx1"/>
-            </a:fontRef>
-          </p:style>
-        </p:cxnSp>
-        <p:sp>
-          <p:nvSpPr>
-            <p:cNvPr id="76" name="テキスト ボックス 75">
-              <a:extLst>
-                <a:ext uri="{FF2B5EF4-FFF2-40B4-BE49-F238E27FC236}">
-                  <a16:creationId xmlns:a16="http://schemas.microsoft.com/office/drawing/2014/main" id="{3384B7F8-90E9-4614-8F30-60AFBABB021D}"/>
-                </a:ext>
-              </a:extLst>
-            </p:cNvPr>
-            <p:cNvSpPr txBox="1"/>
-            <p:nvPr/>
-          </p:nvSpPr>
-          <p:spPr>
-            <a:xfrm>
-              <a:off x="171649" y="6037392"/>
-              <a:ext cx="1448282" cy="369332"/>
-            </a:xfrm>
-            <a:prstGeom prst="rect">
-              <a:avLst/>
-            </a:prstGeom>
-            <a:noFill/>
-          </p:spPr>
-          <p:txBody>
-            <a:bodyPr wrap="none" rtlCol="0">
-              <a:spAutoFit/>
-            </a:bodyPr>
-            <a:lstStyle/>
-            <a:p>
-              <a:r>
-                <a:rPr lang="en-US" altLang="ja-JP" dirty="0" err="1"/>
-                <a:t>nuget</a:t>
-              </a:r>
-              <a:r>
-                <a:rPr lang="en-US" altLang="ja-JP" dirty="0"/>
-                <a:t> restore</a:t>
-              </a:r>
-              <a:endParaRPr lang="ja-JP" altLang="en-US" dirty="0"/>
-            </a:p>
-          </p:txBody>
-        </p:sp>
-        <p:cxnSp>
-          <p:nvCxnSpPr>
-            <p:cNvPr id="77" name="コネクタ: カギ線 76">
-              <a:extLst>
-                <a:ext uri="{FF2B5EF4-FFF2-40B4-BE49-F238E27FC236}">
-                  <a16:creationId xmlns:a16="http://schemas.microsoft.com/office/drawing/2014/main" id="{A6A83A2F-6369-43AB-811E-74ADD83C0DD2}"/>
-                </a:ext>
-              </a:extLst>
-            </p:cNvPr>
-            <p:cNvCxnSpPr>
-              <a:cxnSpLocks/>
-            </p:cNvCxnSpPr>
-            <p:nvPr/>
-          </p:nvCxnSpPr>
-          <p:spPr>
-            <a:xfrm>
-              <a:off x="1007835" y="922701"/>
-              <a:ext cx="5101368" cy="2631033"/>
-            </a:xfrm>
-            <a:prstGeom prst="bentConnector2">
-              <a:avLst/>
-            </a:prstGeom>
-            <a:ln>
-              <a:solidFill>
-                <a:schemeClr val="tx2"/>
-              </a:solidFill>
-              <a:headEnd type="none" w="med" len="med"/>
-              <a:tailEnd type="arrow" w="med" len="med"/>
-            </a:ln>
-          </p:spPr>
-          <p:style>
-            <a:lnRef idx="3">
-              <a:schemeClr val="accent2"/>
-            </a:lnRef>
-            <a:fillRef idx="0">
-              <a:schemeClr val="accent2"/>
-            </a:fillRef>
-            <a:effectRef idx="2">
-              <a:schemeClr val="accent2"/>
-            </a:effectRef>
-            <a:fontRef idx="minor">
-              <a:schemeClr val="tx1"/>
-            </a:fontRef>
-          </p:style>
-        </p:cxnSp>
-        <p:sp>
-          <p:nvSpPr>
-            <p:cNvPr id="80" name="テキスト ボックス 79">
-              <a:extLst>
-                <a:ext uri="{FF2B5EF4-FFF2-40B4-BE49-F238E27FC236}">
-                  <a16:creationId xmlns:a16="http://schemas.microsoft.com/office/drawing/2014/main" id="{DE8C0430-4805-49EB-8D20-E97A473EF0A8}"/>
-                </a:ext>
-              </a:extLst>
-            </p:cNvPr>
-            <p:cNvSpPr txBox="1"/>
-            <p:nvPr/>
-          </p:nvSpPr>
-          <p:spPr>
-            <a:xfrm>
-              <a:off x="919402" y="553369"/>
-              <a:ext cx="1157368" cy="369332"/>
-            </a:xfrm>
-            <a:prstGeom prst="rect">
-              <a:avLst/>
-            </a:prstGeom>
-            <a:noFill/>
-          </p:spPr>
-          <p:txBody>
-            <a:bodyPr wrap="none" rtlCol="0">
-              <a:spAutoFit/>
-            </a:bodyPr>
-            <a:lstStyle/>
-            <a:p>
-              <a:r>
-                <a:rPr lang="en-US" altLang="ja-JP" dirty="0"/>
-                <a:t>Upstream </a:t>
-              </a:r>
-              <a:endParaRPr lang="ja-JP" altLang="en-US" dirty="0"/>
-            </a:p>
-          </p:txBody>
-        </p:sp>
-        <p:sp>
-          <p:nvSpPr>
-            <p:cNvPr id="82" name="正方形/長方形 81">
-              <a:extLst>
-                <a:ext uri="{FF2B5EF4-FFF2-40B4-BE49-F238E27FC236}">
-                  <a16:creationId xmlns:a16="http://schemas.microsoft.com/office/drawing/2014/main" id="{F8114A35-39BC-4040-90C9-C5ED114865FE}"/>
-                </a:ext>
-              </a:extLst>
-            </p:cNvPr>
-            <p:cNvSpPr/>
-            <p:nvPr/>
-          </p:nvSpPr>
-          <p:spPr>
-            <a:xfrm>
-              <a:off x="1701213" y="1374475"/>
-              <a:ext cx="4279768" cy="5181600"/>
-            </a:xfrm>
-            <a:prstGeom prst="rect">
-              <a:avLst/>
-            </a:prstGeom>
-            <a:noFill/>
-            <a:ln w="28575">
-              <a:prstDash val="dash"/>
-            </a:ln>
-          </p:spPr>
-          <p:style>
-            <a:lnRef idx="2">
-              <a:schemeClr val="accent2"/>
-            </a:lnRef>
-            <a:fillRef idx="1">
-              <a:schemeClr val="lt1"/>
-            </a:fillRef>
-            <a:effectRef idx="0">
-              <a:schemeClr val="accent2"/>
-            </a:effectRef>
-            <a:fontRef idx="minor">
-              <a:schemeClr val="dk1"/>
-            </a:fontRef>
-          </p:style>
-          <p:txBody>
-            <a:bodyPr rtlCol="0" anchor="b"/>
-            <a:lstStyle/>
-            <a:p>
-              <a:pPr algn="r"/>
-              <a:r>
-                <a:rPr kumimoji="1" lang="ja-JP" altLang="en-US" dirty="0"/>
-                <a:t>パッケージ開発</a:t>
-              </a:r>
-              <a:endParaRPr kumimoji="1" lang="en-US" altLang="ja-JP" dirty="0"/>
-            </a:p>
-          </p:txBody>
-        </p:sp>
-        <p:sp>
-          <p:nvSpPr>
-            <p:cNvPr id="83" name="正方形/長方形 82">
-              <a:extLst>
-                <a:ext uri="{FF2B5EF4-FFF2-40B4-BE49-F238E27FC236}">
-                  <a16:creationId xmlns:a16="http://schemas.microsoft.com/office/drawing/2014/main" id="{AB472FEB-CA14-41F6-948F-0A99612D06EA}"/>
-                </a:ext>
-              </a:extLst>
-            </p:cNvPr>
-            <p:cNvSpPr/>
-            <p:nvPr/>
-          </p:nvSpPr>
-          <p:spPr>
-            <a:xfrm>
-              <a:off x="6233542" y="1372494"/>
-              <a:ext cx="5843438" cy="5181600"/>
-            </a:xfrm>
-            <a:prstGeom prst="rect">
-              <a:avLst/>
-            </a:prstGeom>
-            <a:noFill/>
-            <a:ln w="28575">
-              <a:prstDash val="dash"/>
-            </a:ln>
-          </p:spPr>
-          <p:style>
-            <a:lnRef idx="2">
-              <a:schemeClr val="accent2"/>
-            </a:lnRef>
-            <a:fillRef idx="1">
-              <a:schemeClr val="lt1"/>
-            </a:fillRef>
-            <a:effectRef idx="0">
-              <a:schemeClr val="accent2"/>
-            </a:effectRef>
-            <a:fontRef idx="minor">
-              <a:schemeClr val="dk1"/>
-            </a:fontRef>
-          </p:style>
-          <p:txBody>
-            <a:bodyPr rtlCol="0" anchor="b"/>
-            <a:lstStyle/>
-            <a:p>
-              <a:pPr algn="r"/>
-              <a:r>
-                <a:rPr kumimoji="1" lang="ja-JP" altLang="en-US" dirty="0"/>
-                <a:t>アプリ開発</a:t>
-              </a:r>
-              <a:endParaRPr kumimoji="1" lang="en-US" altLang="ja-JP" dirty="0"/>
-            </a:p>
-          </p:txBody>
-        </p:sp>
-      </p:grpSp>
-    </p:spTree>
-    <p:extLst>
-      <p:ext uri="{BB962C8B-B14F-4D97-AF65-F5344CB8AC3E}">
-        <p14:creationId xmlns:p14="http://schemas.microsoft.com/office/powerpoint/2010/main" val="4111283553"/>
-      </p:ext>
-    </p:extLst>
-  </p:cSld>
-  <p:clrMapOvr>
-    <a:masterClrMapping/>
-  </p:clrMapOvr>
-</p:sld>
-</file>
-
-<file path=ppt/slides/slide20.xml><?xml version="1.0" encoding="utf-8"?>
+<file path=ppt/slides/slide21.xml><?xml version="1.0" encoding="utf-8"?>
 <p:sld xmlns:a="http://schemas.openxmlformats.org/drawingml/2006/main" xmlns:r="http://schemas.openxmlformats.org/officeDocument/2006/relationships" xmlns:p="http://schemas.openxmlformats.org/presentationml/2006/main">
   <p:cSld>
     <p:spTree>
@@ -9427,6 +9539,1655 @@
     <p:extLst>
       <p:ext uri="{BB962C8B-B14F-4D97-AF65-F5344CB8AC3E}">
         <p14:creationId xmlns:p14="http://schemas.microsoft.com/office/powerpoint/2010/main" val="2758191523"/>
+      </p:ext>
+    </p:extLst>
+  </p:cSld>
+  <p:clrMapOvr>
+    <a:masterClrMapping/>
+  </p:clrMapOvr>
+</p:sld>
+</file>
+
+<file path=ppt/slides/slide22.xml><?xml version="1.0" encoding="utf-8"?>
+<p:sld xmlns:a="http://schemas.openxmlformats.org/drawingml/2006/main" xmlns:r="http://schemas.openxmlformats.org/officeDocument/2006/relationships" xmlns:p="http://schemas.openxmlformats.org/presentationml/2006/main">
+  <p:cSld>
+    <p:spTree>
+      <p:nvGrpSpPr>
+        <p:cNvPr id="1" name=""/>
+        <p:cNvGrpSpPr/>
+        <p:nvPr/>
+      </p:nvGrpSpPr>
+      <p:grpSpPr>
+        <a:xfrm>
+          <a:off x="0" y="0"/>
+          <a:ext cx="0" cy="0"/>
+          <a:chOff x="0" y="0"/>
+          <a:chExt cx="0" cy="0"/>
+        </a:xfrm>
+      </p:grpSpPr>
+      <p:grpSp>
+        <p:nvGrpSpPr>
+          <p:cNvPr id="84" name="グループ化 83">
+            <a:extLst>
+              <a:ext uri="{FF2B5EF4-FFF2-40B4-BE49-F238E27FC236}">
+                <a16:creationId xmlns:a16="http://schemas.microsoft.com/office/drawing/2014/main" id="{C16B93D5-3781-4C21-AE88-A6AE2894D59B}"/>
+              </a:ext>
+            </a:extLst>
+          </p:cNvPr>
+          <p:cNvGrpSpPr/>
+          <p:nvPr/>
+        </p:nvGrpSpPr>
+        <p:grpSpPr>
+          <a:xfrm>
+            <a:off x="61421" y="553369"/>
+            <a:ext cx="12015559" cy="6002706"/>
+            <a:chOff x="61421" y="553369"/>
+            <a:chExt cx="12015559" cy="6002706"/>
+          </a:xfrm>
+        </p:grpSpPr>
+        <p:pic>
+          <p:nvPicPr>
+            <p:cNvPr id="10" name="グラフィックス 9">
+              <a:extLst>
+                <a:ext uri="{FF2B5EF4-FFF2-40B4-BE49-F238E27FC236}">
+                  <a16:creationId xmlns:a16="http://schemas.microsoft.com/office/drawing/2014/main" id="{720C8AEA-BD22-4FF4-BFBC-5D43E880A0D0}"/>
+                </a:ext>
+              </a:extLst>
+            </p:cNvPr>
+            <p:cNvPicPr>
+              <a:picLocks noChangeAspect="1"/>
+            </p:cNvPicPr>
+            <p:nvPr/>
+          </p:nvPicPr>
+          <p:blipFill>
+            <a:blip r:embed="rId2">
+              <a:extLst>
+                <a:ext uri="{28A0092B-C50C-407E-A947-70E740481C1C}">
+                  <a14:useLocalDpi xmlns:a14="http://schemas.microsoft.com/office/drawing/2010/main"/>
+                </a:ext>
+                <a:ext uri="{96DAC541-7B7A-43D3-8B79-37D633B846F1}">
+                  <asvg:svgBlip xmlns:asvg="http://schemas.microsoft.com/office/drawing/2016/SVG/main" r:embed="rId3"/>
+                </a:ext>
+              </a:extLst>
+            </a:blip>
+            <a:stretch>
+              <a:fillRect/>
+            </a:stretch>
+          </p:blipFill>
+          <p:spPr>
+            <a:xfrm>
+              <a:off x="2649820" y="3612817"/>
+              <a:ext cx="794528" cy="794528"/>
+            </a:xfrm>
+            <a:prstGeom prst="rect">
+              <a:avLst/>
+            </a:prstGeom>
+          </p:spPr>
+        </p:pic>
+        <p:pic>
+          <p:nvPicPr>
+            <p:cNvPr id="12" name="グラフィックス 11">
+              <a:extLst>
+                <a:ext uri="{FF2B5EF4-FFF2-40B4-BE49-F238E27FC236}">
+                  <a16:creationId xmlns:a16="http://schemas.microsoft.com/office/drawing/2014/main" id="{59F2698E-6E6B-4F4F-B4AA-A6FCA5D5F8C0}"/>
+                </a:ext>
+              </a:extLst>
+            </p:cNvPr>
+            <p:cNvPicPr>
+              <a:picLocks noChangeAspect="1"/>
+            </p:cNvPicPr>
+            <p:nvPr/>
+          </p:nvPicPr>
+          <p:blipFill>
+            <a:blip r:embed="rId4">
+              <a:extLst>
+                <a:ext uri="{28A0092B-C50C-407E-A947-70E740481C1C}">
+                  <a14:useLocalDpi xmlns:a14="http://schemas.microsoft.com/office/drawing/2010/main"/>
+                </a:ext>
+                <a:ext uri="{96DAC541-7B7A-43D3-8B79-37D633B846F1}">
+                  <asvg:svgBlip xmlns:asvg="http://schemas.microsoft.com/office/drawing/2016/SVG/main" r:embed="rId5"/>
+                </a:ext>
+              </a:extLst>
+            </a:blip>
+            <a:stretch>
+              <a:fillRect/>
+            </a:stretch>
+          </p:blipFill>
+          <p:spPr>
+            <a:xfrm>
+              <a:off x="5721868" y="3634248"/>
+              <a:ext cx="751666" cy="751666"/>
+            </a:xfrm>
+            <a:prstGeom prst="rect">
+              <a:avLst/>
+            </a:prstGeom>
+          </p:spPr>
+        </p:pic>
+        <p:sp>
+          <p:nvSpPr>
+            <p:cNvPr id="15" name="テキスト ボックス 14">
+              <a:extLst>
+                <a:ext uri="{FF2B5EF4-FFF2-40B4-BE49-F238E27FC236}">
+                  <a16:creationId xmlns:a16="http://schemas.microsoft.com/office/drawing/2014/main" id="{593F3F33-FE94-4004-A7B4-F51A58ED8514}"/>
+                </a:ext>
+              </a:extLst>
+            </p:cNvPr>
+            <p:cNvSpPr txBox="1"/>
+            <p:nvPr/>
+          </p:nvSpPr>
+          <p:spPr>
+            <a:xfrm>
+              <a:off x="5610223" y="4445734"/>
+              <a:ext cx="968855" cy="369332"/>
+            </a:xfrm>
+            <a:prstGeom prst="rect">
+              <a:avLst/>
+            </a:prstGeom>
+            <a:noFill/>
+          </p:spPr>
+          <p:txBody>
+            <a:bodyPr wrap="none" rtlCol="0">
+              <a:spAutoFit/>
+            </a:bodyPr>
+            <a:lstStyle/>
+            <a:p>
+              <a:r>
+                <a:rPr lang="en-US" altLang="ja-JP" dirty="0"/>
+                <a:t>Artifacts</a:t>
+              </a:r>
+              <a:endParaRPr lang="ja-JP" altLang="en-US" dirty="0"/>
+            </a:p>
+          </p:txBody>
+        </p:sp>
+        <p:pic>
+          <p:nvPicPr>
+            <p:cNvPr id="17" name="グラフィックス 16">
+              <a:extLst>
+                <a:ext uri="{FF2B5EF4-FFF2-40B4-BE49-F238E27FC236}">
+                  <a16:creationId xmlns:a16="http://schemas.microsoft.com/office/drawing/2014/main" id="{2C9AE163-4931-46B1-A829-8A8A39AEF535}"/>
+                </a:ext>
+              </a:extLst>
+            </p:cNvPr>
+            <p:cNvPicPr>
+              <a:picLocks noChangeAspect="1"/>
+            </p:cNvPicPr>
+            <p:nvPr/>
+          </p:nvPicPr>
+          <p:blipFill>
+            <a:blip r:embed="rId2">
+              <a:extLst>
+                <a:ext uri="{28A0092B-C50C-407E-A947-70E740481C1C}">
+                  <a14:useLocalDpi xmlns:a14="http://schemas.microsoft.com/office/drawing/2010/main"/>
+                </a:ext>
+                <a:ext uri="{96DAC541-7B7A-43D3-8B79-37D633B846F1}">
+                  <asvg:svgBlip xmlns:asvg="http://schemas.microsoft.com/office/drawing/2016/SVG/main" r:embed="rId3"/>
+                </a:ext>
+              </a:extLst>
+            </a:blip>
+            <a:stretch>
+              <a:fillRect/>
+            </a:stretch>
+          </p:blipFill>
+          <p:spPr>
+            <a:xfrm>
+              <a:off x="8488138" y="3573794"/>
+              <a:ext cx="794528" cy="794528"/>
+            </a:xfrm>
+            <a:prstGeom prst="rect">
+              <a:avLst/>
+            </a:prstGeom>
+          </p:spPr>
+        </p:pic>
+        <p:pic>
+          <p:nvPicPr>
+            <p:cNvPr id="24" name="Shape 416">
+              <a:extLst>
+                <a:ext uri="{FF2B5EF4-FFF2-40B4-BE49-F238E27FC236}">
+                  <a16:creationId xmlns:a16="http://schemas.microsoft.com/office/drawing/2014/main" id="{660F51C7-BF8B-4B31-B2D0-BF443A2BF131}"/>
+                </a:ext>
+              </a:extLst>
+            </p:cNvPr>
+            <p:cNvPicPr preferRelativeResize="0">
+              <a:picLocks noChangeAspect="1"/>
+            </p:cNvPicPr>
+            <p:nvPr/>
+          </p:nvPicPr>
+          <p:blipFill>
+            <a:blip r:embed="rId6" cstate="screen">
+              <a:alphaModFix/>
+              <a:extLst>
+                <a:ext uri="{28A0092B-C50C-407E-A947-70E740481C1C}">
+                  <a14:useLocalDpi xmlns:a14="http://schemas.microsoft.com/office/drawing/2010/main"/>
+                </a:ext>
+              </a:extLst>
+            </a:blip>
+            <a:stretch>
+              <a:fillRect/>
+            </a:stretch>
+          </p:blipFill>
+          <p:spPr>
+            <a:xfrm>
+              <a:off x="2725608" y="5690796"/>
+              <a:ext cx="718740" cy="718740"/>
+            </a:xfrm>
+            <a:prstGeom prst="rect">
+              <a:avLst/>
+            </a:prstGeom>
+            <a:noFill/>
+            <a:ln>
+              <a:noFill/>
+            </a:ln>
+          </p:spPr>
+        </p:pic>
+        <p:pic>
+          <p:nvPicPr>
+            <p:cNvPr id="14" name="グラフィックス 13">
+              <a:extLst>
+                <a:ext uri="{FF2B5EF4-FFF2-40B4-BE49-F238E27FC236}">
+                  <a16:creationId xmlns:a16="http://schemas.microsoft.com/office/drawing/2014/main" id="{ED1EF8A9-A307-4EDC-BBEA-5F2FC7A0E61B}"/>
+                </a:ext>
+              </a:extLst>
+            </p:cNvPr>
+            <p:cNvPicPr>
+              <a:picLocks noChangeAspect="1"/>
+            </p:cNvPicPr>
+            <p:nvPr/>
+          </p:nvPicPr>
+          <p:blipFill>
+            <a:blip r:embed="rId7">
+              <a:extLst>
+                <a:ext uri="{28A0092B-C50C-407E-A947-70E740481C1C}">
+                  <a14:useLocalDpi xmlns:a14="http://schemas.microsoft.com/office/drawing/2010/main"/>
+                </a:ext>
+                <a:ext uri="{96DAC541-7B7A-43D3-8B79-37D633B846F1}">
+                  <asvg:svgBlip xmlns:asvg="http://schemas.microsoft.com/office/drawing/2016/SVG/main" r:embed="rId8"/>
+                </a:ext>
+              </a:extLst>
+            </a:blip>
+            <a:stretch>
+              <a:fillRect/>
+            </a:stretch>
+          </p:blipFill>
+          <p:spPr>
+            <a:xfrm>
+              <a:off x="2743311" y="1586913"/>
+              <a:ext cx="683333" cy="683333"/>
+            </a:xfrm>
+            <a:prstGeom prst="rect">
+              <a:avLst/>
+            </a:prstGeom>
+          </p:spPr>
+        </p:pic>
+        <p:cxnSp>
+          <p:nvCxnSpPr>
+            <p:cNvPr id="27" name="直線矢印コネクタ 26">
+              <a:extLst>
+                <a:ext uri="{FF2B5EF4-FFF2-40B4-BE49-F238E27FC236}">
+                  <a16:creationId xmlns:a16="http://schemas.microsoft.com/office/drawing/2014/main" id="{FC5C5E18-6E1F-412C-887F-BFB0120CDB48}"/>
+                </a:ext>
+              </a:extLst>
+            </p:cNvPr>
+            <p:cNvCxnSpPr>
+              <a:cxnSpLocks/>
+            </p:cNvCxnSpPr>
+            <p:nvPr/>
+          </p:nvCxnSpPr>
+          <p:spPr>
+            <a:xfrm flipH="1" flipV="1">
+              <a:off x="3047085" y="4530039"/>
+              <a:ext cx="6275" cy="1089095"/>
+            </a:xfrm>
+            <a:prstGeom prst="straightConnector1">
+              <a:avLst/>
+            </a:prstGeom>
+            <a:ln>
+              <a:solidFill>
+                <a:schemeClr val="tx2"/>
+              </a:solidFill>
+              <a:headEnd type="none" w="med" len="med"/>
+              <a:tailEnd type="arrow" w="med" len="med"/>
+            </a:ln>
+          </p:spPr>
+          <p:style>
+            <a:lnRef idx="3">
+              <a:schemeClr val="accent2"/>
+            </a:lnRef>
+            <a:fillRef idx="0">
+              <a:schemeClr val="accent2"/>
+            </a:fillRef>
+            <a:effectRef idx="2">
+              <a:schemeClr val="accent2"/>
+            </a:effectRef>
+            <a:fontRef idx="minor">
+              <a:schemeClr val="tx1"/>
+            </a:fontRef>
+          </p:style>
+        </p:cxnSp>
+        <p:cxnSp>
+          <p:nvCxnSpPr>
+            <p:cNvPr id="30" name="直線矢印コネクタ 29">
+              <a:extLst>
+                <a:ext uri="{FF2B5EF4-FFF2-40B4-BE49-F238E27FC236}">
+                  <a16:creationId xmlns:a16="http://schemas.microsoft.com/office/drawing/2014/main" id="{75F0A3E6-41DE-4C3E-8437-B3E0526234C0}"/>
+                </a:ext>
+              </a:extLst>
+            </p:cNvPr>
+            <p:cNvCxnSpPr>
+              <a:cxnSpLocks/>
+            </p:cNvCxnSpPr>
+            <p:nvPr/>
+          </p:nvCxnSpPr>
+          <p:spPr>
+            <a:xfrm flipV="1">
+              <a:off x="3600911" y="4319772"/>
+              <a:ext cx="1873999" cy="1371025"/>
+            </a:xfrm>
+            <a:prstGeom prst="straightConnector1">
+              <a:avLst/>
+            </a:prstGeom>
+            <a:ln>
+              <a:solidFill>
+                <a:schemeClr val="tx2"/>
+              </a:solidFill>
+              <a:headEnd type="none" w="med" len="med"/>
+              <a:tailEnd type="arrow" w="med" len="med"/>
+            </a:ln>
+          </p:spPr>
+          <p:style>
+            <a:lnRef idx="3">
+              <a:schemeClr val="accent2"/>
+            </a:lnRef>
+            <a:fillRef idx="0">
+              <a:schemeClr val="accent2"/>
+            </a:fillRef>
+            <a:effectRef idx="2">
+              <a:schemeClr val="accent2"/>
+            </a:effectRef>
+            <a:fontRef idx="minor">
+              <a:schemeClr val="tx1"/>
+            </a:fontRef>
+          </p:style>
+        </p:cxnSp>
+        <p:pic>
+          <p:nvPicPr>
+            <p:cNvPr id="32" name="グラフィックス 31">
+              <a:extLst>
+                <a:ext uri="{FF2B5EF4-FFF2-40B4-BE49-F238E27FC236}">
+                  <a16:creationId xmlns:a16="http://schemas.microsoft.com/office/drawing/2014/main" id="{B61730B1-1D60-4927-9797-8725CA32187A}"/>
+                </a:ext>
+              </a:extLst>
+            </p:cNvPr>
+            <p:cNvPicPr>
+              <a:picLocks noChangeAspect="1"/>
+            </p:cNvPicPr>
+            <p:nvPr/>
+          </p:nvPicPr>
+          <p:blipFill>
+            <a:blip r:embed="rId7">
+              <a:extLst>
+                <a:ext uri="{28A0092B-C50C-407E-A947-70E740481C1C}">
+                  <a14:useLocalDpi xmlns:a14="http://schemas.microsoft.com/office/drawing/2010/main"/>
+                </a:ext>
+                <a:ext uri="{96DAC541-7B7A-43D3-8B79-37D633B846F1}">
+                  <asvg:svgBlip xmlns:asvg="http://schemas.microsoft.com/office/drawing/2016/SVG/main" r:embed="rId8"/>
+                </a:ext>
+              </a:extLst>
+            </a:blip>
+            <a:stretch>
+              <a:fillRect/>
+            </a:stretch>
+          </p:blipFill>
+          <p:spPr>
+            <a:xfrm>
+              <a:off x="8543735" y="1567987"/>
+              <a:ext cx="683333" cy="683333"/>
+            </a:xfrm>
+            <a:prstGeom prst="rect">
+              <a:avLst/>
+            </a:prstGeom>
+          </p:spPr>
+        </p:pic>
+        <p:pic>
+          <p:nvPicPr>
+            <p:cNvPr id="42" name="Shape 416">
+              <a:extLst>
+                <a:ext uri="{FF2B5EF4-FFF2-40B4-BE49-F238E27FC236}">
+                  <a16:creationId xmlns:a16="http://schemas.microsoft.com/office/drawing/2014/main" id="{A8B43CDF-DCB2-461A-9186-3843B2BC2797}"/>
+                </a:ext>
+              </a:extLst>
+            </p:cNvPr>
+            <p:cNvPicPr preferRelativeResize="0">
+              <a:picLocks noChangeAspect="1"/>
+            </p:cNvPicPr>
+            <p:nvPr/>
+          </p:nvPicPr>
+          <p:blipFill>
+            <a:blip r:embed="rId6" cstate="screen">
+              <a:alphaModFix/>
+              <a:extLst>
+                <a:ext uri="{28A0092B-C50C-407E-A947-70E740481C1C}">
+                  <a14:useLocalDpi xmlns:a14="http://schemas.microsoft.com/office/drawing/2010/main"/>
+                </a:ext>
+              </a:extLst>
+            </a:blip>
+            <a:stretch>
+              <a:fillRect/>
+            </a:stretch>
+          </p:blipFill>
+          <p:spPr>
+            <a:xfrm>
+              <a:off x="8569421" y="5503318"/>
+              <a:ext cx="718740" cy="718740"/>
+            </a:xfrm>
+            <a:prstGeom prst="rect">
+              <a:avLst/>
+            </a:prstGeom>
+            <a:noFill/>
+            <a:ln>
+              <a:noFill/>
+            </a:ln>
+          </p:spPr>
+        </p:pic>
+        <p:cxnSp>
+          <p:nvCxnSpPr>
+            <p:cNvPr id="43" name="直線矢印コネクタ 42">
+              <a:extLst>
+                <a:ext uri="{FF2B5EF4-FFF2-40B4-BE49-F238E27FC236}">
+                  <a16:creationId xmlns:a16="http://schemas.microsoft.com/office/drawing/2014/main" id="{3EB39C53-19B6-4A7C-AAA7-1AEE719AA421}"/>
+                </a:ext>
+              </a:extLst>
+            </p:cNvPr>
+            <p:cNvCxnSpPr>
+              <a:cxnSpLocks/>
+            </p:cNvCxnSpPr>
+            <p:nvPr/>
+          </p:nvCxnSpPr>
+          <p:spPr>
+            <a:xfrm>
+              <a:off x="6614140" y="4319771"/>
+              <a:ext cx="1873999" cy="1371025"/>
+            </a:xfrm>
+            <a:prstGeom prst="straightConnector1">
+              <a:avLst/>
+            </a:prstGeom>
+            <a:ln>
+              <a:solidFill>
+                <a:schemeClr val="tx2"/>
+              </a:solidFill>
+              <a:headEnd type="none" w="med" len="med"/>
+              <a:tailEnd type="arrow" w="med" len="med"/>
+            </a:ln>
+          </p:spPr>
+          <p:style>
+            <a:lnRef idx="3">
+              <a:schemeClr val="accent2"/>
+            </a:lnRef>
+            <a:fillRef idx="0">
+              <a:schemeClr val="accent2"/>
+            </a:fillRef>
+            <a:effectRef idx="2">
+              <a:schemeClr val="accent2"/>
+            </a:effectRef>
+            <a:fontRef idx="minor">
+              <a:schemeClr val="tx1"/>
+            </a:fontRef>
+          </p:style>
+        </p:cxnSp>
+        <p:cxnSp>
+          <p:nvCxnSpPr>
+            <p:cNvPr id="44" name="直線矢印コネクタ 43">
+              <a:extLst>
+                <a:ext uri="{FF2B5EF4-FFF2-40B4-BE49-F238E27FC236}">
+                  <a16:creationId xmlns:a16="http://schemas.microsoft.com/office/drawing/2014/main" id="{B4D6D5B9-F3DA-40F6-9A2A-CFCAFCCD69DB}"/>
+                </a:ext>
+              </a:extLst>
+            </p:cNvPr>
+            <p:cNvCxnSpPr>
+              <a:cxnSpLocks/>
+              <a:stCxn id="42" idx="0"/>
+            </p:cNvCxnSpPr>
+            <p:nvPr/>
+          </p:nvCxnSpPr>
+          <p:spPr>
+            <a:xfrm flipH="1" flipV="1">
+              <a:off x="8917999" y="4407346"/>
+              <a:ext cx="10793" cy="1095973"/>
+            </a:xfrm>
+            <a:prstGeom prst="straightConnector1">
+              <a:avLst/>
+            </a:prstGeom>
+            <a:ln>
+              <a:solidFill>
+                <a:schemeClr val="tx2"/>
+              </a:solidFill>
+              <a:headEnd type="none" w="med" len="med"/>
+              <a:tailEnd type="arrow" w="med" len="med"/>
+            </a:ln>
+          </p:spPr>
+          <p:style>
+            <a:lnRef idx="3">
+              <a:schemeClr val="accent2"/>
+            </a:lnRef>
+            <a:fillRef idx="0">
+              <a:schemeClr val="accent2"/>
+            </a:fillRef>
+            <a:effectRef idx="2">
+              <a:schemeClr val="accent2"/>
+            </a:effectRef>
+            <a:fontRef idx="minor">
+              <a:schemeClr val="tx1"/>
+            </a:fontRef>
+          </p:style>
+        </p:cxnSp>
+        <p:cxnSp>
+          <p:nvCxnSpPr>
+            <p:cNvPr id="47" name="直線矢印コネクタ 46">
+              <a:extLst>
+                <a:ext uri="{FF2B5EF4-FFF2-40B4-BE49-F238E27FC236}">
+                  <a16:creationId xmlns:a16="http://schemas.microsoft.com/office/drawing/2014/main" id="{3D4096D5-8795-47EC-A6C4-204691CA7C38}"/>
+                </a:ext>
+              </a:extLst>
+            </p:cNvPr>
+            <p:cNvCxnSpPr>
+              <a:cxnSpLocks/>
+            </p:cNvCxnSpPr>
+            <p:nvPr/>
+          </p:nvCxnSpPr>
+          <p:spPr>
+            <a:xfrm flipH="1" flipV="1">
+              <a:off x="8909381" y="2394803"/>
+              <a:ext cx="10793" cy="1095973"/>
+            </a:xfrm>
+            <a:prstGeom prst="straightConnector1">
+              <a:avLst/>
+            </a:prstGeom>
+            <a:ln>
+              <a:solidFill>
+                <a:schemeClr val="tx2"/>
+              </a:solidFill>
+              <a:headEnd type="none" w="med" len="med"/>
+              <a:tailEnd type="arrow" w="med" len="med"/>
+            </a:ln>
+          </p:spPr>
+          <p:style>
+            <a:lnRef idx="3">
+              <a:schemeClr val="accent2"/>
+            </a:lnRef>
+            <a:fillRef idx="0">
+              <a:schemeClr val="accent2"/>
+            </a:fillRef>
+            <a:effectRef idx="2">
+              <a:schemeClr val="accent2"/>
+            </a:effectRef>
+            <a:fontRef idx="minor">
+              <a:schemeClr val="tx1"/>
+            </a:fontRef>
+          </p:style>
+        </p:cxnSp>
+        <p:sp>
+          <p:nvSpPr>
+            <p:cNvPr id="48" name="テキスト ボックス 47">
+              <a:extLst>
+                <a:ext uri="{FF2B5EF4-FFF2-40B4-BE49-F238E27FC236}">
+                  <a16:creationId xmlns:a16="http://schemas.microsoft.com/office/drawing/2014/main" id="{3D97A6D8-16BB-485A-9DA8-145FC9A77963}"/>
+                </a:ext>
+              </a:extLst>
+            </p:cNvPr>
+            <p:cNvSpPr txBox="1"/>
+            <p:nvPr/>
+          </p:nvSpPr>
+          <p:spPr>
+            <a:xfrm>
+              <a:off x="1844480" y="3832453"/>
+              <a:ext cx="664734" cy="369332"/>
+            </a:xfrm>
+            <a:prstGeom prst="rect">
+              <a:avLst/>
+            </a:prstGeom>
+            <a:noFill/>
+          </p:spPr>
+          <p:txBody>
+            <a:bodyPr wrap="none" rtlCol="0">
+              <a:spAutoFit/>
+            </a:bodyPr>
+            <a:lstStyle/>
+            <a:p>
+              <a:r>
+                <a:rPr lang="en-US" altLang="ja-JP" dirty="0"/>
+                <a:t>Repo</a:t>
+              </a:r>
+              <a:endParaRPr lang="ja-JP" altLang="en-US" dirty="0"/>
+            </a:p>
+          </p:txBody>
+        </p:sp>
+        <p:cxnSp>
+          <p:nvCxnSpPr>
+            <p:cNvPr id="50" name="直線矢印コネクタ 49">
+              <a:extLst>
+                <a:ext uri="{FF2B5EF4-FFF2-40B4-BE49-F238E27FC236}">
+                  <a16:creationId xmlns:a16="http://schemas.microsoft.com/office/drawing/2014/main" id="{4576B0ED-E3A2-402B-95D4-CEB6A9651DE3}"/>
+                </a:ext>
+              </a:extLst>
+            </p:cNvPr>
+            <p:cNvCxnSpPr>
+              <a:cxnSpLocks/>
+            </p:cNvCxnSpPr>
+            <p:nvPr/>
+          </p:nvCxnSpPr>
+          <p:spPr>
+            <a:xfrm flipV="1">
+              <a:off x="6634378" y="2311784"/>
+              <a:ext cx="1873999" cy="1371025"/>
+            </a:xfrm>
+            <a:prstGeom prst="straightConnector1">
+              <a:avLst/>
+            </a:prstGeom>
+            <a:ln>
+              <a:solidFill>
+                <a:schemeClr val="tx2"/>
+              </a:solidFill>
+              <a:headEnd type="none" w="med" len="med"/>
+              <a:tailEnd type="arrow" w="med" len="med"/>
+            </a:ln>
+          </p:spPr>
+          <p:style>
+            <a:lnRef idx="3">
+              <a:schemeClr val="accent2"/>
+            </a:lnRef>
+            <a:fillRef idx="0">
+              <a:schemeClr val="accent2"/>
+            </a:fillRef>
+            <a:effectRef idx="2">
+              <a:schemeClr val="accent2"/>
+            </a:effectRef>
+            <a:fontRef idx="minor">
+              <a:schemeClr val="tx1"/>
+            </a:fontRef>
+          </p:style>
+        </p:cxnSp>
+        <p:cxnSp>
+          <p:nvCxnSpPr>
+            <p:cNvPr id="51" name="直線矢印コネクタ 50">
+              <a:extLst>
+                <a:ext uri="{FF2B5EF4-FFF2-40B4-BE49-F238E27FC236}">
+                  <a16:creationId xmlns:a16="http://schemas.microsoft.com/office/drawing/2014/main" id="{BB8064F3-48AB-4E34-9DCC-07FA305B4D2D}"/>
+                </a:ext>
+              </a:extLst>
+            </p:cNvPr>
+            <p:cNvCxnSpPr>
+              <a:cxnSpLocks/>
+            </p:cNvCxnSpPr>
+            <p:nvPr/>
+          </p:nvCxnSpPr>
+          <p:spPr>
+            <a:xfrm>
+              <a:off x="9399856" y="1954119"/>
+              <a:ext cx="1483341" cy="0"/>
+            </a:xfrm>
+            <a:prstGeom prst="straightConnector1">
+              <a:avLst/>
+            </a:prstGeom>
+            <a:ln>
+              <a:solidFill>
+                <a:schemeClr val="tx2"/>
+              </a:solidFill>
+              <a:headEnd type="none" w="med" len="med"/>
+              <a:tailEnd type="arrow" w="med" len="med"/>
+            </a:ln>
+          </p:spPr>
+          <p:style>
+            <a:lnRef idx="3">
+              <a:schemeClr val="accent2"/>
+            </a:lnRef>
+            <a:fillRef idx="0">
+              <a:schemeClr val="accent2"/>
+            </a:fillRef>
+            <a:effectRef idx="2">
+              <a:schemeClr val="accent2"/>
+            </a:effectRef>
+            <a:fontRef idx="minor">
+              <a:schemeClr val="tx1"/>
+            </a:fontRef>
+          </p:style>
+        </p:cxnSp>
+        <p:pic>
+          <p:nvPicPr>
+            <p:cNvPr id="55" name="図 54">
+              <a:extLst>
+                <a:ext uri="{FF2B5EF4-FFF2-40B4-BE49-F238E27FC236}">
+                  <a16:creationId xmlns:a16="http://schemas.microsoft.com/office/drawing/2014/main" id="{66E8A794-85CA-4E25-B768-94A1A213C59F}"/>
+                </a:ext>
+              </a:extLst>
+            </p:cNvPr>
+            <p:cNvPicPr>
+              <a:picLocks noChangeAspect="1"/>
+            </p:cNvPicPr>
+            <p:nvPr/>
+          </p:nvPicPr>
+          <p:blipFill>
+            <a:blip r:embed="rId9" cstate="screen">
+              <a:extLst>
+                <a:ext uri="{28A0092B-C50C-407E-A947-70E740481C1C}">
+                  <a14:useLocalDpi xmlns:a14="http://schemas.microsoft.com/office/drawing/2010/main"/>
+                </a:ext>
+              </a:extLst>
+            </a:blip>
+            <a:stretch>
+              <a:fillRect/>
+            </a:stretch>
+          </p:blipFill>
+          <p:spPr>
+            <a:xfrm>
+              <a:off x="11055985" y="1667954"/>
+              <a:ext cx="822535" cy="641445"/>
+            </a:xfrm>
+            <a:prstGeom prst="rect">
+              <a:avLst/>
+            </a:prstGeom>
+          </p:spPr>
+        </p:pic>
+        <p:sp>
+          <p:nvSpPr>
+            <p:cNvPr id="56" name="テキスト ボックス 55">
+              <a:extLst>
+                <a:ext uri="{FF2B5EF4-FFF2-40B4-BE49-F238E27FC236}">
+                  <a16:creationId xmlns:a16="http://schemas.microsoft.com/office/drawing/2014/main" id="{AE21E99E-D7E9-4F0B-877A-84CCF3A7ACF3}"/>
+                </a:ext>
+              </a:extLst>
+            </p:cNvPr>
+            <p:cNvSpPr txBox="1"/>
+            <p:nvPr/>
+          </p:nvSpPr>
+          <p:spPr>
+            <a:xfrm>
+              <a:off x="10913254" y="2394803"/>
+              <a:ext cx="1107996" cy="369332"/>
+            </a:xfrm>
+            <a:prstGeom prst="rect">
+              <a:avLst/>
+            </a:prstGeom>
+            <a:noFill/>
+          </p:spPr>
+          <p:txBody>
+            <a:bodyPr wrap="none" rtlCol="0">
+              <a:spAutoFit/>
+            </a:bodyPr>
+            <a:lstStyle/>
+            <a:p>
+              <a:r>
+                <a:rPr lang="ja-JP" altLang="en-US" dirty="0"/>
+                <a:t>実行環境</a:t>
+              </a:r>
+            </a:p>
+          </p:txBody>
+        </p:sp>
+        <p:sp>
+          <p:nvSpPr>
+            <p:cNvPr id="57" name="テキスト ボックス 56">
+              <a:extLst>
+                <a:ext uri="{FF2B5EF4-FFF2-40B4-BE49-F238E27FC236}">
+                  <a16:creationId xmlns:a16="http://schemas.microsoft.com/office/drawing/2014/main" id="{C01B2973-B9F5-484C-8F9E-A62F3F841124}"/>
+                </a:ext>
+              </a:extLst>
+            </p:cNvPr>
+            <p:cNvSpPr txBox="1"/>
+            <p:nvPr/>
+          </p:nvSpPr>
+          <p:spPr>
+            <a:xfrm>
+              <a:off x="2049962" y="4864404"/>
+              <a:ext cx="918841" cy="369332"/>
+            </a:xfrm>
+            <a:prstGeom prst="rect">
+              <a:avLst/>
+            </a:prstGeom>
+            <a:noFill/>
+          </p:spPr>
+          <p:txBody>
+            <a:bodyPr wrap="none" rtlCol="0">
+              <a:spAutoFit/>
+            </a:bodyPr>
+            <a:lstStyle/>
+            <a:p>
+              <a:r>
+                <a:rPr lang="en-US" altLang="ja-JP" dirty="0"/>
+                <a:t>git </a:t>
+              </a:r>
+              <a:r>
+                <a:rPr lang="en-US" altLang="ja-JP" dirty="0" err="1"/>
+                <a:t>puth</a:t>
+              </a:r>
+              <a:endParaRPr lang="ja-JP" altLang="en-US" dirty="0"/>
+            </a:p>
+          </p:txBody>
+        </p:sp>
+        <p:cxnSp>
+          <p:nvCxnSpPr>
+            <p:cNvPr id="58" name="直線矢印コネクタ 57">
+              <a:extLst>
+                <a:ext uri="{FF2B5EF4-FFF2-40B4-BE49-F238E27FC236}">
+                  <a16:creationId xmlns:a16="http://schemas.microsoft.com/office/drawing/2014/main" id="{B03F5E69-6B91-49A0-BAA9-E5D5989BDE2F}"/>
+                </a:ext>
+              </a:extLst>
+            </p:cNvPr>
+            <p:cNvCxnSpPr>
+              <a:cxnSpLocks/>
+            </p:cNvCxnSpPr>
+            <p:nvPr/>
+          </p:nvCxnSpPr>
+          <p:spPr>
+            <a:xfrm flipH="1" flipV="1">
+              <a:off x="3013896" y="2406939"/>
+              <a:ext cx="10793" cy="1095973"/>
+            </a:xfrm>
+            <a:prstGeom prst="straightConnector1">
+              <a:avLst/>
+            </a:prstGeom>
+            <a:ln>
+              <a:solidFill>
+                <a:schemeClr val="tx2"/>
+              </a:solidFill>
+              <a:headEnd type="none" w="med" len="med"/>
+              <a:tailEnd type="arrow" w="med" len="med"/>
+            </a:ln>
+          </p:spPr>
+          <p:style>
+            <a:lnRef idx="3">
+              <a:schemeClr val="accent2"/>
+            </a:lnRef>
+            <a:fillRef idx="0">
+              <a:schemeClr val="accent2"/>
+            </a:fillRef>
+            <a:effectRef idx="2">
+              <a:schemeClr val="accent2"/>
+            </a:effectRef>
+            <a:fontRef idx="minor">
+              <a:schemeClr val="tx1"/>
+            </a:fontRef>
+          </p:style>
+        </p:cxnSp>
+        <p:cxnSp>
+          <p:nvCxnSpPr>
+            <p:cNvPr id="59" name="直線矢印コネクタ 58">
+              <a:extLst>
+                <a:ext uri="{FF2B5EF4-FFF2-40B4-BE49-F238E27FC236}">
+                  <a16:creationId xmlns:a16="http://schemas.microsoft.com/office/drawing/2014/main" id="{4E733A26-7418-4697-9E7F-F41042A1BCEE}"/>
+                </a:ext>
+              </a:extLst>
+            </p:cNvPr>
+            <p:cNvCxnSpPr>
+              <a:cxnSpLocks/>
+            </p:cNvCxnSpPr>
+            <p:nvPr/>
+          </p:nvCxnSpPr>
+          <p:spPr>
+            <a:xfrm>
+              <a:off x="3584953" y="2300557"/>
+              <a:ext cx="1873999" cy="1371025"/>
+            </a:xfrm>
+            <a:prstGeom prst="straightConnector1">
+              <a:avLst/>
+            </a:prstGeom>
+            <a:ln>
+              <a:solidFill>
+                <a:schemeClr val="tx2"/>
+              </a:solidFill>
+              <a:headEnd type="none" w="med" len="med"/>
+              <a:tailEnd type="arrow" w="med" len="med"/>
+            </a:ln>
+          </p:spPr>
+          <p:style>
+            <a:lnRef idx="3">
+              <a:schemeClr val="accent2"/>
+            </a:lnRef>
+            <a:fillRef idx="0">
+              <a:schemeClr val="accent2"/>
+            </a:fillRef>
+            <a:effectRef idx="2">
+              <a:schemeClr val="accent2"/>
+            </a:effectRef>
+            <a:fontRef idx="minor">
+              <a:schemeClr val="tx1"/>
+            </a:fontRef>
+          </p:style>
+        </p:cxnSp>
+        <p:sp>
+          <p:nvSpPr>
+            <p:cNvPr id="60" name="テキスト ボックス 59">
+              <a:extLst>
+                <a:ext uri="{FF2B5EF4-FFF2-40B4-BE49-F238E27FC236}">
+                  <a16:creationId xmlns:a16="http://schemas.microsoft.com/office/drawing/2014/main" id="{934F5836-EB02-46FF-BEAF-AC4BA1186835}"/>
+                </a:ext>
+              </a:extLst>
+            </p:cNvPr>
+            <p:cNvSpPr txBox="1"/>
+            <p:nvPr/>
+          </p:nvSpPr>
+          <p:spPr>
+            <a:xfrm>
+              <a:off x="1935245" y="1769453"/>
+              <a:ext cx="721672" cy="369332"/>
+            </a:xfrm>
+            <a:prstGeom prst="rect">
+              <a:avLst/>
+            </a:prstGeom>
+            <a:noFill/>
+          </p:spPr>
+          <p:txBody>
+            <a:bodyPr wrap="none" rtlCol="0">
+              <a:spAutoFit/>
+            </a:bodyPr>
+            <a:lstStyle/>
+            <a:p>
+              <a:r>
+                <a:rPr lang="en-US" altLang="ja-JP" dirty="0"/>
+                <a:t>CI/CD</a:t>
+              </a:r>
+              <a:endParaRPr lang="ja-JP" altLang="en-US" dirty="0"/>
+            </a:p>
+          </p:txBody>
+        </p:sp>
+        <p:sp>
+          <p:nvSpPr>
+            <p:cNvPr id="61" name="テキスト ボックス 60">
+              <a:extLst>
+                <a:ext uri="{FF2B5EF4-FFF2-40B4-BE49-F238E27FC236}">
+                  <a16:creationId xmlns:a16="http://schemas.microsoft.com/office/drawing/2014/main" id="{2B443C93-76DE-478D-811C-8527803D2DB6}"/>
+                </a:ext>
+              </a:extLst>
+            </p:cNvPr>
+            <p:cNvSpPr txBox="1"/>
+            <p:nvPr/>
+          </p:nvSpPr>
+          <p:spPr>
+            <a:xfrm>
+              <a:off x="2096448" y="2801404"/>
+              <a:ext cx="825867" cy="369332"/>
+            </a:xfrm>
+            <a:prstGeom prst="rect">
+              <a:avLst/>
+            </a:prstGeom>
+            <a:noFill/>
+          </p:spPr>
+          <p:txBody>
+            <a:bodyPr wrap="none" rtlCol="0">
+              <a:spAutoFit/>
+            </a:bodyPr>
+            <a:lstStyle/>
+            <a:p>
+              <a:r>
+                <a:rPr lang="en-US" altLang="ja-JP" dirty="0"/>
+                <a:t>git pull</a:t>
+              </a:r>
+              <a:endParaRPr lang="ja-JP" altLang="en-US" dirty="0"/>
+            </a:p>
+          </p:txBody>
+        </p:sp>
+        <p:sp>
+          <p:nvSpPr>
+            <p:cNvPr id="62" name="テキスト ボックス 61">
+              <a:extLst>
+                <a:ext uri="{FF2B5EF4-FFF2-40B4-BE49-F238E27FC236}">
+                  <a16:creationId xmlns:a16="http://schemas.microsoft.com/office/drawing/2014/main" id="{E451C1BA-EBC1-48DA-990B-0A2E9E5600A1}"/>
+                </a:ext>
+              </a:extLst>
+            </p:cNvPr>
+            <p:cNvSpPr txBox="1"/>
+            <p:nvPr/>
+          </p:nvSpPr>
+          <p:spPr>
+            <a:xfrm>
+              <a:off x="4240213" y="2406939"/>
+              <a:ext cx="1234697" cy="369332"/>
+            </a:xfrm>
+            <a:prstGeom prst="rect">
+              <a:avLst/>
+            </a:prstGeom>
+            <a:noFill/>
+          </p:spPr>
+          <p:txBody>
+            <a:bodyPr wrap="none" rtlCol="0">
+              <a:spAutoFit/>
+            </a:bodyPr>
+            <a:lstStyle/>
+            <a:p>
+              <a:r>
+                <a:rPr lang="en-US" altLang="ja-JP" dirty="0" err="1"/>
+                <a:t>nuget</a:t>
+              </a:r>
+              <a:r>
+                <a:rPr lang="en-US" altLang="ja-JP" dirty="0"/>
+                <a:t> push</a:t>
+              </a:r>
+              <a:endParaRPr lang="ja-JP" altLang="en-US" dirty="0"/>
+            </a:p>
+          </p:txBody>
+        </p:sp>
+        <p:sp>
+          <p:nvSpPr>
+            <p:cNvPr id="63" name="テキスト ボックス 62">
+              <a:extLst>
+                <a:ext uri="{FF2B5EF4-FFF2-40B4-BE49-F238E27FC236}">
+                  <a16:creationId xmlns:a16="http://schemas.microsoft.com/office/drawing/2014/main" id="{5412F809-F893-40F4-A7BA-766FA8EC1971}"/>
+                </a:ext>
+              </a:extLst>
+            </p:cNvPr>
+            <p:cNvSpPr txBox="1"/>
+            <p:nvPr/>
+          </p:nvSpPr>
+          <p:spPr>
+            <a:xfrm>
+              <a:off x="4240213" y="5194175"/>
+              <a:ext cx="1234697" cy="369332"/>
+            </a:xfrm>
+            <a:prstGeom prst="rect">
+              <a:avLst/>
+            </a:prstGeom>
+            <a:noFill/>
+          </p:spPr>
+          <p:txBody>
+            <a:bodyPr wrap="none" rtlCol="0">
+              <a:spAutoFit/>
+            </a:bodyPr>
+            <a:lstStyle/>
+            <a:p>
+              <a:r>
+                <a:rPr lang="en-US" altLang="ja-JP" dirty="0" err="1"/>
+                <a:t>nuget</a:t>
+              </a:r>
+              <a:r>
+                <a:rPr lang="en-US" altLang="ja-JP" dirty="0"/>
+                <a:t> push</a:t>
+              </a:r>
+              <a:endParaRPr lang="ja-JP" altLang="en-US" dirty="0"/>
+            </a:p>
+          </p:txBody>
+        </p:sp>
+        <p:sp>
+          <p:nvSpPr>
+            <p:cNvPr id="64" name="テキスト ボックス 63">
+              <a:extLst>
+                <a:ext uri="{FF2B5EF4-FFF2-40B4-BE49-F238E27FC236}">
+                  <a16:creationId xmlns:a16="http://schemas.microsoft.com/office/drawing/2014/main" id="{01565627-E489-411F-9FB5-9978E1C825FD}"/>
+                </a:ext>
+              </a:extLst>
+            </p:cNvPr>
+            <p:cNvSpPr txBox="1"/>
+            <p:nvPr/>
+          </p:nvSpPr>
+          <p:spPr>
+            <a:xfrm>
+              <a:off x="6625250" y="2394803"/>
+              <a:ext cx="1448282" cy="369332"/>
+            </a:xfrm>
+            <a:prstGeom prst="rect">
+              <a:avLst/>
+            </a:prstGeom>
+            <a:noFill/>
+          </p:spPr>
+          <p:txBody>
+            <a:bodyPr wrap="none" rtlCol="0">
+              <a:spAutoFit/>
+            </a:bodyPr>
+            <a:lstStyle/>
+            <a:p>
+              <a:r>
+                <a:rPr lang="en-US" altLang="ja-JP" dirty="0" err="1"/>
+                <a:t>nuget</a:t>
+              </a:r>
+              <a:r>
+                <a:rPr lang="en-US" altLang="ja-JP" dirty="0"/>
+                <a:t> restore</a:t>
+              </a:r>
+              <a:endParaRPr lang="ja-JP" altLang="en-US" dirty="0"/>
+            </a:p>
+          </p:txBody>
+        </p:sp>
+        <p:sp>
+          <p:nvSpPr>
+            <p:cNvPr id="65" name="テキスト ボックス 64">
+              <a:extLst>
+                <a:ext uri="{FF2B5EF4-FFF2-40B4-BE49-F238E27FC236}">
+                  <a16:creationId xmlns:a16="http://schemas.microsoft.com/office/drawing/2014/main" id="{54BF5101-36E2-4270-A970-56A0DDC63468}"/>
+                </a:ext>
+              </a:extLst>
+            </p:cNvPr>
+            <p:cNvSpPr txBox="1"/>
+            <p:nvPr/>
+          </p:nvSpPr>
+          <p:spPr>
+            <a:xfrm>
+              <a:off x="6614140" y="5382524"/>
+              <a:ext cx="1448282" cy="369332"/>
+            </a:xfrm>
+            <a:prstGeom prst="rect">
+              <a:avLst/>
+            </a:prstGeom>
+            <a:noFill/>
+          </p:spPr>
+          <p:txBody>
+            <a:bodyPr wrap="none" rtlCol="0">
+              <a:spAutoFit/>
+            </a:bodyPr>
+            <a:lstStyle/>
+            <a:p>
+              <a:r>
+                <a:rPr lang="en-US" altLang="ja-JP" dirty="0" err="1"/>
+                <a:t>nuget</a:t>
+              </a:r>
+              <a:r>
+                <a:rPr lang="en-US" altLang="ja-JP" dirty="0"/>
+                <a:t> restore</a:t>
+              </a:r>
+              <a:endParaRPr lang="ja-JP" altLang="en-US" dirty="0"/>
+            </a:p>
+          </p:txBody>
+        </p:sp>
+        <p:sp>
+          <p:nvSpPr>
+            <p:cNvPr id="67" name="テキスト ボックス 66">
+              <a:extLst>
+                <a:ext uri="{FF2B5EF4-FFF2-40B4-BE49-F238E27FC236}">
+                  <a16:creationId xmlns:a16="http://schemas.microsoft.com/office/drawing/2014/main" id="{34843F0E-C95B-4264-AB20-4991C73D6F0A}"/>
+                </a:ext>
+              </a:extLst>
+            </p:cNvPr>
+            <p:cNvSpPr txBox="1"/>
+            <p:nvPr/>
+          </p:nvSpPr>
+          <p:spPr>
+            <a:xfrm>
+              <a:off x="8938237" y="4784579"/>
+              <a:ext cx="918841" cy="369332"/>
+            </a:xfrm>
+            <a:prstGeom prst="rect">
+              <a:avLst/>
+            </a:prstGeom>
+            <a:noFill/>
+          </p:spPr>
+          <p:txBody>
+            <a:bodyPr wrap="none" rtlCol="0">
+              <a:spAutoFit/>
+            </a:bodyPr>
+            <a:lstStyle/>
+            <a:p>
+              <a:r>
+                <a:rPr lang="en-US" altLang="ja-JP" dirty="0"/>
+                <a:t>git </a:t>
+              </a:r>
+              <a:r>
+                <a:rPr lang="en-US" altLang="ja-JP" dirty="0" err="1"/>
+                <a:t>puth</a:t>
+              </a:r>
+              <a:endParaRPr lang="ja-JP" altLang="en-US" dirty="0"/>
+            </a:p>
+          </p:txBody>
+        </p:sp>
+        <p:sp>
+          <p:nvSpPr>
+            <p:cNvPr id="68" name="テキスト ボックス 67">
+              <a:extLst>
+                <a:ext uri="{FF2B5EF4-FFF2-40B4-BE49-F238E27FC236}">
+                  <a16:creationId xmlns:a16="http://schemas.microsoft.com/office/drawing/2014/main" id="{725F2EF6-97AC-4CAD-95C1-533805C7BD98}"/>
+                </a:ext>
+              </a:extLst>
+            </p:cNvPr>
+            <p:cNvSpPr txBox="1"/>
+            <p:nvPr/>
+          </p:nvSpPr>
+          <p:spPr>
+            <a:xfrm>
+              <a:off x="8984723" y="2721579"/>
+              <a:ext cx="825867" cy="369332"/>
+            </a:xfrm>
+            <a:prstGeom prst="rect">
+              <a:avLst/>
+            </a:prstGeom>
+            <a:noFill/>
+          </p:spPr>
+          <p:txBody>
+            <a:bodyPr wrap="none" rtlCol="0">
+              <a:spAutoFit/>
+            </a:bodyPr>
+            <a:lstStyle/>
+            <a:p>
+              <a:r>
+                <a:rPr lang="en-US" altLang="ja-JP" dirty="0"/>
+                <a:t>git pull</a:t>
+              </a:r>
+              <a:endParaRPr lang="ja-JP" altLang="en-US" dirty="0"/>
+            </a:p>
+          </p:txBody>
+        </p:sp>
+        <p:sp>
+          <p:nvSpPr>
+            <p:cNvPr id="69" name="テキスト ボックス 68">
+              <a:extLst>
+                <a:ext uri="{FF2B5EF4-FFF2-40B4-BE49-F238E27FC236}">
+                  <a16:creationId xmlns:a16="http://schemas.microsoft.com/office/drawing/2014/main" id="{1678DD19-BB36-4446-B149-EE461607F63B}"/>
+                </a:ext>
+              </a:extLst>
+            </p:cNvPr>
+            <p:cNvSpPr txBox="1"/>
+            <p:nvPr/>
+          </p:nvSpPr>
+          <p:spPr>
+            <a:xfrm>
+              <a:off x="9397656" y="3786392"/>
+              <a:ext cx="664734" cy="369332"/>
+            </a:xfrm>
+            <a:prstGeom prst="rect">
+              <a:avLst/>
+            </a:prstGeom>
+            <a:noFill/>
+          </p:spPr>
+          <p:txBody>
+            <a:bodyPr wrap="none" rtlCol="0">
+              <a:spAutoFit/>
+            </a:bodyPr>
+            <a:lstStyle/>
+            <a:p>
+              <a:r>
+                <a:rPr lang="en-US" altLang="ja-JP" dirty="0"/>
+                <a:t>Repo</a:t>
+              </a:r>
+              <a:endParaRPr lang="ja-JP" altLang="en-US" dirty="0"/>
+            </a:p>
+          </p:txBody>
+        </p:sp>
+        <p:pic>
+          <p:nvPicPr>
+            <p:cNvPr id="71" name="図 70">
+              <a:extLst>
+                <a:ext uri="{FF2B5EF4-FFF2-40B4-BE49-F238E27FC236}">
+                  <a16:creationId xmlns:a16="http://schemas.microsoft.com/office/drawing/2014/main" id="{5A332AB8-A96E-4DEF-B52A-4EFD90EBB0BB}"/>
+                </a:ext>
+              </a:extLst>
+            </p:cNvPr>
+            <p:cNvPicPr>
+              <a:picLocks noChangeAspect="1"/>
+            </p:cNvPicPr>
+            <p:nvPr/>
+          </p:nvPicPr>
+          <p:blipFill>
+            <a:blip r:embed="rId10" cstate="screen">
+              <a:extLst>
+                <a:ext uri="{28A0092B-C50C-407E-A947-70E740481C1C}">
+                  <a14:useLocalDpi xmlns:a14="http://schemas.microsoft.com/office/drawing/2010/main"/>
+                </a:ext>
+              </a:extLst>
+            </a:blip>
+            <a:stretch>
+              <a:fillRect/>
+            </a:stretch>
+          </p:blipFill>
+          <p:spPr>
+            <a:xfrm>
+              <a:off x="61421" y="581976"/>
+              <a:ext cx="842477" cy="842477"/>
+            </a:xfrm>
+            <a:prstGeom prst="rect">
+              <a:avLst/>
+            </a:prstGeom>
+          </p:spPr>
+        </p:pic>
+        <p:cxnSp>
+          <p:nvCxnSpPr>
+            <p:cNvPr id="73" name="コネクタ: カギ線 72">
+              <a:extLst>
+                <a:ext uri="{FF2B5EF4-FFF2-40B4-BE49-F238E27FC236}">
+                  <a16:creationId xmlns:a16="http://schemas.microsoft.com/office/drawing/2014/main" id="{F199D57E-914A-49F4-82A7-429CC0653EEE}"/>
+                </a:ext>
+              </a:extLst>
+            </p:cNvPr>
+            <p:cNvCxnSpPr>
+              <a:cxnSpLocks/>
+            </p:cNvCxnSpPr>
+            <p:nvPr/>
+          </p:nvCxnSpPr>
+          <p:spPr>
+            <a:xfrm rot="16200000" flipH="1">
+              <a:off x="-569408" y="2829913"/>
+              <a:ext cx="4425902" cy="2014604"/>
+            </a:xfrm>
+            <a:prstGeom prst="bentConnector2">
+              <a:avLst/>
+            </a:prstGeom>
+            <a:ln>
+              <a:solidFill>
+                <a:schemeClr val="tx2"/>
+              </a:solidFill>
+              <a:headEnd type="none" w="med" len="med"/>
+              <a:tailEnd type="arrow" w="med" len="med"/>
+            </a:ln>
+          </p:spPr>
+          <p:style>
+            <a:lnRef idx="3">
+              <a:schemeClr val="accent2"/>
+            </a:lnRef>
+            <a:fillRef idx="0">
+              <a:schemeClr val="accent2"/>
+            </a:fillRef>
+            <a:effectRef idx="2">
+              <a:schemeClr val="accent2"/>
+            </a:effectRef>
+            <a:fontRef idx="minor">
+              <a:schemeClr val="tx1"/>
+            </a:fontRef>
+          </p:style>
+        </p:cxnSp>
+        <p:sp>
+          <p:nvSpPr>
+            <p:cNvPr id="76" name="テキスト ボックス 75">
+              <a:extLst>
+                <a:ext uri="{FF2B5EF4-FFF2-40B4-BE49-F238E27FC236}">
+                  <a16:creationId xmlns:a16="http://schemas.microsoft.com/office/drawing/2014/main" id="{3384B7F8-90E9-4614-8F30-60AFBABB021D}"/>
+                </a:ext>
+              </a:extLst>
+            </p:cNvPr>
+            <p:cNvSpPr txBox="1"/>
+            <p:nvPr/>
+          </p:nvSpPr>
+          <p:spPr>
+            <a:xfrm>
+              <a:off x="171649" y="6037392"/>
+              <a:ext cx="1448282" cy="369332"/>
+            </a:xfrm>
+            <a:prstGeom prst="rect">
+              <a:avLst/>
+            </a:prstGeom>
+            <a:noFill/>
+          </p:spPr>
+          <p:txBody>
+            <a:bodyPr wrap="none" rtlCol="0">
+              <a:spAutoFit/>
+            </a:bodyPr>
+            <a:lstStyle/>
+            <a:p>
+              <a:r>
+                <a:rPr lang="en-US" altLang="ja-JP" dirty="0" err="1"/>
+                <a:t>nuget</a:t>
+              </a:r>
+              <a:r>
+                <a:rPr lang="en-US" altLang="ja-JP" dirty="0"/>
+                <a:t> restore</a:t>
+              </a:r>
+              <a:endParaRPr lang="ja-JP" altLang="en-US" dirty="0"/>
+            </a:p>
+          </p:txBody>
+        </p:sp>
+        <p:cxnSp>
+          <p:nvCxnSpPr>
+            <p:cNvPr id="77" name="コネクタ: カギ線 76">
+              <a:extLst>
+                <a:ext uri="{FF2B5EF4-FFF2-40B4-BE49-F238E27FC236}">
+                  <a16:creationId xmlns:a16="http://schemas.microsoft.com/office/drawing/2014/main" id="{A6A83A2F-6369-43AB-811E-74ADD83C0DD2}"/>
+                </a:ext>
+              </a:extLst>
+            </p:cNvPr>
+            <p:cNvCxnSpPr>
+              <a:cxnSpLocks/>
+            </p:cNvCxnSpPr>
+            <p:nvPr/>
+          </p:nvCxnSpPr>
+          <p:spPr>
+            <a:xfrm>
+              <a:off x="1007835" y="922701"/>
+              <a:ext cx="5101368" cy="2631033"/>
+            </a:xfrm>
+            <a:prstGeom prst="bentConnector2">
+              <a:avLst/>
+            </a:prstGeom>
+            <a:ln>
+              <a:solidFill>
+                <a:schemeClr val="tx2"/>
+              </a:solidFill>
+              <a:headEnd type="none" w="med" len="med"/>
+              <a:tailEnd type="arrow" w="med" len="med"/>
+            </a:ln>
+          </p:spPr>
+          <p:style>
+            <a:lnRef idx="3">
+              <a:schemeClr val="accent2"/>
+            </a:lnRef>
+            <a:fillRef idx="0">
+              <a:schemeClr val="accent2"/>
+            </a:fillRef>
+            <a:effectRef idx="2">
+              <a:schemeClr val="accent2"/>
+            </a:effectRef>
+            <a:fontRef idx="minor">
+              <a:schemeClr val="tx1"/>
+            </a:fontRef>
+          </p:style>
+        </p:cxnSp>
+        <p:sp>
+          <p:nvSpPr>
+            <p:cNvPr id="80" name="テキスト ボックス 79">
+              <a:extLst>
+                <a:ext uri="{FF2B5EF4-FFF2-40B4-BE49-F238E27FC236}">
+                  <a16:creationId xmlns:a16="http://schemas.microsoft.com/office/drawing/2014/main" id="{DE8C0430-4805-49EB-8D20-E97A473EF0A8}"/>
+                </a:ext>
+              </a:extLst>
+            </p:cNvPr>
+            <p:cNvSpPr txBox="1"/>
+            <p:nvPr/>
+          </p:nvSpPr>
+          <p:spPr>
+            <a:xfrm>
+              <a:off x="919402" y="553369"/>
+              <a:ext cx="1157368" cy="369332"/>
+            </a:xfrm>
+            <a:prstGeom prst="rect">
+              <a:avLst/>
+            </a:prstGeom>
+            <a:noFill/>
+          </p:spPr>
+          <p:txBody>
+            <a:bodyPr wrap="none" rtlCol="0">
+              <a:spAutoFit/>
+            </a:bodyPr>
+            <a:lstStyle/>
+            <a:p>
+              <a:r>
+                <a:rPr lang="en-US" altLang="ja-JP" dirty="0"/>
+                <a:t>Upstream </a:t>
+              </a:r>
+              <a:endParaRPr lang="ja-JP" altLang="en-US" dirty="0"/>
+            </a:p>
+          </p:txBody>
+        </p:sp>
+        <p:sp>
+          <p:nvSpPr>
+            <p:cNvPr id="82" name="正方形/長方形 81">
+              <a:extLst>
+                <a:ext uri="{FF2B5EF4-FFF2-40B4-BE49-F238E27FC236}">
+                  <a16:creationId xmlns:a16="http://schemas.microsoft.com/office/drawing/2014/main" id="{F8114A35-39BC-4040-90C9-C5ED114865FE}"/>
+                </a:ext>
+              </a:extLst>
+            </p:cNvPr>
+            <p:cNvSpPr/>
+            <p:nvPr/>
+          </p:nvSpPr>
+          <p:spPr>
+            <a:xfrm>
+              <a:off x="1701213" y="1374475"/>
+              <a:ext cx="4279768" cy="5181600"/>
+            </a:xfrm>
+            <a:prstGeom prst="rect">
+              <a:avLst/>
+            </a:prstGeom>
+            <a:noFill/>
+            <a:ln w="28575">
+              <a:prstDash val="dash"/>
+            </a:ln>
+          </p:spPr>
+          <p:style>
+            <a:lnRef idx="2">
+              <a:schemeClr val="accent2"/>
+            </a:lnRef>
+            <a:fillRef idx="1">
+              <a:schemeClr val="lt1"/>
+            </a:fillRef>
+            <a:effectRef idx="0">
+              <a:schemeClr val="accent2"/>
+            </a:effectRef>
+            <a:fontRef idx="minor">
+              <a:schemeClr val="dk1"/>
+            </a:fontRef>
+          </p:style>
+          <p:txBody>
+            <a:bodyPr rtlCol="0" anchor="b"/>
+            <a:lstStyle/>
+            <a:p>
+              <a:pPr algn="r"/>
+              <a:r>
+                <a:rPr kumimoji="1" lang="ja-JP" altLang="en-US" dirty="0"/>
+                <a:t>パッケージ開発</a:t>
+              </a:r>
+              <a:endParaRPr kumimoji="1" lang="en-US" altLang="ja-JP" dirty="0"/>
+            </a:p>
+          </p:txBody>
+        </p:sp>
+        <p:sp>
+          <p:nvSpPr>
+            <p:cNvPr id="83" name="正方形/長方形 82">
+              <a:extLst>
+                <a:ext uri="{FF2B5EF4-FFF2-40B4-BE49-F238E27FC236}">
+                  <a16:creationId xmlns:a16="http://schemas.microsoft.com/office/drawing/2014/main" id="{AB472FEB-CA14-41F6-948F-0A99612D06EA}"/>
+                </a:ext>
+              </a:extLst>
+            </p:cNvPr>
+            <p:cNvSpPr/>
+            <p:nvPr/>
+          </p:nvSpPr>
+          <p:spPr>
+            <a:xfrm>
+              <a:off x="6233542" y="1372494"/>
+              <a:ext cx="5843438" cy="5181600"/>
+            </a:xfrm>
+            <a:prstGeom prst="rect">
+              <a:avLst/>
+            </a:prstGeom>
+            <a:noFill/>
+            <a:ln w="28575">
+              <a:prstDash val="dash"/>
+            </a:ln>
+          </p:spPr>
+          <p:style>
+            <a:lnRef idx="2">
+              <a:schemeClr val="accent2"/>
+            </a:lnRef>
+            <a:fillRef idx="1">
+              <a:schemeClr val="lt1"/>
+            </a:fillRef>
+            <a:effectRef idx="0">
+              <a:schemeClr val="accent2"/>
+            </a:effectRef>
+            <a:fontRef idx="minor">
+              <a:schemeClr val="dk1"/>
+            </a:fontRef>
+          </p:style>
+          <p:txBody>
+            <a:bodyPr rtlCol="0" anchor="b"/>
+            <a:lstStyle/>
+            <a:p>
+              <a:pPr algn="r"/>
+              <a:r>
+                <a:rPr kumimoji="1" lang="ja-JP" altLang="en-US" dirty="0"/>
+                <a:t>アプリ開発</a:t>
+              </a:r>
+              <a:endParaRPr kumimoji="1" lang="en-US" altLang="ja-JP" dirty="0"/>
+            </a:p>
+          </p:txBody>
+        </p:sp>
+      </p:grpSp>
+      <p:sp>
+        <p:nvSpPr>
+          <p:cNvPr id="3" name="楕円 2">
+            <a:extLst>
+              <a:ext uri="{FF2B5EF4-FFF2-40B4-BE49-F238E27FC236}">
+                <a16:creationId xmlns:a16="http://schemas.microsoft.com/office/drawing/2014/main" id="{D0495FB2-C20D-4F76-AF7C-D077E1D5452B}"/>
+              </a:ext>
+            </a:extLst>
+          </p:cNvPr>
+          <p:cNvSpPr/>
+          <p:nvPr/>
+        </p:nvSpPr>
+        <p:spPr>
+          <a:xfrm rot="19951178">
+            <a:off x="5533020" y="1885599"/>
+            <a:ext cx="4444761" cy="2536902"/>
+          </a:xfrm>
+          <a:prstGeom prst="ellipse">
+            <a:avLst/>
+          </a:prstGeom>
+          <a:solidFill>
+            <a:srgbClr val="FFFF00">
+              <a:alpha val="45882"/>
+            </a:srgbClr>
+          </a:solidFill>
+          <a:ln>
+            <a:solidFill>
+              <a:srgbClr val="FFFF00"/>
+            </a:solidFill>
+          </a:ln>
+        </p:spPr>
+        <p:style>
+          <a:lnRef idx="2">
+            <a:schemeClr val="accent1">
+              <a:shade val="50000"/>
+            </a:schemeClr>
+          </a:lnRef>
+          <a:fillRef idx="1">
+            <a:schemeClr val="accent1"/>
+          </a:fillRef>
+          <a:effectRef idx="0">
+            <a:schemeClr val="accent1"/>
+          </a:effectRef>
+          <a:fontRef idx="minor">
+            <a:schemeClr val="lt1"/>
+          </a:fontRef>
+        </p:style>
+        <p:txBody>
+          <a:bodyPr rtlCol="0" anchor="ctr"/>
+          <a:lstStyle/>
+          <a:p>
+            <a:pPr algn="ctr"/>
+            <a:r>
+              <a:rPr kumimoji="1" lang="en-US" altLang="ja-JP" sz="4000" b="1" dirty="0">
+                <a:solidFill>
+                  <a:schemeClr val="tx1"/>
+                </a:solidFill>
+                <a:effectLst>
+                  <a:outerShdw blurRad="38100" dist="38100" dir="2700000" algn="tl">
+                    <a:srgbClr val="000000">
+                      <a:alpha val="43137"/>
+                    </a:srgbClr>
+                  </a:outerShdw>
+                </a:effectLst>
+              </a:rPr>
+              <a:t>DONE</a:t>
+            </a:r>
+            <a:endParaRPr kumimoji="1" lang="ja-JP" altLang="en-US" sz="4000" b="1" dirty="0">
+              <a:solidFill>
+                <a:schemeClr val="tx1"/>
+              </a:solidFill>
+              <a:effectLst>
+                <a:outerShdw blurRad="38100" dist="38100" dir="2700000" algn="tl">
+                  <a:srgbClr val="000000">
+                    <a:alpha val="43137"/>
+                  </a:srgbClr>
+                </a:outerShdw>
+              </a:effectLst>
+            </a:endParaRPr>
+          </a:p>
+        </p:txBody>
+      </p:sp>
+    </p:spTree>
+    <p:extLst>
+      <p:ext uri="{BB962C8B-B14F-4D97-AF65-F5344CB8AC3E}">
+        <p14:creationId xmlns:p14="http://schemas.microsoft.com/office/powerpoint/2010/main" val="2080607197"/>
       </p:ext>
     </p:extLst>
   </p:cSld>
@@ -10896,6 +12657,1655 @@
           <a:chExt cx="0" cy="0"/>
         </a:xfrm>
       </p:grpSpPr>
+      <p:grpSp>
+        <p:nvGrpSpPr>
+          <p:cNvPr id="84" name="グループ化 83">
+            <a:extLst>
+              <a:ext uri="{FF2B5EF4-FFF2-40B4-BE49-F238E27FC236}">
+                <a16:creationId xmlns:a16="http://schemas.microsoft.com/office/drawing/2014/main" id="{C16B93D5-3781-4C21-AE88-A6AE2894D59B}"/>
+              </a:ext>
+            </a:extLst>
+          </p:cNvPr>
+          <p:cNvGrpSpPr/>
+          <p:nvPr/>
+        </p:nvGrpSpPr>
+        <p:grpSpPr>
+          <a:xfrm>
+            <a:off x="61421" y="553369"/>
+            <a:ext cx="12015559" cy="6002706"/>
+            <a:chOff x="61421" y="553369"/>
+            <a:chExt cx="12015559" cy="6002706"/>
+          </a:xfrm>
+        </p:grpSpPr>
+        <p:pic>
+          <p:nvPicPr>
+            <p:cNvPr id="10" name="グラフィックス 9">
+              <a:extLst>
+                <a:ext uri="{FF2B5EF4-FFF2-40B4-BE49-F238E27FC236}">
+                  <a16:creationId xmlns:a16="http://schemas.microsoft.com/office/drawing/2014/main" id="{720C8AEA-BD22-4FF4-BFBC-5D43E880A0D0}"/>
+                </a:ext>
+              </a:extLst>
+            </p:cNvPr>
+            <p:cNvPicPr>
+              <a:picLocks noChangeAspect="1"/>
+            </p:cNvPicPr>
+            <p:nvPr/>
+          </p:nvPicPr>
+          <p:blipFill>
+            <a:blip r:embed="rId2">
+              <a:extLst>
+                <a:ext uri="{28A0092B-C50C-407E-A947-70E740481C1C}">
+                  <a14:useLocalDpi xmlns:a14="http://schemas.microsoft.com/office/drawing/2010/main"/>
+                </a:ext>
+                <a:ext uri="{96DAC541-7B7A-43D3-8B79-37D633B846F1}">
+                  <asvg:svgBlip xmlns:asvg="http://schemas.microsoft.com/office/drawing/2016/SVG/main" r:embed="rId3"/>
+                </a:ext>
+              </a:extLst>
+            </a:blip>
+            <a:stretch>
+              <a:fillRect/>
+            </a:stretch>
+          </p:blipFill>
+          <p:spPr>
+            <a:xfrm>
+              <a:off x="2649820" y="3612817"/>
+              <a:ext cx="794528" cy="794528"/>
+            </a:xfrm>
+            <a:prstGeom prst="rect">
+              <a:avLst/>
+            </a:prstGeom>
+          </p:spPr>
+        </p:pic>
+        <p:pic>
+          <p:nvPicPr>
+            <p:cNvPr id="12" name="グラフィックス 11">
+              <a:extLst>
+                <a:ext uri="{FF2B5EF4-FFF2-40B4-BE49-F238E27FC236}">
+                  <a16:creationId xmlns:a16="http://schemas.microsoft.com/office/drawing/2014/main" id="{59F2698E-6E6B-4F4F-B4AA-A6FCA5D5F8C0}"/>
+                </a:ext>
+              </a:extLst>
+            </p:cNvPr>
+            <p:cNvPicPr>
+              <a:picLocks noChangeAspect="1"/>
+            </p:cNvPicPr>
+            <p:nvPr/>
+          </p:nvPicPr>
+          <p:blipFill>
+            <a:blip r:embed="rId4">
+              <a:extLst>
+                <a:ext uri="{28A0092B-C50C-407E-A947-70E740481C1C}">
+                  <a14:useLocalDpi xmlns:a14="http://schemas.microsoft.com/office/drawing/2010/main"/>
+                </a:ext>
+                <a:ext uri="{96DAC541-7B7A-43D3-8B79-37D633B846F1}">
+                  <asvg:svgBlip xmlns:asvg="http://schemas.microsoft.com/office/drawing/2016/SVG/main" r:embed="rId5"/>
+                </a:ext>
+              </a:extLst>
+            </a:blip>
+            <a:stretch>
+              <a:fillRect/>
+            </a:stretch>
+          </p:blipFill>
+          <p:spPr>
+            <a:xfrm>
+              <a:off x="5721868" y="3634248"/>
+              <a:ext cx="751666" cy="751666"/>
+            </a:xfrm>
+            <a:prstGeom prst="rect">
+              <a:avLst/>
+            </a:prstGeom>
+          </p:spPr>
+        </p:pic>
+        <p:sp>
+          <p:nvSpPr>
+            <p:cNvPr id="15" name="テキスト ボックス 14">
+              <a:extLst>
+                <a:ext uri="{FF2B5EF4-FFF2-40B4-BE49-F238E27FC236}">
+                  <a16:creationId xmlns:a16="http://schemas.microsoft.com/office/drawing/2014/main" id="{593F3F33-FE94-4004-A7B4-F51A58ED8514}"/>
+                </a:ext>
+              </a:extLst>
+            </p:cNvPr>
+            <p:cNvSpPr txBox="1"/>
+            <p:nvPr/>
+          </p:nvSpPr>
+          <p:spPr>
+            <a:xfrm>
+              <a:off x="5610223" y="4445734"/>
+              <a:ext cx="968855" cy="369332"/>
+            </a:xfrm>
+            <a:prstGeom prst="rect">
+              <a:avLst/>
+            </a:prstGeom>
+            <a:noFill/>
+          </p:spPr>
+          <p:txBody>
+            <a:bodyPr wrap="none" rtlCol="0">
+              <a:spAutoFit/>
+            </a:bodyPr>
+            <a:lstStyle/>
+            <a:p>
+              <a:r>
+                <a:rPr lang="en-US" altLang="ja-JP" dirty="0"/>
+                <a:t>Artifacts</a:t>
+              </a:r>
+              <a:endParaRPr lang="ja-JP" altLang="en-US" dirty="0"/>
+            </a:p>
+          </p:txBody>
+        </p:sp>
+        <p:pic>
+          <p:nvPicPr>
+            <p:cNvPr id="17" name="グラフィックス 16">
+              <a:extLst>
+                <a:ext uri="{FF2B5EF4-FFF2-40B4-BE49-F238E27FC236}">
+                  <a16:creationId xmlns:a16="http://schemas.microsoft.com/office/drawing/2014/main" id="{2C9AE163-4931-46B1-A829-8A8A39AEF535}"/>
+                </a:ext>
+              </a:extLst>
+            </p:cNvPr>
+            <p:cNvPicPr>
+              <a:picLocks noChangeAspect="1"/>
+            </p:cNvPicPr>
+            <p:nvPr/>
+          </p:nvPicPr>
+          <p:blipFill>
+            <a:blip r:embed="rId2">
+              <a:extLst>
+                <a:ext uri="{28A0092B-C50C-407E-A947-70E740481C1C}">
+                  <a14:useLocalDpi xmlns:a14="http://schemas.microsoft.com/office/drawing/2010/main"/>
+                </a:ext>
+                <a:ext uri="{96DAC541-7B7A-43D3-8B79-37D633B846F1}">
+                  <asvg:svgBlip xmlns:asvg="http://schemas.microsoft.com/office/drawing/2016/SVG/main" r:embed="rId3"/>
+                </a:ext>
+              </a:extLst>
+            </a:blip>
+            <a:stretch>
+              <a:fillRect/>
+            </a:stretch>
+          </p:blipFill>
+          <p:spPr>
+            <a:xfrm>
+              <a:off x="8488138" y="3573794"/>
+              <a:ext cx="794528" cy="794528"/>
+            </a:xfrm>
+            <a:prstGeom prst="rect">
+              <a:avLst/>
+            </a:prstGeom>
+          </p:spPr>
+        </p:pic>
+        <p:pic>
+          <p:nvPicPr>
+            <p:cNvPr id="24" name="Shape 416">
+              <a:extLst>
+                <a:ext uri="{FF2B5EF4-FFF2-40B4-BE49-F238E27FC236}">
+                  <a16:creationId xmlns:a16="http://schemas.microsoft.com/office/drawing/2014/main" id="{660F51C7-BF8B-4B31-B2D0-BF443A2BF131}"/>
+                </a:ext>
+              </a:extLst>
+            </p:cNvPr>
+            <p:cNvPicPr preferRelativeResize="0">
+              <a:picLocks noChangeAspect="1"/>
+            </p:cNvPicPr>
+            <p:nvPr/>
+          </p:nvPicPr>
+          <p:blipFill>
+            <a:blip r:embed="rId6" cstate="screen">
+              <a:alphaModFix/>
+              <a:extLst>
+                <a:ext uri="{28A0092B-C50C-407E-A947-70E740481C1C}">
+                  <a14:useLocalDpi xmlns:a14="http://schemas.microsoft.com/office/drawing/2010/main"/>
+                </a:ext>
+              </a:extLst>
+            </a:blip>
+            <a:stretch>
+              <a:fillRect/>
+            </a:stretch>
+          </p:blipFill>
+          <p:spPr>
+            <a:xfrm>
+              <a:off x="2725608" y="5690796"/>
+              <a:ext cx="718740" cy="718740"/>
+            </a:xfrm>
+            <a:prstGeom prst="rect">
+              <a:avLst/>
+            </a:prstGeom>
+            <a:noFill/>
+            <a:ln>
+              <a:noFill/>
+            </a:ln>
+          </p:spPr>
+        </p:pic>
+        <p:pic>
+          <p:nvPicPr>
+            <p:cNvPr id="14" name="グラフィックス 13">
+              <a:extLst>
+                <a:ext uri="{FF2B5EF4-FFF2-40B4-BE49-F238E27FC236}">
+                  <a16:creationId xmlns:a16="http://schemas.microsoft.com/office/drawing/2014/main" id="{ED1EF8A9-A307-4EDC-BBEA-5F2FC7A0E61B}"/>
+                </a:ext>
+              </a:extLst>
+            </p:cNvPr>
+            <p:cNvPicPr>
+              <a:picLocks noChangeAspect="1"/>
+            </p:cNvPicPr>
+            <p:nvPr/>
+          </p:nvPicPr>
+          <p:blipFill>
+            <a:blip r:embed="rId7">
+              <a:extLst>
+                <a:ext uri="{28A0092B-C50C-407E-A947-70E740481C1C}">
+                  <a14:useLocalDpi xmlns:a14="http://schemas.microsoft.com/office/drawing/2010/main"/>
+                </a:ext>
+                <a:ext uri="{96DAC541-7B7A-43D3-8B79-37D633B846F1}">
+                  <asvg:svgBlip xmlns:asvg="http://schemas.microsoft.com/office/drawing/2016/SVG/main" r:embed="rId8"/>
+                </a:ext>
+              </a:extLst>
+            </a:blip>
+            <a:stretch>
+              <a:fillRect/>
+            </a:stretch>
+          </p:blipFill>
+          <p:spPr>
+            <a:xfrm>
+              <a:off x="2743311" y="1586913"/>
+              <a:ext cx="683333" cy="683333"/>
+            </a:xfrm>
+            <a:prstGeom prst="rect">
+              <a:avLst/>
+            </a:prstGeom>
+          </p:spPr>
+        </p:pic>
+        <p:cxnSp>
+          <p:nvCxnSpPr>
+            <p:cNvPr id="27" name="直線矢印コネクタ 26">
+              <a:extLst>
+                <a:ext uri="{FF2B5EF4-FFF2-40B4-BE49-F238E27FC236}">
+                  <a16:creationId xmlns:a16="http://schemas.microsoft.com/office/drawing/2014/main" id="{FC5C5E18-6E1F-412C-887F-BFB0120CDB48}"/>
+                </a:ext>
+              </a:extLst>
+            </p:cNvPr>
+            <p:cNvCxnSpPr>
+              <a:cxnSpLocks/>
+            </p:cNvCxnSpPr>
+            <p:nvPr/>
+          </p:nvCxnSpPr>
+          <p:spPr>
+            <a:xfrm flipH="1" flipV="1">
+              <a:off x="3047085" y="4530039"/>
+              <a:ext cx="6275" cy="1089095"/>
+            </a:xfrm>
+            <a:prstGeom prst="straightConnector1">
+              <a:avLst/>
+            </a:prstGeom>
+            <a:ln>
+              <a:solidFill>
+                <a:schemeClr val="tx2"/>
+              </a:solidFill>
+              <a:headEnd type="none" w="med" len="med"/>
+              <a:tailEnd type="arrow" w="med" len="med"/>
+            </a:ln>
+          </p:spPr>
+          <p:style>
+            <a:lnRef idx="3">
+              <a:schemeClr val="accent2"/>
+            </a:lnRef>
+            <a:fillRef idx="0">
+              <a:schemeClr val="accent2"/>
+            </a:fillRef>
+            <a:effectRef idx="2">
+              <a:schemeClr val="accent2"/>
+            </a:effectRef>
+            <a:fontRef idx="minor">
+              <a:schemeClr val="tx1"/>
+            </a:fontRef>
+          </p:style>
+        </p:cxnSp>
+        <p:cxnSp>
+          <p:nvCxnSpPr>
+            <p:cNvPr id="30" name="直線矢印コネクタ 29">
+              <a:extLst>
+                <a:ext uri="{FF2B5EF4-FFF2-40B4-BE49-F238E27FC236}">
+                  <a16:creationId xmlns:a16="http://schemas.microsoft.com/office/drawing/2014/main" id="{75F0A3E6-41DE-4C3E-8437-B3E0526234C0}"/>
+                </a:ext>
+              </a:extLst>
+            </p:cNvPr>
+            <p:cNvCxnSpPr>
+              <a:cxnSpLocks/>
+            </p:cNvCxnSpPr>
+            <p:nvPr/>
+          </p:nvCxnSpPr>
+          <p:spPr>
+            <a:xfrm flipV="1">
+              <a:off x="3600911" y="4319772"/>
+              <a:ext cx="1873999" cy="1371025"/>
+            </a:xfrm>
+            <a:prstGeom prst="straightConnector1">
+              <a:avLst/>
+            </a:prstGeom>
+            <a:ln>
+              <a:solidFill>
+                <a:schemeClr val="tx2"/>
+              </a:solidFill>
+              <a:headEnd type="none" w="med" len="med"/>
+              <a:tailEnd type="arrow" w="med" len="med"/>
+            </a:ln>
+          </p:spPr>
+          <p:style>
+            <a:lnRef idx="3">
+              <a:schemeClr val="accent2"/>
+            </a:lnRef>
+            <a:fillRef idx="0">
+              <a:schemeClr val="accent2"/>
+            </a:fillRef>
+            <a:effectRef idx="2">
+              <a:schemeClr val="accent2"/>
+            </a:effectRef>
+            <a:fontRef idx="minor">
+              <a:schemeClr val="tx1"/>
+            </a:fontRef>
+          </p:style>
+        </p:cxnSp>
+        <p:pic>
+          <p:nvPicPr>
+            <p:cNvPr id="32" name="グラフィックス 31">
+              <a:extLst>
+                <a:ext uri="{FF2B5EF4-FFF2-40B4-BE49-F238E27FC236}">
+                  <a16:creationId xmlns:a16="http://schemas.microsoft.com/office/drawing/2014/main" id="{B61730B1-1D60-4927-9797-8725CA32187A}"/>
+                </a:ext>
+              </a:extLst>
+            </p:cNvPr>
+            <p:cNvPicPr>
+              <a:picLocks noChangeAspect="1"/>
+            </p:cNvPicPr>
+            <p:nvPr/>
+          </p:nvPicPr>
+          <p:blipFill>
+            <a:blip r:embed="rId7">
+              <a:extLst>
+                <a:ext uri="{28A0092B-C50C-407E-A947-70E740481C1C}">
+                  <a14:useLocalDpi xmlns:a14="http://schemas.microsoft.com/office/drawing/2010/main"/>
+                </a:ext>
+                <a:ext uri="{96DAC541-7B7A-43D3-8B79-37D633B846F1}">
+                  <asvg:svgBlip xmlns:asvg="http://schemas.microsoft.com/office/drawing/2016/SVG/main" r:embed="rId8"/>
+                </a:ext>
+              </a:extLst>
+            </a:blip>
+            <a:stretch>
+              <a:fillRect/>
+            </a:stretch>
+          </p:blipFill>
+          <p:spPr>
+            <a:xfrm>
+              <a:off x="8543735" y="1567987"/>
+              <a:ext cx="683333" cy="683333"/>
+            </a:xfrm>
+            <a:prstGeom prst="rect">
+              <a:avLst/>
+            </a:prstGeom>
+          </p:spPr>
+        </p:pic>
+        <p:pic>
+          <p:nvPicPr>
+            <p:cNvPr id="42" name="Shape 416">
+              <a:extLst>
+                <a:ext uri="{FF2B5EF4-FFF2-40B4-BE49-F238E27FC236}">
+                  <a16:creationId xmlns:a16="http://schemas.microsoft.com/office/drawing/2014/main" id="{A8B43CDF-DCB2-461A-9186-3843B2BC2797}"/>
+                </a:ext>
+              </a:extLst>
+            </p:cNvPr>
+            <p:cNvPicPr preferRelativeResize="0">
+              <a:picLocks noChangeAspect="1"/>
+            </p:cNvPicPr>
+            <p:nvPr/>
+          </p:nvPicPr>
+          <p:blipFill>
+            <a:blip r:embed="rId6" cstate="screen">
+              <a:alphaModFix/>
+              <a:extLst>
+                <a:ext uri="{28A0092B-C50C-407E-A947-70E740481C1C}">
+                  <a14:useLocalDpi xmlns:a14="http://schemas.microsoft.com/office/drawing/2010/main"/>
+                </a:ext>
+              </a:extLst>
+            </a:blip>
+            <a:stretch>
+              <a:fillRect/>
+            </a:stretch>
+          </p:blipFill>
+          <p:spPr>
+            <a:xfrm>
+              <a:off x="8569421" y="5503318"/>
+              <a:ext cx="718740" cy="718740"/>
+            </a:xfrm>
+            <a:prstGeom prst="rect">
+              <a:avLst/>
+            </a:prstGeom>
+            <a:noFill/>
+            <a:ln>
+              <a:noFill/>
+            </a:ln>
+          </p:spPr>
+        </p:pic>
+        <p:cxnSp>
+          <p:nvCxnSpPr>
+            <p:cNvPr id="43" name="直線矢印コネクタ 42">
+              <a:extLst>
+                <a:ext uri="{FF2B5EF4-FFF2-40B4-BE49-F238E27FC236}">
+                  <a16:creationId xmlns:a16="http://schemas.microsoft.com/office/drawing/2014/main" id="{3EB39C53-19B6-4A7C-AAA7-1AEE719AA421}"/>
+                </a:ext>
+              </a:extLst>
+            </p:cNvPr>
+            <p:cNvCxnSpPr>
+              <a:cxnSpLocks/>
+            </p:cNvCxnSpPr>
+            <p:nvPr/>
+          </p:nvCxnSpPr>
+          <p:spPr>
+            <a:xfrm>
+              <a:off x="6614140" y="4319771"/>
+              <a:ext cx="1873999" cy="1371025"/>
+            </a:xfrm>
+            <a:prstGeom prst="straightConnector1">
+              <a:avLst/>
+            </a:prstGeom>
+            <a:ln>
+              <a:solidFill>
+                <a:schemeClr val="tx2"/>
+              </a:solidFill>
+              <a:headEnd type="none" w="med" len="med"/>
+              <a:tailEnd type="arrow" w="med" len="med"/>
+            </a:ln>
+          </p:spPr>
+          <p:style>
+            <a:lnRef idx="3">
+              <a:schemeClr val="accent2"/>
+            </a:lnRef>
+            <a:fillRef idx="0">
+              <a:schemeClr val="accent2"/>
+            </a:fillRef>
+            <a:effectRef idx="2">
+              <a:schemeClr val="accent2"/>
+            </a:effectRef>
+            <a:fontRef idx="minor">
+              <a:schemeClr val="tx1"/>
+            </a:fontRef>
+          </p:style>
+        </p:cxnSp>
+        <p:cxnSp>
+          <p:nvCxnSpPr>
+            <p:cNvPr id="44" name="直線矢印コネクタ 43">
+              <a:extLst>
+                <a:ext uri="{FF2B5EF4-FFF2-40B4-BE49-F238E27FC236}">
+                  <a16:creationId xmlns:a16="http://schemas.microsoft.com/office/drawing/2014/main" id="{B4D6D5B9-F3DA-40F6-9A2A-CFCAFCCD69DB}"/>
+                </a:ext>
+              </a:extLst>
+            </p:cNvPr>
+            <p:cNvCxnSpPr>
+              <a:cxnSpLocks/>
+              <a:stCxn id="42" idx="0"/>
+            </p:cNvCxnSpPr>
+            <p:nvPr/>
+          </p:nvCxnSpPr>
+          <p:spPr>
+            <a:xfrm flipH="1" flipV="1">
+              <a:off x="8917999" y="4407346"/>
+              <a:ext cx="10793" cy="1095973"/>
+            </a:xfrm>
+            <a:prstGeom prst="straightConnector1">
+              <a:avLst/>
+            </a:prstGeom>
+            <a:ln>
+              <a:solidFill>
+                <a:schemeClr val="tx2"/>
+              </a:solidFill>
+              <a:headEnd type="none" w="med" len="med"/>
+              <a:tailEnd type="arrow" w="med" len="med"/>
+            </a:ln>
+          </p:spPr>
+          <p:style>
+            <a:lnRef idx="3">
+              <a:schemeClr val="accent2"/>
+            </a:lnRef>
+            <a:fillRef idx="0">
+              <a:schemeClr val="accent2"/>
+            </a:fillRef>
+            <a:effectRef idx="2">
+              <a:schemeClr val="accent2"/>
+            </a:effectRef>
+            <a:fontRef idx="minor">
+              <a:schemeClr val="tx1"/>
+            </a:fontRef>
+          </p:style>
+        </p:cxnSp>
+        <p:cxnSp>
+          <p:nvCxnSpPr>
+            <p:cNvPr id="47" name="直線矢印コネクタ 46">
+              <a:extLst>
+                <a:ext uri="{FF2B5EF4-FFF2-40B4-BE49-F238E27FC236}">
+                  <a16:creationId xmlns:a16="http://schemas.microsoft.com/office/drawing/2014/main" id="{3D4096D5-8795-47EC-A6C4-204691CA7C38}"/>
+                </a:ext>
+              </a:extLst>
+            </p:cNvPr>
+            <p:cNvCxnSpPr>
+              <a:cxnSpLocks/>
+            </p:cNvCxnSpPr>
+            <p:nvPr/>
+          </p:nvCxnSpPr>
+          <p:spPr>
+            <a:xfrm flipH="1" flipV="1">
+              <a:off x="8909381" y="2394803"/>
+              <a:ext cx="10793" cy="1095973"/>
+            </a:xfrm>
+            <a:prstGeom prst="straightConnector1">
+              <a:avLst/>
+            </a:prstGeom>
+            <a:ln>
+              <a:solidFill>
+                <a:schemeClr val="tx2"/>
+              </a:solidFill>
+              <a:headEnd type="none" w="med" len="med"/>
+              <a:tailEnd type="arrow" w="med" len="med"/>
+            </a:ln>
+          </p:spPr>
+          <p:style>
+            <a:lnRef idx="3">
+              <a:schemeClr val="accent2"/>
+            </a:lnRef>
+            <a:fillRef idx="0">
+              <a:schemeClr val="accent2"/>
+            </a:fillRef>
+            <a:effectRef idx="2">
+              <a:schemeClr val="accent2"/>
+            </a:effectRef>
+            <a:fontRef idx="minor">
+              <a:schemeClr val="tx1"/>
+            </a:fontRef>
+          </p:style>
+        </p:cxnSp>
+        <p:sp>
+          <p:nvSpPr>
+            <p:cNvPr id="48" name="テキスト ボックス 47">
+              <a:extLst>
+                <a:ext uri="{FF2B5EF4-FFF2-40B4-BE49-F238E27FC236}">
+                  <a16:creationId xmlns:a16="http://schemas.microsoft.com/office/drawing/2014/main" id="{3D97A6D8-16BB-485A-9DA8-145FC9A77963}"/>
+                </a:ext>
+              </a:extLst>
+            </p:cNvPr>
+            <p:cNvSpPr txBox="1"/>
+            <p:nvPr/>
+          </p:nvSpPr>
+          <p:spPr>
+            <a:xfrm>
+              <a:off x="1844480" y="3832453"/>
+              <a:ext cx="664734" cy="369332"/>
+            </a:xfrm>
+            <a:prstGeom prst="rect">
+              <a:avLst/>
+            </a:prstGeom>
+            <a:noFill/>
+          </p:spPr>
+          <p:txBody>
+            <a:bodyPr wrap="none" rtlCol="0">
+              <a:spAutoFit/>
+            </a:bodyPr>
+            <a:lstStyle/>
+            <a:p>
+              <a:r>
+                <a:rPr lang="en-US" altLang="ja-JP" dirty="0"/>
+                <a:t>Repo</a:t>
+              </a:r>
+              <a:endParaRPr lang="ja-JP" altLang="en-US" dirty="0"/>
+            </a:p>
+          </p:txBody>
+        </p:sp>
+        <p:cxnSp>
+          <p:nvCxnSpPr>
+            <p:cNvPr id="50" name="直線矢印コネクタ 49">
+              <a:extLst>
+                <a:ext uri="{FF2B5EF4-FFF2-40B4-BE49-F238E27FC236}">
+                  <a16:creationId xmlns:a16="http://schemas.microsoft.com/office/drawing/2014/main" id="{4576B0ED-E3A2-402B-95D4-CEB6A9651DE3}"/>
+                </a:ext>
+              </a:extLst>
+            </p:cNvPr>
+            <p:cNvCxnSpPr>
+              <a:cxnSpLocks/>
+            </p:cNvCxnSpPr>
+            <p:nvPr/>
+          </p:nvCxnSpPr>
+          <p:spPr>
+            <a:xfrm flipV="1">
+              <a:off x="6634378" y="2311784"/>
+              <a:ext cx="1873999" cy="1371025"/>
+            </a:xfrm>
+            <a:prstGeom prst="straightConnector1">
+              <a:avLst/>
+            </a:prstGeom>
+            <a:ln>
+              <a:solidFill>
+                <a:schemeClr val="tx2"/>
+              </a:solidFill>
+              <a:headEnd type="none" w="med" len="med"/>
+              <a:tailEnd type="arrow" w="med" len="med"/>
+            </a:ln>
+          </p:spPr>
+          <p:style>
+            <a:lnRef idx="3">
+              <a:schemeClr val="accent2"/>
+            </a:lnRef>
+            <a:fillRef idx="0">
+              <a:schemeClr val="accent2"/>
+            </a:fillRef>
+            <a:effectRef idx="2">
+              <a:schemeClr val="accent2"/>
+            </a:effectRef>
+            <a:fontRef idx="minor">
+              <a:schemeClr val="tx1"/>
+            </a:fontRef>
+          </p:style>
+        </p:cxnSp>
+        <p:cxnSp>
+          <p:nvCxnSpPr>
+            <p:cNvPr id="51" name="直線矢印コネクタ 50">
+              <a:extLst>
+                <a:ext uri="{FF2B5EF4-FFF2-40B4-BE49-F238E27FC236}">
+                  <a16:creationId xmlns:a16="http://schemas.microsoft.com/office/drawing/2014/main" id="{BB8064F3-48AB-4E34-9DCC-07FA305B4D2D}"/>
+                </a:ext>
+              </a:extLst>
+            </p:cNvPr>
+            <p:cNvCxnSpPr>
+              <a:cxnSpLocks/>
+            </p:cNvCxnSpPr>
+            <p:nvPr/>
+          </p:nvCxnSpPr>
+          <p:spPr>
+            <a:xfrm>
+              <a:off x="9399856" y="1954119"/>
+              <a:ext cx="1483341" cy="0"/>
+            </a:xfrm>
+            <a:prstGeom prst="straightConnector1">
+              <a:avLst/>
+            </a:prstGeom>
+            <a:ln>
+              <a:solidFill>
+                <a:schemeClr val="tx2"/>
+              </a:solidFill>
+              <a:headEnd type="none" w="med" len="med"/>
+              <a:tailEnd type="arrow" w="med" len="med"/>
+            </a:ln>
+          </p:spPr>
+          <p:style>
+            <a:lnRef idx="3">
+              <a:schemeClr val="accent2"/>
+            </a:lnRef>
+            <a:fillRef idx="0">
+              <a:schemeClr val="accent2"/>
+            </a:fillRef>
+            <a:effectRef idx="2">
+              <a:schemeClr val="accent2"/>
+            </a:effectRef>
+            <a:fontRef idx="minor">
+              <a:schemeClr val="tx1"/>
+            </a:fontRef>
+          </p:style>
+        </p:cxnSp>
+        <p:pic>
+          <p:nvPicPr>
+            <p:cNvPr id="55" name="図 54">
+              <a:extLst>
+                <a:ext uri="{FF2B5EF4-FFF2-40B4-BE49-F238E27FC236}">
+                  <a16:creationId xmlns:a16="http://schemas.microsoft.com/office/drawing/2014/main" id="{66E8A794-85CA-4E25-B768-94A1A213C59F}"/>
+                </a:ext>
+              </a:extLst>
+            </p:cNvPr>
+            <p:cNvPicPr>
+              <a:picLocks noChangeAspect="1"/>
+            </p:cNvPicPr>
+            <p:nvPr/>
+          </p:nvPicPr>
+          <p:blipFill>
+            <a:blip r:embed="rId9" cstate="screen">
+              <a:extLst>
+                <a:ext uri="{28A0092B-C50C-407E-A947-70E740481C1C}">
+                  <a14:useLocalDpi xmlns:a14="http://schemas.microsoft.com/office/drawing/2010/main"/>
+                </a:ext>
+              </a:extLst>
+            </a:blip>
+            <a:stretch>
+              <a:fillRect/>
+            </a:stretch>
+          </p:blipFill>
+          <p:spPr>
+            <a:xfrm>
+              <a:off x="11055985" y="1667954"/>
+              <a:ext cx="822535" cy="641445"/>
+            </a:xfrm>
+            <a:prstGeom prst="rect">
+              <a:avLst/>
+            </a:prstGeom>
+          </p:spPr>
+        </p:pic>
+        <p:sp>
+          <p:nvSpPr>
+            <p:cNvPr id="56" name="テキスト ボックス 55">
+              <a:extLst>
+                <a:ext uri="{FF2B5EF4-FFF2-40B4-BE49-F238E27FC236}">
+                  <a16:creationId xmlns:a16="http://schemas.microsoft.com/office/drawing/2014/main" id="{AE21E99E-D7E9-4F0B-877A-84CCF3A7ACF3}"/>
+                </a:ext>
+              </a:extLst>
+            </p:cNvPr>
+            <p:cNvSpPr txBox="1"/>
+            <p:nvPr/>
+          </p:nvSpPr>
+          <p:spPr>
+            <a:xfrm>
+              <a:off x="10913254" y="2394803"/>
+              <a:ext cx="1107996" cy="369332"/>
+            </a:xfrm>
+            <a:prstGeom prst="rect">
+              <a:avLst/>
+            </a:prstGeom>
+            <a:noFill/>
+          </p:spPr>
+          <p:txBody>
+            <a:bodyPr wrap="none" rtlCol="0">
+              <a:spAutoFit/>
+            </a:bodyPr>
+            <a:lstStyle/>
+            <a:p>
+              <a:r>
+                <a:rPr lang="ja-JP" altLang="en-US" dirty="0"/>
+                <a:t>実行環境</a:t>
+              </a:r>
+            </a:p>
+          </p:txBody>
+        </p:sp>
+        <p:sp>
+          <p:nvSpPr>
+            <p:cNvPr id="57" name="テキスト ボックス 56">
+              <a:extLst>
+                <a:ext uri="{FF2B5EF4-FFF2-40B4-BE49-F238E27FC236}">
+                  <a16:creationId xmlns:a16="http://schemas.microsoft.com/office/drawing/2014/main" id="{C01B2973-B9F5-484C-8F9E-A62F3F841124}"/>
+                </a:ext>
+              </a:extLst>
+            </p:cNvPr>
+            <p:cNvSpPr txBox="1"/>
+            <p:nvPr/>
+          </p:nvSpPr>
+          <p:spPr>
+            <a:xfrm>
+              <a:off x="2049962" y="4864404"/>
+              <a:ext cx="918841" cy="369332"/>
+            </a:xfrm>
+            <a:prstGeom prst="rect">
+              <a:avLst/>
+            </a:prstGeom>
+            <a:noFill/>
+          </p:spPr>
+          <p:txBody>
+            <a:bodyPr wrap="none" rtlCol="0">
+              <a:spAutoFit/>
+            </a:bodyPr>
+            <a:lstStyle/>
+            <a:p>
+              <a:r>
+                <a:rPr lang="en-US" altLang="ja-JP" dirty="0"/>
+                <a:t>git </a:t>
+              </a:r>
+              <a:r>
+                <a:rPr lang="en-US" altLang="ja-JP" dirty="0" err="1"/>
+                <a:t>puth</a:t>
+              </a:r>
+              <a:endParaRPr lang="ja-JP" altLang="en-US" dirty="0"/>
+            </a:p>
+          </p:txBody>
+        </p:sp>
+        <p:cxnSp>
+          <p:nvCxnSpPr>
+            <p:cNvPr id="58" name="直線矢印コネクタ 57">
+              <a:extLst>
+                <a:ext uri="{FF2B5EF4-FFF2-40B4-BE49-F238E27FC236}">
+                  <a16:creationId xmlns:a16="http://schemas.microsoft.com/office/drawing/2014/main" id="{B03F5E69-6B91-49A0-BAA9-E5D5989BDE2F}"/>
+                </a:ext>
+              </a:extLst>
+            </p:cNvPr>
+            <p:cNvCxnSpPr>
+              <a:cxnSpLocks/>
+            </p:cNvCxnSpPr>
+            <p:nvPr/>
+          </p:nvCxnSpPr>
+          <p:spPr>
+            <a:xfrm flipH="1" flipV="1">
+              <a:off x="3013896" y="2406939"/>
+              <a:ext cx="10793" cy="1095973"/>
+            </a:xfrm>
+            <a:prstGeom prst="straightConnector1">
+              <a:avLst/>
+            </a:prstGeom>
+            <a:ln>
+              <a:solidFill>
+                <a:schemeClr val="tx2"/>
+              </a:solidFill>
+              <a:headEnd type="none" w="med" len="med"/>
+              <a:tailEnd type="arrow" w="med" len="med"/>
+            </a:ln>
+          </p:spPr>
+          <p:style>
+            <a:lnRef idx="3">
+              <a:schemeClr val="accent2"/>
+            </a:lnRef>
+            <a:fillRef idx="0">
+              <a:schemeClr val="accent2"/>
+            </a:fillRef>
+            <a:effectRef idx="2">
+              <a:schemeClr val="accent2"/>
+            </a:effectRef>
+            <a:fontRef idx="minor">
+              <a:schemeClr val="tx1"/>
+            </a:fontRef>
+          </p:style>
+        </p:cxnSp>
+        <p:cxnSp>
+          <p:nvCxnSpPr>
+            <p:cNvPr id="59" name="直線矢印コネクタ 58">
+              <a:extLst>
+                <a:ext uri="{FF2B5EF4-FFF2-40B4-BE49-F238E27FC236}">
+                  <a16:creationId xmlns:a16="http://schemas.microsoft.com/office/drawing/2014/main" id="{4E733A26-7418-4697-9E7F-F41042A1BCEE}"/>
+                </a:ext>
+              </a:extLst>
+            </p:cNvPr>
+            <p:cNvCxnSpPr>
+              <a:cxnSpLocks/>
+            </p:cNvCxnSpPr>
+            <p:nvPr/>
+          </p:nvCxnSpPr>
+          <p:spPr>
+            <a:xfrm>
+              <a:off x="3584953" y="2300557"/>
+              <a:ext cx="1873999" cy="1371025"/>
+            </a:xfrm>
+            <a:prstGeom prst="straightConnector1">
+              <a:avLst/>
+            </a:prstGeom>
+            <a:ln>
+              <a:solidFill>
+                <a:schemeClr val="tx2"/>
+              </a:solidFill>
+              <a:headEnd type="none" w="med" len="med"/>
+              <a:tailEnd type="arrow" w="med" len="med"/>
+            </a:ln>
+          </p:spPr>
+          <p:style>
+            <a:lnRef idx="3">
+              <a:schemeClr val="accent2"/>
+            </a:lnRef>
+            <a:fillRef idx="0">
+              <a:schemeClr val="accent2"/>
+            </a:fillRef>
+            <a:effectRef idx="2">
+              <a:schemeClr val="accent2"/>
+            </a:effectRef>
+            <a:fontRef idx="minor">
+              <a:schemeClr val="tx1"/>
+            </a:fontRef>
+          </p:style>
+        </p:cxnSp>
+        <p:sp>
+          <p:nvSpPr>
+            <p:cNvPr id="60" name="テキスト ボックス 59">
+              <a:extLst>
+                <a:ext uri="{FF2B5EF4-FFF2-40B4-BE49-F238E27FC236}">
+                  <a16:creationId xmlns:a16="http://schemas.microsoft.com/office/drawing/2014/main" id="{934F5836-EB02-46FF-BEAF-AC4BA1186835}"/>
+                </a:ext>
+              </a:extLst>
+            </p:cNvPr>
+            <p:cNvSpPr txBox="1"/>
+            <p:nvPr/>
+          </p:nvSpPr>
+          <p:spPr>
+            <a:xfrm>
+              <a:off x="1935245" y="1769453"/>
+              <a:ext cx="721672" cy="369332"/>
+            </a:xfrm>
+            <a:prstGeom prst="rect">
+              <a:avLst/>
+            </a:prstGeom>
+            <a:noFill/>
+          </p:spPr>
+          <p:txBody>
+            <a:bodyPr wrap="none" rtlCol="0">
+              <a:spAutoFit/>
+            </a:bodyPr>
+            <a:lstStyle/>
+            <a:p>
+              <a:r>
+                <a:rPr lang="en-US" altLang="ja-JP" dirty="0"/>
+                <a:t>CI/CD</a:t>
+              </a:r>
+              <a:endParaRPr lang="ja-JP" altLang="en-US" dirty="0"/>
+            </a:p>
+          </p:txBody>
+        </p:sp>
+        <p:sp>
+          <p:nvSpPr>
+            <p:cNvPr id="61" name="テキスト ボックス 60">
+              <a:extLst>
+                <a:ext uri="{FF2B5EF4-FFF2-40B4-BE49-F238E27FC236}">
+                  <a16:creationId xmlns:a16="http://schemas.microsoft.com/office/drawing/2014/main" id="{2B443C93-76DE-478D-811C-8527803D2DB6}"/>
+                </a:ext>
+              </a:extLst>
+            </p:cNvPr>
+            <p:cNvSpPr txBox="1"/>
+            <p:nvPr/>
+          </p:nvSpPr>
+          <p:spPr>
+            <a:xfrm>
+              <a:off x="2096448" y="2801404"/>
+              <a:ext cx="825867" cy="369332"/>
+            </a:xfrm>
+            <a:prstGeom prst="rect">
+              <a:avLst/>
+            </a:prstGeom>
+            <a:noFill/>
+          </p:spPr>
+          <p:txBody>
+            <a:bodyPr wrap="none" rtlCol="0">
+              <a:spAutoFit/>
+            </a:bodyPr>
+            <a:lstStyle/>
+            <a:p>
+              <a:r>
+                <a:rPr lang="en-US" altLang="ja-JP" dirty="0"/>
+                <a:t>git pull</a:t>
+              </a:r>
+              <a:endParaRPr lang="ja-JP" altLang="en-US" dirty="0"/>
+            </a:p>
+          </p:txBody>
+        </p:sp>
+        <p:sp>
+          <p:nvSpPr>
+            <p:cNvPr id="62" name="テキスト ボックス 61">
+              <a:extLst>
+                <a:ext uri="{FF2B5EF4-FFF2-40B4-BE49-F238E27FC236}">
+                  <a16:creationId xmlns:a16="http://schemas.microsoft.com/office/drawing/2014/main" id="{E451C1BA-EBC1-48DA-990B-0A2E9E5600A1}"/>
+                </a:ext>
+              </a:extLst>
+            </p:cNvPr>
+            <p:cNvSpPr txBox="1"/>
+            <p:nvPr/>
+          </p:nvSpPr>
+          <p:spPr>
+            <a:xfrm>
+              <a:off x="4240213" y="2406939"/>
+              <a:ext cx="1234697" cy="369332"/>
+            </a:xfrm>
+            <a:prstGeom prst="rect">
+              <a:avLst/>
+            </a:prstGeom>
+            <a:noFill/>
+          </p:spPr>
+          <p:txBody>
+            <a:bodyPr wrap="none" rtlCol="0">
+              <a:spAutoFit/>
+            </a:bodyPr>
+            <a:lstStyle/>
+            <a:p>
+              <a:r>
+                <a:rPr lang="en-US" altLang="ja-JP" dirty="0" err="1"/>
+                <a:t>nuget</a:t>
+              </a:r>
+              <a:r>
+                <a:rPr lang="en-US" altLang="ja-JP" dirty="0"/>
+                <a:t> push</a:t>
+              </a:r>
+              <a:endParaRPr lang="ja-JP" altLang="en-US" dirty="0"/>
+            </a:p>
+          </p:txBody>
+        </p:sp>
+        <p:sp>
+          <p:nvSpPr>
+            <p:cNvPr id="63" name="テキスト ボックス 62">
+              <a:extLst>
+                <a:ext uri="{FF2B5EF4-FFF2-40B4-BE49-F238E27FC236}">
+                  <a16:creationId xmlns:a16="http://schemas.microsoft.com/office/drawing/2014/main" id="{5412F809-F893-40F4-A7BA-766FA8EC1971}"/>
+                </a:ext>
+              </a:extLst>
+            </p:cNvPr>
+            <p:cNvSpPr txBox="1"/>
+            <p:nvPr/>
+          </p:nvSpPr>
+          <p:spPr>
+            <a:xfrm>
+              <a:off x="4240213" y="5194175"/>
+              <a:ext cx="1234697" cy="369332"/>
+            </a:xfrm>
+            <a:prstGeom prst="rect">
+              <a:avLst/>
+            </a:prstGeom>
+            <a:noFill/>
+          </p:spPr>
+          <p:txBody>
+            <a:bodyPr wrap="none" rtlCol="0">
+              <a:spAutoFit/>
+            </a:bodyPr>
+            <a:lstStyle/>
+            <a:p>
+              <a:r>
+                <a:rPr lang="en-US" altLang="ja-JP" dirty="0" err="1"/>
+                <a:t>nuget</a:t>
+              </a:r>
+              <a:r>
+                <a:rPr lang="en-US" altLang="ja-JP" dirty="0"/>
+                <a:t> push</a:t>
+              </a:r>
+              <a:endParaRPr lang="ja-JP" altLang="en-US" dirty="0"/>
+            </a:p>
+          </p:txBody>
+        </p:sp>
+        <p:sp>
+          <p:nvSpPr>
+            <p:cNvPr id="64" name="テキスト ボックス 63">
+              <a:extLst>
+                <a:ext uri="{FF2B5EF4-FFF2-40B4-BE49-F238E27FC236}">
+                  <a16:creationId xmlns:a16="http://schemas.microsoft.com/office/drawing/2014/main" id="{01565627-E489-411F-9FB5-9978E1C825FD}"/>
+                </a:ext>
+              </a:extLst>
+            </p:cNvPr>
+            <p:cNvSpPr txBox="1"/>
+            <p:nvPr/>
+          </p:nvSpPr>
+          <p:spPr>
+            <a:xfrm>
+              <a:off x="6625250" y="2394803"/>
+              <a:ext cx="1448282" cy="369332"/>
+            </a:xfrm>
+            <a:prstGeom prst="rect">
+              <a:avLst/>
+            </a:prstGeom>
+            <a:noFill/>
+          </p:spPr>
+          <p:txBody>
+            <a:bodyPr wrap="none" rtlCol="0">
+              <a:spAutoFit/>
+            </a:bodyPr>
+            <a:lstStyle/>
+            <a:p>
+              <a:r>
+                <a:rPr lang="en-US" altLang="ja-JP" dirty="0" err="1"/>
+                <a:t>nuget</a:t>
+              </a:r>
+              <a:r>
+                <a:rPr lang="en-US" altLang="ja-JP" dirty="0"/>
+                <a:t> restore</a:t>
+              </a:r>
+              <a:endParaRPr lang="ja-JP" altLang="en-US" dirty="0"/>
+            </a:p>
+          </p:txBody>
+        </p:sp>
+        <p:sp>
+          <p:nvSpPr>
+            <p:cNvPr id="65" name="テキスト ボックス 64">
+              <a:extLst>
+                <a:ext uri="{FF2B5EF4-FFF2-40B4-BE49-F238E27FC236}">
+                  <a16:creationId xmlns:a16="http://schemas.microsoft.com/office/drawing/2014/main" id="{54BF5101-36E2-4270-A970-56A0DDC63468}"/>
+                </a:ext>
+              </a:extLst>
+            </p:cNvPr>
+            <p:cNvSpPr txBox="1"/>
+            <p:nvPr/>
+          </p:nvSpPr>
+          <p:spPr>
+            <a:xfrm>
+              <a:off x="6614140" y="5382524"/>
+              <a:ext cx="1448282" cy="369332"/>
+            </a:xfrm>
+            <a:prstGeom prst="rect">
+              <a:avLst/>
+            </a:prstGeom>
+            <a:noFill/>
+          </p:spPr>
+          <p:txBody>
+            <a:bodyPr wrap="none" rtlCol="0">
+              <a:spAutoFit/>
+            </a:bodyPr>
+            <a:lstStyle/>
+            <a:p>
+              <a:r>
+                <a:rPr lang="en-US" altLang="ja-JP" dirty="0" err="1"/>
+                <a:t>nuget</a:t>
+              </a:r>
+              <a:r>
+                <a:rPr lang="en-US" altLang="ja-JP" dirty="0"/>
+                <a:t> restore</a:t>
+              </a:r>
+              <a:endParaRPr lang="ja-JP" altLang="en-US" dirty="0"/>
+            </a:p>
+          </p:txBody>
+        </p:sp>
+        <p:sp>
+          <p:nvSpPr>
+            <p:cNvPr id="67" name="テキスト ボックス 66">
+              <a:extLst>
+                <a:ext uri="{FF2B5EF4-FFF2-40B4-BE49-F238E27FC236}">
+                  <a16:creationId xmlns:a16="http://schemas.microsoft.com/office/drawing/2014/main" id="{34843F0E-C95B-4264-AB20-4991C73D6F0A}"/>
+                </a:ext>
+              </a:extLst>
+            </p:cNvPr>
+            <p:cNvSpPr txBox="1"/>
+            <p:nvPr/>
+          </p:nvSpPr>
+          <p:spPr>
+            <a:xfrm>
+              <a:off x="8938237" y="4784579"/>
+              <a:ext cx="918841" cy="369332"/>
+            </a:xfrm>
+            <a:prstGeom prst="rect">
+              <a:avLst/>
+            </a:prstGeom>
+            <a:noFill/>
+          </p:spPr>
+          <p:txBody>
+            <a:bodyPr wrap="none" rtlCol="0">
+              <a:spAutoFit/>
+            </a:bodyPr>
+            <a:lstStyle/>
+            <a:p>
+              <a:r>
+                <a:rPr lang="en-US" altLang="ja-JP" dirty="0"/>
+                <a:t>git </a:t>
+              </a:r>
+              <a:r>
+                <a:rPr lang="en-US" altLang="ja-JP" dirty="0" err="1"/>
+                <a:t>puth</a:t>
+              </a:r>
+              <a:endParaRPr lang="ja-JP" altLang="en-US" dirty="0"/>
+            </a:p>
+          </p:txBody>
+        </p:sp>
+        <p:sp>
+          <p:nvSpPr>
+            <p:cNvPr id="68" name="テキスト ボックス 67">
+              <a:extLst>
+                <a:ext uri="{FF2B5EF4-FFF2-40B4-BE49-F238E27FC236}">
+                  <a16:creationId xmlns:a16="http://schemas.microsoft.com/office/drawing/2014/main" id="{725F2EF6-97AC-4CAD-95C1-533805C7BD98}"/>
+                </a:ext>
+              </a:extLst>
+            </p:cNvPr>
+            <p:cNvSpPr txBox="1"/>
+            <p:nvPr/>
+          </p:nvSpPr>
+          <p:spPr>
+            <a:xfrm>
+              <a:off x="8984723" y="2721579"/>
+              <a:ext cx="825867" cy="369332"/>
+            </a:xfrm>
+            <a:prstGeom prst="rect">
+              <a:avLst/>
+            </a:prstGeom>
+            <a:noFill/>
+          </p:spPr>
+          <p:txBody>
+            <a:bodyPr wrap="none" rtlCol="0">
+              <a:spAutoFit/>
+            </a:bodyPr>
+            <a:lstStyle/>
+            <a:p>
+              <a:r>
+                <a:rPr lang="en-US" altLang="ja-JP" dirty="0"/>
+                <a:t>git pull</a:t>
+              </a:r>
+              <a:endParaRPr lang="ja-JP" altLang="en-US" dirty="0"/>
+            </a:p>
+          </p:txBody>
+        </p:sp>
+        <p:sp>
+          <p:nvSpPr>
+            <p:cNvPr id="69" name="テキスト ボックス 68">
+              <a:extLst>
+                <a:ext uri="{FF2B5EF4-FFF2-40B4-BE49-F238E27FC236}">
+                  <a16:creationId xmlns:a16="http://schemas.microsoft.com/office/drawing/2014/main" id="{1678DD19-BB36-4446-B149-EE461607F63B}"/>
+                </a:ext>
+              </a:extLst>
+            </p:cNvPr>
+            <p:cNvSpPr txBox="1"/>
+            <p:nvPr/>
+          </p:nvSpPr>
+          <p:spPr>
+            <a:xfrm>
+              <a:off x="9397656" y="3786392"/>
+              <a:ext cx="664734" cy="369332"/>
+            </a:xfrm>
+            <a:prstGeom prst="rect">
+              <a:avLst/>
+            </a:prstGeom>
+            <a:noFill/>
+          </p:spPr>
+          <p:txBody>
+            <a:bodyPr wrap="none" rtlCol="0">
+              <a:spAutoFit/>
+            </a:bodyPr>
+            <a:lstStyle/>
+            <a:p>
+              <a:r>
+                <a:rPr lang="en-US" altLang="ja-JP" dirty="0"/>
+                <a:t>Repo</a:t>
+              </a:r>
+              <a:endParaRPr lang="ja-JP" altLang="en-US" dirty="0"/>
+            </a:p>
+          </p:txBody>
+        </p:sp>
+        <p:pic>
+          <p:nvPicPr>
+            <p:cNvPr id="71" name="図 70">
+              <a:extLst>
+                <a:ext uri="{FF2B5EF4-FFF2-40B4-BE49-F238E27FC236}">
+                  <a16:creationId xmlns:a16="http://schemas.microsoft.com/office/drawing/2014/main" id="{5A332AB8-A96E-4DEF-B52A-4EFD90EBB0BB}"/>
+                </a:ext>
+              </a:extLst>
+            </p:cNvPr>
+            <p:cNvPicPr>
+              <a:picLocks noChangeAspect="1"/>
+            </p:cNvPicPr>
+            <p:nvPr/>
+          </p:nvPicPr>
+          <p:blipFill>
+            <a:blip r:embed="rId10" cstate="screen">
+              <a:extLst>
+                <a:ext uri="{28A0092B-C50C-407E-A947-70E740481C1C}">
+                  <a14:useLocalDpi xmlns:a14="http://schemas.microsoft.com/office/drawing/2010/main"/>
+                </a:ext>
+              </a:extLst>
+            </a:blip>
+            <a:stretch>
+              <a:fillRect/>
+            </a:stretch>
+          </p:blipFill>
+          <p:spPr>
+            <a:xfrm>
+              <a:off x="61421" y="581976"/>
+              <a:ext cx="842477" cy="842477"/>
+            </a:xfrm>
+            <a:prstGeom prst="rect">
+              <a:avLst/>
+            </a:prstGeom>
+          </p:spPr>
+        </p:pic>
+        <p:cxnSp>
+          <p:nvCxnSpPr>
+            <p:cNvPr id="73" name="コネクタ: カギ線 72">
+              <a:extLst>
+                <a:ext uri="{FF2B5EF4-FFF2-40B4-BE49-F238E27FC236}">
+                  <a16:creationId xmlns:a16="http://schemas.microsoft.com/office/drawing/2014/main" id="{F199D57E-914A-49F4-82A7-429CC0653EEE}"/>
+                </a:ext>
+              </a:extLst>
+            </p:cNvPr>
+            <p:cNvCxnSpPr>
+              <a:cxnSpLocks/>
+            </p:cNvCxnSpPr>
+            <p:nvPr/>
+          </p:nvCxnSpPr>
+          <p:spPr>
+            <a:xfrm rot="16200000" flipH="1">
+              <a:off x="-569408" y="2829913"/>
+              <a:ext cx="4425902" cy="2014604"/>
+            </a:xfrm>
+            <a:prstGeom prst="bentConnector2">
+              <a:avLst/>
+            </a:prstGeom>
+            <a:ln>
+              <a:solidFill>
+                <a:schemeClr val="tx2"/>
+              </a:solidFill>
+              <a:headEnd type="none" w="med" len="med"/>
+              <a:tailEnd type="arrow" w="med" len="med"/>
+            </a:ln>
+          </p:spPr>
+          <p:style>
+            <a:lnRef idx="3">
+              <a:schemeClr val="accent2"/>
+            </a:lnRef>
+            <a:fillRef idx="0">
+              <a:schemeClr val="accent2"/>
+            </a:fillRef>
+            <a:effectRef idx="2">
+              <a:schemeClr val="accent2"/>
+            </a:effectRef>
+            <a:fontRef idx="minor">
+              <a:schemeClr val="tx1"/>
+            </a:fontRef>
+          </p:style>
+        </p:cxnSp>
+        <p:sp>
+          <p:nvSpPr>
+            <p:cNvPr id="76" name="テキスト ボックス 75">
+              <a:extLst>
+                <a:ext uri="{FF2B5EF4-FFF2-40B4-BE49-F238E27FC236}">
+                  <a16:creationId xmlns:a16="http://schemas.microsoft.com/office/drawing/2014/main" id="{3384B7F8-90E9-4614-8F30-60AFBABB021D}"/>
+                </a:ext>
+              </a:extLst>
+            </p:cNvPr>
+            <p:cNvSpPr txBox="1"/>
+            <p:nvPr/>
+          </p:nvSpPr>
+          <p:spPr>
+            <a:xfrm>
+              <a:off x="171649" y="6037392"/>
+              <a:ext cx="1448282" cy="369332"/>
+            </a:xfrm>
+            <a:prstGeom prst="rect">
+              <a:avLst/>
+            </a:prstGeom>
+            <a:noFill/>
+          </p:spPr>
+          <p:txBody>
+            <a:bodyPr wrap="none" rtlCol="0">
+              <a:spAutoFit/>
+            </a:bodyPr>
+            <a:lstStyle/>
+            <a:p>
+              <a:r>
+                <a:rPr lang="en-US" altLang="ja-JP" dirty="0" err="1"/>
+                <a:t>nuget</a:t>
+              </a:r>
+              <a:r>
+                <a:rPr lang="en-US" altLang="ja-JP" dirty="0"/>
+                <a:t> restore</a:t>
+              </a:r>
+              <a:endParaRPr lang="ja-JP" altLang="en-US" dirty="0"/>
+            </a:p>
+          </p:txBody>
+        </p:sp>
+        <p:cxnSp>
+          <p:nvCxnSpPr>
+            <p:cNvPr id="77" name="コネクタ: カギ線 76">
+              <a:extLst>
+                <a:ext uri="{FF2B5EF4-FFF2-40B4-BE49-F238E27FC236}">
+                  <a16:creationId xmlns:a16="http://schemas.microsoft.com/office/drawing/2014/main" id="{A6A83A2F-6369-43AB-811E-74ADD83C0DD2}"/>
+                </a:ext>
+              </a:extLst>
+            </p:cNvPr>
+            <p:cNvCxnSpPr>
+              <a:cxnSpLocks/>
+            </p:cNvCxnSpPr>
+            <p:nvPr/>
+          </p:nvCxnSpPr>
+          <p:spPr>
+            <a:xfrm>
+              <a:off x="1007835" y="922701"/>
+              <a:ext cx="5101368" cy="2631033"/>
+            </a:xfrm>
+            <a:prstGeom prst="bentConnector2">
+              <a:avLst/>
+            </a:prstGeom>
+            <a:ln>
+              <a:solidFill>
+                <a:schemeClr val="tx2"/>
+              </a:solidFill>
+              <a:headEnd type="none" w="med" len="med"/>
+              <a:tailEnd type="arrow" w="med" len="med"/>
+            </a:ln>
+          </p:spPr>
+          <p:style>
+            <a:lnRef idx="3">
+              <a:schemeClr val="accent2"/>
+            </a:lnRef>
+            <a:fillRef idx="0">
+              <a:schemeClr val="accent2"/>
+            </a:fillRef>
+            <a:effectRef idx="2">
+              <a:schemeClr val="accent2"/>
+            </a:effectRef>
+            <a:fontRef idx="minor">
+              <a:schemeClr val="tx1"/>
+            </a:fontRef>
+          </p:style>
+        </p:cxnSp>
+        <p:sp>
+          <p:nvSpPr>
+            <p:cNvPr id="80" name="テキスト ボックス 79">
+              <a:extLst>
+                <a:ext uri="{FF2B5EF4-FFF2-40B4-BE49-F238E27FC236}">
+                  <a16:creationId xmlns:a16="http://schemas.microsoft.com/office/drawing/2014/main" id="{DE8C0430-4805-49EB-8D20-E97A473EF0A8}"/>
+                </a:ext>
+              </a:extLst>
+            </p:cNvPr>
+            <p:cNvSpPr txBox="1"/>
+            <p:nvPr/>
+          </p:nvSpPr>
+          <p:spPr>
+            <a:xfrm>
+              <a:off x="919402" y="553369"/>
+              <a:ext cx="1157368" cy="369332"/>
+            </a:xfrm>
+            <a:prstGeom prst="rect">
+              <a:avLst/>
+            </a:prstGeom>
+            <a:noFill/>
+          </p:spPr>
+          <p:txBody>
+            <a:bodyPr wrap="none" rtlCol="0">
+              <a:spAutoFit/>
+            </a:bodyPr>
+            <a:lstStyle/>
+            <a:p>
+              <a:r>
+                <a:rPr lang="en-US" altLang="ja-JP" dirty="0"/>
+                <a:t>Upstream </a:t>
+              </a:r>
+              <a:endParaRPr lang="ja-JP" altLang="en-US" dirty="0"/>
+            </a:p>
+          </p:txBody>
+        </p:sp>
+        <p:sp>
+          <p:nvSpPr>
+            <p:cNvPr id="82" name="正方形/長方形 81">
+              <a:extLst>
+                <a:ext uri="{FF2B5EF4-FFF2-40B4-BE49-F238E27FC236}">
+                  <a16:creationId xmlns:a16="http://schemas.microsoft.com/office/drawing/2014/main" id="{F8114A35-39BC-4040-90C9-C5ED114865FE}"/>
+                </a:ext>
+              </a:extLst>
+            </p:cNvPr>
+            <p:cNvSpPr/>
+            <p:nvPr/>
+          </p:nvSpPr>
+          <p:spPr>
+            <a:xfrm>
+              <a:off x="1701213" y="1374475"/>
+              <a:ext cx="4279768" cy="5181600"/>
+            </a:xfrm>
+            <a:prstGeom prst="rect">
+              <a:avLst/>
+            </a:prstGeom>
+            <a:noFill/>
+            <a:ln w="28575">
+              <a:prstDash val="dash"/>
+            </a:ln>
+          </p:spPr>
+          <p:style>
+            <a:lnRef idx="2">
+              <a:schemeClr val="accent2"/>
+            </a:lnRef>
+            <a:fillRef idx="1">
+              <a:schemeClr val="lt1"/>
+            </a:fillRef>
+            <a:effectRef idx="0">
+              <a:schemeClr val="accent2"/>
+            </a:effectRef>
+            <a:fontRef idx="minor">
+              <a:schemeClr val="dk1"/>
+            </a:fontRef>
+          </p:style>
+          <p:txBody>
+            <a:bodyPr rtlCol="0" anchor="b"/>
+            <a:lstStyle/>
+            <a:p>
+              <a:pPr algn="r"/>
+              <a:r>
+                <a:rPr kumimoji="1" lang="ja-JP" altLang="en-US" dirty="0"/>
+                <a:t>パッケージ開発</a:t>
+              </a:r>
+              <a:endParaRPr kumimoji="1" lang="en-US" altLang="ja-JP" dirty="0"/>
+            </a:p>
+          </p:txBody>
+        </p:sp>
+        <p:sp>
+          <p:nvSpPr>
+            <p:cNvPr id="83" name="正方形/長方形 82">
+              <a:extLst>
+                <a:ext uri="{FF2B5EF4-FFF2-40B4-BE49-F238E27FC236}">
+                  <a16:creationId xmlns:a16="http://schemas.microsoft.com/office/drawing/2014/main" id="{AB472FEB-CA14-41F6-948F-0A99612D06EA}"/>
+                </a:ext>
+              </a:extLst>
+            </p:cNvPr>
+            <p:cNvSpPr/>
+            <p:nvPr/>
+          </p:nvSpPr>
+          <p:spPr>
+            <a:xfrm>
+              <a:off x="6233542" y="1372494"/>
+              <a:ext cx="5843438" cy="5181600"/>
+            </a:xfrm>
+            <a:prstGeom prst="rect">
+              <a:avLst/>
+            </a:prstGeom>
+            <a:noFill/>
+            <a:ln w="28575">
+              <a:prstDash val="dash"/>
+            </a:ln>
+          </p:spPr>
+          <p:style>
+            <a:lnRef idx="2">
+              <a:schemeClr val="accent2"/>
+            </a:lnRef>
+            <a:fillRef idx="1">
+              <a:schemeClr val="lt1"/>
+            </a:fillRef>
+            <a:effectRef idx="0">
+              <a:schemeClr val="accent2"/>
+            </a:effectRef>
+            <a:fontRef idx="minor">
+              <a:schemeClr val="dk1"/>
+            </a:fontRef>
+          </p:style>
+          <p:txBody>
+            <a:bodyPr rtlCol="0" anchor="b"/>
+            <a:lstStyle/>
+            <a:p>
+              <a:pPr algn="r"/>
+              <a:r>
+                <a:rPr kumimoji="1" lang="ja-JP" altLang="en-US" dirty="0"/>
+                <a:t>アプリ開発</a:t>
+              </a:r>
+              <a:endParaRPr kumimoji="1" lang="en-US" altLang="ja-JP" dirty="0"/>
+            </a:p>
+          </p:txBody>
+        </p:sp>
+      </p:grpSp>
+      <p:sp>
+        <p:nvSpPr>
+          <p:cNvPr id="3" name="楕円 2">
+            <a:extLst>
+              <a:ext uri="{FF2B5EF4-FFF2-40B4-BE49-F238E27FC236}">
+                <a16:creationId xmlns:a16="http://schemas.microsoft.com/office/drawing/2014/main" id="{D0495FB2-C20D-4F76-AF7C-D077E1D5452B}"/>
+              </a:ext>
+            </a:extLst>
+          </p:cNvPr>
+          <p:cNvSpPr/>
+          <p:nvPr/>
+        </p:nvSpPr>
+        <p:spPr>
+          <a:xfrm rot="19951178">
+            <a:off x="2472150" y="3956954"/>
+            <a:ext cx="4444761" cy="2536902"/>
+          </a:xfrm>
+          <a:prstGeom prst="ellipse">
+            <a:avLst/>
+          </a:prstGeom>
+          <a:solidFill>
+            <a:srgbClr val="FFFF00">
+              <a:alpha val="45882"/>
+            </a:srgbClr>
+          </a:solidFill>
+          <a:ln>
+            <a:solidFill>
+              <a:srgbClr val="FFFF00"/>
+            </a:solidFill>
+          </a:ln>
+        </p:spPr>
+        <p:style>
+          <a:lnRef idx="2">
+            <a:schemeClr val="accent1">
+              <a:shade val="50000"/>
+            </a:schemeClr>
+          </a:lnRef>
+          <a:fillRef idx="1">
+            <a:schemeClr val="accent1"/>
+          </a:fillRef>
+          <a:effectRef idx="0">
+            <a:schemeClr val="accent1"/>
+          </a:effectRef>
+          <a:fontRef idx="minor">
+            <a:schemeClr val="lt1"/>
+          </a:fontRef>
+        </p:style>
+        <p:txBody>
+          <a:bodyPr rtlCol="0" anchor="ctr"/>
+          <a:lstStyle/>
+          <a:p>
+            <a:pPr algn="ctr"/>
+            <a:r>
+              <a:rPr kumimoji="1" lang="en-US" altLang="ja-JP" sz="4000" b="1" dirty="0">
+                <a:solidFill>
+                  <a:schemeClr val="tx1"/>
+                </a:solidFill>
+                <a:effectLst>
+                  <a:outerShdw blurRad="38100" dist="38100" dir="2700000" algn="tl">
+                    <a:srgbClr val="000000">
+                      <a:alpha val="43137"/>
+                    </a:srgbClr>
+                  </a:outerShdw>
+                </a:effectLst>
+              </a:rPr>
+              <a:t>DONE</a:t>
+            </a:r>
+            <a:endParaRPr kumimoji="1" lang="ja-JP" altLang="en-US" sz="4000" b="1" dirty="0">
+              <a:solidFill>
+                <a:schemeClr val="tx1"/>
+              </a:solidFill>
+              <a:effectLst>
+                <a:outerShdw blurRad="38100" dist="38100" dir="2700000" algn="tl">
+                  <a:srgbClr val="000000">
+                    <a:alpha val="43137"/>
+                  </a:srgbClr>
+                </a:outerShdw>
+              </a:effectLst>
+            </a:endParaRPr>
+          </a:p>
+        </p:txBody>
+      </p:sp>
+    </p:spTree>
+    <p:extLst>
+      <p:ext uri="{BB962C8B-B14F-4D97-AF65-F5344CB8AC3E}">
+        <p14:creationId xmlns:p14="http://schemas.microsoft.com/office/powerpoint/2010/main" val="2888416667"/>
+      </p:ext>
+    </p:extLst>
+  </p:cSld>
+  <p:clrMapOvr>
+    <a:masterClrMapping/>
+  </p:clrMapOvr>
+</p:sld>
+</file>
+
+<file path=ppt/slides/slide8.xml><?xml version="1.0" encoding="utf-8"?>
+<p:sld xmlns:a="http://schemas.openxmlformats.org/drawingml/2006/main" xmlns:r="http://schemas.openxmlformats.org/officeDocument/2006/relationships" xmlns:p="http://schemas.openxmlformats.org/presentationml/2006/main">
+  <p:cSld>
+    <p:spTree>
+      <p:nvGrpSpPr>
+        <p:cNvPr id="1" name=""/>
+        <p:cNvGrpSpPr/>
+        <p:nvPr/>
+      </p:nvGrpSpPr>
+      <p:grpSpPr>
+        <a:xfrm>
+          <a:off x="0" y="0"/>
+          <a:ext cx="0" cy="0"/>
+          <a:chOff x="0" y="0"/>
+          <a:chExt cx="0" cy="0"/>
+        </a:xfrm>
+      </p:grpSpPr>
       <p:sp>
         <p:nvSpPr>
           <p:cNvPr id="2" name="タイトル 1">
@@ -10963,7 +14373,7 @@
 </p:sld>
 </file>
 
-<file path=ppt/slides/slide8.xml><?xml version="1.0" encoding="utf-8"?>
+<file path=ppt/slides/slide9.xml><?xml version="1.0" encoding="utf-8"?>
 <p:sld xmlns:a="http://schemas.openxmlformats.org/drawingml/2006/main" xmlns:r="http://schemas.openxmlformats.org/officeDocument/2006/relationships" xmlns:p="http://schemas.openxmlformats.org/presentationml/2006/main">
   <p:cSld>
     <p:spTree>
@@ -11220,116 +14630,6 @@
     <p:extLst>
       <p:ext uri="{BB962C8B-B14F-4D97-AF65-F5344CB8AC3E}">
         <p14:creationId xmlns:p14="http://schemas.microsoft.com/office/powerpoint/2010/main" val="2842206131"/>
-      </p:ext>
-    </p:extLst>
-  </p:cSld>
-  <p:clrMapOvr>
-    <a:masterClrMapping/>
-  </p:clrMapOvr>
-</p:sld>
-</file>
-
-<file path=ppt/slides/slide9.xml><?xml version="1.0" encoding="utf-8"?>
-<p:sld xmlns:a="http://schemas.openxmlformats.org/drawingml/2006/main" xmlns:r="http://schemas.openxmlformats.org/officeDocument/2006/relationships" xmlns:p="http://schemas.openxmlformats.org/presentationml/2006/main">
-  <p:cSld>
-    <p:spTree>
-      <p:nvGrpSpPr>
-        <p:cNvPr id="1" name=""/>
-        <p:cNvGrpSpPr/>
-        <p:nvPr/>
-      </p:nvGrpSpPr>
-      <p:grpSpPr>
-        <a:xfrm>
-          <a:off x="0" y="0"/>
-          <a:ext cx="0" cy="0"/>
-          <a:chOff x="0" y="0"/>
-          <a:chExt cx="0" cy="0"/>
-        </a:xfrm>
-      </p:grpSpPr>
-      <p:pic>
-        <p:nvPicPr>
-          <p:cNvPr id="2" name="図 1">
-            <a:extLst>
-              <a:ext uri="{FF2B5EF4-FFF2-40B4-BE49-F238E27FC236}">
-                <a16:creationId xmlns:a16="http://schemas.microsoft.com/office/drawing/2014/main" id="{0837474C-CA64-47DE-8137-BAB774B03CD4}"/>
-              </a:ext>
-            </a:extLst>
-          </p:cNvPr>
-          <p:cNvPicPr>
-            <a:picLocks noChangeAspect="1"/>
-          </p:cNvPicPr>
-          <p:nvPr/>
-        </p:nvPicPr>
-        <p:blipFill>
-          <a:blip r:embed="rId2"/>
-          <a:stretch>
-            <a:fillRect/>
-          </a:stretch>
-        </p:blipFill>
-        <p:spPr>
-          <a:xfrm>
-            <a:off x="87518" y="1301335"/>
-            <a:ext cx="6082832" cy="4043295"/>
-          </a:xfrm>
-          <a:prstGeom prst="rect">
-            <a:avLst/>
-          </a:prstGeom>
-          <a:ln>
-            <a:noFill/>
-          </a:ln>
-          <a:effectLst>
-            <a:outerShdw blurRad="292100" dist="139700" dir="2700000" algn="tl" rotWithShape="0">
-              <a:srgbClr val="333333">
-                <a:alpha val="65000"/>
-              </a:srgbClr>
-            </a:outerShdw>
-          </a:effectLst>
-        </p:spPr>
-      </p:pic>
-      <p:pic>
-        <p:nvPicPr>
-          <p:cNvPr id="3" name="図 2">
-            <a:extLst>
-              <a:ext uri="{FF2B5EF4-FFF2-40B4-BE49-F238E27FC236}">
-                <a16:creationId xmlns:a16="http://schemas.microsoft.com/office/drawing/2014/main" id="{FCCA89C2-4220-4C01-AD7E-AC7B133DE9AA}"/>
-              </a:ext>
-            </a:extLst>
-          </p:cNvPr>
-          <p:cNvPicPr>
-            <a:picLocks noChangeAspect="1"/>
-          </p:cNvPicPr>
-          <p:nvPr/>
-        </p:nvPicPr>
-        <p:blipFill>
-          <a:blip r:embed="rId3"/>
-          <a:stretch>
-            <a:fillRect/>
-          </a:stretch>
-        </p:blipFill>
-        <p:spPr>
-          <a:xfrm>
-            <a:off x="6441281" y="1479894"/>
-            <a:ext cx="6638925" cy="3686175"/>
-          </a:xfrm>
-          <a:prstGeom prst="rect">
-            <a:avLst/>
-          </a:prstGeom>
-          <a:ln>
-            <a:noFill/>
-          </a:ln>
-          <a:effectLst>
-            <a:outerShdw blurRad="292100" dist="139700" dir="2700000" algn="tl" rotWithShape="0">
-              <a:srgbClr val="333333">
-                <a:alpha val="65000"/>
-              </a:srgbClr>
-            </a:outerShdw>
-          </a:effectLst>
-        </p:spPr>
-      </p:pic>
-    </p:spTree>
-    <p:extLst>
-      <p:ext uri="{BB962C8B-B14F-4D97-AF65-F5344CB8AC3E}">
-        <p14:creationId xmlns:p14="http://schemas.microsoft.com/office/powerpoint/2010/main" val="1655666606"/>
       </p:ext>
     </p:extLst>
   </p:cSld>

--- a/package-management-with-azure-artifacts/images/figures.pptx
+++ b/package-management-with-azure-artifacts/images/figures.pptx
@@ -9579,7 +9579,7 @@
         </p:nvGrpSpPr>
         <p:grpSpPr>
           <a:xfrm>
-            <a:off x="61421" y="553369"/>
+            <a:off x="55812" y="553369"/>
             <a:ext cx="12015559" cy="6002706"/>
             <a:chOff x="61421" y="553369"/>
             <a:chExt cx="12015559" cy="6002706"/>

--- a/package-management-with-azure-artifacts/images/figures.pptx
+++ b/package-management-with-azure-artifacts/images/figures.pptx
@@ -5399,10 +5399,10 @@
       </p:grpSp>
       <p:sp>
         <p:nvSpPr>
-          <p:cNvPr id="3" name="楕円 2">
+          <p:cNvPr id="41" name="楕円 40">
             <a:extLst>
               <a:ext uri="{FF2B5EF4-FFF2-40B4-BE49-F238E27FC236}">
-                <a16:creationId xmlns:a16="http://schemas.microsoft.com/office/drawing/2014/main" id="{D0495FB2-C20D-4F76-AF7C-D077E1D5452B}"/>
+                <a16:creationId xmlns:a16="http://schemas.microsoft.com/office/drawing/2014/main" id="{62389554-F239-4B82-B54F-775E0BA2FF81}"/>
               </a:ext>
             </a:extLst>
           </p:cNvPr>
@@ -5410,9 +5410,9 @@
           <p:nvPr/>
         </p:nvSpPr>
         <p:spPr>
-          <a:xfrm>
-            <a:off x="2649819" y="4005508"/>
-            <a:ext cx="6954611" cy="3214963"/>
+          <a:xfrm rot="1648822" flipH="1">
+            <a:off x="5192127" y="3878171"/>
+            <a:ext cx="4444761" cy="2536902"/>
           </a:xfrm>
           <a:prstGeom prst="ellipse">
             <a:avLst/>
